--- a/ReactiveProgramming_RxJS.pptx
+++ b/ReactiveProgramming_RxJS.pptx
@@ -5,10 +5,10 @@
     <p:sldMasterId id="2147483793" r:id="rId1"/>
   </p:sldMasterIdLst>
   <p:notesMasterIdLst>
-    <p:notesMasterId r:id="rId24"/>
+    <p:notesMasterId r:id="rId32"/>
   </p:notesMasterIdLst>
   <p:handoutMasterIdLst>
-    <p:handoutMasterId r:id="rId25"/>
+    <p:handoutMasterId r:id="rId33"/>
   </p:handoutMasterIdLst>
   <p:sldIdLst>
     <p:sldId id="292" r:id="rId2"/>
@@ -30,9 +30,17 @@
     <p:sldId id="434" r:id="rId18"/>
     <p:sldId id="436" r:id="rId19"/>
     <p:sldId id="437" r:id="rId20"/>
-    <p:sldId id="407" r:id="rId21"/>
-    <p:sldId id="419" r:id="rId22"/>
-    <p:sldId id="416" r:id="rId23"/>
+    <p:sldId id="438" r:id="rId21"/>
+    <p:sldId id="439" r:id="rId22"/>
+    <p:sldId id="441" r:id="rId23"/>
+    <p:sldId id="442" r:id="rId24"/>
+    <p:sldId id="443" r:id="rId25"/>
+    <p:sldId id="444" r:id="rId26"/>
+    <p:sldId id="445" r:id="rId27"/>
+    <p:sldId id="440" r:id="rId28"/>
+    <p:sldId id="407" r:id="rId29"/>
+    <p:sldId id="419" r:id="rId30"/>
+    <p:sldId id="416" r:id="rId31"/>
   </p:sldIdLst>
   <p:sldSz cx="12192000" cy="6858000"/>
   <p:notesSz cx="6858000" cy="9144000"/>
@@ -807,7 +815,7 @@
           <a:p>
             <a:fld id="{C519897D-FFB3-4111-B327-449DADBE2990}" type="slidenum">
               <a:rPr lang="en-US" smtClean="0"/>
-              <a:t>20</a:t>
+              <a:t>28</a:t>
             </a:fld>
             <a:endParaRPr lang="en-US"/>
           </a:p>
@@ -891,7 +899,7 @@
           <a:p>
             <a:fld id="{C519897D-FFB3-4111-B327-449DADBE2990}" type="slidenum">
               <a:rPr lang="en-US" smtClean="0"/>
-              <a:t>21</a:t>
+              <a:t>29</a:t>
             </a:fld>
             <a:endParaRPr lang="en-US"/>
           </a:p>
@@ -975,7 +983,7 @@
           <a:p>
             <a:fld id="{C519897D-FFB3-4111-B327-449DADBE2990}" type="slidenum">
               <a:rPr lang="en-US" smtClean="0"/>
-              <a:t>22</a:t>
+              <a:t>30</a:t>
             </a:fld>
             <a:endParaRPr lang="en-US"/>
           </a:p>
@@ -6890,7 +6898,6 @@
               <a:rPr lang="it-IT" dirty="0" smtClean="0"/>
               <a:t> Programming:</a:t>
             </a:r>
-            <a:endParaRPr lang="it-IT" dirty="0" smtClean="0"/>
           </a:p>
           <a:p>
             <a:endParaRPr lang="it-IT" dirty="0" smtClean="0"/>
@@ -7239,6 +7246,2370 @@
           <a:lstStyle/>
           <a:p>
             <a:r>
+              <a:rPr lang="it-IT" dirty="0" err="1" smtClean="0"/>
+              <a:t>Angular</a:t>
+            </a:r>
+            <a:r>
+              <a:rPr lang="it-IT" dirty="0" smtClean="0"/>
+              <a:t> &amp; </a:t>
+            </a:r>
+            <a:r>
+              <a:rPr lang="it-IT" dirty="0" err="1" smtClean="0"/>
+              <a:t>RxJS</a:t>
+            </a:r>
+            <a:endParaRPr lang="it-IT" dirty="0"/>
+          </a:p>
+        </p:txBody>
+      </p:sp>
+      <p:sp>
+        <p:nvSpPr>
+          <p:cNvPr id="5" name="Segnaposto contenuto 4"/>
+          <p:cNvSpPr>
+            <a:spLocks noGrp="1"/>
+          </p:cNvSpPr>
+          <p:nvPr>
+            <p:ph idx="1"/>
+          </p:nvPr>
+        </p:nvSpPr>
+        <p:spPr/>
+        <p:txBody>
+          <a:bodyPr>
+            <a:noAutofit/>
+          </a:bodyPr>
+          <a:lstStyle/>
+          <a:p>
+            <a:endParaRPr lang="it-IT" sz="2800" dirty="0" smtClean="0"/>
+          </a:p>
+          <a:p>
+            <a:r>
+              <a:rPr lang="it-IT" sz="2800" dirty="0" err="1" smtClean="0"/>
+              <a:t>Observables</a:t>
+            </a:r>
+            <a:r>
+              <a:rPr lang="it-IT" sz="2800" dirty="0" smtClean="0"/>
+              <a:t> are </a:t>
+            </a:r>
+            <a:r>
+              <a:rPr lang="it-IT" sz="2800" dirty="0" err="1" smtClean="0"/>
+              <a:t>widely</a:t>
+            </a:r>
+            <a:r>
+              <a:rPr lang="it-IT" sz="2800" dirty="0" smtClean="0"/>
+              <a:t> </a:t>
+            </a:r>
+            <a:r>
+              <a:rPr lang="it-IT" sz="2800" dirty="0" err="1" smtClean="0"/>
+              <a:t>used</a:t>
+            </a:r>
+            <a:r>
+              <a:rPr lang="it-IT" sz="2800" dirty="0" smtClean="0"/>
+              <a:t> in </a:t>
+            </a:r>
+            <a:r>
+              <a:rPr lang="it-IT" sz="2800" dirty="0" err="1" smtClean="0"/>
+              <a:t>Angular</a:t>
+            </a:r>
+            <a:r>
+              <a:rPr lang="it-IT" sz="2800" dirty="0" smtClean="0"/>
+              <a:t>.</a:t>
+            </a:r>
+          </a:p>
+          <a:p>
+            <a:endParaRPr lang="it-IT" sz="2800" dirty="0" smtClean="0"/>
+          </a:p>
+          <a:p>
+            <a:r>
+              <a:rPr lang="it-IT" sz="2800" dirty="0" smtClean="0"/>
+              <a:t>The </a:t>
+            </a:r>
+            <a:r>
+              <a:rPr lang="it-IT" sz="2800" dirty="0" err="1" smtClean="0"/>
+              <a:t>Observables</a:t>
+            </a:r>
+            <a:r>
+              <a:rPr lang="it-IT" sz="2800" dirty="0" smtClean="0"/>
+              <a:t> </a:t>
+            </a:r>
+            <a:r>
+              <a:rPr lang="it-IT" sz="2800" dirty="0" err="1" smtClean="0"/>
+              <a:t>exposed</a:t>
+            </a:r>
+            <a:r>
+              <a:rPr lang="it-IT" sz="2800" dirty="0" smtClean="0"/>
+              <a:t> by </a:t>
+            </a:r>
+            <a:r>
+              <a:rPr lang="it-IT" sz="2800" dirty="0" err="1" smtClean="0"/>
+              <a:t>Angular</a:t>
+            </a:r>
+            <a:r>
+              <a:rPr lang="it-IT" sz="2800" dirty="0" smtClean="0"/>
+              <a:t> </a:t>
+            </a:r>
+            <a:r>
+              <a:rPr lang="it-IT" sz="2800" dirty="0" err="1" smtClean="0"/>
+              <a:t>built</a:t>
+            </a:r>
+            <a:r>
+              <a:rPr lang="it-IT" sz="2800" dirty="0" smtClean="0"/>
+              <a:t>-in </a:t>
+            </a:r>
+            <a:r>
+              <a:rPr lang="it-IT" sz="2800" dirty="0" err="1" smtClean="0"/>
+              <a:t>services</a:t>
+            </a:r>
+            <a:r>
+              <a:rPr lang="it-IT" sz="2800" dirty="0" smtClean="0"/>
+              <a:t> (</a:t>
+            </a:r>
+            <a:r>
+              <a:rPr lang="it-IT" sz="2800" dirty="0" err="1" smtClean="0"/>
+              <a:t>like</a:t>
+            </a:r>
+            <a:r>
+              <a:rPr lang="it-IT" sz="2800" dirty="0" smtClean="0"/>
+              <a:t> Http from </a:t>
+            </a:r>
+            <a:r>
+              <a:rPr lang="it-IT" sz="2800" dirty="0" err="1" smtClean="0"/>
+              <a:t>HttpModule</a:t>
+            </a:r>
+            <a:r>
+              <a:rPr lang="it-IT" sz="2800" dirty="0" smtClean="0"/>
+              <a:t>) are </a:t>
+            </a:r>
+            <a:r>
+              <a:rPr lang="it-IT" sz="2800" b="1" dirty="0" err="1" smtClean="0">
+                <a:solidFill>
+                  <a:srgbClr val="0070C0"/>
+                </a:solidFill>
+              </a:rPr>
+              <a:t>Unicast</a:t>
+            </a:r>
+            <a:r>
+              <a:rPr lang="it-IT" sz="2800" dirty="0" smtClean="0"/>
+              <a:t>, so </a:t>
+            </a:r>
+            <a:r>
+              <a:rPr lang="it-IT" sz="2800" dirty="0" err="1" smtClean="0"/>
+              <a:t>they</a:t>
+            </a:r>
+            <a:r>
+              <a:rPr lang="it-IT" sz="2800" dirty="0" smtClean="0"/>
+              <a:t> are </a:t>
+            </a:r>
+            <a:r>
+              <a:rPr lang="it-IT" sz="2800" dirty="0" err="1" smtClean="0"/>
+              <a:t>not</a:t>
+            </a:r>
+            <a:r>
+              <a:rPr lang="it-IT" sz="2800" dirty="0" smtClean="0"/>
+              <a:t> </a:t>
+            </a:r>
+            <a:r>
+              <a:rPr lang="it-IT" sz="2800" dirty="0" err="1" smtClean="0"/>
+              <a:t>shared</a:t>
+            </a:r>
+            <a:r>
+              <a:rPr lang="it-IT" sz="2800" dirty="0" smtClean="0"/>
+              <a:t> </a:t>
+            </a:r>
+            <a:r>
+              <a:rPr lang="it-IT" sz="2800" dirty="0" err="1" smtClean="0"/>
+              <a:t>between</a:t>
+            </a:r>
+            <a:r>
+              <a:rPr lang="it-IT" sz="2800" dirty="0" smtClean="0"/>
+              <a:t> </a:t>
+            </a:r>
+            <a:r>
+              <a:rPr lang="it-IT" sz="2800" dirty="0" err="1" smtClean="0"/>
+              <a:t>subscriptions</a:t>
+            </a:r>
+            <a:r>
+              <a:rPr lang="it-IT" sz="2800" dirty="0" smtClean="0"/>
+              <a:t>.</a:t>
+            </a:r>
+          </a:p>
+        </p:txBody>
+      </p:sp>
+    </p:spTree>
+    <p:extLst>
+      <p:ext uri="{BB962C8B-B14F-4D97-AF65-F5344CB8AC3E}">
+        <p14:creationId xmlns:p14="http://schemas.microsoft.com/office/powerpoint/2010/main" val="997846537"/>
+      </p:ext>
+    </p:extLst>
+  </p:cSld>
+  <p:clrMapOvr>
+    <a:masterClrMapping/>
+  </p:clrMapOvr>
+  <p:timing>
+    <p:tnLst>
+      <p:par>
+        <p:cTn id="1" dur="indefinite" restart="never" nodeType="tmRoot">
+          <p:childTnLst>
+            <p:seq concurrent="1" nextAc="seek">
+              <p:cTn id="2" dur="indefinite" nodeType="mainSeq">
+                <p:childTnLst>
+                  <p:par>
+                    <p:cTn id="3" fill="hold">
+                      <p:stCondLst>
+                        <p:cond delay="indefinite"/>
+                        <p:cond evt="onBegin" delay="0">
+                          <p:tn val="2"/>
+                        </p:cond>
+                      </p:stCondLst>
+                      <p:childTnLst>
+                        <p:par>
+                          <p:cTn id="4" fill="hold">
+                            <p:stCondLst>
+                              <p:cond delay="0"/>
+                            </p:stCondLst>
+                            <p:childTnLst>
+                              <p:par>
+                                <p:cTn id="5" presetID="10" presetClass="entr" presetSubtype="0" fill="hold" nodeType="afterEffect">
+                                  <p:stCondLst>
+                                    <p:cond delay="0"/>
+                                  </p:stCondLst>
+                                  <p:childTnLst>
+                                    <p:set>
+                                      <p:cBhvr>
+                                        <p:cTn id="6" dur="1" fill="hold">
+                                          <p:stCondLst>
+                                            <p:cond delay="0"/>
+                                          </p:stCondLst>
+                                        </p:cTn>
+                                        <p:tgtEl>
+                                          <p:spTgt spid="5">
+                                            <p:txEl>
+                                              <p:pRg st="1" end="1"/>
+                                            </p:txEl>
+                                          </p:spTgt>
+                                        </p:tgtEl>
+                                        <p:attrNameLst>
+                                          <p:attrName>style.visibility</p:attrName>
+                                        </p:attrNameLst>
+                                      </p:cBhvr>
+                                      <p:to>
+                                        <p:strVal val="visible"/>
+                                      </p:to>
+                                    </p:set>
+                                    <p:animEffect transition="in" filter="fade">
+                                      <p:cBhvr>
+                                        <p:cTn id="7" dur="500"/>
+                                        <p:tgtEl>
+                                          <p:spTgt spid="5">
+                                            <p:txEl>
+                                              <p:pRg st="1" end="1"/>
+                                            </p:txEl>
+                                          </p:spTgt>
+                                        </p:tgtEl>
+                                      </p:cBhvr>
+                                    </p:animEffect>
+                                  </p:childTnLst>
+                                </p:cTn>
+                              </p:par>
+                            </p:childTnLst>
+                          </p:cTn>
+                        </p:par>
+                        <p:par>
+                          <p:cTn id="8" fill="hold">
+                            <p:stCondLst>
+                              <p:cond delay="500"/>
+                            </p:stCondLst>
+                            <p:childTnLst>
+                              <p:par>
+                                <p:cTn id="9" presetID="10" presetClass="entr" presetSubtype="0" fill="hold" nodeType="afterEffect">
+                                  <p:stCondLst>
+                                    <p:cond delay="0"/>
+                                  </p:stCondLst>
+                                  <p:childTnLst>
+                                    <p:set>
+                                      <p:cBhvr>
+                                        <p:cTn id="10" dur="1" fill="hold">
+                                          <p:stCondLst>
+                                            <p:cond delay="0"/>
+                                          </p:stCondLst>
+                                        </p:cTn>
+                                        <p:tgtEl>
+                                          <p:spTgt spid="5">
+                                            <p:txEl>
+                                              <p:pRg st="3" end="3"/>
+                                            </p:txEl>
+                                          </p:spTgt>
+                                        </p:tgtEl>
+                                        <p:attrNameLst>
+                                          <p:attrName>style.visibility</p:attrName>
+                                        </p:attrNameLst>
+                                      </p:cBhvr>
+                                      <p:to>
+                                        <p:strVal val="visible"/>
+                                      </p:to>
+                                    </p:set>
+                                    <p:animEffect transition="in" filter="fade">
+                                      <p:cBhvr>
+                                        <p:cTn id="11" dur="500"/>
+                                        <p:tgtEl>
+                                          <p:spTgt spid="5">
+                                            <p:txEl>
+                                              <p:pRg st="3" end="3"/>
+                                            </p:txEl>
+                                          </p:spTgt>
+                                        </p:tgtEl>
+                                      </p:cBhvr>
+                                    </p:animEffect>
+                                  </p:childTnLst>
+                                </p:cTn>
+                              </p:par>
+                            </p:childTnLst>
+                          </p:cTn>
+                        </p:par>
+                      </p:childTnLst>
+                    </p:cTn>
+                  </p:par>
+                </p:childTnLst>
+              </p:cTn>
+              <p:prevCondLst>
+                <p:cond evt="onPrev" delay="0">
+                  <p:tgtEl>
+                    <p:sldTgt/>
+                  </p:tgtEl>
+                </p:cond>
+              </p:prevCondLst>
+              <p:nextCondLst>
+                <p:cond evt="onNext" delay="0">
+                  <p:tgtEl>
+                    <p:sldTgt/>
+                  </p:tgtEl>
+                </p:cond>
+              </p:nextCondLst>
+            </p:seq>
+          </p:childTnLst>
+        </p:cTn>
+      </p:par>
+    </p:tnLst>
+  </p:timing>
+</p:sld>
+</file>
+
+<file path=ppt/slides/slide21.xml><?xml version="1.0" encoding="utf-8"?>
+<p:sld xmlns:a="http://schemas.openxmlformats.org/drawingml/2006/main" xmlns:r="http://schemas.openxmlformats.org/officeDocument/2006/relationships" xmlns:p="http://schemas.openxmlformats.org/presentationml/2006/main">
+  <p:cSld>
+    <p:spTree>
+      <p:nvGrpSpPr>
+        <p:cNvPr id="1" name=""/>
+        <p:cNvGrpSpPr/>
+        <p:nvPr/>
+      </p:nvGrpSpPr>
+      <p:grpSpPr>
+        <a:xfrm>
+          <a:off x="0" y="0"/>
+          <a:ext cx="0" cy="0"/>
+          <a:chOff x="0" y="0"/>
+          <a:chExt cx="0" cy="0"/>
+        </a:xfrm>
+      </p:grpSpPr>
+      <p:sp>
+        <p:nvSpPr>
+          <p:cNvPr id="4" name="Titolo 3"/>
+          <p:cNvSpPr>
+            <a:spLocks noGrp="1"/>
+          </p:cNvSpPr>
+          <p:nvPr>
+            <p:ph type="title"/>
+          </p:nvPr>
+        </p:nvSpPr>
+        <p:spPr/>
+        <p:txBody>
+          <a:bodyPr/>
+          <a:lstStyle/>
+          <a:p>
+            <a:r>
+              <a:rPr lang="it-IT" dirty="0" err="1" smtClean="0"/>
+              <a:t>Consuming</a:t>
+            </a:r>
+            <a:r>
+              <a:rPr lang="it-IT" dirty="0" smtClean="0"/>
+              <a:t> </a:t>
+            </a:r>
+            <a:r>
+              <a:rPr lang="it-IT" dirty="0" err="1" smtClean="0"/>
+              <a:t>Observables</a:t>
+            </a:r>
+            <a:endParaRPr lang="it-IT" dirty="0"/>
+          </a:p>
+        </p:txBody>
+      </p:sp>
+      <p:sp>
+        <p:nvSpPr>
+          <p:cNvPr id="5" name="Segnaposto contenuto 4"/>
+          <p:cNvSpPr>
+            <a:spLocks noGrp="1"/>
+          </p:cNvSpPr>
+          <p:nvPr>
+            <p:ph idx="1"/>
+          </p:nvPr>
+        </p:nvSpPr>
+        <p:spPr/>
+        <p:txBody>
+          <a:bodyPr/>
+          <a:lstStyle/>
+          <a:p>
+            <a:endParaRPr lang="it-IT" dirty="0" smtClean="0"/>
+          </a:p>
+          <a:p>
+            <a:r>
+              <a:rPr lang="it-IT" sz="2800" dirty="0" smtClean="0"/>
+              <a:t>To </a:t>
+            </a:r>
+            <a:r>
+              <a:rPr lang="it-IT" sz="2800" dirty="0" err="1" smtClean="0"/>
+              <a:t>consume</a:t>
+            </a:r>
+            <a:r>
+              <a:rPr lang="it-IT" sz="2800" dirty="0" smtClean="0"/>
+              <a:t> the </a:t>
+            </a:r>
+            <a:r>
+              <a:rPr lang="it-IT" sz="2800" dirty="0" err="1" smtClean="0"/>
+              <a:t>Observables</a:t>
+            </a:r>
+            <a:r>
+              <a:rPr lang="it-IT" sz="2800" dirty="0" smtClean="0"/>
+              <a:t> </a:t>
+            </a:r>
+            <a:r>
+              <a:rPr lang="it-IT" sz="2800" dirty="0" err="1" smtClean="0"/>
+              <a:t>you</a:t>
+            </a:r>
+            <a:r>
+              <a:rPr lang="it-IT" sz="2800" dirty="0" smtClean="0"/>
+              <a:t> can:</a:t>
+            </a:r>
+          </a:p>
+          <a:p>
+            <a:endParaRPr lang="it-IT" sz="2800" dirty="0" smtClean="0"/>
+          </a:p>
+          <a:p>
+            <a:pPr>
+              <a:buFont typeface="Arial" panose="020B0604020202020204" pitchFamily="34" charset="0"/>
+              <a:buChar char="•"/>
+            </a:pPr>
+            <a:r>
+              <a:rPr lang="it-IT" sz="2800" b="1" dirty="0" err="1" smtClean="0">
+                <a:solidFill>
+                  <a:srgbClr val="0070C0"/>
+                </a:solidFill>
+              </a:rPr>
+              <a:t>Explicitly</a:t>
+            </a:r>
+            <a:r>
+              <a:rPr lang="it-IT" sz="2800" b="1" dirty="0" smtClean="0">
+                <a:solidFill>
+                  <a:srgbClr val="0070C0"/>
+                </a:solidFill>
+              </a:rPr>
+              <a:t> </a:t>
+            </a:r>
+            <a:r>
+              <a:rPr lang="it-IT" sz="2800" b="1" dirty="0" err="1" smtClean="0">
+                <a:solidFill>
+                  <a:srgbClr val="0070C0"/>
+                </a:solidFill>
+              </a:rPr>
+              <a:t>subscribe</a:t>
+            </a:r>
+            <a:r>
+              <a:rPr lang="it-IT" sz="2800" b="1" dirty="0" smtClean="0">
+                <a:solidFill>
+                  <a:srgbClr val="0070C0"/>
+                </a:solidFill>
+              </a:rPr>
+              <a:t> </a:t>
+            </a:r>
+            <a:r>
+              <a:rPr lang="it-IT" sz="2800" dirty="0" smtClean="0"/>
+              <a:t>and </a:t>
+            </a:r>
+            <a:r>
+              <a:rPr lang="it-IT" sz="2800" dirty="0" err="1" smtClean="0"/>
+              <a:t>assign</a:t>
+            </a:r>
+            <a:r>
+              <a:rPr lang="it-IT" sz="2800" dirty="0" smtClean="0"/>
+              <a:t> the data to public </a:t>
+            </a:r>
+            <a:r>
+              <a:rPr lang="it-IT" sz="2800" dirty="0" err="1" smtClean="0"/>
+              <a:t>properties</a:t>
+            </a:r>
+            <a:r>
+              <a:rPr lang="it-IT" sz="2800" dirty="0" smtClean="0"/>
+              <a:t> of the </a:t>
+            </a:r>
+            <a:r>
+              <a:rPr lang="it-IT" sz="2800" dirty="0" err="1" smtClean="0"/>
+              <a:t>components</a:t>
+            </a:r>
+            <a:r>
+              <a:rPr lang="it-IT" sz="2800" dirty="0" smtClean="0"/>
+              <a:t>.</a:t>
+            </a:r>
+          </a:p>
+          <a:p>
+            <a:pPr>
+              <a:buFont typeface="Arial" panose="020B0604020202020204" pitchFamily="34" charset="0"/>
+              <a:buChar char="•"/>
+            </a:pPr>
+            <a:endParaRPr lang="it-IT" sz="2800" dirty="0"/>
+          </a:p>
+          <a:p>
+            <a:pPr>
+              <a:buFont typeface="Arial" panose="020B0604020202020204" pitchFamily="34" charset="0"/>
+              <a:buChar char="•"/>
+            </a:pPr>
+            <a:r>
+              <a:rPr lang="it-IT" sz="2800" dirty="0" smtClean="0"/>
+              <a:t>(</a:t>
+            </a:r>
+            <a:r>
+              <a:rPr lang="it-IT" sz="2800" dirty="0" err="1" smtClean="0"/>
+              <a:t>Recommended</a:t>
+            </a:r>
+            <a:r>
+              <a:rPr lang="it-IT" sz="2800" dirty="0" smtClean="0"/>
+              <a:t> way) </a:t>
+            </a:r>
+            <a:r>
+              <a:rPr lang="it-IT" sz="2800" b="1" dirty="0" err="1" smtClean="0">
+                <a:solidFill>
+                  <a:srgbClr val="0070C0"/>
+                </a:solidFill>
+              </a:rPr>
+              <a:t>AsyncPipe</a:t>
+            </a:r>
+            <a:r>
+              <a:rPr lang="it-IT" sz="2800" dirty="0" smtClean="0">
+                <a:solidFill>
+                  <a:srgbClr val="0070C0"/>
+                </a:solidFill>
+              </a:rPr>
+              <a:t> </a:t>
+            </a:r>
+            <a:r>
+              <a:rPr lang="it-IT" sz="2800" dirty="0" smtClean="0"/>
+              <a:t>to </a:t>
+            </a:r>
+            <a:r>
+              <a:rPr lang="it-IT" sz="2800" dirty="0" err="1" smtClean="0"/>
+              <a:t>bind</a:t>
+            </a:r>
+            <a:r>
+              <a:rPr lang="it-IT" sz="2800" dirty="0" smtClean="0"/>
+              <a:t> </a:t>
+            </a:r>
+            <a:r>
+              <a:rPr lang="it-IT" sz="2800" dirty="0" smtClean="0"/>
+              <a:t>an </a:t>
+            </a:r>
+            <a:r>
+              <a:rPr lang="it-IT" sz="2800" dirty="0" err="1" smtClean="0"/>
+              <a:t>Observable</a:t>
+            </a:r>
+            <a:r>
+              <a:rPr lang="it-IT" sz="2800" dirty="0" smtClean="0"/>
+              <a:t> to the UI.</a:t>
+            </a:r>
+          </a:p>
+        </p:txBody>
+      </p:sp>
+    </p:spTree>
+    <p:extLst>
+      <p:ext uri="{BB962C8B-B14F-4D97-AF65-F5344CB8AC3E}">
+        <p14:creationId xmlns:p14="http://schemas.microsoft.com/office/powerpoint/2010/main" val="850859646"/>
+      </p:ext>
+    </p:extLst>
+  </p:cSld>
+  <p:clrMapOvr>
+    <a:masterClrMapping/>
+  </p:clrMapOvr>
+  <p:timing>
+    <p:tnLst>
+      <p:par>
+        <p:cTn id="1" dur="indefinite" restart="never" nodeType="tmRoot">
+          <p:childTnLst>
+            <p:seq concurrent="1" nextAc="seek">
+              <p:cTn id="2" dur="indefinite" nodeType="mainSeq">
+                <p:childTnLst>
+                  <p:par>
+                    <p:cTn id="3" fill="hold">
+                      <p:stCondLst>
+                        <p:cond delay="indefinite"/>
+                      </p:stCondLst>
+                      <p:childTnLst>
+                        <p:par>
+                          <p:cTn id="4" fill="hold">
+                            <p:stCondLst>
+                              <p:cond delay="0"/>
+                            </p:stCondLst>
+                            <p:childTnLst>
+                              <p:par>
+                                <p:cTn id="5" presetID="10" presetClass="entr" presetSubtype="0" fill="hold" nodeType="clickEffect">
+                                  <p:stCondLst>
+                                    <p:cond delay="0"/>
+                                  </p:stCondLst>
+                                  <p:childTnLst>
+                                    <p:set>
+                                      <p:cBhvr>
+                                        <p:cTn id="6" dur="1" fill="hold">
+                                          <p:stCondLst>
+                                            <p:cond delay="0"/>
+                                          </p:stCondLst>
+                                        </p:cTn>
+                                        <p:tgtEl>
+                                          <p:spTgt spid="5">
+                                            <p:txEl>
+                                              <p:pRg st="3" end="3"/>
+                                            </p:txEl>
+                                          </p:spTgt>
+                                        </p:tgtEl>
+                                        <p:attrNameLst>
+                                          <p:attrName>style.visibility</p:attrName>
+                                        </p:attrNameLst>
+                                      </p:cBhvr>
+                                      <p:to>
+                                        <p:strVal val="visible"/>
+                                      </p:to>
+                                    </p:set>
+                                    <p:animEffect transition="in" filter="fade">
+                                      <p:cBhvr>
+                                        <p:cTn id="7" dur="500"/>
+                                        <p:tgtEl>
+                                          <p:spTgt spid="5">
+                                            <p:txEl>
+                                              <p:pRg st="3" end="3"/>
+                                            </p:txEl>
+                                          </p:spTgt>
+                                        </p:tgtEl>
+                                      </p:cBhvr>
+                                    </p:animEffect>
+                                  </p:childTnLst>
+                                </p:cTn>
+                              </p:par>
+                            </p:childTnLst>
+                          </p:cTn>
+                        </p:par>
+                      </p:childTnLst>
+                    </p:cTn>
+                  </p:par>
+                  <p:par>
+                    <p:cTn id="8" fill="hold">
+                      <p:stCondLst>
+                        <p:cond delay="indefinite"/>
+                      </p:stCondLst>
+                      <p:childTnLst>
+                        <p:par>
+                          <p:cTn id="9" fill="hold">
+                            <p:stCondLst>
+                              <p:cond delay="0"/>
+                            </p:stCondLst>
+                            <p:childTnLst>
+                              <p:par>
+                                <p:cTn id="10" presetID="10" presetClass="entr" presetSubtype="0" fill="hold" nodeType="clickEffect">
+                                  <p:stCondLst>
+                                    <p:cond delay="0"/>
+                                  </p:stCondLst>
+                                  <p:childTnLst>
+                                    <p:set>
+                                      <p:cBhvr>
+                                        <p:cTn id="11" dur="1" fill="hold">
+                                          <p:stCondLst>
+                                            <p:cond delay="0"/>
+                                          </p:stCondLst>
+                                        </p:cTn>
+                                        <p:tgtEl>
+                                          <p:spTgt spid="5">
+                                            <p:txEl>
+                                              <p:pRg st="5" end="5"/>
+                                            </p:txEl>
+                                          </p:spTgt>
+                                        </p:tgtEl>
+                                        <p:attrNameLst>
+                                          <p:attrName>style.visibility</p:attrName>
+                                        </p:attrNameLst>
+                                      </p:cBhvr>
+                                      <p:to>
+                                        <p:strVal val="visible"/>
+                                      </p:to>
+                                    </p:set>
+                                    <p:animEffect transition="in" filter="fade">
+                                      <p:cBhvr>
+                                        <p:cTn id="12" dur="500"/>
+                                        <p:tgtEl>
+                                          <p:spTgt spid="5">
+                                            <p:txEl>
+                                              <p:pRg st="5" end="5"/>
+                                            </p:txEl>
+                                          </p:spTgt>
+                                        </p:tgtEl>
+                                      </p:cBhvr>
+                                    </p:animEffect>
+                                  </p:childTnLst>
+                                </p:cTn>
+                              </p:par>
+                            </p:childTnLst>
+                          </p:cTn>
+                        </p:par>
+                      </p:childTnLst>
+                    </p:cTn>
+                  </p:par>
+                </p:childTnLst>
+              </p:cTn>
+              <p:prevCondLst>
+                <p:cond evt="onPrev" delay="0">
+                  <p:tgtEl>
+                    <p:sldTgt/>
+                  </p:tgtEl>
+                </p:cond>
+              </p:prevCondLst>
+              <p:nextCondLst>
+                <p:cond evt="onNext" delay="0">
+                  <p:tgtEl>
+                    <p:sldTgt/>
+                  </p:tgtEl>
+                </p:cond>
+              </p:nextCondLst>
+            </p:seq>
+          </p:childTnLst>
+        </p:cTn>
+      </p:par>
+    </p:tnLst>
+  </p:timing>
+</p:sld>
+</file>
+
+<file path=ppt/slides/slide22.xml><?xml version="1.0" encoding="utf-8"?>
+<p:sld xmlns:a="http://schemas.openxmlformats.org/drawingml/2006/main" xmlns:r="http://schemas.openxmlformats.org/officeDocument/2006/relationships" xmlns:p="http://schemas.openxmlformats.org/presentationml/2006/main">
+  <p:cSld>
+    <p:spTree>
+      <p:nvGrpSpPr>
+        <p:cNvPr id="1" name=""/>
+        <p:cNvGrpSpPr/>
+        <p:nvPr/>
+      </p:nvGrpSpPr>
+      <p:grpSpPr>
+        <a:xfrm>
+          <a:off x="0" y="0"/>
+          <a:ext cx="0" cy="0"/>
+          <a:chOff x="0" y="0"/>
+          <a:chExt cx="0" cy="0"/>
+        </a:xfrm>
+      </p:grpSpPr>
+      <p:sp>
+        <p:nvSpPr>
+          <p:cNvPr id="4" name="Titolo 3"/>
+          <p:cNvSpPr>
+            <a:spLocks noGrp="1"/>
+          </p:cNvSpPr>
+          <p:nvPr>
+            <p:ph type="title"/>
+          </p:nvPr>
+        </p:nvSpPr>
+        <p:spPr/>
+        <p:txBody>
+          <a:bodyPr>
+            <a:normAutofit fontScale="90000"/>
+          </a:bodyPr>
+          <a:lstStyle/>
+          <a:p>
+            <a:r>
+              <a:rPr lang="it-IT" sz="6000" dirty="0" smtClean="0"/>
+              <a:t>Demo </a:t>
+            </a:r>
+            <a:r>
+              <a:rPr lang="it-IT" sz="6000" dirty="0" smtClean="0"/>
+              <a:t>01</a:t>
+            </a:r>
+            <a:r>
+              <a:rPr lang="it-IT" sz="6000" dirty="0" smtClean="0"/>
+              <a:t/>
+            </a:r>
+            <a:br>
+              <a:rPr lang="it-IT" sz="6000" dirty="0" smtClean="0"/>
+            </a:br>
+            <a:r>
+              <a:rPr lang="it-IT" dirty="0" smtClean="0"/>
+              <a:t/>
+            </a:r>
+            <a:br>
+              <a:rPr lang="it-IT" dirty="0" smtClean="0"/>
+            </a:br>
+            <a:r>
+              <a:rPr lang="it-IT" dirty="0" err="1" smtClean="0"/>
+              <a:t>Unicast</a:t>
+            </a:r>
+            <a:r>
+              <a:rPr lang="it-IT" dirty="0" smtClean="0"/>
+              <a:t> / </a:t>
+            </a:r>
+            <a:r>
+              <a:rPr lang="it-IT" dirty="0" err="1" smtClean="0"/>
+              <a:t>Cold</a:t>
+            </a:r>
+            <a:r>
+              <a:rPr lang="it-IT" dirty="0" smtClean="0"/>
+              <a:t> </a:t>
+            </a:r>
+            <a:r>
+              <a:rPr lang="it-IT" dirty="0" err="1" smtClean="0"/>
+              <a:t>Observables</a:t>
+            </a:r>
+            <a:endParaRPr lang="it-IT" dirty="0"/>
+          </a:p>
+        </p:txBody>
+      </p:sp>
+      <p:sp>
+        <p:nvSpPr>
+          <p:cNvPr id="5" name="Segnaposto testo 4"/>
+          <p:cNvSpPr>
+            <a:spLocks noGrp="1"/>
+          </p:cNvSpPr>
+          <p:nvPr>
+            <p:ph type="body" idx="1"/>
+          </p:nvPr>
+        </p:nvSpPr>
+        <p:spPr/>
+        <p:txBody>
+          <a:bodyPr/>
+          <a:lstStyle/>
+          <a:p>
+            <a:r>
+              <a:rPr lang="it-IT" dirty="0" err="1" smtClean="0"/>
+              <a:t>Beware</a:t>
+            </a:r>
+            <a:r>
+              <a:rPr lang="it-IT" dirty="0" smtClean="0"/>
+              <a:t> of </a:t>
+            </a:r>
+            <a:r>
+              <a:rPr lang="it-IT" dirty="0" err="1" smtClean="0"/>
+              <a:t>unicast</a:t>
+            </a:r>
+            <a:r>
+              <a:rPr lang="it-IT" dirty="0" smtClean="0"/>
+              <a:t> </a:t>
+            </a:r>
+            <a:r>
+              <a:rPr lang="it-IT" dirty="0" err="1" smtClean="0"/>
+              <a:t>observables</a:t>
+            </a:r>
+            <a:r>
+              <a:rPr lang="it-IT" dirty="0" smtClean="0"/>
+              <a:t> and multiple </a:t>
+            </a:r>
+            <a:r>
+              <a:rPr lang="it-IT" dirty="0" err="1" smtClean="0"/>
+              <a:t>subscriptions</a:t>
+            </a:r>
+            <a:endParaRPr lang="it-IT" dirty="0"/>
+          </a:p>
+        </p:txBody>
+      </p:sp>
+    </p:spTree>
+    <p:extLst>
+      <p:ext uri="{BB962C8B-B14F-4D97-AF65-F5344CB8AC3E}">
+        <p14:creationId xmlns:p14="http://schemas.microsoft.com/office/powerpoint/2010/main" val="2237372139"/>
+      </p:ext>
+    </p:extLst>
+  </p:cSld>
+  <p:clrMapOvr>
+    <a:masterClrMapping/>
+  </p:clrMapOvr>
+  <p:timing>
+    <p:tnLst>
+      <p:par>
+        <p:cTn id="1" dur="indefinite" restart="never" nodeType="tmRoot"/>
+      </p:par>
+    </p:tnLst>
+  </p:timing>
+</p:sld>
+</file>
+
+<file path=ppt/slides/slide23.xml><?xml version="1.0" encoding="utf-8"?>
+<p:sld xmlns:a="http://schemas.openxmlformats.org/drawingml/2006/main" xmlns:r="http://schemas.openxmlformats.org/officeDocument/2006/relationships" xmlns:p="http://schemas.openxmlformats.org/presentationml/2006/main">
+  <p:cSld>
+    <p:spTree>
+      <p:nvGrpSpPr>
+        <p:cNvPr id="1" name=""/>
+        <p:cNvGrpSpPr/>
+        <p:nvPr/>
+      </p:nvGrpSpPr>
+      <p:grpSpPr>
+        <a:xfrm>
+          <a:off x="0" y="0"/>
+          <a:ext cx="0" cy="0"/>
+          <a:chOff x="0" y="0"/>
+          <a:chExt cx="0" cy="0"/>
+        </a:xfrm>
+      </p:grpSpPr>
+      <p:sp>
+        <p:nvSpPr>
+          <p:cNvPr id="4" name="Titolo 3"/>
+          <p:cNvSpPr>
+            <a:spLocks noGrp="1"/>
+          </p:cNvSpPr>
+          <p:nvPr>
+            <p:ph type="title"/>
+          </p:nvPr>
+        </p:nvSpPr>
+        <p:spPr/>
+        <p:txBody>
+          <a:bodyPr>
+            <a:normAutofit/>
+          </a:bodyPr>
+          <a:lstStyle/>
+          <a:p>
+            <a:r>
+              <a:rPr lang="it-IT" sz="6000" dirty="0" smtClean="0"/>
+              <a:t>Demo </a:t>
+            </a:r>
+            <a:r>
+              <a:rPr lang="it-IT" sz="6000" dirty="0" smtClean="0"/>
+              <a:t>02</a:t>
+            </a:r>
+            <a:r>
+              <a:rPr lang="it-IT" sz="6000" dirty="0" smtClean="0"/>
+              <a:t/>
+            </a:r>
+            <a:br>
+              <a:rPr lang="it-IT" sz="6000" dirty="0" smtClean="0"/>
+            </a:br>
+            <a:r>
+              <a:rPr lang="it-IT" dirty="0" smtClean="0"/>
+              <a:t/>
+            </a:r>
+            <a:br>
+              <a:rPr lang="it-IT" dirty="0" smtClean="0"/>
+            </a:br>
+            <a:r>
+              <a:rPr lang="it-IT" dirty="0" smtClean="0"/>
+              <a:t>.</a:t>
+            </a:r>
+            <a:r>
+              <a:rPr lang="it-IT" dirty="0" err="1" smtClean="0"/>
+              <a:t>toPromise</a:t>
+            </a:r>
+            <a:r>
+              <a:rPr lang="it-IT" dirty="0" smtClean="0"/>
+              <a:t>()</a:t>
+            </a:r>
+            <a:endParaRPr lang="it-IT" dirty="0"/>
+          </a:p>
+        </p:txBody>
+      </p:sp>
+      <p:sp>
+        <p:nvSpPr>
+          <p:cNvPr id="5" name="Segnaposto testo 4"/>
+          <p:cNvSpPr>
+            <a:spLocks noGrp="1"/>
+          </p:cNvSpPr>
+          <p:nvPr>
+            <p:ph type="body" idx="1"/>
+          </p:nvPr>
+        </p:nvSpPr>
+        <p:spPr/>
+        <p:txBody>
+          <a:bodyPr>
+            <a:normAutofit fontScale="92500" lnSpcReduction="10000"/>
+          </a:bodyPr>
+          <a:lstStyle/>
+          <a:p>
+            <a:r>
+              <a:rPr lang="it-IT" dirty="0" smtClean="0"/>
+              <a:t>Go back to </a:t>
+            </a:r>
+            <a:r>
+              <a:rPr lang="it-IT" dirty="0" err="1" smtClean="0"/>
+              <a:t>promises</a:t>
+            </a:r>
+            <a:r>
+              <a:rPr lang="it-IT" dirty="0" smtClean="0"/>
+              <a:t> to mitigate the multiple </a:t>
+            </a:r>
+            <a:r>
+              <a:rPr lang="it-IT" dirty="0" err="1" smtClean="0"/>
+              <a:t>execution</a:t>
+            </a:r>
+            <a:r>
+              <a:rPr lang="it-IT" dirty="0" smtClean="0"/>
+              <a:t> </a:t>
+            </a:r>
+            <a:r>
+              <a:rPr lang="it-IT" dirty="0" err="1" smtClean="0"/>
+              <a:t>problem</a:t>
+            </a:r>
+            <a:r>
+              <a:rPr lang="it-IT" dirty="0"/>
+              <a:t>.</a:t>
+            </a:r>
+            <a:endParaRPr lang="it-IT" dirty="0" smtClean="0"/>
+          </a:p>
+          <a:p>
+            <a:r>
+              <a:rPr lang="it-IT" dirty="0" err="1" smtClean="0"/>
+              <a:t>but</a:t>
+            </a:r>
+            <a:r>
+              <a:rPr lang="it-IT" dirty="0" smtClean="0"/>
+              <a:t> </a:t>
+            </a:r>
+            <a:r>
+              <a:rPr lang="it-IT" dirty="0" err="1" smtClean="0"/>
+              <a:t>there</a:t>
+            </a:r>
+            <a:r>
+              <a:rPr lang="it-IT" dirty="0" smtClean="0"/>
+              <a:t> are </a:t>
+            </a:r>
+            <a:r>
+              <a:rPr lang="it-IT" dirty="0" err="1" smtClean="0"/>
+              <a:t>drawbacks</a:t>
+            </a:r>
+            <a:r>
+              <a:rPr lang="it-IT" dirty="0" smtClean="0"/>
+              <a:t>…</a:t>
+            </a:r>
+            <a:endParaRPr lang="it-IT" dirty="0"/>
+          </a:p>
+        </p:txBody>
+      </p:sp>
+    </p:spTree>
+    <p:extLst>
+      <p:ext uri="{BB962C8B-B14F-4D97-AF65-F5344CB8AC3E}">
+        <p14:creationId xmlns:p14="http://schemas.microsoft.com/office/powerpoint/2010/main" val="2770691382"/>
+      </p:ext>
+    </p:extLst>
+  </p:cSld>
+  <p:clrMapOvr>
+    <a:masterClrMapping/>
+  </p:clrMapOvr>
+  <p:timing>
+    <p:tnLst>
+      <p:par>
+        <p:cTn id="1" dur="indefinite" restart="never" nodeType="tmRoot"/>
+      </p:par>
+    </p:tnLst>
+  </p:timing>
+</p:sld>
+</file>
+
+<file path=ppt/slides/slide24.xml><?xml version="1.0" encoding="utf-8"?>
+<p:sld xmlns:a="http://schemas.openxmlformats.org/drawingml/2006/main" xmlns:r="http://schemas.openxmlformats.org/officeDocument/2006/relationships" xmlns:p="http://schemas.openxmlformats.org/presentationml/2006/main">
+  <p:cSld>
+    <p:spTree>
+      <p:nvGrpSpPr>
+        <p:cNvPr id="1" name=""/>
+        <p:cNvGrpSpPr/>
+        <p:nvPr/>
+      </p:nvGrpSpPr>
+      <p:grpSpPr>
+        <a:xfrm>
+          <a:off x="0" y="0"/>
+          <a:ext cx="0" cy="0"/>
+          <a:chOff x="0" y="0"/>
+          <a:chExt cx="0" cy="0"/>
+        </a:xfrm>
+      </p:grpSpPr>
+      <p:sp>
+        <p:nvSpPr>
+          <p:cNvPr id="4" name="Titolo 3"/>
+          <p:cNvSpPr>
+            <a:spLocks noGrp="1"/>
+          </p:cNvSpPr>
+          <p:nvPr>
+            <p:ph type="title"/>
+          </p:nvPr>
+        </p:nvSpPr>
+        <p:spPr/>
+        <p:txBody>
+          <a:bodyPr>
+            <a:normAutofit/>
+          </a:bodyPr>
+          <a:lstStyle/>
+          <a:p>
+            <a:r>
+              <a:rPr lang="it-IT" sz="6000" dirty="0" smtClean="0"/>
+              <a:t>Demo </a:t>
+            </a:r>
+            <a:r>
+              <a:rPr lang="it-IT" sz="6000" dirty="0" smtClean="0"/>
+              <a:t>03</a:t>
+            </a:r>
+            <a:r>
+              <a:rPr lang="it-IT" sz="6000" dirty="0" smtClean="0"/>
+              <a:t/>
+            </a:r>
+            <a:br>
+              <a:rPr lang="it-IT" sz="6000" dirty="0" smtClean="0"/>
+            </a:br>
+            <a:r>
+              <a:rPr lang="it-IT" dirty="0" smtClean="0"/>
+              <a:t/>
+            </a:r>
+            <a:br>
+              <a:rPr lang="it-IT" dirty="0" smtClean="0"/>
+            </a:br>
+            <a:r>
+              <a:rPr lang="it-IT" dirty="0" smtClean="0"/>
+              <a:t>Multicast</a:t>
+            </a:r>
+            <a:endParaRPr lang="it-IT" dirty="0"/>
+          </a:p>
+        </p:txBody>
+      </p:sp>
+      <p:sp>
+        <p:nvSpPr>
+          <p:cNvPr id="5" name="Segnaposto testo 4"/>
+          <p:cNvSpPr>
+            <a:spLocks noGrp="1"/>
+          </p:cNvSpPr>
+          <p:nvPr>
+            <p:ph type="body" idx="1"/>
+          </p:nvPr>
+        </p:nvSpPr>
+        <p:spPr/>
+        <p:txBody>
+          <a:bodyPr/>
+          <a:lstStyle/>
+          <a:p>
+            <a:r>
+              <a:rPr lang="it-IT" dirty="0" err="1" smtClean="0"/>
+              <a:t>Make</a:t>
+            </a:r>
+            <a:r>
+              <a:rPr lang="it-IT" dirty="0" smtClean="0"/>
+              <a:t> </a:t>
+            </a:r>
+            <a:r>
+              <a:rPr lang="it-IT" dirty="0" err="1" smtClean="0"/>
+              <a:t>it</a:t>
+            </a:r>
+            <a:r>
+              <a:rPr lang="it-IT" dirty="0" smtClean="0"/>
+              <a:t> </a:t>
+            </a:r>
+            <a:r>
+              <a:rPr lang="it-IT" dirty="0" err="1" smtClean="0"/>
+              <a:t>multicast</a:t>
+            </a:r>
+            <a:r>
+              <a:rPr lang="it-IT" dirty="0" smtClean="0"/>
+              <a:t>: </a:t>
+            </a:r>
+            <a:r>
+              <a:rPr lang="it-IT" dirty="0" err="1" smtClean="0"/>
+              <a:t>try</a:t>
+            </a:r>
+            <a:r>
+              <a:rPr lang="it-IT" dirty="0" smtClean="0"/>
+              <a:t> with </a:t>
+            </a:r>
+            <a:r>
+              <a:rPr lang="it-IT" dirty="0" err="1" smtClean="0"/>
+              <a:t>publish</a:t>
+            </a:r>
+            <a:r>
+              <a:rPr lang="it-IT" dirty="0" smtClean="0"/>
+              <a:t>(), share(), </a:t>
+            </a:r>
+            <a:r>
+              <a:rPr lang="it-IT" dirty="0" err="1" smtClean="0"/>
+              <a:t>sharereplay</a:t>
+            </a:r>
+            <a:r>
+              <a:rPr lang="it-IT" dirty="0" smtClean="0"/>
+              <a:t>()</a:t>
+            </a:r>
+            <a:endParaRPr lang="it-IT" dirty="0"/>
+          </a:p>
+        </p:txBody>
+      </p:sp>
+    </p:spTree>
+    <p:extLst>
+      <p:ext uri="{BB962C8B-B14F-4D97-AF65-F5344CB8AC3E}">
+        <p14:creationId xmlns:p14="http://schemas.microsoft.com/office/powerpoint/2010/main" val="765595901"/>
+      </p:ext>
+    </p:extLst>
+  </p:cSld>
+  <p:clrMapOvr>
+    <a:masterClrMapping/>
+  </p:clrMapOvr>
+  <p:timing>
+    <p:tnLst>
+      <p:par>
+        <p:cTn id="1" dur="indefinite" restart="never" nodeType="tmRoot"/>
+      </p:par>
+    </p:tnLst>
+  </p:timing>
+</p:sld>
+</file>
+
+<file path=ppt/slides/slide25.xml><?xml version="1.0" encoding="utf-8"?>
+<p:sld xmlns:a="http://schemas.openxmlformats.org/drawingml/2006/main" xmlns:r="http://schemas.openxmlformats.org/officeDocument/2006/relationships" xmlns:p="http://schemas.openxmlformats.org/presentationml/2006/main">
+  <p:cSld>
+    <p:spTree>
+      <p:nvGrpSpPr>
+        <p:cNvPr id="1" name=""/>
+        <p:cNvGrpSpPr/>
+        <p:nvPr/>
+      </p:nvGrpSpPr>
+      <p:grpSpPr>
+        <a:xfrm>
+          <a:off x="0" y="0"/>
+          <a:ext cx="0" cy="0"/>
+          <a:chOff x="0" y="0"/>
+          <a:chExt cx="0" cy="0"/>
+        </a:xfrm>
+      </p:grpSpPr>
+      <p:sp>
+        <p:nvSpPr>
+          <p:cNvPr id="4" name="Titolo 3"/>
+          <p:cNvSpPr>
+            <a:spLocks noGrp="1"/>
+          </p:cNvSpPr>
+          <p:nvPr>
+            <p:ph type="title"/>
+          </p:nvPr>
+        </p:nvSpPr>
+        <p:spPr/>
+        <p:txBody>
+          <a:bodyPr>
+            <a:normAutofit/>
+          </a:bodyPr>
+          <a:lstStyle/>
+          <a:p>
+            <a:r>
+              <a:rPr lang="it-IT" sz="6000" dirty="0" smtClean="0"/>
+              <a:t>Demo </a:t>
+            </a:r>
+            <a:r>
+              <a:rPr lang="it-IT" sz="6000" dirty="0" smtClean="0"/>
+              <a:t>04</a:t>
+            </a:r>
+            <a:r>
+              <a:rPr lang="it-IT" dirty="0" smtClean="0"/>
+              <a:t/>
+            </a:r>
+            <a:br>
+              <a:rPr lang="it-IT" dirty="0" smtClean="0"/>
+            </a:br>
+            <a:r>
+              <a:rPr lang="it-IT" dirty="0" smtClean="0"/>
+              <a:t>The «right» way to share an </a:t>
+            </a:r>
+            <a:r>
+              <a:rPr lang="it-IT" dirty="0" err="1" smtClean="0"/>
+              <a:t>observable</a:t>
+            </a:r>
+            <a:endParaRPr lang="it-IT" dirty="0"/>
+          </a:p>
+        </p:txBody>
+      </p:sp>
+      <p:sp>
+        <p:nvSpPr>
+          <p:cNvPr id="5" name="Segnaposto testo 4"/>
+          <p:cNvSpPr>
+            <a:spLocks noGrp="1"/>
+          </p:cNvSpPr>
+          <p:nvPr>
+            <p:ph type="body" idx="1"/>
+          </p:nvPr>
+        </p:nvSpPr>
+        <p:spPr/>
+        <p:txBody>
+          <a:bodyPr/>
+          <a:lstStyle/>
+          <a:p>
+            <a:r>
+              <a:rPr lang="it-IT" dirty="0" smtClean="0"/>
+              <a:t>shows the </a:t>
+            </a:r>
+            <a:r>
+              <a:rPr lang="it-IT" dirty="0" err="1" smtClean="0"/>
+              <a:t>effect</a:t>
+            </a:r>
+            <a:r>
+              <a:rPr lang="it-IT" dirty="0" smtClean="0"/>
+              <a:t> of </a:t>
+            </a:r>
+            <a:r>
+              <a:rPr lang="it-IT" dirty="0" err="1" smtClean="0"/>
+              <a:t>using</a:t>
+            </a:r>
+            <a:r>
+              <a:rPr lang="it-IT" dirty="0" smtClean="0"/>
+              <a:t> share() and </a:t>
+            </a:r>
+            <a:r>
+              <a:rPr lang="it-IT" dirty="0" err="1" smtClean="0"/>
+              <a:t>shareReplay</a:t>
+            </a:r>
+            <a:r>
+              <a:rPr lang="it-IT" dirty="0" smtClean="0"/>
+              <a:t>() with the </a:t>
+            </a:r>
+            <a:r>
+              <a:rPr lang="it-IT" dirty="0" err="1" smtClean="0"/>
+              <a:t>AsyncPipe</a:t>
+            </a:r>
+            <a:endParaRPr lang="it-IT" dirty="0"/>
+          </a:p>
+        </p:txBody>
+      </p:sp>
+    </p:spTree>
+    <p:extLst>
+      <p:ext uri="{BB962C8B-B14F-4D97-AF65-F5344CB8AC3E}">
+        <p14:creationId xmlns:p14="http://schemas.microsoft.com/office/powerpoint/2010/main" val="652729121"/>
+      </p:ext>
+    </p:extLst>
+  </p:cSld>
+  <p:clrMapOvr>
+    <a:masterClrMapping/>
+  </p:clrMapOvr>
+  <p:timing>
+    <p:tnLst>
+      <p:par>
+        <p:cTn id="1" dur="indefinite" restart="never" nodeType="tmRoot"/>
+      </p:par>
+    </p:tnLst>
+  </p:timing>
+</p:sld>
+</file>
+
+<file path=ppt/slides/slide26.xml><?xml version="1.0" encoding="utf-8"?>
+<p:sld xmlns:a="http://schemas.openxmlformats.org/drawingml/2006/main" xmlns:r="http://schemas.openxmlformats.org/officeDocument/2006/relationships" xmlns:p="http://schemas.openxmlformats.org/presentationml/2006/main">
+  <p:cSld>
+    <p:spTree>
+      <p:nvGrpSpPr>
+        <p:cNvPr id="1" name=""/>
+        <p:cNvGrpSpPr/>
+        <p:nvPr/>
+      </p:nvGrpSpPr>
+      <p:grpSpPr>
+        <a:xfrm>
+          <a:off x="0" y="0"/>
+          <a:ext cx="0" cy="0"/>
+          <a:chOff x="0" y="0"/>
+          <a:chExt cx="0" cy="0"/>
+        </a:xfrm>
+      </p:grpSpPr>
+      <p:sp>
+        <p:nvSpPr>
+          <p:cNvPr id="4" name="Titolo 3"/>
+          <p:cNvSpPr>
+            <a:spLocks noGrp="1"/>
+          </p:cNvSpPr>
+          <p:nvPr>
+            <p:ph type="title"/>
+          </p:nvPr>
+        </p:nvSpPr>
+        <p:spPr/>
+        <p:txBody>
+          <a:bodyPr>
+            <a:normAutofit fontScale="90000"/>
+          </a:bodyPr>
+          <a:lstStyle/>
+          <a:p>
+            <a:r>
+              <a:rPr lang="it-IT" sz="6000" dirty="0" smtClean="0"/>
+              <a:t>Demo </a:t>
+            </a:r>
+            <a:r>
+              <a:rPr lang="it-IT" sz="6000" dirty="0" smtClean="0"/>
+              <a:t>05</a:t>
+            </a:r>
+            <a:r>
+              <a:rPr lang="it-IT" dirty="0" smtClean="0"/>
+              <a:t/>
+            </a:r>
+            <a:br>
+              <a:rPr lang="it-IT" dirty="0" smtClean="0"/>
+            </a:br>
+            <a:r>
+              <a:rPr lang="it-IT" dirty="0"/>
+              <a:t/>
+            </a:r>
+            <a:br>
+              <a:rPr lang="it-IT" dirty="0"/>
+            </a:br>
+            <a:r>
+              <a:rPr lang="it-IT" dirty="0" err="1" smtClean="0"/>
+              <a:t>Unsubscribe</a:t>
+            </a:r>
+            <a:r>
+              <a:rPr lang="it-IT" dirty="0" smtClean="0"/>
+              <a:t> (in </a:t>
+            </a:r>
+            <a:r>
+              <a:rPr lang="it-IT" dirty="0" err="1" smtClean="0"/>
+              <a:t>Angular</a:t>
+            </a:r>
+            <a:r>
+              <a:rPr lang="it-IT" dirty="0"/>
+              <a:t>)</a:t>
+            </a:r>
+            <a:endParaRPr lang="it-IT" dirty="0" smtClean="0"/>
+          </a:p>
+        </p:txBody>
+      </p:sp>
+      <p:sp>
+        <p:nvSpPr>
+          <p:cNvPr id="5" name="Segnaposto testo 4"/>
+          <p:cNvSpPr>
+            <a:spLocks noGrp="1"/>
+          </p:cNvSpPr>
+          <p:nvPr>
+            <p:ph type="body" idx="1"/>
+          </p:nvPr>
+        </p:nvSpPr>
+        <p:spPr/>
+        <p:txBody>
+          <a:bodyPr>
+            <a:normAutofit fontScale="85000" lnSpcReduction="20000"/>
+          </a:bodyPr>
+          <a:lstStyle/>
+          <a:p>
+            <a:r>
+              <a:rPr lang="it-IT" dirty="0"/>
+              <a:t>How to do </a:t>
+            </a:r>
+            <a:r>
+              <a:rPr lang="it-IT" dirty="0" err="1"/>
+              <a:t>it</a:t>
+            </a:r>
+            <a:endParaRPr lang="it-IT" dirty="0"/>
+          </a:p>
+          <a:p>
+            <a:r>
+              <a:rPr lang="it-IT" dirty="0" err="1"/>
+              <a:t>When</a:t>
+            </a:r>
+            <a:r>
+              <a:rPr lang="it-IT" dirty="0"/>
+              <a:t> to do </a:t>
+            </a:r>
+            <a:r>
+              <a:rPr lang="it-IT" dirty="0" err="1" smtClean="0"/>
+              <a:t>it</a:t>
+            </a:r>
+            <a:endParaRPr lang="it-IT" dirty="0" smtClean="0"/>
+          </a:p>
+          <a:p>
+            <a:r>
+              <a:rPr lang="it-IT" dirty="0" smtClean="0"/>
+              <a:t>Brest </a:t>
+            </a:r>
+            <a:r>
+              <a:rPr lang="it-IT" dirty="0" err="1" smtClean="0"/>
+              <a:t>practice</a:t>
+            </a:r>
+            <a:r>
+              <a:rPr lang="it-IT" dirty="0" smtClean="0"/>
+              <a:t> to do </a:t>
+            </a:r>
+            <a:r>
+              <a:rPr lang="it-IT" dirty="0" err="1" smtClean="0"/>
+              <a:t>it</a:t>
+            </a:r>
+            <a:endParaRPr lang="it-IT" dirty="0"/>
+          </a:p>
+        </p:txBody>
+      </p:sp>
+    </p:spTree>
+    <p:extLst>
+      <p:ext uri="{BB962C8B-B14F-4D97-AF65-F5344CB8AC3E}">
+        <p14:creationId xmlns:p14="http://schemas.microsoft.com/office/powerpoint/2010/main" val="485016218"/>
+      </p:ext>
+    </p:extLst>
+  </p:cSld>
+  <p:clrMapOvr>
+    <a:masterClrMapping/>
+  </p:clrMapOvr>
+  <p:timing>
+    <p:tnLst>
+      <p:par>
+        <p:cTn id="1" dur="indefinite" restart="never" nodeType="tmRoot"/>
+      </p:par>
+    </p:tnLst>
+  </p:timing>
+</p:sld>
+</file>
+
+<file path=ppt/slides/slide27.xml><?xml version="1.0" encoding="utf-8"?>
+<p:sld xmlns:a="http://schemas.openxmlformats.org/drawingml/2006/main" xmlns:r="http://schemas.openxmlformats.org/officeDocument/2006/relationships" xmlns:p="http://schemas.openxmlformats.org/presentationml/2006/main">
+  <p:cSld>
+    <p:spTree>
+      <p:nvGrpSpPr>
+        <p:cNvPr id="1" name=""/>
+        <p:cNvGrpSpPr/>
+        <p:nvPr/>
+      </p:nvGrpSpPr>
+      <p:grpSpPr>
+        <a:xfrm>
+          <a:off x="0" y="0"/>
+          <a:ext cx="0" cy="0"/>
+          <a:chOff x="0" y="0"/>
+          <a:chExt cx="0" cy="0"/>
+        </a:xfrm>
+      </p:grpSpPr>
+      <p:sp>
+        <p:nvSpPr>
+          <p:cNvPr id="2" name="Titolo 1"/>
+          <p:cNvSpPr>
+            <a:spLocks noGrp="1"/>
+          </p:cNvSpPr>
+          <p:nvPr>
+            <p:ph type="title"/>
+          </p:nvPr>
+        </p:nvSpPr>
+        <p:spPr/>
+        <p:txBody>
+          <a:bodyPr/>
+          <a:lstStyle/>
+          <a:p>
+            <a:r>
+              <a:rPr lang="it-IT" dirty="0" smtClean="0"/>
+              <a:t>Benefits and </a:t>
+            </a:r>
+            <a:r>
+              <a:rPr lang="it-IT" dirty="0" err="1" smtClean="0"/>
+              <a:t>Drawbacks</a:t>
+            </a:r>
+            <a:endParaRPr lang="it-IT" dirty="0"/>
+          </a:p>
+        </p:txBody>
+      </p:sp>
+      <p:sp>
+        <p:nvSpPr>
+          <p:cNvPr id="3" name="Segnaposto contenuto 2"/>
+          <p:cNvSpPr>
+            <a:spLocks noGrp="1"/>
+          </p:cNvSpPr>
+          <p:nvPr>
+            <p:ph idx="1"/>
+          </p:nvPr>
+        </p:nvSpPr>
+        <p:spPr/>
+        <p:txBody>
+          <a:bodyPr>
+            <a:normAutofit fontScale="92500" lnSpcReduction="20000"/>
+          </a:bodyPr>
+          <a:lstStyle/>
+          <a:p>
+            <a:endParaRPr lang="it-IT" dirty="0" smtClean="0"/>
+          </a:p>
+          <a:p>
+            <a:r>
+              <a:rPr lang="it-IT" dirty="0" smtClean="0"/>
+              <a:t>The wide </a:t>
+            </a:r>
+            <a:r>
+              <a:rPr lang="it-IT" dirty="0" err="1" smtClean="0"/>
+              <a:t>range</a:t>
+            </a:r>
+            <a:r>
+              <a:rPr lang="it-IT" dirty="0" smtClean="0"/>
+              <a:t> of </a:t>
+            </a:r>
+            <a:r>
+              <a:rPr lang="it-IT" dirty="0" err="1" smtClean="0"/>
+              <a:t>available</a:t>
+            </a:r>
+            <a:r>
+              <a:rPr lang="it-IT" dirty="0" smtClean="0"/>
+              <a:t> </a:t>
+            </a:r>
+            <a:r>
+              <a:rPr lang="it-IT" dirty="0" err="1" smtClean="0"/>
+              <a:t>operators</a:t>
+            </a:r>
+            <a:r>
+              <a:rPr lang="it-IT" dirty="0" smtClean="0"/>
+              <a:t> </a:t>
+            </a:r>
+            <a:r>
+              <a:rPr lang="it-IT" dirty="0" err="1" smtClean="0"/>
+              <a:t>allows</a:t>
+            </a:r>
+            <a:r>
+              <a:rPr lang="it-IT" dirty="0" smtClean="0"/>
+              <a:t> for </a:t>
+            </a:r>
+            <a:r>
+              <a:rPr lang="it-IT" dirty="0" err="1" smtClean="0"/>
+              <a:t>creating</a:t>
+            </a:r>
+            <a:r>
+              <a:rPr lang="it-IT" dirty="0" smtClean="0"/>
+              <a:t> </a:t>
+            </a:r>
+            <a:r>
+              <a:rPr lang="it-IT" dirty="0" err="1" smtClean="0"/>
+              <a:t>very</a:t>
+            </a:r>
+            <a:r>
+              <a:rPr lang="it-IT" dirty="0" smtClean="0"/>
+              <a:t> </a:t>
+            </a:r>
+            <a:r>
+              <a:rPr lang="it-IT" dirty="0" err="1" smtClean="0"/>
+              <a:t>complex</a:t>
+            </a:r>
+            <a:r>
+              <a:rPr lang="it-IT" dirty="0" smtClean="0"/>
+              <a:t> </a:t>
+            </a:r>
+            <a:r>
+              <a:rPr lang="it-IT" dirty="0" err="1" smtClean="0"/>
+              <a:t>workflows</a:t>
+            </a:r>
+            <a:r>
+              <a:rPr lang="it-IT" dirty="0" smtClean="0"/>
+              <a:t> with </a:t>
+            </a:r>
+            <a:r>
+              <a:rPr lang="it-IT" dirty="0" err="1" smtClean="0"/>
+              <a:t>ease</a:t>
+            </a:r>
+            <a:r>
+              <a:rPr lang="it-IT" dirty="0" smtClean="0"/>
+              <a:t>.</a:t>
+            </a:r>
+          </a:p>
+          <a:p>
+            <a:endParaRPr lang="it-IT" dirty="0"/>
+          </a:p>
+          <a:p>
+            <a:r>
+              <a:rPr lang="it-IT" dirty="0" err="1" smtClean="0"/>
+              <a:t>Provide</a:t>
+            </a:r>
+            <a:r>
+              <a:rPr lang="it-IT" dirty="0" smtClean="0"/>
+              <a:t> </a:t>
+            </a:r>
+            <a:r>
+              <a:rPr lang="it-IT" dirty="0" err="1" smtClean="0"/>
+              <a:t>better</a:t>
+            </a:r>
+            <a:r>
+              <a:rPr lang="it-IT" dirty="0" smtClean="0"/>
+              <a:t> </a:t>
+            </a:r>
+            <a:r>
+              <a:rPr lang="it-IT" dirty="0" err="1" smtClean="0"/>
+              <a:t>decoupling</a:t>
+            </a:r>
+            <a:r>
+              <a:rPr lang="it-IT" dirty="0" smtClean="0"/>
+              <a:t> </a:t>
+            </a:r>
+            <a:r>
+              <a:rPr lang="it-IT" dirty="0" err="1" smtClean="0"/>
+              <a:t>between</a:t>
+            </a:r>
+            <a:r>
+              <a:rPr lang="it-IT" dirty="0" smtClean="0"/>
+              <a:t> </a:t>
+            </a:r>
+            <a:r>
+              <a:rPr lang="it-IT" dirty="0" err="1" smtClean="0"/>
+              <a:t>components</a:t>
+            </a:r>
+            <a:r>
+              <a:rPr lang="it-IT" dirty="0" smtClean="0"/>
+              <a:t>, </a:t>
+            </a:r>
+            <a:r>
+              <a:rPr lang="it-IT" dirty="0" err="1" smtClean="0"/>
+              <a:t>they</a:t>
+            </a:r>
+            <a:r>
+              <a:rPr lang="it-IT" dirty="0" smtClean="0"/>
+              <a:t> can </a:t>
+            </a:r>
+            <a:r>
+              <a:rPr lang="it-IT" dirty="0" err="1" smtClean="0"/>
+              <a:t>communicate</a:t>
+            </a:r>
+            <a:r>
+              <a:rPr lang="it-IT" dirty="0" smtClean="0"/>
+              <a:t> </a:t>
+            </a:r>
+            <a:r>
+              <a:rPr lang="it-IT" dirty="0" err="1" smtClean="0"/>
+              <a:t>through</a:t>
+            </a:r>
+            <a:r>
+              <a:rPr lang="it-IT" dirty="0" smtClean="0"/>
+              <a:t> </a:t>
+            </a:r>
+            <a:r>
+              <a:rPr lang="it-IT" dirty="0" err="1" smtClean="0"/>
+              <a:t>messages</a:t>
+            </a:r>
+            <a:r>
+              <a:rPr lang="it-IT" dirty="0" smtClean="0"/>
+              <a:t>.</a:t>
+            </a:r>
+          </a:p>
+          <a:p>
+            <a:endParaRPr lang="it-IT" dirty="0"/>
+          </a:p>
+          <a:p>
+            <a:r>
+              <a:rPr lang="it-IT" dirty="0" smtClean="0"/>
+              <a:t>With some state management </a:t>
+            </a:r>
+            <a:r>
+              <a:rPr lang="it-IT" dirty="0" err="1" smtClean="0"/>
+              <a:t>strategies</a:t>
+            </a:r>
+            <a:r>
+              <a:rPr lang="it-IT" dirty="0" smtClean="0"/>
+              <a:t> (</a:t>
+            </a:r>
+            <a:r>
+              <a:rPr lang="it-IT" dirty="0" err="1" smtClean="0"/>
+              <a:t>like</a:t>
+            </a:r>
+            <a:r>
+              <a:rPr lang="it-IT" dirty="0" smtClean="0"/>
+              <a:t> </a:t>
+            </a:r>
+            <a:r>
+              <a:rPr lang="it-IT" dirty="0" err="1" smtClean="0"/>
+              <a:t>using</a:t>
+            </a:r>
+            <a:r>
+              <a:rPr lang="it-IT" dirty="0" smtClean="0"/>
+              <a:t> </a:t>
+            </a:r>
+            <a:r>
+              <a:rPr lang="it-IT" dirty="0" err="1" smtClean="0"/>
+              <a:t>immutable</a:t>
+            </a:r>
+            <a:r>
+              <a:rPr lang="it-IT" dirty="0" smtClean="0"/>
+              <a:t> </a:t>
+            </a:r>
+            <a:r>
+              <a:rPr lang="it-IT" dirty="0" err="1" smtClean="0"/>
+              <a:t>objects</a:t>
+            </a:r>
+            <a:r>
+              <a:rPr lang="it-IT" dirty="0" smtClean="0"/>
+              <a:t>), </a:t>
+            </a:r>
+            <a:r>
+              <a:rPr lang="it-IT" dirty="0" err="1" smtClean="0"/>
+              <a:t>Observables</a:t>
+            </a:r>
+            <a:r>
+              <a:rPr lang="it-IT" dirty="0" smtClean="0"/>
+              <a:t> can be </a:t>
+            </a:r>
+            <a:r>
+              <a:rPr lang="it-IT" dirty="0" err="1" smtClean="0"/>
+              <a:t>used</a:t>
+            </a:r>
+            <a:r>
+              <a:rPr lang="it-IT" dirty="0" smtClean="0"/>
+              <a:t> to </a:t>
+            </a:r>
+            <a:r>
+              <a:rPr lang="it-IT" dirty="0" err="1" smtClean="0"/>
+              <a:t>push</a:t>
+            </a:r>
+            <a:r>
+              <a:rPr lang="it-IT" dirty="0" smtClean="0"/>
+              <a:t> state </a:t>
+            </a:r>
+            <a:r>
+              <a:rPr lang="it-IT" smtClean="0"/>
+              <a:t>change </a:t>
+            </a:r>
+            <a:r>
+              <a:rPr lang="it-IT" dirty="0" err="1" smtClean="0"/>
+              <a:t>notifications</a:t>
+            </a:r>
+            <a:r>
+              <a:rPr lang="it-IT" dirty="0" smtClean="0"/>
+              <a:t> to the UI.</a:t>
+            </a:r>
+          </a:p>
+          <a:p>
+            <a:r>
+              <a:rPr lang="it-IT" dirty="0" smtClean="0"/>
+              <a:t>Under some </a:t>
+            </a:r>
+            <a:r>
+              <a:rPr lang="it-IT" dirty="0" err="1" smtClean="0"/>
+              <a:t>conditions</a:t>
+            </a:r>
+            <a:r>
+              <a:rPr lang="it-IT" dirty="0" smtClean="0"/>
+              <a:t> </a:t>
+            </a:r>
+            <a:r>
+              <a:rPr lang="it-IT" dirty="0" err="1" smtClean="0"/>
+              <a:t>we</a:t>
+            </a:r>
+            <a:r>
+              <a:rPr lang="it-IT" dirty="0" smtClean="0"/>
+              <a:t> can </a:t>
+            </a:r>
+            <a:r>
+              <a:rPr lang="it-IT" dirty="0" err="1" smtClean="0"/>
+              <a:t>disable</a:t>
+            </a:r>
+            <a:r>
+              <a:rPr lang="it-IT" dirty="0" smtClean="0"/>
+              <a:t> </a:t>
+            </a:r>
+            <a:r>
+              <a:rPr lang="it-IT" dirty="0" err="1" smtClean="0"/>
+              <a:t>Angular</a:t>
+            </a:r>
+            <a:r>
+              <a:rPr lang="it-IT" dirty="0" smtClean="0"/>
+              <a:t> </a:t>
+            </a:r>
+            <a:r>
+              <a:rPr lang="it-IT" dirty="0" err="1" smtClean="0"/>
+              <a:t>dirty</a:t>
+            </a:r>
+            <a:r>
+              <a:rPr lang="it-IT" dirty="0" smtClean="0"/>
+              <a:t> </a:t>
+            </a:r>
+            <a:r>
+              <a:rPr lang="it-IT" dirty="0" err="1" smtClean="0"/>
+              <a:t>checking</a:t>
+            </a:r>
+            <a:r>
+              <a:rPr lang="it-IT" dirty="0" smtClean="0"/>
+              <a:t> </a:t>
+            </a:r>
+            <a:r>
+              <a:rPr lang="it-IT" dirty="0" err="1" smtClean="0"/>
+              <a:t>mechanic</a:t>
+            </a:r>
+            <a:r>
+              <a:rPr lang="it-IT" dirty="0"/>
+              <a:t> </a:t>
+            </a:r>
+            <a:r>
+              <a:rPr lang="it-IT" dirty="0" smtClean="0"/>
+              <a:t>and </a:t>
+            </a:r>
+            <a:r>
+              <a:rPr lang="it-IT" dirty="0" err="1" smtClean="0"/>
+              <a:t>improve</a:t>
+            </a:r>
+            <a:r>
+              <a:rPr lang="it-IT" dirty="0" smtClean="0"/>
+              <a:t> the </a:t>
+            </a:r>
+            <a:r>
+              <a:rPr lang="it-IT" dirty="0" err="1" smtClean="0"/>
+              <a:t>components</a:t>
+            </a:r>
+            <a:r>
+              <a:rPr lang="it-IT" dirty="0" smtClean="0"/>
+              <a:t> performances.</a:t>
+            </a:r>
+          </a:p>
+          <a:p>
+            <a:endParaRPr lang="it-IT" dirty="0"/>
+          </a:p>
+          <a:p>
+            <a:r>
+              <a:rPr lang="it-IT" dirty="0" err="1" smtClean="0"/>
+              <a:t>Keep</a:t>
+            </a:r>
+            <a:r>
+              <a:rPr lang="it-IT" dirty="0" smtClean="0"/>
+              <a:t> in </a:t>
+            </a:r>
+            <a:r>
+              <a:rPr lang="it-IT" dirty="0" err="1" smtClean="0"/>
+              <a:t>mind</a:t>
+            </a:r>
+            <a:r>
+              <a:rPr lang="it-IT" dirty="0" smtClean="0"/>
+              <a:t> the </a:t>
+            </a:r>
+            <a:r>
+              <a:rPr lang="it-IT" dirty="0" err="1" smtClean="0"/>
+              <a:t>Unicast</a:t>
+            </a:r>
+            <a:r>
+              <a:rPr lang="it-IT" dirty="0" smtClean="0"/>
+              <a:t> / Multicast </a:t>
+            </a:r>
+            <a:r>
+              <a:rPr lang="it-IT" dirty="0" err="1" smtClean="0"/>
+              <a:t>behavior</a:t>
+            </a:r>
+            <a:r>
+              <a:rPr lang="it-IT" dirty="0" smtClean="0"/>
+              <a:t> and </a:t>
+            </a:r>
+            <a:r>
+              <a:rPr lang="it-IT" dirty="0" err="1" smtClean="0"/>
+              <a:t>apply</a:t>
+            </a:r>
+            <a:r>
+              <a:rPr lang="it-IT" dirty="0" smtClean="0"/>
+              <a:t> </a:t>
+            </a:r>
+            <a:r>
+              <a:rPr lang="it-IT" dirty="0" err="1" smtClean="0"/>
+              <a:t>strategies</a:t>
+            </a:r>
+            <a:r>
+              <a:rPr lang="it-IT" dirty="0" smtClean="0"/>
+              <a:t> to reduce the </a:t>
+            </a:r>
+            <a:r>
+              <a:rPr lang="it-IT" dirty="0" err="1" smtClean="0"/>
+              <a:t>possible</a:t>
+            </a:r>
+            <a:r>
+              <a:rPr lang="it-IT" dirty="0" smtClean="0"/>
+              <a:t> performances </a:t>
+            </a:r>
+            <a:r>
+              <a:rPr lang="it-IT" dirty="0" err="1" smtClean="0"/>
+              <a:t>penalties</a:t>
+            </a:r>
+            <a:r>
+              <a:rPr lang="it-IT" dirty="0" smtClean="0"/>
+              <a:t> </a:t>
+            </a:r>
+            <a:r>
+              <a:rPr lang="it-IT" dirty="0" err="1" smtClean="0"/>
+              <a:t>that</a:t>
+            </a:r>
+            <a:r>
+              <a:rPr lang="it-IT" dirty="0" smtClean="0"/>
+              <a:t> </a:t>
+            </a:r>
+            <a:r>
+              <a:rPr lang="it-IT" dirty="0" err="1" smtClean="0"/>
+              <a:t>results</a:t>
+            </a:r>
+            <a:r>
+              <a:rPr lang="it-IT" dirty="0" smtClean="0"/>
+              <a:t> in multiple </a:t>
+            </a:r>
+            <a:r>
+              <a:rPr lang="it-IT" dirty="0" err="1" smtClean="0"/>
+              <a:t>subscriptions</a:t>
+            </a:r>
+            <a:r>
+              <a:rPr lang="it-IT" dirty="0" smtClean="0"/>
+              <a:t> to the </a:t>
+            </a:r>
+            <a:r>
+              <a:rPr lang="it-IT" dirty="0" err="1" smtClean="0"/>
+              <a:t>same</a:t>
+            </a:r>
+            <a:r>
+              <a:rPr lang="it-IT" dirty="0" smtClean="0"/>
+              <a:t> </a:t>
+            </a:r>
+            <a:r>
+              <a:rPr lang="it-IT" dirty="0" err="1" smtClean="0"/>
+              <a:t>observable</a:t>
+            </a:r>
+            <a:endParaRPr lang="it-IT" dirty="0"/>
+          </a:p>
+        </p:txBody>
+      </p:sp>
+    </p:spTree>
+    <p:extLst>
+      <p:ext uri="{BB962C8B-B14F-4D97-AF65-F5344CB8AC3E}">
+        <p14:creationId xmlns:p14="http://schemas.microsoft.com/office/powerpoint/2010/main" val="3701086600"/>
+      </p:ext>
+    </p:extLst>
+  </p:cSld>
+  <p:clrMapOvr>
+    <a:masterClrMapping/>
+  </p:clrMapOvr>
+  <p:timing>
+    <p:tnLst>
+      <p:par>
+        <p:cTn id="1" dur="indefinite" restart="never" nodeType="tmRoot">
+          <p:childTnLst>
+            <p:seq concurrent="1" nextAc="seek">
+              <p:cTn id="2" dur="indefinite" nodeType="mainSeq">
+                <p:childTnLst>
+                  <p:par>
+                    <p:cTn id="3" fill="hold">
+                      <p:stCondLst>
+                        <p:cond delay="indefinite"/>
+                      </p:stCondLst>
+                      <p:childTnLst>
+                        <p:par>
+                          <p:cTn id="4" fill="hold">
+                            <p:stCondLst>
+                              <p:cond delay="0"/>
+                            </p:stCondLst>
+                            <p:childTnLst>
+                              <p:par>
+                                <p:cTn id="5" presetID="10" presetClass="entr" presetSubtype="0" fill="hold" nodeType="clickEffect">
+                                  <p:stCondLst>
+                                    <p:cond delay="0"/>
+                                  </p:stCondLst>
+                                  <p:childTnLst>
+                                    <p:set>
+                                      <p:cBhvr>
+                                        <p:cTn id="6" dur="1" fill="hold">
+                                          <p:stCondLst>
+                                            <p:cond delay="0"/>
+                                          </p:stCondLst>
+                                        </p:cTn>
+                                        <p:tgtEl>
+                                          <p:spTgt spid="3">
+                                            <p:txEl>
+                                              <p:pRg st="1" end="1"/>
+                                            </p:txEl>
+                                          </p:spTgt>
+                                        </p:tgtEl>
+                                        <p:attrNameLst>
+                                          <p:attrName>style.visibility</p:attrName>
+                                        </p:attrNameLst>
+                                      </p:cBhvr>
+                                      <p:to>
+                                        <p:strVal val="visible"/>
+                                      </p:to>
+                                    </p:set>
+                                    <p:animEffect transition="in" filter="fade">
+                                      <p:cBhvr>
+                                        <p:cTn id="7" dur="500"/>
+                                        <p:tgtEl>
+                                          <p:spTgt spid="3">
+                                            <p:txEl>
+                                              <p:pRg st="1" end="1"/>
+                                            </p:txEl>
+                                          </p:spTgt>
+                                        </p:tgtEl>
+                                      </p:cBhvr>
+                                    </p:animEffect>
+                                  </p:childTnLst>
+                                </p:cTn>
+                              </p:par>
+                            </p:childTnLst>
+                          </p:cTn>
+                        </p:par>
+                      </p:childTnLst>
+                    </p:cTn>
+                  </p:par>
+                  <p:par>
+                    <p:cTn id="8" fill="hold">
+                      <p:stCondLst>
+                        <p:cond delay="indefinite"/>
+                      </p:stCondLst>
+                      <p:childTnLst>
+                        <p:par>
+                          <p:cTn id="9" fill="hold">
+                            <p:stCondLst>
+                              <p:cond delay="0"/>
+                            </p:stCondLst>
+                            <p:childTnLst>
+                              <p:par>
+                                <p:cTn id="10" presetID="10" presetClass="entr" presetSubtype="0" fill="hold" nodeType="clickEffect">
+                                  <p:stCondLst>
+                                    <p:cond delay="0"/>
+                                  </p:stCondLst>
+                                  <p:childTnLst>
+                                    <p:set>
+                                      <p:cBhvr>
+                                        <p:cTn id="11" dur="1" fill="hold">
+                                          <p:stCondLst>
+                                            <p:cond delay="0"/>
+                                          </p:stCondLst>
+                                        </p:cTn>
+                                        <p:tgtEl>
+                                          <p:spTgt spid="3">
+                                            <p:txEl>
+                                              <p:pRg st="3" end="3"/>
+                                            </p:txEl>
+                                          </p:spTgt>
+                                        </p:tgtEl>
+                                        <p:attrNameLst>
+                                          <p:attrName>style.visibility</p:attrName>
+                                        </p:attrNameLst>
+                                      </p:cBhvr>
+                                      <p:to>
+                                        <p:strVal val="visible"/>
+                                      </p:to>
+                                    </p:set>
+                                    <p:animEffect transition="in" filter="fade">
+                                      <p:cBhvr>
+                                        <p:cTn id="12" dur="500"/>
+                                        <p:tgtEl>
+                                          <p:spTgt spid="3">
+                                            <p:txEl>
+                                              <p:pRg st="3" end="3"/>
+                                            </p:txEl>
+                                          </p:spTgt>
+                                        </p:tgtEl>
+                                      </p:cBhvr>
+                                    </p:animEffect>
+                                  </p:childTnLst>
+                                </p:cTn>
+                              </p:par>
+                            </p:childTnLst>
+                          </p:cTn>
+                        </p:par>
+                      </p:childTnLst>
+                    </p:cTn>
+                  </p:par>
+                  <p:par>
+                    <p:cTn id="13" fill="hold">
+                      <p:stCondLst>
+                        <p:cond delay="indefinite"/>
+                      </p:stCondLst>
+                      <p:childTnLst>
+                        <p:par>
+                          <p:cTn id="14" fill="hold">
+                            <p:stCondLst>
+                              <p:cond delay="0"/>
+                            </p:stCondLst>
+                            <p:childTnLst>
+                              <p:par>
+                                <p:cTn id="15" presetID="10" presetClass="entr" presetSubtype="0" fill="hold" nodeType="clickEffect">
+                                  <p:stCondLst>
+                                    <p:cond delay="0"/>
+                                  </p:stCondLst>
+                                  <p:childTnLst>
+                                    <p:set>
+                                      <p:cBhvr>
+                                        <p:cTn id="16" dur="1" fill="hold">
+                                          <p:stCondLst>
+                                            <p:cond delay="0"/>
+                                          </p:stCondLst>
+                                        </p:cTn>
+                                        <p:tgtEl>
+                                          <p:spTgt spid="3">
+                                            <p:txEl>
+                                              <p:pRg st="5" end="5"/>
+                                            </p:txEl>
+                                          </p:spTgt>
+                                        </p:tgtEl>
+                                        <p:attrNameLst>
+                                          <p:attrName>style.visibility</p:attrName>
+                                        </p:attrNameLst>
+                                      </p:cBhvr>
+                                      <p:to>
+                                        <p:strVal val="visible"/>
+                                      </p:to>
+                                    </p:set>
+                                    <p:animEffect transition="in" filter="fade">
+                                      <p:cBhvr>
+                                        <p:cTn id="17" dur="500"/>
+                                        <p:tgtEl>
+                                          <p:spTgt spid="3">
+                                            <p:txEl>
+                                              <p:pRg st="5" end="5"/>
+                                            </p:txEl>
+                                          </p:spTgt>
+                                        </p:tgtEl>
+                                      </p:cBhvr>
+                                    </p:animEffect>
+                                  </p:childTnLst>
+                                </p:cTn>
+                              </p:par>
+                            </p:childTnLst>
+                          </p:cTn>
+                        </p:par>
+                        <p:par>
+                          <p:cTn id="18" fill="hold">
+                            <p:stCondLst>
+                              <p:cond delay="500"/>
+                            </p:stCondLst>
+                            <p:childTnLst>
+                              <p:par>
+                                <p:cTn id="19" presetID="10" presetClass="entr" presetSubtype="0" fill="hold" nodeType="afterEffect">
+                                  <p:stCondLst>
+                                    <p:cond delay="0"/>
+                                  </p:stCondLst>
+                                  <p:childTnLst>
+                                    <p:set>
+                                      <p:cBhvr>
+                                        <p:cTn id="20" dur="1" fill="hold">
+                                          <p:stCondLst>
+                                            <p:cond delay="0"/>
+                                          </p:stCondLst>
+                                        </p:cTn>
+                                        <p:tgtEl>
+                                          <p:spTgt spid="3">
+                                            <p:txEl>
+                                              <p:pRg st="6" end="6"/>
+                                            </p:txEl>
+                                          </p:spTgt>
+                                        </p:tgtEl>
+                                        <p:attrNameLst>
+                                          <p:attrName>style.visibility</p:attrName>
+                                        </p:attrNameLst>
+                                      </p:cBhvr>
+                                      <p:to>
+                                        <p:strVal val="visible"/>
+                                      </p:to>
+                                    </p:set>
+                                    <p:animEffect transition="in" filter="fade">
+                                      <p:cBhvr>
+                                        <p:cTn id="21" dur="500"/>
+                                        <p:tgtEl>
+                                          <p:spTgt spid="3">
+                                            <p:txEl>
+                                              <p:pRg st="6" end="6"/>
+                                            </p:txEl>
+                                          </p:spTgt>
+                                        </p:tgtEl>
+                                      </p:cBhvr>
+                                    </p:animEffect>
+                                  </p:childTnLst>
+                                </p:cTn>
+                              </p:par>
+                            </p:childTnLst>
+                          </p:cTn>
+                        </p:par>
+                      </p:childTnLst>
+                    </p:cTn>
+                  </p:par>
+                  <p:par>
+                    <p:cTn id="22" fill="hold">
+                      <p:stCondLst>
+                        <p:cond delay="indefinite"/>
+                      </p:stCondLst>
+                      <p:childTnLst>
+                        <p:par>
+                          <p:cTn id="23" fill="hold">
+                            <p:stCondLst>
+                              <p:cond delay="0"/>
+                            </p:stCondLst>
+                            <p:childTnLst>
+                              <p:par>
+                                <p:cTn id="24" presetID="10" presetClass="entr" presetSubtype="0" fill="hold" nodeType="clickEffect">
+                                  <p:stCondLst>
+                                    <p:cond delay="0"/>
+                                  </p:stCondLst>
+                                  <p:childTnLst>
+                                    <p:set>
+                                      <p:cBhvr>
+                                        <p:cTn id="25" dur="1" fill="hold">
+                                          <p:stCondLst>
+                                            <p:cond delay="0"/>
+                                          </p:stCondLst>
+                                        </p:cTn>
+                                        <p:tgtEl>
+                                          <p:spTgt spid="3">
+                                            <p:txEl>
+                                              <p:pRg st="8" end="8"/>
+                                            </p:txEl>
+                                          </p:spTgt>
+                                        </p:tgtEl>
+                                        <p:attrNameLst>
+                                          <p:attrName>style.visibility</p:attrName>
+                                        </p:attrNameLst>
+                                      </p:cBhvr>
+                                      <p:to>
+                                        <p:strVal val="visible"/>
+                                      </p:to>
+                                    </p:set>
+                                    <p:animEffect transition="in" filter="fade">
+                                      <p:cBhvr>
+                                        <p:cTn id="26" dur="500"/>
+                                        <p:tgtEl>
+                                          <p:spTgt spid="3">
+                                            <p:txEl>
+                                              <p:pRg st="8" end="8"/>
+                                            </p:txEl>
+                                          </p:spTgt>
+                                        </p:tgtEl>
+                                      </p:cBhvr>
+                                    </p:animEffect>
+                                  </p:childTnLst>
+                                </p:cTn>
+                              </p:par>
+                            </p:childTnLst>
+                          </p:cTn>
+                        </p:par>
+                      </p:childTnLst>
+                    </p:cTn>
+                  </p:par>
+                </p:childTnLst>
+              </p:cTn>
+              <p:prevCondLst>
+                <p:cond evt="onPrev" delay="0">
+                  <p:tgtEl>
+                    <p:sldTgt/>
+                  </p:tgtEl>
+                </p:cond>
+              </p:prevCondLst>
+              <p:nextCondLst>
+                <p:cond evt="onNext" delay="0">
+                  <p:tgtEl>
+                    <p:sldTgt/>
+                  </p:tgtEl>
+                </p:cond>
+              </p:nextCondLst>
+            </p:seq>
+          </p:childTnLst>
+        </p:cTn>
+      </p:par>
+    </p:tnLst>
+  </p:timing>
+</p:sld>
+</file>
+
+<file path=ppt/slides/slide28.xml><?xml version="1.0" encoding="utf-8"?>
+<p:sld xmlns:a="http://schemas.openxmlformats.org/drawingml/2006/main" xmlns:r="http://schemas.openxmlformats.org/officeDocument/2006/relationships" xmlns:p="http://schemas.openxmlformats.org/presentationml/2006/main">
+  <p:cSld>
+    <p:spTree>
+      <p:nvGrpSpPr>
+        <p:cNvPr id="1" name=""/>
+        <p:cNvGrpSpPr/>
+        <p:nvPr/>
+      </p:nvGrpSpPr>
+      <p:grpSpPr>
+        <a:xfrm>
+          <a:off x="0" y="0"/>
+          <a:ext cx="0" cy="0"/>
+          <a:chOff x="0" y="0"/>
+          <a:chExt cx="0" cy="0"/>
+        </a:xfrm>
+      </p:grpSpPr>
+      <p:sp>
+        <p:nvSpPr>
+          <p:cNvPr id="4" name="Titolo 3"/>
+          <p:cNvSpPr>
+            <a:spLocks noGrp="1"/>
+          </p:cNvSpPr>
+          <p:nvPr>
+            <p:ph type="title"/>
+          </p:nvPr>
+        </p:nvSpPr>
+        <p:spPr/>
+        <p:txBody>
+          <a:bodyPr/>
+          <a:lstStyle/>
+          <a:p>
+            <a:r>
               <a:rPr lang="it-IT" dirty="0" smtClean="0"/>
               <a:t>Reference</a:t>
             </a:r>
@@ -7537,7 +9908,7 @@
 </p:sld>
 </file>
 
-<file path=ppt/slides/slide21.xml><?xml version="1.0" encoding="utf-8"?>
+<file path=ppt/slides/slide29.xml><?xml version="1.0" encoding="utf-8"?>
 <p:sld xmlns:a="http://schemas.openxmlformats.org/drawingml/2006/main" xmlns:r="http://schemas.openxmlformats.org/officeDocument/2006/relationships" xmlns:p="http://schemas.openxmlformats.org/presentationml/2006/main">
   <p:cSld>
     <p:spTree>
@@ -7668,384 +10039,6 @@
 </p:sld>
 </file>
 
-<file path=ppt/slides/slide22.xml><?xml version="1.0" encoding="utf-8"?>
-<p:sld xmlns:a="http://schemas.openxmlformats.org/drawingml/2006/main" xmlns:r="http://schemas.openxmlformats.org/officeDocument/2006/relationships" xmlns:p="http://schemas.openxmlformats.org/presentationml/2006/main">
-  <p:cSld>
-    <p:spTree>
-      <p:nvGrpSpPr>
-        <p:cNvPr id="1" name=""/>
-        <p:cNvGrpSpPr/>
-        <p:nvPr/>
-      </p:nvGrpSpPr>
-      <p:grpSpPr>
-        <a:xfrm>
-          <a:off x="0" y="0"/>
-          <a:ext cx="0" cy="0"/>
-          <a:chOff x="0" y="0"/>
-          <a:chExt cx="0" cy="0"/>
-        </a:xfrm>
-      </p:grpSpPr>
-      <p:sp>
-        <p:nvSpPr>
-          <p:cNvPr id="2" name="Titolo 1"/>
-          <p:cNvSpPr>
-            <a:spLocks noGrp="1"/>
-          </p:cNvSpPr>
-          <p:nvPr>
-            <p:ph type="title"/>
-          </p:nvPr>
-        </p:nvSpPr>
-        <p:spPr/>
-        <p:txBody>
-          <a:bodyPr/>
-          <a:lstStyle/>
-          <a:p>
-            <a:r>
-              <a:rPr lang="it-IT" dirty="0" err="1" smtClean="0"/>
-              <a:t>Who</a:t>
-            </a:r>
-            <a:r>
-              <a:rPr lang="it-IT" dirty="0" smtClean="0"/>
-              <a:t> </a:t>
-            </a:r>
-            <a:r>
-              <a:rPr lang="it-IT" dirty="0" err="1" smtClean="0"/>
-              <a:t>am</a:t>
-            </a:r>
-            <a:r>
-              <a:rPr lang="it-IT" dirty="0" smtClean="0"/>
-              <a:t> I ?</a:t>
-            </a:r>
-            <a:endParaRPr lang="it-IT" dirty="0"/>
-          </a:p>
-        </p:txBody>
-      </p:sp>
-      <p:sp>
-        <p:nvSpPr>
-          <p:cNvPr id="3" name="Segnaposto contenuto 2"/>
-          <p:cNvSpPr>
-            <a:spLocks noGrp="1"/>
-          </p:cNvSpPr>
-          <p:nvPr>
-            <p:ph idx="1"/>
-          </p:nvPr>
-        </p:nvSpPr>
-        <p:spPr/>
-        <p:txBody>
-          <a:bodyPr>
-            <a:normAutofit fontScale="85000" lnSpcReduction="20000"/>
-          </a:bodyPr>
-          <a:lstStyle/>
-          <a:p>
-            <a:pPr marL="0" indent="0">
-              <a:buNone/>
-            </a:pPr>
-            <a:endParaRPr lang="en-US" sz="4400" i="1" dirty="0" smtClean="0"/>
-          </a:p>
-          <a:p>
-            <a:pPr marL="0" indent="0">
-              <a:buNone/>
-            </a:pPr>
-            <a:r>
-              <a:rPr lang="en-US" sz="4400" i="1" dirty="0" err="1" smtClean="0"/>
-              <a:t>Dott.ing</a:t>
-            </a:r>
-            <a:r>
-              <a:rPr lang="en-US" sz="4400" i="1" dirty="0" smtClean="0"/>
-              <a:t>. Alessandro </a:t>
-            </a:r>
-            <a:r>
-              <a:rPr lang="en-US" sz="4400" i="1" dirty="0" err="1"/>
-              <a:t>Giorgetti</a:t>
-            </a:r>
-            <a:endParaRPr lang="en-US" dirty="0">
-              <a:solidFill>
-                <a:srgbClr val="000000"/>
-              </a:solidFill>
-            </a:endParaRPr>
-          </a:p>
-          <a:p>
-            <a:pPr marL="0" indent="0">
-              <a:buNone/>
-            </a:pPr>
-            <a:endParaRPr lang="en-US" sz="3200" i="1" dirty="0" smtClean="0">
-              <a:solidFill>
-                <a:srgbClr val="000000"/>
-              </a:solidFill>
-            </a:endParaRPr>
-          </a:p>
-          <a:p>
-            <a:pPr marL="0" indent="0">
-              <a:buNone/>
-            </a:pPr>
-            <a:endParaRPr lang="en-US" sz="3200" i="1" dirty="0">
-              <a:solidFill>
-                <a:srgbClr val="000000"/>
-              </a:solidFill>
-            </a:endParaRPr>
-          </a:p>
-          <a:p>
-            <a:pPr marL="0" indent="0" algn="r">
-              <a:buNone/>
-            </a:pPr>
-            <a:r>
-              <a:rPr lang="en-US" dirty="0">
-                <a:solidFill>
-                  <a:srgbClr val="000000"/>
-                </a:solidFill>
-              </a:rPr>
-              <a:t>Facebook: </a:t>
-            </a:r>
-            <a:r>
-              <a:rPr lang="en-US" dirty="0">
-                <a:solidFill>
-                  <a:srgbClr val="000000"/>
-                </a:solidFill>
-                <a:latin typeface="Calibri" charset="0"/>
-                <a:hlinkClick r:id="rId3"/>
-              </a:rPr>
-              <a:t>https://www.facebook.com/giorgetti.alessandro</a:t>
-            </a:r>
-            <a:endParaRPr lang="en-US" i="1" dirty="0">
-              <a:solidFill>
-                <a:srgbClr val="000000"/>
-              </a:solidFill>
-              <a:latin typeface="Calibri" charset="0"/>
-            </a:endParaRPr>
-          </a:p>
-          <a:p>
-            <a:pPr marL="0" indent="0" algn="r">
-              <a:buNone/>
-            </a:pPr>
-            <a:r>
-              <a:rPr lang="en-US" dirty="0">
-                <a:solidFill>
-                  <a:srgbClr val="000000"/>
-                </a:solidFill>
-              </a:rPr>
-              <a:t>Twitter: @</a:t>
-            </a:r>
-            <a:r>
-              <a:rPr lang="en-US" dirty="0" err="1">
-                <a:solidFill>
-                  <a:srgbClr val="000000"/>
-                </a:solidFill>
-              </a:rPr>
-              <a:t>a_giorgetti</a:t>
-            </a:r>
-            <a:endParaRPr lang="en-US" dirty="0">
-              <a:solidFill>
-                <a:srgbClr val="000000"/>
-              </a:solidFill>
-            </a:endParaRPr>
-          </a:p>
-          <a:p>
-            <a:pPr marL="0" indent="0" algn="r">
-              <a:buNone/>
-            </a:pPr>
-            <a:r>
-              <a:rPr lang="en-US" dirty="0">
-                <a:solidFill>
-                  <a:srgbClr val="000000"/>
-                </a:solidFill>
-              </a:rPr>
-              <a:t>LinkedIn: </a:t>
-            </a:r>
-            <a:r>
-              <a:rPr lang="en-US" dirty="0">
-                <a:solidFill>
-                  <a:srgbClr val="333333"/>
-                </a:solidFill>
-                <a:latin typeface="Arial" charset="0"/>
-                <a:hlinkClick r:id="rId4"/>
-              </a:rPr>
-              <a:t>https://it.linkedin.com/in/giorgettialessandro</a:t>
-            </a:r>
-            <a:endParaRPr lang="en-US" dirty="0">
-              <a:solidFill>
-                <a:srgbClr val="000000"/>
-              </a:solidFill>
-            </a:endParaRPr>
-          </a:p>
-          <a:p>
-            <a:pPr marL="0" indent="0" algn="r">
-              <a:buNone/>
-            </a:pPr>
-            <a:r>
-              <a:rPr lang="en-US" dirty="0">
-                <a:solidFill>
-                  <a:srgbClr val="000000"/>
-                </a:solidFill>
-              </a:rPr>
-              <a:t>E-mail: </a:t>
-            </a:r>
-            <a:r>
-              <a:rPr lang="en-US" dirty="0">
-                <a:solidFill>
-                  <a:srgbClr val="000000"/>
-                </a:solidFill>
-                <a:hlinkClick r:id="rId5"/>
-              </a:rPr>
-              <a:t>alessandro.giorgetti@live.com</a:t>
-            </a:r>
-            <a:endParaRPr lang="en-US" dirty="0">
-              <a:solidFill>
-                <a:srgbClr val="000000"/>
-              </a:solidFill>
-            </a:endParaRPr>
-          </a:p>
-          <a:p>
-            <a:pPr marL="0" indent="0" algn="r">
-              <a:buNone/>
-            </a:pPr>
-            <a:r>
-              <a:rPr lang="en-US" dirty="0">
-                <a:solidFill>
-                  <a:srgbClr val="000000"/>
-                </a:solidFill>
-              </a:rPr>
-              <a:t>Blog: </a:t>
-            </a:r>
-            <a:r>
-              <a:rPr lang="en-US" dirty="0">
-                <a:solidFill>
-                  <a:srgbClr val="000000"/>
-                </a:solidFill>
-                <a:hlinkClick r:id="rId6"/>
-              </a:rPr>
-              <a:t>www.primordialcode.com</a:t>
-            </a:r>
-            <a:endParaRPr lang="en-US" dirty="0">
-              <a:solidFill>
-                <a:srgbClr val="000000"/>
-              </a:solidFill>
-            </a:endParaRPr>
-          </a:p>
-          <a:p>
-            <a:endParaRPr lang="it-IT" dirty="0"/>
-          </a:p>
-        </p:txBody>
-      </p:sp>
-      <p:pic>
-        <p:nvPicPr>
-          <p:cNvPr id="4" name="Immagine 3"/>
-          <p:cNvPicPr>
-            <a:picLocks noChangeAspect="1"/>
-          </p:cNvPicPr>
-          <p:nvPr/>
-        </p:nvPicPr>
-        <p:blipFill>
-          <a:blip r:embed="rId7">
-            <a:extLst>
-              <a:ext uri="{28A0092B-C50C-407E-A947-70E740481C1C}">
-                <a14:useLocalDpi xmlns:a14="http://schemas.microsoft.com/office/drawing/2010/main" val="0"/>
-              </a:ext>
-            </a:extLst>
-          </a:blip>
-          <a:stretch>
-            <a:fillRect/>
-          </a:stretch>
-        </p:blipFill>
-        <p:spPr>
-          <a:xfrm>
-            <a:off x="11705996" y="6416178"/>
-            <a:ext cx="486004" cy="441822"/>
-          </a:xfrm>
-          <a:prstGeom prst="rect">
-            <a:avLst/>
-          </a:prstGeom>
-        </p:spPr>
-      </p:pic>
-      <p:sp>
-        <p:nvSpPr>
-          <p:cNvPr id="5" name="CasellaDiTesto 4"/>
-          <p:cNvSpPr txBox="1"/>
-          <p:nvPr/>
-        </p:nvSpPr>
-        <p:spPr>
-          <a:xfrm>
-            <a:off x="10101089" y="6429345"/>
-            <a:ext cx="1542409" cy="400110"/>
-          </a:xfrm>
-          <a:prstGeom prst="rect">
-            <a:avLst/>
-          </a:prstGeom>
-          <a:noFill/>
-        </p:spPr>
-        <p:txBody>
-          <a:bodyPr wrap="none" rtlCol="0">
-            <a:spAutoFit/>
-          </a:bodyPr>
-          <a:lstStyle/>
-          <a:p>
-            <a:pPr algn="r"/>
-            <a:r>
-              <a:rPr lang="it-IT" sz="1000" dirty="0" smtClean="0">
-                <a:solidFill>
-                  <a:schemeClr val="bg1"/>
-                </a:solidFill>
-              </a:rPr>
-              <a:t>Alessandro </a:t>
-            </a:r>
-            <a:r>
-              <a:rPr lang="it-IT" sz="1000" dirty="0" err="1" smtClean="0">
-                <a:solidFill>
-                  <a:schemeClr val="bg1"/>
-                </a:solidFill>
-              </a:rPr>
-              <a:t>Giorgetti</a:t>
-            </a:r>
-            <a:r>
-              <a:rPr lang="it-IT" sz="1000" dirty="0" smtClean="0">
-                <a:solidFill>
-                  <a:schemeClr val="bg1"/>
-                </a:solidFill>
-              </a:rPr>
-              <a:t/>
-            </a:r>
-            <a:br>
-              <a:rPr lang="it-IT" sz="1000" dirty="0" smtClean="0">
-                <a:solidFill>
-                  <a:schemeClr val="bg1"/>
-                </a:solidFill>
-              </a:rPr>
-            </a:br>
-            <a:r>
-              <a:rPr lang="it-IT" sz="1000" dirty="0" smtClean="0">
-                <a:solidFill>
-                  <a:schemeClr val="bg1"/>
-                </a:solidFill>
-              </a:rPr>
-              <a:t>www.primordialcode.com</a:t>
-            </a:r>
-            <a:endParaRPr lang="it-IT" sz="1000" dirty="0">
-              <a:solidFill>
-                <a:schemeClr val="bg1"/>
-              </a:solidFill>
-            </a:endParaRPr>
-          </a:p>
-        </p:txBody>
-      </p:sp>
-    </p:spTree>
-    <p:extLst>
-      <p:ext uri="{BB962C8B-B14F-4D97-AF65-F5344CB8AC3E}">
-        <p14:creationId xmlns:p14="http://schemas.microsoft.com/office/powerpoint/2010/main" val="4063457505"/>
-      </p:ext>
-    </p:extLst>
-  </p:cSld>
-  <p:clrMapOvr>
-    <a:masterClrMapping/>
-  </p:clrMapOvr>
-  <p:timing>
-    <p:tnLst>
-      <p:par>
-        <p:cTn id="1" dur="indefinite" restart="never" nodeType="tmRoot"/>
-      </p:par>
-    </p:tnLst>
-  </p:timing>
-</p:sld>
-</file>
-
 <file path=ppt/slides/slide3.xml><?xml version="1.0" encoding="utf-8"?>
 <p:sld xmlns:a="http://schemas.openxmlformats.org/drawingml/2006/main" xmlns:r="http://schemas.openxmlformats.org/officeDocument/2006/relationships" xmlns:p="http://schemas.openxmlformats.org/presentationml/2006/main">
   <p:cSld>
@@ -8196,11 +10189,7 @@
           <a:p>
             <a:r>
               <a:rPr lang="en-US" dirty="0" smtClean="0"/>
-              <a:t>… </a:t>
-            </a:r>
-            <a:r>
-              <a:rPr lang="en-US" dirty="0" smtClean="0"/>
-              <a:t>more paragraphs explaining the thing …</a:t>
+              <a:t>… more paragraphs explaining the thing …</a:t>
             </a:r>
             <a:endParaRPr lang="it-IT" dirty="0"/>
           </a:p>
@@ -8459,6 +10448,431 @@
 </p:sld>
 </file>
 
+<file path=ppt/slides/slide30.xml><?xml version="1.0" encoding="utf-8"?>
+<p:sld xmlns:a="http://schemas.openxmlformats.org/drawingml/2006/main" xmlns:r="http://schemas.openxmlformats.org/officeDocument/2006/relationships" xmlns:p="http://schemas.openxmlformats.org/presentationml/2006/main">
+  <p:cSld>
+    <p:spTree>
+      <p:nvGrpSpPr>
+        <p:cNvPr id="1" name=""/>
+        <p:cNvGrpSpPr/>
+        <p:nvPr/>
+      </p:nvGrpSpPr>
+      <p:grpSpPr>
+        <a:xfrm>
+          <a:off x="0" y="0"/>
+          <a:ext cx="0" cy="0"/>
+          <a:chOff x="0" y="0"/>
+          <a:chExt cx="0" cy="0"/>
+        </a:xfrm>
+      </p:grpSpPr>
+      <p:sp>
+        <p:nvSpPr>
+          <p:cNvPr id="2" name="Titolo 1"/>
+          <p:cNvSpPr>
+            <a:spLocks noGrp="1"/>
+          </p:cNvSpPr>
+          <p:nvPr>
+            <p:ph type="title"/>
+          </p:nvPr>
+        </p:nvSpPr>
+        <p:spPr/>
+        <p:txBody>
+          <a:bodyPr/>
+          <a:lstStyle/>
+          <a:p>
+            <a:r>
+              <a:rPr lang="it-IT" dirty="0" err="1" smtClean="0"/>
+              <a:t>Who</a:t>
+            </a:r>
+            <a:r>
+              <a:rPr lang="it-IT" dirty="0" smtClean="0"/>
+              <a:t> </a:t>
+            </a:r>
+            <a:r>
+              <a:rPr lang="it-IT" dirty="0" err="1" smtClean="0"/>
+              <a:t>am</a:t>
+            </a:r>
+            <a:r>
+              <a:rPr lang="it-IT" dirty="0" smtClean="0"/>
+              <a:t> I ?</a:t>
+            </a:r>
+            <a:endParaRPr lang="it-IT" dirty="0"/>
+          </a:p>
+        </p:txBody>
+      </p:sp>
+      <p:sp>
+        <p:nvSpPr>
+          <p:cNvPr id="3" name="Segnaposto contenuto 2"/>
+          <p:cNvSpPr>
+            <a:spLocks noGrp="1"/>
+          </p:cNvSpPr>
+          <p:nvPr>
+            <p:ph idx="1"/>
+          </p:nvPr>
+        </p:nvSpPr>
+        <p:spPr/>
+        <p:txBody>
+          <a:bodyPr>
+            <a:normAutofit fontScale="85000" lnSpcReduction="20000"/>
+          </a:bodyPr>
+          <a:lstStyle/>
+          <a:p>
+            <a:pPr marL="0" indent="0">
+              <a:buNone/>
+            </a:pPr>
+            <a:endParaRPr lang="en-US" sz="4400" i="1" dirty="0" smtClean="0"/>
+          </a:p>
+          <a:p>
+            <a:pPr marL="0" indent="0">
+              <a:buNone/>
+            </a:pPr>
+            <a:r>
+              <a:rPr lang="en-US" sz="4400" i="1" dirty="0" err="1" smtClean="0"/>
+              <a:t>Dott.ing</a:t>
+            </a:r>
+            <a:r>
+              <a:rPr lang="en-US" sz="4400" i="1" dirty="0" smtClean="0"/>
+              <a:t>. Alessandro </a:t>
+            </a:r>
+            <a:r>
+              <a:rPr lang="en-US" sz="4400" i="1" dirty="0" err="1"/>
+              <a:t>Giorgetti</a:t>
+            </a:r>
+            <a:endParaRPr lang="en-US" dirty="0">
+              <a:solidFill>
+                <a:srgbClr val="000000"/>
+              </a:solidFill>
+            </a:endParaRPr>
+          </a:p>
+          <a:p>
+            <a:pPr marL="0" indent="0">
+              <a:buNone/>
+            </a:pPr>
+            <a:endParaRPr lang="en-US" sz="3200" i="1" dirty="0" smtClean="0">
+              <a:solidFill>
+                <a:srgbClr val="000000"/>
+              </a:solidFill>
+            </a:endParaRPr>
+          </a:p>
+          <a:p>
+            <a:pPr marL="0" indent="0">
+              <a:buNone/>
+            </a:pPr>
+            <a:endParaRPr lang="en-US" sz="3200" i="1" dirty="0">
+              <a:solidFill>
+                <a:srgbClr val="000000"/>
+              </a:solidFill>
+            </a:endParaRPr>
+          </a:p>
+          <a:p>
+            <a:pPr marL="0" indent="0" algn="r">
+              <a:buNone/>
+            </a:pPr>
+            <a:r>
+              <a:rPr lang="en-US" dirty="0">
+                <a:solidFill>
+                  <a:srgbClr val="000000"/>
+                </a:solidFill>
+              </a:rPr>
+              <a:t>Facebook: </a:t>
+            </a:r>
+            <a:r>
+              <a:rPr lang="en-US" dirty="0">
+                <a:solidFill>
+                  <a:srgbClr val="000000"/>
+                </a:solidFill>
+                <a:latin typeface="Calibri" charset="0"/>
+                <a:hlinkClick r:id="rId3"/>
+              </a:rPr>
+              <a:t>https://www.facebook.com/giorgetti.alessandro</a:t>
+            </a:r>
+            <a:endParaRPr lang="en-US" i="1" dirty="0">
+              <a:solidFill>
+                <a:srgbClr val="000000"/>
+              </a:solidFill>
+              <a:latin typeface="Calibri" charset="0"/>
+            </a:endParaRPr>
+          </a:p>
+          <a:p>
+            <a:pPr marL="0" indent="0" algn="r">
+              <a:buNone/>
+            </a:pPr>
+            <a:r>
+              <a:rPr lang="en-US" dirty="0">
+                <a:solidFill>
+                  <a:srgbClr val="000000"/>
+                </a:solidFill>
+              </a:rPr>
+              <a:t>Twitter: @</a:t>
+            </a:r>
+            <a:r>
+              <a:rPr lang="en-US" dirty="0" err="1">
+                <a:solidFill>
+                  <a:srgbClr val="000000"/>
+                </a:solidFill>
+              </a:rPr>
+              <a:t>a_giorgetti</a:t>
+            </a:r>
+            <a:endParaRPr lang="en-US" dirty="0">
+              <a:solidFill>
+                <a:srgbClr val="000000"/>
+              </a:solidFill>
+            </a:endParaRPr>
+          </a:p>
+          <a:p>
+            <a:pPr marL="0" indent="0" algn="r">
+              <a:buNone/>
+            </a:pPr>
+            <a:r>
+              <a:rPr lang="en-US" dirty="0">
+                <a:solidFill>
+                  <a:srgbClr val="000000"/>
+                </a:solidFill>
+              </a:rPr>
+              <a:t>LinkedIn: </a:t>
+            </a:r>
+            <a:r>
+              <a:rPr lang="en-US" dirty="0">
+                <a:solidFill>
+                  <a:srgbClr val="333333"/>
+                </a:solidFill>
+                <a:latin typeface="Arial" charset="0"/>
+                <a:hlinkClick r:id="rId4"/>
+              </a:rPr>
+              <a:t>https://it.linkedin.com/in/giorgettialessandro</a:t>
+            </a:r>
+            <a:endParaRPr lang="en-US" dirty="0">
+              <a:solidFill>
+                <a:srgbClr val="000000"/>
+              </a:solidFill>
+            </a:endParaRPr>
+          </a:p>
+          <a:p>
+            <a:pPr marL="0" indent="0" algn="r">
+              <a:buNone/>
+            </a:pPr>
+            <a:r>
+              <a:rPr lang="en-US" dirty="0">
+                <a:solidFill>
+                  <a:srgbClr val="000000"/>
+                </a:solidFill>
+              </a:rPr>
+              <a:t>E-mail: </a:t>
+            </a:r>
+            <a:r>
+              <a:rPr lang="en-US" dirty="0">
+                <a:solidFill>
+                  <a:srgbClr val="000000"/>
+                </a:solidFill>
+                <a:hlinkClick r:id="rId5"/>
+              </a:rPr>
+              <a:t>alessandro.giorgetti@live.com</a:t>
+            </a:r>
+            <a:endParaRPr lang="en-US" dirty="0">
+              <a:solidFill>
+                <a:srgbClr val="000000"/>
+              </a:solidFill>
+            </a:endParaRPr>
+          </a:p>
+          <a:p>
+            <a:pPr marL="0" indent="0" algn="r">
+              <a:buNone/>
+            </a:pPr>
+            <a:r>
+              <a:rPr lang="en-US" dirty="0">
+                <a:solidFill>
+                  <a:srgbClr val="000000"/>
+                </a:solidFill>
+              </a:rPr>
+              <a:t>Blog: </a:t>
+            </a:r>
+            <a:r>
+              <a:rPr lang="en-US" dirty="0">
+                <a:solidFill>
+                  <a:srgbClr val="000000"/>
+                </a:solidFill>
+                <a:hlinkClick r:id="rId6"/>
+              </a:rPr>
+              <a:t>www.primordialcode.com</a:t>
+            </a:r>
+            <a:endParaRPr lang="en-US" dirty="0">
+              <a:solidFill>
+                <a:srgbClr val="000000"/>
+              </a:solidFill>
+            </a:endParaRPr>
+          </a:p>
+          <a:p>
+            <a:endParaRPr lang="it-IT" dirty="0"/>
+          </a:p>
+        </p:txBody>
+      </p:sp>
+      <p:pic>
+        <p:nvPicPr>
+          <p:cNvPr id="4" name="Immagine 3"/>
+          <p:cNvPicPr>
+            <a:picLocks noChangeAspect="1"/>
+          </p:cNvPicPr>
+          <p:nvPr/>
+        </p:nvPicPr>
+        <p:blipFill>
+          <a:blip r:embed="rId7">
+            <a:extLst>
+              <a:ext uri="{28A0092B-C50C-407E-A947-70E740481C1C}">
+                <a14:useLocalDpi xmlns:a14="http://schemas.microsoft.com/office/drawing/2010/main" val="0"/>
+              </a:ext>
+            </a:extLst>
+          </a:blip>
+          <a:stretch>
+            <a:fillRect/>
+          </a:stretch>
+        </p:blipFill>
+        <p:spPr>
+          <a:xfrm>
+            <a:off x="11705996" y="6416178"/>
+            <a:ext cx="486004" cy="441822"/>
+          </a:xfrm>
+          <a:prstGeom prst="rect">
+            <a:avLst/>
+          </a:prstGeom>
+        </p:spPr>
+      </p:pic>
+      <p:sp>
+        <p:nvSpPr>
+          <p:cNvPr id="5" name="CasellaDiTesto 4"/>
+          <p:cNvSpPr txBox="1"/>
+          <p:nvPr/>
+        </p:nvSpPr>
+        <p:spPr>
+          <a:xfrm>
+            <a:off x="10101089" y="6429345"/>
+            <a:ext cx="1542409" cy="400110"/>
+          </a:xfrm>
+          <a:prstGeom prst="rect">
+            <a:avLst/>
+          </a:prstGeom>
+          <a:noFill/>
+        </p:spPr>
+        <p:txBody>
+          <a:bodyPr wrap="none" rtlCol="0">
+            <a:spAutoFit/>
+          </a:bodyPr>
+          <a:lstStyle/>
+          <a:p>
+            <a:pPr algn="r"/>
+            <a:r>
+              <a:rPr lang="it-IT" sz="1000" dirty="0" smtClean="0">
+                <a:solidFill>
+                  <a:schemeClr val="bg1"/>
+                </a:solidFill>
+              </a:rPr>
+              <a:t>Alessandro </a:t>
+            </a:r>
+            <a:r>
+              <a:rPr lang="it-IT" sz="1000" dirty="0" err="1" smtClean="0">
+                <a:solidFill>
+                  <a:schemeClr val="bg1"/>
+                </a:solidFill>
+              </a:rPr>
+              <a:t>Giorgetti</a:t>
+            </a:r>
+            <a:r>
+              <a:rPr lang="it-IT" sz="1000" dirty="0" smtClean="0">
+                <a:solidFill>
+                  <a:schemeClr val="bg1"/>
+                </a:solidFill>
+              </a:rPr>
+              <a:t/>
+            </a:r>
+            <a:br>
+              <a:rPr lang="it-IT" sz="1000" dirty="0" smtClean="0">
+                <a:solidFill>
+                  <a:schemeClr val="bg1"/>
+                </a:solidFill>
+              </a:rPr>
+            </a:br>
+            <a:r>
+              <a:rPr lang="it-IT" sz="1000" dirty="0" smtClean="0">
+                <a:solidFill>
+                  <a:schemeClr val="bg1"/>
+                </a:solidFill>
+              </a:rPr>
+              <a:t>www.primordialcode.com</a:t>
+            </a:r>
+            <a:endParaRPr lang="it-IT" sz="1000" dirty="0">
+              <a:solidFill>
+                <a:schemeClr val="bg1"/>
+              </a:solidFill>
+            </a:endParaRPr>
+          </a:p>
+        </p:txBody>
+      </p:sp>
+      <p:pic>
+        <p:nvPicPr>
+          <p:cNvPr id="1026" name="Picture 2" descr="D:\agiorgetti.github.io\images\me.png"/>
+          <p:cNvPicPr>
+            <a:picLocks noChangeAspect="1" noChangeArrowheads="1"/>
+          </p:cNvPicPr>
+          <p:nvPr/>
+        </p:nvPicPr>
+        <p:blipFill>
+          <a:blip r:embed="rId8">
+            <a:extLst>
+              <a:ext uri="{28A0092B-C50C-407E-A947-70E740481C1C}">
+                <a14:useLocalDpi xmlns:a14="http://schemas.microsoft.com/office/drawing/2010/main" val="0"/>
+              </a:ext>
+            </a:extLst>
+          </a:blip>
+          <a:srcRect/>
+          <a:stretch>
+            <a:fillRect/>
+          </a:stretch>
+        </p:blipFill>
+        <p:spPr bwMode="auto">
+          <a:xfrm>
+            <a:off x="1206500" y="3111500"/>
+            <a:ext cx="2978150" cy="2978150"/>
+          </a:xfrm>
+          <a:prstGeom prst="rect">
+            <a:avLst/>
+          </a:prstGeom>
+          <a:noFill/>
+          <a:effectLst>
+            <a:outerShdw blurRad="50800" dist="50800" sx="1000" sy="1000" algn="ctr" rotWithShape="0">
+              <a:srgbClr val="000000"/>
+            </a:outerShdw>
+            <a:softEdge rad="63500"/>
+          </a:effectLst>
+          <a:extLst>
+            <a:ext uri="{909E8E84-426E-40DD-AFC4-6F175D3DCCD1}">
+              <a14:hiddenFill xmlns:a14="http://schemas.microsoft.com/office/drawing/2010/main">
+                <a:solidFill>
+                  <a:srgbClr val="FFFFFF"/>
+                </a:solidFill>
+              </a14:hiddenFill>
+            </a:ext>
+          </a:extLst>
+        </p:spPr>
+      </p:pic>
+    </p:spTree>
+    <p:extLst>
+      <p:ext uri="{BB962C8B-B14F-4D97-AF65-F5344CB8AC3E}">
+        <p14:creationId xmlns:p14="http://schemas.microsoft.com/office/powerpoint/2010/main" val="4063457505"/>
+      </p:ext>
+    </p:extLst>
+  </p:cSld>
+  <p:clrMapOvr>
+    <a:masterClrMapping/>
+  </p:clrMapOvr>
+  <p:timing>
+    <p:tnLst>
+      <p:par>
+        <p:cTn id="1" dur="indefinite" restart="never" nodeType="tmRoot"/>
+      </p:par>
+    </p:tnLst>
+  </p:timing>
+</p:sld>
+</file>
+
 <file path=ppt/slides/slide4.xml><?xml version="1.0" encoding="utf-8"?>
 <p:sld xmlns:a="http://schemas.openxmlformats.org/drawingml/2006/main" xmlns:r="http://schemas.openxmlformats.org/officeDocument/2006/relationships" xmlns:p="http://schemas.openxmlformats.org/presentationml/2006/main">
   <p:cSld>
@@ -8548,15 +10962,7 @@
             </a:r>
             <a:r>
               <a:rPr lang="en-US" b="1" dirty="0" smtClean="0"/>
-              <a:t>Functional </a:t>
-            </a:r>
-            <a:r>
-              <a:rPr lang="en-US" b="1" dirty="0" smtClean="0"/>
-              <a:t>Reactive </a:t>
-            </a:r>
-            <a:r>
-              <a:rPr lang="en-US" b="1" dirty="0" smtClean="0"/>
-              <a:t>Programming</a:t>
+              <a:t>Functional Reactive Programming</a:t>
             </a:r>
             <a:r>
               <a:rPr lang="en-US" dirty="0" smtClean="0"/>
@@ -8568,25 +10974,16 @@
             </a:r>
             <a:r>
               <a:rPr lang="en-US" dirty="0" smtClean="0"/>
-              <a:t>“</a:t>
-            </a:r>
-            <a:r>
-              <a:rPr lang="en-US" dirty="0" smtClean="0"/>
-              <a:t>datatypes </a:t>
+              <a:t>“datatypes </a:t>
             </a:r>
             <a:r>
               <a:rPr lang="en-US" dirty="0"/>
-              <a:t>that represent a value 'over </a:t>
-            </a:r>
-            <a:r>
-              <a:rPr lang="en-US" dirty="0"/>
-              <a:t>time</a:t>
+              <a:t>that represent a value 'over time</a:t>
             </a:r>
             <a:r>
               <a:rPr lang="en-US" dirty="0" smtClean="0"/>
               <a:t>‘ ”. </a:t>
             </a:r>
-            <a:endParaRPr lang="en-US" dirty="0" smtClean="0"/>
           </a:p>
           <a:p>
             <a:r>
@@ -8644,11 +11041,7 @@
           <a:p>
             <a:r>
               <a:rPr lang="en-US" dirty="0" smtClean="0"/>
-              <a:t>… </a:t>
-            </a:r>
-            <a:r>
-              <a:rPr lang="en-US" dirty="0" smtClean="0"/>
-              <a:t>more paragraphs explaining the thing …</a:t>
+              <a:t>… more paragraphs explaining the thing …</a:t>
             </a:r>
             <a:endParaRPr lang="it-IT" dirty="0"/>
           </a:p>
@@ -9072,11 +11465,7 @@
             </a:r>
             <a:r>
               <a:rPr lang="it-IT" sz="4400" dirty="0" smtClean="0"/>
-              <a:t> </a:t>
-            </a:r>
-            <a:r>
-              <a:rPr lang="it-IT" sz="4400" dirty="0" smtClean="0"/>
-              <a:t>(</a:t>
+              <a:t> (</a:t>
             </a:r>
             <a:r>
               <a:rPr lang="it-IT" sz="4400" dirty="0" err="1" smtClean="0"/>
@@ -9084,11 +11473,7 @@
             </a:r>
             <a:r>
               <a:rPr lang="it-IT" sz="4400" dirty="0" smtClean="0"/>
-              <a:t>) </a:t>
-            </a:r>
-            <a:r>
-              <a:rPr lang="it-IT" sz="4400" dirty="0" smtClean="0"/>
-              <a:t>Data </a:t>
+              <a:t>) Data </a:t>
             </a:r>
             <a:r>
               <a:rPr lang="it-IT" sz="4400" dirty="0" err="1" smtClean="0"/>
@@ -9371,11 +11756,7 @@
             </a:r>
             <a:r>
               <a:rPr lang="it-IT" dirty="0" smtClean="0"/>
-              <a:t> by </a:t>
-            </a:r>
-            <a:r>
-              <a:rPr lang="it-IT" dirty="0" smtClean="0"/>
-              <a:t>the </a:t>
+              <a:t> by the </a:t>
             </a:r>
             <a:r>
               <a:rPr lang="it-IT" dirty="0" err="1" smtClean="0"/>
@@ -9383,13 +11764,8 @@
             </a:r>
             <a:r>
               <a:rPr lang="it-IT" dirty="0" smtClean="0"/>
-              <a:t> </a:t>
-            </a:r>
-            <a:r>
-              <a:rPr lang="it-IT" dirty="0" smtClean="0"/>
-              <a:t>manifesto!</a:t>
-            </a:r>
-            <a:endParaRPr lang="it-IT" dirty="0" smtClean="0"/>
+              <a:t> manifesto!</a:t>
+            </a:r>
           </a:p>
           <a:p>
             <a:endParaRPr lang="it-IT" dirty="0"/>

--- a/ReactiveProgramming_RxJS.pptx
+++ b/ReactiveProgramming_RxJS.pptx
@@ -141,7 +141,7 @@
   </p:defaultTextStyle>
   <p:extLst>
     <p:ext uri="{EFAFB233-063F-42B5-8137-9DF3F51BA10A}">
-      <p15:sldGuideLst xmlns:p15="http://schemas.microsoft.com/office/powerpoint/2012/main" xmlns=""/>
+      <p15:sldGuideLst xmlns="" xmlns:p15="http://schemas.microsoft.com/office/powerpoint/2012/main"/>
     </p:ext>
   </p:extLst>
 </p:presentation>
@@ -229,7 +229,7 @@
           <a:p>
             <a:fld id="{327B5F9E-84DB-4811-8F56-9C65E911095D}" type="datetimeFigureOut">
               <a:rPr lang="it-IT" smtClean="0"/>
-              <a:t>25/11/2018</a:t>
+              <a:t>03/12/2018</a:t>
             </a:fld>
             <a:endParaRPr lang="it-IT"/>
           </a:p>
@@ -394,7 +394,7 @@
           <a:p>
             <a:fld id="{60073984-6E99-4D80-ADB1-BFDA0D866557}" type="datetimeFigureOut">
               <a:rPr lang="en-US"/>
-              <a:t>11/25/2018</a:t>
+              <a:t>12/3/2018</a:t>
             </a:fld>
             <a:endParaRPr lang="en-US"/>
           </a:p>
@@ -750,6 +750,846 @@
 </p:notes>
 </file>
 
+<file path=ppt/notesSlides/notesSlide10.xml><?xml version="1.0" encoding="utf-8"?>
+<p:notes xmlns:a="http://schemas.openxmlformats.org/drawingml/2006/main" xmlns:r="http://schemas.openxmlformats.org/officeDocument/2006/relationships" xmlns:p="http://schemas.openxmlformats.org/presentationml/2006/main">
+  <p:cSld>
+    <p:spTree>
+      <p:nvGrpSpPr>
+        <p:cNvPr id="1" name=""/>
+        <p:cNvGrpSpPr/>
+        <p:nvPr/>
+      </p:nvGrpSpPr>
+      <p:grpSpPr>
+        <a:xfrm>
+          <a:off x="0" y="0"/>
+          <a:ext cx="0" cy="0"/>
+          <a:chOff x="0" y="0"/>
+          <a:chExt cx="0" cy="0"/>
+        </a:xfrm>
+      </p:grpSpPr>
+      <p:sp>
+        <p:nvSpPr>
+          <p:cNvPr id="2" name="Segnaposto immagine diapositiva 1"/>
+          <p:cNvSpPr>
+            <a:spLocks noGrp="1" noRot="1" noChangeAspect="1"/>
+          </p:cNvSpPr>
+          <p:nvPr>
+            <p:ph type="sldImg"/>
+          </p:nvPr>
+        </p:nvSpPr>
+        <p:spPr/>
+      </p:sp>
+      <p:sp>
+        <p:nvSpPr>
+          <p:cNvPr id="3" name="Segnaposto note 2"/>
+          <p:cNvSpPr>
+            <a:spLocks noGrp="1"/>
+          </p:cNvSpPr>
+          <p:nvPr>
+            <p:ph type="body" idx="1"/>
+          </p:nvPr>
+        </p:nvSpPr>
+        <p:spPr/>
+        <p:txBody>
+          <a:bodyPr/>
+          <a:lstStyle/>
+          <a:p>
+            <a:endParaRPr lang="it-IT"/>
+          </a:p>
+        </p:txBody>
+      </p:sp>
+      <p:sp>
+        <p:nvSpPr>
+          <p:cNvPr id="4" name="Segnaposto numero diapositiva 3"/>
+          <p:cNvSpPr>
+            <a:spLocks noGrp="1"/>
+          </p:cNvSpPr>
+          <p:nvPr>
+            <p:ph type="sldNum" sz="quarter" idx="10"/>
+          </p:nvPr>
+        </p:nvSpPr>
+        <p:spPr/>
+        <p:txBody>
+          <a:bodyPr/>
+          <a:lstStyle/>
+          <a:p>
+            <a:fld id="{C519897D-FFB3-4111-B327-449DADBE2990}" type="slidenum">
+              <a:rPr lang="en-US" smtClean="0"/>
+              <a:t>10</a:t>
+            </a:fld>
+            <a:endParaRPr lang="en-US"/>
+          </a:p>
+        </p:txBody>
+      </p:sp>
+    </p:spTree>
+    <p:extLst>
+      <p:ext uri="{BB962C8B-B14F-4D97-AF65-F5344CB8AC3E}">
+        <p14:creationId xmlns:p14="http://schemas.microsoft.com/office/powerpoint/2010/main" val="3397164183"/>
+      </p:ext>
+    </p:extLst>
+  </p:cSld>
+  <p:clrMapOvr>
+    <a:masterClrMapping/>
+  </p:clrMapOvr>
+</p:notes>
+</file>
+
+<file path=ppt/notesSlides/notesSlide11.xml><?xml version="1.0" encoding="utf-8"?>
+<p:notes xmlns:a="http://schemas.openxmlformats.org/drawingml/2006/main" xmlns:r="http://schemas.openxmlformats.org/officeDocument/2006/relationships" xmlns:p="http://schemas.openxmlformats.org/presentationml/2006/main">
+  <p:cSld>
+    <p:spTree>
+      <p:nvGrpSpPr>
+        <p:cNvPr id="1" name=""/>
+        <p:cNvGrpSpPr/>
+        <p:nvPr/>
+      </p:nvGrpSpPr>
+      <p:grpSpPr>
+        <a:xfrm>
+          <a:off x="0" y="0"/>
+          <a:ext cx="0" cy="0"/>
+          <a:chOff x="0" y="0"/>
+          <a:chExt cx="0" cy="0"/>
+        </a:xfrm>
+      </p:grpSpPr>
+      <p:sp>
+        <p:nvSpPr>
+          <p:cNvPr id="2" name="Segnaposto immagine diapositiva 1"/>
+          <p:cNvSpPr>
+            <a:spLocks noGrp="1" noRot="1" noChangeAspect="1"/>
+          </p:cNvSpPr>
+          <p:nvPr>
+            <p:ph type="sldImg"/>
+          </p:nvPr>
+        </p:nvSpPr>
+        <p:spPr/>
+      </p:sp>
+      <p:sp>
+        <p:nvSpPr>
+          <p:cNvPr id="3" name="Segnaposto note 2"/>
+          <p:cNvSpPr>
+            <a:spLocks noGrp="1"/>
+          </p:cNvSpPr>
+          <p:nvPr>
+            <p:ph type="body" idx="1"/>
+          </p:nvPr>
+        </p:nvSpPr>
+        <p:spPr/>
+        <p:txBody>
+          <a:bodyPr/>
+          <a:lstStyle/>
+          <a:p>
+            <a:endParaRPr lang="it-IT"/>
+          </a:p>
+        </p:txBody>
+      </p:sp>
+      <p:sp>
+        <p:nvSpPr>
+          <p:cNvPr id="4" name="Segnaposto numero diapositiva 3"/>
+          <p:cNvSpPr>
+            <a:spLocks noGrp="1"/>
+          </p:cNvSpPr>
+          <p:nvPr>
+            <p:ph type="sldNum" sz="quarter" idx="10"/>
+          </p:nvPr>
+        </p:nvSpPr>
+        <p:spPr/>
+        <p:txBody>
+          <a:bodyPr/>
+          <a:lstStyle/>
+          <a:p>
+            <a:fld id="{C519897D-FFB3-4111-B327-449DADBE2990}" type="slidenum">
+              <a:rPr lang="en-US" smtClean="0"/>
+              <a:t>11</a:t>
+            </a:fld>
+            <a:endParaRPr lang="en-US"/>
+          </a:p>
+        </p:txBody>
+      </p:sp>
+    </p:spTree>
+    <p:extLst>
+      <p:ext uri="{BB962C8B-B14F-4D97-AF65-F5344CB8AC3E}">
+        <p14:creationId xmlns:p14="http://schemas.microsoft.com/office/powerpoint/2010/main" val="1335305398"/>
+      </p:ext>
+    </p:extLst>
+  </p:cSld>
+  <p:clrMapOvr>
+    <a:masterClrMapping/>
+  </p:clrMapOvr>
+</p:notes>
+</file>
+
+<file path=ppt/notesSlides/notesSlide12.xml><?xml version="1.0" encoding="utf-8"?>
+<p:notes xmlns:a="http://schemas.openxmlformats.org/drawingml/2006/main" xmlns:r="http://schemas.openxmlformats.org/officeDocument/2006/relationships" xmlns:p="http://schemas.openxmlformats.org/presentationml/2006/main">
+  <p:cSld>
+    <p:spTree>
+      <p:nvGrpSpPr>
+        <p:cNvPr id="1" name=""/>
+        <p:cNvGrpSpPr/>
+        <p:nvPr/>
+      </p:nvGrpSpPr>
+      <p:grpSpPr>
+        <a:xfrm>
+          <a:off x="0" y="0"/>
+          <a:ext cx="0" cy="0"/>
+          <a:chOff x="0" y="0"/>
+          <a:chExt cx="0" cy="0"/>
+        </a:xfrm>
+      </p:grpSpPr>
+      <p:sp>
+        <p:nvSpPr>
+          <p:cNvPr id="2" name="Segnaposto immagine diapositiva 1"/>
+          <p:cNvSpPr>
+            <a:spLocks noGrp="1" noRot="1" noChangeAspect="1"/>
+          </p:cNvSpPr>
+          <p:nvPr>
+            <p:ph type="sldImg"/>
+          </p:nvPr>
+        </p:nvSpPr>
+        <p:spPr/>
+      </p:sp>
+      <p:sp>
+        <p:nvSpPr>
+          <p:cNvPr id="3" name="Segnaposto note 2"/>
+          <p:cNvSpPr>
+            <a:spLocks noGrp="1"/>
+          </p:cNvSpPr>
+          <p:nvPr>
+            <p:ph type="body" idx="1"/>
+          </p:nvPr>
+        </p:nvSpPr>
+        <p:spPr/>
+        <p:txBody>
+          <a:bodyPr/>
+          <a:lstStyle/>
+          <a:p>
+            <a:endParaRPr lang="it-IT"/>
+          </a:p>
+        </p:txBody>
+      </p:sp>
+      <p:sp>
+        <p:nvSpPr>
+          <p:cNvPr id="4" name="Segnaposto numero diapositiva 3"/>
+          <p:cNvSpPr>
+            <a:spLocks noGrp="1"/>
+          </p:cNvSpPr>
+          <p:nvPr>
+            <p:ph type="sldNum" sz="quarter" idx="10"/>
+          </p:nvPr>
+        </p:nvSpPr>
+        <p:spPr/>
+        <p:txBody>
+          <a:bodyPr/>
+          <a:lstStyle/>
+          <a:p>
+            <a:fld id="{C519897D-FFB3-4111-B327-449DADBE2990}" type="slidenum">
+              <a:rPr lang="en-US" smtClean="0"/>
+              <a:t>12</a:t>
+            </a:fld>
+            <a:endParaRPr lang="en-US"/>
+          </a:p>
+        </p:txBody>
+      </p:sp>
+    </p:spTree>
+    <p:extLst>
+      <p:ext uri="{BB962C8B-B14F-4D97-AF65-F5344CB8AC3E}">
+        <p14:creationId xmlns:p14="http://schemas.microsoft.com/office/powerpoint/2010/main" val="324802788"/>
+      </p:ext>
+    </p:extLst>
+  </p:cSld>
+  <p:clrMapOvr>
+    <a:masterClrMapping/>
+  </p:clrMapOvr>
+</p:notes>
+</file>
+
+<file path=ppt/notesSlides/notesSlide13.xml><?xml version="1.0" encoding="utf-8"?>
+<p:notes xmlns:a="http://schemas.openxmlformats.org/drawingml/2006/main" xmlns:r="http://schemas.openxmlformats.org/officeDocument/2006/relationships" xmlns:p="http://schemas.openxmlformats.org/presentationml/2006/main">
+  <p:cSld>
+    <p:spTree>
+      <p:nvGrpSpPr>
+        <p:cNvPr id="1" name=""/>
+        <p:cNvGrpSpPr/>
+        <p:nvPr/>
+      </p:nvGrpSpPr>
+      <p:grpSpPr>
+        <a:xfrm>
+          <a:off x="0" y="0"/>
+          <a:ext cx="0" cy="0"/>
+          <a:chOff x="0" y="0"/>
+          <a:chExt cx="0" cy="0"/>
+        </a:xfrm>
+      </p:grpSpPr>
+      <p:sp>
+        <p:nvSpPr>
+          <p:cNvPr id="2" name="Segnaposto immagine diapositiva 1"/>
+          <p:cNvSpPr>
+            <a:spLocks noGrp="1" noRot="1" noChangeAspect="1"/>
+          </p:cNvSpPr>
+          <p:nvPr>
+            <p:ph type="sldImg"/>
+          </p:nvPr>
+        </p:nvSpPr>
+        <p:spPr/>
+      </p:sp>
+      <p:sp>
+        <p:nvSpPr>
+          <p:cNvPr id="3" name="Segnaposto note 2"/>
+          <p:cNvSpPr>
+            <a:spLocks noGrp="1"/>
+          </p:cNvSpPr>
+          <p:nvPr>
+            <p:ph type="body" idx="1"/>
+          </p:nvPr>
+        </p:nvSpPr>
+        <p:spPr/>
+        <p:txBody>
+          <a:bodyPr/>
+          <a:lstStyle/>
+          <a:p>
+            <a:endParaRPr lang="it-IT"/>
+          </a:p>
+        </p:txBody>
+      </p:sp>
+      <p:sp>
+        <p:nvSpPr>
+          <p:cNvPr id="4" name="Segnaposto numero diapositiva 3"/>
+          <p:cNvSpPr>
+            <a:spLocks noGrp="1"/>
+          </p:cNvSpPr>
+          <p:nvPr>
+            <p:ph type="sldNum" sz="quarter" idx="10"/>
+          </p:nvPr>
+        </p:nvSpPr>
+        <p:spPr/>
+        <p:txBody>
+          <a:bodyPr/>
+          <a:lstStyle/>
+          <a:p>
+            <a:fld id="{C519897D-FFB3-4111-B327-449DADBE2990}" type="slidenum">
+              <a:rPr lang="en-US" smtClean="0"/>
+              <a:t>13</a:t>
+            </a:fld>
+            <a:endParaRPr lang="en-US"/>
+          </a:p>
+        </p:txBody>
+      </p:sp>
+    </p:spTree>
+    <p:extLst>
+      <p:ext uri="{BB962C8B-B14F-4D97-AF65-F5344CB8AC3E}">
+        <p14:creationId xmlns:p14="http://schemas.microsoft.com/office/powerpoint/2010/main" val="2782714156"/>
+      </p:ext>
+    </p:extLst>
+  </p:cSld>
+  <p:clrMapOvr>
+    <a:masterClrMapping/>
+  </p:clrMapOvr>
+</p:notes>
+</file>
+
+<file path=ppt/notesSlides/notesSlide14.xml><?xml version="1.0" encoding="utf-8"?>
+<p:notes xmlns:a="http://schemas.openxmlformats.org/drawingml/2006/main" xmlns:r="http://schemas.openxmlformats.org/officeDocument/2006/relationships" xmlns:p="http://schemas.openxmlformats.org/presentationml/2006/main">
+  <p:cSld>
+    <p:spTree>
+      <p:nvGrpSpPr>
+        <p:cNvPr id="1" name=""/>
+        <p:cNvGrpSpPr/>
+        <p:nvPr/>
+      </p:nvGrpSpPr>
+      <p:grpSpPr>
+        <a:xfrm>
+          <a:off x="0" y="0"/>
+          <a:ext cx="0" cy="0"/>
+          <a:chOff x="0" y="0"/>
+          <a:chExt cx="0" cy="0"/>
+        </a:xfrm>
+      </p:grpSpPr>
+      <p:sp>
+        <p:nvSpPr>
+          <p:cNvPr id="2" name="Segnaposto immagine diapositiva 1"/>
+          <p:cNvSpPr>
+            <a:spLocks noGrp="1" noRot="1" noChangeAspect="1"/>
+          </p:cNvSpPr>
+          <p:nvPr>
+            <p:ph type="sldImg"/>
+          </p:nvPr>
+        </p:nvSpPr>
+        <p:spPr/>
+      </p:sp>
+      <p:sp>
+        <p:nvSpPr>
+          <p:cNvPr id="3" name="Segnaposto note 2"/>
+          <p:cNvSpPr>
+            <a:spLocks noGrp="1"/>
+          </p:cNvSpPr>
+          <p:nvPr>
+            <p:ph type="body" idx="1"/>
+          </p:nvPr>
+        </p:nvSpPr>
+        <p:spPr/>
+        <p:txBody>
+          <a:bodyPr/>
+          <a:lstStyle/>
+          <a:p>
+            <a:endParaRPr lang="it-IT"/>
+          </a:p>
+        </p:txBody>
+      </p:sp>
+      <p:sp>
+        <p:nvSpPr>
+          <p:cNvPr id="4" name="Segnaposto numero diapositiva 3"/>
+          <p:cNvSpPr>
+            <a:spLocks noGrp="1"/>
+          </p:cNvSpPr>
+          <p:nvPr>
+            <p:ph type="sldNum" sz="quarter" idx="10"/>
+          </p:nvPr>
+        </p:nvSpPr>
+        <p:spPr/>
+        <p:txBody>
+          <a:bodyPr/>
+          <a:lstStyle/>
+          <a:p>
+            <a:fld id="{C519897D-FFB3-4111-B327-449DADBE2990}" type="slidenum">
+              <a:rPr lang="en-US" smtClean="0"/>
+              <a:t>14</a:t>
+            </a:fld>
+            <a:endParaRPr lang="en-US"/>
+          </a:p>
+        </p:txBody>
+      </p:sp>
+    </p:spTree>
+    <p:extLst>
+      <p:ext uri="{BB962C8B-B14F-4D97-AF65-F5344CB8AC3E}">
+        <p14:creationId xmlns:p14="http://schemas.microsoft.com/office/powerpoint/2010/main" val="71943022"/>
+      </p:ext>
+    </p:extLst>
+  </p:cSld>
+  <p:clrMapOvr>
+    <a:masterClrMapping/>
+  </p:clrMapOvr>
+</p:notes>
+</file>
+
+<file path=ppt/notesSlides/notesSlide15.xml><?xml version="1.0" encoding="utf-8"?>
+<p:notes xmlns:a="http://schemas.openxmlformats.org/drawingml/2006/main" xmlns:r="http://schemas.openxmlformats.org/officeDocument/2006/relationships" xmlns:p="http://schemas.openxmlformats.org/presentationml/2006/main">
+  <p:cSld>
+    <p:spTree>
+      <p:nvGrpSpPr>
+        <p:cNvPr id="1" name=""/>
+        <p:cNvGrpSpPr/>
+        <p:nvPr/>
+      </p:nvGrpSpPr>
+      <p:grpSpPr>
+        <a:xfrm>
+          <a:off x="0" y="0"/>
+          <a:ext cx="0" cy="0"/>
+          <a:chOff x="0" y="0"/>
+          <a:chExt cx="0" cy="0"/>
+        </a:xfrm>
+      </p:grpSpPr>
+      <p:sp>
+        <p:nvSpPr>
+          <p:cNvPr id="2" name="Segnaposto immagine diapositiva 1"/>
+          <p:cNvSpPr>
+            <a:spLocks noGrp="1" noRot="1" noChangeAspect="1"/>
+          </p:cNvSpPr>
+          <p:nvPr>
+            <p:ph type="sldImg"/>
+          </p:nvPr>
+        </p:nvSpPr>
+        <p:spPr/>
+      </p:sp>
+      <p:sp>
+        <p:nvSpPr>
+          <p:cNvPr id="3" name="Segnaposto note 2"/>
+          <p:cNvSpPr>
+            <a:spLocks noGrp="1"/>
+          </p:cNvSpPr>
+          <p:nvPr>
+            <p:ph type="body" idx="1"/>
+          </p:nvPr>
+        </p:nvSpPr>
+        <p:spPr/>
+        <p:txBody>
+          <a:bodyPr/>
+          <a:lstStyle/>
+          <a:p>
+            <a:endParaRPr lang="it-IT"/>
+          </a:p>
+        </p:txBody>
+      </p:sp>
+      <p:sp>
+        <p:nvSpPr>
+          <p:cNvPr id="4" name="Segnaposto numero diapositiva 3"/>
+          <p:cNvSpPr>
+            <a:spLocks noGrp="1"/>
+          </p:cNvSpPr>
+          <p:nvPr>
+            <p:ph type="sldNum" sz="quarter" idx="10"/>
+          </p:nvPr>
+        </p:nvSpPr>
+        <p:spPr/>
+        <p:txBody>
+          <a:bodyPr/>
+          <a:lstStyle/>
+          <a:p>
+            <a:fld id="{C519897D-FFB3-4111-B327-449DADBE2990}" type="slidenum">
+              <a:rPr lang="en-US" smtClean="0"/>
+              <a:t>15</a:t>
+            </a:fld>
+            <a:endParaRPr lang="en-US"/>
+          </a:p>
+        </p:txBody>
+      </p:sp>
+    </p:spTree>
+    <p:extLst>
+      <p:ext uri="{BB962C8B-B14F-4D97-AF65-F5344CB8AC3E}">
+        <p14:creationId xmlns:p14="http://schemas.microsoft.com/office/powerpoint/2010/main" val="341731454"/>
+      </p:ext>
+    </p:extLst>
+  </p:cSld>
+  <p:clrMapOvr>
+    <a:masterClrMapping/>
+  </p:clrMapOvr>
+</p:notes>
+</file>
+
+<file path=ppt/notesSlides/notesSlide16.xml><?xml version="1.0" encoding="utf-8"?>
+<p:notes xmlns:a="http://schemas.openxmlformats.org/drawingml/2006/main" xmlns:r="http://schemas.openxmlformats.org/officeDocument/2006/relationships" xmlns:p="http://schemas.openxmlformats.org/presentationml/2006/main">
+  <p:cSld>
+    <p:spTree>
+      <p:nvGrpSpPr>
+        <p:cNvPr id="1" name=""/>
+        <p:cNvGrpSpPr/>
+        <p:nvPr/>
+      </p:nvGrpSpPr>
+      <p:grpSpPr>
+        <a:xfrm>
+          <a:off x="0" y="0"/>
+          <a:ext cx="0" cy="0"/>
+          <a:chOff x="0" y="0"/>
+          <a:chExt cx="0" cy="0"/>
+        </a:xfrm>
+      </p:grpSpPr>
+      <p:sp>
+        <p:nvSpPr>
+          <p:cNvPr id="2" name="Segnaposto immagine diapositiva 1"/>
+          <p:cNvSpPr>
+            <a:spLocks noGrp="1" noRot="1" noChangeAspect="1"/>
+          </p:cNvSpPr>
+          <p:nvPr>
+            <p:ph type="sldImg"/>
+          </p:nvPr>
+        </p:nvSpPr>
+        <p:spPr/>
+      </p:sp>
+      <p:sp>
+        <p:nvSpPr>
+          <p:cNvPr id="3" name="Segnaposto note 2"/>
+          <p:cNvSpPr>
+            <a:spLocks noGrp="1"/>
+          </p:cNvSpPr>
+          <p:nvPr>
+            <p:ph type="body" idx="1"/>
+          </p:nvPr>
+        </p:nvSpPr>
+        <p:spPr/>
+        <p:txBody>
+          <a:bodyPr/>
+          <a:lstStyle/>
+          <a:p>
+            <a:endParaRPr lang="it-IT"/>
+          </a:p>
+        </p:txBody>
+      </p:sp>
+      <p:sp>
+        <p:nvSpPr>
+          <p:cNvPr id="4" name="Segnaposto numero diapositiva 3"/>
+          <p:cNvSpPr>
+            <a:spLocks noGrp="1"/>
+          </p:cNvSpPr>
+          <p:nvPr>
+            <p:ph type="sldNum" sz="quarter" idx="10"/>
+          </p:nvPr>
+        </p:nvSpPr>
+        <p:spPr/>
+        <p:txBody>
+          <a:bodyPr/>
+          <a:lstStyle/>
+          <a:p>
+            <a:fld id="{C519897D-FFB3-4111-B327-449DADBE2990}" type="slidenum">
+              <a:rPr lang="en-US" smtClean="0"/>
+              <a:t>16</a:t>
+            </a:fld>
+            <a:endParaRPr lang="en-US"/>
+          </a:p>
+        </p:txBody>
+      </p:sp>
+    </p:spTree>
+    <p:extLst>
+      <p:ext uri="{BB962C8B-B14F-4D97-AF65-F5344CB8AC3E}">
+        <p14:creationId xmlns:p14="http://schemas.microsoft.com/office/powerpoint/2010/main" val="1133531913"/>
+      </p:ext>
+    </p:extLst>
+  </p:cSld>
+  <p:clrMapOvr>
+    <a:masterClrMapping/>
+  </p:clrMapOvr>
+</p:notes>
+</file>
+
+<file path=ppt/notesSlides/notesSlide17.xml><?xml version="1.0" encoding="utf-8"?>
+<p:notes xmlns:a="http://schemas.openxmlformats.org/drawingml/2006/main" xmlns:r="http://schemas.openxmlformats.org/officeDocument/2006/relationships" xmlns:p="http://schemas.openxmlformats.org/presentationml/2006/main">
+  <p:cSld>
+    <p:spTree>
+      <p:nvGrpSpPr>
+        <p:cNvPr id="1" name=""/>
+        <p:cNvGrpSpPr/>
+        <p:nvPr/>
+      </p:nvGrpSpPr>
+      <p:grpSpPr>
+        <a:xfrm>
+          <a:off x="0" y="0"/>
+          <a:ext cx="0" cy="0"/>
+          <a:chOff x="0" y="0"/>
+          <a:chExt cx="0" cy="0"/>
+        </a:xfrm>
+      </p:grpSpPr>
+      <p:sp>
+        <p:nvSpPr>
+          <p:cNvPr id="2" name="Segnaposto immagine diapositiva 1"/>
+          <p:cNvSpPr>
+            <a:spLocks noGrp="1" noRot="1" noChangeAspect="1"/>
+          </p:cNvSpPr>
+          <p:nvPr>
+            <p:ph type="sldImg"/>
+          </p:nvPr>
+        </p:nvSpPr>
+        <p:spPr/>
+      </p:sp>
+      <p:sp>
+        <p:nvSpPr>
+          <p:cNvPr id="3" name="Segnaposto note 2"/>
+          <p:cNvSpPr>
+            <a:spLocks noGrp="1"/>
+          </p:cNvSpPr>
+          <p:nvPr>
+            <p:ph type="body" idx="1"/>
+          </p:nvPr>
+        </p:nvSpPr>
+        <p:spPr/>
+        <p:txBody>
+          <a:bodyPr/>
+          <a:lstStyle/>
+          <a:p>
+            <a:endParaRPr lang="it-IT"/>
+          </a:p>
+        </p:txBody>
+      </p:sp>
+      <p:sp>
+        <p:nvSpPr>
+          <p:cNvPr id="4" name="Segnaposto numero diapositiva 3"/>
+          <p:cNvSpPr>
+            <a:spLocks noGrp="1"/>
+          </p:cNvSpPr>
+          <p:nvPr>
+            <p:ph type="sldNum" sz="quarter" idx="10"/>
+          </p:nvPr>
+        </p:nvSpPr>
+        <p:spPr/>
+        <p:txBody>
+          <a:bodyPr/>
+          <a:lstStyle/>
+          <a:p>
+            <a:fld id="{C519897D-FFB3-4111-B327-449DADBE2990}" type="slidenum">
+              <a:rPr lang="en-US" smtClean="0"/>
+              <a:t>17</a:t>
+            </a:fld>
+            <a:endParaRPr lang="en-US"/>
+          </a:p>
+        </p:txBody>
+      </p:sp>
+    </p:spTree>
+    <p:extLst>
+      <p:ext uri="{BB962C8B-B14F-4D97-AF65-F5344CB8AC3E}">
+        <p14:creationId xmlns:p14="http://schemas.microsoft.com/office/powerpoint/2010/main" val="703716112"/>
+      </p:ext>
+    </p:extLst>
+  </p:cSld>
+  <p:clrMapOvr>
+    <a:masterClrMapping/>
+  </p:clrMapOvr>
+</p:notes>
+</file>
+
+<file path=ppt/notesSlides/notesSlide18.xml><?xml version="1.0" encoding="utf-8"?>
+<p:notes xmlns:a="http://schemas.openxmlformats.org/drawingml/2006/main" xmlns:r="http://schemas.openxmlformats.org/officeDocument/2006/relationships" xmlns:p="http://schemas.openxmlformats.org/presentationml/2006/main">
+  <p:cSld>
+    <p:spTree>
+      <p:nvGrpSpPr>
+        <p:cNvPr id="1" name=""/>
+        <p:cNvGrpSpPr/>
+        <p:nvPr/>
+      </p:nvGrpSpPr>
+      <p:grpSpPr>
+        <a:xfrm>
+          <a:off x="0" y="0"/>
+          <a:ext cx="0" cy="0"/>
+          <a:chOff x="0" y="0"/>
+          <a:chExt cx="0" cy="0"/>
+        </a:xfrm>
+      </p:grpSpPr>
+      <p:sp>
+        <p:nvSpPr>
+          <p:cNvPr id="2" name="Segnaposto immagine diapositiva 1"/>
+          <p:cNvSpPr>
+            <a:spLocks noGrp="1" noRot="1" noChangeAspect="1"/>
+          </p:cNvSpPr>
+          <p:nvPr>
+            <p:ph type="sldImg"/>
+          </p:nvPr>
+        </p:nvSpPr>
+        <p:spPr/>
+      </p:sp>
+      <p:sp>
+        <p:nvSpPr>
+          <p:cNvPr id="3" name="Segnaposto note 2"/>
+          <p:cNvSpPr>
+            <a:spLocks noGrp="1"/>
+          </p:cNvSpPr>
+          <p:nvPr>
+            <p:ph type="body" idx="1"/>
+          </p:nvPr>
+        </p:nvSpPr>
+        <p:spPr/>
+        <p:txBody>
+          <a:bodyPr/>
+          <a:lstStyle/>
+          <a:p>
+            <a:endParaRPr lang="it-IT"/>
+          </a:p>
+        </p:txBody>
+      </p:sp>
+      <p:sp>
+        <p:nvSpPr>
+          <p:cNvPr id="4" name="Segnaposto numero diapositiva 3"/>
+          <p:cNvSpPr>
+            <a:spLocks noGrp="1"/>
+          </p:cNvSpPr>
+          <p:nvPr>
+            <p:ph type="sldNum" sz="quarter" idx="10"/>
+          </p:nvPr>
+        </p:nvSpPr>
+        <p:spPr/>
+        <p:txBody>
+          <a:bodyPr/>
+          <a:lstStyle/>
+          <a:p>
+            <a:fld id="{C519897D-FFB3-4111-B327-449DADBE2990}" type="slidenum">
+              <a:rPr lang="en-US" smtClean="0"/>
+              <a:t>18</a:t>
+            </a:fld>
+            <a:endParaRPr lang="en-US"/>
+          </a:p>
+        </p:txBody>
+      </p:sp>
+    </p:spTree>
+    <p:extLst>
+      <p:ext uri="{BB962C8B-B14F-4D97-AF65-F5344CB8AC3E}">
+        <p14:creationId xmlns:p14="http://schemas.microsoft.com/office/powerpoint/2010/main" val="2593431247"/>
+      </p:ext>
+    </p:extLst>
+  </p:cSld>
+  <p:clrMapOvr>
+    <a:masterClrMapping/>
+  </p:clrMapOvr>
+</p:notes>
+</file>
+
+<file path=ppt/notesSlides/notesSlide19.xml><?xml version="1.0" encoding="utf-8"?>
+<p:notes xmlns:a="http://schemas.openxmlformats.org/drawingml/2006/main" xmlns:r="http://schemas.openxmlformats.org/officeDocument/2006/relationships" xmlns:p="http://schemas.openxmlformats.org/presentationml/2006/main">
+  <p:cSld>
+    <p:spTree>
+      <p:nvGrpSpPr>
+        <p:cNvPr id="1" name=""/>
+        <p:cNvGrpSpPr/>
+        <p:nvPr/>
+      </p:nvGrpSpPr>
+      <p:grpSpPr>
+        <a:xfrm>
+          <a:off x="0" y="0"/>
+          <a:ext cx="0" cy="0"/>
+          <a:chOff x="0" y="0"/>
+          <a:chExt cx="0" cy="0"/>
+        </a:xfrm>
+      </p:grpSpPr>
+      <p:sp>
+        <p:nvSpPr>
+          <p:cNvPr id="2" name="Segnaposto immagine diapositiva 1"/>
+          <p:cNvSpPr>
+            <a:spLocks noGrp="1" noRot="1" noChangeAspect="1"/>
+          </p:cNvSpPr>
+          <p:nvPr>
+            <p:ph type="sldImg"/>
+          </p:nvPr>
+        </p:nvSpPr>
+        <p:spPr/>
+      </p:sp>
+      <p:sp>
+        <p:nvSpPr>
+          <p:cNvPr id="3" name="Segnaposto note 2"/>
+          <p:cNvSpPr>
+            <a:spLocks noGrp="1"/>
+          </p:cNvSpPr>
+          <p:nvPr>
+            <p:ph type="body" idx="1"/>
+          </p:nvPr>
+        </p:nvSpPr>
+        <p:spPr/>
+        <p:txBody>
+          <a:bodyPr/>
+          <a:lstStyle/>
+          <a:p>
+            <a:endParaRPr lang="it-IT"/>
+          </a:p>
+        </p:txBody>
+      </p:sp>
+      <p:sp>
+        <p:nvSpPr>
+          <p:cNvPr id="4" name="Segnaposto numero diapositiva 3"/>
+          <p:cNvSpPr>
+            <a:spLocks noGrp="1"/>
+          </p:cNvSpPr>
+          <p:nvPr>
+            <p:ph type="sldNum" sz="quarter" idx="10"/>
+          </p:nvPr>
+        </p:nvSpPr>
+        <p:spPr/>
+        <p:txBody>
+          <a:bodyPr/>
+          <a:lstStyle/>
+          <a:p>
+            <a:fld id="{C519897D-FFB3-4111-B327-449DADBE2990}" type="slidenum">
+              <a:rPr lang="en-US" smtClean="0"/>
+              <a:t>19</a:t>
+            </a:fld>
+            <a:endParaRPr lang="en-US"/>
+          </a:p>
+        </p:txBody>
+      </p:sp>
+    </p:spTree>
+    <p:extLst>
+      <p:ext uri="{BB962C8B-B14F-4D97-AF65-F5344CB8AC3E}">
+        <p14:creationId xmlns:p14="http://schemas.microsoft.com/office/powerpoint/2010/main" val="3851825447"/>
+      </p:ext>
+    </p:extLst>
+  </p:cSld>
+  <p:clrMapOvr>
+    <a:masterClrMapping/>
+  </p:clrMapOvr>
+</p:notes>
+</file>
+
 <file path=ppt/notesSlides/notesSlide2.xml><?xml version="1.0" encoding="utf-8"?>
 <p:notes xmlns:a="http://schemas.openxmlformats.org/drawingml/2006/main" xmlns:r="http://schemas.openxmlformats.org/officeDocument/2006/relationships" xmlns:p="http://schemas.openxmlformats.org/presentationml/2006/main">
   <p:cSld>
@@ -815,6 +1655,762 @@
           <a:p>
             <a:fld id="{C519897D-FFB3-4111-B327-449DADBE2990}" type="slidenum">
               <a:rPr lang="en-US" smtClean="0"/>
+              <a:t>2</a:t>
+            </a:fld>
+            <a:endParaRPr lang="en-US"/>
+          </a:p>
+        </p:txBody>
+      </p:sp>
+    </p:spTree>
+    <p:extLst>
+      <p:ext uri="{BB962C8B-B14F-4D97-AF65-F5344CB8AC3E}">
+        <p14:creationId xmlns:p14="http://schemas.microsoft.com/office/powerpoint/2010/main" val="3712180970"/>
+      </p:ext>
+    </p:extLst>
+  </p:cSld>
+  <p:clrMapOvr>
+    <a:masterClrMapping/>
+  </p:clrMapOvr>
+</p:notes>
+</file>
+
+<file path=ppt/notesSlides/notesSlide20.xml><?xml version="1.0" encoding="utf-8"?>
+<p:notes xmlns:a="http://schemas.openxmlformats.org/drawingml/2006/main" xmlns:r="http://schemas.openxmlformats.org/officeDocument/2006/relationships" xmlns:p="http://schemas.openxmlformats.org/presentationml/2006/main">
+  <p:cSld>
+    <p:spTree>
+      <p:nvGrpSpPr>
+        <p:cNvPr id="1" name=""/>
+        <p:cNvGrpSpPr/>
+        <p:nvPr/>
+      </p:nvGrpSpPr>
+      <p:grpSpPr>
+        <a:xfrm>
+          <a:off x="0" y="0"/>
+          <a:ext cx="0" cy="0"/>
+          <a:chOff x="0" y="0"/>
+          <a:chExt cx="0" cy="0"/>
+        </a:xfrm>
+      </p:grpSpPr>
+      <p:sp>
+        <p:nvSpPr>
+          <p:cNvPr id="2" name="Segnaposto immagine diapositiva 1"/>
+          <p:cNvSpPr>
+            <a:spLocks noGrp="1" noRot="1" noChangeAspect="1"/>
+          </p:cNvSpPr>
+          <p:nvPr>
+            <p:ph type="sldImg"/>
+          </p:nvPr>
+        </p:nvSpPr>
+        <p:spPr/>
+      </p:sp>
+      <p:sp>
+        <p:nvSpPr>
+          <p:cNvPr id="3" name="Segnaposto note 2"/>
+          <p:cNvSpPr>
+            <a:spLocks noGrp="1"/>
+          </p:cNvSpPr>
+          <p:nvPr>
+            <p:ph type="body" idx="1"/>
+          </p:nvPr>
+        </p:nvSpPr>
+        <p:spPr/>
+        <p:txBody>
+          <a:bodyPr/>
+          <a:lstStyle/>
+          <a:p>
+            <a:endParaRPr lang="it-IT"/>
+          </a:p>
+        </p:txBody>
+      </p:sp>
+      <p:sp>
+        <p:nvSpPr>
+          <p:cNvPr id="4" name="Segnaposto numero diapositiva 3"/>
+          <p:cNvSpPr>
+            <a:spLocks noGrp="1"/>
+          </p:cNvSpPr>
+          <p:nvPr>
+            <p:ph type="sldNum" sz="quarter" idx="10"/>
+          </p:nvPr>
+        </p:nvSpPr>
+        <p:spPr/>
+        <p:txBody>
+          <a:bodyPr/>
+          <a:lstStyle/>
+          <a:p>
+            <a:fld id="{C519897D-FFB3-4111-B327-449DADBE2990}" type="slidenum">
+              <a:rPr lang="en-US" smtClean="0"/>
+              <a:t>20</a:t>
+            </a:fld>
+            <a:endParaRPr lang="en-US"/>
+          </a:p>
+        </p:txBody>
+      </p:sp>
+    </p:spTree>
+    <p:extLst>
+      <p:ext uri="{BB962C8B-B14F-4D97-AF65-F5344CB8AC3E}">
+        <p14:creationId xmlns:p14="http://schemas.microsoft.com/office/powerpoint/2010/main" val="4139132856"/>
+      </p:ext>
+    </p:extLst>
+  </p:cSld>
+  <p:clrMapOvr>
+    <a:masterClrMapping/>
+  </p:clrMapOvr>
+</p:notes>
+</file>
+
+<file path=ppt/notesSlides/notesSlide21.xml><?xml version="1.0" encoding="utf-8"?>
+<p:notes xmlns:a="http://schemas.openxmlformats.org/drawingml/2006/main" xmlns:r="http://schemas.openxmlformats.org/officeDocument/2006/relationships" xmlns:p="http://schemas.openxmlformats.org/presentationml/2006/main">
+  <p:cSld>
+    <p:spTree>
+      <p:nvGrpSpPr>
+        <p:cNvPr id="1" name=""/>
+        <p:cNvGrpSpPr/>
+        <p:nvPr/>
+      </p:nvGrpSpPr>
+      <p:grpSpPr>
+        <a:xfrm>
+          <a:off x="0" y="0"/>
+          <a:ext cx="0" cy="0"/>
+          <a:chOff x="0" y="0"/>
+          <a:chExt cx="0" cy="0"/>
+        </a:xfrm>
+      </p:grpSpPr>
+      <p:sp>
+        <p:nvSpPr>
+          <p:cNvPr id="2" name="Segnaposto immagine diapositiva 1"/>
+          <p:cNvSpPr>
+            <a:spLocks noGrp="1" noRot="1" noChangeAspect="1"/>
+          </p:cNvSpPr>
+          <p:nvPr>
+            <p:ph type="sldImg"/>
+          </p:nvPr>
+        </p:nvSpPr>
+        <p:spPr/>
+      </p:sp>
+      <p:sp>
+        <p:nvSpPr>
+          <p:cNvPr id="3" name="Segnaposto note 2"/>
+          <p:cNvSpPr>
+            <a:spLocks noGrp="1"/>
+          </p:cNvSpPr>
+          <p:nvPr>
+            <p:ph type="body" idx="1"/>
+          </p:nvPr>
+        </p:nvSpPr>
+        <p:spPr/>
+        <p:txBody>
+          <a:bodyPr/>
+          <a:lstStyle/>
+          <a:p>
+            <a:endParaRPr lang="it-IT"/>
+          </a:p>
+        </p:txBody>
+      </p:sp>
+      <p:sp>
+        <p:nvSpPr>
+          <p:cNvPr id="4" name="Segnaposto numero diapositiva 3"/>
+          <p:cNvSpPr>
+            <a:spLocks noGrp="1"/>
+          </p:cNvSpPr>
+          <p:nvPr>
+            <p:ph type="sldNum" sz="quarter" idx="10"/>
+          </p:nvPr>
+        </p:nvSpPr>
+        <p:spPr/>
+        <p:txBody>
+          <a:bodyPr/>
+          <a:lstStyle/>
+          <a:p>
+            <a:fld id="{C519897D-FFB3-4111-B327-449DADBE2990}" type="slidenum">
+              <a:rPr lang="en-US" smtClean="0"/>
+              <a:t>21</a:t>
+            </a:fld>
+            <a:endParaRPr lang="en-US"/>
+          </a:p>
+        </p:txBody>
+      </p:sp>
+    </p:spTree>
+    <p:extLst>
+      <p:ext uri="{BB962C8B-B14F-4D97-AF65-F5344CB8AC3E}">
+        <p14:creationId xmlns:p14="http://schemas.microsoft.com/office/powerpoint/2010/main" val="2975374041"/>
+      </p:ext>
+    </p:extLst>
+  </p:cSld>
+  <p:clrMapOvr>
+    <a:masterClrMapping/>
+  </p:clrMapOvr>
+</p:notes>
+</file>
+
+<file path=ppt/notesSlides/notesSlide22.xml><?xml version="1.0" encoding="utf-8"?>
+<p:notes xmlns:a="http://schemas.openxmlformats.org/drawingml/2006/main" xmlns:r="http://schemas.openxmlformats.org/officeDocument/2006/relationships" xmlns:p="http://schemas.openxmlformats.org/presentationml/2006/main">
+  <p:cSld>
+    <p:spTree>
+      <p:nvGrpSpPr>
+        <p:cNvPr id="1" name=""/>
+        <p:cNvGrpSpPr/>
+        <p:nvPr/>
+      </p:nvGrpSpPr>
+      <p:grpSpPr>
+        <a:xfrm>
+          <a:off x="0" y="0"/>
+          <a:ext cx="0" cy="0"/>
+          <a:chOff x="0" y="0"/>
+          <a:chExt cx="0" cy="0"/>
+        </a:xfrm>
+      </p:grpSpPr>
+      <p:sp>
+        <p:nvSpPr>
+          <p:cNvPr id="2" name="Segnaposto immagine diapositiva 1"/>
+          <p:cNvSpPr>
+            <a:spLocks noGrp="1" noRot="1" noChangeAspect="1"/>
+          </p:cNvSpPr>
+          <p:nvPr>
+            <p:ph type="sldImg"/>
+          </p:nvPr>
+        </p:nvSpPr>
+        <p:spPr/>
+      </p:sp>
+      <p:sp>
+        <p:nvSpPr>
+          <p:cNvPr id="3" name="Segnaposto note 2"/>
+          <p:cNvSpPr>
+            <a:spLocks noGrp="1"/>
+          </p:cNvSpPr>
+          <p:nvPr>
+            <p:ph type="body" idx="1"/>
+          </p:nvPr>
+        </p:nvSpPr>
+        <p:spPr/>
+        <p:txBody>
+          <a:bodyPr/>
+          <a:lstStyle/>
+          <a:p>
+            <a:endParaRPr lang="it-IT"/>
+          </a:p>
+        </p:txBody>
+      </p:sp>
+      <p:sp>
+        <p:nvSpPr>
+          <p:cNvPr id="4" name="Segnaposto numero diapositiva 3"/>
+          <p:cNvSpPr>
+            <a:spLocks noGrp="1"/>
+          </p:cNvSpPr>
+          <p:nvPr>
+            <p:ph type="sldNum" sz="quarter" idx="10"/>
+          </p:nvPr>
+        </p:nvSpPr>
+        <p:spPr/>
+        <p:txBody>
+          <a:bodyPr/>
+          <a:lstStyle/>
+          <a:p>
+            <a:fld id="{C519897D-FFB3-4111-B327-449DADBE2990}" type="slidenum">
+              <a:rPr lang="en-US" smtClean="0"/>
+              <a:t>22</a:t>
+            </a:fld>
+            <a:endParaRPr lang="en-US"/>
+          </a:p>
+        </p:txBody>
+      </p:sp>
+    </p:spTree>
+    <p:extLst>
+      <p:ext uri="{BB962C8B-B14F-4D97-AF65-F5344CB8AC3E}">
+        <p14:creationId xmlns:p14="http://schemas.microsoft.com/office/powerpoint/2010/main" val="1848583555"/>
+      </p:ext>
+    </p:extLst>
+  </p:cSld>
+  <p:clrMapOvr>
+    <a:masterClrMapping/>
+  </p:clrMapOvr>
+</p:notes>
+</file>
+
+<file path=ppt/notesSlides/notesSlide23.xml><?xml version="1.0" encoding="utf-8"?>
+<p:notes xmlns:a="http://schemas.openxmlformats.org/drawingml/2006/main" xmlns:r="http://schemas.openxmlformats.org/officeDocument/2006/relationships" xmlns:p="http://schemas.openxmlformats.org/presentationml/2006/main">
+  <p:cSld>
+    <p:spTree>
+      <p:nvGrpSpPr>
+        <p:cNvPr id="1" name=""/>
+        <p:cNvGrpSpPr/>
+        <p:nvPr/>
+      </p:nvGrpSpPr>
+      <p:grpSpPr>
+        <a:xfrm>
+          <a:off x="0" y="0"/>
+          <a:ext cx="0" cy="0"/>
+          <a:chOff x="0" y="0"/>
+          <a:chExt cx="0" cy="0"/>
+        </a:xfrm>
+      </p:grpSpPr>
+      <p:sp>
+        <p:nvSpPr>
+          <p:cNvPr id="2" name="Segnaposto immagine diapositiva 1"/>
+          <p:cNvSpPr>
+            <a:spLocks noGrp="1" noRot="1" noChangeAspect="1"/>
+          </p:cNvSpPr>
+          <p:nvPr>
+            <p:ph type="sldImg"/>
+          </p:nvPr>
+        </p:nvSpPr>
+        <p:spPr/>
+      </p:sp>
+      <p:sp>
+        <p:nvSpPr>
+          <p:cNvPr id="3" name="Segnaposto note 2"/>
+          <p:cNvSpPr>
+            <a:spLocks noGrp="1"/>
+          </p:cNvSpPr>
+          <p:nvPr>
+            <p:ph type="body" idx="1"/>
+          </p:nvPr>
+        </p:nvSpPr>
+        <p:spPr/>
+        <p:txBody>
+          <a:bodyPr/>
+          <a:lstStyle/>
+          <a:p>
+            <a:endParaRPr lang="it-IT"/>
+          </a:p>
+        </p:txBody>
+      </p:sp>
+      <p:sp>
+        <p:nvSpPr>
+          <p:cNvPr id="4" name="Segnaposto numero diapositiva 3"/>
+          <p:cNvSpPr>
+            <a:spLocks noGrp="1"/>
+          </p:cNvSpPr>
+          <p:nvPr>
+            <p:ph type="sldNum" sz="quarter" idx="10"/>
+          </p:nvPr>
+        </p:nvSpPr>
+        <p:spPr/>
+        <p:txBody>
+          <a:bodyPr/>
+          <a:lstStyle/>
+          <a:p>
+            <a:fld id="{C519897D-FFB3-4111-B327-449DADBE2990}" type="slidenum">
+              <a:rPr lang="en-US" smtClean="0"/>
+              <a:t>23</a:t>
+            </a:fld>
+            <a:endParaRPr lang="en-US"/>
+          </a:p>
+        </p:txBody>
+      </p:sp>
+    </p:spTree>
+    <p:extLst>
+      <p:ext uri="{BB962C8B-B14F-4D97-AF65-F5344CB8AC3E}">
+        <p14:creationId xmlns:p14="http://schemas.microsoft.com/office/powerpoint/2010/main" val="53919114"/>
+      </p:ext>
+    </p:extLst>
+  </p:cSld>
+  <p:clrMapOvr>
+    <a:masterClrMapping/>
+  </p:clrMapOvr>
+</p:notes>
+</file>
+
+<file path=ppt/notesSlides/notesSlide24.xml><?xml version="1.0" encoding="utf-8"?>
+<p:notes xmlns:a="http://schemas.openxmlformats.org/drawingml/2006/main" xmlns:r="http://schemas.openxmlformats.org/officeDocument/2006/relationships" xmlns:p="http://schemas.openxmlformats.org/presentationml/2006/main">
+  <p:cSld>
+    <p:spTree>
+      <p:nvGrpSpPr>
+        <p:cNvPr id="1" name=""/>
+        <p:cNvGrpSpPr/>
+        <p:nvPr/>
+      </p:nvGrpSpPr>
+      <p:grpSpPr>
+        <a:xfrm>
+          <a:off x="0" y="0"/>
+          <a:ext cx="0" cy="0"/>
+          <a:chOff x="0" y="0"/>
+          <a:chExt cx="0" cy="0"/>
+        </a:xfrm>
+      </p:grpSpPr>
+      <p:sp>
+        <p:nvSpPr>
+          <p:cNvPr id="2" name="Segnaposto immagine diapositiva 1"/>
+          <p:cNvSpPr>
+            <a:spLocks noGrp="1" noRot="1" noChangeAspect="1"/>
+          </p:cNvSpPr>
+          <p:nvPr>
+            <p:ph type="sldImg"/>
+          </p:nvPr>
+        </p:nvSpPr>
+        <p:spPr/>
+      </p:sp>
+      <p:sp>
+        <p:nvSpPr>
+          <p:cNvPr id="3" name="Segnaposto note 2"/>
+          <p:cNvSpPr>
+            <a:spLocks noGrp="1"/>
+          </p:cNvSpPr>
+          <p:nvPr>
+            <p:ph type="body" idx="1"/>
+          </p:nvPr>
+        </p:nvSpPr>
+        <p:spPr/>
+        <p:txBody>
+          <a:bodyPr/>
+          <a:lstStyle/>
+          <a:p>
+            <a:endParaRPr lang="it-IT"/>
+          </a:p>
+        </p:txBody>
+      </p:sp>
+      <p:sp>
+        <p:nvSpPr>
+          <p:cNvPr id="4" name="Segnaposto numero diapositiva 3"/>
+          <p:cNvSpPr>
+            <a:spLocks noGrp="1"/>
+          </p:cNvSpPr>
+          <p:nvPr>
+            <p:ph type="sldNum" sz="quarter" idx="10"/>
+          </p:nvPr>
+        </p:nvSpPr>
+        <p:spPr/>
+        <p:txBody>
+          <a:bodyPr/>
+          <a:lstStyle/>
+          <a:p>
+            <a:fld id="{C519897D-FFB3-4111-B327-449DADBE2990}" type="slidenum">
+              <a:rPr lang="en-US" smtClean="0"/>
+              <a:t>24</a:t>
+            </a:fld>
+            <a:endParaRPr lang="en-US"/>
+          </a:p>
+        </p:txBody>
+      </p:sp>
+    </p:spTree>
+    <p:extLst>
+      <p:ext uri="{BB962C8B-B14F-4D97-AF65-F5344CB8AC3E}">
+        <p14:creationId xmlns:p14="http://schemas.microsoft.com/office/powerpoint/2010/main" val="1890942289"/>
+      </p:ext>
+    </p:extLst>
+  </p:cSld>
+  <p:clrMapOvr>
+    <a:masterClrMapping/>
+  </p:clrMapOvr>
+</p:notes>
+</file>
+
+<file path=ppt/notesSlides/notesSlide25.xml><?xml version="1.0" encoding="utf-8"?>
+<p:notes xmlns:a="http://schemas.openxmlformats.org/drawingml/2006/main" xmlns:r="http://schemas.openxmlformats.org/officeDocument/2006/relationships" xmlns:p="http://schemas.openxmlformats.org/presentationml/2006/main">
+  <p:cSld>
+    <p:spTree>
+      <p:nvGrpSpPr>
+        <p:cNvPr id="1" name=""/>
+        <p:cNvGrpSpPr/>
+        <p:nvPr/>
+      </p:nvGrpSpPr>
+      <p:grpSpPr>
+        <a:xfrm>
+          <a:off x="0" y="0"/>
+          <a:ext cx="0" cy="0"/>
+          <a:chOff x="0" y="0"/>
+          <a:chExt cx="0" cy="0"/>
+        </a:xfrm>
+      </p:grpSpPr>
+      <p:sp>
+        <p:nvSpPr>
+          <p:cNvPr id="2" name="Segnaposto immagine diapositiva 1"/>
+          <p:cNvSpPr>
+            <a:spLocks noGrp="1" noRot="1" noChangeAspect="1"/>
+          </p:cNvSpPr>
+          <p:nvPr>
+            <p:ph type="sldImg"/>
+          </p:nvPr>
+        </p:nvSpPr>
+        <p:spPr/>
+      </p:sp>
+      <p:sp>
+        <p:nvSpPr>
+          <p:cNvPr id="3" name="Segnaposto note 2"/>
+          <p:cNvSpPr>
+            <a:spLocks noGrp="1"/>
+          </p:cNvSpPr>
+          <p:nvPr>
+            <p:ph type="body" idx="1"/>
+          </p:nvPr>
+        </p:nvSpPr>
+        <p:spPr/>
+        <p:txBody>
+          <a:bodyPr/>
+          <a:lstStyle/>
+          <a:p>
+            <a:endParaRPr lang="it-IT"/>
+          </a:p>
+        </p:txBody>
+      </p:sp>
+      <p:sp>
+        <p:nvSpPr>
+          <p:cNvPr id="4" name="Segnaposto numero diapositiva 3"/>
+          <p:cNvSpPr>
+            <a:spLocks noGrp="1"/>
+          </p:cNvSpPr>
+          <p:nvPr>
+            <p:ph type="sldNum" sz="quarter" idx="10"/>
+          </p:nvPr>
+        </p:nvSpPr>
+        <p:spPr/>
+        <p:txBody>
+          <a:bodyPr/>
+          <a:lstStyle/>
+          <a:p>
+            <a:fld id="{C519897D-FFB3-4111-B327-449DADBE2990}" type="slidenum">
+              <a:rPr lang="en-US" smtClean="0"/>
+              <a:t>25</a:t>
+            </a:fld>
+            <a:endParaRPr lang="en-US"/>
+          </a:p>
+        </p:txBody>
+      </p:sp>
+    </p:spTree>
+    <p:extLst>
+      <p:ext uri="{BB962C8B-B14F-4D97-AF65-F5344CB8AC3E}">
+        <p14:creationId xmlns:p14="http://schemas.microsoft.com/office/powerpoint/2010/main" val="3645494453"/>
+      </p:ext>
+    </p:extLst>
+  </p:cSld>
+  <p:clrMapOvr>
+    <a:masterClrMapping/>
+  </p:clrMapOvr>
+</p:notes>
+</file>
+
+<file path=ppt/notesSlides/notesSlide26.xml><?xml version="1.0" encoding="utf-8"?>
+<p:notes xmlns:a="http://schemas.openxmlformats.org/drawingml/2006/main" xmlns:r="http://schemas.openxmlformats.org/officeDocument/2006/relationships" xmlns:p="http://schemas.openxmlformats.org/presentationml/2006/main">
+  <p:cSld>
+    <p:spTree>
+      <p:nvGrpSpPr>
+        <p:cNvPr id="1" name=""/>
+        <p:cNvGrpSpPr/>
+        <p:nvPr/>
+      </p:nvGrpSpPr>
+      <p:grpSpPr>
+        <a:xfrm>
+          <a:off x="0" y="0"/>
+          <a:ext cx="0" cy="0"/>
+          <a:chOff x="0" y="0"/>
+          <a:chExt cx="0" cy="0"/>
+        </a:xfrm>
+      </p:grpSpPr>
+      <p:sp>
+        <p:nvSpPr>
+          <p:cNvPr id="2" name="Segnaposto immagine diapositiva 1"/>
+          <p:cNvSpPr>
+            <a:spLocks noGrp="1" noRot="1" noChangeAspect="1"/>
+          </p:cNvSpPr>
+          <p:nvPr>
+            <p:ph type="sldImg"/>
+          </p:nvPr>
+        </p:nvSpPr>
+        <p:spPr/>
+      </p:sp>
+      <p:sp>
+        <p:nvSpPr>
+          <p:cNvPr id="3" name="Segnaposto note 2"/>
+          <p:cNvSpPr>
+            <a:spLocks noGrp="1"/>
+          </p:cNvSpPr>
+          <p:nvPr>
+            <p:ph type="body" idx="1"/>
+          </p:nvPr>
+        </p:nvSpPr>
+        <p:spPr/>
+        <p:txBody>
+          <a:bodyPr/>
+          <a:lstStyle/>
+          <a:p>
+            <a:endParaRPr lang="it-IT"/>
+          </a:p>
+        </p:txBody>
+      </p:sp>
+      <p:sp>
+        <p:nvSpPr>
+          <p:cNvPr id="4" name="Segnaposto numero diapositiva 3"/>
+          <p:cNvSpPr>
+            <a:spLocks noGrp="1"/>
+          </p:cNvSpPr>
+          <p:nvPr>
+            <p:ph type="sldNum" sz="quarter" idx="10"/>
+          </p:nvPr>
+        </p:nvSpPr>
+        <p:spPr/>
+        <p:txBody>
+          <a:bodyPr/>
+          <a:lstStyle/>
+          <a:p>
+            <a:fld id="{C519897D-FFB3-4111-B327-449DADBE2990}" type="slidenum">
+              <a:rPr lang="en-US" smtClean="0"/>
+              <a:t>26</a:t>
+            </a:fld>
+            <a:endParaRPr lang="en-US"/>
+          </a:p>
+        </p:txBody>
+      </p:sp>
+    </p:spTree>
+    <p:extLst>
+      <p:ext uri="{BB962C8B-B14F-4D97-AF65-F5344CB8AC3E}">
+        <p14:creationId xmlns:p14="http://schemas.microsoft.com/office/powerpoint/2010/main" val="2147294054"/>
+      </p:ext>
+    </p:extLst>
+  </p:cSld>
+  <p:clrMapOvr>
+    <a:masterClrMapping/>
+  </p:clrMapOvr>
+</p:notes>
+</file>
+
+<file path=ppt/notesSlides/notesSlide27.xml><?xml version="1.0" encoding="utf-8"?>
+<p:notes xmlns:a="http://schemas.openxmlformats.org/drawingml/2006/main" xmlns:r="http://schemas.openxmlformats.org/officeDocument/2006/relationships" xmlns:p="http://schemas.openxmlformats.org/presentationml/2006/main">
+  <p:cSld>
+    <p:spTree>
+      <p:nvGrpSpPr>
+        <p:cNvPr id="1" name=""/>
+        <p:cNvGrpSpPr/>
+        <p:nvPr/>
+      </p:nvGrpSpPr>
+      <p:grpSpPr>
+        <a:xfrm>
+          <a:off x="0" y="0"/>
+          <a:ext cx="0" cy="0"/>
+          <a:chOff x="0" y="0"/>
+          <a:chExt cx="0" cy="0"/>
+        </a:xfrm>
+      </p:grpSpPr>
+      <p:sp>
+        <p:nvSpPr>
+          <p:cNvPr id="2" name="Segnaposto immagine diapositiva 1"/>
+          <p:cNvSpPr>
+            <a:spLocks noGrp="1" noRot="1" noChangeAspect="1"/>
+          </p:cNvSpPr>
+          <p:nvPr>
+            <p:ph type="sldImg"/>
+          </p:nvPr>
+        </p:nvSpPr>
+        <p:spPr/>
+      </p:sp>
+      <p:sp>
+        <p:nvSpPr>
+          <p:cNvPr id="3" name="Segnaposto note 2"/>
+          <p:cNvSpPr>
+            <a:spLocks noGrp="1"/>
+          </p:cNvSpPr>
+          <p:nvPr>
+            <p:ph type="body" idx="1"/>
+          </p:nvPr>
+        </p:nvSpPr>
+        <p:spPr/>
+        <p:txBody>
+          <a:bodyPr/>
+          <a:lstStyle/>
+          <a:p>
+            <a:endParaRPr lang="it-IT"/>
+          </a:p>
+        </p:txBody>
+      </p:sp>
+      <p:sp>
+        <p:nvSpPr>
+          <p:cNvPr id="4" name="Segnaposto numero diapositiva 3"/>
+          <p:cNvSpPr>
+            <a:spLocks noGrp="1"/>
+          </p:cNvSpPr>
+          <p:nvPr>
+            <p:ph type="sldNum" sz="quarter" idx="10"/>
+          </p:nvPr>
+        </p:nvSpPr>
+        <p:spPr/>
+        <p:txBody>
+          <a:bodyPr/>
+          <a:lstStyle/>
+          <a:p>
+            <a:fld id="{C519897D-FFB3-4111-B327-449DADBE2990}" type="slidenum">
+              <a:rPr lang="en-US" smtClean="0"/>
+              <a:t>27</a:t>
+            </a:fld>
+            <a:endParaRPr lang="en-US"/>
+          </a:p>
+        </p:txBody>
+      </p:sp>
+    </p:spTree>
+    <p:extLst>
+      <p:ext uri="{BB962C8B-B14F-4D97-AF65-F5344CB8AC3E}">
+        <p14:creationId xmlns:p14="http://schemas.microsoft.com/office/powerpoint/2010/main" val="1343077763"/>
+      </p:ext>
+    </p:extLst>
+  </p:cSld>
+  <p:clrMapOvr>
+    <a:masterClrMapping/>
+  </p:clrMapOvr>
+</p:notes>
+</file>
+
+<file path=ppt/notesSlides/notesSlide28.xml><?xml version="1.0" encoding="utf-8"?>
+<p:notes xmlns:a="http://schemas.openxmlformats.org/drawingml/2006/main" xmlns:r="http://schemas.openxmlformats.org/officeDocument/2006/relationships" xmlns:p="http://schemas.openxmlformats.org/presentationml/2006/main">
+  <p:cSld>
+    <p:spTree>
+      <p:nvGrpSpPr>
+        <p:cNvPr id="1" name=""/>
+        <p:cNvGrpSpPr/>
+        <p:nvPr/>
+      </p:nvGrpSpPr>
+      <p:grpSpPr>
+        <a:xfrm>
+          <a:off x="0" y="0"/>
+          <a:ext cx="0" cy="0"/>
+          <a:chOff x="0" y="0"/>
+          <a:chExt cx="0" cy="0"/>
+        </a:xfrm>
+      </p:grpSpPr>
+      <p:sp>
+        <p:nvSpPr>
+          <p:cNvPr id="2" name="Segnaposto immagine diapositiva 1"/>
+          <p:cNvSpPr>
+            <a:spLocks noGrp="1" noRot="1" noChangeAspect="1"/>
+          </p:cNvSpPr>
+          <p:nvPr>
+            <p:ph type="sldImg"/>
+          </p:nvPr>
+        </p:nvSpPr>
+        <p:spPr/>
+      </p:sp>
+      <p:sp>
+        <p:nvSpPr>
+          <p:cNvPr id="3" name="Segnaposto note 2"/>
+          <p:cNvSpPr>
+            <a:spLocks noGrp="1"/>
+          </p:cNvSpPr>
+          <p:nvPr>
+            <p:ph type="body" idx="1"/>
+          </p:nvPr>
+        </p:nvSpPr>
+        <p:spPr/>
+        <p:txBody>
+          <a:bodyPr/>
+          <a:lstStyle/>
+          <a:p>
+            <a:endParaRPr lang="it-IT"/>
+          </a:p>
+        </p:txBody>
+      </p:sp>
+      <p:sp>
+        <p:nvSpPr>
+          <p:cNvPr id="4" name="Segnaposto numero diapositiva 3"/>
+          <p:cNvSpPr>
+            <a:spLocks noGrp="1"/>
+          </p:cNvSpPr>
+          <p:nvPr>
+            <p:ph type="sldNum" sz="quarter" idx="10"/>
+          </p:nvPr>
+        </p:nvSpPr>
+        <p:spPr/>
+        <p:txBody>
+          <a:bodyPr/>
+          <a:lstStyle/>
+          <a:p>
+            <a:fld id="{C519897D-FFB3-4111-B327-449DADBE2990}" type="slidenum">
+              <a:rPr lang="en-US" smtClean="0"/>
               <a:t>28</a:t>
             </a:fld>
             <a:endParaRPr lang="en-US"/>
@@ -825,6 +2421,90 @@
     <p:extLst>
       <p:ext uri="{BB962C8B-B14F-4D97-AF65-F5344CB8AC3E}">
         <p14:creationId xmlns:p14="http://schemas.microsoft.com/office/powerpoint/2010/main" val="958452951"/>
+      </p:ext>
+    </p:extLst>
+  </p:cSld>
+  <p:clrMapOvr>
+    <a:masterClrMapping/>
+  </p:clrMapOvr>
+</p:notes>
+</file>
+
+<file path=ppt/notesSlides/notesSlide29.xml><?xml version="1.0" encoding="utf-8"?>
+<p:notes xmlns:a="http://schemas.openxmlformats.org/drawingml/2006/main" xmlns:r="http://schemas.openxmlformats.org/officeDocument/2006/relationships" xmlns:p="http://schemas.openxmlformats.org/presentationml/2006/main">
+  <p:cSld>
+    <p:spTree>
+      <p:nvGrpSpPr>
+        <p:cNvPr id="1" name=""/>
+        <p:cNvGrpSpPr/>
+        <p:nvPr/>
+      </p:nvGrpSpPr>
+      <p:grpSpPr>
+        <a:xfrm>
+          <a:off x="0" y="0"/>
+          <a:ext cx="0" cy="0"/>
+          <a:chOff x="0" y="0"/>
+          <a:chExt cx="0" cy="0"/>
+        </a:xfrm>
+      </p:grpSpPr>
+      <p:sp>
+        <p:nvSpPr>
+          <p:cNvPr id="2" name="Segnaposto immagine diapositiva 1"/>
+          <p:cNvSpPr>
+            <a:spLocks noGrp="1" noRot="1" noChangeAspect="1"/>
+          </p:cNvSpPr>
+          <p:nvPr>
+            <p:ph type="sldImg"/>
+          </p:nvPr>
+        </p:nvSpPr>
+        <p:spPr/>
+      </p:sp>
+      <p:sp>
+        <p:nvSpPr>
+          <p:cNvPr id="3" name="Segnaposto note 2"/>
+          <p:cNvSpPr>
+            <a:spLocks noGrp="1"/>
+          </p:cNvSpPr>
+          <p:nvPr>
+            <p:ph type="body" idx="1"/>
+          </p:nvPr>
+        </p:nvSpPr>
+        <p:spPr/>
+        <p:txBody>
+          <a:bodyPr/>
+          <a:lstStyle/>
+          <a:p>
+            <a:endParaRPr lang="it-IT" dirty="0"/>
+          </a:p>
+        </p:txBody>
+      </p:sp>
+      <p:sp>
+        <p:nvSpPr>
+          <p:cNvPr id="4" name="Segnaposto numero diapositiva 3"/>
+          <p:cNvSpPr>
+            <a:spLocks noGrp="1"/>
+          </p:cNvSpPr>
+          <p:nvPr>
+            <p:ph type="sldNum" sz="quarter" idx="10"/>
+          </p:nvPr>
+        </p:nvSpPr>
+        <p:spPr/>
+        <p:txBody>
+          <a:bodyPr/>
+          <a:lstStyle/>
+          <a:p>
+            <a:fld id="{C519897D-FFB3-4111-B327-449DADBE2990}" type="slidenum">
+              <a:rPr lang="en-US" smtClean="0"/>
+              <a:t>29</a:t>
+            </a:fld>
+            <a:endParaRPr lang="en-US"/>
+          </a:p>
+        </p:txBody>
+      </p:sp>
+    </p:spTree>
+    <p:extLst>
+      <p:ext uri="{BB962C8B-B14F-4D97-AF65-F5344CB8AC3E}">
+        <p14:creationId xmlns:p14="http://schemas.microsoft.com/office/powerpoint/2010/main" val="3813177152"/>
       </p:ext>
     </p:extLst>
   </p:cSld>
@@ -878,7 +2558,7 @@
           <a:bodyPr/>
           <a:lstStyle/>
           <a:p>
-            <a:endParaRPr lang="it-IT" dirty="0"/>
+            <a:endParaRPr lang="it-IT"/>
           </a:p>
         </p:txBody>
       </p:sp>
@@ -899,7 +2579,7 @@
           <a:p>
             <a:fld id="{C519897D-FFB3-4111-B327-449DADBE2990}" type="slidenum">
               <a:rPr lang="en-US" smtClean="0"/>
-              <a:t>29</a:t>
+              <a:t>3</a:t>
             </a:fld>
             <a:endParaRPr lang="en-US"/>
           </a:p>
@@ -908,7 +2588,91 @@
     </p:spTree>
     <p:extLst>
       <p:ext uri="{BB962C8B-B14F-4D97-AF65-F5344CB8AC3E}">
-        <p14:creationId xmlns:p14="http://schemas.microsoft.com/office/powerpoint/2010/main" val="3813177152"/>
+        <p14:creationId xmlns:p14="http://schemas.microsoft.com/office/powerpoint/2010/main" val="350504078"/>
+      </p:ext>
+    </p:extLst>
+  </p:cSld>
+  <p:clrMapOvr>
+    <a:masterClrMapping/>
+  </p:clrMapOvr>
+</p:notes>
+</file>
+
+<file path=ppt/notesSlides/notesSlide30.xml><?xml version="1.0" encoding="utf-8"?>
+<p:notes xmlns:a="http://schemas.openxmlformats.org/drawingml/2006/main" xmlns:r="http://schemas.openxmlformats.org/officeDocument/2006/relationships" xmlns:p="http://schemas.openxmlformats.org/presentationml/2006/main">
+  <p:cSld>
+    <p:spTree>
+      <p:nvGrpSpPr>
+        <p:cNvPr id="1" name=""/>
+        <p:cNvGrpSpPr/>
+        <p:nvPr/>
+      </p:nvGrpSpPr>
+      <p:grpSpPr>
+        <a:xfrm>
+          <a:off x="0" y="0"/>
+          <a:ext cx="0" cy="0"/>
+          <a:chOff x="0" y="0"/>
+          <a:chExt cx="0" cy="0"/>
+        </a:xfrm>
+      </p:grpSpPr>
+      <p:sp>
+        <p:nvSpPr>
+          <p:cNvPr id="2" name="Segnaposto immagine diapositiva 1"/>
+          <p:cNvSpPr>
+            <a:spLocks noGrp="1" noRot="1" noChangeAspect="1"/>
+          </p:cNvSpPr>
+          <p:nvPr>
+            <p:ph type="sldImg"/>
+          </p:nvPr>
+        </p:nvSpPr>
+        <p:spPr/>
+      </p:sp>
+      <p:sp>
+        <p:nvSpPr>
+          <p:cNvPr id="3" name="Segnaposto note 2"/>
+          <p:cNvSpPr>
+            <a:spLocks noGrp="1"/>
+          </p:cNvSpPr>
+          <p:nvPr>
+            <p:ph type="body" idx="1"/>
+          </p:nvPr>
+        </p:nvSpPr>
+        <p:spPr/>
+        <p:txBody>
+          <a:bodyPr/>
+          <a:lstStyle/>
+          <a:p>
+            <a:endParaRPr lang="it-IT"/>
+          </a:p>
+        </p:txBody>
+      </p:sp>
+      <p:sp>
+        <p:nvSpPr>
+          <p:cNvPr id="4" name="Segnaposto numero diapositiva 3"/>
+          <p:cNvSpPr>
+            <a:spLocks noGrp="1"/>
+          </p:cNvSpPr>
+          <p:nvPr>
+            <p:ph type="sldNum" sz="quarter" idx="10"/>
+          </p:nvPr>
+        </p:nvSpPr>
+        <p:spPr/>
+        <p:txBody>
+          <a:bodyPr/>
+          <a:lstStyle/>
+          <a:p>
+            <a:fld id="{C519897D-FFB3-4111-B327-449DADBE2990}" type="slidenum">
+              <a:rPr lang="en-US" smtClean="0"/>
+              <a:t>30</a:t>
+            </a:fld>
+            <a:endParaRPr lang="en-US"/>
+          </a:p>
+        </p:txBody>
+      </p:sp>
+    </p:spTree>
+    <p:extLst>
+      <p:ext uri="{BB962C8B-B14F-4D97-AF65-F5344CB8AC3E}">
+        <p14:creationId xmlns:p14="http://schemas.microsoft.com/office/powerpoint/2010/main" val="2814216342"/>
       </p:ext>
     </p:extLst>
   </p:cSld>
@@ -983,7 +2747,7 @@
           <a:p>
             <a:fld id="{C519897D-FFB3-4111-B327-449DADBE2990}" type="slidenum">
               <a:rPr lang="en-US" smtClean="0"/>
-              <a:t>30</a:t>
+              <a:t>4</a:t>
             </a:fld>
             <a:endParaRPr lang="en-US"/>
           </a:p>
@@ -992,7 +2756,427 @@
     </p:spTree>
     <p:extLst>
       <p:ext uri="{BB962C8B-B14F-4D97-AF65-F5344CB8AC3E}">
-        <p14:creationId xmlns:p14="http://schemas.microsoft.com/office/powerpoint/2010/main" val="2814216342"/>
+        <p14:creationId xmlns:p14="http://schemas.microsoft.com/office/powerpoint/2010/main" val="1081562217"/>
+      </p:ext>
+    </p:extLst>
+  </p:cSld>
+  <p:clrMapOvr>
+    <a:masterClrMapping/>
+  </p:clrMapOvr>
+</p:notes>
+</file>
+
+<file path=ppt/notesSlides/notesSlide5.xml><?xml version="1.0" encoding="utf-8"?>
+<p:notes xmlns:a="http://schemas.openxmlformats.org/drawingml/2006/main" xmlns:r="http://schemas.openxmlformats.org/officeDocument/2006/relationships" xmlns:p="http://schemas.openxmlformats.org/presentationml/2006/main">
+  <p:cSld>
+    <p:spTree>
+      <p:nvGrpSpPr>
+        <p:cNvPr id="1" name=""/>
+        <p:cNvGrpSpPr/>
+        <p:nvPr/>
+      </p:nvGrpSpPr>
+      <p:grpSpPr>
+        <a:xfrm>
+          <a:off x="0" y="0"/>
+          <a:ext cx="0" cy="0"/>
+          <a:chOff x="0" y="0"/>
+          <a:chExt cx="0" cy="0"/>
+        </a:xfrm>
+      </p:grpSpPr>
+      <p:sp>
+        <p:nvSpPr>
+          <p:cNvPr id="2" name="Segnaposto immagine diapositiva 1"/>
+          <p:cNvSpPr>
+            <a:spLocks noGrp="1" noRot="1" noChangeAspect="1"/>
+          </p:cNvSpPr>
+          <p:nvPr>
+            <p:ph type="sldImg"/>
+          </p:nvPr>
+        </p:nvSpPr>
+        <p:spPr/>
+      </p:sp>
+      <p:sp>
+        <p:nvSpPr>
+          <p:cNvPr id="3" name="Segnaposto note 2"/>
+          <p:cNvSpPr>
+            <a:spLocks noGrp="1"/>
+          </p:cNvSpPr>
+          <p:nvPr>
+            <p:ph type="body" idx="1"/>
+          </p:nvPr>
+        </p:nvSpPr>
+        <p:spPr/>
+        <p:txBody>
+          <a:bodyPr/>
+          <a:lstStyle/>
+          <a:p>
+            <a:endParaRPr lang="it-IT"/>
+          </a:p>
+        </p:txBody>
+      </p:sp>
+      <p:sp>
+        <p:nvSpPr>
+          <p:cNvPr id="4" name="Segnaposto numero diapositiva 3"/>
+          <p:cNvSpPr>
+            <a:spLocks noGrp="1"/>
+          </p:cNvSpPr>
+          <p:nvPr>
+            <p:ph type="sldNum" sz="quarter" idx="10"/>
+          </p:nvPr>
+        </p:nvSpPr>
+        <p:spPr/>
+        <p:txBody>
+          <a:bodyPr/>
+          <a:lstStyle/>
+          <a:p>
+            <a:fld id="{C519897D-FFB3-4111-B327-449DADBE2990}" type="slidenum">
+              <a:rPr lang="en-US" smtClean="0"/>
+              <a:t>5</a:t>
+            </a:fld>
+            <a:endParaRPr lang="en-US"/>
+          </a:p>
+        </p:txBody>
+      </p:sp>
+    </p:spTree>
+    <p:extLst>
+      <p:ext uri="{BB962C8B-B14F-4D97-AF65-F5344CB8AC3E}">
+        <p14:creationId xmlns:p14="http://schemas.microsoft.com/office/powerpoint/2010/main" val="1129327399"/>
+      </p:ext>
+    </p:extLst>
+  </p:cSld>
+  <p:clrMapOvr>
+    <a:masterClrMapping/>
+  </p:clrMapOvr>
+</p:notes>
+</file>
+
+<file path=ppt/notesSlides/notesSlide6.xml><?xml version="1.0" encoding="utf-8"?>
+<p:notes xmlns:a="http://schemas.openxmlformats.org/drawingml/2006/main" xmlns:r="http://schemas.openxmlformats.org/officeDocument/2006/relationships" xmlns:p="http://schemas.openxmlformats.org/presentationml/2006/main">
+  <p:cSld>
+    <p:spTree>
+      <p:nvGrpSpPr>
+        <p:cNvPr id="1" name=""/>
+        <p:cNvGrpSpPr/>
+        <p:nvPr/>
+      </p:nvGrpSpPr>
+      <p:grpSpPr>
+        <a:xfrm>
+          <a:off x="0" y="0"/>
+          <a:ext cx="0" cy="0"/>
+          <a:chOff x="0" y="0"/>
+          <a:chExt cx="0" cy="0"/>
+        </a:xfrm>
+      </p:grpSpPr>
+      <p:sp>
+        <p:nvSpPr>
+          <p:cNvPr id="2" name="Segnaposto immagine diapositiva 1"/>
+          <p:cNvSpPr>
+            <a:spLocks noGrp="1" noRot="1" noChangeAspect="1"/>
+          </p:cNvSpPr>
+          <p:nvPr>
+            <p:ph type="sldImg"/>
+          </p:nvPr>
+        </p:nvSpPr>
+        <p:spPr/>
+      </p:sp>
+      <p:sp>
+        <p:nvSpPr>
+          <p:cNvPr id="3" name="Segnaposto note 2"/>
+          <p:cNvSpPr>
+            <a:spLocks noGrp="1"/>
+          </p:cNvSpPr>
+          <p:nvPr>
+            <p:ph type="body" idx="1"/>
+          </p:nvPr>
+        </p:nvSpPr>
+        <p:spPr/>
+        <p:txBody>
+          <a:bodyPr/>
+          <a:lstStyle/>
+          <a:p>
+            <a:endParaRPr lang="it-IT"/>
+          </a:p>
+        </p:txBody>
+      </p:sp>
+      <p:sp>
+        <p:nvSpPr>
+          <p:cNvPr id="4" name="Segnaposto numero diapositiva 3"/>
+          <p:cNvSpPr>
+            <a:spLocks noGrp="1"/>
+          </p:cNvSpPr>
+          <p:nvPr>
+            <p:ph type="sldNum" sz="quarter" idx="10"/>
+          </p:nvPr>
+        </p:nvSpPr>
+        <p:spPr/>
+        <p:txBody>
+          <a:bodyPr/>
+          <a:lstStyle/>
+          <a:p>
+            <a:fld id="{C519897D-FFB3-4111-B327-449DADBE2990}" type="slidenum">
+              <a:rPr lang="en-US" smtClean="0"/>
+              <a:t>6</a:t>
+            </a:fld>
+            <a:endParaRPr lang="en-US"/>
+          </a:p>
+        </p:txBody>
+      </p:sp>
+    </p:spTree>
+    <p:extLst>
+      <p:ext uri="{BB962C8B-B14F-4D97-AF65-F5344CB8AC3E}">
+        <p14:creationId xmlns:p14="http://schemas.microsoft.com/office/powerpoint/2010/main" val="3763042165"/>
+      </p:ext>
+    </p:extLst>
+  </p:cSld>
+  <p:clrMapOvr>
+    <a:masterClrMapping/>
+  </p:clrMapOvr>
+</p:notes>
+</file>
+
+<file path=ppt/notesSlides/notesSlide7.xml><?xml version="1.0" encoding="utf-8"?>
+<p:notes xmlns:a="http://schemas.openxmlformats.org/drawingml/2006/main" xmlns:r="http://schemas.openxmlformats.org/officeDocument/2006/relationships" xmlns:p="http://schemas.openxmlformats.org/presentationml/2006/main">
+  <p:cSld>
+    <p:spTree>
+      <p:nvGrpSpPr>
+        <p:cNvPr id="1" name=""/>
+        <p:cNvGrpSpPr/>
+        <p:nvPr/>
+      </p:nvGrpSpPr>
+      <p:grpSpPr>
+        <a:xfrm>
+          <a:off x="0" y="0"/>
+          <a:ext cx="0" cy="0"/>
+          <a:chOff x="0" y="0"/>
+          <a:chExt cx="0" cy="0"/>
+        </a:xfrm>
+      </p:grpSpPr>
+      <p:sp>
+        <p:nvSpPr>
+          <p:cNvPr id="2" name="Segnaposto immagine diapositiva 1"/>
+          <p:cNvSpPr>
+            <a:spLocks noGrp="1" noRot="1" noChangeAspect="1"/>
+          </p:cNvSpPr>
+          <p:nvPr>
+            <p:ph type="sldImg"/>
+          </p:nvPr>
+        </p:nvSpPr>
+        <p:spPr/>
+      </p:sp>
+      <p:sp>
+        <p:nvSpPr>
+          <p:cNvPr id="3" name="Segnaposto note 2"/>
+          <p:cNvSpPr>
+            <a:spLocks noGrp="1"/>
+          </p:cNvSpPr>
+          <p:nvPr>
+            <p:ph type="body" idx="1"/>
+          </p:nvPr>
+        </p:nvSpPr>
+        <p:spPr/>
+        <p:txBody>
+          <a:bodyPr/>
+          <a:lstStyle/>
+          <a:p>
+            <a:endParaRPr lang="it-IT"/>
+          </a:p>
+        </p:txBody>
+      </p:sp>
+      <p:sp>
+        <p:nvSpPr>
+          <p:cNvPr id="4" name="Segnaposto numero diapositiva 3"/>
+          <p:cNvSpPr>
+            <a:spLocks noGrp="1"/>
+          </p:cNvSpPr>
+          <p:nvPr>
+            <p:ph type="sldNum" sz="quarter" idx="10"/>
+          </p:nvPr>
+        </p:nvSpPr>
+        <p:spPr/>
+        <p:txBody>
+          <a:bodyPr/>
+          <a:lstStyle/>
+          <a:p>
+            <a:fld id="{C519897D-FFB3-4111-B327-449DADBE2990}" type="slidenum">
+              <a:rPr lang="en-US" smtClean="0"/>
+              <a:t>7</a:t>
+            </a:fld>
+            <a:endParaRPr lang="en-US"/>
+          </a:p>
+        </p:txBody>
+      </p:sp>
+    </p:spTree>
+    <p:extLst>
+      <p:ext uri="{BB962C8B-B14F-4D97-AF65-F5344CB8AC3E}">
+        <p14:creationId xmlns:p14="http://schemas.microsoft.com/office/powerpoint/2010/main" val="2447075404"/>
+      </p:ext>
+    </p:extLst>
+  </p:cSld>
+  <p:clrMapOvr>
+    <a:masterClrMapping/>
+  </p:clrMapOvr>
+</p:notes>
+</file>
+
+<file path=ppt/notesSlides/notesSlide8.xml><?xml version="1.0" encoding="utf-8"?>
+<p:notes xmlns:a="http://schemas.openxmlformats.org/drawingml/2006/main" xmlns:r="http://schemas.openxmlformats.org/officeDocument/2006/relationships" xmlns:p="http://schemas.openxmlformats.org/presentationml/2006/main">
+  <p:cSld>
+    <p:spTree>
+      <p:nvGrpSpPr>
+        <p:cNvPr id="1" name=""/>
+        <p:cNvGrpSpPr/>
+        <p:nvPr/>
+      </p:nvGrpSpPr>
+      <p:grpSpPr>
+        <a:xfrm>
+          <a:off x="0" y="0"/>
+          <a:ext cx="0" cy="0"/>
+          <a:chOff x="0" y="0"/>
+          <a:chExt cx="0" cy="0"/>
+        </a:xfrm>
+      </p:grpSpPr>
+      <p:sp>
+        <p:nvSpPr>
+          <p:cNvPr id="2" name="Segnaposto immagine diapositiva 1"/>
+          <p:cNvSpPr>
+            <a:spLocks noGrp="1" noRot="1" noChangeAspect="1"/>
+          </p:cNvSpPr>
+          <p:nvPr>
+            <p:ph type="sldImg"/>
+          </p:nvPr>
+        </p:nvSpPr>
+        <p:spPr/>
+      </p:sp>
+      <p:sp>
+        <p:nvSpPr>
+          <p:cNvPr id="3" name="Segnaposto note 2"/>
+          <p:cNvSpPr>
+            <a:spLocks noGrp="1"/>
+          </p:cNvSpPr>
+          <p:nvPr>
+            <p:ph type="body" idx="1"/>
+          </p:nvPr>
+        </p:nvSpPr>
+        <p:spPr/>
+        <p:txBody>
+          <a:bodyPr/>
+          <a:lstStyle/>
+          <a:p>
+            <a:endParaRPr lang="it-IT"/>
+          </a:p>
+        </p:txBody>
+      </p:sp>
+      <p:sp>
+        <p:nvSpPr>
+          <p:cNvPr id="4" name="Segnaposto numero diapositiva 3"/>
+          <p:cNvSpPr>
+            <a:spLocks noGrp="1"/>
+          </p:cNvSpPr>
+          <p:nvPr>
+            <p:ph type="sldNum" sz="quarter" idx="10"/>
+          </p:nvPr>
+        </p:nvSpPr>
+        <p:spPr/>
+        <p:txBody>
+          <a:bodyPr/>
+          <a:lstStyle/>
+          <a:p>
+            <a:fld id="{C519897D-FFB3-4111-B327-449DADBE2990}" type="slidenum">
+              <a:rPr lang="en-US" smtClean="0"/>
+              <a:t>8</a:t>
+            </a:fld>
+            <a:endParaRPr lang="en-US"/>
+          </a:p>
+        </p:txBody>
+      </p:sp>
+    </p:spTree>
+    <p:extLst>
+      <p:ext uri="{BB962C8B-B14F-4D97-AF65-F5344CB8AC3E}">
+        <p14:creationId xmlns:p14="http://schemas.microsoft.com/office/powerpoint/2010/main" val="2867635840"/>
+      </p:ext>
+    </p:extLst>
+  </p:cSld>
+  <p:clrMapOvr>
+    <a:masterClrMapping/>
+  </p:clrMapOvr>
+</p:notes>
+</file>
+
+<file path=ppt/notesSlides/notesSlide9.xml><?xml version="1.0" encoding="utf-8"?>
+<p:notes xmlns:a="http://schemas.openxmlformats.org/drawingml/2006/main" xmlns:r="http://schemas.openxmlformats.org/officeDocument/2006/relationships" xmlns:p="http://schemas.openxmlformats.org/presentationml/2006/main">
+  <p:cSld>
+    <p:spTree>
+      <p:nvGrpSpPr>
+        <p:cNvPr id="1" name=""/>
+        <p:cNvGrpSpPr/>
+        <p:nvPr/>
+      </p:nvGrpSpPr>
+      <p:grpSpPr>
+        <a:xfrm>
+          <a:off x="0" y="0"/>
+          <a:ext cx="0" cy="0"/>
+          <a:chOff x="0" y="0"/>
+          <a:chExt cx="0" cy="0"/>
+        </a:xfrm>
+      </p:grpSpPr>
+      <p:sp>
+        <p:nvSpPr>
+          <p:cNvPr id="2" name="Segnaposto immagine diapositiva 1"/>
+          <p:cNvSpPr>
+            <a:spLocks noGrp="1" noRot="1" noChangeAspect="1"/>
+          </p:cNvSpPr>
+          <p:nvPr>
+            <p:ph type="sldImg"/>
+          </p:nvPr>
+        </p:nvSpPr>
+        <p:spPr/>
+      </p:sp>
+      <p:sp>
+        <p:nvSpPr>
+          <p:cNvPr id="3" name="Segnaposto note 2"/>
+          <p:cNvSpPr>
+            <a:spLocks noGrp="1"/>
+          </p:cNvSpPr>
+          <p:nvPr>
+            <p:ph type="body" idx="1"/>
+          </p:nvPr>
+        </p:nvSpPr>
+        <p:spPr/>
+        <p:txBody>
+          <a:bodyPr/>
+          <a:lstStyle/>
+          <a:p>
+            <a:endParaRPr lang="it-IT"/>
+          </a:p>
+        </p:txBody>
+      </p:sp>
+      <p:sp>
+        <p:nvSpPr>
+          <p:cNvPr id="4" name="Segnaposto numero diapositiva 3"/>
+          <p:cNvSpPr>
+            <a:spLocks noGrp="1"/>
+          </p:cNvSpPr>
+          <p:nvPr>
+            <p:ph type="sldNum" sz="quarter" idx="10"/>
+          </p:nvPr>
+        </p:nvSpPr>
+        <p:spPr/>
+        <p:txBody>
+          <a:bodyPr/>
+          <a:lstStyle/>
+          <a:p>
+            <a:fld id="{C519897D-FFB3-4111-B327-449DADBE2990}" type="slidenum">
+              <a:rPr lang="en-US" smtClean="0"/>
+              <a:t>9</a:t>
+            </a:fld>
+            <a:endParaRPr lang="en-US"/>
+          </a:p>
+        </p:txBody>
+      </p:sp>
+    </p:spTree>
+    <p:extLst>
+      <p:ext uri="{BB962C8B-B14F-4D97-AF65-F5344CB8AC3E}">
+        <p14:creationId xmlns:p14="http://schemas.microsoft.com/office/powerpoint/2010/main" val="3209759412"/>
       </p:ext>
     </p:extLst>
   </p:cSld>
@@ -1226,7 +3410,7 @@
           <a:p>
             <a:fld id="{F1FA7AC5-6045-4418-8E60-F48788734473}" type="datetimeFigureOut">
               <a:rPr lang="en-US" smtClean="0"/>
-              <a:t>11/25/2018</a:t>
+              <a:t>12/3/2018</a:t>
             </a:fld>
             <a:endParaRPr lang="en-US"/>
           </a:p>
@@ -1439,7 +3623,7 @@
           <a:p>
             <a:fld id="{F1FA7AC5-6045-4418-8E60-F48788734473}" type="datetimeFigureOut">
               <a:rPr lang="en-US" smtClean="0"/>
-              <a:t>11/25/2018</a:t>
+              <a:t>12/3/2018</a:t>
             </a:fld>
             <a:endParaRPr lang="en-US"/>
           </a:p>
@@ -1693,7 +3877,7 @@
           <a:p>
             <a:fld id="{F1FA7AC5-6045-4418-8E60-F48788734473}" type="datetimeFigureOut">
               <a:rPr lang="en-US" smtClean="0"/>
-              <a:t>11/25/2018</a:t>
+              <a:t>12/3/2018</a:t>
             </a:fld>
             <a:endParaRPr lang="en-US"/>
           </a:p>
@@ -1861,7 +4045,7 @@
           <a:p>
             <a:fld id="{F1FA7AC5-6045-4418-8E60-F48788734473}" type="datetimeFigureOut">
               <a:rPr lang="en-US" smtClean="0"/>
-              <a:t>11/25/2018</a:t>
+              <a:t>12/3/2018</a:t>
             </a:fld>
             <a:endParaRPr lang="en-US"/>
           </a:p>
@@ -2203,7 +4387,7 @@
           <a:p>
             <a:fld id="{F1FA7AC5-6045-4418-8E60-F48788734473}" type="datetimeFigureOut">
               <a:rPr lang="en-US" smtClean="0"/>
-              <a:t>11/25/2018</a:t>
+              <a:t>12/3/2018</a:t>
             </a:fld>
             <a:endParaRPr lang="en-US"/>
           </a:p>
@@ -2475,7 +4659,7 @@
           <a:p>
             <a:fld id="{F1FA7AC5-6045-4418-8E60-F48788734473}" type="datetimeFigureOut">
               <a:rPr lang="en-US" smtClean="0"/>
-              <a:t>11/25/2018</a:t>
+              <a:t>12/3/2018</a:t>
             </a:fld>
             <a:endParaRPr lang="en-US"/>
           </a:p>
@@ -2851,7 +5035,7 @@
           <a:p>
             <a:fld id="{F1FA7AC5-6045-4418-8E60-F48788734473}" type="datetimeFigureOut">
               <a:rPr lang="en-US" smtClean="0"/>
-              <a:t>11/25/2018</a:t>
+              <a:t>12/3/2018</a:t>
             </a:fld>
             <a:endParaRPr lang="en-US"/>
           </a:p>
@@ -2968,7 +5152,7 @@
           <a:p>
             <a:fld id="{F1FA7AC5-6045-4418-8E60-F48788734473}" type="datetimeFigureOut">
               <a:rPr lang="en-US" smtClean="0"/>
-              <a:t>11/25/2018</a:t>
+              <a:t>12/3/2018</a:t>
             </a:fld>
             <a:endParaRPr lang="en-US"/>
           </a:p>
@@ -3139,7 +5323,7 @@
           <a:p>
             <a:fld id="{F1FA7AC5-6045-4418-8E60-F48788734473}" type="datetimeFigureOut">
               <a:rPr lang="en-US" smtClean="0"/>
-              <a:t>11/25/2018</a:t>
+              <a:t>12/3/2018</a:t>
             </a:fld>
             <a:endParaRPr lang="en-US"/>
           </a:p>
@@ -3491,7 +5675,7 @@
           <a:p>
             <a:fld id="{F1FA7AC5-6045-4418-8E60-F48788734473}" type="datetimeFigureOut">
               <a:rPr lang="en-US" smtClean="0"/>
-              <a:t>11/25/2018</a:t>
+              <a:t>12/3/2018</a:t>
             </a:fld>
             <a:endParaRPr lang="en-US"/>
           </a:p>
@@ -3866,7 +6050,7 @@
           <a:p>
             <a:fld id="{F1FA7AC5-6045-4418-8E60-F48788734473}" type="datetimeFigureOut">
               <a:rPr lang="en-US" smtClean="0"/>
-              <a:t>11/25/2018</a:t>
+              <a:t>12/3/2018</a:t>
             </a:fld>
             <a:endParaRPr lang="en-US"/>
           </a:p>
@@ -4151,7 +6335,7 @@
           <a:p>
             <a:fld id="{F1FA7AC5-6045-4418-8E60-F48788734473}" type="datetimeFigureOut">
               <a:rPr lang="en-US" smtClean="0"/>
-              <a:t>11/25/2018</a:t>
+              <a:t>12/3/2018</a:t>
             </a:fld>
             <a:endParaRPr lang="en-US"/>
           </a:p>
@@ -4883,7 +7067,7 @@
           <a:p>
             <a:r>
               <a:rPr lang="it-IT" dirty="0" err="1" smtClean="0"/>
-              <a:t>RxJs</a:t>
+              <a:t>RxJS</a:t>
             </a:r>
             <a:endParaRPr lang="it-IT" dirty="0"/>
           </a:p>
@@ -4913,7 +7097,7 @@
             <a:pPr algn="ctr"/>
             <a:r>
               <a:rPr lang="en-US" sz="4400" dirty="0" err="1">
-                <a:hlinkClick r:id="rId2" tooltip="https://github.com/ReactiveX/rxjs"/>
+                <a:hlinkClick r:id="rId3" tooltip="https://github.com/ReactiveX/rxjs"/>
               </a:rPr>
               <a:t>RxJS</a:t>
             </a:r>
@@ -4923,7 +7107,7 @@
             </a:r>
             <a:r>
               <a:rPr lang="en-US" sz="4400" dirty="0">
-                <a:hlinkClick r:id="rId3" tooltip="https://www.reactivemanifesto.org/"/>
+                <a:hlinkClick r:id="rId4" tooltip="https://www.reactivemanifesto.org/"/>
               </a:rPr>
               <a:t>Reactive Programming</a:t>
             </a:r>
@@ -4941,7 +7125,7 @@
             </a:r>
             <a:r>
               <a:rPr lang="en-US" sz="4400" dirty="0">
-                <a:hlinkClick r:id="rId4" tooltip="https://en.wikipedia.org/wiki/Observer_pattern"/>
+                <a:hlinkClick r:id="rId5" tooltip="https://en.wikipedia.org/wiki/Observer_pattern"/>
               </a:rPr>
               <a:t>Observer Pattern</a:t>
             </a:r>
@@ -5007,7 +7191,7 @@
           <a:p>
             <a:r>
               <a:rPr lang="it-IT" dirty="0" err="1" smtClean="0"/>
-              <a:t>RxJs</a:t>
+              <a:t>RxJS</a:t>
             </a:r>
             <a:r>
               <a:rPr lang="it-IT" dirty="0" smtClean="0"/>
@@ -5444,7 +7628,7 @@
           <a:p>
             <a:r>
               <a:rPr lang="it-IT" dirty="0" err="1" smtClean="0"/>
-              <a:t>RxJs</a:t>
+              <a:t>RxJS</a:t>
             </a:r>
             <a:r>
               <a:rPr lang="it-IT" dirty="0" smtClean="0"/>
@@ -6896,8 +9080,37 @@
             </a:r>
             <a:r>
               <a:rPr lang="it-IT" dirty="0" smtClean="0"/>
-              <a:t> Programming:</a:t>
-            </a:r>
+              <a:t> </a:t>
+            </a:r>
+            <a:r>
+              <a:rPr lang="it-IT" dirty="0" smtClean="0"/>
+              <a:t>Programming in </a:t>
+            </a:r>
+            <a:r>
+              <a:rPr lang="it-IT" dirty="0" err="1" smtClean="0"/>
+              <a:t>your</a:t>
+            </a:r>
+            <a:r>
+              <a:rPr lang="it-IT" dirty="0" smtClean="0"/>
+              <a:t> favorite </a:t>
+            </a:r>
+            <a:r>
+              <a:rPr lang="it-IT" dirty="0" err="1" smtClean="0"/>
+              <a:t>search</a:t>
+            </a:r>
+            <a:r>
+              <a:rPr lang="it-IT" dirty="0" smtClean="0"/>
+              <a:t> </a:t>
+            </a:r>
+            <a:r>
+              <a:rPr lang="it-IT" dirty="0" err="1" smtClean="0"/>
+              <a:t>engine</a:t>
+            </a:r>
+            <a:r>
+              <a:rPr lang="it-IT" dirty="0" smtClean="0"/>
+              <a:t>:</a:t>
+            </a:r>
+            <a:endParaRPr lang="it-IT" dirty="0" smtClean="0"/>
           </a:p>
           <a:p>
             <a:endParaRPr lang="it-IT" dirty="0" smtClean="0"/>
@@ -6913,13 +9126,13 @@
             </a:r>
             <a:r>
               <a:rPr lang="it-IT" dirty="0">
-                <a:hlinkClick r:id="rId2"/>
+                <a:hlinkClick r:id="rId3"/>
               </a:rPr>
               <a:t>https://</a:t>
             </a:r>
             <a:r>
               <a:rPr lang="it-IT" dirty="0" smtClean="0">
-                <a:hlinkClick r:id="rId2"/>
+                <a:hlinkClick r:id="rId3"/>
               </a:rPr>
               <a:t>en.wikipedia.org/wiki/Reactive_programming</a:t>
             </a:r>
@@ -6948,13 +9161,13 @@
             </a:r>
             <a:r>
               <a:rPr lang="it-IT" dirty="0">
-                <a:hlinkClick r:id="rId3"/>
+                <a:hlinkClick r:id="rId4"/>
               </a:rPr>
               <a:t>https://</a:t>
             </a:r>
             <a:r>
               <a:rPr lang="it-IT" dirty="0" smtClean="0">
-                <a:hlinkClick r:id="rId3"/>
+                <a:hlinkClick r:id="rId4"/>
               </a:rPr>
               <a:t>stackoverflow.com/questions/1028250/what-is-functional-reactive-programming</a:t>
             </a:r>
@@ -6979,13 +9192,13 @@
             </a:r>
             <a:r>
               <a:rPr lang="it-IT" dirty="0">
-                <a:hlinkClick r:id="rId4"/>
+                <a:hlinkClick r:id="rId5"/>
               </a:rPr>
               <a:t>https://www.reactivemanifesto.org</a:t>
             </a:r>
             <a:r>
               <a:rPr lang="it-IT" dirty="0" smtClean="0">
-                <a:hlinkClick r:id="rId4"/>
+                <a:hlinkClick r:id="rId5"/>
               </a:rPr>
               <a:t>/</a:t>
             </a:r>
@@ -7024,9 +9237,6 @@
                     <p:cTn id="3" fill="hold">
                       <p:stCondLst>
                         <p:cond delay="indefinite"/>
-                        <p:cond evt="onBegin" delay="0">
-                          <p:tn val="2"/>
-                        </p:cond>
                       </p:stCondLst>
                       <p:childTnLst>
                         <p:par>
@@ -7036,7 +9246,7 @@
                             </p:stCondLst>
                             <p:childTnLst>
                               <p:par>
-                                <p:cTn id="5" presetID="10" presetClass="entr" presetSubtype="0" fill="hold" nodeType="afterEffect">
+                                <p:cTn id="5" presetID="10" presetClass="entr" presetSubtype="0" fill="hold" nodeType="clickEffect">
                                   <p:stCondLst>
                                     <p:cond delay="0"/>
                                   </p:stCondLst>
@@ -7806,11 +10016,7 @@
             </a:r>
             <a:r>
               <a:rPr lang="it-IT" sz="2800" dirty="0" smtClean="0"/>
-              <a:t> </a:t>
-            </a:r>
-            <a:r>
-              <a:rPr lang="it-IT" sz="2800" dirty="0" smtClean="0"/>
-              <a:t>an </a:t>
+              <a:t> an </a:t>
             </a:r>
             <a:r>
               <a:rPr lang="it-IT" sz="2800" dirty="0" err="1" smtClean="0"/>
@@ -8024,15 +10230,7 @@
           <a:p>
             <a:r>
               <a:rPr lang="it-IT" sz="6000" dirty="0" smtClean="0"/>
-              <a:t>Demo </a:t>
-            </a:r>
-            <a:r>
-              <a:rPr lang="it-IT" sz="6000" dirty="0" smtClean="0"/>
-              <a:t>01</a:t>
-            </a:r>
-            <a:r>
-              <a:rPr lang="it-IT" sz="6000" dirty="0" smtClean="0"/>
-              <a:t/>
+              <a:t>Demo 01</a:t>
             </a:r>
             <a:br>
               <a:rPr lang="it-IT" sz="6000" dirty="0" smtClean="0"/>
@@ -8171,15 +10369,7 @@
           <a:p>
             <a:r>
               <a:rPr lang="it-IT" sz="6000" dirty="0" smtClean="0"/>
-              <a:t>Demo </a:t>
-            </a:r>
-            <a:r>
-              <a:rPr lang="it-IT" sz="6000" dirty="0" smtClean="0"/>
-              <a:t>02</a:t>
-            </a:r>
-            <a:r>
-              <a:rPr lang="it-IT" sz="6000" dirty="0" smtClean="0"/>
-              <a:t/>
+              <a:t>Demo 02</a:t>
             </a:r>
             <a:br>
               <a:rPr lang="it-IT" sz="6000" dirty="0" smtClean="0"/>
@@ -8339,15 +10529,7 @@
           <a:p>
             <a:r>
               <a:rPr lang="it-IT" sz="6000" dirty="0" smtClean="0"/>
-              <a:t>Demo </a:t>
-            </a:r>
-            <a:r>
-              <a:rPr lang="it-IT" sz="6000" dirty="0" smtClean="0"/>
-              <a:t>03</a:t>
-            </a:r>
-            <a:r>
-              <a:rPr lang="it-IT" sz="6000" dirty="0" smtClean="0"/>
-              <a:t/>
+              <a:t>Demo 03</a:t>
             </a:r>
             <a:br>
               <a:rPr lang="it-IT" sz="6000" dirty="0" smtClean="0"/>
@@ -8490,11 +10672,7 @@
           <a:p>
             <a:r>
               <a:rPr lang="it-IT" sz="6000" dirty="0" smtClean="0"/>
-              <a:t>Demo </a:t>
-            </a:r>
-            <a:r>
-              <a:rPr lang="it-IT" sz="6000" dirty="0" smtClean="0"/>
-              <a:t>04</a:t>
+              <a:t>Demo 04</a:t>
             </a:r>
             <a:r>
               <a:rPr lang="it-IT" dirty="0" smtClean="0"/>
@@ -8622,11 +10800,7 @@
           <a:p>
             <a:r>
               <a:rPr lang="it-IT" sz="6000" dirty="0" smtClean="0"/>
-              <a:t>Demo </a:t>
-            </a:r>
-            <a:r>
-              <a:rPr lang="it-IT" sz="6000" dirty="0" smtClean="0"/>
-              <a:t>05</a:t>
+              <a:t>Demo 05</a:t>
             </a:r>
             <a:r>
               <a:rPr lang="it-IT" dirty="0" smtClean="0"/>
@@ -9036,8 +11210,12 @@
               <a:t> state </a:t>
             </a:r>
             <a:r>
-              <a:rPr lang="it-IT" smtClean="0"/>
-              <a:t>change </a:t>
+              <a:rPr lang="it-IT" dirty="0" err="1" smtClean="0"/>
+              <a:t>change</a:t>
+            </a:r>
+            <a:r>
+              <a:rPr lang="it-IT" dirty="0" smtClean="0"/>
+              <a:t> </a:t>
             </a:r>
             <a:r>
               <a:rPr lang="it-IT" dirty="0" err="1" smtClean="0"/>
@@ -9050,83 +11228,83 @@
           </a:p>
           <a:p>
             <a:r>
-              <a:rPr lang="it-IT" dirty="0" smtClean="0"/>
+              <a:rPr lang="it-IT" sz="1700" dirty="0" smtClean="0"/>
               <a:t>Under some </a:t>
             </a:r>
             <a:r>
-              <a:rPr lang="it-IT" dirty="0" err="1" smtClean="0"/>
+              <a:rPr lang="it-IT" sz="1700" dirty="0" err="1" smtClean="0"/>
               <a:t>conditions</a:t>
             </a:r>
             <a:r>
-              <a:rPr lang="it-IT" dirty="0" smtClean="0"/>
+              <a:rPr lang="it-IT" sz="1700" dirty="0" smtClean="0"/>
               <a:t> </a:t>
             </a:r>
             <a:r>
-              <a:rPr lang="it-IT" dirty="0" err="1" smtClean="0"/>
+              <a:rPr lang="it-IT" sz="1700" dirty="0" err="1" smtClean="0"/>
               <a:t>we</a:t>
             </a:r>
             <a:r>
-              <a:rPr lang="it-IT" dirty="0" smtClean="0"/>
+              <a:rPr lang="it-IT" sz="1700" dirty="0" smtClean="0"/>
               <a:t> can </a:t>
             </a:r>
             <a:r>
-              <a:rPr lang="it-IT" dirty="0" err="1" smtClean="0"/>
+              <a:rPr lang="it-IT" sz="1700" dirty="0" err="1" smtClean="0"/>
               <a:t>disable</a:t>
             </a:r>
             <a:r>
-              <a:rPr lang="it-IT" dirty="0" smtClean="0"/>
+              <a:rPr lang="it-IT" sz="1700" dirty="0" smtClean="0"/>
               <a:t> </a:t>
             </a:r>
             <a:r>
-              <a:rPr lang="it-IT" dirty="0" err="1" smtClean="0"/>
+              <a:rPr lang="it-IT" sz="1700" dirty="0" err="1" smtClean="0"/>
               <a:t>Angular</a:t>
             </a:r>
             <a:r>
-              <a:rPr lang="it-IT" dirty="0" smtClean="0"/>
+              <a:rPr lang="it-IT" sz="1700" dirty="0" smtClean="0"/>
               <a:t> </a:t>
             </a:r>
             <a:r>
-              <a:rPr lang="it-IT" dirty="0" err="1" smtClean="0"/>
+              <a:rPr lang="it-IT" sz="1700" dirty="0" err="1" smtClean="0"/>
               <a:t>dirty</a:t>
             </a:r>
             <a:r>
-              <a:rPr lang="it-IT" dirty="0" smtClean="0"/>
+              <a:rPr lang="it-IT" sz="1700" dirty="0" smtClean="0"/>
               <a:t> </a:t>
             </a:r>
             <a:r>
-              <a:rPr lang="it-IT" dirty="0" err="1" smtClean="0"/>
+              <a:rPr lang="it-IT" sz="1700" dirty="0" err="1" smtClean="0"/>
               <a:t>checking</a:t>
             </a:r>
             <a:r>
-              <a:rPr lang="it-IT" dirty="0" smtClean="0"/>
+              <a:rPr lang="it-IT" sz="1700" dirty="0" smtClean="0"/>
               <a:t> </a:t>
             </a:r>
             <a:r>
-              <a:rPr lang="it-IT" dirty="0" err="1" smtClean="0"/>
+              <a:rPr lang="it-IT" sz="1700" dirty="0" err="1" smtClean="0"/>
               <a:t>mechanic</a:t>
             </a:r>
             <a:r>
-              <a:rPr lang="it-IT" dirty="0"/>
+              <a:rPr lang="it-IT" sz="1700" dirty="0"/>
               <a:t> </a:t>
             </a:r>
             <a:r>
-              <a:rPr lang="it-IT" dirty="0" smtClean="0"/>
+              <a:rPr lang="it-IT" sz="1700" dirty="0" smtClean="0"/>
               <a:t>and </a:t>
             </a:r>
             <a:r>
-              <a:rPr lang="it-IT" dirty="0" err="1" smtClean="0"/>
+              <a:rPr lang="it-IT" sz="1700" dirty="0" err="1" smtClean="0"/>
               <a:t>improve</a:t>
             </a:r>
             <a:r>
-              <a:rPr lang="it-IT" dirty="0" smtClean="0"/>
+              <a:rPr lang="it-IT" sz="1700" dirty="0" smtClean="0"/>
               <a:t> the </a:t>
             </a:r>
             <a:r>
-              <a:rPr lang="it-IT" dirty="0" err="1" smtClean="0"/>
+              <a:rPr lang="it-IT" sz="1700" dirty="0" err="1" smtClean="0"/>
               <a:t>components</a:t>
             </a:r>
             <a:r>
-              <a:rPr lang="it-IT" dirty="0" smtClean="0"/>
+              <a:rPr lang="it-IT" sz="1700" dirty="0" smtClean="0"/>
               <a:t> performances.</a:t>
             </a:r>
           </a:p>
@@ -9233,6 +11411,10 @@
             <a:r>
               <a:rPr lang="it-IT" dirty="0" err="1" smtClean="0"/>
               <a:t>observable</a:t>
+            </a:r>
+            <a:r>
+              <a:rPr lang="it-IT" dirty="0" smtClean="0"/>
+              <a:t>.</a:t>
             </a:r>
             <a:endParaRPr lang="it-IT" dirty="0"/>
           </a:p>
@@ -10110,21 +12292,11 @@
           <a:p>
             <a:r>
               <a:rPr lang="en-US" dirty="0" smtClean="0"/>
-              <a:t>In</a:t>
+              <a:t>…</a:t>
             </a:r>
             <a:r>
               <a:rPr lang="en-US" dirty="0"/>
               <a:t> </a:t>
-            </a:r>
-            <a:r>
-              <a:rPr lang="en-US" dirty="0">
-                <a:hlinkClick r:id="rId2" tooltip="Computing"/>
-              </a:rPr>
-              <a:t>computing</a:t>
-            </a:r>
-            <a:r>
-              <a:rPr lang="en-US" dirty="0"/>
-              <a:t>, </a:t>
             </a:r>
             <a:r>
               <a:rPr lang="en-US" b="1" dirty="0"/>
@@ -11385,8 +13557,12 @@
           <a:lstStyle/>
           <a:p>
             <a:r>
-              <a:rPr lang="it-IT" dirty="0" smtClean="0"/>
-              <a:t>R. P. - a </a:t>
+              <a:rPr lang="it-IT" dirty="0"/>
+              <a:t>A</a:t>
+            </a:r>
+            <a:r>
+              <a:rPr lang="it-IT" dirty="0" smtClean="0"/>
+              <a:t> </a:t>
             </a:r>
             <a:r>
               <a:rPr lang="it-IT" dirty="0" err="1" smtClean="0"/>
@@ -11426,13 +13602,11 @@
             <a:endParaRPr lang="it-IT" dirty="0" smtClean="0"/>
           </a:p>
           <a:p>
-            <a:endParaRPr lang="it-IT" dirty="0" smtClean="0"/>
-          </a:p>
-          <a:p>
+            <a:pPr algn="ctr"/>
             <a:endParaRPr lang="it-IT" dirty="0"/>
           </a:p>
           <a:p>
-            <a:pPr marL="0" indent="0">
+            <a:pPr marL="0" indent="0" algn="ctr">
               <a:buNone/>
             </a:pPr>
             <a:r>
@@ -11451,21 +13625,41 @@
               <a:rPr lang="it-IT" sz="4400" dirty="0" smtClean="0"/>
               <a:t> </a:t>
             </a:r>
+            <a:endParaRPr lang="it-IT" sz="4400" dirty="0" smtClean="0"/>
+          </a:p>
+          <a:p>
+            <a:pPr marL="0" indent="0" algn="ctr">
+              <a:buNone/>
+            </a:pPr>
             <a:r>
               <a:rPr lang="it-IT" sz="4400" dirty="0" err="1" smtClean="0"/>
               <a:t>programming</a:t>
             </a:r>
             <a:r>
               <a:rPr lang="it-IT" sz="4400" dirty="0" smtClean="0"/>
-              <a:t> with </a:t>
-            </a:r>
+              <a:t> </a:t>
+            </a:r>
+            <a:r>
+              <a:rPr lang="it-IT" sz="4400" dirty="0" smtClean="0"/>
+              <a:t>with </a:t>
+            </a:r>
+            <a:endParaRPr lang="it-IT" sz="4400" dirty="0" smtClean="0"/>
+          </a:p>
+          <a:p>
+            <a:pPr marL="0" indent="0" algn="ctr">
+              <a:buNone/>
+            </a:pPr>
             <a:r>
               <a:rPr lang="it-IT" sz="4400" dirty="0" err="1" smtClean="0"/>
               <a:t>Asynchronous</a:t>
             </a:r>
             <a:r>
               <a:rPr lang="it-IT" sz="4400" dirty="0" smtClean="0"/>
-              <a:t> (</a:t>
+              <a:t> </a:t>
+            </a:r>
+            <a:r>
+              <a:rPr lang="it-IT" sz="4400" dirty="0" smtClean="0"/>
+              <a:t>(</a:t>
             </a:r>
             <a:r>
               <a:rPr lang="it-IT" sz="4400" dirty="0" err="1" smtClean="0"/>
@@ -11500,7 +13694,204 @@
   <p:timing>
     <p:tnLst>
       <p:par>
-        <p:cTn id="1" dur="indefinite" restart="never" nodeType="tmRoot"/>
+        <p:cTn id="1" dur="indefinite" restart="never" nodeType="tmRoot">
+          <p:childTnLst>
+            <p:seq concurrent="1" nextAc="seek">
+              <p:cTn id="2" dur="indefinite" nodeType="mainSeq">
+                <p:childTnLst>
+                  <p:par>
+                    <p:cTn id="3" fill="hold">
+                      <p:stCondLst>
+                        <p:cond delay="indefinite"/>
+                      </p:stCondLst>
+                      <p:childTnLst>
+                        <p:par>
+                          <p:cTn id="4" fill="hold">
+                            <p:stCondLst>
+                              <p:cond delay="0"/>
+                            </p:stCondLst>
+                            <p:childTnLst>
+                              <p:par>
+                                <p:cTn id="5" presetID="10" presetClass="entr" presetSubtype="0" fill="hold" nodeType="clickEffect">
+                                  <p:stCondLst>
+                                    <p:cond delay="0"/>
+                                  </p:stCondLst>
+                                  <p:childTnLst>
+                                    <p:set>
+                                      <p:cBhvr>
+                                        <p:cTn id="6" dur="1" fill="hold">
+                                          <p:stCondLst>
+                                            <p:cond delay="0"/>
+                                          </p:stCondLst>
+                                        </p:cTn>
+                                        <p:tgtEl>
+                                          <p:spTgt spid="3">
+                                            <p:txEl>
+                                              <p:pRg st="2" end="2"/>
+                                            </p:txEl>
+                                          </p:spTgt>
+                                        </p:tgtEl>
+                                        <p:attrNameLst>
+                                          <p:attrName>style.visibility</p:attrName>
+                                        </p:attrNameLst>
+                                      </p:cBhvr>
+                                      <p:to>
+                                        <p:strVal val="visible"/>
+                                      </p:to>
+                                    </p:set>
+                                    <p:animEffect transition="in" filter="fade">
+                                      <p:cBhvr>
+                                        <p:cTn id="7" dur="500"/>
+                                        <p:tgtEl>
+                                          <p:spTgt spid="3">
+                                            <p:txEl>
+                                              <p:pRg st="2" end="2"/>
+                                            </p:txEl>
+                                          </p:spTgt>
+                                        </p:tgtEl>
+                                      </p:cBhvr>
+                                    </p:animEffect>
+                                  </p:childTnLst>
+                                </p:cTn>
+                              </p:par>
+                            </p:childTnLst>
+                          </p:cTn>
+                        </p:par>
+                        <p:par>
+                          <p:cTn id="8" fill="hold">
+                            <p:stCondLst>
+                              <p:cond delay="500"/>
+                            </p:stCondLst>
+                            <p:childTnLst>
+                              <p:par>
+                                <p:cTn id="9" presetID="10" presetClass="entr" presetSubtype="0" fill="hold" nodeType="afterEffect">
+                                  <p:stCondLst>
+                                    <p:cond delay="0"/>
+                                  </p:stCondLst>
+                                  <p:childTnLst>
+                                    <p:set>
+                                      <p:cBhvr>
+                                        <p:cTn id="10" dur="1" fill="hold">
+                                          <p:stCondLst>
+                                            <p:cond delay="0"/>
+                                          </p:stCondLst>
+                                        </p:cTn>
+                                        <p:tgtEl>
+                                          <p:spTgt spid="3">
+                                            <p:txEl>
+                                              <p:pRg st="3" end="3"/>
+                                            </p:txEl>
+                                          </p:spTgt>
+                                        </p:tgtEl>
+                                        <p:attrNameLst>
+                                          <p:attrName>style.visibility</p:attrName>
+                                        </p:attrNameLst>
+                                      </p:cBhvr>
+                                      <p:to>
+                                        <p:strVal val="visible"/>
+                                      </p:to>
+                                    </p:set>
+                                    <p:animEffect transition="in" filter="fade">
+                                      <p:cBhvr>
+                                        <p:cTn id="11" dur="500"/>
+                                        <p:tgtEl>
+                                          <p:spTgt spid="3">
+                                            <p:txEl>
+                                              <p:pRg st="3" end="3"/>
+                                            </p:txEl>
+                                          </p:spTgt>
+                                        </p:tgtEl>
+                                      </p:cBhvr>
+                                    </p:animEffect>
+                                  </p:childTnLst>
+                                </p:cTn>
+                              </p:par>
+                            </p:childTnLst>
+                          </p:cTn>
+                        </p:par>
+                      </p:childTnLst>
+                    </p:cTn>
+                  </p:par>
+                  <p:par>
+                    <p:cTn id="12" fill="hold">
+                      <p:stCondLst>
+                        <p:cond delay="indefinite"/>
+                      </p:stCondLst>
+                      <p:childTnLst>
+                        <p:par>
+                          <p:cTn id="13" fill="hold">
+                            <p:stCondLst>
+                              <p:cond delay="0"/>
+                            </p:stCondLst>
+                            <p:childTnLst>
+                              <p:par>
+                                <p:cTn id="14" presetID="10" presetClass="entr" presetSubtype="0" fill="hold" nodeType="clickEffect">
+                                  <p:stCondLst>
+                                    <p:cond delay="0"/>
+                                  </p:stCondLst>
+                                  <p:childTnLst>
+                                    <p:set>
+                                      <p:cBhvr>
+                                        <p:cTn id="15" dur="1" fill="hold">
+                                          <p:stCondLst>
+                                            <p:cond delay="0"/>
+                                          </p:stCondLst>
+                                        </p:cTn>
+                                        <p:tgtEl>
+                                          <p:spTgt spid="3">
+                                            <p:txEl>
+                                              <p:pRg st="4" end="4"/>
+                                            </p:txEl>
+                                          </p:spTgt>
+                                        </p:tgtEl>
+                                        <p:attrNameLst>
+                                          <p:attrName>style.visibility</p:attrName>
+                                        </p:attrNameLst>
+                                      </p:cBhvr>
+                                      <p:to>
+                                        <p:strVal val="visible"/>
+                                      </p:to>
+                                    </p:set>
+                                    <p:animEffect transition="in" filter="fade">
+                                      <p:cBhvr>
+                                        <p:cTn id="16" dur="500"/>
+                                        <p:tgtEl>
+                                          <p:spTgt spid="3">
+                                            <p:txEl>
+                                              <p:pRg st="4" end="4"/>
+                                            </p:txEl>
+                                          </p:spTgt>
+                                        </p:tgtEl>
+                                      </p:cBhvr>
+                                    </p:animEffect>
+                                  </p:childTnLst>
+                                </p:cTn>
+                              </p:par>
+                            </p:childTnLst>
+                          </p:cTn>
+                        </p:par>
+                      </p:childTnLst>
+                    </p:cTn>
+                  </p:par>
+                </p:childTnLst>
+              </p:cTn>
+              <p:prevCondLst>
+                <p:cond evt="onPrev" delay="0">
+                  <p:tgtEl>
+                    <p:sldTgt/>
+                  </p:tgtEl>
+                </p:cond>
+              </p:prevCondLst>
+              <p:nextCondLst>
+                <p:cond evt="onNext" delay="0">
+                  <p:tgtEl>
+                    <p:sldTgt/>
+                  </p:tgtEl>
+                </p:cond>
+              </p:nextCondLst>
+            </p:seq>
+          </p:childTnLst>
+        </p:cTn>
       </p:par>
     </p:tnLst>
   </p:timing>
@@ -11703,8 +14094,20 @@
               <a:t> </a:t>
             </a:r>
             <a:r>
-              <a:rPr lang="it-IT" dirty="0" err="1" smtClean="0"/>
-              <a:t>this</a:t>
+              <a:rPr lang="it-IT" dirty="0" smtClean="0"/>
+              <a:t>the </a:t>
+            </a:r>
+            <a:r>
+              <a:rPr lang="it-IT" dirty="0" err="1" smtClean="0"/>
+              <a:t>concept</a:t>
+            </a:r>
+            <a:r>
+              <a:rPr lang="it-IT" dirty="0" smtClean="0"/>
+              <a:t> of </a:t>
+            </a:r>
+            <a:r>
+              <a:rPr lang="it-IT" dirty="0" err="1" smtClean="0"/>
+              <a:t>messages</a:t>
             </a:r>
             <a:r>
               <a:rPr lang="it-IT" dirty="0" smtClean="0"/>
@@ -11712,19 +14115,23 @@
             </a:r>
             <a:r>
               <a:rPr lang="it-IT" dirty="0" err="1" smtClean="0"/>
-              <a:t>concept</a:t>
+              <a:t>coming</a:t>
+            </a:r>
+            <a:r>
+              <a:rPr lang="it-IT" dirty="0" smtClean="0"/>
+              <a:t> over time </a:t>
+            </a:r>
+            <a:r>
+              <a:rPr lang="it-IT" dirty="0" err="1" smtClean="0"/>
+              <a:t>we</a:t>
             </a:r>
             <a:r>
               <a:rPr lang="it-IT" dirty="0" smtClean="0"/>
               <a:t> </a:t>
             </a:r>
             <a:r>
-              <a:rPr lang="it-IT" dirty="0" err="1" smtClean="0"/>
-              <a:t>we</a:t>
-            </a:r>
-            <a:r>
-              <a:rPr lang="it-IT" dirty="0" smtClean="0"/>
-              <a:t> can </a:t>
+              <a:rPr lang="it-IT" dirty="0" smtClean="0"/>
+              <a:t>can </a:t>
             </a:r>
             <a:r>
               <a:rPr lang="it-IT" dirty="0" err="1" smtClean="0"/>
@@ -11768,19 +14175,27 @@
             </a:r>
           </a:p>
           <a:p>
-            <a:endParaRPr lang="it-IT" dirty="0"/>
+            <a:endParaRPr lang="it-IT" dirty="0" smtClean="0"/>
           </a:p>
           <a:p>
             <a:pPr marL="0" indent="0">
               <a:buNone/>
             </a:pPr>
             <a:r>
-              <a:rPr lang="it-IT" dirty="0" err="1"/>
-              <a:t>W</a:t>
-            </a:r>
-            <a:r>
-              <a:rPr lang="it-IT" dirty="0" err="1" smtClean="0"/>
-              <a:t>hich</a:t>
+              <a:rPr lang="it-IT" dirty="0" smtClean="0"/>
+              <a:t>The </a:t>
+            </a:r>
+            <a:r>
+              <a:rPr lang="it-IT" dirty="0" err="1" smtClean="0"/>
+              <a:t>reactive</a:t>
+            </a:r>
+            <a:r>
+              <a:rPr lang="it-IT" dirty="0" smtClean="0"/>
+              <a:t> manifesto </a:t>
+            </a:r>
+            <a:r>
+              <a:rPr lang="it-IT" dirty="0" err="1" smtClean="0"/>
+              <a:t>gives</a:t>
             </a:r>
             <a:r>
               <a:rPr lang="it-IT" dirty="0" smtClean="0"/>
@@ -11788,7 +14203,15 @@
             </a:r>
             <a:r>
               <a:rPr lang="it-IT" dirty="0" err="1" smtClean="0"/>
-              <a:t>expresses</a:t>
+              <a:t>us</a:t>
+            </a:r>
+            <a:r>
+              <a:rPr lang="it-IT" dirty="0" smtClean="0"/>
+              <a:t> a </a:t>
+            </a:r>
+            <a:r>
+              <a:rPr lang="it-IT" dirty="0" err="1" smtClean="0"/>
+              <a:t>clear</a:t>
             </a:r>
             <a:r>
               <a:rPr lang="it-IT" dirty="0" smtClean="0"/>
@@ -11796,15 +14219,23 @@
             </a:r>
             <a:r>
               <a:rPr lang="it-IT" dirty="0" err="1" smtClean="0"/>
-              <a:t>what</a:t>
-            </a:r>
-            <a:r>
-              <a:rPr lang="it-IT" dirty="0" smtClean="0"/>
-              <a:t> are the benefits of a </a:t>
-            </a:r>
-            <a:r>
-              <a:rPr lang="it-IT" dirty="0" err="1" smtClean="0"/>
-              <a:t>system</a:t>
+              <a:t>picture</a:t>
+            </a:r>
+            <a:r>
+              <a:rPr lang="it-IT" dirty="0" smtClean="0"/>
+              <a:t> of the </a:t>
+            </a:r>
+            <a:r>
+              <a:rPr lang="it-IT" dirty="0" err="1" smtClean="0"/>
+              <a:t>features</a:t>
+            </a:r>
+            <a:r>
+              <a:rPr lang="it-IT" dirty="0" smtClean="0"/>
+              <a:t> and the benefits </a:t>
+            </a:r>
+            <a:r>
+              <a:rPr lang="it-IT" dirty="0" err="1" smtClean="0"/>
+              <a:t>that</a:t>
             </a:r>
             <a:r>
               <a:rPr lang="it-IT" dirty="0" smtClean="0"/>
@@ -11812,7 +14243,7 @@
             </a:r>
             <a:r>
               <a:rPr lang="it-IT" dirty="0" err="1" smtClean="0"/>
-              <a:t>that</a:t>
+              <a:t>reactive</a:t>
             </a:r>
             <a:r>
               <a:rPr lang="it-IT" dirty="0" smtClean="0"/>
@@ -11820,7 +14251,7 @@
             </a:r>
             <a:r>
               <a:rPr lang="it-IT" dirty="0" err="1" smtClean="0"/>
-              <a:t>is</a:t>
+              <a:t>systems</a:t>
             </a:r>
             <a:r>
               <a:rPr lang="it-IT" dirty="0" smtClean="0"/>
@@ -11828,56 +14259,12 @@
             </a:r>
             <a:r>
               <a:rPr lang="it-IT" dirty="0" err="1" smtClean="0"/>
-              <a:t>build</a:t>
-            </a:r>
-            <a:r>
-              <a:rPr lang="it-IT" dirty="0" smtClean="0"/>
-              <a:t> </a:t>
-            </a:r>
-            <a:r>
-              <a:rPr lang="it-IT" dirty="0" err="1" smtClean="0"/>
-              <a:t>around</a:t>
-            </a:r>
-            <a:r>
-              <a:rPr lang="it-IT" dirty="0" smtClean="0"/>
-              <a:t> the </a:t>
-            </a:r>
-            <a:r>
-              <a:rPr lang="it-IT" dirty="0" err="1" smtClean="0"/>
-              <a:t>concept</a:t>
-            </a:r>
-            <a:r>
-              <a:rPr lang="it-IT" dirty="0" smtClean="0"/>
-              <a:t> of </a:t>
-            </a:r>
-            <a:r>
-              <a:rPr lang="it-IT" dirty="0" err="1" smtClean="0"/>
-              <a:t>asynchronous</a:t>
-            </a:r>
-            <a:r>
-              <a:rPr lang="it-IT" dirty="0" smtClean="0"/>
-              <a:t> data </a:t>
-            </a:r>
-            <a:r>
-              <a:rPr lang="it-IT" dirty="0" err="1" smtClean="0"/>
-              <a:t>streams</a:t>
+              <a:t>have</a:t>
             </a:r>
             <a:r>
               <a:rPr lang="it-IT" dirty="0" smtClean="0"/>
               <a:t>.</a:t>
             </a:r>
-          </a:p>
-          <a:p>
-            <a:pPr marL="0" indent="0">
-              <a:buNone/>
-            </a:pPr>
-            <a:endParaRPr lang="it-IT" dirty="0"/>
-          </a:p>
-          <a:p>
-            <a:pPr marL="0" indent="0">
-              <a:buNone/>
-            </a:pPr>
-            <a:endParaRPr lang="it-IT" dirty="0"/>
           </a:p>
         </p:txBody>
       </p:sp>
@@ -13475,7 +15862,7 @@
             </a:br>
             <a:r>
               <a:rPr lang="it-IT" dirty="0" err="1" smtClean="0"/>
-              <a:t>RxJs</a:t>
+              <a:t>RxJS</a:t>
             </a:r>
             <a:endParaRPr lang="it-IT" dirty="0"/>
           </a:p>
@@ -13797,7 +16184,7 @@
   <a:extraClrSchemeLst/>
   <a:extLst>
     <a:ext uri="{05A4C25C-085E-4340-85A3-A5531E510DB2}">
-      <thm15:themeFamily xmlns:thm15="http://schemas.microsoft.com/office/thememl/2012/main" xmlns="" name="Retrospect" id="{5F128B03-DCCA-4EEB-AB3B-CF2899314A46}" vid="{9CC26709-368C-4D72-9060-94E5B3FF3CD6}"/>
+      <thm15:themeFamily xmlns="" xmlns:thm15="http://schemas.microsoft.com/office/thememl/2012/main" name="Retrospect" id="{5F128B03-DCCA-4EEB-AB3B-CF2899314A46}" vid="{9CC26709-368C-4D72-9060-94E5B3FF3CD6}"/>
     </a:ext>
   </a:extLst>
 </a:theme>
@@ -14092,7 +16479,7 @@
   <a:extraClrSchemeLst/>
   <a:extLst>
     <a:ext uri="{05A4C25C-085E-4340-85A3-A5531E510DB2}">
-      <thm15:themeFamily xmlns:thm15="http://schemas.microsoft.com/office/thememl/2012/main" xmlns="" name="Office Theme" id="{62F939B6-93AF-4DB8-9C6B-D6C7DFDC589F}" vid="{4A3C46E8-61CC-4603-A589-7422A47A8E4A}"/>
+      <thm15:themeFamily xmlns="" xmlns:thm15="http://schemas.microsoft.com/office/thememl/2012/main" name="Office Theme" id="{62F939B6-93AF-4DB8-9C6B-D6C7DFDC589F}" vid="{4A3C46E8-61CC-4603-A589-7422A47A8E4A}"/>
     </a:ext>
   </a:extLst>
 </a:theme>

--- a/ReactiveProgramming_RxJS.pptx
+++ b/ReactiveProgramming_RxJS.pptx
@@ -141,7 +141,7 @@
   </p:defaultTextStyle>
   <p:extLst>
     <p:ext uri="{EFAFB233-063F-42B5-8137-9DF3F51BA10A}">
-      <p15:sldGuideLst xmlns="" xmlns:p15="http://schemas.microsoft.com/office/powerpoint/2012/main"/>
+      <p15:sldGuideLst xmlns:p15="http://schemas.microsoft.com/office/powerpoint/2012/main" xmlns=""/>
     </p:ext>
   </p:extLst>
 </p:presentation>
@@ -229,7 +229,7 @@
           <a:p>
             <a:fld id="{327B5F9E-84DB-4811-8F56-9C65E911095D}" type="datetimeFigureOut">
               <a:rPr lang="it-IT" smtClean="0"/>
-              <a:t>03/12/2018</a:t>
+              <a:t>04/12/2018</a:t>
             </a:fld>
             <a:endParaRPr lang="it-IT"/>
           </a:p>
@@ -394,7 +394,7 @@
           <a:p>
             <a:fld id="{60073984-6E99-4D80-ADB1-BFDA0D866557}" type="datetimeFigureOut">
               <a:rPr lang="en-US"/>
-              <a:t>12/3/2018</a:t>
+              <a:t>12/4/2018</a:t>
             </a:fld>
             <a:endParaRPr lang="en-US"/>
           </a:p>
@@ -3410,7 +3410,7 @@
           <a:p>
             <a:fld id="{F1FA7AC5-6045-4418-8E60-F48788734473}" type="datetimeFigureOut">
               <a:rPr lang="en-US" smtClean="0"/>
-              <a:t>12/3/2018</a:t>
+              <a:t>12/4/2018</a:t>
             </a:fld>
             <a:endParaRPr lang="en-US"/>
           </a:p>
@@ -3623,7 +3623,7 @@
           <a:p>
             <a:fld id="{F1FA7AC5-6045-4418-8E60-F48788734473}" type="datetimeFigureOut">
               <a:rPr lang="en-US" smtClean="0"/>
-              <a:t>12/3/2018</a:t>
+              <a:t>12/4/2018</a:t>
             </a:fld>
             <a:endParaRPr lang="en-US"/>
           </a:p>
@@ -3877,7 +3877,7 @@
           <a:p>
             <a:fld id="{F1FA7AC5-6045-4418-8E60-F48788734473}" type="datetimeFigureOut">
               <a:rPr lang="en-US" smtClean="0"/>
-              <a:t>12/3/2018</a:t>
+              <a:t>12/4/2018</a:t>
             </a:fld>
             <a:endParaRPr lang="en-US"/>
           </a:p>
@@ -4045,7 +4045,7 @@
           <a:p>
             <a:fld id="{F1FA7AC5-6045-4418-8E60-F48788734473}" type="datetimeFigureOut">
               <a:rPr lang="en-US" smtClean="0"/>
-              <a:t>12/3/2018</a:t>
+              <a:t>12/4/2018</a:t>
             </a:fld>
             <a:endParaRPr lang="en-US"/>
           </a:p>
@@ -4387,7 +4387,7 @@
           <a:p>
             <a:fld id="{F1FA7AC5-6045-4418-8E60-F48788734473}" type="datetimeFigureOut">
               <a:rPr lang="en-US" smtClean="0"/>
-              <a:t>12/3/2018</a:t>
+              <a:t>12/4/2018</a:t>
             </a:fld>
             <a:endParaRPr lang="en-US"/>
           </a:p>
@@ -4659,7 +4659,7 @@
           <a:p>
             <a:fld id="{F1FA7AC5-6045-4418-8E60-F48788734473}" type="datetimeFigureOut">
               <a:rPr lang="en-US" smtClean="0"/>
-              <a:t>12/3/2018</a:t>
+              <a:t>12/4/2018</a:t>
             </a:fld>
             <a:endParaRPr lang="en-US"/>
           </a:p>
@@ -5035,7 +5035,7 @@
           <a:p>
             <a:fld id="{F1FA7AC5-6045-4418-8E60-F48788734473}" type="datetimeFigureOut">
               <a:rPr lang="en-US" smtClean="0"/>
-              <a:t>12/3/2018</a:t>
+              <a:t>12/4/2018</a:t>
             </a:fld>
             <a:endParaRPr lang="en-US"/>
           </a:p>
@@ -5152,7 +5152,7 @@
           <a:p>
             <a:fld id="{F1FA7AC5-6045-4418-8E60-F48788734473}" type="datetimeFigureOut">
               <a:rPr lang="en-US" smtClean="0"/>
-              <a:t>12/3/2018</a:t>
+              <a:t>12/4/2018</a:t>
             </a:fld>
             <a:endParaRPr lang="en-US"/>
           </a:p>
@@ -5323,7 +5323,7 @@
           <a:p>
             <a:fld id="{F1FA7AC5-6045-4418-8E60-F48788734473}" type="datetimeFigureOut">
               <a:rPr lang="en-US" smtClean="0"/>
-              <a:t>12/3/2018</a:t>
+              <a:t>12/4/2018</a:t>
             </a:fld>
             <a:endParaRPr lang="en-US"/>
           </a:p>
@@ -5675,7 +5675,7 @@
           <a:p>
             <a:fld id="{F1FA7AC5-6045-4418-8E60-F48788734473}" type="datetimeFigureOut">
               <a:rPr lang="en-US" smtClean="0"/>
-              <a:t>12/3/2018</a:t>
+              <a:t>12/4/2018</a:t>
             </a:fld>
             <a:endParaRPr lang="en-US"/>
           </a:p>
@@ -6050,7 +6050,7 @@
           <a:p>
             <a:fld id="{F1FA7AC5-6045-4418-8E60-F48788734473}" type="datetimeFigureOut">
               <a:rPr lang="en-US" smtClean="0"/>
-              <a:t>12/3/2018</a:t>
+              <a:t>12/4/2018</a:t>
             </a:fld>
             <a:endParaRPr lang="en-US"/>
           </a:p>
@@ -6335,7 +6335,7 @@
           <a:p>
             <a:fld id="{F1FA7AC5-6045-4418-8E60-F48788734473}" type="datetimeFigureOut">
               <a:rPr lang="en-US" smtClean="0"/>
-              <a:t>12/3/2018</a:t>
+              <a:t>12/4/2018</a:t>
             </a:fld>
             <a:endParaRPr lang="en-US"/>
           </a:p>
@@ -8214,7 +8214,7 @@
         <p:spPr/>
         <p:txBody>
           <a:bodyPr>
-            <a:normAutofit fontScale="92500" lnSpcReduction="10000"/>
+            <a:normAutofit fontScale="92500"/>
           </a:bodyPr>
           <a:lstStyle/>
           <a:p>
@@ -8228,15 +8228,7 @@
             </a:r>
             <a:r>
               <a:rPr lang="it-IT" dirty="0" smtClean="0"/>
-              <a:t>, </a:t>
-            </a:r>
-            <a:r>
-              <a:rPr lang="it-IT" dirty="0" err="1" smtClean="0"/>
-              <a:t>subscribe</a:t>
-            </a:r>
-            <a:r>
-              <a:rPr lang="it-IT" dirty="0" smtClean="0"/>
-              <a:t> to TRIGGER IT AND </a:t>
+              <a:t> and SUBSCRIBE TO </a:t>
             </a:r>
             <a:r>
               <a:rPr lang="it-IT" dirty="0" err="1" smtClean="0"/>
@@ -8432,12 +8424,20 @@
               <a:t> </a:t>
             </a:r>
             <a:r>
+              <a:rPr lang="it-IT" dirty="0" smtClean="0"/>
+              <a:t>«</a:t>
+            </a:r>
+            <a:r>
               <a:rPr lang="it-IT" dirty="0" err="1" smtClean="0"/>
               <a:t>owns</a:t>
             </a:r>
             <a:r>
               <a:rPr lang="it-IT" dirty="0" smtClean="0"/>
-              <a:t> an </a:t>
+              <a:t>» </a:t>
+            </a:r>
+            <a:r>
+              <a:rPr lang="it-IT" dirty="0" smtClean="0"/>
+              <a:t>an </a:t>
             </a:r>
             <a:r>
               <a:rPr lang="it-IT" dirty="0" err="1" smtClean="0"/>
@@ -8852,7 +8852,7 @@
             </a:r>
             <a:r>
               <a:rPr lang="it-IT" dirty="0" err="1" smtClean="0"/>
-              <a:t>it</a:t>
+              <a:t>it!</a:t>
             </a:r>
             <a:endParaRPr lang="it-IT" dirty="0" smtClean="0"/>
           </a:p>
@@ -8867,7 +8867,7 @@
             </a:r>
             <a:r>
               <a:rPr lang="it-IT" dirty="0" err="1" smtClean="0"/>
-              <a:t>it</a:t>
+              <a:t>it!</a:t>
             </a:r>
             <a:endParaRPr lang="it-IT" dirty="0"/>
           </a:p>
@@ -9080,29 +9080,25 @@
             </a:r>
             <a:r>
               <a:rPr lang="it-IT" dirty="0" smtClean="0"/>
+              <a:t> Programming in </a:t>
+            </a:r>
+            <a:r>
+              <a:rPr lang="it-IT" dirty="0" err="1" smtClean="0"/>
+              <a:t>your</a:t>
+            </a:r>
+            <a:r>
+              <a:rPr lang="it-IT" dirty="0" smtClean="0"/>
+              <a:t> favorite </a:t>
+            </a:r>
+            <a:r>
+              <a:rPr lang="it-IT" dirty="0" err="1" smtClean="0"/>
+              <a:t>search</a:t>
+            </a:r>
+            <a:r>
+              <a:rPr lang="it-IT" dirty="0" smtClean="0"/>
               <a:t> </a:t>
             </a:r>
             <a:r>
-              <a:rPr lang="it-IT" dirty="0" smtClean="0"/>
-              <a:t>Programming in </a:t>
-            </a:r>
-            <a:r>
-              <a:rPr lang="it-IT" dirty="0" err="1" smtClean="0"/>
-              <a:t>your</a:t>
-            </a:r>
-            <a:r>
-              <a:rPr lang="it-IT" dirty="0" smtClean="0"/>
-              <a:t> favorite </a:t>
-            </a:r>
-            <a:r>
-              <a:rPr lang="it-IT" dirty="0" err="1" smtClean="0"/>
-              <a:t>search</a:t>
-            </a:r>
-            <a:r>
-              <a:rPr lang="it-IT" dirty="0" smtClean="0"/>
-              <a:t> </a:t>
-            </a:r>
-            <a:r>
               <a:rPr lang="it-IT" dirty="0" err="1" smtClean="0"/>
               <a:t>engine</a:t>
             </a:r>
@@ -9110,7 +9106,6 @@
               <a:rPr lang="it-IT" dirty="0" smtClean="0"/>
               <a:t>:</a:t>
             </a:r>
-            <a:endParaRPr lang="it-IT" dirty="0" smtClean="0"/>
           </a:p>
           <a:p>
             <a:endParaRPr lang="it-IT" dirty="0" smtClean="0"/>
@@ -9529,10 +9524,6 @@
           </a:p>
           <a:p>
             <a:r>
-              <a:rPr lang="it-IT" sz="2800" dirty="0" smtClean="0"/>
-              <a:t>The </a:t>
-            </a:r>
-            <a:r>
               <a:rPr lang="it-IT" sz="2800" dirty="0" err="1" smtClean="0"/>
               <a:t>Observables</a:t>
             </a:r>
@@ -10439,7 +10430,41 @@
               <a:t>problem</a:t>
             </a:r>
             <a:r>
+              <a:rPr lang="it-IT" dirty="0" smtClean="0"/>
+              <a:t> (</a:t>
+            </a:r>
+            <a:r>
+              <a:rPr lang="it-IT" dirty="0" err="1" smtClean="0"/>
+              <a:t>also</a:t>
+            </a:r>
+            <a:r>
+              <a:rPr lang="it-IT" dirty="0" smtClean="0"/>
+              <a:t> </a:t>
+            </a:r>
+            <a:r>
+              <a:rPr lang="it-IT" dirty="0" err="1" smtClean="0"/>
+              <a:t>promises</a:t>
+            </a:r>
+            <a:r>
+              <a:rPr lang="it-IT" dirty="0" smtClean="0"/>
+              <a:t> are </a:t>
+            </a:r>
+            <a:r>
+              <a:rPr lang="it-IT" dirty="0" err="1" smtClean="0"/>
+              <a:t>awaitable</a:t>
+            </a:r>
+            <a:r>
               <a:rPr lang="it-IT" dirty="0"/>
+              <a:t> </a:t>
+            </a:r>
+            <a:r>
+              <a:rPr lang="it-IT" dirty="0" smtClean="0">
+                <a:sym typeface="Wingdings" panose="05000000000000000000" pitchFamily="2" charset="2"/>
+              </a:rPr>
+              <a:t> )</a:t>
+            </a:r>
+            <a:r>
+              <a:rPr lang="it-IT" dirty="0" smtClean="0"/>
               <a:t>.</a:t>
             </a:r>
             <a:endParaRPr lang="it-IT" dirty="0" smtClean="0"/>
@@ -10590,14 +10615,6 @@
             </a:r>
             <a:r>
               <a:rPr lang="it-IT" dirty="0" err="1" smtClean="0"/>
-              <a:t>try</a:t>
-            </a:r>
-            <a:r>
-              <a:rPr lang="it-IT" dirty="0" smtClean="0"/>
-              <a:t> with </a:t>
-            </a:r>
-            <a:r>
-              <a:rPr lang="it-IT" dirty="0" err="1" smtClean="0"/>
               <a:t>publish</a:t>
             </a:r>
             <a:r>
@@ -10858,8 +10875,8 @@
               <a:t>How to do </a:t>
             </a:r>
             <a:r>
-              <a:rPr lang="it-IT" dirty="0" err="1"/>
-              <a:t>it</a:t>
+              <a:rPr lang="it-IT" dirty="0" err="1" smtClean="0"/>
+              <a:t>it!</a:t>
             </a:r>
             <a:endParaRPr lang="it-IT" dirty="0"/>
           </a:p>
@@ -10874,14 +10891,22 @@
             </a:r>
             <a:r>
               <a:rPr lang="it-IT" dirty="0" err="1" smtClean="0"/>
-              <a:t>it</a:t>
+              <a:t>it!</a:t>
             </a:r>
             <a:endParaRPr lang="it-IT" dirty="0" smtClean="0"/>
           </a:p>
           <a:p>
             <a:r>
               <a:rPr lang="it-IT" dirty="0" smtClean="0"/>
-              <a:t>Brest </a:t>
+              <a:t>(</a:t>
+            </a:r>
+            <a:r>
+              <a:rPr lang="it-IT" dirty="0" err="1" smtClean="0"/>
+              <a:t>Angular</a:t>
+            </a:r>
+            <a:r>
+              <a:rPr lang="it-IT" dirty="0" smtClean="0"/>
+              <a:t>) Best </a:t>
             </a:r>
             <a:r>
               <a:rPr lang="it-IT" dirty="0" err="1" smtClean="0"/>
@@ -10893,7 +10918,7 @@
             </a:r>
             <a:r>
               <a:rPr lang="it-IT" dirty="0" err="1" smtClean="0"/>
-              <a:t>it</a:t>
+              <a:t>it!</a:t>
             </a:r>
             <a:endParaRPr lang="it-IT" dirty="0"/>
           </a:p>
@@ -10983,6 +11008,10 @@
             <a:endParaRPr lang="it-IT" dirty="0" smtClean="0"/>
           </a:p>
           <a:p>
+            <a:pPr>
+              <a:buFont typeface="Arial" panose="020B0604020202020204" pitchFamily="34" charset="0"/>
+              <a:buChar char="•"/>
+            </a:pPr>
             <a:r>
               <a:rPr lang="it-IT" dirty="0" smtClean="0"/>
               <a:t>The wide </a:t>
@@ -11061,9 +11090,17 @@
             </a:r>
           </a:p>
           <a:p>
+            <a:pPr>
+              <a:buFont typeface="Arial" panose="020B0604020202020204" pitchFamily="34" charset="0"/>
+              <a:buChar char="•"/>
+            </a:pPr>
             <a:endParaRPr lang="it-IT" dirty="0"/>
           </a:p>
           <a:p>
+            <a:pPr>
+              <a:buFont typeface="Arial" panose="020B0604020202020204" pitchFamily="34" charset="0"/>
+              <a:buChar char="•"/>
+            </a:pPr>
             <a:r>
               <a:rPr lang="it-IT" dirty="0" err="1" smtClean="0"/>
               <a:t>Provide</a:t>
@@ -11138,9 +11175,17 @@
             </a:r>
           </a:p>
           <a:p>
+            <a:pPr>
+              <a:buFont typeface="Arial" panose="020B0604020202020204" pitchFamily="34" charset="0"/>
+              <a:buChar char="•"/>
+            </a:pPr>
             <a:endParaRPr lang="it-IT" dirty="0"/>
           </a:p>
           <a:p>
+            <a:pPr>
+              <a:buFont typeface="Arial" panose="020B0604020202020204" pitchFamily="34" charset="0"/>
+              <a:buChar char="•"/>
+            </a:pPr>
             <a:r>
               <a:rPr lang="it-IT" dirty="0" smtClean="0"/>
               <a:t>With some state management </a:t>
@@ -11227,6 +11272,10 @@
             </a:r>
           </a:p>
           <a:p>
+            <a:pPr>
+              <a:buFont typeface="Arial" panose="020B0604020202020204" pitchFamily="34" charset="0"/>
+              <a:buChar char="•"/>
+            </a:pPr>
             <a:r>
               <a:rPr lang="it-IT" sz="1700" dirty="0" smtClean="0"/>
               <a:t>Under some </a:t>
@@ -11309,9 +11358,17 @@
             </a:r>
           </a:p>
           <a:p>
+            <a:pPr>
+              <a:buFont typeface="Arial" panose="020B0604020202020204" pitchFamily="34" charset="0"/>
+              <a:buChar char="•"/>
+            </a:pPr>
             <a:endParaRPr lang="it-IT" dirty="0"/>
           </a:p>
           <a:p>
+            <a:pPr>
+              <a:buFont typeface="Arial" panose="020B0604020202020204" pitchFamily="34" charset="0"/>
+              <a:buChar char="•"/>
+            </a:pPr>
             <a:r>
               <a:rPr lang="it-IT" dirty="0" err="1" smtClean="0"/>
               <a:t>Keep</a:t>
@@ -11366,7 +11423,11 @@
             </a:r>
             <a:r>
               <a:rPr lang="it-IT" dirty="0" smtClean="0"/>
-              <a:t> performances </a:t>
+              <a:t> </a:t>
+            </a:r>
+            <a:r>
+              <a:rPr lang="it-IT" dirty="0" smtClean="0"/>
+              <a:t>performance </a:t>
             </a:r>
             <a:r>
               <a:rPr lang="it-IT" dirty="0" err="1" smtClean="0"/>
@@ -11816,13 +11877,20 @@
           </a:bodyPr>
           <a:lstStyle/>
           <a:p>
+            <a:endParaRPr lang="it-IT" dirty="0" smtClean="0"/>
+          </a:p>
+          <a:p>
             <a:r>
               <a:rPr lang="it-IT" dirty="0" err="1" smtClean="0"/>
               <a:t>Reactive</a:t>
             </a:r>
             <a:r>
               <a:rPr lang="it-IT" dirty="0" smtClean="0"/>
-              <a:t> Manifesto</a:t>
+              <a:t> </a:t>
+            </a:r>
+            <a:r>
+              <a:rPr lang="it-IT" dirty="0" smtClean="0"/>
+              <a:t>Manifesto</a:t>
             </a:r>
             <a:r>
               <a:rPr lang="it-IT" dirty="0"/>
@@ -12033,32 +12101,6 @@
               <a:t>/</a:t>
             </a:r>
             <a:endParaRPr lang="it-IT" dirty="0" smtClean="0"/>
-          </a:p>
-          <a:p>
-            <a:r>
-              <a:rPr lang="it-IT" dirty="0" smtClean="0"/>
-              <a:t>Visual </a:t>
-            </a:r>
-            <a:r>
-              <a:rPr lang="it-IT" dirty="0"/>
-              <a:t>Studio Code: </a:t>
-            </a:r>
-            <a:r>
-              <a:rPr lang="it-IT" dirty="0">
-                <a:hlinkClick r:id="rId10"/>
-              </a:rPr>
-              <a:t>http://</a:t>
-            </a:r>
-            <a:r>
-              <a:rPr lang="it-IT" dirty="0" smtClean="0">
-                <a:hlinkClick r:id="rId10"/>
-              </a:rPr>
-              <a:t>code.visualstudio.com/docs</a:t>
-            </a:r>
-            <a:endParaRPr lang="it-IT" dirty="0" smtClean="0"/>
-          </a:p>
-          <a:p>
-            <a:endParaRPr lang="it-IT" dirty="0"/>
           </a:p>
         </p:txBody>
       </p:sp>
@@ -13150,11 +13192,15 @@
             </a:r>
             <a:r>
               <a:rPr lang="en-US" dirty="0"/>
-              <a:t>that represent a value 'over time</a:t>
+              <a:t>that represent a </a:t>
             </a:r>
             <a:r>
               <a:rPr lang="en-US" dirty="0" smtClean="0"/>
-              <a:t>‘ ”. </a:t>
+              <a:t>‘value over time’ </a:t>
+            </a:r>
+            <a:r>
+              <a:rPr lang="en-US" dirty="0" smtClean="0"/>
+              <a:t>”. </a:t>
             </a:r>
           </a:p>
           <a:p>
@@ -13576,10 +13622,6 @@
               <a:rPr lang="it-IT" dirty="0" err="1" smtClean="0"/>
               <a:t>definition</a:t>
             </a:r>
-            <a:r>
-              <a:rPr lang="it-IT" dirty="0" smtClean="0"/>
-              <a:t>.</a:t>
-            </a:r>
             <a:endParaRPr lang="it-IT" dirty="0"/>
           </a:p>
         </p:txBody>
@@ -13625,7 +13667,6 @@
               <a:rPr lang="it-IT" sz="4400" dirty="0" smtClean="0"/>
               <a:t> </a:t>
             </a:r>
-            <a:endParaRPr lang="it-IT" sz="4400" dirty="0" smtClean="0"/>
           </a:p>
           <a:p>
             <a:pPr marL="0" indent="0" algn="ctr">
@@ -13637,13 +13678,8 @@
             </a:r>
             <a:r>
               <a:rPr lang="it-IT" sz="4400" dirty="0" smtClean="0"/>
-              <a:t> </a:t>
-            </a:r>
-            <a:r>
-              <a:rPr lang="it-IT" sz="4400" dirty="0" smtClean="0"/>
-              <a:t>with </a:t>
-            </a:r>
-            <a:endParaRPr lang="it-IT" sz="4400" dirty="0" smtClean="0"/>
+              <a:t> with </a:t>
+            </a:r>
           </a:p>
           <a:p>
             <a:pPr marL="0" indent="0" algn="ctr">
@@ -13655,11 +13691,7 @@
             </a:r>
             <a:r>
               <a:rPr lang="it-IT" sz="4400" dirty="0" smtClean="0"/>
-              <a:t> </a:t>
-            </a:r>
-            <a:r>
-              <a:rPr lang="it-IT" sz="4400" dirty="0" smtClean="0"/>
-              <a:t>(</a:t>
+              <a:t> (</a:t>
             </a:r>
             <a:r>
               <a:rPr lang="it-IT" sz="4400" dirty="0" err="1" smtClean="0"/>
@@ -14091,29 +14123,25 @@
             </a:r>
             <a:r>
               <a:rPr lang="it-IT" dirty="0" smtClean="0"/>
+              <a:t> the </a:t>
+            </a:r>
+            <a:r>
+              <a:rPr lang="it-IT" dirty="0" err="1" smtClean="0"/>
+              <a:t>concept</a:t>
+            </a:r>
+            <a:r>
+              <a:rPr lang="it-IT" dirty="0" smtClean="0"/>
+              <a:t> of </a:t>
+            </a:r>
+            <a:r>
+              <a:rPr lang="it-IT" dirty="0" err="1" smtClean="0"/>
+              <a:t>messages</a:t>
+            </a:r>
+            <a:r>
+              <a:rPr lang="it-IT" dirty="0" smtClean="0"/>
               <a:t> </a:t>
             </a:r>
             <a:r>
-              <a:rPr lang="it-IT" dirty="0" smtClean="0"/>
-              <a:t>the </a:t>
-            </a:r>
-            <a:r>
-              <a:rPr lang="it-IT" dirty="0" err="1" smtClean="0"/>
-              <a:t>concept</a:t>
-            </a:r>
-            <a:r>
-              <a:rPr lang="it-IT" dirty="0" smtClean="0"/>
-              <a:t> of </a:t>
-            </a:r>
-            <a:r>
-              <a:rPr lang="it-IT" dirty="0" err="1" smtClean="0"/>
-              <a:t>messages</a:t>
-            </a:r>
-            <a:r>
-              <a:rPr lang="it-IT" dirty="0" smtClean="0"/>
-              <a:t> </a:t>
-            </a:r>
-            <a:r>
               <a:rPr lang="it-IT" dirty="0" err="1" smtClean="0"/>
               <a:t>coming</a:t>
             </a:r>
@@ -14127,11 +14155,7 @@
             </a:r>
             <a:r>
               <a:rPr lang="it-IT" dirty="0" smtClean="0"/>
-              <a:t> </a:t>
-            </a:r>
-            <a:r>
-              <a:rPr lang="it-IT" dirty="0" smtClean="0"/>
-              <a:t>can </a:t>
+              <a:t> can </a:t>
             </a:r>
             <a:r>
               <a:rPr lang="it-IT" dirty="0" err="1" smtClean="0"/>
@@ -16184,7 +16208,7 @@
   <a:extraClrSchemeLst/>
   <a:extLst>
     <a:ext uri="{05A4C25C-085E-4340-85A3-A5531E510DB2}">
-      <thm15:themeFamily xmlns="" xmlns:thm15="http://schemas.microsoft.com/office/thememl/2012/main" name="Retrospect" id="{5F128B03-DCCA-4EEB-AB3B-CF2899314A46}" vid="{9CC26709-368C-4D72-9060-94E5B3FF3CD6}"/>
+      <thm15:themeFamily xmlns:thm15="http://schemas.microsoft.com/office/thememl/2012/main" xmlns="" name="Retrospect" id="{5F128B03-DCCA-4EEB-AB3B-CF2899314A46}" vid="{9CC26709-368C-4D72-9060-94E5B3FF3CD6}"/>
     </a:ext>
   </a:extLst>
 </a:theme>
@@ -16479,7 +16503,7 @@
   <a:extraClrSchemeLst/>
   <a:extLst>
     <a:ext uri="{05A4C25C-085E-4340-85A3-A5531E510DB2}">
-      <thm15:themeFamily xmlns="" xmlns:thm15="http://schemas.microsoft.com/office/thememl/2012/main" name="Office Theme" id="{62F939B6-93AF-4DB8-9C6B-D6C7DFDC589F}" vid="{4A3C46E8-61CC-4603-A589-7422A47A8E4A}"/>
+      <thm15:themeFamily xmlns:thm15="http://schemas.microsoft.com/office/thememl/2012/main" xmlns="" name="Office Theme" id="{62F939B6-93AF-4DB8-9C6B-D6C7DFDC589F}" vid="{4A3C46E8-61CC-4603-A589-7422A47A8E4A}"/>
     </a:ext>
   </a:extLst>
 </a:theme>

--- a/ReactiveProgramming_RxJS.pptx
+++ b/ReactiveProgramming_RxJS.pptx
@@ -141,7 +141,7 @@
   </p:defaultTextStyle>
   <p:extLst>
     <p:ext uri="{EFAFB233-063F-42B5-8137-9DF3F51BA10A}">
-      <p15:sldGuideLst xmlns:p15="http://schemas.microsoft.com/office/powerpoint/2012/main" xmlns=""/>
+      <p15:sldGuideLst xmlns="" xmlns:p15="http://schemas.microsoft.com/office/powerpoint/2012/main"/>
     </p:ext>
   </p:extLst>
 </p:presentation>
@@ -229,7 +229,7 @@
           <a:p>
             <a:fld id="{327B5F9E-84DB-4811-8F56-9C65E911095D}" type="datetimeFigureOut">
               <a:rPr lang="it-IT" smtClean="0"/>
-              <a:t>04/12/2018</a:t>
+              <a:t>05/12/2018</a:t>
             </a:fld>
             <a:endParaRPr lang="it-IT"/>
           </a:p>
@@ -394,7 +394,7 @@
           <a:p>
             <a:fld id="{60073984-6E99-4D80-ADB1-BFDA0D866557}" type="datetimeFigureOut">
               <a:rPr lang="en-US"/>
-              <a:t>12/4/2018</a:t>
+              <a:t>12/5/2018</a:t>
             </a:fld>
             <a:endParaRPr lang="en-US"/>
           </a:p>
@@ -3410,7 +3410,7 @@
           <a:p>
             <a:fld id="{F1FA7AC5-6045-4418-8E60-F48788734473}" type="datetimeFigureOut">
               <a:rPr lang="en-US" smtClean="0"/>
-              <a:t>12/4/2018</a:t>
+              <a:t>12/5/2018</a:t>
             </a:fld>
             <a:endParaRPr lang="en-US"/>
           </a:p>
@@ -3623,7 +3623,7 @@
           <a:p>
             <a:fld id="{F1FA7AC5-6045-4418-8E60-F48788734473}" type="datetimeFigureOut">
               <a:rPr lang="en-US" smtClean="0"/>
-              <a:t>12/4/2018</a:t>
+              <a:t>12/5/2018</a:t>
             </a:fld>
             <a:endParaRPr lang="en-US"/>
           </a:p>
@@ -3877,7 +3877,7 @@
           <a:p>
             <a:fld id="{F1FA7AC5-6045-4418-8E60-F48788734473}" type="datetimeFigureOut">
               <a:rPr lang="en-US" smtClean="0"/>
-              <a:t>12/4/2018</a:t>
+              <a:t>12/5/2018</a:t>
             </a:fld>
             <a:endParaRPr lang="en-US"/>
           </a:p>
@@ -4045,7 +4045,7 @@
           <a:p>
             <a:fld id="{F1FA7AC5-6045-4418-8E60-F48788734473}" type="datetimeFigureOut">
               <a:rPr lang="en-US" smtClean="0"/>
-              <a:t>12/4/2018</a:t>
+              <a:t>12/5/2018</a:t>
             </a:fld>
             <a:endParaRPr lang="en-US"/>
           </a:p>
@@ -4387,7 +4387,7 @@
           <a:p>
             <a:fld id="{F1FA7AC5-6045-4418-8E60-F48788734473}" type="datetimeFigureOut">
               <a:rPr lang="en-US" smtClean="0"/>
-              <a:t>12/4/2018</a:t>
+              <a:t>12/5/2018</a:t>
             </a:fld>
             <a:endParaRPr lang="en-US"/>
           </a:p>
@@ -4659,7 +4659,7 @@
           <a:p>
             <a:fld id="{F1FA7AC5-6045-4418-8E60-F48788734473}" type="datetimeFigureOut">
               <a:rPr lang="en-US" smtClean="0"/>
-              <a:t>12/4/2018</a:t>
+              <a:t>12/5/2018</a:t>
             </a:fld>
             <a:endParaRPr lang="en-US"/>
           </a:p>
@@ -5035,7 +5035,7 @@
           <a:p>
             <a:fld id="{F1FA7AC5-6045-4418-8E60-F48788734473}" type="datetimeFigureOut">
               <a:rPr lang="en-US" smtClean="0"/>
-              <a:t>12/4/2018</a:t>
+              <a:t>12/5/2018</a:t>
             </a:fld>
             <a:endParaRPr lang="en-US"/>
           </a:p>
@@ -5152,7 +5152,7 @@
           <a:p>
             <a:fld id="{F1FA7AC5-6045-4418-8E60-F48788734473}" type="datetimeFigureOut">
               <a:rPr lang="en-US" smtClean="0"/>
-              <a:t>12/4/2018</a:t>
+              <a:t>12/5/2018</a:t>
             </a:fld>
             <a:endParaRPr lang="en-US"/>
           </a:p>
@@ -5323,7 +5323,7 @@
           <a:p>
             <a:fld id="{F1FA7AC5-6045-4418-8E60-F48788734473}" type="datetimeFigureOut">
               <a:rPr lang="en-US" smtClean="0"/>
-              <a:t>12/4/2018</a:t>
+              <a:t>12/5/2018</a:t>
             </a:fld>
             <a:endParaRPr lang="en-US"/>
           </a:p>
@@ -5675,7 +5675,7 @@
           <a:p>
             <a:fld id="{F1FA7AC5-6045-4418-8E60-F48788734473}" type="datetimeFigureOut">
               <a:rPr lang="en-US" smtClean="0"/>
-              <a:t>12/4/2018</a:t>
+              <a:t>12/5/2018</a:t>
             </a:fld>
             <a:endParaRPr lang="en-US"/>
           </a:p>
@@ -6050,7 +6050,7 @@
           <a:p>
             <a:fld id="{F1FA7AC5-6045-4418-8E60-F48788734473}" type="datetimeFigureOut">
               <a:rPr lang="en-US" smtClean="0"/>
-              <a:t>12/4/2018</a:t>
+              <a:t>12/5/2018</a:t>
             </a:fld>
             <a:endParaRPr lang="en-US"/>
           </a:p>
@@ -6335,7 +6335,7 @@
           <a:p>
             <a:fld id="{F1FA7AC5-6045-4418-8E60-F48788734473}" type="datetimeFigureOut">
               <a:rPr lang="en-US" smtClean="0"/>
-              <a:t>12/4/2018</a:t>
+              <a:t>12/5/2018</a:t>
             </a:fld>
             <a:endParaRPr lang="en-US"/>
           </a:p>
@@ -7775,15 +7775,31 @@
             </a:r>
             <a:r>
               <a:rPr lang="en-US" sz="2400" dirty="0"/>
-              <a:t>: are centralized dispatchers to control concurrency, allowing us to coordinate when computation happens on e.g. </a:t>
-            </a:r>
-            <a:r>
-              <a:rPr lang="en-US" sz="2400" dirty="0" err="1"/>
+              <a:t>: are centralized dispatchers to control concurrency, allowing us to coordinate when computation </a:t>
+            </a:r>
+            <a:r>
+              <a:rPr lang="en-US" sz="2400" dirty="0" smtClean="0"/>
+              <a:t>happens; e.g.: </a:t>
+            </a:r>
+            <a:r>
+              <a:rPr lang="en-US" sz="2400" dirty="0" err="1" smtClean="0"/>
               <a:t>setTimeout</a:t>
             </a:r>
             <a:r>
+              <a:rPr lang="en-US" sz="2400" smtClean="0"/>
+              <a:t>()</a:t>
+            </a:r>
+            <a:r>
+              <a:rPr lang="en-US" sz="2400" smtClean="0"/>
+              <a:t>, </a:t>
+            </a:r>
+            <a:r>
+              <a:rPr lang="en-US" sz="2400" smtClean="0"/>
+              <a:t>interval(), </a:t>
+            </a:r>
+            <a:r>
               <a:rPr lang="en-US" sz="2400" dirty="0"/>
-              <a:t> or interval, etc</a:t>
+              <a:t>etc</a:t>
             </a:r>
             <a:r>
               <a:rPr lang="en-US" sz="2400" dirty="0" smtClean="0"/>
@@ -8421,11 +8437,7 @@
             </a:r>
             <a:r>
               <a:rPr lang="it-IT" dirty="0" smtClean="0"/>
-              <a:t> </a:t>
-            </a:r>
-            <a:r>
-              <a:rPr lang="it-IT" dirty="0" smtClean="0"/>
-              <a:t>«</a:t>
+              <a:t> «</a:t>
             </a:r>
             <a:r>
               <a:rPr lang="it-IT" dirty="0" err="1" smtClean="0"/>
@@ -8433,11 +8445,7 @@
             </a:r>
             <a:r>
               <a:rPr lang="it-IT" dirty="0" smtClean="0"/>
-              <a:t>» </a:t>
-            </a:r>
-            <a:r>
-              <a:rPr lang="it-IT" dirty="0" smtClean="0"/>
-              <a:t>an </a:t>
+              <a:t>» an </a:t>
             </a:r>
             <a:r>
               <a:rPr lang="it-IT" dirty="0" err="1" smtClean="0"/>
@@ -10467,7 +10475,6 @@
               <a:rPr lang="it-IT" dirty="0" smtClean="0"/>
               <a:t>.</a:t>
             </a:r>
-            <a:endParaRPr lang="it-IT" dirty="0" smtClean="0"/>
           </a:p>
           <a:p>
             <a:r>
@@ -11423,11 +11430,7 @@
             </a:r>
             <a:r>
               <a:rPr lang="it-IT" dirty="0" smtClean="0"/>
-              <a:t> </a:t>
-            </a:r>
-            <a:r>
-              <a:rPr lang="it-IT" dirty="0" smtClean="0"/>
-              <a:t>performance </a:t>
+              <a:t> performance </a:t>
             </a:r>
             <a:r>
               <a:rPr lang="it-IT" dirty="0" err="1" smtClean="0"/>
@@ -11886,11 +11889,7 @@
             </a:r>
             <a:r>
               <a:rPr lang="it-IT" dirty="0" smtClean="0"/>
-              <a:t> </a:t>
-            </a:r>
-            <a:r>
-              <a:rPr lang="it-IT" dirty="0" smtClean="0"/>
-              <a:t>Manifesto</a:t>
+              <a:t> Manifesto</a:t>
             </a:r>
             <a:r>
               <a:rPr lang="it-IT" dirty="0"/>
@@ -13196,11 +13195,7 @@
             </a:r>
             <a:r>
               <a:rPr lang="en-US" dirty="0" smtClean="0"/>
-              <a:t>‘value over time’ </a:t>
-            </a:r>
-            <a:r>
-              <a:rPr lang="en-US" dirty="0" smtClean="0"/>
-              <a:t>”. </a:t>
+              <a:t>‘value over time’ ”. </a:t>
             </a:r>
           </a:p>
           <a:p>
@@ -16208,7 +16203,7 @@
   <a:extraClrSchemeLst/>
   <a:extLst>
     <a:ext uri="{05A4C25C-085E-4340-85A3-A5531E510DB2}">
-      <thm15:themeFamily xmlns:thm15="http://schemas.microsoft.com/office/thememl/2012/main" xmlns="" name="Retrospect" id="{5F128B03-DCCA-4EEB-AB3B-CF2899314A46}" vid="{9CC26709-368C-4D72-9060-94E5B3FF3CD6}"/>
+      <thm15:themeFamily xmlns="" xmlns:thm15="http://schemas.microsoft.com/office/thememl/2012/main" name="Retrospect" id="{5F128B03-DCCA-4EEB-AB3B-CF2899314A46}" vid="{9CC26709-368C-4D72-9060-94E5B3FF3CD6}"/>
     </a:ext>
   </a:extLst>
 </a:theme>
@@ -16503,7 +16498,7 @@
   <a:extraClrSchemeLst/>
   <a:extLst>
     <a:ext uri="{05A4C25C-085E-4340-85A3-A5531E510DB2}">
-      <thm15:themeFamily xmlns:thm15="http://schemas.microsoft.com/office/thememl/2012/main" xmlns="" name="Office Theme" id="{62F939B6-93AF-4DB8-9C6B-D6C7DFDC589F}" vid="{4A3C46E8-61CC-4603-A589-7422A47A8E4A}"/>
+      <thm15:themeFamily xmlns="" xmlns:thm15="http://schemas.microsoft.com/office/thememl/2012/main" name="Office Theme" id="{62F939B6-93AF-4DB8-9C6B-D6C7DFDC589F}" vid="{4A3C46E8-61CC-4603-A589-7422A47A8E4A}"/>
     </a:ext>
   </a:extLst>
 </a:theme>

--- a/ReactiveProgramming_RxJS.pptx
+++ b/ReactiveProgramming_RxJS.pptx
@@ -141,7 +141,7 @@
   </p:defaultTextStyle>
   <p:extLst>
     <p:ext uri="{EFAFB233-063F-42B5-8137-9DF3F51BA10A}">
-      <p15:sldGuideLst xmlns="" xmlns:p15="http://schemas.microsoft.com/office/powerpoint/2012/main"/>
+      <p15:sldGuideLst xmlns:p15="http://schemas.microsoft.com/office/powerpoint/2012/main" xmlns=""/>
     </p:ext>
   </p:extLst>
 </p:presentation>
@@ -229,7 +229,7 @@
           <a:p>
             <a:fld id="{327B5F9E-84DB-4811-8F56-9C65E911095D}" type="datetimeFigureOut">
               <a:rPr lang="it-IT" smtClean="0"/>
-              <a:t>05/12/2018</a:t>
+              <a:t>25/05/2020</a:t>
             </a:fld>
             <a:endParaRPr lang="it-IT"/>
           </a:p>
@@ -394,7 +394,7 @@
           <a:p>
             <a:fld id="{60073984-6E99-4D80-ADB1-BFDA0D866557}" type="datetimeFigureOut">
               <a:rPr lang="en-US"/>
-              <a:t>12/5/2018</a:t>
+              <a:t>5/25/2020</a:t>
             </a:fld>
             <a:endParaRPr lang="en-US"/>
           </a:p>
@@ -3410,7 +3410,7 @@
           <a:p>
             <a:fld id="{F1FA7AC5-6045-4418-8E60-F48788734473}" type="datetimeFigureOut">
               <a:rPr lang="en-US" smtClean="0"/>
-              <a:t>12/5/2018</a:t>
+              <a:t>5/25/2020</a:t>
             </a:fld>
             <a:endParaRPr lang="en-US"/>
           </a:p>
@@ -3623,7 +3623,7 @@
           <a:p>
             <a:fld id="{F1FA7AC5-6045-4418-8E60-F48788734473}" type="datetimeFigureOut">
               <a:rPr lang="en-US" smtClean="0"/>
-              <a:t>12/5/2018</a:t>
+              <a:t>5/25/2020</a:t>
             </a:fld>
             <a:endParaRPr lang="en-US"/>
           </a:p>
@@ -3877,7 +3877,7 @@
           <a:p>
             <a:fld id="{F1FA7AC5-6045-4418-8E60-F48788734473}" type="datetimeFigureOut">
               <a:rPr lang="en-US" smtClean="0"/>
-              <a:t>12/5/2018</a:t>
+              <a:t>5/25/2020</a:t>
             </a:fld>
             <a:endParaRPr lang="en-US"/>
           </a:p>
@@ -4045,7 +4045,7 @@
           <a:p>
             <a:fld id="{F1FA7AC5-6045-4418-8E60-F48788734473}" type="datetimeFigureOut">
               <a:rPr lang="en-US" smtClean="0"/>
-              <a:t>12/5/2018</a:t>
+              <a:t>5/25/2020</a:t>
             </a:fld>
             <a:endParaRPr lang="en-US"/>
           </a:p>
@@ -4387,7 +4387,7 @@
           <a:p>
             <a:fld id="{F1FA7AC5-6045-4418-8E60-F48788734473}" type="datetimeFigureOut">
               <a:rPr lang="en-US" smtClean="0"/>
-              <a:t>12/5/2018</a:t>
+              <a:t>5/25/2020</a:t>
             </a:fld>
             <a:endParaRPr lang="en-US"/>
           </a:p>
@@ -4659,7 +4659,7 @@
           <a:p>
             <a:fld id="{F1FA7AC5-6045-4418-8E60-F48788734473}" type="datetimeFigureOut">
               <a:rPr lang="en-US" smtClean="0"/>
-              <a:t>12/5/2018</a:t>
+              <a:t>5/25/2020</a:t>
             </a:fld>
             <a:endParaRPr lang="en-US"/>
           </a:p>
@@ -5035,7 +5035,7 @@
           <a:p>
             <a:fld id="{F1FA7AC5-6045-4418-8E60-F48788734473}" type="datetimeFigureOut">
               <a:rPr lang="en-US" smtClean="0"/>
-              <a:t>12/5/2018</a:t>
+              <a:t>5/25/2020</a:t>
             </a:fld>
             <a:endParaRPr lang="en-US"/>
           </a:p>
@@ -5152,7 +5152,7 @@
           <a:p>
             <a:fld id="{F1FA7AC5-6045-4418-8E60-F48788734473}" type="datetimeFigureOut">
               <a:rPr lang="en-US" smtClean="0"/>
-              <a:t>12/5/2018</a:t>
+              <a:t>5/25/2020</a:t>
             </a:fld>
             <a:endParaRPr lang="en-US"/>
           </a:p>
@@ -5323,7 +5323,7 @@
           <a:p>
             <a:fld id="{F1FA7AC5-6045-4418-8E60-F48788734473}" type="datetimeFigureOut">
               <a:rPr lang="en-US" smtClean="0"/>
-              <a:t>12/5/2018</a:t>
+              <a:t>5/25/2020</a:t>
             </a:fld>
             <a:endParaRPr lang="en-US"/>
           </a:p>
@@ -5675,7 +5675,7 @@
           <a:p>
             <a:fld id="{F1FA7AC5-6045-4418-8E60-F48788734473}" type="datetimeFigureOut">
               <a:rPr lang="en-US" smtClean="0"/>
-              <a:t>12/5/2018</a:t>
+              <a:t>5/25/2020</a:t>
             </a:fld>
             <a:endParaRPr lang="en-US"/>
           </a:p>
@@ -6050,7 +6050,7 @@
           <a:p>
             <a:fld id="{F1FA7AC5-6045-4418-8E60-F48788734473}" type="datetimeFigureOut">
               <a:rPr lang="en-US" smtClean="0"/>
-              <a:t>12/5/2018</a:t>
+              <a:t>5/25/2020</a:t>
             </a:fld>
             <a:endParaRPr lang="en-US"/>
           </a:p>
@@ -6335,7 +6335,7 @@
           <a:p>
             <a:fld id="{F1FA7AC5-6045-4418-8E60-F48788734473}" type="datetimeFigureOut">
               <a:rPr lang="en-US" smtClean="0"/>
-              <a:t>12/5/2018</a:t>
+              <a:t>5/25/2020</a:t>
             </a:fld>
             <a:endParaRPr lang="en-US"/>
           </a:p>
@@ -7746,7 +7746,15 @@
             </a:r>
             <a:r>
               <a:rPr lang="en-US" sz="2400" dirty="0"/>
-              <a:t>a value or event to multiple Observers</a:t>
+              <a:t>a value </a:t>
+            </a:r>
+            <a:r>
+              <a:rPr lang="en-US" sz="2400" dirty="0" smtClean="0"/>
+              <a:t>(or event) </a:t>
+            </a:r>
+            <a:r>
+              <a:rPr lang="en-US" sz="2400" dirty="0"/>
+              <a:t>to multiple Observers</a:t>
             </a:r>
             <a:r>
               <a:rPr lang="en-US" sz="2400" dirty="0" smtClean="0"/>
@@ -7786,16 +7794,8 @@
               <a:t>setTimeout</a:t>
             </a:r>
             <a:r>
-              <a:rPr lang="en-US" sz="2400" smtClean="0"/>
-              <a:t>()</a:t>
-            </a:r>
-            <a:r>
-              <a:rPr lang="en-US" sz="2400" smtClean="0"/>
-              <a:t>, </a:t>
-            </a:r>
-            <a:r>
-              <a:rPr lang="en-US" sz="2400" smtClean="0"/>
-              <a:t>interval(), </a:t>
+              <a:rPr lang="en-US" sz="2400" dirty="0" smtClean="0"/>
+              <a:t>(), interval(), </a:t>
             </a:r>
             <a:r>
               <a:rPr lang="en-US" sz="2400" dirty="0"/>
@@ -8264,7 +8264,7 @@
             </a:r>
             <a:r>
               <a:rPr lang="it-IT" dirty="0" err="1" smtClean="0"/>
-              <a:t>value</a:t>
+              <a:t>values</a:t>
             </a:r>
             <a:r>
               <a:rPr lang="it-IT" dirty="0" smtClean="0"/>
@@ -9068,19 +9068,11 @@
           <a:p>
             <a:r>
               <a:rPr lang="it-IT" dirty="0" err="1" smtClean="0"/>
-              <a:t>When</a:t>
-            </a:r>
-            <a:r>
-              <a:rPr lang="it-IT" dirty="0" smtClean="0"/>
-              <a:t> </a:t>
-            </a:r>
-            <a:r>
-              <a:rPr lang="it-IT" dirty="0" err="1" smtClean="0"/>
-              <a:t>you</a:t>
-            </a:r>
-            <a:r>
-              <a:rPr lang="it-IT" dirty="0" smtClean="0"/>
-              <a:t> look for </a:t>
+              <a:t>Looking</a:t>
+            </a:r>
+            <a:r>
+              <a:rPr lang="it-IT" dirty="0" smtClean="0"/>
+              <a:t> for </a:t>
             </a:r>
             <a:r>
               <a:rPr lang="it-IT" dirty="0" err="1" smtClean="0"/>
@@ -9524,8 +9516,41 @@
             </a:r>
             <a:r>
               <a:rPr lang="it-IT" sz="2800" dirty="0" smtClean="0"/>
-              <a:t>.</a:t>
-            </a:r>
+              <a:t> and in state management </a:t>
+            </a:r>
+            <a:r>
+              <a:rPr lang="it-IT" sz="2800" dirty="0" err="1" smtClean="0"/>
+              <a:t>libraries</a:t>
+            </a:r>
+            <a:r>
+              <a:rPr lang="it-IT" sz="2800" dirty="0" smtClean="0"/>
+              <a:t> </a:t>
+            </a:r>
+            <a:r>
+              <a:rPr lang="it-IT" sz="2800" dirty="0" err="1" smtClean="0"/>
+              <a:t>that</a:t>
+            </a:r>
+            <a:r>
+              <a:rPr lang="it-IT" sz="2800" dirty="0" smtClean="0"/>
+              <a:t> </a:t>
+            </a:r>
+            <a:r>
+              <a:rPr lang="it-IT" sz="2800" dirty="0" err="1" smtClean="0"/>
+              <a:t>follow</a:t>
+            </a:r>
+            <a:r>
+              <a:rPr lang="it-IT" sz="2800" dirty="0" smtClean="0"/>
+              <a:t> the </a:t>
+            </a:r>
+            <a:r>
+              <a:rPr lang="it-IT" sz="2800" dirty="0" err="1" smtClean="0"/>
+              <a:t>Redux</a:t>
+            </a:r>
+            <a:r>
+              <a:rPr lang="it-IT" sz="2800" dirty="0" smtClean="0"/>
+              <a:t> pattern.</a:t>
+            </a:r>
+            <a:endParaRPr lang="it-IT" sz="2800" dirty="0" smtClean="0"/>
           </a:p>
           <a:p>
             <a:endParaRPr lang="it-IT" sz="2800" dirty="0" smtClean="0"/>
@@ -9988,6 +10013,10 @@
             <a:r>
               <a:rPr lang="it-IT" sz="2800" dirty="0" smtClean="0"/>
               <a:t> way) </a:t>
+            </a:r>
+            <a:r>
+              <a:rPr lang="it-IT" sz="2800" dirty="0" smtClean="0"/>
+              <a:t>use </a:t>
             </a:r>
             <a:r>
               <a:rPr lang="it-IT" sz="2800" b="1" dirty="0" err="1" smtClean="0">
@@ -12402,7 +12431,7 @@
           <a:p>
             <a:r>
               <a:rPr lang="en-US" dirty="0" smtClean="0"/>
-              <a:t>… more paragraphs explaining the thing …</a:t>
+              <a:t>(… more paragraphs explaining the thing …)</a:t>
             </a:r>
             <a:endParaRPr lang="it-IT" dirty="0"/>
           </a:p>
@@ -13254,7 +13283,7 @@
           <a:p>
             <a:r>
               <a:rPr lang="en-US" dirty="0" smtClean="0"/>
-              <a:t>… more paragraphs explaining the thing …</a:t>
+              <a:t>(… more paragraphs explaining the thing …)</a:t>
             </a:r>
             <a:endParaRPr lang="it-IT" dirty="0"/>
           </a:p>
@@ -14058,230 +14087,224 @@
             <a:pPr marL="0" indent="0">
               <a:buNone/>
             </a:pPr>
-            <a:endParaRPr lang="it-IT" dirty="0" smtClean="0"/>
+            <a:r>
+              <a:rPr lang="it-IT" sz="3200" dirty="0" err="1" smtClean="0"/>
+              <a:t>If</a:t>
+            </a:r>
+            <a:r>
+              <a:rPr lang="it-IT" sz="3200" dirty="0" smtClean="0"/>
+              <a:t> </a:t>
+            </a:r>
+            <a:r>
+              <a:rPr lang="it-IT" sz="3200" dirty="0" err="1" smtClean="0"/>
+              <a:t>we</a:t>
+            </a:r>
+            <a:r>
+              <a:rPr lang="it-IT" sz="3200" dirty="0" smtClean="0"/>
+              <a:t> </a:t>
+            </a:r>
+            <a:r>
+              <a:rPr lang="it-IT" sz="3200" dirty="0" err="1" smtClean="0"/>
+              <a:t>build</a:t>
+            </a:r>
+            <a:r>
+              <a:rPr lang="it-IT" sz="3200" dirty="0" smtClean="0"/>
+              <a:t> </a:t>
+            </a:r>
+            <a:r>
+              <a:rPr lang="it-IT" sz="3200" dirty="0" err="1" smtClean="0"/>
+              <a:t>our</a:t>
+            </a:r>
+            <a:r>
+              <a:rPr lang="it-IT" sz="3200" dirty="0" smtClean="0"/>
+              <a:t> </a:t>
+            </a:r>
+            <a:r>
+              <a:rPr lang="it-IT" sz="3200" dirty="0" err="1" smtClean="0"/>
+              <a:t>system</a:t>
+            </a:r>
+            <a:r>
+              <a:rPr lang="it-IT" sz="3200" dirty="0" smtClean="0"/>
+              <a:t> / </a:t>
+            </a:r>
+            <a:r>
+              <a:rPr lang="it-IT" sz="3200" dirty="0" err="1" smtClean="0"/>
+              <a:t>applications</a:t>
+            </a:r>
+            <a:r>
+              <a:rPr lang="it-IT" sz="3200" dirty="0" smtClean="0"/>
+              <a:t> </a:t>
+            </a:r>
+            <a:r>
+              <a:rPr lang="it-IT" sz="3200" dirty="0" err="1" smtClean="0"/>
+              <a:t>around</a:t>
+            </a:r>
+            <a:r>
+              <a:rPr lang="it-IT" sz="3200" dirty="0" smtClean="0"/>
+              <a:t> the </a:t>
+            </a:r>
+            <a:r>
+              <a:rPr lang="it-IT" sz="3200" dirty="0" err="1" smtClean="0"/>
+              <a:t>concept</a:t>
+            </a:r>
+            <a:r>
+              <a:rPr lang="it-IT" sz="3200" dirty="0" smtClean="0"/>
+              <a:t> of </a:t>
+            </a:r>
+            <a:r>
+              <a:rPr lang="it-IT" sz="3200" dirty="0" err="1" smtClean="0"/>
+              <a:t>messages</a:t>
+            </a:r>
+            <a:r>
+              <a:rPr lang="it-IT" sz="3200" dirty="0" smtClean="0"/>
+              <a:t> </a:t>
+            </a:r>
+            <a:r>
+              <a:rPr lang="it-IT" sz="3200" dirty="0" err="1" smtClean="0"/>
+              <a:t>coming</a:t>
+            </a:r>
+            <a:r>
+              <a:rPr lang="it-IT" sz="3200" dirty="0" smtClean="0"/>
+              <a:t> over time </a:t>
+            </a:r>
+            <a:r>
+              <a:rPr lang="it-IT" sz="3200" dirty="0" err="1" smtClean="0"/>
+              <a:t>we</a:t>
+            </a:r>
+            <a:r>
+              <a:rPr lang="it-IT" sz="3200" dirty="0" smtClean="0"/>
+              <a:t> can </a:t>
+            </a:r>
+            <a:r>
+              <a:rPr lang="it-IT" sz="3200" dirty="0" err="1" smtClean="0"/>
+              <a:t>achieve</a:t>
+            </a:r>
+            <a:r>
+              <a:rPr lang="it-IT" sz="3200" dirty="0" smtClean="0"/>
+              <a:t> </a:t>
+            </a:r>
+            <a:r>
+              <a:rPr lang="it-IT" sz="3200" dirty="0" err="1" smtClean="0"/>
+              <a:t>what</a:t>
+            </a:r>
+            <a:r>
+              <a:rPr lang="it-IT" sz="3200" dirty="0" smtClean="0"/>
+              <a:t> </a:t>
+            </a:r>
+            <a:r>
+              <a:rPr lang="it-IT" sz="3200" dirty="0" err="1" smtClean="0"/>
+              <a:t>is</a:t>
+            </a:r>
+            <a:r>
+              <a:rPr lang="it-IT" sz="3200" dirty="0" smtClean="0"/>
+              <a:t> </a:t>
+            </a:r>
+            <a:r>
+              <a:rPr lang="it-IT" sz="3200" dirty="0" err="1" smtClean="0"/>
+              <a:t>summarized</a:t>
+            </a:r>
+            <a:r>
+              <a:rPr lang="it-IT" sz="3200" dirty="0" smtClean="0"/>
+              <a:t> by the </a:t>
+            </a:r>
+            <a:r>
+              <a:rPr lang="it-IT" sz="3200" dirty="0" err="1" smtClean="0"/>
+              <a:t>reactive</a:t>
+            </a:r>
+            <a:r>
+              <a:rPr lang="it-IT" sz="3200" dirty="0" smtClean="0"/>
+              <a:t> manifesto!</a:t>
+            </a:r>
+          </a:p>
+          <a:p>
+            <a:endParaRPr lang="it-IT" sz="3200" dirty="0" smtClean="0"/>
           </a:p>
           <a:p>
             <a:pPr marL="0" indent="0">
               <a:buNone/>
             </a:pPr>
             <a:r>
-              <a:rPr lang="it-IT" dirty="0" err="1" smtClean="0"/>
-              <a:t>If</a:t>
-            </a:r>
-            <a:r>
-              <a:rPr lang="it-IT" dirty="0" smtClean="0"/>
+              <a:rPr lang="it-IT" sz="3200" dirty="0" smtClean="0"/>
+              <a:t>The </a:t>
+            </a:r>
+            <a:r>
+              <a:rPr lang="it-IT" sz="3200" dirty="0" err="1" smtClean="0"/>
+              <a:t>reactive</a:t>
+            </a:r>
+            <a:r>
+              <a:rPr lang="it-IT" sz="3200" dirty="0" smtClean="0"/>
+              <a:t> manifesto </a:t>
+            </a:r>
+            <a:r>
+              <a:rPr lang="it-IT" sz="3200" dirty="0" err="1" smtClean="0"/>
+              <a:t>gives</a:t>
+            </a:r>
+            <a:r>
+              <a:rPr lang="it-IT" sz="3200" dirty="0" smtClean="0"/>
               <a:t> </a:t>
             </a:r>
             <a:r>
-              <a:rPr lang="it-IT" dirty="0" err="1" smtClean="0"/>
-              <a:t>we</a:t>
-            </a:r>
-            <a:r>
-              <a:rPr lang="it-IT" dirty="0" smtClean="0"/>
+              <a:rPr lang="it-IT" sz="3200" dirty="0" err="1" smtClean="0"/>
+              <a:t>us</a:t>
+            </a:r>
+            <a:r>
+              <a:rPr lang="it-IT" sz="3200" dirty="0" smtClean="0"/>
+              <a:t> a </a:t>
+            </a:r>
+            <a:r>
+              <a:rPr lang="it-IT" sz="3200" dirty="0" err="1" smtClean="0"/>
+              <a:t>clear</a:t>
+            </a:r>
+            <a:r>
+              <a:rPr lang="it-IT" sz="3200" dirty="0" smtClean="0"/>
               <a:t> </a:t>
             </a:r>
             <a:r>
-              <a:rPr lang="it-IT" dirty="0" err="1" smtClean="0"/>
-              <a:t>build</a:t>
-            </a:r>
-            <a:r>
-              <a:rPr lang="it-IT" dirty="0" smtClean="0"/>
+              <a:rPr lang="it-IT" sz="3200" dirty="0" err="1" smtClean="0"/>
+              <a:t>picture</a:t>
+            </a:r>
+            <a:r>
+              <a:rPr lang="it-IT" sz="3200" dirty="0" smtClean="0"/>
+              <a:t> of the </a:t>
+            </a:r>
+            <a:r>
+              <a:rPr lang="it-IT" sz="3200" dirty="0" err="1" smtClean="0"/>
+              <a:t>features</a:t>
+            </a:r>
+            <a:r>
+              <a:rPr lang="it-IT" sz="3200" dirty="0" smtClean="0"/>
+              <a:t> and the benefits </a:t>
+            </a:r>
+            <a:r>
+              <a:rPr lang="it-IT" sz="3200" dirty="0" err="1" smtClean="0"/>
+              <a:t>that</a:t>
+            </a:r>
+            <a:r>
+              <a:rPr lang="it-IT" sz="3200" dirty="0" smtClean="0"/>
               <a:t> </a:t>
             </a:r>
             <a:r>
-              <a:rPr lang="it-IT" dirty="0" err="1" smtClean="0"/>
-              <a:t>our</a:t>
-            </a:r>
-            <a:r>
-              <a:rPr lang="it-IT" dirty="0" smtClean="0"/>
+              <a:rPr lang="it-IT" sz="3200" dirty="0" err="1" smtClean="0"/>
+              <a:t>reactive</a:t>
+            </a:r>
+            <a:r>
+              <a:rPr lang="it-IT" sz="3200" dirty="0" smtClean="0"/>
               <a:t> </a:t>
             </a:r>
             <a:r>
-              <a:rPr lang="it-IT" dirty="0" err="1" smtClean="0"/>
-              <a:t>system</a:t>
-            </a:r>
-            <a:r>
-              <a:rPr lang="it-IT" dirty="0" smtClean="0"/>
-              <a:t> / </a:t>
-            </a:r>
-            <a:r>
-              <a:rPr lang="it-IT" dirty="0" err="1" smtClean="0"/>
-              <a:t>application</a:t>
-            </a:r>
-            <a:r>
-              <a:rPr lang="it-IT" dirty="0" smtClean="0"/>
+              <a:rPr lang="it-IT" sz="3200" dirty="0" err="1" smtClean="0"/>
+              <a:t>systems</a:t>
+            </a:r>
+            <a:r>
+              <a:rPr lang="it-IT" sz="3200" dirty="0" smtClean="0"/>
               <a:t> </a:t>
             </a:r>
             <a:r>
-              <a:rPr lang="it-IT" dirty="0" err="1" smtClean="0"/>
-              <a:t>around</a:t>
-            </a:r>
-            <a:r>
-              <a:rPr lang="it-IT" dirty="0" smtClean="0"/>
-              <a:t> the </a:t>
-            </a:r>
-            <a:r>
-              <a:rPr lang="it-IT" dirty="0" err="1" smtClean="0"/>
-              <a:t>concept</a:t>
-            </a:r>
-            <a:r>
-              <a:rPr lang="it-IT" dirty="0" smtClean="0"/>
-              <a:t> of </a:t>
-            </a:r>
-            <a:r>
-              <a:rPr lang="it-IT" dirty="0" err="1" smtClean="0"/>
-              <a:t>messages</a:t>
-            </a:r>
-            <a:r>
-              <a:rPr lang="it-IT" dirty="0" smtClean="0"/>
-              <a:t> </a:t>
-            </a:r>
-            <a:r>
-              <a:rPr lang="it-IT" dirty="0" err="1" smtClean="0"/>
-              <a:t>coming</a:t>
-            </a:r>
-            <a:r>
-              <a:rPr lang="it-IT" dirty="0" smtClean="0"/>
-              <a:t> over time </a:t>
-            </a:r>
-            <a:r>
-              <a:rPr lang="it-IT" dirty="0" err="1" smtClean="0"/>
-              <a:t>we</a:t>
-            </a:r>
-            <a:r>
-              <a:rPr lang="it-IT" dirty="0" smtClean="0"/>
-              <a:t> can </a:t>
-            </a:r>
-            <a:r>
-              <a:rPr lang="it-IT" dirty="0" err="1" smtClean="0"/>
-              <a:t>achieve</a:t>
-            </a:r>
-            <a:r>
-              <a:rPr lang="it-IT" dirty="0" smtClean="0"/>
-              <a:t> </a:t>
-            </a:r>
-            <a:r>
-              <a:rPr lang="it-IT" dirty="0" err="1" smtClean="0"/>
-              <a:t>what</a:t>
-            </a:r>
-            <a:r>
-              <a:rPr lang="it-IT" dirty="0" smtClean="0"/>
-              <a:t> </a:t>
-            </a:r>
-            <a:r>
-              <a:rPr lang="it-IT" dirty="0" err="1" smtClean="0"/>
-              <a:t>is</a:t>
-            </a:r>
-            <a:r>
-              <a:rPr lang="it-IT" dirty="0" smtClean="0"/>
-              <a:t> </a:t>
-            </a:r>
-            <a:r>
-              <a:rPr lang="it-IT" dirty="0" err="1" smtClean="0"/>
-              <a:t>summarized</a:t>
-            </a:r>
-            <a:r>
-              <a:rPr lang="it-IT" dirty="0" smtClean="0"/>
-              <a:t> by the </a:t>
-            </a:r>
-            <a:r>
-              <a:rPr lang="it-IT" dirty="0" err="1" smtClean="0"/>
-              <a:t>reactive</a:t>
-            </a:r>
-            <a:r>
-              <a:rPr lang="it-IT" dirty="0" smtClean="0"/>
-              <a:t> manifesto!</a:t>
-            </a:r>
-          </a:p>
-          <a:p>
-            <a:endParaRPr lang="it-IT" dirty="0" smtClean="0"/>
-          </a:p>
-          <a:p>
-            <a:pPr marL="0" indent="0">
-              <a:buNone/>
-            </a:pPr>
-            <a:r>
-              <a:rPr lang="it-IT" dirty="0" smtClean="0"/>
-              <a:t>The </a:t>
-            </a:r>
-            <a:r>
-              <a:rPr lang="it-IT" dirty="0" err="1" smtClean="0"/>
-              <a:t>reactive</a:t>
-            </a:r>
-            <a:r>
-              <a:rPr lang="it-IT" dirty="0" smtClean="0"/>
-              <a:t> manifesto </a:t>
-            </a:r>
-            <a:r>
-              <a:rPr lang="it-IT" dirty="0" err="1" smtClean="0"/>
-              <a:t>gives</a:t>
-            </a:r>
-            <a:r>
-              <a:rPr lang="it-IT" dirty="0" smtClean="0"/>
-              <a:t> </a:t>
-            </a:r>
-            <a:r>
-              <a:rPr lang="it-IT" dirty="0" err="1" smtClean="0"/>
-              <a:t>us</a:t>
-            </a:r>
-            <a:r>
-              <a:rPr lang="it-IT" dirty="0" smtClean="0"/>
-              <a:t> a </a:t>
-            </a:r>
-            <a:r>
-              <a:rPr lang="it-IT" dirty="0" err="1" smtClean="0"/>
-              <a:t>clear</a:t>
-            </a:r>
-            <a:r>
-              <a:rPr lang="it-IT" dirty="0" smtClean="0"/>
-              <a:t> </a:t>
-            </a:r>
-            <a:r>
-              <a:rPr lang="it-IT" dirty="0" err="1" smtClean="0"/>
-              <a:t>picture</a:t>
-            </a:r>
-            <a:r>
-              <a:rPr lang="it-IT" dirty="0" smtClean="0"/>
-              <a:t> of the </a:t>
-            </a:r>
-            <a:r>
-              <a:rPr lang="it-IT" dirty="0" err="1" smtClean="0"/>
-              <a:t>features</a:t>
-            </a:r>
-            <a:r>
-              <a:rPr lang="it-IT" dirty="0" smtClean="0"/>
-              <a:t> and the benefits </a:t>
-            </a:r>
-            <a:r>
-              <a:rPr lang="it-IT" dirty="0" err="1" smtClean="0"/>
-              <a:t>that</a:t>
-            </a:r>
-            <a:r>
-              <a:rPr lang="it-IT" dirty="0" smtClean="0"/>
-              <a:t> </a:t>
-            </a:r>
-            <a:r>
-              <a:rPr lang="it-IT" dirty="0" err="1" smtClean="0"/>
-              <a:t>reactive</a:t>
-            </a:r>
-            <a:r>
-              <a:rPr lang="it-IT" dirty="0" smtClean="0"/>
-              <a:t> </a:t>
-            </a:r>
-            <a:r>
-              <a:rPr lang="it-IT" dirty="0" err="1" smtClean="0"/>
-              <a:t>systems</a:t>
-            </a:r>
-            <a:r>
-              <a:rPr lang="it-IT" dirty="0" smtClean="0"/>
-              <a:t> </a:t>
-            </a:r>
-            <a:r>
-              <a:rPr lang="it-IT" dirty="0" err="1" smtClean="0"/>
+              <a:rPr lang="it-IT" sz="3200" dirty="0" err="1" smtClean="0"/>
               <a:t>have</a:t>
             </a:r>
             <a:r>
-              <a:rPr lang="it-IT" dirty="0" smtClean="0"/>
+              <a:rPr lang="it-IT" sz="3200" dirty="0" smtClean="0"/>
               <a:t>.</a:t>
             </a:r>
           </a:p>
@@ -16203,7 +16226,7 @@
   <a:extraClrSchemeLst/>
   <a:extLst>
     <a:ext uri="{05A4C25C-085E-4340-85A3-A5531E510DB2}">
-      <thm15:themeFamily xmlns="" xmlns:thm15="http://schemas.microsoft.com/office/thememl/2012/main" name="Retrospect" id="{5F128B03-DCCA-4EEB-AB3B-CF2899314A46}" vid="{9CC26709-368C-4D72-9060-94E5B3FF3CD6}"/>
+      <thm15:themeFamily xmlns:thm15="http://schemas.microsoft.com/office/thememl/2012/main" xmlns="" name="Retrospect" id="{5F128B03-DCCA-4EEB-AB3B-CF2899314A46}" vid="{9CC26709-368C-4D72-9060-94E5B3FF3CD6}"/>
     </a:ext>
   </a:extLst>
 </a:theme>
@@ -16498,7 +16521,7 @@
   <a:extraClrSchemeLst/>
   <a:extLst>
     <a:ext uri="{05A4C25C-085E-4340-85A3-A5531E510DB2}">
-      <thm15:themeFamily xmlns="" xmlns:thm15="http://schemas.microsoft.com/office/thememl/2012/main" name="Office Theme" id="{62F939B6-93AF-4DB8-9C6B-D6C7DFDC589F}" vid="{4A3C46E8-61CC-4603-A589-7422A47A8E4A}"/>
+      <thm15:themeFamily xmlns:thm15="http://schemas.microsoft.com/office/thememl/2012/main" xmlns="" name="Office Theme" id="{62F939B6-93AF-4DB8-9C6B-D6C7DFDC589F}" vid="{4A3C46E8-61CC-4603-A589-7422A47A8E4A}"/>
     </a:ext>
   </a:extLst>
 </a:theme>

--- a/ReactiveProgramming_RxJS.pptx
+++ b/ReactiveProgramming_RxJS.pptx
@@ -141,7 +141,7 @@
   </p:defaultTextStyle>
   <p:extLst>
     <p:ext uri="{EFAFB233-063F-42B5-8137-9DF3F51BA10A}">
-      <p15:sldGuideLst xmlns:p15="http://schemas.microsoft.com/office/powerpoint/2012/main" xmlns=""/>
+      <p15:sldGuideLst xmlns="" xmlns:p15="http://schemas.microsoft.com/office/powerpoint/2012/main"/>
     </p:ext>
   </p:extLst>
 </p:presentation>
@@ -9550,7 +9550,6 @@
               <a:rPr lang="it-IT" sz="2800" dirty="0" smtClean="0"/>
               <a:t> pattern.</a:t>
             </a:r>
-            <a:endParaRPr lang="it-IT" sz="2800" dirty="0" smtClean="0"/>
           </a:p>
           <a:p>
             <a:endParaRPr lang="it-IT" sz="2800" dirty="0" smtClean="0"/>
@@ -10012,11 +10011,7 @@
             </a:r>
             <a:r>
               <a:rPr lang="it-IT" sz="2800" dirty="0" smtClean="0"/>
-              <a:t> way) </a:t>
-            </a:r>
-            <a:r>
-              <a:rPr lang="it-IT" sz="2800" dirty="0" smtClean="0"/>
-              <a:t>use </a:t>
+              <a:t> way) use </a:t>
             </a:r>
             <a:r>
               <a:rPr lang="it-IT" sz="2800" b="1" dirty="0" err="1" smtClean="0">
@@ -11037,7 +11032,7 @@
         <p:spPr/>
         <p:txBody>
           <a:bodyPr>
-            <a:normAutofit fontScale="92500" lnSpcReduction="20000"/>
+            <a:normAutofit fontScale="92500" lnSpcReduction="10000"/>
           </a:bodyPr>
           <a:lstStyle/>
           <a:p>
@@ -11078,19 +11073,11 @@
             </a:r>
             <a:r>
               <a:rPr lang="it-IT" dirty="0" err="1" smtClean="0"/>
-              <a:t>allows</a:t>
-            </a:r>
-            <a:r>
-              <a:rPr lang="it-IT" dirty="0" smtClean="0"/>
-              <a:t> for </a:t>
-            </a:r>
-            <a:r>
-              <a:rPr lang="it-IT" dirty="0" err="1" smtClean="0"/>
-              <a:t>creating</a:t>
-            </a:r>
-            <a:r>
-              <a:rPr lang="it-IT" dirty="0" smtClean="0"/>
-              <a:t> </a:t>
+              <a:t>allow</a:t>
+            </a:r>
+            <a:r>
+              <a:rPr lang="it-IT" dirty="0" smtClean="0"/>
+              <a:t> to create </a:t>
             </a:r>
             <a:r>
               <a:rPr lang="it-IT" dirty="0" err="1" smtClean="0"/>
@@ -11308,90 +11295,95 @@
             </a:r>
           </a:p>
           <a:p>
-            <a:pPr>
+            <a:pPr lvl="1">
               <a:buFont typeface="Arial" panose="020B0604020202020204" pitchFamily="34" charset="0"/>
               <a:buChar char="•"/>
             </a:pPr>
             <a:r>
-              <a:rPr lang="it-IT" sz="1700" dirty="0" smtClean="0"/>
+              <a:rPr lang="it-IT" sz="1500" dirty="0" smtClean="0"/>
               <a:t>Under some </a:t>
             </a:r>
             <a:r>
-              <a:rPr lang="it-IT" sz="1700" dirty="0" err="1" smtClean="0"/>
+              <a:rPr lang="it-IT" sz="1500" dirty="0" err="1" smtClean="0"/>
               <a:t>conditions</a:t>
             </a:r>
             <a:r>
-              <a:rPr lang="it-IT" sz="1700" dirty="0" smtClean="0"/>
+              <a:rPr lang="it-IT" sz="1500" dirty="0" smtClean="0"/>
               <a:t> </a:t>
             </a:r>
             <a:r>
-              <a:rPr lang="it-IT" sz="1700" dirty="0" err="1" smtClean="0"/>
+              <a:rPr lang="it-IT" sz="1500" dirty="0" err="1" smtClean="0"/>
               <a:t>we</a:t>
             </a:r>
             <a:r>
-              <a:rPr lang="it-IT" sz="1700" dirty="0" smtClean="0"/>
+              <a:rPr lang="it-IT" sz="1500" dirty="0" smtClean="0"/>
               <a:t> can </a:t>
             </a:r>
             <a:r>
-              <a:rPr lang="it-IT" sz="1700" dirty="0" err="1" smtClean="0"/>
+              <a:rPr lang="it-IT" sz="1500" dirty="0" err="1" smtClean="0"/>
               <a:t>disable</a:t>
             </a:r>
             <a:r>
-              <a:rPr lang="it-IT" sz="1700" dirty="0" smtClean="0"/>
+              <a:rPr lang="it-IT" sz="1500" dirty="0" smtClean="0"/>
               <a:t> </a:t>
             </a:r>
             <a:r>
-              <a:rPr lang="it-IT" sz="1700" dirty="0" err="1" smtClean="0"/>
+              <a:rPr lang="it-IT" sz="1500" dirty="0" err="1" smtClean="0"/>
               <a:t>Angular</a:t>
             </a:r>
             <a:r>
-              <a:rPr lang="it-IT" sz="1700" dirty="0" smtClean="0"/>
+              <a:rPr lang="it-IT" sz="1500" dirty="0" smtClean="0"/>
               <a:t> </a:t>
             </a:r>
             <a:r>
-              <a:rPr lang="it-IT" sz="1700" dirty="0" err="1" smtClean="0"/>
+              <a:rPr lang="it-IT" sz="1500" dirty="0" err="1" smtClean="0"/>
               <a:t>dirty</a:t>
             </a:r>
             <a:r>
-              <a:rPr lang="it-IT" sz="1700" dirty="0" smtClean="0"/>
+              <a:rPr lang="it-IT" sz="1500" dirty="0" smtClean="0"/>
               <a:t> </a:t>
             </a:r>
             <a:r>
-              <a:rPr lang="it-IT" sz="1700" dirty="0" err="1" smtClean="0"/>
+              <a:rPr lang="it-IT" sz="1500" dirty="0" err="1" smtClean="0"/>
               <a:t>checking</a:t>
             </a:r>
             <a:r>
-              <a:rPr lang="it-IT" sz="1700" dirty="0" smtClean="0"/>
+              <a:rPr lang="it-IT" sz="1500" dirty="0" smtClean="0"/>
               <a:t> </a:t>
             </a:r>
             <a:r>
-              <a:rPr lang="it-IT" sz="1700" dirty="0" err="1" smtClean="0"/>
+              <a:rPr lang="it-IT" sz="1500" dirty="0" err="1" smtClean="0"/>
               <a:t>mechanic</a:t>
             </a:r>
             <a:r>
-              <a:rPr lang="it-IT" sz="1700" dirty="0"/>
+              <a:rPr lang="it-IT" sz="1500" dirty="0"/>
               <a:t> </a:t>
             </a:r>
             <a:r>
-              <a:rPr lang="it-IT" sz="1700" dirty="0" smtClean="0"/>
+              <a:rPr lang="it-IT" sz="1500" dirty="0" smtClean="0"/>
               <a:t>and </a:t>
             </a:r>
             <a:r>
-              <a:rPr lang="it-IT" sz="1700" dirty="0" err="1" smtClean="0"/>
+              <a:rPr lang="it-IT" sz="1500" dirty="0" err="1" smtClean="0"/>
               <a:t>improve</a:t>
             </a:r>
             <a:r>
-              <a:rPr lang="it-IT" sz="1700" dirty="0" smtClean="0"/>
+              <a:rPr lang="it-IT" sz="1500" dirty="0" smtClean="0"/>
               <a:t> the </a:t>
             </a:r>
             <a:r>
-              <a:rPr lang="it-IT" sz="1700" dirty="0" err="1" smtClean="0"/>
+              <a:rPr lang="it-IT" sz="1500" dirty="0" err="1" smtClean="0"/>
               <a:t>components</a:t>
             </a:r>
             <a:r>
-              <a:rPr lang="it-IT" sz="1700" dirty="0" smtClean="0"/>
-              <a:t> performances.</a:t>
-            </a:r>
+              <a:rPr lang="it-IT" sz="1500" dirty="0" smtClean="0"/>
+              <a:t> </a:t>
+            </a:r>
+            <a:r>
+              <a:rPr lang="it-IT" sz="1500" dirty="0" smtClean="0"/>
+              <a:t>performance.</a:t>
+            </a:r>
+            <a:endParaRPr lang="it-IT" sz="1500" dirty="0" smtClean="0"/>
           </a:p>
           <a:p>
             <a:pPr>
@@ -11406,110 +11398,110 @@
               <a:buChar char="•"/>
             </a:pPr>
             <a:r>
-              <a:rPr lang="it-IT" dirty="0" err="1" smtClean="0"/>
+              <a:rPr lang="it-IT" b="1" dirty="0" err="1" smtClean="0"/>
               <a:t>Keep</a:t>
             </a:r>
             <a:r>
-              <a:rPr lang="it-IT" dirty="0" smtClean="0"/>
+              <a:rPr lang="it-IT" b="1" dirty="0" smtClean="0"/>
               <a:t> in </a:t>
             </a:r>
             <a:r>
-              <a:rPr lang="it-IT" dirty="0" err="1" smtClean="0"/>
+              <a:rPr lang="it-IT" b="1" dirty="0" err="1" smtClean="0"/>
               <a:t>mind</a:t>
             </a:r>
             <a:r>
-              <a:rPr lang="it-IT" dirty="0" smtClean="0"/>
+              <a:rPr lang="it-IT" b="1" dirty="0" smtClean="0"/>
               <a:t> the </a:t>
             </a:r>
             <a:r>
-              <a:rPr lang="it-IT" dirty="0" err="1" smtClean="0"/>
+              <a:rPr lang="it-IT" b="1" dirty="0" err="1" smtClean="0"/>
               <a:t>Unicast</a:t>
             </a:r>
             <a:r>
-              <a:rPr lang="it-IT" dirty="0" smtClean="0"/>
+              <a:rPr lang="it-IT" b="1" dirty="0" smtClean="0"/>
               <a:t> / Multicast </a:t>
             </a:r>
             <a:r>
-              <a:rPr lang="it-IT" dirty="0" err="1" smtClean="0"/>
+              <a:rPr lang="it-IT" b="1" dirty="0" err="1" smtClean="0"/>
               <a:t>behavior</a:t>
             </a:r>
             <a:r>
-              <a:rPr lang="it-IT" dirty="0" smtClean="0"/>
+              <a:rPr lang="it-IT" b="1" dirty="0" smtClean="0"/>
               <a:t> and </a:t>
             </a:r>
             <a:r>
-              <a:rPr lang="it-IT" dirty="0" err="1" smtClean="0"/>
+              <a:rPr lang="it-IT" b="1" dirty="0" err="1" smtClean="0"/>
               <a:t>apply</a:t>
             </a:r>
             <a:r>
-              <a:rPr lang="it-IT" dirty="0" smtClean="0"/>
+              <a:rPr lang="it-IT" b="1" dirty="0" smtClean="0"/>
               <a:t> </a:t>
             </a:r>
             <a:r>
-              <a:rPr lang="it-IT" dirty="0" err="1" smtClean="0"/>
+              <a:rPr lang="it-IT" b="1" dirty="0" err="1" smtClean="0"/>
               <a:t>strategies</a:t>
             </a:r>
             <a:r>
-              <a:rPr lang="it-IT" dirty="0" smtClean="0"/>
+              <a:rPr lang="it-IT" b="1" dirty="0" smtClean="0"/>
               <a:t> to reduce the </a:t>
             </a:r>
             <a:r>
-              <a:rPr lang="it-IT" dirty="0" err="1" smtClean="0"/>
+              <a:rPr lang="it-IT" b="1" dirty="0" err="1" smtClean="0"/>
               <a:t>possible</a:t>
             </a:r>
             <a:r>
-              <a:rPr lang="it-IT" dirty="0" smtClean="0"/>
+              <a:rPr lang="it-IT" b="1" dirty="0" smtClean="0"/>
               <a:t> performance </a:t>
             </a:r>
             <a:r>
-              <a:rPr lang="it-IT" dirty="0" err="1" smtClean="0"/>
+              <a:rPr lang="it-IT" b="1" dirty="0" err="1" smtClean="0"/>
               <a:t>penalties</a:t>
             </a:r>
             <a:r>
-              <a:rPr lang="it-IT" dirty="0" smtClean="0"/>
+              <a:rPr lang="it-IT" b="1" dirty="0" smtClean="0"/>
               <a:t> </a:t>
             </a:r>
             <a:r>
-              <a:rPr lang="it-IT" dirty="0" err="1" smtClean="0"/>
+              <a:rPr lang="it-IT" b="1" dirty="0" err="1" smtClean="0"/>
               <a:t>that</a:t>
             </a:r>
             <a:r>
-              <a:rPr lang="it-IT" dirty="0" smtClean="0"/>
+              <a:rPr lang="it-IT" b="1" dirty="0" smtClean="0"/>
               <a:t> </a:t>
             </a:r>
             <a:r>
-              <a:rPr lang="it-IT" dirty="0" err="1" smtClean="0"/>
+              <a:rPr lang="it-IT" b="1" dirty="0" err="1" smtClean="0"/>
               <a:t>results</a:t>
             </a:r>
             <a:r>
-              <a:rPr lang="it-IT" dirty="0" smtClean="0"/>
+              <a:rPr lang="it-IT" b="1" dirty="0" smtClean="0"/>
               <a:t> in multiple </a:t>
             </a:r>
             <a:r>
-              <a:rPr lang="it-IT" dirty="0" err="1" smtClean="0"/>
+              <a:rPr lang="it-IT" b="1" dirty="0" err="1" smtClean="0"/>
               <a:t>subscriptions</a:t>
             </a:r>
             <a:r>
-              <a:rPr lang="it-IT" dirty="0" smtClean="0"/>
+              <a:rPr lang="it-IT" b="1" dirty="0" smtClean="0"/>
               <a:t> to the </a:t>
             </a:r>
             <a:r>
-              <a:rPr lang="it-IT" dirty="0" err="1" smtClean="0"/>
+              <a:rPr lang="it-IT" b="1" dirty="0" err="1" smtClean="0"/>
               <a:t>same</a:t>
             </a:r>
             <a:r>
-              <a:rPr lang="it-IT" dirty="0" smtClean="0"/>
+              <a:rPr lang="it-IT" b="1" dirty="0" smtClean="0"/>
               <a:t> </a:t>
             </a:r>
             <a:r>
-              <a:rPr lang="it-IT" dirty="0" err="1" smtClean="0"/>
+              <a:rPr lang="it-IT" b="1" dirty="0" err="1" smtClean="0"/>
               <a:t>observable</a:t>
             </a:r>
             <a:r>
-              <a:rPr lang="it-IT" dirty="0" smtClean="0"/>
+              <a:rPr lang="it-IT" b="1" dirty="0" smtClean="0"/>
               <a:t>.</a:t>
             </a:r>
-            <a:endParaRPr lang="it-IT" dirty="0"/>
+            <a:endParaRPr lang="it-IT" b="1" dirty="0"/>
           </a:p>
         </p:txBody>
       </p:sp>
@@ -16226,7 +16218,7 @@
   <a:extraClrSchemeLst/>
   <a:extLst>
     <a:ext uri="{05A4C25C-085E-4340-85A3-A5531E510DB2}">
-      <thm15:themeFamily xmlns:thm15="http://schemas.microsoft.com/office/thememl/2012/main" xmlns="" name="Retrospect" id="{5F128B03-DCCA-4EEB-AB3B-CF2899314A46}" vid="{9CC26709-368C-4D72-9060-94E5B3FF3CD6}"/>
+      <thm15:themeFamily xmlns="" xmlns:thm15="http://schemas.microsoft.com/office/thememl/2012/main" name="Retrospect" id="{5F128B03-DCCA-4EEB-AB3B-CF2899314A46}" vid="{9CC26709-368C-4D72-9060-94E5B3FF3CD6}"/>
     </a:ext>
   </a:extLst>
 </a:theme>
@@ -16521,7 +16513,7 @@
   <a:extraClrSchemeLst/>
   <a:extLst>
     <a:ext uri="{05A4C25C-085E-4340-85A3-A5531E510DB2}">
-      <thm15:themeFamily xmlns:thm15="http://schemas.microsoft.com/office/thememl/2012/main" xmlns="" name="Office Theme" id="{62F939B6-93AF-4DB8-9C6B-D6C7DFDC589F}" vid="{4A3C46E8-61CC-4603-A589-7422A47A8E4A}"/>
+      <thm15:themeFamily xmlns="" xmlns:thm15="http://schemas.microsoft.com/office/thememl/2012/main" name="Office Theme" id="{62F939B6-93AF-4DB8-9C6B-D6C7DFDC589F}" vid="{4A3C46E8-61CC-4603-A589-7422A47A8E4A}"/>
     </a:ext>
   </a:extLst>
 </a:theme>

--- a/ReactiveProgramming_RxJS.pptx
+++ b/ReactiveProgramming_RxJS.pptx
@@ -5,42 +5,43 @@
     <p:sldMasterId id="2147483793" r:id="rId1"/>
   </p:sldMasterIdLst>
   <p:notesMasterIdLst>
-    <p:notesMasterId r:id="rId32"/>
+    <p:notesMasterId r:id="rId33"/>
   </p:notesMasterIdLst>
   <p:handoutMasterIdLst>
-    <p:handoutMasterId r:id="rId33"/>
+    <p:handoutMasterId r:id="rId34"/>
   </p:handoutMasterIdLst>
   <p:sldIdLst>
     <p:sldId id="292" r:id="rId2"/>
     <p:sldId id="420" r:id="rId3"/>
     <p:sldId id="423" r:id="rId4"/>
     <p:sldId id="424" r:id="rId5"/>
-    <p:sldId id="422" r:id="rId6"/>
-    <p:sldId id="425" r:id="rId7"/>
-    <p:sldId id="421" r:id="rId8"/>
-    <p:sldId id="426" r:id="rId9"/>
-    <p:sldId id="427" r:id="rId10"/>
-    <p:sldId id="428" r:id="rId11"/>
-    <p:sldId id="430" r:id="rId12"/>
-    <p:sldId id="429" r:id="rId13"/>
-    <p:sldId id="432" r:id="rId14"/>
-    <p:sldId id="431" r:id="rId15"/>
-    <p:sldId id="433" r:id="rId16"/>
-    <p:sldId id="435" r:id="rId17"/>
-    <p:sldId id="434" r:id="rId18"/>
-    <p:sldId id="436" r:id="rId19"/>
-    <p:sldId id="437" r:id="rId20"/>
-    <p:sldId id="438" r:id="rId21"/>
-    <p:sldId id="439" r:id="rId22"/>
-    <p:sldId id="441" r:id="rId23"/>
-    <p:sldId id="442" r:id="rId24"/>
-    <p:sldId id="443" r:id="rId25"/>
-    <p:sldId id="444" r:id="rId26"/>
-    <p:sldId id="445" r:id="rId27"/>
-    <p:sldId id="440" r:id="rId28"/>
-    <p:sldId id="407" r:id="rId29"/>
-    <p:sldId id="419" r:id="rId30"/>
-    <p:sldId id="416" r:id="rId31"/>
+    <p:sldId id="446" r:id="rId6"/>
+    <p:sldId id="422" r:id="rId7"/>
+    <p:sldId id="425" r:id="rId8"/>
+    <p:sldId id="421" r:id="rId9"/>
+    <p:sldId id="426" r:id="rId10"/>
+    <p:sldId id="427" r:id="rId11"/>
+    <p:sldId id="428" r:id="rId12"/>
+    <p:sldId id="430" r:id="rId13"/>
+    <p:sldId id="429" r:id="rId14"/>
+    <p:sldId id="432" r:id="rId15"/>
+    <p:sldId id="431" r:id="rId16"/>
+    <p:sldId id="433" r:id="rId17"/>
+    <p:sldId id="435" r:id="rId18"/>
+    <p:sldId id="434" r:id="rId19"/>
+    <p:sldId id="436" r:id="rId20"/>
+    <p:sldId id="437" r:id="rId21"/>
+    <p:sldId id="438" r:id="rId22"/>
+    <p:sldId id="439" r:id="rId23"/>
+    <p:sldId id="441" r:id="rId24"/>
+    <p:sldId id="442" r:id="rId25"/>
+    <p:sldId id="443" r:id="rId26"/>
+    <p:sldId id="444" r:id="rId27"/>
+    <p:sldId id="445" r:id="rId28"/>
+    <p:sldId id="447" r:id="rId29"/>
+    <p:sldId id="440" r:id="rId30"/>
+    <p:sldId id="407" r:id="rId31"/>
+    <p:sldId id="416" r:id="rId32"/>
   </p:sldIdLst>
   <p:sldSz cx="12192000" cy="6858000"/>
   <p:notesSz cx="6858000" cy="9144000"/>
@@ -141,7 +142,7 @@
   </p:defaultTextStyle>
   <p:extLst>
     <p:ext uri="{EFAFB233-063F-42B5-8137-9DF3F51BA10A}">
-      <p15:sldGuideLst xmlns="" xmlns:p15="http://schemas.microsoft.com/office/powerpoint/2012/main"/>
+      <p15:sldGuideLst xmlns:p15="http://schemas.microsoft.com/office/powerpoint/2012/main" xmlns=""/>
     </p:ext>
   </p:extLst>
 </p:presentation>
@@ -229,7 +230,7 @@
           <a:p>
             <a:fld id="{327B5F9E-84DB-4811-8F56-9C65E911095D}" type="datetimeFigureOut">
               <a:rPr lang="it-IT" smtClean="0"/>
-              <a:t>25/05/2020</a:t>
+              <a:t>11/08/2022</a:t>
             </a:fld>
             <a:endParaRPr lang="it-IT"/>
           </a:p>
@@ -394,7 +395,7 @@
           <a:p>
             <a:fld id="{60073984-6E99-4D80-ADB1-BFDA0D866557}" type="datetimeFigureOut">
               <a:rPr lang="en-US"/>
-              <a:t>5/25/2020</a:t>
+              <a:t>8/11/2022</a:t>
             </a:fld>
             <a:endParaRPr lang="en-US"/>
           </a:p>
@@ -815,7 +816,7 @@
           <a:p>
             <a:fld id="{C519897D-FFB3-4111-B327-449DADBE2990}" type="slidenum">
               <a:rPr lang="en-US" smtClean="0"/>
-              <a:t>10</a:t>
+              <a:t>11</a:t>
             </a:fld>
             <a:endParaRPr lang="en-US"/>
           </a:p>
@@ -899,7 +900,7 @@
           <a:p>
             <a:fld id="{C519897D-FFB3-4111-B327-449DADBE2990}" type="slidenum">
               <a:rPr lang="en-US" smtClean="0"/>
-              <a:t>11</a:t>
+              <a:t>12</a:t>
             </a:fld>
             <a:endParaRPr lang="en-US"/>
           </a:p>
@@ -983,7 +984,7 @@
           <a:p>
             <a:fld id="{C519897D-FFB3-4111-B327-449DADBE2990}" type="slidenum">
               <a:rPr lang="en-US" smtClean="0"/>
-              <a:t>12</a:t>
+              <a:t>13</a:t>
             </a:fld>
             <a:endParaRPr lang="en-US"/>
           </a:p>
@@ -1067,7 +1068,7 @@
           <a:p>
             <a:fld id="{C519897D-FFB3-4111-B327-449DADBE2990}" type="slidenum">
               <a:rPr lang="en-US" smtClean="0"/>
-              <a:t>13</a:t>
+              <a:t>14</a:t>
             </a:fld>
             <a:endParaRPr lang="en-US"/>
           </a:p>
@@ -1151,7 +1152,7 @@
           <a:p>
             <a:fld id="{C519897D-FFB3-4111-B327-449DADBE2990}" type="slidenum">
               <a:rPr lang="en-US" smtClean="0"/>
-              <a:t>14</a:t>
+              <a:t>15</a:t>
             </a:fld>
             <a:endParaRPr lang="en-US"/>
           </a:p>
@@ -1235,7 +1236,7 @@
           <a:p>
             <a:fld id="{C519897D-FFB3-4111-B327-449DADBE2990}" type="slidenum">
               <a:rPr lang="en-US" smtClean="0"/>
-              <a:t>15</a:t>
+              <a:t>16</a:t>
             </a:fld>
             <a:endParaRPr lang="en-US"/>
           </a:p>
@@ -1319,7 +1320,7 @@
           <a:p>
             <a:fld id="{C519897D-FFB3-4111-B327-449DADBE2990}" type="slidenum">
               <a:rPr lang="en-US" smtClean="0"/>
-              <a:t>16</a:t>
+              <a:t>17</a:t>
             </a:fld>
             <a:endParaRPr lang="en-US"/>
           </a:p>
@@ -1403,7 +1404,7 @@
           <a:p>
             <a:fld id="{C519897D-FFB3-4111-B327-449DADBE2990}" type="slidenum">
               <a:rPr lang="en-US" smtClean="0"/>
-              <a:t>17</a:t>
+              <a:t>18</a:t>
             </a:fld>
             <a:endParaRPr lang="en-US"/>
           </a:p>
@@ -1487,7 +1488,7 @@
           <a:p>
             <a:fld id="{C519897D-FFB3-4111-B327-449DADBE2990}" type="slidenum">
               <a:rPr lang="en-US" smtClean="0"/>
-              <a:t>18</a:t>
+              <a:t>19</a:t>
             </a:fld>
             <a:endParaRPr lang="en-US"/>
           </a:p>
@@ -1571,7 +1572,7 @@
           <a:p>
             <a:fld id="{C519897D-FFB3-4111-B327-449DADBE2990}" type="slidenum">
               <a:rPr lang="en-US" smtClean="0"/>
-              <a:t>19</a:t>
+              <a:t>20</a:t>
             </a:fld>
             <a:endParaRPr lang="en-US"/>
           </a:p>
@@ -1739,7 +1740,7 @@
           <a:p>
             <a:fld id="{C519897D-FFB3-4111-B327-449DADBE2990}" type="slidenum">
               <a:rPr lang="en-US" smtClean="0"/>
-              <a:t>20</a:t>
+              <a:t>21</a:t>
             </a:fld>
             <a:endParaRPr lang="en-US"/>
           </a:p>
@@ -1823,7 +1824,7 @@
           <a:p>
             <a:fld id="{C519897D-FFB3-4111-B327-449DADBE2990}" type="slidenum">
               <a:rPr lang="en-US" smtClean="0"/>
-              <a:t>21</a:t>
+              <a:t>22</a:t>
             </a:fld>
             <a:endParaRPr lang="en-US"/>
           </a:p>
@@ -1907,7 +1908,7 @@
           <a:p>
             <a:fld id="{C519897D-FFB3-4111-B327-449DADBE2990}" type="slidenum">
               <a:rPr lang="en-US" smtClean="0"/>
-              <a:t>22</a:t>
+              <a:t>23</a:t>
             </a:fld>
             <a:endParaRPr lang="en-US"/>
           </a:p>
@@ -1991,7 +1992,7 @@
           <a:p>
             <a:fld id="{C519897D-FFB3-4111-B327-449DADBE2990}" type="slidenum">
               <a:rPr lang="en-US" smtClean="0"/>
-              <a:t>23</a:t>
+              <a:t>24</a:t>
             </a:fld>
             <a:endParaRPr lang="en-US"/>
           </a:p>
@@ -2075,7 +2076,7 @@
           <a:p>
             <a:fld id="{C519897D-FFB3-4111-B327-449DADBE2990}" type="slidenum">
               <a:rPr lang="en-US" smtClean="0"/>
-              <a:t>24</a:t>
+              <a:t>25</a:t>
             </a:fld>
             <a:endParaRPr lang="en-US"/>
           </a:p>
@@ -2159,7 +2160,7 @@
           <a:p>
             <a:fld id="{C519897D-FFB3-4111-B327-449DADBE2990}" type="slidenum">
               <a:rPr lang="en-US" smtClean="0"/>
-              <a:t>25</a:t>
+              <a:t>26</a:t>
             </a:fld>
             <a:endParaRPr lang="en-US"/>
           </a:p>
@@ -2243,7 +2244,7 @@
           <a:p>
             <a:fld id="{C519897D-FFB3-4111-B327-449DADBE2990}" type="slidenum">
               <a:rPr lang="en-US" smtClean="0"/>
-              <a:t>26</a:t>
+              <a:t>27</a:t>
             </a:fld>
             <a:endParaRPr lang="en-US"/>
           </a:p>
@@ -2306,7 +2307,273 @@
           <a:bodyPr/>
           <a:lstStyle/>
           <a:p>
-            <a:endParaRPr lang="it-IT"/>
+            <a:r>
+              <a:rPr lang="it-IT" dirty="0" err="1" smtClean="0"/>
+              <a:t>Chose</a:t>
+            </a:r>
+            <a:r>
+              <a:rPr lang="it-IT" dirty="0" smtClean="0"/>
+              <a:t> the operator </a:t>
+            </a:r>
+            <a:r>
+              <a:rPr lang="it-IT" dirty="0" err="1" smtClean="0"/>
+              <a:t>based</a:t>
+            </a:r>
+            <a:r>
+              <a:rPr lang="it-IT" dirty="0" smtClean="0"/>
+              <a:t> on </a:t>
+            </a:r>
+            <a:r>
+              <a:rPr lang="it-IT" dirty="0" err="1" smtClean="0"/>
+              <a:t>how</a:t>
+            </a:r>
+            <a:r>
+              <a:rPr lang="it-IT" baseline="0" dirty="0" smtClean="0"/>
+              <a:t> </a:t>
+            </a:r>
+            <a:r>
+              <a:rPr lang="it-IT" baseline="0" dirty="0" err="1" smtClean="0"/>
+              <a:t>you</a:t>
+            </a:r>
+            <a:r>
+              <a:rPr lang="it-IT" baseline="0" dirty="0" smtClean="0"/>
+              <a:t> </a:t>
+            </a:r>
+            <a:r>
+              <a:rPr lang="it-IT" baseline="0" dirty="0" err="1" smtClean="0"/>
+              <a:t>want</a:t>
+            </a:r>
+            <a:r>
+              <a:rPr lang="it-IT" baseline="0" dirty="0" smtClean="0"/>
+              <a:t> to </a:t>
+            </a:r>
+            <a:r>
+              <a:rPr lang="it-IT" baseline="0" dirty="0" err="1" smtClean="0"/>
+              <a:t>react</a:t>
+            </a:r>
+            <a:r>
+              <a:rPr lang="it-IT" baseline="0" dirty="0" smtClean="0"/>
+              <a:t> </a:t>
+            </a:r>
+            <a:r>
+              <a:rPr lang="it-IT" baseline="0" dirty="0" err="1" smtClean="0"/>
+              <a:t>when</a:t>
+            </a:r>
+            <a:r>
+              <a:rPr lang="it-IT" baseline="0" dirty="0" smtClean="0"/>
+              <a:t> multiple http </a:t>
+            </a:r>
+            <a:r>
+              <a:rPr lang="it-IT" baseline="0" dirty="0" err="1" smtClean="0"/>
+              <a:t>requests</a:t>
+            </a:r>
+            <a:r>
+              <a:rPr lang="it-IT" baseline="0" dirty="0" smtClean="0"/>
+              <a:t> </a:t>
+            </a:r>
+            <a:r>
+              <a:rPr lang="it-IT" baseline="0" dirty="0" err="1" smtClean="0"/>
+              <a:t>might</a:t>
+            </a:r>
+            <a:r>
+              <a:rPr lang="it-IT" baseline="0" dirty="0" smtClean="0"/>
+              <a:t> be </a:t>
+            </a:r>
+            <a:r>
+              <a:rPr lang="it-IT" baseline="0" dirty="0" err="1" smtClean="0"/>
+              <a:t>active</a:t>
+            </a:r>
+            <a:r>
+              <a:rPr lang="it-IT" baseline="0" dirty="0" smtClean="0"/>
+              <a:t> </a:t>
+            </a:r>
+            <a:r>
+              <a:rPr lang="it-IT" baseline="0" dirty="0" err="1" smtClean="0"/>
+              <a:t>at</a:t>
+            </a:r>
+            <a:r>
+              <a:rPr lang="it-IT" baseline="0" dirty="0" smtClean="0"/>
+              <a:t> the </a:t>
+            </a:r>
+            <a:r>
+              <a:rPr lang="it-IT" baseline="0" dirty="0" err="1" smtClean="0"/>
+              <a:t>same</a:t>
+            </a:r>
+            <a:r>
+              <a:rPr lang="it-IT" baseline="0" dirty="0" smtClean="0"/>
+              <a:t> time </a:t>
+            </a:r>
+            <a:r>
+              <a:rPr lang="it-IT" baseline="0" dirty="0" err="1" smtClean="0"/>
+              <a:t>when</a:t>
+            </a:r>
+            <a:r>
+              <a:rPr lang="it-IT" baseline="0" dirty="0" smtClean="0"/>
+              <a:t> multiple </a:t>
+            </a:r>
+            <a:r>
+              <a:rPr lang="it-IT" baseline="0" dirty="0" err="1" smtClean="0"/>
+              <a:t>messages</a:t>
+            </a:r>
+            <a:r>
+              <a:rPr lang="it-IT" baseline="0" dirty="0" smtClean="0"/>
+              <a:t> </a:t>
+            </a:r>
+            <a:r>
+              <a:rPr lang="it-IT" baseline="0" dirty="0" err="1" smtClean="0"/>
+              <a:t>being</a:t>
+            </a:r>
+            <a:r>
+              <a:rPr lang="it-IT" baseline="0" dirty="0" smtClean="0"/>
+              <a:t> </a:t>
+            </a:r>
+            <a:r>
+              <a:rPr lang="it-IT" baseline="0" dirty="0" err="1" smtClean="0"/>
+              <a:t>dispatched</a:t>
+            </a:r>
+            <a:r>
+              <a:rPr lang="it-IT" baseline="0" dirty="0" smtClean="0"/>
+              <a:t>: </a:t>
+            </a:r>
+            <a:r>
+              <a:rPr lang="it-IT" baseline="0" dirty="0" err="1" smtClean="0"/>
+              <a:t>cancel</a:t>
+            </a:r>
+            <a:r>
+              <a:rPr lang="it-IT" baseline="0" dirty="0" smtClean="0"/>
+              <a:t> </a:t>
+            </a:r>
+            <a:r>
+              <a:rPr lang="it-IT" baseline="0" dirty="0" err="1" smtClean="0"/>
+              <a:t>previous</a:t>
+            </a:r>
+            <a:r>
+              <a:rPr lang="it-IT" baseline="0" dirty="0" smtClean="0"/>
+              <a:t> </a:t>
+            </a:r>
+            <a:r>
+              <a:rPr lang="it-IT" baseline="0" dirty="0" err="1" smtClean="0"/>
+              <a:t>operations</a:t>
+            </a:r>
+            <a:r>
+              <a:rPr lang="it-IT" baseline="0" dirty="0" smtClean="0"/>
+              <a:t>, </a:t>
+            </a:r>
+            <a:r>
+              <a:rPr lang="it-IT" baseline="0" dirty="0" err="1" smtClean="0"/>
+              <a:t>execute</a:t>
+            </a:r>
+            <a:r>
+              <a:rPr lang="it-IT" baseline="0" dirty="0" smtClean="0"/>
+              <a:t> </a:t>
+            </a:r>
+            <a:r>
+              <a:rPr lang="it-IT" baseline="0" dirty="0" err="1" smtClean="0"/>
+              <a:t>them</a:t>
+            </a:r>
+            <a:r>
+              <a:rPr lang="it-IT" baseline="0" dirty="0" smtClean="0"/>
+              <a:t> in </a:t>
+            </a:r>
+            <a:r>
+              <a:rPr lang="it-IT" baseline="0" dirty="0" err="1" smtClean="0"/>
+              <a:t>parallel</a:t>
+            </a:r>
+            <a:r>
+              <a:rPr lang="it-IT" baseline="0" dirty="0" smtClean="0"/>
+              <a:t> and merge the </a:t>
+            </a:r>
+            <a:r>
+              <a:rPr lang="it-IT" baseline="0" dirty="0" err="1" smtClean="0"/>
+              <a:t>results</a:t>
+            </a:r>
+            <a:r>
+              <a:rPr lang="it-IT" baseline="0" dirty="0" smtClean="0"/>
+              <a:t>, </a:t>
+            </a:r>
+            <a:r>
+              <a:rPr lang="it-IT" baseline="0" dirty="0" err="1" smtClean="0"/>
+              <a:t>keep</a:t>
+            </a:r>
+            <a:r>
+              <a:rPr lang="it-IT" baseline="0" dirty="0" smtClean="0"/>
+              <a:t> </a:t>
+            </a:r>
+            <a:r>
+              <a:rPr lang="it-IT" baseline="0" dirty="0" err="1" smtClean="0"/>
+              <a:t>ordering</a:t>
+            </a:r>
+            <a:r>
+              <a:rPr lang="it-IT" baseline="0" dirty="0" smtClean="0"/>
+              <a:t>, </a:t>
+            </a:r>
+            <a:r>
+              <a:rPr lang="it-IT" baseline="0" dirty="0" err="1" smtClean="0"/>
+              <a:t>wait</a:t>
+            </a:r>
+            <a:r>
+              <a:rPr lang="it-IT" baseline="0" dirty="0" smtClean="0"/>
+              <a:t> for </a:t>
+            </a:r>
+            <a:r>
+              <a:rPr lang="it-IT" baseline="0" dirty="0" err="1" smtClean="0"/>
+              <a:t>previous</a:t>
+            </a:r>
+            <a:r>
+              <a:rPr lang="it-IT" baseline="0" dirty="0" smtClean="0"/>
+              <a:t> </a:t>
+            </a:r>
+            <a:r>
+              <a:rPr lang="it-IT" baseline="0" dirty="0" err="1" smtClean="0"/>
+              <a:t>operation</a:t>
+            </a:r>
+            <a:r>
+              <a:rPr lang="it-IT" baseline="0" dirty="0" smtClean="0"/>
+              <a:t> to complete…</a:t>
+            </a:r>
+          </a:p>
+          <a:p>
+            <a:r>
+              <a:rPr lang="it-IT" baseline="0" dirty="0" smtClean="0"/>
+              <a:t>How ‘in-</a:t>
+            </a:r>
+            <a:r>
+              <a:rPr lang="it-IT" baseline="0" dirty="0" err="1" smtClean="0"/>
+              <a:t>flight</a:t>
+            </a:r>
+            <a:r>
+              <a:rPr lang="it-IT" baseline="0" dirty="0" smtClean="0"/>
+              <a:t>’ </a:t>
+            </a:r>
+            <a:r>
+              <a:rPr lang="it-IT" baseline="0" dirty="0" err="1" smtClean="0"/>
+              <a:t>requests</a:t>
+            </a:r>
+            <a:r>
+              <a:rPr lang="it-IT" baseline="0" dirty="0" smtClean="0"/>
+              <a:t> are </a:t>
+            </a:r>
+            <a:r>
+              <a:rPr lang="it-IT" baseline="0" dirty="0" err="1" smtClean="0"/>
+              <a:t>handled</a:t>
+            </a:r>
+            <a:r>
+              <a:rPr lang="it-IT" baseline="0" dirty="0" smtClean="0"/>
+              <a:t> </a:t>
+            </a:r>
+            <a:r>
+              <a:rPr lang="it-IT" baseline="0" dirty="0" err="1" smtClean="0"/>
+              <a:t>is</a:t>
+            </a:r>
+            <a:r>
+              <a:rPr lang="it-IT" baseline="0" dirty="0" smtClean="0"/>
+              <a:t> up to </a:t>
+            </a:r>
+            <a:r>
+              <a:rPr lang="it-IT" baseline="0" dirty="0" err="1" smtClean="0"/>
+              <a:t>you</a:t>
+            </a:r>
+            <a:endParaRPr lang="it-IT" dirty="0"/>
           </a:p>
         </p:txBody>
       </p:sp>
@@ -2327,7 +2594,7 @@
           <a:p>
             <a:fld id="{C519897D-FFB3-4111-B327-449DADBE2990}" type="slidenum">
               <a:rPr lang="en-US" smtClean="0"/>
-              <a:t>27</a:t>
+              <a:t>28</a:t>
             </a:fld>
             <a:endParaRPr lang="en-US"/>
           </a:p>
@@ -2336,7 +2603,7 @@
     </p:spTree>
     <p:extLst>
       <p:ext uri="{BB962C8B-B14F-4D97-AF65-F5344CB8AC3E}">
-        <p14:creationId xmlns:p14="http://schemas.microsoft.com/office/powerpoint/2010/main" val="1343077763"/>
+        <p14:creationId xmlns:p14="http://schemas.microsoft.com/office/powerpoint/2010/main" val="2022248602"/>
       </p:ext>
     </p:extLst>
   </p:cSld>
@@ -2411,7 +2678,7 @@
           <a:p>
             <a:fld id="{C519897D-FFB3-4111-B327-449DADBE2990}" type="slidenum">
               <a:rPr lang="en-US" smtClean="0"/>
-              <a:t>28</a:t>
+              <a:t>29</a:t>
             </a:fld>
             <a:endParaRPr lang="en-US"/>
           </a:p>
@@ -2420,7 +2687,7 @@
     </p:spTree>
     <p:extLst>
       <p:ext uri="{BB962C8B-B14F-4D97-AF65-F5344CB8AC3E}">
-        <p14:creationId xmlns:p14="http://schemas.microsoft.com/office/powerpoint/2010/main" val="958452951"/>
+        <p14:creationId xmlns:p14="http://schemas.microsoft.com/office/powerpoint/2010/main" val="1343077763"/>
       </p:ext>
     </p:extLst>
   </p:cSld>
@@ -2474,7 +2741,7 @@
           <a:bodyPr/>
           <a:lstStyle/>
           <a:p>
-            <a:endParaRPr lang="it-IT" dirty="0"/>
+            <a:endParaRPr lang="it-IT"/>
           </a:p>
         </p:txBody>
       </p:sp>
@@ -2495,7 +2762,7 @@
           <a:p>
             <a:fld id="{C519897D-FFB3-4111-B327-449DADBE2990}" type="slidenum">
               <a:rPr lang="en-US" smtClean="0"/>
-              <a:t>29</a:t>
+              <a:t>30</a:t>
             </a:fld>
             <a:endParaRPr lang="en-US"/>
           </a:p>
@@ -2504,7 +2771,7 @@
     </p:spTree>
     <p:extLst>
       <p:ext uri="{BB962C8B-B14F-4D97-AF65-F5344CB8AC3E}">
-        <p14:creationId xmlns:p14="http://schemas.microsoft.com/office/powerpoint/2010/main" val="3813177152"/>
+        <p14:creationId xmlns:p14="http://schemas.microsoft.com/office/powerpoint/2010/main" val="958452951"/>
       </p:ext>
     </p:extLst>
   </p:cSld>
@@ -2663,7 +2930,7 @@
           <a:p>
             <a:fld id="{C519897D-FFB3-4111-B327-449DADBE2990}" type="slidenum">
               <a:rPr lang="en-US" smtClean="0"/>
-              <a:t>30</a:t>
+              <a:t>31</a:t>
             </a:fld>
             <a:endParaRPr lang="en-US"/>
           </a:p>
@@ -2831,7 +3098,7 @@
           <a:p>
             <a:fld id="{C519897D-FFB3-4111-B327-449DADBE2990}" type="slidenum">
               <a:rPr lang="en-US" smtClean="0"/>
-              <a:t>5</a:t>
+              <a:t>6</a:t>
             </a:fld>
             <a:endParaRPr lang="en-US"/>
           </a:p>
@@ -2915,7 +3182,7 @@
           <a:p>
             <a:fld id="{C519897D-FFB3-4111-B327-449DADBE2990}" type="slidenum">
               <a:rPr lang="en-US" smtClean="0"/>
-              <a:t>6</a:t>
+              <a:t>7</a:t>
             </a:fld>
             <a:endParaRPr lang="en-US"/>
           </a:p>
@@ -2999,7 +3266,7 @@
           <a:p>
             <a:fld id="{C519897D-FFB3-4111-B327-449DADBE2990}" type="slidenum">
               <a:rPr lang="en-US" smtClean="0"/>
-              <a:t>7</a:t>
+              <a:t>8</a:t>
             </a:fld>
             <a:endParaRPr lang="en-US"/>
           </a:p>
@@ -3083,7 +3350,7 @@
           <a:p>
             <a:fld id="{C519897D-FFB3-4111-B327-449DADBE2990}" type="slidenum">
               <a:rPr lang="en-US" smtClean="0"/>
-              <a:t>8</a:t>
+              <a:t>9</a:t>
             </a:fld>
             <a:endParaRPr lang="en-US"/>
           </a:p>
@@ -3167,7 +3434,7 @@
           <a:p>
             <a:fld id="{C519897D-FFB3-4111-B327-449DADBE2990}" type="slidenum">
               <a:rPr lang="en-US" smtClean="0"/>
-              <a:t>9</a:t>
+              <a:t>10</a:t>
             </a:fld>
             <a:endParaRPr lang="en-US"/>
           </a:p>
@@ -3410,7 +3677,7 @@
           <a:p>
             <a:fld id="{F1FA7AC5-6045-4418-8E60-F48788734473}" type="datetimeFigureOut">
               <a:rPr lang="en-US" smtClean="0"/>
-              <a:t>5/25/2020</a:t>
+              <a:t>8/11/2022</a:t>
             </a:fld>
             <a:endParaRPr lang="en-US"/>
           </a:p>
@@ -3623,7 +3890,7 @@
           <a:p>
             <a:fld id="{F1FA7AC5-6045-4418-8E60-F48788734473}" type="datetimeFigureOut">
               <a:rPr lang="en-US" smtClean="0"/>
-              <a:t>5/25/2020</a:t>
+              <a:t>8/11/2022</a:t>
             </a:fld>
             <a:endParaRPr lang="en-US"/>
           </a:p>
@@ -3877,7 +4144,7 @@
           <a:p>
             <a:fld id="{F1FA7AC5-6045-4418-8E60-F48788734473}" type="datetimeFigureOut">
               <a:rPr lang="en-US" smtClean="0"/>
-              <a:t>5/25/2020</a:t>
+              <a:t>8/11/2022</a:t>
             </a:fld>
             <a:endParaRPr lang="en-US"/>
           </a:p>
@@ -4045,7 +4312,7 @@
           <a:p>
             <a:fld id="{F1FA7AC5-6045-4418-8E60-F48788734473}" type="datetimeFigureOut">
               <a:rPr lang="en-US" smtClean="0"/>
-              <a:t>5/25/2020</a:t>
+              <a:t>8/11/2022</a:t>
             </a:fld>
             <a:endParaRPr lang="en-US"/>
           </a:p>
@@ -4387,7 +4654,7 @@
           <a:p>
             <a:fld id="{F1FA7AC5-6045-4418-8E60-F48788734473}" type="datetimeFigureOut">
               <a:rPr lang="en-US" smtClean="0"/>
-              <a:t>5/25/2020</a:t>
+              <a:t>8/11/2022</a:t>
             </a:fld>
             <a:endParaRPr lang="en-US"/>
           </a:p>
@@ -4659,7 +4926,7 @@
           <a:p>
             <a:fld id="{F1FA7AC5-6045-4418-8E60-F48788734473}" type="datetimeFigureOut">
               <a:rPr lang="en-US" smtClean="0"/>
-              <a:t>5/25/2020</a:t>
+              <a:t>8/11/2022</a:t>
             </a:fld>
             <a:endParaRPr lang="en-US"/>
           </a:p>
@@ -5035,7 +5302,7 @@
           <a:p>
             <a:fld id="{F1FA7AC5-6045-4418-8E60-F48788734473}" type="datetimeFigureOut">
               <a:rPr lang="en-US" smtClean="0"/>
-              <a:t>5/25/2020</a:t>
+              <a:t>8/11/2022</a:t>
             </a:fld>
             <a:endParaRPr lang="en-US"/>
           </a:p>
@@ -5152,7 +5419,7 @@
           <a:p>
             <a:fld id="{F1FA7AC5-6045-4418-8E60-F48788734473}" type="datetimeFigureOut">
               <a:rPr lang="en-US" smtClean="0"/>
-              <a:t>5/25/2020</a:t>
+              <a:t>8/11/2022</a:t>
             </a:fld>
             <a:endParaRPr lang="en-US"/>
           </a:p>
@@ -5323,7 +5590,7 @@
           <a:p>
             <a:fld id="{F1FA7AC5-6045-4418-8E60-F48788734473}" type="datetimeFigureOut">
               <a:rPr lang="en-US" smtClean="0"/>
-              <a:t>5/25/2020</a:t>
+              <a:t>8/11/2022</a:t>
             </a:fld>
             <a:endParaRPr lang="en-US"/>
           </a:p>
@@ -5675,7 +5942,7 @@
           <a:p>
             <a:fld id="{F1FA7AC5-6045-4418-8E60-F48788734473}" type="datetimeFigureOut">
               <a:rPr lang="en-US" smtClean="0"/>
-              <a:t>5/25/2020</a:t>
+              <a:t>8/11/2022</a:t>
             </a:fld>
             <a:endParaRPr lang="en-US"/>
           </a:p>
@@ -6050,7 +6317,7 @@
           <a:p>
             <a:fld id="{F1FA7AC5-6045-4418-8E60-F48788734473}" type="datetimeFigureOut">
               <a:rPr lang="en-US" smtClean="0"/>
-              <a:t>5/25/2020</a:t>
+              <a:t>8/11/2022</a:t>
             </a:fld>
             <a:endParaRPr lang="en-US"/>
           </a:p>
@@ -6335,7 +6602,7 @@
           <a:p>
             <a:fld id="{F1FA7AC5-6045-4418-8E60-F48788734473}" type="datetimeFigureOut">
               <a:rPr lang="en-US" smtClean="0"/>
-              <a:t>5/25/2020</a:t>
+              <a:t>8/11/2022</a:t>
             </a:fld>
             <a:endParaRPr lang="en-US"/>
           </a:p>
@@ -7066,6 +7333,21 @@
           <a:lstStyle/>
           <a:p>
             <a:r>
+              <a:rPr lang="it-IT" sz="4000" dirty="0" err="1" smtClean="0"/>
+              <a:t>Introducing</a:t>
+            </a:r>
+            <a:r>
+              <a:rPr lang="it-IT" sz="4000" dirty="0" smtClean="0"/>
+              <a:t>:</a:t>
+            </a:r>
+            <a:r>
+              <a:rPr lang="it-IT" dirty="0" smtClean="0"/>
+              <a:t/>
+            </a:r>
+            <a:br>
+              <a:rPr lang="it-IT" dirty="0" smtClean="0"/>
+            </a:br>
+            <a:r>
               <a:rPr lang="it-IT" dirty="0" err="1" smtClean="0"/>
               <a:t>RxJS</a:t>
             </a:r>
@@ -7075,12 +7357,12 @@
       </p:sp>
       <p:sp>
         <p:nvSpPr>
-          <p:cNvPr id="5" name="Segnaposto contenuto 4"/>
-          <p:cNvSpPr>
-            <a:spLocks noGrp="1"/>
-          </p:cNvSpPr>
-          <p:nvPr>
-            <p:ph idx="1"/>
+          <p:cNvPr id="5" name="Segnaposto testo 4"/>
+          <p:cNvSpPr>
+            <a:spLocks noGrp="1"/>
+          </p:cNvSpPr>
+          <p:nvPr>
+            <p:ph type="body" idx="1"/>
           </p:nvPr>
         </p:nvSpPr>
         <p:spPr/>
@@ -7088,59 +7370,14 @@
           <a:bodyPr/>
           <a:lstStyle/>
           <a:p>
-            <a:endParaRPr lang="it-IT" dirty="0" smtClean="0"/>
-          </a:p>
-          <a:p>
-            <a:endParaRPr lang="it-IT" dirty="0" smtClean="0"/>
-          </a:p>
-          <a:p>
-            <a:pPr algn="ctr"/>
-            <a:r>
-              <a:rPr lang="en-US" sz="4400" dirty="0" err="1">
-                <a:hlinkClick r:id="rId3" tooltip="https://github.com/ReactiveX/rxjs"/>
-              </a:rPr>
-              <a:t>RxJS</a:t>
-            </a:r>
-            <a:r>
-              <a:rPr lang="en-US" sz="4400" dirty="0"/>
-              <a:t> is a library for </a:t>
-            </a:r>
-            <a:r>
-              <a:rPr lang="en-US" sz="4400" dirty="0">
-                <a:hlinkClick r:id="rId4" tooltip="https://www.reactivemanifesto.org/"/>
-              </a:rPr>
-              <a:t>Reactive Programming</a:t>
-            </a:r>
-            <a:r>
-              <a:rPr lang="en-US" sz="4400" dirty="0"/>
-              <a:t> using Observables and </a:t>
-            </a:r>
-            <a:r>
-              <a:rPr lang="en-US" sz="4400" dirty="0" smtClean="0"/>
-              <a:t>the</a:t>
-            </a:r>
-            <a:r>
-              <a:rPr lang="en-US" sz="4400" dirty="0"/>
-              <a:t> </a:t>
-            </a:r>
-            <a:r>
-              <a:rPr lang="en-US" sz="4400" dirty="0">
-                <a:hlinkClick r:id="rId5" tooltip="https://en.wikipedia.org/wiki/Observer_pattern"/>
-              </a:rPr>
-              <a:t>Observer Pattern</a:t>
-            </a:r>
-            <a:r>
-              <a:rPr lang="en-US" sz="4400" dirty="0"/>
-              <a:t>.</a:t>
-            </a:r>
-            <a:endParaRPr lang="it-IT" sz="4400" dirty="0"/>
+            <a:endParaRPr lang="it-IT"/>
           </a:p>
         </p:txBody>
       </p:sp>
     </p:spTree>
     <p:extLst>
       <p:ext uri="{BB962C8B-B14F-4D97-AF65-F5344CB8AC3E}">
-        <p14:creationId xmlns:p14="http://schemas.microsoft.com/office/powerpoint/2010/main" val="2437911513"/>
+        <p14:creationId xmlns:p14="http://schemas.microsoft.com/office/powerpoint/2010/main" val="1030136324"/>
       </p:ext>
     </p:extLst>
   </p:cSld>
@@ -7176,7 +7413,7 @@
       </p:grpSpPr>
       <p:sp>
         <p:nvSpPr>
-          <p:cNvPr id="2" name="Titolo 1"/>
+          <p:cNvPr id="4" name="Titolo 3"/>
           <p:cNvSpPr>
             <a:spLocks noGrp="1"/>
           </p:cNvSpPr>
@@ -7193,29 +7430,13 @@
               <a:rPr lang="it-IT" dirty="0" err="1" smtClean="0"/>
               <a:t>RxJS</a:t>
             </a:r>
-            <a:r>
-              <a:rPr lang="it-IT" dirty="0" smtClean="0"/>
-              <a:t> </a:t>
-            </a:r>
-            <a:r>
-              <a:rPr lang="it-IT" dirty="0" err="1" smtClean="0"/>
-              <a:t>key</a:t>
-            </a:r>
-            <a:r>
-              <a:rPr lang="it-IT" dirty="0" smtClean="0"/>
-              <a:t> </a:t>
-            </a:r>
-            <a:r>
-              <a:rPr lang="it-IT" dirty="0" err="1" smtClean="0"/>
-              <a:t>concepts</a:t>
-            </a:r>
             <a:endParaRPr lang="it-IT" dirty="0"/>
           </a:p>
         </p:txBody>
       </p:sp>
       <p:sp>
         <p:nvSpPr>
-          <p:cNvPr id="3" name="Segnaposto contenuto 2"/>
+          <p:cNvPr id="5" name="Segnaposto contenuto 4"/>
           <p:cNvSpPr>
             <a:spLocks noGrp="1"/>
           </p:cNvSpPr>
@@ -7225,153 +7446,62 @@
         </p:nvSpPr>
         <p:spPr/>
         <p:txBody>
-          <a:bodyPr>
-            <a:normAutofit lnSpcReduction="10000"/>
-          </a:bodyPr>
-          <a:lstStyle/>
-          <a:p>
-            <a:pPr>
-              <a:buFont typeface="Arial" panose="020B0604020202020204" pitchFamily="34" charset="0"/>
-              <a:buChar char="•"/>
-            </a:pPr>
-            <a:r>
-              <a:rPr lang="en-US" sz="2400" b="1" dirty="0" smtClean="0">
-                <a:solidFill>
-                  <a:srgbClr val="0070C0"/>
-                </a:solidFill>
+          <a:bodyPr/>
+          <a:lstStyle/>
+          <a:p>
+            <a:endParaRPr lang="it-IT" dirty="0" smtClean="0"/>
+          </a:p>
+          <a:p>
+            <a:endParaRPr lang="it-IT" dirty="0" smtClean="0"/>
+          </a:p>
+          <a:p>
+            <a:pPr algn="ctr"/>
+            <a:r>
+              <a:rPr lang="en-US" sz="4400" dirty="0" err="1">
+                <a:hlinkClick r:id="rId3" tooltip="https://github.com/ReactiveX/rxjs"/>
               </a:rPr>
-              <a:t>Observable</a:t>
-            </a:r>
-            <a:r>
-              <a:rPr lang="en-US" sz="2400" dirty="0"/>
-              <a:t>: represents the idea of an </a:t>
-            </a:r>
-            <a:r>
-              <a:rPr lang="en-US" sz="2400" dirty="0" err="1"/>
-              <a:t>invokable</a:t>
-            </a:r>
-            <a:r>
-              <a:rPr lang="en-US" sz="2400" dirty="0"/>
-              <a:t> </a:t>
-            </a:r>
-            <a:r>
-              <a:rPr lang="en-US" sz="2400" b="1" dirty="0"/>
-              <a:t>collection</a:t>
-            </a:r>
-            <a:r>
-              <a:rPr lang="en-US" sz="2400" dirty="0"/>
-              <a:t> of future values or </a:t>
-            </a:r>
-            <a:r>
-              <a:rPr lang="en-US" sz="2400" b="1" dirty="0"/>
-              <a:t>events</a:t>
-            </a:r>
-            <a:r>
-              <a:rPr lang="en-US" sz="2400" dirty="0"/>
-              <a:t>; we can think of an Observable like </a:t>
-            </a:r>
-            <a:r>
-              <a:rPr lang="en-US" sz="2400" b="1" dirty="0"/>
-              <a:t>a stream of data that keep coming over time</a:t>
-            </a:r>
-            <a:r>
-              <a:rPr lang="en-US" sz="2400" dirty="0" smtClean="0"/>
+              <a:t>RxJS</a:t>
+            </a:r>
+            <a:r>
+              <a:rPr lang="en-US" sz="4400" dirty="0"/>
+              <a:t> is a library for </a:t>
+            </a:r>
+            <a:r>
+              <a:rPr lang="en-US" sz="4400" dirty="0">
+                <a:hlinkClick r:id="rId4" tooltip="https://www.reactivemanifesto.org/"/>
+              </a:rPr>
+              <a:t>Reactive Programming</a:t>
+            </a:r>
+            <a:r>
+              <a:rPr lang="en-US" sz="4400" dirty="0"/>
+              <a:t> using Observables and </a:t>
+            </a:r>
+            <a:r>
+              <a:rPr lang="en-US" sz="4400" dirty="0" smtClean="0"/>
+              <a:t>the</a:t>
+            </a:r>
+            <a:r>
+              <a:rPr lang="en-US" sz="4400" dirty="0"/>
+              <a:t> </a:t>
+            </a:r>
+            <a:r>
+              <a:rPr lang="en-US" sz="4400" dirty="0">
+                <a:hlinkClick r:id="rId5" tooltip="https://en.wikipedia.org/wiki/Observer_pattern"/>
+              </a:rPr>
+              <a:t>Observer Pattern</a:t>
+            </a:r>
+            <a:r>
+              <a:rPr lang="en-US" sz="4400" dirty="0"/>
               <a:t>.</a:t>
             </a:r>
-          </a:p>
-          <a:p>
-            <a:pPr>
-              <a:buFont typeface="Arial" panose="020B0604020202020204" pitchFamily="34" charset="0"/>
-              <a:buChar char="•"/>
-            </a:pPr>
-            <a:endParaRPr lang="en-US" sz="2400" dirty="0"/>
-          </a:p>
-          <a:p>
-            <a:pPr>
-              <a:buFont typeface="Arial" panose="020B0604020202020204" pitchFamily="34" charset="0"/>
-              <a:buChar char="•"/>
-            </a:pPr>
-            <a:r>
-              <a:rPr lang="en-US" sz="2400" b="1" dirty="0">
-                <a:solidFill>
-                  <a:srgbClr val="0070C0"/>
-                </a:solidFill>
-              </a:rPr>
-              <a:t>Observer</a:t>
-            </a:r>
-            <a:r>
-              <a:rPr lang="en-US" sz="2400" dirty="0"/>
-              <a:t>: is a collection of </a:t>
-            </a:r>
-            <a:r>
-              <a:rPr lang="en-US" sz="2400" b="1" dirty="0"/>
-              <a:t>callbacks</a:t>
-            </a:r>
-            <a:r>
-              <a:rPr lang="en-US" sz="2400" dirty="0"/>
-              <a:t> that knows how to </a:t>
-            </a:r>
-            <a:r>
-              <a:rPr lang="en-US" sz="2400" b="1" dirty="0"/>
-              <a:t>listen</a:t>
-            </a:r>
-            <a:r>
-              <a:rPr lang="en-US" sz="2400" dirty="0"/>
-              <a:t> to values delivered by the Observable</a:t>
-            </a:r>
-            <a:r>
-              <a:rPr lang="en-US" sz="2400" dirty="0" smtClean="0"/>
-              <a:t>.</a:t>
-            </a:r>
-          </a:p>
-          <a:p>
-            <a:pPr>
-              <a:buFont typeface="Arial" panose="020B0604020202020204" pitchFamily="34" charset="0"/>
-              <a:buChar char="•"/>
-            </a:pPr>
-            <a:endParaRPr lang="en-US" sz="2400" dirty="0"/>
-          </a:p>
-          <a:p>
-            <a:pPr>
-              <a:buFont typeface="Arial" panose="020B0604020202020204" pitchFamily="34" charset="0"/>
-              <a:buChar char="•"/>
-            </a:pPr>
-            <a:r>
-              <a:rPr lang="en-US" sz="2400" b="1" dirty="0">
-                <a:solidFill>
-                  <a:srgbClr val="0070C0"/>
-                </a:solidFill>
-              </a:rPr>
-              <a:t>Subscription</a:t>
-            </a:r>
-            <a:r>
-              <a:rPr lang="en-US" sz="2400" dirty="0"/>
-              <a:t>: represents </a:t>
-            </a:r>
-            <a:r>
-              <a:rPr lang="en-US" sz="2400" b="1" dirty="0"/>
-              <a:t>the execution of an Observable</a:t>
-            </a:r>
-            <a:r>
-              <a:rPr lang="en-US" sz="2400" dirty="0"/>
-              <a:t>, it is primarily used for cancelling the execution; </a:t>
-            </a:r>
-            <a:r>
-              <a:rPr lang="en-US" sz="2400" i="1" dirty="0"/>
-              <a:t>the term is also used to indicate the lazy computation that happens for each observer that subscribes</a:t>
-            </a:r>
-            <a:r>
-              <a:rPr lang="en-US" sz="2400" dirty="0" smtClean="0"/>
-              <a:t>.</a:t>
-            </a:r>
-            <a:endParaRPr lang="en-US" sz="2400" dirty="0"/>
+            <a:endParaRPr lang="it-IT" sz="4400" dirty="0"/>
           </a:p>
         </p:txBody>
       </p:sp>
     </p:spTree>
     <p:extLst>
       <p:ext uri="{BB962C8B-B14F-4D97-AF65-F5344CB8AC3E}">
-        <p14:creationId xmlns:p14="http://schemas.microsoft.com/office/powerpoint/2010/main" val="515093099"/>
+        <p14:creationId xmlns:p14="http://schemas.microsoft.com/office/powerpoint/2010/main" val="2437911513"/>
       </p:ext>
     </p:extLst>
   </p:cSld>
@@ -7381,213 +7511,7 @@
   <p:timing>
     <p:tnLst>
       <p:par>
-        <p:cTn id="1" dur="indefinite" restart="never" nodeType="tmRoot">
-          <p:childTnLst>
-            <p:seq concurrent="1" nextAc="seek">
-              <p:cTn id="2" dur="indefinite" nodeType="mainSeq">
-                <p:childTnLst>
-                  <p:par>
-                    <p:cTn id="3" fill="hold">
-                      <p:stCondLst>
-                        <p:cond delay="indefinite"/>
-                      </p:stCondLst>
-                      <p:childTnLst>
-                        <p:par>
-                          <p:cTn id="4" fill="hold">
-                            <p:stCondLst>
-                              <p:cond delay="0"/>
-                            </p:stCondLst>
-                            <p:childTnLst>
-                              <p:par>
-                                <p:cTn id="5" presetID="10" presetClass="entr" presetSubtype="0" fill="hold" nodeType="clickEffect">
-                                  <p:stCondLst>
-                                    <p:cond delay="0"/>
-                                  </p:stCondLst>
-                                  <p:childTnLst>
-                                    <p:set>
-                                      <p:cBhvr>
-                                        <p:cTn id="6" dur="1" fill="hold">
-                                          <p:stCondLst>
-                                            <p:cond delay="0"/>
-                                          </p:stCondLst>
-                                        </p:cTn>
-                                        <p:tgtEl>
-                                          <p:spTgt spid="3">
-                                            <p:txEl>
-                                              <p:pRg st="0" end="0"/>
-                                            </p:txEl>
-                                          </p:spTgt>
-                                        </p:tgtEl>
-                                        <p:attrNameLst>
-                                          <p:attrName>style.visibility</p:attrName>
-                                        </p:attrNameLst>
-                                      </p:cBhvr>
-                                      <p:to>
-                                        <p:strVal val="visible"/>
-                                      </p:to>
-                                    </p:set>
-                                    <p:animEffect transition="in" filter="fade">
-                                      <p:cBhvr>
-                                        <p:cTn id="7" dur="500"/>
-                                        <p:tgtEl>
-                                          <p:spTgt spid="3">
-                                            <p:txEl>
-                                              <p:pRg st="0" end="0"/>
-                                            </p:txEl>
-                                          </p:spTgt>
-                                        </p:tgtEl>
-                                      </p:cBhvr>
-                                    </p:animEffect>
-                                  </p:childTnLst>
-                                </p:cTn>
-                              </p:par>
-                            </p:childTnLst>
-                          </p:cTn>
-                        </p:par>
-                      </p:childTnLst>
-                    </p:cTn>
-                  </p:par>
-                  <p:par>
-                    <p:cTn id="8" fill="hold">
-                      <p:stCondLst>
-                        <p:cond delay="indefinite"/>
-                      </p:stCondLst>
-                      <p:childTnLst>
-                        <p:par>
-                          <p:cTn id="9" fill="hold">
-                            <p:stCondLst>
-                              <p:cond delay="0"/>
-                            </p:stCondLst>
-                            <p:childTnLst>
-                              <p:par>
-                                <p:cTn id="10" presetID="10" presetClass="entr" presetSubtype="0" fill="hold" nodeType="clickEffect">
-                                  <p:stCondLst>
-                                    <p:cond delay="0"/>
-                                  </p:stCondLst>
-                                  <p:childTnLst>
-                                    <p:set>
-                                      <p:cBhvr>
-                                        <p:cTn id="11" dur="1" fill="hold">
-                                          <p:stCondLst>
-                                            <p:cond delay="0"/>
-                                          </p:stCondLst>
-                                        </p:cTn>
-                                        <p:tgtEl>
-                                          <p:spTgt spid="3">
-                                            <p:txEl>
-                                              <p:pRg st="2" end="2"/>
-                                            </p:txEl>
-                                          </p:spTgt>
-                                        </p:tgtEl>
-                                        <p:attrNameLst>
-                                          <p:attrName>style.visibility</p:attrName>
-                                        </p:attrNameLst>
-                                      </p:cBhvr>
-                                      <p:to>
-                                        <p:strVal val="visible"/>
-                                      </p:to>
-                                    </p:set>
-                                    <p:animEffect transition="in" filter="fade">
-                                      <p:cBhvr>
-                                        <p:cTn id="12" dur="500"/>
-                                        <p:tgtEl>
-                                          <p:spTgt spid="3">
-                                            <p:txEl>
-                                              <p:pRg st="2" end="2"/>
-                                            </p:txEl>
-                                          </p:spTgt>
-                                        </p:tgtEl>
-                                      </p:cBhvr>
-                                    </p:animEffect>
-                                  </p:childTnLst>
-                                </p:cTn>
-                              </p:par>
-                            </p:childTnLst>
-                          </p:cTn>
-                        </p:par>
-                      </p:childTnLst>
-                    </p:cTn>
-                  </p:par>
-                  <p:par>
-                    <p:cTn id="13" fill="hold">
-                      <p:stCondLst>
-                        <p:cond delay="indefinite"/>
-                      </p:stCondLst>
-                      <p:childTnLst>
-                        <p:par>
-                          <p:cTn id="14" fill="hold">
-                            <p:stCondLst>
-                              <p:cond delay="0"/>
-                            </p:stCondLst>
-                            <p:childTnLst>
-                              <p:par>
-                                <p:cTn id="15" presetID="10" presetClass="entr" presetSubtype="0" fill="hold" nodeType="clickEffect">
-                                  <p:stCondLst>
-                                    <p:cond delay="0"/>
-                                  </p:stCondLst>
-                                  <p:childTnLst>
-                                    <p:set>
-                                      <p:cBhvr>
-                                        <p:cTn id="16" dur="1" fill="hold">
-                                          <p:stCondLst>
-                                            <p:cond delay="0"/>
-                                          </p:stCondLst>
-                                        </p:cTn>
-                                        <p:tgtEl>
-                                          <p:spTgt spid="3">
-                                            <p:txEl>
-                                              <p:pRg st="4" end="4"/>
-                                            </p:txEl>
-                                          </p:spTgt>
-                                        </p:tgtEl>
-                                        <p:attrNameLst>
-                                          <p:attrName>style.visibility</p:attrName>
-                                        </p:attrNameLst>
-                                      </p:cBhvr>
-                                      <p:to>
-                                        <p:strVal val="visible"/>
-                                      </p:to>
-                                    </p:set>
-                                    <p:animEffect transition="in" filter="fade">
-                                      <p:cBhvr>
-                                        <p:cTn id="17" dur="500"/>
-                                        <p:tgtEl>
-                                          <p:spTgt spid="3">
-                                            <p:txEl>
-                                              <p:pRg st="4" end="4"/>
-                                            </p:txEl>
-                                          </p:spTgt>
-                                        </p:tgtEl>
-                                      </p:cBhvr>
-                                    </p:animEffect>
-                                  </p:childTnLst>
-                                </p:cTn>
-                              </p:par>
-                            </p:childTnLst>
-                          </p:cTn>
-                        </p:par>
-                      </p:childTnLst>
-                    </p:cTn>
-                  </p:par>
-                </p:childTnLst>
-              </p:cTn>
-              <p:prevCondLst>
-                <p:cond evt="onPrev" delay="0">
-                  <p:tgtEl>
-                    <p:sldTgt/>
-                  </p:tgtEl>
-                </p:cond>
-              </p:prevCondLst>
-              <p:nextCondLst>
-                <p:cond evt="onNext" delay="0">
-                  <p:tgtEl>
-                    <p:sldTgt/>
-                  </p:tgtEl>
-                </p:cond>
-              </p:nextCondLst>
-            </p:seq>
-          </p:childTnLst>
-        </p:cTn>
+        <p:cTn id="1" dur="indefinite" restart="never" nodeType="tmRoot"/>
       </p:par>
     </p:tnLst>
   </p:timing>
@@ -7663,7 +7587,7 @@
         <p:spPr/>
         <p:txBody>
           <a:bodyPr>
-            <a:normAutofit/>
+            <a:normAutofit lnSpcReduction="10000"/>
           </a:bodyPr>
           <a:lstStyle/>
           <a:p>
@@ -7677,31 +7601,51 @@
                   <a:srgbClr val="0070C0"/>
                 </a:solidFill>
               </a:rPr>
-              <a:t>Operators</a:t>
+              <a:t>Observable</a:t>
             </a:r>
             <a:r>
               <a:rPr lang="en-US" sz="2400" dirty="0"/>
-              <a:t>: </a:t>
-            </a:r>
-            <a:r>
-              <a:rPr lang="en-US" sz="2400" i="1" dirty="0"/>
-              <a:t>pure functions </a:t>
+              <a:t>: represents the idea of an </a:t>
+            </a:r>
+            <a:r>
+              <a:rPr lang="en-US" sz="2400" dirty="0" err="1"/>
+              <a:t>invokable</a:t>
             </a:r>
             <a:r>
               <a:rPr lang="en-US" sz="2400" dirty="0"/>
-              <a:t>that enable a functional programming style of coding (operations like map, filter, </a:t>
-            </a:r>
-            <a:r>
-              <a:rPr lang="en-US" sz="2400" dirty="0" err="1"/>
-              <a:t>concat</a:t>
+              <a:t> </a:t>
+            </a:r>
+            <a:r>
+              <a:rPr lang="en-US" sz="2400" b="1" dirty="0"/>
+              <a:t>collection</a:t>
             </a:r>
             <a:r>
               <a:rPr lang="en-US" sz="2400" dirty="0"/>
-              <a:t>, etc</a:t>
+              <a:t> of future values or </a:t>
+            </a:r>
+            <a:r>
+              <a:rPr lang="en-US" sz="2400" b="1" dirty="0"/>
+              <a:t>events</a:t>
+            </a:r>
+            <a:r>
+              <a:rPr lang="en-US" sz="2400" dirty="0"/>
+              <a:t>; we can think of an Observable like </a:t>
+            </a:r>
+            <a:r>
+              <a:rPr lang="en-US" sz="2400" b="1" dirty="0"/>
+              <a:t>a stream of data that </a:t>
+            </a:r>
+            <a:r>
+              <a:rPr lang="en-US" sz="2400" b="1" dirty="0" smtClean="0"/>
+              <a:t>keeps </a:t>
+            </a:r>
+            <a:r>
+              <a:rPr lang="en-US" sz="2400" b="1" dirty="0"/>
+              <a:t>coming over time</a:t>
             </a:r>
             <a:r>
               <a:rPr lang="en-US" sz="2400" dirty="0" smtClean="0"/>
-              <a:t>.).</a:t>
+              <a:t>.</a:t>
             </a:r>
           </a:p>
           <a:p>
@@ -7722,39 +7666,27 @@
                   <a:srgbClr val="0070C0"/>
                 </a:solidFill>
               </a:rPr>
-              <a:t>Subject</a:t>
+              <a:t>Observer</a:t>
             </a:r>
             <a:r>
               <a:rPr lang="en-US" sz="2400" dirty="0"/>
-              <a:t>: is the </a:t>
+              <a:t>: is a collection of </a:t>
             </a:r>
             <a:r>
               <a:rPr lang="en-US" sz="2400" b="1" dirty="0"/>
-              <a:t>equivalent to an </a:t>
-            </a:r>
-            <a:r>
-              <a:rPr lang="en-US" sz="2400" b="1" dirty="0" err="1"/>
-              <a:t>EventEmitter</a:t>
+              <a:t>callbacks</a:t>
             </a:r>
             <a:r>
               <a:rPr lang="en-US" sz="2400" dirty="0"/>
-              <a:t>, and </a:t>
+              <a:t> that knows how to </a:t>
             </a:r>
             <a:r>
               <a:rPr lang="en-US" sz="2400" b="1" dirty="0"/>
-              <a:t>the only way of multicasting </a:t>
+              <a:t>listen</a:t>
             </a:r>
             <a:r>
               <a:rPr lang="en-US" sz="2400" dirty="0"/>
-              <a:t>a value </a:t>
-            </a:r>
-            <a:r>
-              <a:rPr lang="en-US" sz="2400" dirty="0" smtClean="0"/>
-              <a:t>(or event) </a:t>
-            </a:r>
-            <a:r>
-              <a:rPr lang="en-US" sz="2400" dirty="0"/>
-              <a:t>to multiple Observers</a:t>
+              <a:t> to values delivered by the Observable</a:t>
             </a:r>
             <a:r>
               <a:rPr lang="en-US" sz="2400" dirty="0" smtClean="0"/>
@@ -7779,27 +7711,27 @@
                   <a:srgbClr val="0070C0"/>
                 </a:solidFill>
               </a:rPr>
-              <a:t>Schedulers</a:t>
+              <a:t>Subscription</a:t>
             </a:r>
             <a:r>
               <a:rPr lang="en-US" sz="2400" dirty="0"/>
-              <a:t>: are centralized dispatchers to control concurrency, allowing us to coordinate when computation </a:t>
+              <a:t>: represents </a:t>
+            </a:r>
+            <a:r>
+              <a:rPr lang="en-US" sz="2400" b="1" dirty="0"/>
+              <a:t>the execution of an Observable</a:t>
+            </a:r>
+            <a:r>
+              <a:rPr lang="en-US" sz="2400" dirty="0"/>
+              <a:t>, it is primarily used for cancelling the </a:t>
             </a:r>
             <a:r>
               <a:rPr lang="en-US" sz="2400" dirty="0" smtClean="0"/>
-              <a:t>happens; e.g.: </a:t>
-            </a:r>
-            <a:r>
-              <a:rPr lang="en-US" sz="2400" dirty="0" err="1" smtClean="0"/>
-              <a:t>setTimeout</a:t>
-            </a:r>
-            <a:r>
-              <a:rPr lang="en-US" sz="2400" dirty="0" smtClean="0"/>
-              <a:t>(), interval(), </a:t>
-            </a:r>
-            <a:r>
-              <a:rPr lang="en-US" sz="2400" dirty="0"/>
-              <a:t>etc</a:t>
+              <a:t>execution itself; </a:t>
+            </a:r>
+            <a:r>
+              <a:rPr lang="en-US" sz="2400" i="1" dirty="0"/>
+              <a:t>the term is also used to indicate the lazy computation that happens for each observer that subscribes</a:t>
             </a:r>
             <a:r>
               <a:rPr lang="en-US" sz="2400" dirty="0" smtClean="0"/>
@@ -7812,7 +7744,7 @@
     </p:spTree>
     <p:extLst>
       <p:ext uri="{BB962C8B-B14F-4D97-AF65-F5344CB8AC3E}">
-        <p14:creationId xmlns:p14="http://schemas.microsoft.com/office/powerpoint/2010/main" val="1728736343"/>
+        <p14:creationId xmlns:p14="http://schemas.microsoft.com/office/powerpoint/2010/main" val="515093099"/>
       </p:ext>
     </p:extLst>
   </p:cSld>
@@ -8069,15 +8001,23 @@
           <a:p>
             <a:r>
               <a:rPr lang="it-IT" dirty="0" err="1" smtClean="0"/>
-              <a:t>Learn</a:t>
-            </a:r>
-            <a:r>
-              <a:rPr lang="it-IT" dirty="0" smtClean="0"/>
-              <a:t> by </a:t>
-            </a:r>
-            <a:r>
-              <a:rPr lang="it-IT" dirty="0" err="1" smtClean="0"/>
-              <a:t>examples</a:t>
+              <a:t>RxJS</a:t>
+            </a:r>
+            <a:r>
+              <a:rPr lang="it-IT" dirty="0" smtClean="0"/>
+              <a:t> </a:t>
+            </a:r>
+            <a:r>
+              <a:rPr lang="it-IT" dirty="0" err="1" smtClean="0"/>
+              <a:t>key</a:t>
+            </a:r>
+            <a:r>
+              <a:rPr lang="it-IT" dirty="0" smtClean="0"/>
+              <a:t> </a:t>
+            </a:r>
+            <a:r>
+              <a:rPr lang="it-IT" dirty="0" err="1" smtClean="0"/>
+              <a:t>concepts</a:t>
             </a:r>
             <a:endParaRPr lang="it-IT" dirty="0"/>
           </a:p>
@@ -8095,48 +8035,173 @@
         </p:nvSpPr>
         <p:spPr/>
         <p:txBody>
-          <a:bodyPr/>
-          <a:lstStyle/>
-          <a:p>
-            <a:endParaRPr lang="it-IT" dirty="0" smtClean="0"/>
-          </a:p>
-          <a:p>
-            <a:endParaRPr lang="it-IT" dirty="0"/>
-          </a:p>
-        </p:txBody>
-      </p:sp>
-      <p:sp>
-        <p:nvSpPr>
-          <p:cNvPr id="4" name="Rettangolo 3"/>
-          <p:cNvSpPr/>
-          <p:nvPr/>
-        </p:nvSpPr>
-        <p:spPr>
-          <a:xfrm>
-            <a:off x="1225693" y="3013502"/>
-            <a:ext cx="9740615" cy="830997"/>
-          </a:xfrm>
-          <a:prstGeom prst="rect">
-            <a:avLst/>
-          </a:prstGeom>
-        </p:spPr>
-        <p:txBody>
-          <a:bodyPr wrap="none">
-            <a:spAutoFit/>
+          <a:bodyPr>
+            <a:normAutofit/>
           </a:bodyPr>
           <a:lstStyle/>
           <a:p>
-            <a:r>
-              <a:rPr lang="it-IT" sz="4800" dirty="0"/>
-              <a:t>https://github.com/AGiorgetti/rxjs101</a:t>
-            </a:r>
+            <a:pPr>
+              <a:buFont typeface="Arial" panose="020B0604020202020204" pitchFamily="34" charset="0"/>
+              <a:buChar char="•"/>
+            </a:pPr>
+            <a:r>
+              <a:rPr lang="en-US" sz="2400" b="1" dirty="0" smtClean="0">
+                <a:solidFill>
+                  <a:srgbClr val="0070C0"/>
+                </a:solidFill>
+              </a:rPr>
+              <a:t>Operators</a:t>
+            </a:r>
+            <a:r>
+              <a:rPr lang="en-US" sz="2400" dirty="0"/>
+              <a:t>: </a:t>
+            </a:r>
+            <a:r>
+              <a:rPr lang="en-US" sz="2400" i="1" dirty="0"/>
+              <a:t>pure functions </a:t>
+            </a:r>
+            <a:r>
+              <a:rPr lang="en-US" sz="2400" dirty="0"/>
+              <a:t>that enable a functional programming style of coding (operations </a:t>
+            </a:r>
+            <a:r>
+              <a:rPr lang="en-US" sz="2400" dirty="0" smtClean="0"/>
+              <a:t>like: </a:t>
+            </a:r>
+            <a:r>
+              <a:rPr lang="en-US" sz="2400" dirty="0"/>
+              <a:t>map, filter, </a:t>
+            </a:r>
+            <a:r>
+              <a:rPr lang="en-US" sz="2400" dirty="0" err="1"/>
+              <a:t>concat</a:t>
+            </a:r>
+            <a:r>
+              <a:rPr lang="en-US" sz="2400" dirty="0"/>
+              <a:t>, etc</a:t>
+            </a:r>
+            <a:r>
+              <a:rPr lang="en-US" sz="2400" dirty="0" smtClean="0"/>
+              <a:t>.).</a:t>
+            </a:r>
+          </a:p>
+          <a:p>
+            <a:pPr>
+              <a:buFont typeface="Arial" panose="020B0604020202020204" pitchFamily="34" charset="0"/>
+              <a:buChar char="•"/>
+            </a:pPr>
+            <a:endParaRPr lang="en-US" sz="2400" dirty="0"/>
+          </a:p>
+          <a:p>
+            <a:pPr>
+              <a:buFont typeface="Arial" panose="020B0604020202020204" pitchFamily="34" charset="0"/>
+              <a:buChar char="•"/>
+            </a:pPr>
+            <a:r>
+              <a:rPr lang="en-US" sz="2400" b="1" dirty="0">
+                <a:solidFill>
+                  <a:srgbClr val="0070C0"/>
+                </a:solidFill>
+              </a:rPr>
+              <a:t>Subject</a:t>
+            </a:r>
+            <a:r>
+              <a:rPr lang="en-US" sz="2400" dirty="0"/>
+              <a:t>: is the </a:t>
+            </a:r>
+            <a:r>
+              <a:rPr lang="en-US" sz="2400" b="1" dirty="0"/>
+              <a:t>equivalent to an </a:t>
+            </a:r>
+            <a:r>
+              <a:rPr lang="en-US" sz="2400" b="1" dirty="0" err="1"/>
+              <a:t>EventEmitter</a:t>
+            </a:r>
+            <a:r>
+              <a:rPr lang="en-US" sz="2400" dirty="0"/>
+              <a:t>, and </a:t>
+            </a:r>
+            <a:r>
+              <a:rPr lang="en-US" sz="2400" dirty="0" smtClean="0"/>
+              <a:t>it is </a:t>
+            </a:r>
+            <a:r>
+              <a:rPr lang="en-US" sz="2400" b="1" dirty="0" smtClean="0"/>
+              <a:t>the </a:t>
+            </a:r>
+            <a:r>
+              <a:rPr lang="en-US" sz="2400" b="1" dirty="0"/>
+              <a:t>only way of multicasting </a:t>
+            </a:r>
+            <a:r>
+              <a:rPr lang="en-US" sz="2400" dirty="0"/>
+              <a:t>a value </a:t>
+            </a:r>
+            <a:r>
+              <a:rPr lang="en-US" sz="2400" dirty="0" smtClean="0"/>
+              <a:t>(or event) </a:t>
+            </a:r>
+            <a:r>
+              <a:rPr lang="en-US" sz="2400" dirty="0"/>
+              <a:t>to multiple Observers</a:t>
+            </a:r>
+            <a:r>
+              <a:rPr lang="en-US" sz="2400" dirty="0" smtClean="0"/>
+              <a:t>.</a:t>
+            </a:r>
+          </a:p>
+          <a:p>
+            <a:pPr>
+              <a:buFont typeface="Arial" panose="020B0604020202020204" pitchFamily="34" charset="0"/>
+              <a:buChar char="•"/>
+            </a:pPr>
+            <a:endParaRPr lang="en-US" sz="2400" dirty="0"/>
+          </a:p>
+          <a:p>
+            <a:pPr>
+              <a:buFont typeface="Arial" panose="020B0604020202020204" pitchFamily="34" charset="0"/>
+              <a:buChar char="•"/>
+            </a:pPr>
+            <a:r>
+              <a:rPr lang="en-US" sz="2400" b="1" dirty="0">
+                <a:solidFill>
+                  <a:srgbClr val="0070C0"/>
+                </a:solidFill>
+              </a:rPr>
+              <a:t>Schedulers</a:t>
+            </a:r>
+            <a:r>
+              <a:rPr lang="en-US" sz="2400" dirty="0"/>
+              <a:t>: are centralized dispatchers to control concurrency, allowing us to coordinate when computation </a:t>
+            </a:r>
+            <a:r>
+              <a:rPr lang="en-US" sz="2400" dirty="0" smtClean="0"/>
+              <a:t>happens on e.g.: </a:t>
+            </a:r>
+            <a:r>
+              <a:rPr lang="en-US" sz="2400" dirty="0" err="1" smtClean="0"/>
+              <a:t>setTimeout</a:t>
+            </a:r>
+            <a:r>
+              <a:rPr lang="en-US" sz="2400" dirty="0" smtClean="0"/>
+              <a:t>(), interval(), </a:t>
+            </a:r>
+            <a:r>
+              <a:rPr lang="en-US" sz="2400" dirty="0"/>
+              <a:t>etc</a:t>
+            </a:r>
+            <a:r>
+              <a:rPr lang="en-US" sz="2400" dirty="0" smtClean="0"/>
+              <a:t>.</a:t>
+            </a:r>
+            <a:endParaRPr lang="en-US" sz="2400" dirty="0"/>
           </a:p>
         </p:txBody>
       </p:sp>
     </p:spTree>
     <p:extLst>
       <p:ext uri="{BB962C8B-B14F-4D97-AF65-F5344CB8AC3E}">
-        <p14:creationId xmlns:p14="http://schemas.microsoft.com/office/powerpoint/2010/main" val="2183081916"/>
+        <p14:creationId xmlns:p14="http://schemas.microsoft.com/office/powerpoint/2010/main" val="1728736343"/>
       </p:ext>
     </p:extLst>
   </p:cSld>
@@ -8146,7 +8211,213 @@
   <p:timing>
     <p:tnLst>
       <p:par>
-        <p:cTn id="1" dur="indefinite" restart="never" nodeType="tmRoot"/>
+        <p:cTn id="1" dur="indefinite" restart="never" nodeType="tmRoot">
+          <p:childTnLst>
+            <p:seq concurrent="1" nextAc="seek">
+              <p:cTn id="2" dur="indefinite" nodeType="mainSeq">
+                <p:childTnLst>
+                  <p:par>
+                    <p:cTn id="3" fill="hold">
+                      <p:stCondLst>
+                        <p:cond delay="indefinite"/>
+                      </p:stCondLst>
+                      <p:childTnLst>
+                        <p:par>
+                          <p:cTn id="4" fill="hold">
+                            <p:stCondLst>
+                              <p:cond delay="0"/>
+                            </p:stCondLst>
+                            <p:childTnLst>
+                              <p:par>
+                                <p:cTn id="5" presetID="10" presetClass="entr" presetSubtype="0" fill="hold" nodeType="clickEffect">
+                                  <p:stCondLst>
+                                    <p:cond delay="0"/>
+                                  </p:stCondLst>
+                                  <p:childTnLst>
+                                    <p:set>
+                                      <p:cBhvr>
+                                        <p:cTn id="6" dur="1" fill="hold">
+                                          <p:stCondLst>
+                                            <p:cond delay="0"/>
+                                          </p:stCondLst>
+                                        </p:cTn>
+                                        <p:tgtEl>
+                                          <p:spTgt spid="3">
+                                            <p:txEl>
+                                              <p:pRg st="0" end="0"/>
+                                            </p:txEl>
+                                          </p:spTgt>
+                                        </p:tgtEl>
+                                        <p:attrNameLst>
+                                          <p:attrName>style.visibility</p:attrName>
+                                        </p:attrNameLst>
+                                      </p:cBhvr>
+                                      <p:to>
+                                        <p:strVal val="visible"/>
+                                      </p:to>
+                                    </p:set>
+                                    <p:animEffect transition="in" filter="fade">
+                                      <p:cBhvr>
+                                        <p:cTn id="7" dur="500"/>
+                                        <p:tgtEl>
+                                          <p:spTgt spid="3">
+                                            <p:txEl>
+                                              <p:pRg st="0" end="0"/>
+                                            </p:txEl>
+                                          </p:spTgt>
+                                        </p:tgtEl>
+                                      </p:cBhvr>
+                                    </p:animEffect>
+                                  </p:childTnLst>
+                                </p:cTn>
+                              </p:par>
+                            </p:childTnLst>
+                          </p:cTn>
+                        </p:par>
+                      </p:childTnLst>
+                    </p:cTn>
+                  </p:par>
+                  <p:par>
+                    <p:cTn id="8" fill="hold">
+                      <p:stCondLst>
+                        <p:cond delay="indefinite"/>
+                      </p:stCondLst>
+                      <p:childTnLst>
+                        <p:par>
+                          <p:cTn id="9" fill="hold">
+                            <p:stCondLst>
+                              <p:cond delay="0"/>
+                            </p:stCondLst>
+                            <p:childTnLst>
+                              <p:par>
+                                <p:cTn id="10" presetID="10" presetClass="entr" presetSubtype="0" fill="hold" nodeType="clickEffect">
+                                  <p:stCondLst>
+                                    <p:cond delay="0"/>
+                                  </p:stCondLst>
+                                  <p:childTnLst>
+                                    <p:set>
+                                      <p:cBhvr>
+                                        <p:cTn id="11" dur="1" fill="hold">
+                                          <p:stCondLst>
+                                            <p:cond delay="0"/>
+                                          </p:stCondLst>
+                                        </p:cTn>
+                                        <p:tgtEl>
+                                          <p:spTgt spid="3">
+                                            <p:txEl>
+                                              <p:pRg st="2" end="2"/>
+                                            </p:txEl>
+                                          </p:spTgt>
+                                        </p:tgtEl>
+                                        <p:attrNameLst>
+                                          <p:attrName>style.visibility</p:attrName>
+                                        </p:attrNameLst>
+                                      </p:cBhvr>
+                                      <p:to>
+                                        <p:strVal val="visible"/>
+                                      </p:to>
+                                    </p:set>
+                                    <p:animEffect transition="in" filter="fade">
+                                      <p:cBhvr>
+                                        <p:cTn id="12" dur="500"/>
+                                        <p:tgtEl>
+                                          <p:spTgt spid="3">
+                                            <p:txEl>
+                                              <p:pRg st="2" end="2"/>
+                                            </p:txEl>
+                                          </p:spTgt>
+                                        </p:tgtEl>
+                                      </p:cBhvr>
+                                    </p:animEffect>
+                                  </p:childTnLst>
+                                </p:cTn>
+                              </p:par>
+                            </p:childTnLst>
+                          </p:cTn>
+                        </p:par>
+                      </p:childTnLst>
+                    </p:cTn>
+                  </p:par>
+                  <p:par>
+                    <p:cTn id="13" fill="hold">
+                      <p:stCondLst>
+                        <p:cond delay="indefinite"/>
+                      </p:stCondLst>
+                      <p:childTnLst>
+                        <p:par>
+                          <p:cTn id="14" fill="hold">
+                            <p:stCondLst>
+                              <p:cond delay="0"/>
+                            </p:stCondLst>
+                            <p:childTnLst>
+                              <p:par>
+                                <p:cTn id="15" presetID="10" presetClass="entr" presetSubtype="0" fill="hold" nodeType="clickEffect">
+                                  <p:stCondLst>
+                                    <p:cond delay="0"/>
+                                  </p:stCondLst>
+                                  <p:childTnLst>
+                                    <p:set>
+                                      <p:cBhvr>
+                                        <p:cTn id="16" dur="1" fill="hold">
+                                          <p:stCondLst>
+                                            <p:cond delay="0"/>
+                                          </p:stCondLst>
+                                        </p:cTn>
+                                        <p:tgtEl>
+                                          <p:spTgt spid="3">
+                                            <p:txEl>
+                                              <p:pRg st="4" end="4"/>
+                                            </p:txEl>
+                                          </p:spTgt>
+                                        </p:tgtEl>
+                                        <p:attrNameLst>
+                                          <p:attrName>style.visibility</p:attrName>
+                                        </p:attrNameLst>
+                                      </p:cBhvr>
+                                      <p:to>
+                                        <p:strVal val="visible"/>
+                                      </p:to>
+                                    </p:set>
+                                    <p:animEffect transition="in" filter="fade">
+                                      <p:cBhvr>
+                                        <p:cTn id="17" dur="500"/>
+                                        <p:tgtEl>
+                                          <p:spTgt spid="3">
+                                            <p:txEl>
+                                              <p:pRg st="4" end="4"/>
+                                            </p:txEl>
+                                          </p:spTgt>
+                                        </p:tgtEl>
+                                      </p:cBhvr>
+                                    </p:animEffect>
+                                  </p:childTnLst>
+                                </p:cTn>
+                              </p:par>
+                            </p:childTnLst>
+                          </p:cTn>
+                        </p:par>
+                      </p:childTnLst>
+                    </p:cTn>
+                  </p:par>
+                </p:childTnLst>
+              </p:cTn>
+              <p:prevCondLst>
+                <p:cond evt="onPrev" delay="0">
+                  <p:tgtEl>
+                    <p:sldTgt/>
+                  </p:tgtEl>
+                </p:cond>
+              </p:prevCondLst>
+              <p:nextCondLst>
+                <p:cond evt="onNext" delay="0">
+                  <p:tgtEl>
+                    <p:sldTgt/>
+                  </p:tgtEl>
+                </p:cond>
+              </p:nextCondLst>
+            </p:seq>
+          </p:childTnLst>
+        </p:cTn>
       </p:par>
     </p:tnLst>
   </p:timing>
@@ -8172,7 +8443,7 @@
       </p:grpSpPr>
       <p:sp>
         <p:nvSpPr>
-          <p:cNvPr id="4" name="Titolo 3"/>
+          <p:cNvPr id="2" name="Titolo 1"/>
           <p:cNvSpPr>
             <a:spLocks noGrp="1"/>
           </p:cNvSpPr>
@@ -8182,152 +8453,79 @@
         </p:nvSpPr>
         <p:spPr/>
         <p:txBody>
-          <a:bodyPr>
-            <a:normAutofit fontScale="90000"/>
+          <a:bodyPr/>
+          <a:lstStyle/>
+          <a:p>
+            <a:r>
+              <a:rPr lang="it-IT" dirty="0" err="1" smtClean="0"/>
+              <a:t>Learn</a:t>
+            </a:r>
+            <a:r>
+              <a:rPr lang="it-IT" dirty="0" smtClean="0"/>
+              <a:t> by </a:t>
+            </a:r>
+            <a:r>
+              <a:rPr lang="it-IT" dirty="0" err="1" smtClean="0"/>
+              <a:t>examples</a:t>
+            </a:r>
+            <a:endParaRPr lang="it-IT" dirty="0"/>
+          </a:p>
+        </p:txBody>
+      </p:sp>
+      <p:sp>
+        <p:nvSpPr>
+          <p:cNvPr id="3" name="Segnaposto contenuto 2"/>
+          <p:cNvSpPr>
+            <a:spLocks noGrp="1"/>
+          </p:cNvSpPr>
+          <p:nvPr>
+            <p:ph idx="1"/>
+          </p:nvPr>
+        </p:nvSpPr>
+        <p:spPr/>
+        <p:txBody>
+          <a:bodyPr/>
+          <a:lstStyle/>
+          <a:p>
+            <a:endParaRPr lang="it-IT" dirty="0" smtClean="0"/>
+          </a:p>
+          <a:p>
+            <a:endParaRPr lang="it-IT" dirty="0"/>
+          </a:p>
+        </p:txBody>
+      </p:sp>
+      <p:sp>
+        <p:nvSpPr>
+          <p:cNvPr id="4" name="Rettangolo 3"/>
+          <p:cNvSpPr/>
+          <p:nvPr/>
+        </p:nvSpPr>
+        <p:spPr>
+          <a:xfrm>
+            <a:off x="1225693" y="3013502"/>
+            <a:ext cx="9740615" cy="830997"/>
+          </a:xfrm>
+          <a:prstGeom prst="rect">
+            <a:avLst/>
+          </a:prstGeom>
+        </p:spPr>
+        <p:txBody>
+          <a:bodyPr wrap="none">
+            <a:spAutoFit/>
           </a:bodyPr>
           <a:lstStyle/>
           <a:p>
             <a:r>
-              <a:rPr lang="it-IT" sz="6000" dirty="0" smtClean="0"/>
-              <a:t>Demo 01</a:t>
-            </a:r>
-            <a:br>
-              <a:rPr lang="it-IT" sz="6000" dirty="0" smtClean="0"/>
-            </a:br>
-            <a:r>
-              <a:rPr lang="it-IT" dirty="0" smtClean="0"/>
-              <a:t/>
-            </a:r>
-            <a:br>
-              <a:rPr lang="it-IT" dirty="0" smtClean="0"/>
-            </a:br>
-            <a:r>
-              <a:rPr lang="it-IT" dirty="0" err="1" smtClean="0"/>
-              <a:t>Observables</a:t>
-            </a:r>
-            <a:r>
-              <a:rPr lang="it-IT" dirty="0" smtClean="0"/>
-              <a:t> and </a:t>
-            </a:r>
-            <a:r>
-              <a:rPr lang="it-IT" dirty="0" err="1" smtClean="0"/>
-              <a:t>Subjects</a:t>
-            </a:r>
-            <a:endParaRPr lang="it-IT" dirty="0"/>
-          </a:p>
-        </p:txBody>
-      </p:sp>
-      <p:sp>
-        <p:nvSpPr>
-          <p:cNvPr id="5" name="Segnaposto testo 4"/>
-          <p:cNvSpPr>
-            <a:spLocks noGrp="1"/>
-          </p:cNvSpPr>
-          <p:nvPr>
-            <p:ph type="body" idx="1"/>
-          </p:nvPr>
-        </p:nvSpPr>
-        <p:spPr/>
-        <p:txBody>
-          <a:bodyPr>
-            <a:normAutofit fontScale="92500"/>
-          </a:bodyPr>
-          <a:lstStyle/>
-          <a:p>
-            <a:r>
-              <a:rPr lang="it-IT" dirty="0" smtClean="0"/>
-              <a:t>Create an </a:t>
-            </a:r>
-            <a:r>
-              <a:rPr lang="it-IT" dirty="0" err="1" smtClean="0"/>
-              <a:t>observable</a:t>
-            </a:r>
-            <a:r>
-              <a:rPr lang="it-IT" dirty="0" smtClean="0"/>
-              <a:t> and SUBSCRIBE TO </a:t>
-            </a:r>
-            <a:r>
-              <a:rPr lang="it-IT" dirty="0" err="1" smtClean="0"/>
-              <a:t>observe</a:t>
-            </a:r>
-            <a:r>
-              <a:rPr lang="it-IT" dirty="0" smtClean="0"/>
-              <a:t> </a:t>
-            </a:r>
-            <a:r>
-              <a:rPr lang="it-IT" dirty="0" err="1" smtClean="0"/>
-              <a:t>emitted</a:t>
-            </a:r>
-            <a:r>
-              <a:rPr lang="it-IT" dirty="0" smtClean="0"/>
-              <a:t> </a:t>
-            </a:r>
-            <a:r>
-              <a:rPr lang="it-IT" dirty="0" err="1" smtClean="0"/>
-              <a:t>values</a:t>
-            </a:r>
-            <a:r>
-              <a:rPr lang="it-IT" dirty="0" smtClean="0"/>
-              <a:t>.</a:t>
-            </a:r>
-          </a:p>
-          <a:p>
-            <a:r>
-              <a:rPr lang="it-IT" dirty="0" smtClean="0"/>
-              <a:t>Create a </a:t>
-            </a:r>
-            <a:r>
-              <a:rPr lang="it-IT" dirty="0" err="1" smtClean="0"/>
-              <a:t>subject</a:t>
-            </a:r>
-            <a:r>
-              <a:rPr lang="it-IT" dirty="0"/>
-              <a:t> </a:t>
-            </a:r>
-            <a:r>
-              <a:rPr lang="it-IT" dirty="0" smtClean="0"/>
-              <a:t>and </a:t>
-            </a:r>
-            <a:r>
-              <a:rPr lang="it-IT" dirty="0" err="1" smtClean="0"/>
-              <a:t>subscribe</a:t>
-            </a:r>
-            <a:r>
-              <a:rPr lang="it-IT" dirty="0" smtClean="0"/>
-              <a:t> to </a:t>
-            </a:r>
-            <a:r>
-              <a:rPr lang="it-IT" dirty="0" err="1" smtClean="0"/>
-              <a:t>observe</a:t>
-            </a:r>
-            <a:r>
-              <a:rPr lang="it-IT" dirty="0" smtClean="0"/>
-              <a:t> </a:t>
-            </a:r>
-            <a:r>
-              <a:rPr lang="it-IT" dirty="0" err="1" smtClean="0"/>
-              <a:t>emitted</a:t>
-            </a:r>
-            <a:r>
-              <a:rPr lang="it-IT" dirty="0" smtClean="0"/>
-              <a:t> </a:t>
-            </a:r>
-            <a:r>
-              <a:rPr lang="it-IT" dirty="0" err="1" smtClean="0"/>
-              <a:t>values</a:t>
-            </a:r>
-            <a:r>
-              <a:rPr lang="it-IT" dirty="0" smtClean="0"/>
-              <a:t>.</a:t>
-            </a:r>
-            <a:endParaRPr lang="it-IT" dirty="0"/>
+              <a:rPr lang="it-IT" sz="4800" dirty="0"/>
+              <a:t>https://github.com/AGiorgetti/rxjs101</a:t>
+            </a:r>
           </a:p>
         </p:txBody>
       </p:sp>
     </p:spTree>
     <p:extLst>
       <p:ext uri="{BB962C8B-B14F-4D97-AF65-F5344CB8AC3E}">
-        <p14:creationId xmlns:p14="http://schemas.microsoft.com/office/powerpoint/2010/main" val="543870844"/>
+        <p14:creationId xmlns:p14="http://schemas.microsoft.com/office/powerpoint/2010/main" val="2183081916"/>
       </p:ext>
     </p:extLst>
   </p:cSld>
@@ -8374,13 +8572,13 @@
         <p:spPr/>
         <p:txBody>
           <a:bodyPr>
-            <a:normAutofit/>
+            <a:normAutofit fontScale="90000"/>
           </a:bodyPr>
           <a:lstStyle/>
           <a:p>
             <a:r>
               <a:rPr lang="it-IT" sz="6000" dirty="0" smtClean="0"/>
-              <a:t>Demo 02</a:t>
+              <a:t>Demo 01</a:t>
             </a:r>
             <a:br>
               <a:rPr lang="it-IT" sz="6000" dirty="0" smtClean="0"/>
@@ -8394,19 +8592,15 @@
             </a:br>
             <a:r>
               <a:rPr lang="it-IT" dirty="0" err="1" smtClean="0"/>
-              <a:t>Unicast</a:t>
-            </a:r>
-            <a:r>
-              <a:rPr lang="it-IT" dirty="0" smtClean="0"/>
-              <a:t> (or </a:t>
-            </a:r>
-            <a:r>
-              <a:rPr lang="it-IT" dirty="0" err="1" smtClean="0"/>
-              <a:t>Cold</a:t>
-            </a:r>
-            <a:r>
-              <a:rPr lang="it-IT" dirty="0" smtClean="0"/>
-              <a:t>)</a:t>
+              <a:t>Observables</a:t>
+            </a:r>
+            <a:r>
+              <a:rPr lang="it-IT" dirty="0" smtClean="0"/>
+              <a:t> and </a:t>
+            </a:r>
+            <a:r>
+              <a:rPr lang="it-IT" dirty="0" err="1" smtClean="0"/>
+              <a:t>Subjects</a:t>
             </a:r>
             <a:endParaRPr lang="it-IT" dirty="0"/>
           </a:p>
@@ -8424,32 +8618,26 @@
         </p:nvSpPr>
         <p:spPr/>
         <p:txBody>
-          <a:bodyPr/>
-          <a:lstStyle/>
-          <a:p>
-            <a:r>
-              <a:rPr lang="it-IT" dirty="0" smtClean="0"/>
-              <a:t>EACH </a:t>
-            </a:r>
-            <a:r>
-              <a:rPr lang="it-IT" dirty="0" err="1" smtClean="0"/>
-              <a:t>observer</a:t>
-            </a:r>
-            <a:r>
-              <a:rPr lang="it-IT" dirty="0" smtClean="0"/>
-              <a:t> «</a:t>
-            </a:r>
-            <a:r>
-              <a:rPr lang="it-IT" dirty="0" err="1" smtClean="0"/>
-              <a:t>owns</a:t>
-            </a:r>
-            <a:r>
-              <a:rPr lang="it-IT" dirty="0" smtClean="0"/>
-              <a:t>» an </a:t>
-            </a:r>
-            <a:r>
-              <a:rPr lang="it-IT" dirty="0" err="1" smtClean="0"/>
-              <a:t>independent</a:t>
+          <a:bodyPr>
+            <a:normAutofit fontScale="92500"/>
+          </a:bodyPr>
+          <a:lstStyle/>
+          <a:p>
+            <a:r>
+              <a:rPr lang="it-IT" dirty="0" smtClean="0"/>
+              <a:t>Create an </a:t>
+            </a:r>
+            <a:r>
+              <a:rPr lang="it-IT" dirty="0" err="1" smtClean="0"/>
+              <a:t>observable</a:t>
+            </a:r>
+            <a:r>
+              <a:rPr lang="it-IT" dirty="0" smtClean="0"/>
+              <a:t> and SUBSCRIBE TO </a:t>
+            </a:r>
+            <a:r>
+              <a:rPr lang="it-IT" dirty="0" err="1" smtClean="0"/>
+              <a:t>observe</a:t>
             </a:r>
             <a:r>
               <a:rPr lang="it-IT" dirty="0" smtClean="0"/>
@@ -8457,15 +8645,69 @@
             </a:r>
             <a:r>
               <a:rPr lang="it-IT" dirty="0" err="1" smtClean="0"/>
-              <a:t>execution</a:t>
-            </a:r>
-            <a:r>
-              <a:rPr lang="it-IT" dirty="0" smtClean="0"/>
-              <a:t> of the </a:t>
-            </a:r>
-            <a:r>
-              <a:rPr lang="it-IT" dirty="0" err="1" smtClean="0"/>
-              <a:t>observable</a:t>
+              <a:t>emitted</a:t>
+            </a:r>
+            <a:r>
+              <a:rPr lang="it-IT" dirty="0" smtClean="0"/>
+              <a:t> </a:t>
+            </a:r>
+            <a:r>
+              <a:rPr lang="it-IT" dirty="0" err="1" smtClean="0"/>
+              <a:t>values</a:t>
+            </a:r>
+            <a:r>
+              <a:rPr lang="it-IT" dirty="0" smtClean="0"/>
+              <a:t>.</a:t>
+            </a:r>
+          </a:p>
+          <a:p>
+            <a:r>
+              <a:rPr lang="it-IT" dirty="0" smtClean="0"/>
+              <a:t>Create a </a:t>
+            </a:r>
+            <a:r>
+              <a:rPr lang="it-IT" dirty="0" err="1" smtClean="0"/>
+              <a:t>subject</a:t>
+            </a:r>
+            <a:r>
+              <a:rPr lang="it-IT" dirty="0"/>
+              <a:t> </a:t>
+            </a:r>
+            <a:r>
+              <a:rPr lang="it-IT" dirty="0" smtClean="0"/>
+              <a:t>and </a:t>
+            </a:r>
+            <a:r>
+              <a:rPr lang="it-IT" dirty="0" err="1" smtClean="0"/>
+              <a:t>subscribe</a:t>
+            </a:r>
+            <a:r>
+              <a:rPr lang="it-IT" dirty="0" smtClean="0"/>
+              <a:t> to </a:t>
+            </a:r>
+            <a:r>
+              <a:rPr lang="it-IT" dirty="0" err="1" smtClean="0"/>
+              <a:t>observe</a:t>
+            </a:r>
+            <a:r>
+              <a:rPr lang="it-IT" dirty="0" smtClean="0"/>
+              <a:t> </a:t>
+            </a:r>
+            <a:r>
+              <a:rPr lang="it-IT" dirty="0" err="1" smtClean="0"/>
+              <a:t>emitted</a:t>
+            </a:r>
+            <a:r>
+              <a:rPr lang="it-IT" dirty="0" smtClean="0"/>
+              <a:t> </a:t>
+            </a:r>
+            <a:r>
+              <a:rPr lang="it-IT" dirty="0" err="1" smtClean="0"/>
+              <a:t>values</a:t>
+            </a:r>
+            <a:r>
+              <a:rPr lang="it-IT" dirty="0" smtClean="0"/>
+              <a:t>.</a:t>
             </a:r>
             <a:endParaRPr lang="it-IT" dirty="0"/>
           </a:p>
@@ -8474,7 +8716,7 @@
     </p:spTree>
     <p:extLst>
       <p:ext uri="{BB962C8B-B14F-4D97-AF65-F5344CB8AC3E}">
-        <p14:creationId xmlns:p14="http://schemas.microsoft.com/office/powerpoint/2010/main" val="1999590737"/>
+        <p14:creationId xmlns:p14="http://schemas.microsoft.com/office/powerpoint/2010/main" val="543870844"/>
       </p:ext>
     </p:extLst>
   </p:cSld>
@@ -8527,7 +8769,7 @@
           <a:p>
             <a:r>
               <a:rPr lang="it-IT" sz="6000" dirty="0" smtClean="0"/>
-              <a:t>Demo 03</a:t>
+              <a:t>Demo 02</a:t>
             </a:r>
             <a:br>
               <a:rPr lang="it-IT" sz="6000" dirty="0" smtClean="0"/>
@@ -8540,8 +8782,20 @@
               <a:rPr lang="it-IT" dirty="0" smtClean="0"/>
             </a:br>
             <a:r>
-              <a:rPr lang="it-IT" dirty="0" smtClean="0"/>
-              <a:t>Multicast (or Hot)</a:t>
+              <a:rPr lang="it-IT" dirty="0" err="1" smtClean="0"/>
+              <a:t>Unicast</a:t>
+            </a:r>
+            <a:r>
+              <a:rPr lang="it-IT" dirty="0" smtClean="0"/>
+              <a:t> (or </a:t>
+            </a:r>
+            <a:r>
+              <a:rPr lang="it-IT" dirty="0" err="1" smtClean="0"/>
+              <a:t>Cold</a:t>
+            </a:r>
+            <a:r>
+              <a:rPr lang="it-IT" dirty="0" smtClean="0"/>
+              <a:t>)</a:t>
             </a:r>
             <a:endParaRPr lang="it-IT" dirty="0"/>
           </a:p>
@@ -8563,8 +8817,28 @@
           <a:lstStyle/>
           <a:p>
             <a:r>
-              <a:rPr lang="it-IT" dirty="0" err="1" smtClean="0"/>
-              <a:t>What</a:t>
+              <a:rPr lang="it-IT" dirty="0" smtClean="0"/>
+              <a:t>EACH </a:t>
+            </a:r>
+            <a:r>
+              <a:rPr lang="it-IT" dirty="0" err="1" smtClean="0"/>
+              <a:t>observer</a:t>
+            </a:r>
+            <a:r>
+              <a:rPr lang="it-IT" dirty="0" smtClean="0"/>
+              <a:t> «</a:t>
+            </a:r>
+            <a:r>
+              <a:rPr lang="it-IT" dirty="0" err="1" smtClean="0"/>
+              <a:t>owns</a:t>
+            </a:r>
+            <a:r>
+              <a:rPr lang="it-IT" dirty="0" smtClean="0"/>
+              <a:t>» an </a:t>
+            </a:r>
+            <a:r>
+              <a:rPr lang="it-IT" dirty="0" err="1" smtClean="0"/>
+              <a:t>independent</a:t>
             </a:r>
             <a:r>
               <a:rPr lang="it-IT" dirty="0" smtClean="0"/>
@@ -8572,49 +8846,15 @@
             </a:r>
             <a:r>
               <a:rPr lang="it-IT" dirty="0" err="1" smtClean="0"/>
-              <a:t>is</a:t>
-            </a:r>
-            <a:r>
-              <a:rPr lang="it-IT" dirty="0" smtClean="0"/>
-              <a:t> a </a:t>
-            </a:r>
-            <a:r>
-              <a:rPr lang="it-IT" dirty="0" err="1" smtClean="0"/>
-              <a:t>ConnectableObservable</a:t>
-            </a:r>
-            <a:r>
-              <a:rPr lang="it-IT" dirty="0" smtClean="0"/>
-              <a:t> ?</a:t>
-            </a:r>
-          </a:p>
-          <a:p>
-            <a:r>
-              <a:rPr lang="it-IT" dirty="0" smtClean="0"/>
-              <a:t>‘</a:t>
-            </a:r>
-            <a:r>
-              <a:rPr lang="it-IT" dirty="0" err="1" smtClean="0"/>
-              <a:t>Sharing</a:t>
-            </a:r>
-            <a:r>
-              <a:rPr lang="it-IT" dirty="0" smtClean="0"/>
-              <a:t> </a:t>
-            </a:r>
-            <a:r>
-              <a:rPr lang="it-IT" dirty="0" err="1" smtClean="0"/>
-              <a:t>messages</a:t>
-            </a:r>
-            <a:r>
-              <a:rPr lang="it-IT" dirty="0" smtClean="0"/>
-              <a:t> and </a:t>
-            </a:r>
-            <a:r>
-              <a:rPr lang="it-IT" dirty="0" err="1" smtClean="0"/>
               <a:t>execution</a:t>
             </a:r>
             <a:r>
               <a:rPr lang="it-IT" dirty="0" smtClean="0"/>
-              <a:t>’</a:t>
+              <a:t> of the </a:t>
+            </a:r>
+            <a:r>
+              <a:rPr lang="it-IT" dirty="0" err="1" smtClean="0"/>
+              <a:t>observable</a:t>
             </a:r>
             <a:endParaRPr lang="it-IT" dirty="0"/>
           </a:p>
@@ -8623,7 +8863,7 @@
     </p:spTree>
     <p:extLst>
       <p:ext uri="{BB962C8B-B14F-4D97-AF65-F5344CB8AC3E}">
-        <p14:creationId xmlns:p14="http://schemas.microsoft.com/office/powerpoint/2010/main" val="431954079"/>
+        <p14:creationId xmlns:p14="http://schemas.microsoft.com/office/powerpoint/2010/main" val="1999590737"/>
       </p:ext>
     </p:extLst>
   </p:cSld>
@@ -8676,7 +8916,7 @@
           <a:p>
             <a:r>
               <a:rPr lang="it-IT" sz="6000" dirty="0" smtClean="0"/>
-              <a:t>Demo 04</a:t>
+              <a:t>Demo 03</a:t>
             </a:r>
             <a:br>
               <a:rPr lang="it-IT" sz="6000" dirty="0" smtClean="0"/>
@@ -8689,8 +8929,35 @@
               <a:rPr lang="it-IT" dirty="0" smtClean="0"/>
             </a:br>
             <a:r>
-              <a:rPr lang="it-IT" dirty="0" err="1" smtClean="0"/>
-              <a:t>Warm</a:t>
+              <a:rPr lang="it-IT" dirty="0" smtClean="0"/>
+              <a:t>Multicast (or Hot)</a:t>
+            </a:r>
+            <a:endParaRPr lang="it-IT" dirty="0"/>
+          </a:p>
+        </p:txBody>
+      </p:sp>
+      <p:sp>
+        <p:nvSpPr>
+          <p:cNvPr id="5" name="Segnaposto testo 4"/>
+          <p:cNvSpPr>
+            <a:spLocks noGrp="1"/>
+          </p:cNvSpPr>
+          <p:nvPr>
+            <p:ph type="body" idx="1"/>
+          </p:nvPr>
+        </p:nvSpPr>
+        <p:spPr/>
+        <p:txBody>
+          <a:bodyPr/>
+          <a:lstStyle/>
+          <a:p>
+            <a:r>
+              <a:rPr lang="it-IT" dirty="0" smtClean="0"/>
+              <a:t>‘</a:t>
+            </a:r>
+            <a:r>
+              <a:rPr lang="it-IT" dirty="0" err="1" smtClean="0"/>
+              <a:t>Sharing</a:t>
             </a:r>
             <a:r>
               <a:rPr lang="it-IT" dirty="0" smtClean="0"/>
@@ -8698,67 +8965,52 @@
             </a:r>
             <a:r>
               <a:rPr lang="it-IT" dirty="0" err="1" smtClean="0"/>
-              <a:t>Observables</a:t>
-            </a:r>
-            <a:endParaRPr lang="it-IT" dirty="0"/>
-          </a:p>
-        </p:txBody>
-      </p:sp>
-      <p:sp>
-        <p:nvSpPr>
-          <p:cNvPr id="5" name="Segnaposto testo 4"/>
-          <p:cNvSpPr>
-            <a:spLocks noGrp="1"/>
-          </p:cNvSpPr>
-          <p:nvPr>
-            <p:ph type="body" idx="1"/>
-          </p:nvPr>
-        </p:nvSpPr>
-        <p:spPr/>
-        <p:txBody>
-          <a:bodyPr/>
-          <a:lstStyle/>
-          <a:p>
-            <a:r>
-              <a:rPr lang="it-IT" dirty="0" smtClean="0"/>
-              <a:t>Use </a:t>
-            </a:r>
-            <a:r>
-              <a:rPr lang="it-IT" dirty="0" err="1" smtClean="0"/>
-              <a:t>operators</a:t>
-            </a:r>
-            <a:r>
-              <a:rPr lang="it-IT" dirty="0" smtClean="0"/>
-              <a:t> to </a:t>
-            </a:r>
-            <a:r>
-              <a:rPr lang="it-IT" dirty="0" err="1" smtClean="0"/>
-              <a:t>convert</a:t>
-            </a:r>
-            <a:r>
-              <a:rPr lang="it-IT" dirty="0" smtClean="0"/>
+              <a:t>messages</a:t>
+            </a:r>
+            <a:r>
+              <a:rPr lang="it-IT" dirty="0" smtClean="0"/>
+              <a:t> and </a:t>
+            </a:r>
+            <a:r>
+              <a:rPr lang="it-IT" dirty="0" err="1" smtClean="0"/>
+              <a:t>execution</a:t>
+            </a:r>
+            <a:r>
+              <a:rPr lang="it-IT" dirty="0" smtClean="0"/>
+              <a:t>’</a:t>
+            </a:r>
+          </a:p>
+          <a:p>
+            <a:r>
+              <a:rPr lang="it-IT" dirty="0" err="1"/>
+              <a:t>What</a:t>
+            </a:r>
+            <a:r>
+              <a:rPr lang="it-IT" dirty="0"/>
               <a:t> </a:t>
             </a:r>
             <a:r>
-              <a:rPr lang="it-IT" dirty="0" err="1" smtClean="0"/>
-              <a:t>observables</a:t>
-            </a:r>
-            <a:r>
-              <a:rPr lang="it-IT" dirty="0" smtClean="0"/>
-              <a:t> from </a:t>
-            </a:r>
-            <a:r>
-              <a:rPr lang="it-IT" dirty="0" err="1" smtClean="0"/>
-              <a:t>cold</a:t>
-            </a:r>
-            <a:r>
-              <a:rPr lang="it-IT" dirty="0" smtClean="0"/>
-              <a:t> to hot and trigger the </a:t>
-            </a:r>
-            <a:r>
-              <a:rPr lang="it-IT" dirty="0" err="1" smtClean="0"/>
-              <a:t>execution</a:t>
-            </a:r>
+              <a:rPr lang="it-IT" dirty="0" err="1"/>
+              <a:t>is</a:t>
+            </a:r>
+            <a:r>
+              <a:rPr lang="it-IT" dirty="0"/>
+              <a:t> a </a:t>
+            </a:r>
+            <a:r>
+              <a:rPr lang="it-IT" dirty="0" err="1" smtClean="0"/>
+              <a:t>Connectable</a:t>
+            </a:r>
+            <a:r>
+              <a:rPr lang="it-IT" dirty="0" smtClean="0"/>
+              <a:t> </a:t>
+            </a:r>
+            <a:r>
+              <a:rPr lang="it-IT" dirty="0"/>
+              <a:t>?</a:t>
+            </a:r>
+          </a:p>
+          <a:p>
             <a:endParaRPr lang="it-IT" dirty="0"/>
           </a:p>
         </p:txBody>
@@ -8766,7 +9018,7 @@
     </p:spTree>
     <p:extLst>
       <p:ext uri="{BB962C8B-B14F-4D97-AF65-F5344CB8AC3E}">
-        <p14:creationId xmlns:p14="http://schemas.microsoft.com/office/powerpoint/2010/main" val="708041521"/>
+        <p14:creationId xmlns:p14="http://schemas.microsoft.com/office/powerpoint/2010/main" val="431954079"/>
       </p:ext>
     </p:extLst>
   </p:cSld>
@@ -8819,7 +9071,7 @@
           <a:p>
             <a:r>
               <a:rPr lang="it-IT" sz="6000" dirty="0" smtClean="0"/>
-              <a:t>Demo 05</a:t>
+              <a:t>Demo 04</a:t>
             </a:r>
             <a:br>
               <a:rPr lang="it-IT" sz="6000" dirty="0" smtClean="0"/>
@@ -8833,7 +9085,15 @@
             </a:br>
             <a:r>
               <a:rPr lang="it-IT" dirty="0" err="1" smtClean="0"/>
-              <a:t>Unsubscribe</a:t>
+              <a:t>Warm</a:t>
+            </a:r>
+            <a:r>
+              <a:rPr lang="it-IT" dirty="0" smtClean="0"/>
+              <a:t> </a:t>
+            </a:r>
+            <a:r>
+              <a:rPr lang="it-IT" dirty="0" err="1" smtClean="0"/>
+              <a:t>Observables</a:t>
             </a:r>
             <a:endParaRPr lang="it-IT" dirty="0"/>
           </a:p>
@@ -8856,26 +9116,43 @@
           <a:p>
             <a:r>
               <a:rPr lang="it-IT" dirty="0" smtClean="0"/>
-              <a:t>How to do </a:t>
-            </a:r>
-            <a:r>
-              <a:rPr lang="it-IT" dirty="0" err="1" smtClean="0"/>
-              <a:t>it!</a:t>
-            </a:r>
-            <a:endParaRPr lang="it-IT" dirty="0" smtClean="0"/>
-          </a:p>
-          <a:p>
-            <a:r>
-              <a:rPr lang="it-IT" dirty="0" err="1" smtClean="0"/>
-              <a:t>When</a:t>
-            </a:r>
-            <a:r>
-              <a:rPr lang="it-IT" dirty="0" smtClean="0"/>
-              <a:t> to do </a:t>
-            </a:r>
-            <a:r>
-              <a:rPr lang="it-IT" dirty="0" err="1" smtClean="0"/>
-              <a:t>it!</a:t>
+              <a:t>Use </a:t>
+            </a:r>
+            <a:r>
+              <a:rPr lang="it-IT" dirty="0" err="1" smtClean="0"/>
+              <a:t>operators</a:t>
+            </a:r>
+            <a:r>
+              <a:rPr lang="it-IT" dirty="0" smtClean="0"/>
+              <a:t> to </a:t>
+            </a:r>
+            <a:r>
+              <a:rPr lang="it-IT" dirty="0" err="1" smtClean="0"/>
+              <a:t>convert</a:t>
+            </a:r>
+            <a:r>
+              <a:rPr lang="it-IT" dirty="0" smtClean="0"/>
+              <a:t> </a:t>
+            </a:r>
+            <a:r>
+              <a:rPr lang="it-IT" dirty="0" err="1" smtClean="0"/>
+              <a:t>observables</a:t>
+            </a:r>
+            <a:r>
+              <a:rPr lang="it-IT" dirty="0" smtClean="0"/>
+              <a:t> from </a:t>
+            </a:r>
+            <a:r>
+              <a:rPr lang="it-IT" dirty="0" err="1" smtClean="0"/>
+              <a:t>cold</a:t>
+            </a:r>
+            <a:r>
+              <a:rPr lang="it-IT" dirty="0" smtClean="0"/>
+              <a:t> to hot and trigger the </a:t>
+            </a:r>
+            <a:r>
+              <a:rPr lang="it-IT" dirty="0" err="1" smtClean="0"/>
+              <a:t>execution</a:t>
             </a:r>
             <a:endParaRPr lang="it-IT" dirty="0"/>
           </a:p>
@@ -8884,7 +9161,7 @@
     </p:spTree>
     <p:extLst>
       <p:ext uri="{BB962C8B-B14F-4D97-AF65-F5344CB8AC3E}">
-        <p14:creationId xmlns:p14="http://schemas.microsoft.com/office/powerpoint/2010/main" val="1383394712"/>
+        <p14:creationId xmlns:p14="http://schemas.microsoft.com/office/powerpoint/2010/main" val="708041521"/>
       </p:ext>
     </p:extLst>
   </p:cSld>
@@ -8920,7 +9197,7 @@
       </p:grpSpPr>
       <p:sp>
         <p:nvSpPr>
-          <p:cNvPr id="2" name="Titolo 1"/>
+          <p:cNvPr id="4" name="Titolo 3"/>
           <p:cNvSpPr>
             <a:spLocks noGrp="1"/>
           </p:cNvSpPr>
@@ -8930,48 +9207,79 @@
         </p:nvSpPr>
         <p:spPr/>
         <p:txBody>
+          <a:bodyPr>
+            <a:normAutofit/>
+          </a:bodyPr>
+          <a:lstStyle/>
+          <a:p>
+            <a:r>
+              <a:rPr lang="it-IT" sz="6000" dirty="0" smtClean="0"/>
+              <a:t>Demo 05</a:t>
+            </a:r>
+            <a:br>
+              <a:rPr lang="it-IT" sz="6000" dirty="0" smtClean="0"/>
+            </a:br>
+            <a:r>
+              <a:rPr lang="it-IT" dirty="0" smtClean="0"/>
+              <a:t/>
+            </a:r>
+            <a:br>
+              <a:rPr lang="it-IT" dirty="0" smtClean="0"/>
+            </a:br>
+            <a:r>
+              <a:rPr lang="it-IT" dirty="0" err="1" smtClean="0"/>
+              <a:t>Unsubscribe</a:t>
+            </a:r>
+            <a:endParaRPr lang="it-IT" dirty="0"/>
+          </a:p>
+        </p:txBody>
+      </p:sp>
+      <p:sp>
+        <p:nvSpPr>
+          <p:cNvPr id="5" name="Segnaposto testo 4"/>
+          <p:cNvSpPr>
+            <a:spLocks noGrp="1"/>
+          </p:cNvSpPr>
+          <p:nvPr>
+            <p:ph type="body" idx="1"/>
+          </p:nvPr>
+        </p:nvSpPr>
+        <p:spPr/>
+        <p:txBody>
           <a:bodyPr/>
           <a:lstStyle/>
           <a:p>
             <a:r>
-              <a:rPr lang="it-IT" dirty="0" err="1" smtClean="0"/>
-              <a:t>Angular</a:t>
-            </a:r>
-            <a:r>
-              <a:rPr lang="it-IT" dirty="0" smtClean="0"/>
-              <a:t> and </a:t>
-            </a:r>
-            <a:r>
-              <a:rPr lang="it-IT" smtClean="0"/>
-              <a:t>RxJS</a:t>
-            </a:r>
-            <a:endParaRPr lang="it-IT"/>
-          </a:p>
-        </p:txBody>
-      </p:sp>
-      <p:sp>
-        <p:nvSpPr>
-          <p:cNvPr id="3" name="Segnaposto testo 2"/>
-          <p:cNvSpPr>
-            <a:spLocks noGrp="1"/>
-          </p:cNvSpPr>
-          <p:nvPr>
-            <p:ph type="body" idx="1"/>
-          </p:nvPr>
-        </p:nvSpPr>
-        <p:spPr/>
-        <p:txBody>
-          <a:bodyPr/>
-          <a:lstStyle/>
-          <a:p>
-            <a:endParaRPr lang="it-IT"/>
+              <a:rPr lang="it-IT" dirty="0" smtClean="0"/>
+              <a:t>How to do </a:t>
+            </a:r>
+            <a:r>
+              <a:rPr lang="it-IT" dirty="0" err="1" smtClean="0"/>
+              <a:t>it!</a:t>
+            </a:r>
+            <a:endParaRPr lang="it-IT" dirty="0" smtClean="0"/>
+          </a:p>
+          <a:p>
+            <a:r>
+              <a:rPr lang="it-IT" dirty="0" err="1" smtClean="0"/>
+              <a:t>When</a:t>
+            </a:r>
+            <a:r>
+              <a:rPr lang="it-IT" dirty="0" smtClean="0"/>
+              <a:t> to do </a:t>
+            </a:r>
+            <a:r>
+              <a:rPr lang="it-IT" dirty="0" err="1" smtClean="0"/>
+              <a:t>it!</a:t>
+            </a:r>
+            <a:endParaRPr lang="it-IT" dirty="0"/>
           </a:p>
         </p:txBody>
       </p:sp>
     </p:spTree>
     <p:extLst>
       <p:ext uri="{BB962C8B-B14F-4D97-AF65-F5344CB8AC3E}">
-        <p14:creationId xmlns:p14="http://schemas.microsoft.com/office/powerpoint/2010/main" val="2547851865"/>
+        <p14:creationId xmlns:p14="http://schemas.microsoft.com/office/powerpoint/2010/main" val="1383394712"/>
       </p:ext>
     </p:extLst>
   </p:cSld>
@@ -9437,6 +9745,93 @@
       </p:grpSpPr>
       <p:sp>
         <p:nvSpPr>
+          <p:cNvPr id="2" name="Titolo 1"/>
+          <p:cNvSpPr>
+            <a:spLocks noGrp="1"/>
+          </p:cNvSpPr>
+          <p:nvPr>
+            <p:ph type="title"/>
+          </p:nvPr>
+        </p:nvSpPr>
+        <p:spPr/>
+        <p:txBody>
+          <a:bodyPr/>
+          <a:lstStyle/>
+          <a:p>
+            <a:r>
+              <a:rPr lang="it-IT" dirty="0" err="1" smtClean="0"/>
+              <a:t>Angular</a:t>
+            </a:r>
+            <a:r>
+              <a:rPr lang="it-IT" dirty="0" smtClean="0"/>
+              <a:t> and </a:t>
+            </a:r>
+            <a:r>
+              <a:rPr lang="it-IT" smtClean="0"/>
+              <a:t>RxJS</a:t>
+            </a:r>
+            <a:endParaRPr lang="it-IT"/>
+          </a:p>
+        </p:txBody>
+      </p:sp>
+      <p:sp>
+        <p:nvSpPr>
+          <p:cNvPr id="3" name="Segnaposto testo 2"/>
+          <p:cNvSpPr>
+            <a:spLocks noGrp="1"/>
+          </p:cNvSpPr>
+          <p:nvPr>
+            <p:ph type="body" idx="1"/>
+          </p:nvPr>
+        </p:nvSpPr>
+        <p:spPr/>
+        <p:txBody>
+          <a:bodyPr/>
+          <a:lstStyle/>
+          <a:p>
+            <a:endParaRPr lang="it-IT"/>
+          </a:p>
+        </p:txBody>
+      </p:sp>
+    </p:spTree>
+    <p:extLst>
+      <p:ext uri="{BB962C8B-B14F-4D97-AF65-F5344CB8AC3E}">
+        <p14:creationId xmlns:p14="http://schemas.microsoft.com/office/powerpoint/2010/main" val="2547851865"/>
+      </p:ext>
+    </p:extLst>
+  </p:cSld>
+  <p:clrMapOvr>
+    <a:masterClrMapping/>
+  </p:clrMapOvr>
+  <p:timing>
+    <p:tnLst>
+      <p:par>
+        <p:cTn id="1" dur="indefinite" restart="never" nodeType="tmRoot"/>
+      </p:par>
+    </p:tnLst>
+  </p:timing>
+</p:sld>
+</file>
+
+<file path=ppt/slides/slide21.xml><?xml version="1.0" encoding="utf-8"?>
+<p:sld xmlns:a="http://schemas.openxmlformats.org/drawingml/2006/main" xmlns:r="http://schemas.openxmlformats.org/officeDocument/2006/relationships" xmlns:p="http://schemas.openxmlformats.org/presentationml/2006/main">
+  <p:cSld>
+    <p:spTree>
+      <p:nvGrpSpPr>
+        <p:cNvPr id="1" name=""/>
+        <p:cNvGrpSpPr/>
+        <p:nvPr/>
+      </p:nvGrpSpPr>
+      <p:grpSpPr>
+        <a:xfrm>
+          <a:off x="0" y="0"/>
+          <a:ext cx="0" cy="0"/>
+          <a:chOff x="0" y="0"/>
+          <a:chExt cx="0" cy="0"/>
+        </a:xfrm>
+      </p:grpSpPr>
+      <p:sp>
+        <p:nvSpPr>
           <p:cNvPr id="4" name="Titolo 3"/>
           <p:cNvSpPr>
             <a:spLocks noGrp="1"/>
@@ -9548,7 +9943,23 @@
             </a:r>
             <a:r>
               <a:rPr lang="it-IT" sz="2800" dirty="0" smtClean="0"/>
-              <a:t> pattern.</a:t>
+              <a:t> pattern (</a:t>
+            </a:r>
+            <a:r>
+              <a:rPr lang="it-IT" sz="2800" dirty="0" err="1" smtClean="0"/>
+              <a:t>like</a:t>
+            </a:r>
+            <a:r>
+              <a:rPr lang="it-IT" sz="2800" dirty="0" smtClean="0"/>
+              <a:t> </a:t>
+            </a:r>
+            <a:r>
+              <a:rPr lang="it-IT" sz="2800" dirty="0" err="1" smtClean="0"/>
+              <a:t>NgRx</a:t>
+            </a:r>
+            <a:r>
+              <a:rPr lang="it-IT" sz="2800" dirty="0" smtClean="0"/>
+              <a:t>).</a:t>
             </a:r>
           </a:p>
           <a:p>
@@ -9601,7 +10012,7 @@
             </a:r>
             <a:r>
               <a:rPr lang="it-IT" sz="2800" dirty="0" smtClean="0"/>
-              <a:t> Http from </a:t>
+              <a:t> </a:t>
             </a:r>
             <a:r>
               <a:rPr lang="it-IT" sz="2800" dirty="0" err="1" smtClean="0"/>
@@ -9825,7 +10236,7 @@
 </p:sld>
 </file>
 
-<file path=ppt/slides/slide21.xml><?xml version="1.0" encoding="utf-8"?>
+<file path=ppt/slides/slide22.xml><?xml version="1.0" encoding="utf-8"?>
 <p:sld xmlns:a="http://schemas.openxmlformats.org/drawingml/2006/main" xmlns:r="http://schemas.openxmlformats.org/officeDocument/2006/relationships" xmlns:p="http://schemas.openxmlformats.org/presentationml/2006/main">
   <p:cSld>
     <p:spTree>
@@ -9901,7 +10312,7 @@
             </a:r>
             <a:r>
               <a:rPr lang="it-IT" sz="2800" dirty="0" smtClean="0"/>
-              <a:t> the </a:t>
+              <a:t> </a:t>
             </a:r>
             <a:r>
               <a:rPr lang="it-IT" sz="2800" dirty="0" err="1" smtClean="0"/>
@@ -10217,145 +10628,6 @@
 </p:sld>
 </file>
 
-<file path=ppt/slides/slide22.xml><?xml version="1.0" encoding="utf-8"?>
-<p:sld xmlns:a="http://schemas.openxmlformats.org/drawingml/2006/main" xmlns:r="http://schemas.openxmlformats.org/officeDocument/2006/relationships" xmlns:p="http://schemas.openxmlformats.org/presentationml/2006/main">
-  <p:cSld>
-    <p:spTree>
-      <p:nvGrpSpPr>
-        <p:cNvPr id="1" name=""/>
-        <p:cNvGrpSpPr/>
-        <p:nvPr/>
-      </p:nvGrpSpPr>
-      <p:grpSpPr>
-        <a:xfrm>
-          <a:off x="0" y="0"/>
-          <a:ext cx="0" cy="0"/>
-          <a:chOff x="0" y="0"/>
-          <a:chExt cx="0" cy="0"/>
-        </a:xfrm>
-      </p:grpSpPr>
-      <p:sp>
-        <p:nvSpPr>
-          <p:cNvPr id="4" name="Titolo 3"/>
-          <p:cNvSpPr>
-            <a:spLocks noGrp="1"/>
-          </p:cNvSpPr>
-          <p:nvPr>
-            <p:ph type="title"/>
-          </p:nvPr>
-        </p:nvSpPr>
-        <p:spPr/>
-        <p:txBody>
-          <a:bodyPr>
-            <a:normAutofit fontScale="90000"/>
-          </a:bodyPr>
-          <a:lstStyle/>
-          <a:p>
-            <a:r>
-              <a:rPr lang="it-IT" sz="6000" dirty="0" smtClean="0"/>
-              <a:t>Demo 01</a:t>
-            </a:r>
-            <a:br>
-              <a:rPr lang="it-IT" sz="6000" dirty="0" smtClean="0"/>
-            </a:br>
-            <a:r>
-              <a:rPr lang="it-IT" dirty="0" smtClean="0"/>
-              <a:t/>
-            </a:r>
-            <a:br>
-              <a:rPr lang="it-IT" dirty="0" smtClean="0"/>
-            </a:br>
-            <a:r>
-              <a:rPr lang="it-IT" dirty="0" err="1" smtClean="0"/>
-              <a:t>Unicast</a:t>
-            </a:r>
-            <a:r>
-              <a:rPr lang="it-IT" dirty="0" smtClean="0"/>
-              <a:t> / </a:t>
-            </a:r>
-            <a:r>
-              <a:rPr lang="it-IT" dirty="0" err="1" smtClean="0"/>
-              <a:t>Cold</a:t>
-            </a:r>
-            <a:r>
-              <a:rPr lang="it-IT" dirty="0" smtClean="0"/>
-              <a:t> </a:t>
-            </a:r>
-            <a:r>
-              <a:rPr lang="it-IT" dirty="0" err="1" smtClean="0"/>
-              <a:t>Observables</a:t>
-            </a:r>
-            <a:endParaRPr lang="it-IT" dirty="0"/>
-          </a:p>
-        </p:txBody>
-      </p:sp>
-      <p:sp>
-        <p:nvSpPr>
-          <p:cNvPr id="5" name="Segnaposto testo 4"/>
-          <p:cNvSpPr>
-            <a:spLocks noGrp="1"/>
-          </p:cNvSpPr>
-          <p:nvPr>
-            <p:ph type="body" idx="1"/>
-          </p:nvPr>
-        </p:nvSpPr>
-        <p:spPr/>
-        <p:txBody>
-          <a:bodyPr/>
-          <a:lstStyle/>
-          <a:p>
-            <a:r>
-              <a:rPr lang="it-IT" dirty="0" err="1" smtClean="0"/>
-              <a:t>Beware</a:t>
-            </a:r>
-            <a:r>
-              <a:rPr lang="it-IT" dirty="0" smtClean="0"/>
-              <a:t> of </a:t>
-            </a:r>
-            <a:r>
-              <a:rPr lang="it-IT" dirty="0" err="1" smtClean="0"/>
-              <a:t>unicast</a:t>
-            </a:r>
-            <a:r>
-              <a:rPr lang="it-IT" dirty="0" smtClean="0"/>
-              <a:t> </a:t>
-            </a:r>
-            <a:r>
-              <a:rPr lang="it-IT" dirty="0" err="1" smtClean="0"/>
-              <a:t>observables</a:t>
-            </a:r>
-            <a:r>
-              <a:rPr lang="it-IT" dirty="0" smtClean="0"/>
-              <a:t> and multiple </a:t>
-            </a:r>
-            <a:r>
-              <a:rPr lang="it-IT" dirty="0" err="1" smtClean="0"/>
-              <a:t>subscriptions</a:t>
-            </a:r>
-            <a:endParaRPr lang="it-IT" dirty="0"/>
-          </a:p>
-        </p:txBody>
-      </p:sp>
-    </p:spTree>
-    <p:extLst>
-      <p:ext uri="{BB962C8B-B14F-4D97-AF65-F5344CB8AC3E}">
-        <p14:creationId xmlns:p14="http://schemas.microsoft.com/office/powerpoint/2010/main" val="2237372139"/>
-      </p:ext>
-    </p:extLst>
-  </p:cSld>
-  <p:clrMapOvr>
-    <a:masterClrMapping/>
-  </p:clrMapOvr>
-  <p:timing>
-    <p:tnLst>
-      <p:par>
-        <p:cTn id="1" dur="indefinite" restart="never" nodeType="tmRoot"/>
-      </p:par>
-    </p:tnLst>
-  </p:timing>
-</p:sld>
-</file>
-
 <file path=ppt/slides/slide23.xml><?xml version="1.0" encoding="utf-8"?>
 <p:sld xmlns:a="http://schemas.openxmlformats.org/drawingml/2006/main" xmlns:r="http://schemas.openxmlformats.org/officeDocument/2006/relationships" xmlns:p="http://schemas.openxmlformats.org/presentationml/2006/main">
   <p:cSld>
@@ -10386,13 +10658,13 @@
         <p:spPr/>
         <p:txBody>
           <a:bodyPr>
-            <a:normAutofit/>
+            <a:normAutofit fontScale="90000"/>
           </a:bodyPr>
           <a:lstStyle/>
           <a:p>
             <a:r>
               <a:rPr lang="it-IT" sz="6000" dirty="0" smtClean="0"/>
-              <a:t>Demo 02</a:t>
+              <a:t>Demo 01</a:t>
             </a:r>
             <a:br>
               <a:rPr lang="it-IT" sz="6000" dirty="0" smtClean="0"/>
@@ -10405,16 +10677,24 @@
               <a:rPr lang="it-IT" dirty="0" smtClean="0"/>
             </a:br>
             <a:r>
-              <a:rPr lang="it-IT" dirty="0" smtClean="0"/>
-              <a:t>.</a:t>
-            </a:r>
-            <a:r>
-              <a:rPr lang="it-IT" dirty="0" err="1" smtClean="0"/>
-              <a:t>toPromise</a:t>
-            </a:r>
-            <a:r>
-              <a:rPr lang="it-IT" dirty="0" smtClean="0"/>
-              <a:t>()</a:t>
+              <a:rPr lang="it-IT" dirty="0" err="1" smtClean="0"/>
+              <a:t>Unicast</a:t>
+            </a:r>
+            <a:r>
+              <a:rPr lang="it-IT" dirty="0" smtClean="0"/>
+              <a:t> / </a:t>
+            </a:r>
+            <a:r>
+              <a:rPr lang="it-IT" dirty="0" err="1" smtClean="0"/>
+              <a:t>Cold</a:t>
+            </a:r>
+            <a:r>
+              <a:rPr lang="it-IT" dirty="0" smtClean="0"/>
+              <a:t> </a:t>
+            </a:r>
+            <a:r>
+              <a:rPr lang="it-IT" dirty="0" err="1" smtClean="0"/>
+              <a:t>Observables</a:t>
             </a:r>
             <a:endParaRPr lang="it-IT" dirty="0"/>
           </a:p>
@@ -10432,26 +10712,20 @@
         </p:nvSpPr>
         <p:spPr/>
         <p:txBody>
-          <a:bodyPr>
-            <a:normAutofit fontScale="92500" lnSpcReduction="10000"/>
-          </a:bodyPr>
-          <a:lstStyle/>
-          <a:p>
-            <a:r>
-              <a:rPr lang="it-IT" dirty="0" smtClean="0"/>
-              <a:t>Go back to </a:t>
-            </a:r>
-            <a:r>
-              <a:rPr lang="it-IT" dirty="0" err="1" smtClean="0"/>
-              <a:t>promises</a:t>
-            </a:r>
-            <a:r>
-              <a:rPr lang="it-IT" dirty="0" smtClean="0"/>
-              <a:t> to mitigate the multiple </a:t>
-            </a:r>
-            <a:r>
-              <a:rPr lang="it-IT" dirty="0" err="1" smtClean="0"/>
-              <a:t>execution</a:t>
+          <a:bodyPr/>
+          <a:lstStyle/>
+          <a:p>
+            <a:r>
+              <a:rPr lang="it-IT" dirty="0" err="1" smtClean="0"/>
+              <a:t>Beware</a:t>
+            </a:r>
+            <a:r>
+              <a:rPr lang="it-IT" dirty="0" smtClean="0"/>
+              <a:t> of </a:t>
+            </a:r>
+            <a:r>
+              <a:rPr lang="it-IT" dirty="0" err="1" smtClean="0"/>
+              <a:t>unicast</a:t>
             </a:r>
             <a:r>
               <a:rPr lang="it-IT" dirty="0" smtClean="0"/>
@@ -10459,71 +10733,15 @@
             </a:r>
             <a:r>
               <a:rPr lang="it-IT" dirty="0" err="1" smtClean="0"/>
-              <a:t>problem</a:t>
-            </a:r>
-            <a:r>
-              <a:rPr lang="it-IT" dirty="0" smtClean="0"/>
-              <a:t> (</a:t>
-            </a:r>
-            <a:r>
-              <a:rPr lang="it-IT" dirty="0" err="1" smtClean="0"/>
-              <a:t>also</a:t>
-            </a:r>
-            <a:r>
-              <a:rPr lang="it-IT" dirty="0" smtClean="0"/>
-              <a:t> </a:t>
-            </a:r>
-            <a:r>
-              <a:rPr lang="it-IT" dirty="0" err="1" smtClean="0"/>
-              <a:t>promises</a:t>
-            </a:r>
-            <a:r>
-              <a:rPr lang="it-IT" dirty="0" smtClean="0"/>
-              <a:t> are </a:t>
-            </a:r>
-            <a:r>
-              <a:rPr lang="it-IT" dirty="0" err="1" smtClean="0"/>
-              <a:t>awaitable</a:t>
-            </a:r>
-            <a:r>
-              <a:rPr lang="it-IT" dirty="0"/>
-              <a:t> </a:t>
-            </a:r>
-            <a:r>
-              <a:rPr lang="it-IT" dirty="0" smtClean="0">
-                <a:sym typeface="Wingdings" panose="05000000000000000000" pitchFamily="2" charset="2"/>
-              </a:rPr>
-              <a:t> )</a:t>
-            </a:r>
-            <a:r>
-              <a:rPr lang="it-IT" dirty="0" smtClean="0"/>
-              <a:t>.</a:t>
-            </a:r>
-          </a:p>
-          <a:p>
-            <a:r>
-              <a:rPr lang="it-IT" dirty="0" err="1" smtClean="0"/>
-              <a:t>but</a:t>
-            </a:r>
-            <a:r>
-              <a:rPr lang="it-IT" dirty="0" smtClean="0"/>
-              <a:t> </a:t>
-            </a:r>
-            <a:r>
-              <a:rPr lang="it-IT" dirty="0" err="1" smtClean="0"/>
-              <a:t>there</a:t>
-            </a:r>
-            <a:r>
-              <a:rPr lang="it-IT" dirty="0" smtClean="0"/>
-              <a:t> are </a:t>
-            </a:r>
-            <a:r>
-              <a:rPr lang="it-IT" dirty="0" err="1" smtClean="0"/>
-              <a:t>drawbacks</a:t>
-            </a:r>
-            <a:r>
-              <a:rPr lang="it-IT" dirty="0" smtClean="0"/>
-              <a:t>…</a:t>
+              <a:t>observables</a:t>
+            </a:r>
+            <a:r>
+              <a:rPr lang="it-IT" dirty="0" smtClean="0"/>
+              <a:t> and multiple </a:t>
+            </a:r>
+            <a:r>
+              <a:rPr lang="it-IT" dirty="0" err="1" smtClean="0"/>
+              <a:t>subscriptions</a:t>
             </a:r>
             <a:endParaRPr lang="it-IT" dirty="0"/>
           </a:p>
@@ -10532,7 +10750,7 @@
     </p:spTree>
     <p:extLst>
       <p:ext uri="{BB962C8B-B14F-4D97-AF65-F5344CB8AC3E}">
-        <p14:creationId xmlns:p14="http://schemas.microsoft.com/office/powerpoint/2010/main" val="2770691382"/>
+        <p14:creationId xmlns:p14="http://schemas.microsoft.com/office/powerpoint/2010/main" val="2237372139"/>
       </p:ext>
     </p:extLst>
   </p:cSld>
@@ -10585,7 +10803,7 @@
           <a:p>
             <a:r>
               <a:rPr lang="it-IT" sz="6000" dirty="0" smtClean="0"/>
-              <a:t>Demo 03</a:t>
+              <a:t>Demo 02</a:t>
             </a:r>
             <a:br>
               <a:rPr lang="it-IT" sz="6000" dirty="0" smtClean="0"/>
@@ -10599,7 +10817,15 @@
             </a:br>
             <a:r>
               <a:rPr lang="it-IT" dirty="0" smtClean="0"/>
-              <a:t>Multicast</a:t>
+              <a:t>.</a:t>
+            </a:r>
+            <a:r>
+              <a:rPr lang="it-IT" dirty="0" err="1" smtClean="0"/>
+              <a:t>toPromise</a:t>
+            </a:r>
+            <a:r>
+              <a:rPr lang="it-IT" dirty="0" smtClean="0"/>
+              <a:t>()</a:t>
             </a:r>
             <a:endParaRPr lang="it-IT" dirty="0"/>
           </a:p>
@@ -10617,12 +10843,26 @@
         </p:nvSpPr>
         <p:spPr/>
         <p:txBody>
-          <a:bodyPr/>
-          <a:lstStyle/>
-          <a:p>
-            <a:r>
-              <a:rPr lang="it-IT" dirty="0" err="1" smtClean="0"/>
-              <a:t>Make</a:t>
+          <a:bodyPr>
+            <a:normAutofit fontScale="92500" lnSpcReduction="10000"/>
+          </a:bodyPr>
+          <a:lstStyle/>
+          <a:p>
+            <a:r>
+              <a:rPr lang="it-IT" dirty="0" smtClean="0"/>
+              <a:t>Go back to </a:t>
+            </a:r>
+            <a:r>
+              <a:rPr lang="it-IT" dirty="0" err="1" smtClean="0"/>
+              <a:t>promises</a:t>
+            </a:r>
+            <a:r>
+              <a:rPr lang="it-IT" dirty="0" smtClean="0"/>
+              <a:t> to mitigate the multiple </a:t>
+            </a:r>
+            <a:r>
+              <a:rPr lang="it-IT" dirty="0" err="1" smtClean="0"/>
+              <a:t>execution</a:t>
             </a:r>
             <a:r>
               <a:rPr lang="it-IT" dirty="0" smtClean="0"/>
@@ -10630,7 +10870,15 @@
             </a:r>
             <a:r>
               <a:rPr lang="it-IT" dirty="0" err="1" smtClean="0"/>
-              <a:t>it</a:t>
+              <a:t>problem</a:t>
+            </a:r>
+            <a:r>
+              <a:rPr lang="it-IT" dirty="0" smtClean="0"/>
+              <a:t> (</a:t>
+            </a:r>
+            <a:r>
+              <a:rPr lang="it-IT" dirty="0" err="1" smtClean="0"/>
+              <a:t>also</a:t>
             </a:r>
             <a:r>
               <a:rPr lang="it-IT" dirty="0" smtClean="0"/>
@@ -10638,27 +10886,55 @@
             </a:r>
             <a:r>
               <a:rPr lang="it-IT" dirty="0" err="1" smtClean="0"/>
-              <a:t>multicast</a:t>
-            </a:r>
-            <a:r>
-              <a:rPr lang="it-IT" dirty="0" smtClean="0"/>
-              <a:t>: </a:t>
-            </a:r>
-            <a:r>
-              <a:rPr lang="it-IT" dirty="0" err="1" smtClean="0"/>
-              <a:t>publish</a:t>
-            </a:r>
-            <a:r>
-              <a:rPr lang="it-IT" dirty="0" smtClean="0"/>
-              <a:t>(), share(), </a:t>
-            </a:r>
-            <a:r>
-              <a:rPr lang="it-IT" dirty="0" err="1" smtClean="0"/>
-              <a:t>sharereplay</a:t>
-            </a:r>
-            <a:r>
-              <a:rPr lang="it-IT" dirty="0" smtClean="0"/>
-              <a:t>()</a:t>
+              <a:t>promises</a:t>
+            </a:r>
+            <a:r>
+              <a:rPr lang="it-IT" dirty="0" smtClean="0"/>
+              <a:t> are </a:t>
+            </a:r>
+            <a:r>
+              <a:rPr lang="it-IT" dirty="0" err="1" smtClean="0"/>
+              <a:t>awaitable</a:t>
+            </a:r>
+            <a:r>
+              <a:rPr lang="it-IT" dirty="0"/>
+              <a:t> </a:t>
+            </a:r>
+            <a:r>
+              <a:rPr lang="it-IT" dirty="0" smtClean="0">
+                <a:sym typeface="Wingdings" panose="05000000000000000000" pitchFamily="2" charset="2"/>
+              </a:rPr>
+              <a:t> )</a:t>
+            </a:r>
+            <a:r>
+              <a:rPr lang="it-IT" dirty="0" smtClean="0"/>
+              <a:t>.</a:t>
+            </a:r>
+          </a:p>
+          <a:p>
+            <a:r>
+              <a:rPr lang="it-IT" dirty="0" err="1" smtClean="0"/>
+              <a:t>but</a:t>
+            </a:r>
+            <a:r>
+              <a:rPr lang="it-IT" dirty="0" smtClean="0"/>
+              <a:t> </a:t>
+            </a:r>
+            <a:r>
+              <a:rPr lang="it-IT" dirty="0" err="1" smtClean="0"/>
+              <a:t>there</a:t>
+            </a:r>
+            <a:r>
+              <a:rPr lang="it-IT" dirty="0" smtClean="0"/>
+              <a:t> are </a:t>
+            </a:r>
+            <a:r>
+              <a:rPr lang="it-IT" dirty="0" err="1" smtClean="0"/>
+              <a:t>drawbacks</a:t>
+            </a:r>
+            <a:r>
+              <a:rPr lang="it-IT" dirty="0" smtClean="0"/>
+              <a:t>…</a:t>
             </a:r>
             <a:endParaRPr lang="it-IT" dirty="0"/>
           </a:p>
@@ -10667,7 +10943,7 @@
     </p:spTree>
     <p:extLst>
       <p:ext uri="{BB962C8B-B14F-4D97-AF65-F5344CB8AC3E}">
-        <p14:creationId xmlns:p14="http://schemas.microsoft.com/office/powerpoint/2010/main" val="765595901"/>
+        <p14:creationId xmlns:p14="http://schemas.microsoft.com/office/powerpoint/2010/main" val="2770691382"/>
       </p:ext>
     </p:extLst>
   </p:cSld>
@@ -10720,8 +10996,11 @@
           <a:p>
             <a:r>
               <a:rPr lang="it-IT" sz="6000" dirty="0" smtClean="0"/>
-              <a:t>Demo 04</a:t>
-            </a:r>
+              <a:t>Demo 03</a:t>
+            </a:r>
+            <a:br>
+              <a:rPr lang="it-IT" sz="6000" dirty="0" smtClean="0"/>
+            </a:br>
             <a:r>
               <a:rPr lang="it-IT" dirty="0" smtClean="0"/>
               <a:t/>
@@ -10731,11 +11010,7 @@
             </a:br>
             <a:r>
               <a:rPr lang="it-IT" dirty="0" smtClean="0"/>
-              <a:t>The «right» way to share an </a:t>
-            </a:r>
-            <a:r>
-              <a:rPr lang="it-IT" dirty="0" err="1" smtClean="0"/>
-              <a:t>observable</a:t>
+              <a:t>Multicast</a:t>
             </a:r>
             <a:endParaRPr lang="it-IT" dirty="0"/>
           </a:p>
@@ -10757,36 +11032,44 @@
           <a:lstStyle/>
           <a:p>
             <a:r>
-              <a:rPr lang="it-IT" dirty="0" smtClean="0"/>
-              <a:t>shows the </a:t>
-            </a:r>
-            <a:r>
-              <a:rPr lang="it-IT" dirty="0" err="1" smtClean="0"/>
-              <a:t>effect</a:t>
-            </a:r>
-            <a:r>
-              <a:rPr lang="it-IT" dirty="0" smtClean="0"/>
-              <a:t> of </a:t>
-            </a:r>
-            <a:r>
-              <a:rPr lang="it-IT" dirty="0" err="1" smtClean="0"/>
-              <a:t>using</a:t>
-            </a:r>
-            <a:r>
-              <a:rPr lang="it-IT" dirty="0" smtClean="0"/>
-              <a:t> share() and </a:t>
-            </a:r>
-            <a:r>
-              <a:rPr lang="it-IT" dirty="0" err="1" smtClean="0"/>
-              <a:t>shareReplay</a:t>
-            </a:r>
-            <a:r>
-              <a:rPr lang="it-IT" dirty="0" smtClean="0"/>
-              <a:t>() with the </a:t>
-            </a:r>
-            <a:r>
-              <a:rPr lang="it-IT" dirty="0" err="1" smtClean="0"/>
-              <a:t>AsyncPipe</a:t>
+              <a:rPr lang="it-IT" dirty="0" err="1" smtClean="0"/>
+              <a:t>Make</a:t>
+            </a:r>
+            <a:r>
+              <a:rPr lang="it-IT" dirty="0" smtClean="0"/>
+              <a:t> </a:t>
+            </a:r>
+            <a:r>
+              <a:rPr lang="it-IT" dirty="0" err="1" smtClean="0"/>
+              <a:t>it</a:t>
+            </a:r>
+            <a:r>
+              <a:rPr lang="it-IT" dirty="0" smtClean="0"/>
+              <a:t> </a:t>
+            </a:r>
+            <a:r>
+              <a:rPr lang="it-IT" dirty="0" err="1" smtClean="0"/>
+              <a:t>multicast</a:t>
+            </a:r>
+            <a:r>
+              <a:rPr lang="it-IT" dirty="0" smtClean="0"/>
+              <a:t>: </a:t>
+            </a:r>
+            <a:r>
+              <a:rPr lang="it-IT" dirty="0" err="1" smtClean="0"/>
+              <a:t>publish</a:t>
+            </a:r>
+            <a:r>
+              <a:rPr lang="it-IT" dirty="0" smtClean="0"/>
+              <a:t>(), share(), </a:t>
+            </a:r>
+            <a:r>
+              <a:rPr lang="it-IT" dirty="0" err="1" smtClean="0"/>
+              <a:t>sharereplay</a:t>
+            </a:r>
+            <a:r>
+              <a:rPr lang="it-IT" dirty="0" smtClean="0"/>
+              <a:t>()</a:t>
             </a:r>
             <a:endParaRPr lang="it-IT" dirty="0"/>
           </a:p>
@@ -10795,7 +11078,7 @@
     </p:spTree>
     <p:extLst>
       <p:ext uri="{BB962C8B-B14F-4D97-AF65-F5344CB8AC3E}">
-        <p14:creationId xmlns:p14="http://schemas.microsoft.com/office/powerpoint/2010/main" val="652729121"/>
+        <p14:creationId xmlns:p14="http://schemas.microsoft.com/office/powerpoint/2010/main" val="765595901"/>
       </p:ext>
     </p:extLst>
   </p:cSld>
@@ -10842,13 +11125,13 @@
         <p:spPr/>
         <p:txBody>
           <a:bodyPr>
-            <a:normAutofit fontScale="90000"/>
+            <a:normAutofit/>
           </a:bodyPr>
           <a:lstStyle/>
           <a:p>
             <a:r>
               <a:rPr lang="it-IT" sz="6000" dirty="0" smtClean="0"/>
-              <a:t>Demo 05</a:t>
+              <a:t>Demo 04</a:t>
             </a:r>
             <a:r>
               <a:rPr lang="it-IT" dirty="0" smtClean="0"/>
@@ -10858,29 +11141,14 @@
               <a:rPr lang="it-IT" dirty="0" smtClean="0"/>
             </a:br>
             <a:r>
-              <a:rPr lang="it-IT" dirty="0"/>
-              <a:t/>
-            </a:r>
-            <a:br>
-              <a:rPr lang="it-IT" dirty="0"/>
-            </a:br>
-            <a:r>
-              <a:rPr lang="it-IT" dirty="0" err="1" smtClean="0"/>
-              <a:t>Unsubscribe</a:t>
-            </a:r>
-            <a:r>
-              <a:rPr lang="it-IT" dirty="0" smtClean="0"/>
-              <a:t> (in </a:t>
-            </a:r>
-            <a:r>
-              <a:rPr lang="it-IT" dirty="0" err="1" smtClean="0"/>
-              <a:t>Angular</a:t>
-            </a:r>
-            <a:r>
-              <a:rPr lang="it-IT" dirty="0"/>
-              <a:t>)</a:t>
-            </a:r>
-            <a:endParaRPr lang="it-IT" dirty="0" smtClean="0"/>
+              <a:rPr lang="it-IT" dirty="0" smtClean="0"/>
+              <a:t>The «right» way to share an </a:t>
+            </a:r>
+            <a:r>
+              <a:rPr lang="it-IT" dirty="0" err="1" smtClean="0"/>
+              <a:t>observable</a:t>
+            </a:r>
+            <a:endParaRPr lang="it-IT" dirty="0"/>
           </a:p>
         </p:txBody>
       </p:sp>
@@ -10896,60 +11164,40 @@
         </p:nvSpPr>
         <p:spPr/>
         <p:txBody>
-          <a:bodyPr>
-            <a:normAutofit fontScale="85000" lnSpcReduction="20000"/>
-          </a:bodyPr>
-          <a:lstStyle/>
-          <a:p>
-            <a:r>
-              <a:rPr lang="it-IT" dirty="0"/>
-              <a:t>How to do </a:t>
-            </a:r>
-            <a:r>
-              <a:rPr lang="it-IT" dirty="0" err="1" smtClean="0"/>
-              <a:t>it!</a:t>
-            </a:r>
-            <a:endParaRPr lang="it-IT" dirty="0"/>
-          </a:p>
-          <a:p>
-            <a:r>
-              <a:rPr lang="it-IT" dirty="0" err="1"/>
-              <a:t>When</a:t>
-            </a:r>
-            <a:r>
-              <a:rPr lang="it-IT" dirty="0"/>
-              <a:t> to do </a:t>
-            </a:r>
-            <a:r>
-              <a:rPr lang="it-IT" dirty="0" err="1" smtClean="0"/>
-              <a:t>it!</a:t>
-            </a:r>
-            <a:endParaRPr lang="it-IT" dirty="0" smtClean="0"/>
-          </a:p>
-          <a:p>
-            <a:r>
-              <a:rPr lang="it-IT" dirty="0" smtClean="0"/>
-              <a:t>(</a:t>
-            </a:r>
-            <a:r>
-              <a:rPr lang="it-IT" dirty="0" err="1" smtClean="0"/>
-              <a:t>Angular</a:t>
-            </a:r>
-            <a:r>
-              <a:rPr lang="it-IT" dirty="0" smtClean="0"/>
-              <a:t>) Best </a:t>
-            </a:r>
-            <a:r>
-              <a:rPr lang="it-IT" dirty="0" err="1" smtClean="0"/>
-              <a:t>practice</a:t>
-            </a:r>
-            <a:r>
-              <a:rPr lang="it-IT" dirty="0" smtClean="0"/>
-              <a:t> to do </a:t>
-            </a:r>
-            <a:r>
-              <a:rPr lang="it-IT" dirty="0" err="1" smtClean="0"/>
-              <a:t>it!</a:t>
+          <a:bodyPr/>
+          <a:lstStyle/>
+          <a:p>
+            <a:r>
+              <a:rPr lang="it-IT" dirty="0" smtClean="0"/>
+              <a:t>shows the </a:t>
+            </a:r>
+            <a:r>
+              <a:rPr lang="it-IT" dirty="0" err="1" smtClean="0"/>
+              <a:t>effect</a:t>
+            </a:r>
+            <a:r>
+              <a:rPr lang="it-IT" dirty="0" smtClean="0"/>
+              <a:t> of </a:t>
+            </a:r>
+            <a:r>
+              <a:rPr lang="it-IT" dirty="0" err="1" smtClean="0"/>
+              <a:t>using</a:t>
+            </a:r>
+            <a:r>
+              <a:rPr lang="it-IT" dirty="0" smtClean="0"/>
+              <a:t> ‘share()’ and ‘</a:t>
+            </a:r>
+            <a:r>
+              <a:rPr lang="it-IT" dirty="0" err="1" smtClean="0"/>
+              <a:t>shareReplay</a:t>
+            </a:r>
+            <a:r>
+              <a:rPr lang="it-IT" dirty="0" smtClean="0"/>
+              <a:t>()’ with the </a:t>
+            </a:r>
+            <a:r>
+              <a:rPr lang="it-IT" dirty="0" err="1" smtClean="0"/>
+              <a:t>AsyncPipe</a:t>
             </a:r>
             <a:endParaRPr lang="it-IT" dirty="0"/>
           </a:p>
@@ -10958,7 +11206,7 @@
     </p:spTree>
     <p:extLst>
       <p:ext uri="{BB962C8B-B14F-4D97-AF65-F5344CB8AC3E}">
-        <p14:creationId xmlns:p14="http://schemas.microsoft.com/office/powerpoint/2010/main" val="485016218"/>
+        <p14:creationId xmlns:p14="http://schemas.microsoft.com/office/powerpoint/2010/main" val="652729121"/>
       </p:ext>
     </p:extLst>
   </p:cSld>
@@ -10994,6 +11242,169 @@
       </p:grpSpPr>
       <p:sp>
         <p:nvSpPr>
+          <p:cNvPr id="4" name="Titolo 3"/>
+          <p:cNvSpPr>
+            <a:spLocks noGrp="1"/>
+          </p:cNvSpPr>
+          <p:nvPr>
+            <p:ph type="title"/>
+          </p:nvPr>
+        </p:nvSpPr>
+        <p:spPr/>
+        <p:txBody>
+          <a:bodyPr>
+            <a:normAutofit fontScale="90000"/>
+          </a:bodyPr>
+          <a:lstStyle/>
+          <a:p>
+            <a:r>
+              <a:rPr lang="it-IT" sz="6000" dirty="0" smtClean="0"/>
+              <a:t>Demo 05</a:t>
+            </a:r>
+            <a:r>
+              <a:rPr lang="it-IT" dirty="0" smtClean="0"/>
+              <a:t/>
+            </a:r>
+            <a:br>
+              <a:rPr lang="it-IT" dirty="0" smtClean="0"/>
+            </a:br>
+            <a:r>
+              <a:rPr lang="it-IT" dirty="0"/>
+              <a:t/>
+            </a:r>
+            <a:br>
+              <a:rPr lang="it-IT" dirty="0"/>
+            </a:br>
+            <a:r>
+              <a:rPr lang="it-IT" dirty="0" err="1" smtClean="0"/>
+              <a:t>Unsubscribe</a:t>
+            </a:r>
+            <a:r>
+              <a:rPr lang="it-IT" dirty="0" smtClean="0"/>
+              <a:t> (in </a:t>
+            </a:r>
+            <a:r>
+              <a:rPr lang="it-IT" dirty="0" err="1" smtClean="0"/>
+              <a:t>Angular</a:t>
+            </a:r>
+            <a:r>
+              <a:rPr lang="it-IT" dirty="0"/>
+              <a:t>)</a:t>
+            </a:r>
+            <a:endParaRPr lang="it-IT" dirty="0" smtClean="0"/>
+          </a:p>
+        </p:txBody>
+      </p:sp>
+      <p:sp>
+        <p:nvSpPr>
+          <p:cNvPr id="5" name="Segnaposto testo 4"/>
+          <p:cNvSpPr>
+            <a:spLocks noGrp="1"/>
+          </p:cNvSpPr>
+          <p:nvPr>
+            <p:ph type="body" idx="1"/>
+          </p:nvPr>
+        </p:nvSpPr>
+        <p:spPr/>
+        <p:txBody>
+          <a:bodyPr>
+            <a:normAutofit fontScale="85000" lnSpcReduction="20000"/>
+          </a:bodyPr>
+          <a:lstStyle/>
+          <a:p>
+            <a:r>
+              <a:rPr lang="it-IT" dirty="0"/>
+              <a:t>How to do </a:t>
+            </a:r>
+            <a:r>
+              <a:rPr lang="it-IT" dirty="0" err="1" smtClean="0"/>
+              <a:t>it!</a:t>
+            </a:r>
+            <a:endParaRPr lang="it-IT" dirty="0"/>
+          </a:p>
+          <a:p>
+            <a:r>
+              <a:rPr lang="it-IT" dirty="0" err="1"/>
+              <a:t>When</a:t>
+            </a:r>
+            <a:r>
+              <a:rPr lang="it-IT" dirty="0"/>
+              <a:t> to do </a:t>
+            </a:r>
+            <a:r>
+              <a:rPr lang="it-IT" dirty="0" err="1" smtClean="0"/>
+              <a:t>it!</a:t>
+            </a:r>
+            <a:endParaRPr lang="it-IT" dirty="0" smtClean="0"/>
+          </a:p>
+          <a:p>
+            <a:r>
+              <a:rPr lang="it-IT" dirty="0" smtClean="0"/>
+              <a:t>(</a:t>
+            </a:r>
+            <a:r>
+              <a:rPr lang="it-IT" dirty="0" err="1" smtClean="0"/>
+              <a:t>Angular</a:t>
+            </a:r>
+            <a:r>
+              <a:rPr lang="it-IT" dirty="0" smtClean="0"/>
+              <a:t>) Best </a:t>
+            </a:r>
+            <a:r>
+              <a:rPr lang="it-IT" dirty="0" err="1" smtClean="0"/>
+              <a:t>practice</a:t>
+            </a:r>
+            <a:r>
+              <a:rPr lang="it-IT" dirty="0" smtClean="0"/>
+              <a:t> to do </a:t>
+            </a:r>
+            <a:r>
+              <a:rPr lang="it-IT" dirty="0" err="1" smtClean="0"/>
+              <a:t>it!</a:t>
+            </a:r>
+            <a:endParaRPr lang="it-IT" dirty="0"/>
+          </a:p>
+        </p:txBody>
+      </p:sp>
+    </p:spTree>
+    <p:extLst>
+      <p:ext uri="{BB962C8B-B14F-4D97-AF65-F5344CB8AC3E}">
+        <p14:creationId xmlns:p14="http://schemas.microsoft.com/office/powerpoint/2010/main" val="485016218"/>
+      </p:ext>
+    </p:extLst>
+  </p:cSld>
+  <p:clrMapOvr>
+    <a:masterClrMapping/>
+  </p:clrMapOvr>
+  <p:timing>
+    <p:tnLst>
+      <p:par>
+        <p:cTn id="1" dur="indefinite" restart="never" nodeType="tmRoot"/>
+      </p:par>
+    </p:tnLst>
+  </p:timing>
+</p:sld>
+</file>
+
+<file path=ppt/slides/slide28.xml><?xml version="1.0" encoding="utf-8"?>
+<p:sld xmlns:a="http://schemas.openxmlformats.org/drawingml/2006/main" xmlns:r="http://schemas.openxmlformats.org/officeDocument/2006/relationships" xmlns:p="http://schemas.openxmlformats.org/presentationml/2006/main">
+  <p:cSld>
+    <p:spTree>
+      <p:nvGrpSpPr>
+        <p:cNvPr id="1" name=""/>
+        <p:cNvGrpSpPr/>
+        <p:nvPr/>
+      </p:nvGrpSpPr>
+      <p:grpSpPr>
+        <a:xfrm>
+          <a:off x="0" y="0"/>
+          <a:ext cx="0" cy="0"/>
+          <a:chOff x="0" y="0"/>
+          <a:chExt cx="0" cy="0"/>
+        </a:xfrm>
+      </p:grpSpPr>
+      <p:sp>
+        <p:nvSpPr>
           <p:cNvPr id="2" name="Titolo 1"/>
           <p:cNvSpPr>
             <a:spLocks noGrp="1"/>
@@ -11008,12 +11419,40 @@
           <a:lstStyle/>
           <a:p>
             <a:r>
-              <a:rPr lang="it-IT" dirty="0" smtClean="0"/>
-              <a:t>Benefits and </a:t>
-            </a:r>
-            <a:r>
-              <a:rPr lang="it-IT" dirty="0" err="1" smtClean="0"/>
-              <a:t>Drawbacks</a:t>
+              <a:rPr lang="it-IT" dirty="0" err="1" smtClean="0"/>
+              <a:t>RxJS</a:t>
+            </a:r>
+            <a:r>
+              <a:rPr lang="it-IT" dirty="0" smtClean="0"/>
+              <a:t>: </a:t>
+            </a:r>
+            <a:r>
+              <a:rPr lang="it-IT" dirty="0" err="1" smtClean="0"/>
+              <a:t>chose</a:t>
+            </a:r>
+            <a:r>
+              <a:rPr lang="it-IT" dirty="0" smtClean="0"/>
+              <a:t> </a:t>
+            </a:r>
+            <a:r>
+              <a:rPr lang="it-IT" dirty="0" err="1" smtClean="0"/>
+              <a:t>your</a:t>
+            </a:r>
+            <a:r>
+              <a:rPr lang="it-IT" dirty="0" smtClean="0"/>
+              <a:t> </a:t>
+            </a:r>
+            <a:r>
+              <a:rPr lang="it-IT" dirty="0" err="1" smtClean="0"/>
+              <a:t>operators</a:t>
+            </a:r>
+            <a:r>
+              <a:rPr lang="it-IT" dirty="0" smtClean="0"/>
+              <a:t> </a:t>
+            </a:r>
+            <a:r>
+              <a:rPr lang="it-IT" dirty="0" err="1" smtClean="0"/>
+              <a:t>wisely</a:t>
             </a:r>
             <a:endParaRPr lang="it-IT" dirty="0"/>
           </a:p>
@@ -11032,7 +11471,7 @@
         <p:spPr/>
         <p:txBody>
           <a:bodyPr>
-            <a:normAutofit fontScale="92500" lnSpcReduction="10000"/>
+            <a:normAutofit/>
           </a:bodyPr>
           <a:lstStyle/>
           <a:p>
@@ -11044,6 +11483,941 @@
               <a:buChar char="•"/>
             </a:pPr>
             <a:r>
+              <a:rPr lang="it-IT" b="1" dirty="0" err="1">
+                <a:solidFill>
+                  <a:srgbClr val="0070C0"/>
+                </a:solidFill>
+              </a:rPr>
+              <a:t>switchMap</a:t>
+            </a:r>
+            <a:r>
+              <a:rPr lang="it-IT" dirty="0"/>
+              <a:t>: </a:t>
+            </a:r>
+            <a:r>
+              <a:rPr lang="it-IT" dirty="0" err="1" smtClean="0"/>
+              <a:t>runs</a:t>
+            </a:r>
+            <a:r>
+              <a:rPr lang="it-IT" dirty="0" smtClean="0"/>
+              <a:t> multiple </a:t>
+            </a:r>
+            <a:r>
+              <a:rPr lang="it-IT" dirty="0" err="1"/>
+              <a:t>requests</a:t>
+            </a:r>
+            <a:r>
+              <a:rPr lang="it-IT" dirty="0"/>
+              <a:t>, the new </a:t>
+            </a:r>
+            <a:r>
+              <a:rPr lang="it-IT" dirty="0" err="1"/>
+              <a:t>request</a:t>
+            </a:r>
+            <a:r>
+              <a:rPr lang="it-IT" dirty="0"/>
+              <a:t> </a:t>
+            </a:r>
+            <a:r>
+              <a:rPr lang="it-IT" dirty="0" err="1"/>
+              <a:t>cancels</a:t>
+            </a:r>
+            <a:r>
+              <a:rPr lang="it-IT" dirty="0"/>
+              <a:t> the </a:t>
+            </a:r>
+            <a:r>
+              <a:rPr lang="it-IT" dirty="0" err="1" smtClean="0"/>
+              <a:t>previous</a:t>
+            </a:r>
+            <a:r>
+              <a:rPr lang="it-IT" dirty="0" smtClean="0"/>
+              <a:t> </a:t>
+            </a:r>
+            <a:r>
+              <a:rPr lang="it-IT" dirty="0" err="1" smtClean="0"/>
+              <a:t>one</a:t>
+            </a:r>
+            <a:r>
+              <a:rPr lang="it-IT" dirty="0" smtClean="0"/>
+              <a:t>. </a:t>
+            </a:r>
+            <a:br>
+              <a:rPr lang="it-IT" dirty="0" smtClean="0"/>
+            </a:br>
+            <a:r>
+              <a:rPr lang="it-IT" b="1" dirty="0" smtClean="0"/>
+              <a:t>Can </a:t>
+            </a:r>
+            <a:r>
+              <a:rPr lang="it-IT" b="1" dirty="0"/>
+              <a:t>be </a:t>
+            </a:r>
+            <a:r>
+              <a:rPr lang="it-IT" b="1" dirty="0" err="1"/>
+              <a:t>used</a:t>
+            </a:r>
+            <a:r>
+              <a:rPr lang="it-IT" b="1" dirty="0"/>
+              <a:t> in </a:t>
+            </a:r>
+            <a:r>
+              <a:rPr lang="it-IT" b="1" dirty="0" err="1">
+                <a:solidFill>
+                  <a:srgbClr val="0070C0"/>
+                </a:solidFill>
+              </a:rPr>
+              <a:t>get</a:t>
+            </a:r>
+            <a:r>
+              <a:rPr lang="it-IT" b="1" dirty="0">
+                <a:solidFill>
+                  <a:srgbClr val="0070C0"/>
+                </a:solidFill>
+              </a:rPr>
+              <a:t> </a:t>
+            </a:r>
+            <a:r>
+              <a:rPr lang="it-IT" b="1" dirty="0" err="1"/>
+              <a:t>requests</a:t>
+            </a:r>
+            <a:r>
+              <a:rPr lang="it-IT" b="1" dirty="0"/>
+              <a:t> or </a:t>
+            </a:r>
+            <a:r>
+              <a:rPr lang="it-IT" b="1" dirty="0" err="1"/>
+              <a:t>cancelable</a:t>
+            </a:r>
+            <a:r>
+              <a:rPr lang="it-IT" b="1" dirty="0"/>
+              <a:t> </a:t>
+            </a:r>
+            <a:r>
+              <a:rPr lang="it-IT" b="1" dirty="0" err="1"/>
+              <a:t>requests</a:t>
+            </a:r>
+            <a:r>
+              <a:rPr lang="it-IT" b="1" dirty="0"/>
+              <a:t> </a:t>
+            </a:r>
+            <a:r>
+              <a:rPr lang="it-IT" b="1" dirty="0" smtClean="0"/>
+              <a:t>(e.g.: </a:t>
+            </a:r>
+            <a:r>
+              <a:rPr lang="it-IT" b="1" dirty="0" err="1"/>
+              <a:t>searches</a:t>
+            </a:r>
+            <a:r>
+              <a:rPr lang="it-IT" b="1" dirty="0"/>
+              <a:t>).</a:t>
+            </a:r>
+          </a:p>
+          <a:p>
+            <a:pPr>
+              <a:buFont typeface="Arial" panose="020B0604020202020204" pitchFamily="34" charset="0"/>
+              <a:buChar char="•"/>
+            </a:pPr>
+            <a:r>
+              <a:rPr lang="it-IT" b="1" dirty="0" err="1" smtClean="0">
+                <a:solidFill>
+                  <a:srgbClr val="0070C0"/>
+                </a:solidFill>
+              </a:rPr>
+              <a:t>mergeMap</a:t>
+            </a:r>
+            <a:r>
+              <a:rPr lang="it-IT" dirty="0" smtClean="0"/>
+              <a:t>: </a:t>
+            </a:r>
+            <a:r>
+              <a:rPr lang="it-IT" dirty="0" err="1" smtClean="0"/>
+              <a:t>runs</a:t>
+            </a:r>
+            <a:r>
+              <a:rPr lang="it-IT" dirty="0" smtClean="0"/>
+              <a:t> multiple </a:t>
+            </a:r>
+            <a:r>
+              <a:rPr lang="it-IT" dirty="0" err="1" smtClean="0"/>
+              <a:t>requests</a:t>
+            </a:r>
+            <a:r>
+              <a:rPr lang="it-IT" dirty="0" smtClean="0"/>
+              <a:t> in </a:t>
+            </a:r>
+            <a:r>
+              <a:rPr lang="it-IT" dirty="0" err="1" smtClean="0"/>
+              <a:t>parallel</a:t>
+            </a:r>
+            <a:r>
+              <a:rPr lang="it-IT" dirty="0" smtClean="0"/>
+              <a:t> and merge </a:t>
+            </a:r>
+            <a:r>
+              <a:rPr lang="it-IT" dirty="0" err="1" smtClean="0"/>
+              <a:t>their</a:t>
+            </a:r>
+            <a:r>
+              <a:rPr lang="it-IT" dirty="0" smtClean="0"/>
+              <a:t> </a:t>
+            </a:r>
+            <a:r>
+              <a:rPr lang="it-IT" dirty="0" err="1" smtClean="0"/>
+              <a:t>results</a:t>
+            </a:r>
+            <a:r>
+              <a:rPr lang="it-IT" dirty="0" smtClean="0"/>
+              <a:t> in a single </a:t>
+            </a:r>
+            <a:r>
+              <a:rPr lang="it-IT" dirty="0" err="1" smtClean="0"/>
+              <a:t>stream</a:t>
+            </a:r>
+            <a:r>
+              <a:rPr lang="it-IT" dirty="0" smtClean="0"/>
+              <a:t>. </a:t>
+            </a:r>
+            <a:br>
+              <a:rPr lang="it-IT" dirty="0" smtClean="0"/>
+            </a:br>
+            <a:r>
+              <a:rPr lang="it-IT" b="1" dirty="0" err="1" smtClean="0"/>
+              <a:t>It</a:t>
+            </a:r>
+            <a:r>
+              <a:rPr lang="it-IT" b="1" dirty="0" smtClean="0"/>
+              <a:t> </a:t>
+            </a:r>
+            <a:r>
+              <a:rPr lang="it-IT" b="1" dirty="0" err="1" smtClean="0"/>
+              <a:t>does</a:t>
+            </a:r>
+            <a:r>
+              <a:rPr lang="it-IT" b="1" dirty="0" smtClean="0"/>
+              <a:t> </a:t>
+            </a:r>
+            <a:r>
+              <a:rPr lang="it-IT" b="1" dirty="0" err="1" smtClean="0"/>
+              <a:t>not</a:t>
+            </a:r>
+            <a:r>
+              <a:rPr lang="it-IT" b="1" dirty="0" smtClean="0"/>
+              <a:t> </a:t>
+            </a:r>
+            <a:r>
+              <a:rPr lang="it-IT" b="1" dirty="0" err="1" smtClean="0"/>
+              <a:t>guarantee</a:t>
+            </a:r>
+            <a:r>
+              <a:rPr lang="it-IT" b="1" dirty="0" smtClean="0"/>
+              <a:t> </a:t>
+            </a:r>
+            <a:r>
+              <a:rPr lang="it-IT" b="1" dirty="0" err="1" smtClean="0"/>
+              <a:t>ordering</a:t>
+            </a:r>
+            <a:r>
+              <a:rPr lang="it-IT" dirty="0" smtClean="0"/>
+              <a:t>. </a:t>
+            </a:r>
+            <a:r>
+              <a:rPr lang="it-IT" b="1" dirty="0" err="1" smtClean="0"/>
+              <a:t>Better</a:t>
+            </a:r>
+            <a:r>
+              <a:rPr lang="it-IT" b="1" dirty="0" smtClean="0"/>
+              <a:t> </a:t>
+            </a:r>
+            <a:r>
+              <a:rPr lang="it-IT" b="1" dirty="0" err="1" smtClean="0"/>
+              <a:t>suited</a:t>
+            </a:r>
+            <a:r>
+              <a:rPr lang="it-IT" b="1" dirty="0" smtClean="0"/>
+              <a:t> for </a:t>
+            </a:r>
+            <a:r>
+              <a:rPr lang="it-IT" b="1" dirty="0" smtClean="0">
+                <a:solidFill>
+                  <a:srgbClr val="0070C0"/>
+                </a:solidFill>
+              </a:rPr>
+              <a:t>put</a:t>
+            </a:r>
+            <a:r>
+              <a:rPr lang="it-IT" b="1" dirty="0" smtClean="0"/>
+              <a:t>, </a:t>
+            </a:r>
+            <a:r>
+              <a:rPr lang="it-IT" b="1" dirty="0" smtClean="0">
+                <a:solidFill>
+                  <a:srgbClr val="0070C0"/>
+                </a:solidFill>
+              </a:rPr>
+              <a:t>post</a:t>
+            </a:r>
+            <a:r>
+              <a:rPr lang="it-IT" b="1" dirty="0" smtClean="0"/>
+              <a:t>, </a:t>
+            </a:r>
+            <a:r>
+              <a:rPr lang="it-IT" b="1" dirty="0" smtClean="0">
+                <a:solidFill>
+                  <a:srgbClr val="0070C0"/>
+                </a:solidFill>
+              </a:rPr>
+              <a:t>delete</a:t>
+            </a:r>
+            <a:r>
+              <a:rPr lang="it-IT" b="1" dirty="0" smtClean="0"/>
+              <a:t> </a:t>
+            </a:r>
+            <a:r>
+              <a:rPr lang="it-IT" b="1" dirty="0" err="1" smtClean="0"/>
+              <a:t>operations</a:t>
+            </a:r>
+            <a:r>
+              <a:rPr lang="it-IT" b="1" dirty="0" smtClean="0"/>
+              <a:t>.</a:t>
+            </a:r>
+          </a:p>
+          <a:p>
+            <a:pPr>
+              <a:buFont typeface="Arial" panose="020B0604020202020204" pitchFamily="34" charset="0"/>
+              <a:buChar char="•"/>
+            </a:pPr>
+            <a:r>
+              <a:rPr lang="it-IT" b="1" dirty="0" err="1" smtClean="0">
+                <a:solidFill>
+                  <a:srgbClr val="0070C0"/>
+                </a:solidFill>
+              </a:rPr>
+              <a:t>concatMap</a:t>
+            </a:r>
+            <a:r>
+              <a:rPr lang="it-IT" dirty="0" smtClean="0"/>
+              <a:t>: </a:t>
+            </a:r>
+            <a:r>
+              <a:rPr lang="it-IT" dirty="0" err="1" smtClean="0"/>
+              <a:t>runs</a:t>
+            </a:r>
+            <a:r>
+              <a:rPr lang="it-IT" dirty="0" smtClean="0"/>
+              <a:t> the </a:t>
+            </a:r>
+            <a:r>
+              <a:rPr lang="it-IT" dirty="0" err="1" smtClean="0"/>
+              <a:t>requests</a:t>
+            </a:r>
+            <a:r>
+              <a:rPr lang="it-IT" dirty="0" smtClean="0"/>
+              <a:t> </a:t>
+            </a:r>
+            <a:r>
+              <a:rPr lang="it-IT" b="1" dirty="0" smtClean="0"/>
+              <a:t>in </a:t>
+            </a:r>
+            <a:r>
+              <a:rPr lang="it-IT" b="1" dirty="0" err="1" smtClean="0"/>
+              <a:t>order</a:t>
+            </a:r>
+            <a:r>
+              <a:rPr lang="it-IT" b="1" dirty="0" smtClean="0"/>
+              <a:t> </a:t>
+            </a:r>
+            <a:r>
+              <a:rPr lang="it-IT" dirty="0" err="1" smtClean="0"/>
+              <a:t>at</a:t>
+            </a:r>
+            <a:r>
+              <a:rPr lang="it-IT" dirty="0" smtClean="0"/>
+              <a:t> the </a:t>
+            </a:r>
+            <a:r>
+              <a:rPr lang="it-IT" dirty="0" err="1" smtClean="0"/>
+              <a:t>expense</a:t>
+            </a:r>
+            <a:r>
+              <a:rPr lang="it-IT" dirty="0" smtClean="0"/>
+              <a:t> of performance. Use </a:t>
+            </a:r>
+            <a:r>
+              <a:rPr lang="it-IT" dirty="0" err="1" smtClean="0"/>
+              <a:t>only</a:t>
+            </a:r>
+            <a:r>
+              <a:rPr lang="it-IT" dirty="0" smtClean="0"/>
+              <a:t> </a:t>
+            </a:r>
+            <a:r>
+              <a:rPr lang="it-IT" dirty="0" err="1" smtClean="0"/>
+              <a:t>when</a:t>
+            </a:r>
+            <a:r>
+              <a:rPr lang="it-IT" dirty="0" smtClean="0"/>
+              <a:t> the </a:t>
+            </a:r>
+            <a:r>
+              <a:rPr lang="it-IT" dirty="0" err="1" smtClean="0"/>
+              <a:t>order</a:t>
+            </a:r>
+            <a:r>
+              <a:rPr lang="it-IT" dirty="0" smtClean="0"/>
+              <a:t> of </a:t>
+            </a:r>
+            <a:r>
+              <a:rPr lang="it-IT" dirty="0" err="1" smtClean="0"/>
+              <a:t>operations</a:t>
+            </a:r>
+            <a:r>
+              <a:rPr lang="it-IT" dirty="0" smtClean="0"/>
+              <a:t> </a:t>
+            </a:r>
+            <a:r>
+              <a:rPr lang="it-IT" dirty="0" err="1" smtClean="0"/>
+              <a:t>is</a:t>
+            </a:r>
+            <a:r>
+              <a:rPr lang="it-IT" dirty="0" smtClean="0"/>
+              <a:t> </a:t>
+            </a:r>
+            <a:r>
+              <a:rPr lang="it-IT" dirty="0" err="1" smtClean="0"/>
+              <a:t>important</a:t>
+            </a:r>
+            <a:r>
+              <a:rPr lang="it-IT" dirty="0" smtClean="0"/>
+              <a:t>. </a:t>
+            </a:r>
+            <a:r>
+              <a:rPr lang="it-IT" b="1" dirty="0" err="1"/>
+              <a:t>Better</a:t>
+            </a:r>
+            <a:r>
+              <a:rPr lang="it-IT" b="1" dirty="0"/>
+              <a:t> </a:t>
+            </a:r>
+            <a:r>
+              <a:rPr lang="it-IT" b="1" dirty="0" err="1"/>
+              <a:t>suited</a:t>
+            </a:r>
+            <a:r>
+              <a:rPr lang="it-IT" b="1" dirty="0"/>
+              <a:t> for </a:t>
+            </a:r>
+            <a:r>
+              <a:rPr lang="it-IT" b="1" dirty="0">
+                <a:solidFill>
+                  <a:srgbClr val="0070C0"/>
+                </a:solidFill>
+              </a:rPr>
+              <a:t>put</a:t>
+            </a:r>
+            <a:r>
+              <a:rPr lang="it-IT" b="1" dirty="0"/>
+              <a:t>, </a:t>
+            </a:r>
+            <a:r>
+              <a:rPr lang="it-IT" b="1" dirty="0">
+                <a:solidFill>
+                  <a:srgbClr val="0070C0"/>
+                </a:solidFill>
+              </a:rPr>
+              <a:t>post</a:t>
+            </a:r>
+            <a:r>
+              <a:rPr lang="it-IT" b="1" dirty="0"/>
+              <a:t>, </a:t>
+            </a:r>
+            <a:r>
+              <a:rPr lang="it-IT" b="1" dirty="0">
+                <a:solidFill>
+                  <a:srgbClr val="0070C0"/>
+                </a:solidFill>
+              </a:rPr>
+              <a:t>delete</a:t>
+            </a:r>
+            <a:r>
+              <a:rPr lang="it-IT" b="1" dirty="0"/>
+              <a:t> </a:t>
+            </a:r>
+            <a:r>
+              <a:rPr lang="it-IT" b="1" dirty="0" err="1" smtClean="0"/>
+              <a:t>operations</a:t>
+            </a:r>
+            <a:r>
+              <a:rPr lang="it-IT" b="1" smtClean="0"/>
+              <a:t>-</a:t>
+            </a:r>
+            <a:endParaRPr lang="it-IT" dirty="0" smtClean="0"/>
+          </a:p>
+          <a:p>
+            <a:pPr>
+              <a:buFont typeface="Arial" panose="020B0604020202020204" pitchFamily="34" charset="0"/>
+              <a:buChar char="•"/>
+            </a:pPr>
+            <a:r>
+              <a:rPr lang="it-IT" b="1" dirty="0" err="1" smtClean="0">
+                <a:solidFill>
+                  <a:srgbClr val="0070C0"/>
+                </a:solidFill>
+              </a:rPr>
+              <a:t>exhaustMap</a:t>
+            </a:r>
+            <a:r>
+              <a:rPr lang="it-IT" dirty="0" smtClean="0"/>
+              <a:t>: </a:t>
+            </a:r>
+            <a:r>
+              <a:rPr lang="it-IT" b="1" dirty="0" err="1" smtClean="0"/>
+              <a:t>ignore</a:t>
+            </a:r>
+            <a:r>
+              <a:rPr lang="it-IT" b="1" dirty="0" smtClean="0"/>
+              <a:t> </a:t>
+            </a:r>
+            <a:r>
+              <a:rPr lang="it-IT" b="1" dirty="0" err="1" smtClean="0"/>
+              <a:t>all</a:t>
+            </a:r>
+            <a:r>
+              <a:rPr lang="it-IT" dirty="0" smtClean="0"/>
+              <a:t> the </a:t>
+            </a:r>
+            <a:r>
+              <a:rPr lang="it-IT" dirty="0" err="1" smtClean="0"/>
+              <a:t>next</a:t>
+            </a:r>
+            <a:r>
+              <a:rPr lang="it-IT" dirty="0" smtClean="0"/>
+              <a:t> </a:t>
+            </a:r>
+            <a:r>
+              <a:rPr lang="it-IT" dirty="0" err="1" smtClean="0"/>
+              <a:t>requests</a:t>
+            </a:r>
+            <a:r>
+              <a:rPr lang="it-IT" dirty="0" smtClean="0"/>
+              <a:t> </a:t>
+            </a:r>
+            <a:r>
+              <a:rPr lang="it-IT" b="1" dirty="0" err="1" smtClean="0"/>
+              <a:t>until</a:t>
+            </a:r>
+            <a:r>
+              <a:rPr lang="it-IT" b="1" dirty="0" smtClean="0"/>
+              <a:t> the </a:t>
+            </a:r>
+            <a:r>
+              <a:rPr lang="it-IT" b="1" dirty="0" err="1" smtClean="0"/>
+              <a:t>current</a:t>
+            </a:r>
+            <a:r>
+              <a:rPr lang="it-IT" b="1" dirty="0" smtClean="0"/>
+              <a:t> </a:t>
+            </a:r>
+            <a:r>
+              <a:rPr lang="it-IT" b="1" dirty="0" err="1" smtClean="0"/>
+              <a:t>one</a:t>
+            </a:r>
+            <a:r>
+              <a:rPr lang="it-IT" b="1" dirty="0" smtClean="0"/>
+              <a:t> </a:t>
+            </a:r>
+            <a:r>
+              <a:rPr lang="it-IT" b="1" dirty="0" err="1" smtClean="0"/>
+              <a:t>completes</a:t>
+            </a:r>
+            <a:r>
+              <a:rPr lang="it-IT" dirty="0" smtClean="0"/>
+              <a:t>, </a:t>
+            </a:r>
+            <a:r>
+              <a:rPr lang="it-IT" dirty="0" err="1" smtClean="0"/>
+              <a:t>then</a:t>
+            </a:r>
+            <a:r>
+              <a:rPr lang="it-IT" dirty="0" smtClean="0"/>
+              <a:t> a new </a:t>
+            </a:r>
+            <a:r>
+              <a:rPr lang="it-IT" dirty="0" err="1" smtClean="0"/>
+              <a:t>request</a:t>
+            </a:r>
+            <a:r>
+              <a:rPr lang="it-IT" dirty="0" smtClean="0"/>
+              <a:t> can be </a:t>
+            </a:r>
+            <a:r>
+              <a:rPr lang="it-IT" dirty="0" err="1" smtClean="0"/>
+              <a:t>started</a:t>
+            </a:r>
+            <a:r>
+              <a:rPr lang="it-IT" dirty="0" smtClean="0"/>
+              <a:t>.</a:t>
+            </a:r>
+          </a:p>
+        </p:txBody>
+      </p:sp>
+    </p:spTree>
+    <p:extLst>
+      <p:ext uri="{BB962C8B-B14F-4D97-AF65-F5344CB8AC3E}">
+        <p14:creationId xmlns:p14="http://schemas.microsoft.com/office/powerpoint/2010/main" val="3247008050"/>
+      </p:ext>
+    </p:extLst>
+  </p:cSld>
+  <p:clrMapOvr>
+    <a:masterClrMapping/>
+  </p:clrMapOvr>
+  <p:timing>
+    <p:tnLst>
+      <p:par>
+        <p:cTn id="1" dur="indefinite" restart="never" nodeType="tmRoot">
+          <p:childTnLst>
+            <p:seq concurrent="1" nextAc="seek">
+              <p:cTn id="2" dur="indefinite" nodeType="mainSeq">
+                <p:childTnLst>
+                  <p:par>
+                    <p:cTn id="3" fill="hold">
+                      <p:stCondLst>
+                        <p:cond delay="indefinite"/>
+                      </p:stCondLst>
+                      <p:childTnLst>
+                        <p:par>
+                          <p:cTn id="4" fill="hold">
+                            <p:stCondLst>
+                              <p:cond delay="0"/>
+                            </p:stCondLst>
+                            <p:childTnLst>
+                              <p:par>
+                                <p:cTn id="5" presetID="10" presetClass="entr" presetSubtype="0" fill="hold" nodeType="clickEffect">
+                                  <p:stCondLst>
+                                    <p:cond delay="0"/>
+                                  </p:stCondLst>
+                                  <p:childTnLst>
+                                    <p:set>
+                                      <p:cBhvr>
+                                        <p:cTn id="6" dur="1" fill="hold">
+                                          <p:stCondLst>
+                                            <p:cond delay="0"/>
+                                          </p:stCondLst>
+                                        </p:cTn>
+                                        <p:tgtEl>
+                                          <p:spTgt spid="3">
+                                            <p:txEl>
+                                              <p:pRg st="1" end="1"/>
+                                            </p:txEl>
+                                          </p:spTgt>
+                                        </p:tgtEl>
+                                        <p:attrNameLst>
+                                          <p:attrName>style.visibility</p:attrName>
+                                        </p:attrNameLst>
+                                      </p:cBhvr>
+                                      <p:to>
+                                        <p:strVal val="visible"/>
+                                      </p:to>
+                                    </p:set>
+                                    <p:animEffect transition="in" filter="fade">
+                                      <p:cBhvr>
+                                        <p:cTn id="7" dur="500"/>
+                                        <p:tgtEl>
+                                          <p:spTgt spid="3">
+                                            <p:txEl>
+                                              <p:pRg st="1" end="1"/>
+                                            </p:txEl>
+                                          </p:spTgt>
+                                        </p:tgtEl>
+                                      </p:cBhvr>
+                                    </p:animEffect>
+                                  </p:childTnLst>
+                                </p:cTn>
+                              </p:par>
+                            </p:childTnLst>
+                          </p:cTn>
+                        </p:par>
+                      </p:childTnLst>
+                    </p:cTn>
+                  </p:par>
+                  <p:par>
+                    <p:cTn id="8" fill="hold">
+                      <p:stCondLst>
+                        <p:cond delay="indefinite"/>
+                      </p:stCondLst>
+                      <p:childTnLst>
+                        <p:par>
+                          <p:cTn id="9" fill="hold">
+                            <p:stCondLst>
+                              <p:cond delay="0"/>
+                            </p:stCondLst>
+                            <p:childTnLst>
+                              <p:par>
+                                <p:cTn id="10" presetID="10" presetClass="entr" presetSubtype="0" fill="hold" nodeType="clickEffect">
+                                  <p:stCondLst>
+                                    <p:cond delay="0"/>
+                                  </p:stCondLst>
+                                  <p:childTnLst>
+                                    <p:set>
+                                      <p:cBhvr>
+                                        <p:cTn id="11" dur="1" fill="hold">
+                                          <p:stCondLst>
+                                            <p:cond delay="0"/>
+                                          </p:stCondLst>
+                                        </p:cTn>
+                                        <p:tgtEl>
+                                          <p:spTgt spid="3">
+                                            <p:txEl>
+                                              <p:pRg st="2" end="2"/>
+                                            </p:txEl>
+                                          </p:spTgt>
+                                        </p:tgtEl>
+                                        <p:attrNameLst>
+                                          <p:attrName>style.visibility</p:attrName>
+                                        </p:attrNameLst>
+                                      </p:cBhvr>
+                                      <p:to>
+                                        <p:strVal val="visible"/>
+                                      </p:to>
+                                    </p:set>
+                                    <p:animEffect transition="in" filter="fade">
+                                      <p:cBhvr>
+                                        <p:cTn id="12" dur="500"/>
+                                        <p:tgtEl>
+                                          <p:spTgt spid="3">
+                                            <p:txEl>
+                                              <p:pRg st="2" end="2"/>
+                                            </p:txEl>
+                                          </p:spTgt>
+                                        </p:tgtEl>
+                                      </p:cBhvr>
+                                    </p:animEffect>
+                                  </p:childTnLst>
+                                </p:cTn>
+                              </p:par>
+                            </p:childTnLst>
+                          </p:cTn>
+                        </p:par>
+                      </p:childTnLst>
+                    </p:cTn>
+                  </p:par>
+                  <p:par>
+                    <p:cTn id="13" fill="hold">
+                      <p:stCondLst>
+                        <p:cond delay="indefinite"/>
+                      </p:stCondLst>
+                      <p:childTnLst>
+                        <p:par>
+                          <p:cTn id="14" fill="hold">
+                            <p:stCondLst>
+                              <p:cond delay="0"/>
+                            </p:stCondLst>
+                            <p:childTnLst>
+                              <p:par>
+                                <p:cTn id="15" presetID="10" presetClass="entr" presetSubtype="0" fill="hold" nodeType="clickEffect">
+                                  <p:stCondLst>
+                                    <p:cond delay="0"/>
+                                  </p:stCondLst>
+                                  <p:childTnLst>
+                                    <p:set>
+                                      <p:cBhvr>
+                                        <p:cTn id="16" dur="1" fill="hold">
+                                          <p:stCondLst>
+                                            <p:cond delay="0"/>
+                                          </p:stCondLst>
+                                        </p:cTn>
+                                        <p:tgtEl>
+                                          <p:spTgt spid="3">
+                                            <p:txEl>
+                                              <p:pRg st="3" end="3"/>
+                                            </p:txEl>
+                                          </p:spTgt>
+                                        </p:tgtEl>
+                                        <p:attrNameLst>
+                                          <p:attrName>style.visibility</p:attrName>
+                                        </p:attrNameLst>
+                                      </p:cBhvr>
+                                      <p:to>
+                                        <p:strVal val="visible"/>
+                                      </p:to>
+                                    </p:set>
+                                    <p:animEffect transition="in" filter="fade">
+                                      <p:cBhvr>
+                                        <p:cTn id="17" dur="500"/>
+                                        <p:tgtEl>
+                                          <p:spTgt spid="3">
+                                            <p:txEl>
+                                              <p:pRg st="3" end="3"/>
+                                            </p:txEl>
+                                          </p:spTgt>
+                                        </p:tgtEl>
+                                      </p:cBhvr>
+                                    </p:animEffect>
+                                  </p:childTnLst>
+                                </p:cTn>
+                              </p:par>
+                            </p:childTnLst>
+                          </p:cTn>
+                        </p:par>
+                      </p:childTnLst>
+                    </p:cTn>
+                  </p:par>
+                  <p:par>
+                    <p:cTn id="18" fill="hold">
+                      <p:stCondLst>
+                        <p:cond delay="indefinite"/>
+                      </p:stCondLst>
+                      <p:childTnLst>
+                        <p:par>
+                          <p:cTn id="19" fill="hold">
+                            <p:stCondLst>
+                              <p:cond delay="0"/>
+                            </p:stCondLst>
+                            <p:childTnLst>
+                              <p:par>
+                                <p:cTn id="20" presetID="10" presetClass="entr" presetSubtype="0" fill="hold" nodeType="clickEffect">
+                                  <p:stCondLst>
+                                    <p:cond delay="0"/>
+                                  </p:stCondLst>
+                                  <p:childTnLst>
+                                    <p:set>
+                                      <p:cBhvr>
+                                        <p:cTn id="21" dur="1" fill="hold">
+                                          <p:stCondLst>
+                                            <p:cond delay="0"/>
+                                          </p:stCondLst>
+                                        </p:cTn>
+                                        <p:tgtEl>
+                                          <p:spTgt spid="3">
+                                            <p:txEl>
+                                              <p:pRg st="4" end="4"/>
+                                            </p:txEl>
+                                          </p:spTgt>
+                                        </p:tgtEl>
+                                        <p:attrNameLst>
+                                          <p:attrName>style.visibility</p:attrName>
+                                        </p:attrNameLst>
+                                      </p:cBhvr>
+                                      <p:to>
+                                        <p:strVal val="visible"/>
+                                      </p:to>
+                                    </p:set>
+                                    <p:animEffect transition="in" filter="fade">
+                                      <p:cBhvr>
+                                        <p:cTn id="22" dur="500"/>
+                                        <p:tgtEl>
+                                          <p:spTgt spid="3">
+                                            <p:txEl>
+                                              <p:pRg st="4" end="4"/>
+                                            </p:txEl>
+                                          </p:spTgt>
+                                        </p:tgtEl>
+                                      </p:cBhvr>
+                                    </p:animEffect>
+                                  </p:childTnLst>
+                                </p:cTn>
+                              </p:par>
+                            </p:childTnLst>
+                          </p:cTn>
+                        </p:par>
+                      </p:childTnLst>
+                    </p:cTn>
+                  </p:par>
+                </p:childTnLst>
+              </p:cTn>
+              <p:prevCondLst>
+                <p:cond evt="onPrev" delay="0">
+                  <p:tgtEl>
+                    <p:sldTgt/>
+                  </p:tgtEl>
+                </p:cond>
+              </p:prevCondLst>
+              <p:nextCondLst>
+                <p:cond evt="onNext" delay="0">
+                  <p:tgtEl>
+                    <p:sldTgt/>
+                  </p:tgtEl>
+                </p:cond>
+              </p:nextCondLst>
+            </p:seq>
+          </p:childTnLst>
+        </p:cTn>
+      </p:par>
+    </p:tnLst>
+  </p:timing>
+</p:sld>
+</file>
+
+<file path=ppt/slides/slide29.xml><?xml version="1.0" encoding="utf-8"?>
+<p:sld xmlns:a="http://schemas.openxmlformats.org/drawingml/2006/main" xmlns:r="http://schemas.openxmlformats.org/officeDocument/2006/relationships" xmlns:p="http://schemas.openxmlformats.org/presentationml/2006/main">
+  <p:cSld>
+    <p:spTree>
+      <p:nvGrpSpPr>
+        <p:cNvPr id="1" name=""/>
+        <p:cNvGrpSpPr/>
+        <p:nvPr/>
+      </p:nvGrpSpPr>
+      <p:grpSpPr>
+        <a:xfrm>
+          <a:off x="0" y="0"/>
+          <a:ext cx="0" cy="0"/>
+          <a:chOff x="0" y="0"/>
+          <a:chExt cx="0" cy="0"/>
+        </a:xfrm>
+      </p:grpSpPr>
+      <p:sp>
+        <p:nvSpPr>
+          <p:cNvPr id="2" name="Titolo 1"/>
+          <p:cNvSpPr>
+            <a:spLocks noGrp="1"/>
+          </p:cNvSpPr>
+          <p:nvPr>
+            <p:ph type="title"/>
+          </p:nvPr>
+        </p:nvSpPr>
+        <p:spPr/>
+        <p:txBody>
+          <a:bodyPr/>
+          <a:lstStyle/>
+          <a:p>
+            <a:r>
+              <a:rPr lang="it-IT" dirty="0" smtClean="0"/>
+              <a:t>Benefits and </a:t>
+            </a:r>
+            <a:r>
+              <a:rPr lang="it-IT" dirty="0" err="1" smtClean="0"/>
+              <a:t>Drawbacks</a:t>
+            </a:r>
+            <a:endParaRPr lang="it-IT" dirty="0"/>
+          </a:p>
+        </p:txBody>
+      </p:sp>
+      <p:sp>
+        <p:nvSpPr>
+          <p:cNvPr id="3" name="Segnaposto contenuto 2"/>
+          <p:cNvSpPr>
+            <a:spLocks noGrp="1"/>
+          </p:cNvSpPr>
+          <p:nvPr>
+            <p:ph idx="1"/>
+          </p:nvPr>
+        </p:nvSpPr>
+        <p:spPr/>
+        <p:txBody>
+          <a:bodyPr>
+            <a:normAutofit fontScale="92500" lnSpcReduction="10000"/>
+          </a:bodyPr>
+          <a:lstStyle/>
+          <a:p>
+            <a:endParaRPr lang="it-IT" dirty="0" smtClean="0"/>
+          </a:p>
+          <a:p>
+            <a:pPr>
+              <a:buFont typeface="Arial" panose="020B0604020202020204" pitchFamily="34" charset="0"/>
+              <a:buChar char="•"/>
+            </a:pPr>
+            <a:r>
               <a:rPr lang="it-IT" dirty="0" smtClean="0"/>
               <a:t>The wide </a:t>
             </a:r>
@@ -11073,7 +12447,7 @@
             </a:r>
             <a:r>
               <a:rPr lang="it-IT" dirty="0" err="1" smtClean="0"/>
-              <a:t>allow</a:t>
+              <a:t>allows</a:t>
             </a:r>
             <a:r>
               <a:rPr lang="it-IT" dirty="0" smtClean="0"/>
@@ -11369,21 +12743,8 @@
             </a:r>
             <a:r>
               <a:rPr lang="it-IT" sz="1500" dirty="0" smtClean="0"/>
-              <a:t> the </a:t>
-            </a:r>
-            <a:r>
-              <a:rPr lang="it-IT" sz="1500" dirty="0" err="1" smtClean="0"/>
-              <a:t>components</a:t>
-            </a:r>
-            <a:r>
-              <a:rPr lang="it-IT" sz="1500" dirty="0" smtClean="0"/>
-              <a:t> </a:t>
-            </a:r>
-            <a:r>
-              <a:rPr lang="it-IT" sz="1500" dirty="0" smtClean="0"/>
-              <a:t>performance.</a:t>
-            </a:r>
-            <a:endParaRPr lang="it-IT" sz="1500" dirty="0" smtClean="0"/>
+              <a:t> performance.</a:t>
+            </a:r>
           </a:p>
           <a:p>
             <a:pPr>
@@ -11419,7 +12780,7 @@
             </a:r>
             <a:r>
               <a:rPr lang="it-IT" b="1" dirty="0" smtClean="0"/>
-              <a:t> / Multicast </a:t>
+              <a:t> | Multicast </a:t>
             </a:r>
             <a:r>
               <a:rPr lang="it-IT" b="1" dirty="0" err="1" smtClean="0"/>
@@ -11844,445 +13205,6 @@
 </p:sld>
 </file>
 
-<file path=ppt/slides/slide28.xml><?xml version="1.0" encoding="utf-8"?>
-<p:sld xmlns:a="http://schemas.openxmlformats.org/drawingml/2006/main" xmlns:r="http://schemas.openxmlformats.org/officeDocument/2006/relationships" xmlns:p="http://schemas.openxmlformats.org/presentationml/2006/main">
-  <p:cSld>
-    <p:spTree>
-      <p:nvGrpSpPr>
-        <p:cNvPr id="1" name=""/>
-        <p:cNvGrpSpPr/>
-        <p:nvPr/>
-      </p:nvGrpSpPr>
-      <p:grpSpPr>
-        <a:xfrm>
-          <a:off x="0" y="0"/>
-          <a:ext cx="0" cy="0"/>
-          <a:chOff x="0" y="0"/>
-          <a:chExt cx="0" cy="0"/>
-        </a:xfrm>
-      </p:grpSpPr>
-      <p:sp>
-        <p:nvSpPr>
-          <p:cNvPr id="4" name="Titolo 3"/>
-          <p:cNvSpPr>
-            <a:spLocks noGrp="1"/>
-          </p:cNvSpPr>
-          <p:nvPr>
-            <p:ph type="title"/>
-          </p:nvPr>
-        </p:nvSpPr>
-        <p:spPr/>
-        <p:txBody>
-          <a:bodyPr/>
-          <a:lstStyle/>
-          <a:p>
-            <a:r>
-              <a:rPr lang="it-IT" dirty="0" smtClean="0"/>
-              <a:t>Reference</a:t>
-            </a:r>
-            <a:endParaRPr lang="it-IT" dirty="0"/>
-          </a:p>
-        </p:txBody>
-      </p:sp>
-      <p:sp>
-        <p:nvSpPr>
-          <p:cNvPr id="5" name="Segnaposto contenuto 4"/>
-          <p:cNvSpPr>
-            <a:spLocks noGrp="1"/>
-          </p:cNvSpPr>
-          <p:nvPr>
-            <p:ph idx="1"/>
-          </p:nvPr>
-        </p:nvSpPr>
-        <p:spPr/>
-        <p:txBody>
-          <a:bodyPr>
-            <a:normAutofit/>
-          </a:bodyPr>
-          <a:lstStyle/>
-          <a:p>
-            <a:endParaRPr lang="it-IT" dirty="0" smtClean="0"/>
-          </a:p>
-          <a:p>
-            <a:r>
-              <a:rPr lang="it-IT" dirty="0" err="1" smtClean="0"/>
-              <a:t>Reactive</a:t>
-            </a:r>
-            <a:r>
-              <a:rPr lang="it-IT" dirty="0" smtClean="0"/>
-              <a:t> Manifesto</a:t>
-            </a:r>
-            <a:r>
-              <a:rPr lang="it-IT" dirty="0"/>
-              <a:t>: </a:t>
-            </a:r>
-            <a:r>
-              <a:rPr lang="it-IT" dirty="0">
-                <a:hlinkClick r:id="rId3"/>
-              </a:rPr>
-              <a:t>https://www.reactivemanifesto.org</a:t>
-            </a:r>
-            <a:r>
-              <a:rPr lang="it-IT" dirty="0" smtClean="0">
-                <a:hlinkClick r:id="rId3"/>
-              </a:rPr>
-              <a:t>/</a:t>
-            </a:r>
-            <a:endParaRPr lang="it-IT" dirty="0" smtClean="0"/>
-          </a:p>
-          <a:p>
-            <a:r>
-              <a:rPr lang="en-US" dirty="0" err="1" smtClean="0"/>
-              <a:t>RxJS</a:t>
-            </a:r>
-            <a:r>
-              <a:rPr lang="en-US" dirty="0" smtClean="0"/>
-              <a:t> GitHub: </a:t>
-            </a:r>
-            <a:r>
-              <a:rPr lang="en-US" u="sng" dirty="0" smtClean="0">
-                <a:hlinkClick r:id="rId4"/>
-              </a:rPr>
-              <a:t>https</a:t>
-            </a:r>
-            <a:r>
-              <a:rPr lang="en-US" u="sng" dirty="0">
-                <a:hlinkClick r:id="rId4"/>
-              </a:rPr>
-              <a:t>://</a:t>
-            </a:r>
-            <a:r>
-              <a:rPr lang="en-US" u="sng" dirty="0" smtClean="0">
-                <a:hlinkClick r:id="rId4"/>
-              </a:rPr>
-              <a:t>github.com/ReactiveX/rxjs</a:t>
-            </a:r>
-            <a:endParaRPr lang="it-IT" dirty="0" smtClean="0"/>
-          </a:p>
-          <a:p>
-            <a:r>
-              <a:rPr lang="it-IT" dirty="0" err="1" smtClean="0"/>
-              <a:t>RxJS</a:t>
-            </a:r>
-            <a:r>
-              <a:rPr lang="it-IT" dirty="0" smtClean="0"/>
-              <a:t> </a:t>
-            </a:r>
-            <a:r>
-              <a:rPr lang="it-IT" dirty="0" err="1"/>
-              <a:t>d</a:t>
-            </a:r>
-            <a:r>
-              <a:rPr lang="it-IT" dirty="0" err="1" smtClean="0"/>
-              <a:t>ocumentation</a:t>
-            </a:r>
-            <a:r>
-              <a:rPr lang="it-IT" dirty="0" smtClean="0"/>
-              <a:t>: </a:t>
-            </a:r>
-            <a:r>
-              <a:rPr lang="it-IT" dirty="0">
-                <a:hlinkClick r:id="rId5"/>
-              </a:rPr>
-              <a:t>https://rxjs-dev.firebaseapp.com</a:t>
-            </a:r>
-            <a:r>
-              <a:rPr lang="it-IT" dirty="0" smtClean="0">
-                <a:hlinkClick r:id="rId5"/>
-              </a:rPr>
-              <a:t>/</a:t>
-            </a:r>
-            <a:r>
-              <a:rPr lang="it-IT" dirty="0"/>
-              <a:t> </a:t>
-            </a:r>
-            <a:endParaRPr lang="it-IT" dirty="0" smtClean="0"/>
-          </a:p>
-          <a:p>
-            <a:r>
-              <a:rPr lang="it-IT" dirty="0" err="1" smtClean="0"/>
-              <a:t>Old</a:t>
-            </a:r>
-            <a:r>
-              <a:rPr lang="it-IT" dirty="0" smtClean="0"/>
-              <a:t> </a:t>
-            </a:r>
-            <a:r>
-              <a:rPr lang="it-IT" dirty="0" err="1" smtClean="0"/>
-              <a:t>RxJS</a:t>
-            </a:r>
-            <a:r>
-              <a:rPr lang="it-IT" dirty="0" smtClean="0"/>
-              <a:t> </a:t>
-            </a:r>
-            <a:r>
-              <a:rPr lang="it-IT" dirty="0" err="1" smtClean="0"/>
-              <a:t>documentation</a:t>
-            </a:r>
-            <a:r>
-              <a:rPr lang="it-IT" dirty="0" smtClean="0"/>
-              <a:t>: </a:t>
-            </a:r>
-            <a:r>
-              <a:rPr lang="it-IT" dirty="0">
-                <a:hlinkClick r:id="rId6"/>
-              </a:rPr>
-              <a:t>http://</a:t>
-            </a:r>
-            <a:r>
-              <a:rPr lang="it-IT" dirty="0" smtClean="0">
-                <a:hlinkClick r:id="rId6"/>
-              </a:rPr>
-              <a:t>reactivex.io/rxjs/manual/index.html</a:t>
-            </a:r>
-            <a:endParaRPr lang="it-IT" dirty="0" smtClean="0"/>
-          </a:p>
-          <a:p>
-            <a:r>
-              <a:rPr lang="en-US" dirty="0" err="1" smtClean="0"/>
-              <a:t>RxJS</a:t>
-            </a:r>
-            <a:r>
-              <a:rPr lang="en-US" dirty="0" smtClean="0"/>
-              <a:t> marbles: </a:t>
-            </a:r>
-            <a:r>
-              <a:rPr lang="en-US" u="sng" dirty="0" smtClean="0">
-                <a:hlinkClick r:id="rId7"/>
-              </a:rPr>
-              <a:t>http</a:t>
-            </a:r>
-            <a:r>
-              <a:rPr lang="en-US" u="sng" dirty="0">
-                <a:hlinkClick r:id="rId7"/>
-              </a:rPr>
-              <a:t>://</a:t>
-            </a:r>
-            <a:r>
-              <a:rPr lang="en-US" u="sng" dirty="0" smtClean="0">
-                <a:hlinkClick r:id="rId7"/>
-              </a:rPr>
-              <a:t>rxmarbles.com/</a:t>
-            </a:r>
-            <a:endParaRPr lang="en-US" dirty="0" smtClean="0"/>
-          </a:p>
-          <a:p>
-            <a:r>
-              <a:rPr lang="en-US" dirty="0" smtClean="0"/>
-              <a:t>Learn </a:t>
-            </a:r>
-            <a:r>
-              <a:rPr lang="en-US" dirty="0" err="1" smtClean="0"/>
-              <a:t>RxJS</a:t>
-            </a:r>
-            <a:r>
-              <a:rPr lang="en-US" dirty="0" smtClean="0"/>
-              <a:t>: </a:t>
-            </a:r>
-            <a:r>
-              <a:rPr lang="en-US" u="sng" dirty="0" smtClean="0">
-                <a:hlinkClick r:id="rId8"/>
-              </a:rPr>
-              <a:t>https</a:t>
-            </a:r>
-            <a:r>
-              <a:rPr lang="en-US" u="sng" dirty="0">
-                <a:hlinkClick r:id="rId8"/>
-              </a:rPr>
-              <a:t>://www.learnrxjs.io</a:t>
-            </a:r>
-            <a:r>
-              <a:rPr lang="en-US" u="sng" dirty="0" smtClean="0">
-                <a:hlinkClick r:id="rId8"/>
-              </a:rPr>
-              <a:t>/</a:t>
-            </a:r>
-            <a:endParaRPr lang="en-US" dirty="0" smtClean="0"/>
-          </a:p>
-          <a:p>
-            <a:r>
-              <a:rPr lang="it-IT" dirty="0" err="1" smtClean="0"/>
-              <a:t>Angular</a:t>
-            </a:r>
-            <a:r>
-              <a:rPr lang="it-IT" dirty="0" smtClean="0"/>
-              <a:t>: </a:t>
-            </a:r>
-            <a:r>
-              <a:rPr lang="it-IT" dirty="0">
-                <a:hlinkClick r:id="rId9"/>
-              </a:rPr>
-              <a:t>https://angular.io</a:t>
-            </a:r>
-            <a:r>
-              <a:rPr lang="it-IT" dirty="0" smtClean="0">
-                <a:hlinkClick r:id="rId9"/>
-              </a:rPr>
-              <a:t>/</a:t>
-            </a:r>
-            <a:endParaRPr lang="it-IT" dirty="0" smtClean="0"/>
-          </a:p>
-        </p:txBody>
-      </p:sp>
-    </p:spTree>
-    <p:extLst>
-      <p:ext uri="{BB962C8B-B14F-4D97-AF65-F5344CB8AC3E}">
-        <p14:creationId xmlns:p14="http://schemas.microsoft.com/office/powerpoint/2010/main" val="3254142067"/>
-      </p:ext>
-    </p:extLst>
-  </p:cSld>
-  <p:clrMapOvr>
-    <a:masterClrMapping/>
-  </p:clrMapOvr>
-  <mc:AlternateContent xmlns:mc="http://schemas.openxmlformats.org/markup-compatibility/2006" xmlns:p14="http://schemas.microsoft.com/office/powerpoint/2010/main">
-    <mc:Choice Requires="p14">
-      <p:transition spd="slow" p14:dur="2000"/>
-    </mc:Choice>
-    <mc:Fallback xmlns="">
-      <p:transition spd="slow"/>
-    </mc:Fallback>
-  </mc:AlternateContent>
-  <p:timing>
-    <p:tnLst>
-      <p:par>
-        <p:cTn id="1" dur="indefinite" restart="never" nodeType="tmRoot"/>
-      </p:par>
-    </p:tnLst>
-  </p:timing>
-</p:sld>
-</file>
-
-<file path=ppt/slides/slide29.xml><?xml version="1.0" encoding="utf-8"?>
-<p:sld xmlns:a="http://schemas.openxmlformats.org/drawingml/2006/main" xmlns:r="http://schemas.openxmlformats.org/officeDocument/2006/relationships" xmlns:p="http://schemas.openxmlformats.org/presentationml/2006/main">
-  <p:cSld>
-    <p:spTree>
-      <p:nvGrpSpPr>
-        <p:cNvPr id="1" name=""/>
-        <p:cNvGrpSpPr/>
-        <p:nvPr/>
-      </p:nvGrpSpPr>
-      <p:grpSpPr>
-        <a:xfrm>
-          <a:off x="0" y="0"/>
-          <a:ext cx="0" cy="0"/>
-          <a:chOff x="0" y="0"/>
-          <a:chExt cx="0" cy="0"/>
-        </a:xfrm>
-      </p:grpSpPr>
-      <p:sp>
-        <p:nvSpPr>
-          <p:cNvPr id="4" name="Titolo 3"/>
-          <p:cNvSpPr>
-            <a:spLocks noGrp="1"/>
-          </p:cNvSpPr>
-          <p:nvPr>
-            <p:ph type="title"/>
-          </p:nvPr>
-        </p:nvSpPr>
-        <p:spPr/>
-        <p:txBody>
-          <a:bodyPr>
-            <a:normAutofit/>
-          </a:bodyPr>
-          <a:lstStyle/>
-          <a:p>
-            <a:r>
-              <a:rPr lang="it-IT" dirty="0"/>
-              <a:t/>
-            </a:r>
-            <a:br>
-              <a:rPr lang="it-IT" dirty="0"/>
-            </a:br>
-            <a:r>
-              <a:rPr lang="it-IT" dirty="0" err="1" smtClean="0"/>
-              <a:t>Thanks</a:t>
-            </a:r>
-            <a:r>
-              <a:rPr lang="it-IT" dirty="0" smtClean="0"/>
-              <a:t> </a:t>
-            </a:r>
-            <a:r>
-              <a:rPr lang="it-IT" dirty="0" err="1" smtClean="0"/>
-              <a:t>All</a:t>
-            </a:r>
-            <a:r>
-              <a:rPr lang="it-IT" dirty="0" smtClean="0"/>
-              <a:t>! </a:t>
-            </a:r>
-            <a:br>
-              <a:rPr lang="it-IT" dirty="0" smtClean="0"/>
-            </a:br>
-            <a:r>
-              <a:rPr lang="it-IT" dirty="0" smtClean="0"/>
-              <a:t>					Q. </a:t>
-            </a:r>
-            <a:r>
-              <a:rPr lang="it-IT" sz="4400" dirty="0" smtClean="0"/>
-              <a:t>&amp; (</a:t>
-            </a:r>
-            <a:r>
-              <a:rPr lang="it-IT" sz="4400" dirty="0" err="1" smtClean="0"/>
-              <a:t>maybe</a:t>
-            </a:r>
-            <a:r>
-              <a:rPr lang="it-IT" sz="4400" dirty="0" smtClean="0"/>
-              <a:t>)</a:t>
-            </a:r>
-            <a:r>
-              <a:rPr lang="it-IT" dirty="0" smtClean="0"/>
-              <a:t> A. !</a:t>
-            </a:r>
-            <a:endParaRPr lang="it-IT" dirty="0"/>
-          </a:p>
-        </p:txBody>
-      </p:sp>
-      <p:sp>
-        <p:nvSpPr>
-          <p:cNvPr id="5" name="Segnaposto testo 4"/>
-          <p:cNvSpPr>
-            <a:spLocks noGrp="1"/>
-          </p:cNvSpPr>
-          <p:nvPr>
-            <p:ph type="body" idx="1"/>
-          </p:nvPr>
-        </p:nvSpPr>
-        <p:spPr/>
-        <p:txBody>
-          <a:bodyPr/>
-          <a:lstStyle/>
-          <a:p>
-            <a:endParaRPr lang="it-IT" dirty="0"/>
-          </a:p>
-        </p:txBody>
-      </p:sp>
-    </p:spTree>
-    <p:extLst>
-      <p:ext uri="{BB962C8B-B14F-4D97-AF65-F5344CB8AC3E}">
-        <p14:creationId xmlns:p14="http://schemas.microsoft.com/office/powerpoint/2010/main" val="1895381430"/>
-      </p:ext>
-    </p:extLst>
-  </p:cSld>
-  <p:clrMapOvr>
-    <a:masterClrMapping/>
-  </p:clrMapOvr>
-  <mc:AlternateContent xmlns:mc="http://schemas.openxmlformats.org/markup-compatibility/2006" xmlns:p14="http://schemas.microsoft.com/office/powerpoint/2010/main">
-    <mc:Choice Requires="p14">
-      <p:transition spd="slow" p14:dur="2000"/>
-    </mc:Choice>
-    <mc:Fallback xmlns="">
-      <p:transition spd="slow"/>
-    </mc:Fallback>
-  </mc:AlternateContent>
-  <p:timing>
-    <p:tnLst>
-      <p:par>
-        <p:cTn id="1" dur="indefinite" restart="never" nodeType="tmRoot"/>
-      </p:par>
-    </p:tnLst>
-  </p:timing>
-</p:sld>
-</file>
-
 <file path=ppt/slides/slide3.xml><?xml version="1.0" encoding="utf-8"?>
 <p:sld xmlns:a="http://schemas.openxmlformats.org/drawingml/2006/main" xmlns:r="http://schemas.openxmlformats.org/officeDocument/2006/relationships" xmlns:p="http://schemas.openxmlformats.org/presentationml/2006/main">
   <p:cSld>
@@ -12423,7 +13345,7 @@
           <a:p>
             <a:r>
               <a:rPr lang="en-US" dirty="0" smtClean="0"/>
-              <a:t>(… more paragraphs explaining the thing …)</a:t>
+              <a:t>(… more paragraphs explaining the thing follow…)</a:t>
             </a:r>
             <a:endParaRPr lang="it-IT" dirty="0"/>
           </a:p>
@@ -12701,6 +13623,314 @@
       </p:grpSpPr>
       <p:sp>
         <p:nvSpPr>
+          <p:cNvPr id="4" name="Titolo 3"/>
+          <p:cNvSpPr>
+            <a:spLocks noGrp="1"/>
+          </p:cNvSpPr>
+          <p:nvPr>
+            <p:ph type="title"/>
+          </p:nvPr>
+        </p:nvSpPr>
+        <p:spPr/>
+        <p:txBody>
+          <a:bodyPr/>
+          <a:lstStyle/>
+          <a:p>
+            <a:r>
+              <a:rPr lang="it-IT" dirty="0" smtClean="0"/>
+              <a:t>Reference</a:t>
+            </a:r>
+            <a:endParaRPr lang="it-IT" dirty="0"/>
+          </a:p>
+        </p:txBody>
+      </p:sp>
+      <p:sp>
+        <p:nvSpPr>
+          <p:cNvPr id="5" name="Segnaposto contenuto 4"/>
+          <p:cNvSpPr>
+            <a:spLocks noGrp="1"/>
+          </p:cNvSpPr>
+          <p:nvPr>
+            <p:ph idx="1"/>
+          </p:nvPr>
+        </p:nvSpPr>
+        <p:spPr/>
+        <p:txBody>
+          <a:bodyPr>
+            <a:normAutofit/>
+          </a:bodyPr>
+          <a:lstStyle/>
+          <a:p>
+            <a:endParaRPr lang="it-IT" dirty="0" smtClean="0"/>
+          </a:p>
+          <a:p>
+            <a:r>
+              <a:rPr lang="it-IT" dirty="0" err="1" smtClean="0"/>
+              <a:t>Reactive</a:t>
+            </a:r>
+            <a:r>
+              <a:rPr lang="it-IT" dirty="0" smtClean="0"/>
+              <a:t> Manifesto</a:t>
+            </a:r>
+            <a:r>
+              <a:rPr lang="it-IT" dirty="0"/>
+              <a:t>: </a:t>
+            </a:r>
+            <a:r>
+              <a:rPr lang="it-IT" dirty="0">
+                <a:hlinkClick r:id="rId3"/>
+              </a:rPr>
+              <a:t>https://www.reactivemanifesto.org</a:t>
+            </a:r>
+            <a:r>
+              <a:rPr lang="it-IT" dirty="0" smtClean="0">
+                <a:hlinkClick r:id="rId3"/>
+              </a:rPr>
+              <a:t>/</a:t>
+            </a:r>
+            <a:endParaRPr lang="it-IT" dirty="0" smtClean="0"/>
+          </a:p>
+          <a:p>
+            <a:r>
+              <a:rPr lang="en-US" dirty="0" err="1" smtClean="0"/>
+              <a:t>RxJS</a:t>
+            </a:r>
+            <a:r>
+              <a:rPr lang="en-US" dirty="0" smtClean="0"/>
+              <a:t> GitHub: </a:t>
+            </a:r>
+            <a:r>
+              <a:rPr lang="en-US" u="sng" dirty="0" smtClean="0">
+                <a:hlinkClick r:id="rId4"/>
+              </a:rPr>
+              <a:t>https</a:t>
+            </a:r>
+            <a:r>
+              <a:rPr lang="en-US" u="sng" dirty="0">
+                <a:hlinkClick r:id="rId4"/>
+              </a:rPr>
+              <a:t>://</a:t>
+            </a:r>
+            <a:r>
+              <a:rPr lang="en-US" u="sng" dirty="0" smtClean="0">
+                <a:hlinkClick r:id="rId4"/>
+              </a:rPr>
+              <a:t>github.com/ReactiveX/rxjs</a:t>
+            </a:r>
+            <a:endParaRPr lang="it-IT" dirty="0" smtClean="0"/>
+          </a:p>
+          <a:p>
+            <a:r>
+              <a:rPr lang="it-IT" dirty="0" err="1" smtClean="0"/>
+              <a:t>RxJS</a:t>
+            </a:r>
+            <a:r>
+              <a:rPr lang="it-IT" dirty="0" smtClean="0"/>
+              <a:t> </a:t>
+            </a:r>
+            <a:r>
+              <a:rPr lang="it-IT" dirty="0" err="1"/>
+              <a:t>d</a:t>
+            </a:r>
+            <a:r>
+              <a:rPr lang="it-IT" dirty="0" err="1" smtClean="0"/>
+              <a:t>ocumentation</a:t>
+            </a:r>
+            <a:r>
+              <a:rPr lang="it-IT" dirty="0" smtClean="0"/>
+              <a:t>: </a:t>
+            </a:r>
+            <a:r>
+              <a:rPr lang="it-IT" dirty="0">
+                <a:hlinkClick r:id="rId5"/>
+              </a:rPr>
+              <a:t>https://rxjs-dev.firebaseapp.com</a:t>
+            </a:r>
+            <a:r>
+              <a:rPr lang="it-IT" dirty="0" smtClean="0">
+                <a:hlinkClick r:id="rId5"/>
+              </a:rPr>
+              <a:t>/</a:t>
+            </a:r>
+            <a:r>
+              <a:rPr lang="it-IT" dirty="0"/>
+              <a:t> </a:t>
+            </a:r>
+            <a:endParaRPr lang="it-IT" dirty="0" smtClean="0"/>
+          </a:p>
+          <a:p>
+            <a:r>
+              <a:rPr lang="it-IT" dirty="0" err="1" smtClean="0"/>
+              <a:t>Old</a:t>
+            </a:r>
+            <a:r>
+              <a:rPr lang="it-IT" dirty="0" smtClean="0"/>
+              <a:t> </a:t>
+            </a:r>
+            <a:r>
+              <a:rPr lang="it-IT" dirty="0" err="1" smtClean="0"/>
+              <a:t>RxJS</a:t>
+            </a:r>
+            <a:r>
+              <a:rPr lang="it-IT" dirty="0" smtClean="0"/>
+              <a:t> </a:t>
+            </a:r>
+            <a:r>
+              <a:rPr lang="it-IT" dirty="0" err="1" smtClean="0"/>
+              <a:t>documentation</a:t>
+            </a:r>
+            <a:r>
+              <a:rPr lang="it-IT" dirty="0" smtClean="0"/>
+              <a:t>: </a:t>
+            </a:r>
+            <a:r>
+              <a:rPr lang="it-IT" dirty="0">
+                <a:hlinkClick r:id="rId6"/>
+              </a:rPr>
+              <a:t>http://</a:t>
+            </a:r>
+            <a:r>
+              <a:rPr lang="it-IT" dirty="0" smtClean="0">
+                <a:hlinkClick r:id="rId6"/>
+              </a:rPr>
+              <a:t>reactivex.io/rxjs/manual/index.html</a:t>
+            </a:r>
+            <a:endParaRPr lang="it-IT" dirty="0" smtClean="0"/>
+          </a:p>
+          <a:p>
+            <a:r>
+              <a:rPr lang="en-US" dirty="0" err="1" smtClean="0"/>
+              <a:t>RxJS</a:t>
+            </a:r>
+            <a:r>
+              <a:rPr lang="en-US" dirty="0" smtClean="0"/>
+              <a:t> marbles: </a:t>
+            </a:r>
+            <a:r>
+              <a:rPr lang="en-US" u="sng" dirty="0" smtClean="0">
+                <a:hlinkClick r:id="rId7"/>
+              </a:rPr>
+              <a:t>http</a:t>
+            </a:r>
+            <a:r>
+              <a:rPr lang="en-US" u="sng" dirty="0">
+                <a:hlinkClick r:id="rId7"/>
+              </a:rPr>
+              <a:t>://</a:t>
+            </a:r>
+            <a:r>
+              <a:rPr lang="en-US" u="sng" dirty="0" smtClean="0">
+                <a:hlinkClick r:id="rId7"/>
+              </a:rPr>
+              <a:t>rxmarbles.com/</a:t>
+            </a:r>
+            <a:endParaRPr lang="en-US" dirty="0" smtClean="0"/>
+          </a:p>
+          <a:p>
+            <a:r>
+              <a:rPr lang="en-US" dirty="0" smtClean="0"/>
+              <a:t>Learn </a:t>
+            </a:r>
+            <a:r>
+              <a:rPr lang="en-US" dirty="0" err="1" smtClean="0"/>
+              <a:t>RxJS</a:t>
+            </a:r>
+            <a:r>
+              <a:rPr lang="en-US" dirty="0" smtClean="0"/>
+              <a:t>: </a:t>
+            </a:r>
+            <a:r>
+              <a:rPr lang="en-US" u="sng" dirty="0" smtClean="0">
+                <a:hlinkClick r:id="rId8"/>
+              </a:rPr>
+              <a:t>https</a:t>
+            </a:r>
+            <a:r>
+              <a:rPr lang="en-US" u="sng" dirty="0">
+                <a:hlinkClick r:id="rId8"/>
+              </a:rPr>
+              <a:t>://www.learnrxjs.io</a:t>
+            </a:r>
+            <a:r>
+              <a:rPr lang="en-US" u="sng" dirty="0" smtClean="0">
+                <a:hlinkClick r:id="rId8"/>
+              </a:rPr>
+              <a:t>/</a:t>
+            </a:r>
+            <a:endParaRPr lang="en-US" dirty="0" smtClean="0"/>
+          </a:p>
+          <a:p>
+            <a:r>
+              <a:rPr lang="it-IT" dirty="0" err="1" smtClean="0"/>
+              <a:t>Angular</a:t>
+            </a:r>
+            <a:r>
+              <a:rPr lang="it-IT" dirty="0" smtClean="0"/>
+              <a:t>: </a:t>
+            </a:r>
+            <a:r>
+              <a:rPr lang="it-IT" dirty="0">
+                <a:hlinkClick r:id="rId9"/>
+              </a:rPr>
+              <a:t>https://angular.io</a:t>
+            </a:r>
+            <a:r>
+              <a:rPr lang="it-IT" dirty="0" smtClean="0">
+                <a:hlinkClick r:id="rId9"/>
+              </a:rPr>
+              <a:t>/</a:t>
+            </a:r>
+            <a:endParaRPr lang="it-IT" dirty="0" smtClean="0"/>
+          </a:p>
+        </p:txBody>
+      </p:sp>
+    </p:spTree>
+    <p:extLst>
+      <p:ext uri="{BB962C8B-B14F-4D97-AF65-F5344CB8AC3E}">
+        <p14:creationId xmlns:p14="http://schemas.microsoft.com/office/powerpoint/2010/main" val="3254142067"/>
+      </p:ext>
+    </p:extLst>
+  </p:cSld>
+  <p:clrMapOvr>
+    <a:masterClrMapping/>
+  </p:clrMapOvr>
+  <mc:AlternateContent xmlns:mc="http://schemas.openxmlformats.org/markup-compatibility/2006" xmlns:p14="http://schemas.microsoft.com/office/powerpoint/2010/main">
+    <mc:Choice Requires="p14">
+      <p:transition spd="slow" p14:dur="2000"/>
+    </mc:Choice>
+    <mc:Fallback xmlns="">
+      <p:transition spd="slow"/>
+    </mc:Fallback>
+  </mc:AlternateContent>
+  <p:timing>
+    <p:tnLst>
+      <p:par>
+        <p:cTn id="1" dur="indefinite" restart="never" nodeType="tmRoot"/>
+      </p:par>
+    </p:tnLst>
+  </p:timing>
+</p:sld>
+</file>
+
+<file path=ppt/slides/slide31.xml><?xml version="1.0" encoding="utf-8"?>
+<p:sld xmlns:a="http://schemas.openxmlformats.org/drawingml/2006/main" xmlns:r="http://schemas.openxmlformats.org/officeDocument/2006/relationships" xmlns:p="http://schemas.openxmlformats.org/presentationml/2006/main">
+  <p:cSld>
+    <p:spTree>
+      <p:nvGrpSpPr>
+        <p:cNvPr id="1" name=""/>
+        <p:cNvGrpSpPr/>
+        <p:nvPr/>
+      </p:nvGrpSpPr>
+      <p:grpSpPr>
+        <a:xfrm>
+          <a:off x="0" y="0"/>
+          <a:ext cx="0" cy="0"/>
+          <a:chOff x="0" y="0"/>
+          <a:chExt cx="0" cy="0"/>
+        </a:xfrm>
+      </p:grpSpPr>
+      <p:sp>
+        <p:nvSpPr>
           <p:cNvPr id="2" name="Titolo 1"/>
           <p:cNvSpPr>
             <a:spLocks noGrp="1"/>
@@ -13275,7 +14505,7 @@
           <a:p>
             <a:r>
               <a:rPr lang="en-US" dirty="0" smtClean="0"/>
-              <a:t>(… more paragraphs explaining the thing …)</a:t>
+              <a:t>(… more paragraphs explaining the thing follow…)</a:t>
             </a:r>
             <a:endParaRPr lang="it-IT" dirty="0"/>
           </a:p>
@@ -13587,6 +14817,136 @@
 </file>
 
 <file path=ppt/slides/slide5.xml><?xml version="1.0" encoding="utf-8"?>
+<p:sld xmlns:a="http://schemas.openxmlformats.org/drawingml/2006/main" xmlns:r="http://schemas.openxmlformats.org/officeDocument/2006/relationships" xmlns:p="http://schemas.openxmlformats.org/presentationml/2006/main" show="0">
+  <p:cSld>
+    <p:spTree>
+      <p:nvGrpSpPr>
+        <p:cNvPr id="1" name=""/>
+        <p:cNvGrpSpPr/>
+        <p:nvPr/>
+      </p:nvGrpSpPr>
+      <p:grpSpPr>
+        <a:xfrm>
+          <a:off x="0" y="0"/>
+          <a:ext cx="0" cy="0"/>
+          <a:chOff x="0" y="0"/>
+          <a:chExt cx="0" cy="0"/>
+        </a:xfrm>
+      </p:grpSpPr>
+      <p:sp>
+        <p:nvSpPr>
+          <p:cNvPr id="2" name="Titolo 1"/>
+          <p:cNvSpPr>
+            <a:spLocks noGrp="1"/>
+          </p:cNvSpPr>
+          <p:nvPr>
+            <p:ph type="title"/>
+          </p:nvPr>
+        </p:nvSpPr>
+        <p:spPr/>
+        <p:txBody>
+          <a:bodyPr/>
+          <a:lstStyle/>
+          <a:p>
+            <a:r>
+              <a:rPr lang="it-IT" dirty="0" smtClean="0"/>
+              <a:t>The </a:t>
+            </a:r>
+            <a:r>
+              <a:rPr lang="it-IT" dirty="0" err="1" smtClean="0"/>
+              <a:t>Reactive</a:t>
+            </a:r>
+            <a:r>
+              <a:rPr lang="it-IT" dirty="0" smtClean="0"/>
+              <a:t> Manifesto</a:t>
+            </a:r>
+            <a:endParaRPr lang="it-IT" dirty="0"/>
+          </a:p>
+        </p:txBody>
+      </p:sp>
+      <p:sp>
+        <p:nvSpPr>
+          <p:cNvPr id="3" name="Segnaposto contenuto 2"/>
+          <p:cNvSpPr>
+            <a:spLocks noGrp="1"/>
+          </p:cNvSpPr>
+          <p:nvPr>
+            <p:ph idx="1"/>
+          </p:nvPr>
+        </p:nvSpPr>
+        <p:spPr/>
+        <p:txBody>
+          <a:bodyPr/>
+          <a:lstStyle/>
+          <a:p>
+            <a:endParaRPr lang="it-IT" dirty="0" smtClean="0"/>
+          </a:p>
+          <a:p>
+            <a:endParaRPr lang="it-IT" dirty="0"/>
+          </a:p>
+          <a:p>
+            <a:endParaRPr lang="it-IT" dirty="0" smtClean="0"/>
+          </a:p>
+          <a:p>
+            <a:pPr algn="ctr"/>
+            <a:r>
+              <a:rPr lang="it-IT" sz="3200" dirty="0" err="1" smtClean="0"/>
+              <a:t>Reactive</a:t>
+            </a:r>
+            <a:r>
+              <a:rPr lang="it-IT" sz="3200" dirty="0" smtClean="0"/>
+              <a:t> Programming a way to «</a:t>
+            </a:r>
+            <a:r>
+              <a:rPr lang="it-IT" sz="3200" dirty="0" err="1" smtClean="0"/>
+              <a:t>describe</a:t>
+            </a:r>
+            <a:r>
+              <a:rPr lang="it-IT" sz="3200" dirty="0" smtClean="0"/>
+              <a:t>» and «</a:t>
+            </a:r>
+            <a:r>
+              <a:rPr lang="it-IT" sz="3200" dirty="0" err="1" smtClean="0"/>
+              <a:t>implement</a:t>
+            </a:r>
+            <a:r>
+              <a:rPr lang="it-IT" sz="3200" dirty="0" smtClean="0"/>
+              <a:t>» a </a:t>
+            </a:r>
+            <a:r>
+              <a:rPr lang="it-IT" sz="3200" dirty="0" err="1" smtClean="0"/>
+              <a:t>Reactive</a:t>
+            </a:r>
+            <a:r>
+              <a:rPr lang="it-IT" sz="3200" dirty="0" smtClean="0"/>
+              <a:t> System.</a:t>
+            </a:r>
+            <a:endParaRPr lang="it-IT" sz="3200" dirty="0"/>
+          </a:p>
+        </p:txBody>
+      </p:sp>
+    </p:spTree>
+    <p:extLst>
+      <p:ext uri="{BB962C8B-B14F-4D97-AF65-F5344CB8AC3E}">
+        <p14:creationId xmlns:p14="http://schemas.microsoft.com/office/powerpoint/2010/main" val="3452491481"/>
+      </p:ext>
+    </p:extLst>
+  </p:cSld>
+  <p:clrMapOvr>
+    <a:masterClrMapping/>
+  </p:clrMapOvr>
+  <mc:AlternateContent xmlns:mc="http://schemas.openxmlformats.org/markup-compatibility/2006" xmlns:p14="http://schemas.microsoft.com/office/powerpoint/2010/main">
+    <mc:Choice Requires="p14">
+      <p:transition spd="slow" p14:dur="2000"/>
+    </mc:Choice>
+    <mc:Fallback xmlns="">
+      <p:transition spd="slow"/>
+    </mc:Fallback>
+  </mc:AlternateContent>
+</p:sld>
+</file>
+
+<file path=ppt/slides/slide6.xml><?xml version="1.0" encoding="utf-8"?>
 <p:sld xmlns:a="http://schemas.openxmlformats.org/drawingml/2006/main" xmlns:r="http://schemas.openxmlformats.org/officeDocument/2006/relationships" xmlns:p="http://schemas.openxmlformats.org/presentationml/2006/main">
   <p:cSld>
     <p:spTree>
@@ -13946,7 +15306,7 @@
 </p:sld>
 </file>
 
-<file path=ppt/slides/slide6.xml><?xml version="1.0" encoding="utf-8"?>
+<file path=ppt/slides/slide7.xml><?xml version="1.0" encoding="utf-8"?>
 <p:sld xmlns:a="http://schemas.openxmlformats.org/drawingml/2006/main" xmlns:r="http://schemas.openxmlformats.org/officeDocument/2006/relationships" xmlns:p="http://schemas.openxmlformats.org/presentationml/2006/main">
   <p:cSld>
     <p:spTree>
@@ -13976,7 +15336,7 @@
         <p:spPr/>
         <p:txBody>
           <a:bodyPr>
-            <a:normAutofit fontScale="90000"/>
+            <a:normAutofit/>
           </a:bodyPr>
           <a:lstStyle/>
           <a:p>
@@ -14014,41 +15374,6 @@
             <a:r>
               <a:rPr lang="it-IT" dirty="0" err="1" smtClean="0"/>
               <a:t>changer</a:t>
-            </a:r>
-            <a:r>
-              <a:rPr lang="it-IT" dirty="0" smtClean="0"/>
-              <a:t> ?</a:t>
-            </a:r>
-            <a:br>
-              <a:rPr lang="it-IT" dirty="0" smtClean="0"/>
-            </a:br>
-            <a:r>
-              <a:rPr lang="it-IT" dirty="0" err="1" smtClean="0"/>
-              <a:t>Why</a:t>
-            </a:r>
-            <a:r>
-              <a:rPr lang="it-IT" dirty="0" smtClean="0"/>
-              <a:t> </a:t>
-            </a:r>
-            <a:r>
-              <a:rPr lang="it-IT" dirty="0" err="1" smtClean="0"/>
-              <a:t>should</a:t>
-            </a:r>
-            <a:r>
-              <a:rPr lang="it-IT" dirty="0" smtClean="0"/>
-              <a:t> </a:t>
-            </a:r>
-            <a:r>
-              <a:rPr lang="it-IT" dirty="0" err="1" smtClean="0"/>
-              <a:t>we</a:t>
-            </a:r>
-            <a:r>
-              <a:rPr lang="it-IT" dirty="0" smtClean="0"/>
-              <a:t> </a:t>
-            </a:r>
-            <a:r>
-              <a:rPr lang="it-IT" dirty="0" err="1" smtClean="0"/>
-              <a:t>bother</a:t>
             </a:r>
             <a:r>
               <a:rPr lang="it-IT" dirty="0" smtClean="0"/>
@@ -14157,7 +15482,7 @@
             </a:r>
             <a:r>
               <a:rPr lang="it-IT" sz="3200" dirty="0" smtClean="0"/>
-              <a:t> over time </a:t>
+              <a:t> over time, </a:t>
             </a:r>
             <a:r>
               <a:rPr lang="it-IT" sz="3200" dirty="0" err="1" smtClean="0"/>
@@ -14200,12 +15525,16 @@
               <a:t> by the </a:t>
             </a:r>
             <a:r>
+              <a:rPr lang="it-IT" sz="3200" dirty="0" err="1"/>
+              <a:t>R</a:t>
+            </a:r>
+            <a:r>
               <a:rPr lang="it-IT" sz="3200" dirty="0" err="1" smtClean="0"/>
-              <a:t>reactive</a:t>
+              <a:t>eactive</a:t>
             </a:r>
             <a:r>
               <a:rPr lang="it-IT" sz="3200" dirty="0" smtClean="0"/>
-              <a:t> manifesto!</a:t>
+              <a:t> Manifesto!</a:t>
             </a:r>
           </a:p>
           <a:p>
@@ -14221,11 +15550,19 @@
             </a:r>
             <a:r>
               <a:rPr lang="it-IT" sz="3200" dirty="0" err="1" smtClean="0"/>
-              <a:t>reactive</a:t>
+              <a:t>Reactive</a:t>
             </a:r>
             <a:r>
               <a:rPr lang="it-IT" sz="3200" dirty="0" smtClean="0"/>
-              <a:t> manifesto </a:t>
+              <a:t> </a:t>
+            </a:r>
+            <a:r>
+              <a:rPr lang="it-IT" sz="3200" dirty="0"/>
+              <a:t>M</a:t>
+            </a:r>
+            <a:r>
+              <a:rPr lang="it-IT" sz="3200" dirty="0" smtClean="0"/>
+              <a:t>anifesto </a:t>
             </a:r>
             <a:r>
               <a:rPr lang="it-IT" sz="3200" dirty="0" err="1" smtClean="0"/>
@@ -14322,7 +15659,7 @@
 </p:sld>
 </file>
 
-<file path=ppt/slides/slide7.xml><?xml version="1.0" encoding="utf-8"?>
+<file path=ppt/slides/slide8.xml><?xml version="1.0" encoding="utf-8"?>
 <p:sld xmlns:a="http://schemas.openxmlformats.org/drawingml/2006/main" xmlns:r="http://schemas.openxmlformats.org/officeDocument/2006/relationships" xmlns:p="http://schemas.openxmlformats.org/presentationml/2006/main">
   <p:cSld>
     <p:spTree>
@@ -15765,88 +17102,6 @@
 </p:sld>
 </file>
 
-<file path=ppt/slides/slide8.xml><?xml version="1.0" encoding="utf-8"?>
-<p:sld xmlns:a="http://schemas.openxmlformats.org/drawingml/2006/main" xmlns:r="http://schemas.openxmlformats.org/officeDocument/2006/relationships" xmlns:p="http://schemas.openxmlformats.org/presentationml/2006/main">
-  <p:cSld>
-    <p:spTree>
-      <p:nvGrpSpPr>
-        <p:cNvPr id="1" name=""/>
-        <p:cNvGrpSpPr/>
-        <p:nvPr/>
-      </p:nvGrpSpPr>
-      <p:grpSpPr>
-        <a:xfrm>
-          <a:off x="0" y="0"/>
-          <a:ext cx="0" cy="0"/>
-          <a:chOff x="0" y="0"/>
-          <a:chExt cx="0" cy="0"/>
-        </a:xfrm>
-      </p:grpSpPr>
-      <p:sp>
-        <p:nvSpPr>
-          <p:cNvPr id="2" name="Titolo 1"/>
-          <p:cNvSpPr>
-            <a:spLocks noGrp="1"/>
-          </p:cNvSpPr>
-          <p:nvPr>
-            <p:ph type="title"/>
-          </p:nvPr>
-        </p:nvSpPr>
-        <p:spPr/>
-        <p:txBody>
-          <a:bodyPr>
-            <a:normAutofit/>
-          </a:bodyPr>
-          <a:lstStyle/>
-          <a:p>
-            <a:pPr algn="ctr"/>
-            <a:r>
-              <a:rPr lang="it-IT" sz="6000" dirty="0" smtClean="0"/>
-              <a:t>And in the JavaScript world ?</a:t>
-            </a:r>
-            <a:endParaRPr lang="it-IT" sz="6000" dirty="0"/>
-          </a:p>
-        </p:txBody>
-      </p:sp>
-      <p:sp>
-        <p:nvSpPr>
-          <p:cNvPr id="4" name="Segnaposto testo 3"/>
-          <p:cNvSpPr>
-            <a:spLocks noGrp="1"/>
-          </p:cNvSpPr>
-          <p:nvPr>
-            <p:ph type="body" idx="1"/>
-          </p:nvPr>
-        </p:nvSpPr>
-        <p:spPr/>
-        <p:txBody>
-          <a:bodyPr/>
-          <a:lstStyle/>
-          <a:p>
-            <a:endParaRPr lang="it-IT"/>
-          </a:p>
-        </p:txBody>
-      </p:sp>
-    </p:spTree>
-    <p:extLst>
-      <p:ext uri="{BB962C8B-B14F-4D97-AF65-F5344CB8AC3E}">
-        <p14:creationId xmlns:p14="http://schemas.microsoft.com/office/powerpoint/2010/main" val="1714973932"/>
-      </p:ext>
-    </p:extLst>
-  </p:cSld>
-  <p:clrMapOvr>
-    <a:masterClrMapping/>
-  </p:clrMapOvr>
-  <p:timing>
-    <p:tnLst>
-      <p:par>
-        <p:cTn id="1" dur="indefinite" restart="never" nodeType="tmRoot"/>
-      </p:par>
-    </p:tnLst>
-  </p:timing>
-</p:sld>
-</file>
-
 <file path=ppt/slides/slide9.xml><?xml version="1.0" encoding="utf-8"?>
 <p:sld xmlns:a="http://schemas.openxmlformats.org/drawingml/2006/main" xmlns:r="http://schemas.openxmlformats.org/officeDocument/2006/relationships" xmlns:p="http://schemas.openxmlformats.org/presentationml/2006/main">
   <p:cSld>
@@ -15866,7 +17121,7 @@
       </p:grpSpPr>
       <p:sp>
         <p:nvSpPr>
-          <p:cNvPr id="4" name="Titolo 3"/>
+          <p:cNvPr id="2" name="Titolo 1"/>
           <p:cNvSpPr>
             <a:spLocks noGrp="1"/>
           </p:cNvSpPr>
@@ -15876,35 +17131,23 @@
         </p:nvSpPr>
         <p:spPr/>
         <p:txBody>
-          <a:bodyPr/>
-          <a:lstStyle/>
-          <a:p>
-            <a:r>
-              <a:rPr lang="it-IT" sz="4000" dirty="0" err="1" smtClean="0"/>
-              <a:t>Introducing</a:t>
-            </a:r>
-            <a:r>
-              <a:rPr lang="it-IT" sz="4000" dirty="0" smtClean="0"/>
-              <a:t>:</a:t>
-            </a:r>
-            <a:r>
-              <a:rPr lang="it-IT" dirty="0" smtClean="0"/>
-              <a:t/>
-            </a:r>
-            <a:br>
-              <a:rPr lang="it-IT" dirty="0" smtClean="0"/>
-            </a:br>
-            <a:r>
-              <a:rPr lang="it-IT" dirty="0" err="1" smtClean="0"/>
-              <a:t>RxJS</a:t>
-            </a:r>
-            <a:endParaRPr lang="it-IT" dirty="0"/>
-          </a:p>
-        </p:txBody>
-      </p:sp>
-      <p:sp>
-        <p:nvSpPr>
-          <p:cNvPr id="5" name="Segnaposto testo 4"/>
+          <a:bodyPr>
+            <a:normAutofit/>
+          </a:bodyPr>
+          <a:lstStyle/>
+          <a:p>
+            <a:pPr algn="ctr"/>
+            <a:r>
+              <a:rPr lang="it-IT" sz="6000" dirty="0" smtClean="0"/>
+              <a:t>And in the JavaScript world ?</a:t>
+            </a:r>
+            <a:endParaRPr lang="it-IT" sz="6000" dirty="0"/>
+          </a:p>
+        </p:txBody>
+      </p:sp>
+      <p:sp>
+        <p:nvSpPr>
+          <p:cNvPr id="4" name="Segnaposto testo 3"/>
           <p:cNvSpPr>
             <a:spLocks noGrp="1"/>
           </p:cNvSpPr>
@@ -15924,7 +17167,7 @@
     </p:spTree>
     <p:extLst>
       <p:ext uri="{BB962C8B-B14F-4D97-AF65-F5344CB8AC3E}">
-        <p14:creationId xmlns:p14="http://schemas.microsoft.com/office/powerpoint/2010/main" val="1030136324"/>
+        <p14:creationId xmlns:p14="http://schemas.microsoft.com/office/powerpoint/2010/main" val="1714973932"/>
       </p:ext>
     </p:extLst>
   </p:cSld>
@@ -16218,7 +17461,7 @@
   <a:extraClrSchemeLst/>
   <a:extLst>
     <a:ext uri="{05A4C25C-085E-4340-85A3-A5531E510DB2}">
-      <thm15:themeFamily xmlns="" xmlns:thm15="http://schemas.microsoft.com/office/thememl/2012/main" name="Retrospect" id="{5F128B03-DCCA-4EEB-AB3B-CF2899314A46}" vid="{9CC26709-368C-4D72-9060-94E5B3FF3CD6}"/>
+      <thm15:themeFamily xmlns:thm15="http://schemas.microsoft.com/office/thememl/2012/main" xmlns="" name="Retrospect" id="{5F128B03-DCCA-4EEB-AB3B-CF2899314A46}" vid="{9CC26709-368C-4D72-9060-94E5B3FF3CD6}"/>
     </a:ext>
   </a:extLst>
 </a:theme>
@@ -16513,7 +17756,7 @@
   <a:extraClrSchemeLst/>
   <a:extLst>
     <a:ext uri="{05A4C25C-085E-4340-85A3-A5531E510DB2}">
-      <thm15:themeFamily xmlns="" xmlns:thm15="http://schemas.microsoft.com/office/thememl/2012/main" name="Office Theme" id="{62F939B6-93AF-4DB8-9C6B-D6C7DFDC589F}" vid="{4A3C46E8-61CC-4603-A589-7422A47A8E4A}"/>
+      <thm15:themeFamily xmlns:thm15="http://schemas.microsoft.com/office/thememl/2012/main" xmlns="" name="Office Theme" id="{62F939B6-93AF-4DB8-9C6B-D6C7DFDC589F}" vid="{4A3C46E8-61CC-4603-A589-7422A47A8E4A}"/>
     </a:ext>
   </a:extLst>
 </a:theme>

--- a/ReactiveProgramming_RxJS.pptx
+++ b/ReactiveProgramming_RxJS.pptx
@@ -5,43 +5,42 @@
     <p:sldMasterId id="2147483793" r:id="rId1"/>
   </p:sldMasterIdLst>
   <p:notesMasterIdLst>
-    <p:notesMasterId r:id="rId33"/>
+    <p:notesMasterId r:id="rId32"/>
   </p:notesMasterIdLst>
   <p:handoutMasterIdLst>
-    <p:handoutMasterId r:id="rId34"/>
+    <p:handoutMasterId r:id="rId33"/>
   </p:handoutMasterIdLst>
   <p:sldIdLst>
     <p:sldId id="292" r:id="rId2"/>
     <p:sldId id="420" r:id="rId3"/>
     <p:sldId id="423" r:id="rId4"/>
     <p:sldId id="424" r:id="rId5"/>
-    <p:sldId id="446" r:id="rId6"/>
-    <p:sldId id="422" r:id="rId7"/>
-    <p:sldId id="425" r:id="rId8"/>
-    <p:sldId id="421" r:id="rId9"/>
-    <p:sldId id="426" r:id="rId10"/>
-    <p:sldId id="427" r:id="rId11"/>
-    <p:sldId id="428" r:id="rId12"/>
-    <p:sldId id="430" r:id="rId13"/>
-    <p:sldId id="429" r:id="rId14"/>
-    <p:sldId id="432" r:id="rId15"/>
-    <p:sldId id="431" r:id="rId16"/>
-    <p:sldId id="433" r:id="rId17"/>
-    <p:sldId id="435" r:id="rId18"/>
-    <p:sldId id="434" r:id="rId19"/>
-    <p:sldId id="436" r:id="rId20"/>
-    <p:sldId id="437" r:id="rId21"/>
-    <p:sldId id="438" r:id="rId22"/>
-    <p:sldId id="439" r:id="rId23"/>
-    <p:sldId id="441" r:id="rId24"/>
-    <p:sldId id="442" r:id="rId25"/>
-    <p:sldId id="443" r:id="rId26"/>
-    <p:sldId id="444" r:id="rId27"/>
-    <p:sldId id="445" r:id="rId28"/>
-    <p:sldId id="447" r:id="rId29"/>
-    <p:sldId id="440" r:id="rId30"/>
-    <p:sldId id="407" r:id="rId31"/>
-    <p:sldId id="416" r:id="rId32"/>
+    <p:sldId id="422" r:id="rId6"/>
+    <p:sldId id="425" r:id="rId7"/>
+    <p:sldId id="421" r:id="rId8"/>
+    <p:sldId id="426" r:id="rId9"/>
+    <p:sldId id="427" r:id="rId10"/>
+    <p:sldId id="428" r:id="rId11"/>
+    <p:sldId id="430" r:id="rId12"/>
+    <p:sldId id="429" r:id="rId13"/>
+    <p:sldId id="432" r:id="rId14"/>
+    <p:sldId id="431" r:id="rId15"/>
+    <p:sldId id="433" r:id="rId16"/>
+    <p:sldId id="435" r:id="rId17"/>
+    <p:sldId id="434" r:id="rId18"/>
+    <p:sldId id="436" r:id="rId19"/>
+    <p:sldId id="437" r:id="rId20"/>
+    <p:sldId id="438" r:id="rId21"/>
+    <p:sldId id="439" r:id="rId22"/>
+    <p:sldId id="441" r:id="rId23"/>
+    <p:sldId id="442" r:id="rId24"/>
+    <p:sldId id="443" r:id="rId25"/>
+    <p:sldId id="444" r:id="rId26"/>
+    <p:sldId id="445" r:id="rId27"/>
+    <p:sldId id="447" r:id="rId28"/>
+    <p:sldId id="440" r:id="rId29"/>
+    <p:sldId id="407" r:id="rId30"/>
+    <p:sldId id="416" r:id="rId31"/>
   </p:sldIdLst>
   <p:sldSz cx="12192000" cy="6858000"/>
   <p:notesSz cx="6858000" cy="9144000"/>
@@ -142,10 +141,101 @@
   </p:defaultTextStyle>
   <p:extLst>
     <p:ext uri="{EFAFB233-063F-42B5-8137-9DF3F51BA10A}">
-      <p15:sldGuideLst xmlns:p15="http://schemas.microsoft.com/office/powerpoint/2012/main" xmlns=""/>
+      <p15:sldGuideLst xmlns:p15="http://schemas.microsoft.com/office/powerpoint/2012/main">
+        <p15:guide id="1" orient="horz" pos="2160">
+          <p15:clr>
+            <a:srgbClr val="A4A3A4"/>
+          </p15:clr>
+        </p15:guide>
+        <p15:guide id="2" pos="3840">
+          <p15:clr>
+            <a:srgbClr val="A4A3A4"/>
+          </p15:clr>
+        </p15:guide>
+      </p15:sldGuideLst>
+    </p:ext>
+    <p:ext uri="{2D200454-40CA-4A62-9FC3-DE9A4176ACB9}">
+      <p15:notesGuideLst xmlns:p15="http://schemas.microsoft.com/office/powerpoint/2012/main">
+        <p15:guide id="1" orient="horz" pos="2880">
+          <p15:clr>
+            <a:srgbClr val="A4A3A4"/>
+          </p15:clr>
+        </p15:guide>
+        <p15:guide id="2" pos="2160">
+          <p15:clr>
+            <a:srgbClr val="A4A3A4"/>
+          </p15:clr>
+        </p15:guide>
+      </p15:notesGuideLst>
     </p:ext>
   </p:extLst>
 </p:presentation>
+</file>
+
+<file path=ppt/revisionInfo.xml><?xml version="1.0" encoding="utf-8"?>
+<p1510:revInfo xmlns:a="http://schemas.openxmlformats.org/drawingml/2006/main" xmlns:r="http://schemas.openxmlformats.org/officeDocument/2006/relationships" xmlns:p1510="http://schemas.microsoft.com/office/powerpoint/2015/10/main">
+  <p1510:revLst>
+    <p1510:client id="{66574AF1-BD74-4221-907B-632CC101DA1D}" v="14" dt="2023-05-16T17:41:14.246"/>
+  </p1510:revLst>
+</p1510:revInfo>
+</file>
+
+<file path=ppt/changesInfos/changesInfo1.xml><?xml version="1.0" encoding="utf-8"?>
+<pc:chgInfo xmlns:a="http://schemas.openxmlformats.org/drawingml/2006/main" xmlns:r="http://schemas.openxmlformats.org/officeDocument/2006/relationships" xmlns:ac="http://schemas.microsoft.com/office/drawing/2013/main/command" xmlns:pc="http://schemas.microsoft.com/office/powerpoint/2013/main/command">
+  <pc:docChgLst>
+    <pc:chgData name="Alessandro Giorgetti" userId="332e11a8ec89c5cd" providerId="Windows Live" clId="Web-{66574AF1-BD74-4221-907B-632CC101DA1D}"/>
+    <pc:docChg chg="delSld modSld">
+      <pc:chgData name="Alessandro Giorgetti" userId="332e11a8ec89c5cd" providerId="Windows Live" clId="Web-{66574AF1-BD74-4221-907B-632CC101DA1D}" dt="2023-05-16T17:41:14.246" v="11"/>
+      <pc:docMkLst>
+        <pc:docMk/>
+      </pc:docMkLst>
+      <pc:sldChg chg="mod modShow">
+        <pc:chgData name="Alessandro Giorgetti" userId="332e11a8ec89c5cd" providerId="Windows Live" clId="Web-{66574AF1-BD74-4221-907B-632CC101DA1D}" dt="2023-05-16T17:41:14.246" v="11"/>
+        <pc:sldMkLst>
+          <pc:docMk/>
+          <pc:sldMk cId="4063457505" sldId="416"/>
+        </pc:sldMkLst>
+      </pc:sldChg>
+      <pc:sldChg chg="modSp">
+        <pc:chgData name="Alessandro Giorgetti" userId="332e11a8ec89c5cd" providerId="Windows Live" clId="Web-{66574AF1-BD74-4221-907B-632CC101DA1D}" dt="2023-05-16T17:38:33.163" v="4" actId="20577"/>
+        <pc:sldMkLst>
+          <pc:docMk/>
+          <pc:sldMk cId="178723699" sldId="425"/>
+        </pc:sldMkLst>
+        <pc:spChg chg="mod">
+          <ac:chgData name="Alessandro Giorgetti" userId="332e11a8ec89c5cd" providerId="Windows Live" clId="Web-{66574AF1-BD74-4221-907B-632CC101DA1D}" dt="2023-05-16T17:38:33.163" v="4" actId="20577"/>
+          <ac:spMkLst>
+            <pc:docMk/>
+            <pc:sldMk cId="178723699" sldId="425"/>
+            <ac:spMk id="3" creationId="{00000000-0000-0000-0000-000000000000}"/>
+          </ac:spMkLst>
+        </pc:spChg>
+      </pc:sldChg>
+      <pc:sldChg chg="modSp">
+        <pc:chgData name="Alessandro Giorgetti" userId="332e11a8ec89c5cd" providerId="Windows Live" clId="Web-{66574AF1-BD74-4221-907B-632CC101DA1D}" dt="2023-05-16T17:40:01.619" v="10" actId="20577"/>
+        <pc:sldMkLst>
+          <pc:docMk/>
+          <pc:sldMk cId="997846537" sldId="438"/>
+        </pc:sldMkLst>
+        <pc:spChg chg="mod">
+          <ac:chgData name="Alessandro Giorgetti" userId="332e11a8ec89c5cd" providerId="Windows Live" clId="Web-{66574AF1-BD74-4221-907B-632CC101DA1D}" dt="2023-05-16T17:40:01.619" v="10" actId="20577"/>
+          <ac:spMkLst>
+            <pc:docMk/>
+            <pc:sldMk cId="997846537" sldId="438"/>
+            <ac:spMk id="5" creationId="{00000000-0000-0000-0000-000000000000}"/>
+          </ac:spMkLst>
+        </pc:spChg>
+      </pc:sldChg>
+      <pc:sldChg chg="del">
+        <pc:chgData name="Alessandro Giorgetti" userId="332e11a8ec89c5cd" providerId="Windows Live" clId="Web-{66574AF1-BD74-4221-907B-632CC101DA1D}" dt="2023-05-16T17:38:07.335" v="0"/>
+        <pc:sldMkLst>
+          <pc:docMk/>
+          <pc:sldMk cId="3452491481" sldId="446"/>
+        </pc:sldMkLst>
+      </pc:sldChg>
+    </pc:docChg>
+  </pc:docChgLst>
+</pc:chgInfo>
 </file>
 
 <file path=ppt/handoutMasters/handoutMaster1.xml><?xml version="1.0" encoding="utf-8"?>
@@ -230,7 +320,7 @@
           <a:p>
             <a:fld id="{327B5F9E-84DB-4811-8F56-9C65E911095D}" type="datetimeFigureOut">
               <a:rPr lang="it-IT" smtClean="0"/>
-              <a:t>11/08/2022</a:t>
+              <a:t>16/05/2023</a:t>
             </a:fld>
             <a:endParaRPr lang="it-IT"/>
           </a:p>
@@ -296,7 +386,7 @@
           <a:p>
             <a:fld id="{5EC61586-C4DB-4F54-9F3C-109B145FC516}" type="slidenum">
               <a:rPr lang="it-IT" smtClean="0"/>
-              <a:t>‹N›</a:t>
+              <a:t>‹#›</a:t>
             </a:fld>
             <a:endParaRPr lang="it-IT"/>
           </a:p>
@@ -395,7 +485,7 @@
           <a:p>
             <a:fld id="{60073984-6E99-4D80-ADB1-BFDA0D866557}" type="datetimeFigureOut">
               <a:rPr lang="en-US"/>
-              <a:t>8/11/2022</a:t>
+              <a:t>5/16/2023</a:t>
             </a:fld>
             <a:endParaRPr lang="en-US"/>
           </a:p>
@@ -553,7 +643,7 @@
           <a:p>
             <a:fld id="{C519897D-FFB3-4111-B327-449DADBE2990}" type="slidenum">
               <a:rPr lang="en-US"/>
-              <a:t>‹N›</a:t>
+              <a:t>‹#›</a:t>
             </a:fld>
             <a:endParaRPr lang="en-US"/>
           </a:p>
@@ -2308,269 +2398,269 @@
           <a:lstStyle/>
           <a:p>
             <a:r>
-              <a:rPr lang="it-IT" dirty="0" err="1" smtClean="0"/>
+              <a:rPr lang="it-IT" dirty="0" err="1"/>
               <a:t>Chose</a:t>
             </a:r>
             <a:r>
-              <a:rPr lang="it-IT" dirty="0" smtClean="0"/>
+              <a:rPr lang="it-IT" dirty="0"/>
               <a:t> the operator </a:t>
             </a:r>
             <a:r>
-              <a:rPr lang="it-IT" dirty="0" err="1" smtClean="0"/>
+              <a:rPr lang="it-IT" dirty="0" err="1"/>
               <a:t>based</a:t>
             </a:r>
             <a:r>
-              <a:rPr lang="it-IT" dirty="0" smtClean="0"/>
+              <a:rPr lang="it-IT" dirty="0"/>
               <a:t> on </a:t>
             </a:r>
             <a:r>
-              <a:rPr lang="it-IT" dirty="0" err="1" smtClean="0"/>
+              <a:rPr lang="it-IT" dirty="0" err="1"/>
               <a:t>how</a:t>
             </a:r>
             <a:r>
-              <a:rPr lang="it-IT" baseline="0" dirty="0" smtClean="0"/>
+              <a:rPr lang="it-IT" baseline="0" dirty="0"/>
               <a:t> </a:t>
             </a:r>
             <a:r>
-              <a:rPr lang="it-IT" baseline="0" dirty="0" err="1" smtClean="0"/>
+              <a:rPr lang="it-IT" baseline="0" dirty="0" err="1"/>
               <a:t>you</a:t>
             </a:r>
             <a:r>
-              <a:rPr lang="it-IT" baseline="0" dirty="0" smtClean="0"/>
+              <a:rPr lang="it-IT" baseline="0" dirty="0"/>
               <a:t> </a:t>
             </a:r>
             <a:r>
-              <a:rPr lang="it-IT" baseline="0" dirty="0" err="1" smtClean="0"/>
+              <a:rPr lang="it-IT" baseline="0" dirty="0" err="1"/>
               <a:t>want</a:t>
             </a:r>
             <a:r>
-              <a:rPr lang="it-IT" baseline="0" dirty="0" smtClean="0"/>
+              <a:rPr lang="it-IT" baseline="0" dirty="0"/>
               <a:t> to </a:t>
             </a:r>
             <a:r>
-              <a:rPr lang="it-IT" baseline="0" dirty="0" err="1" smtClean="0"/>
+              <a:rPr lang="it-IT" baseline="0" dirty="0" err="1"/>
               <a:t>react</a:t>
             </a:r>
             <a:r>
-              <a:rPr lang="it-IT" baseline="0" dirty="0" smtClean="0"/>
+              <a:rPr lang="it-IT" baseline="0" dirty="0"/>
               <a:t> </a:t>
             </a:r>
             <a:r>
-              <a:rPr lang="it-IT" baseline="0" dirty="0" err="1" smtClean="0"/>
+              <a:rPr lang="it-IT" baseline="0" dirty="0" err="1"/>
               <a:t>when</a:t>
             </a:r>
             <a:r>
-              <a:rPr lang="it-IT" baseline="0" dirty="0" smtClean="0"/>
+              <a:rPr lang="it-IT" baseline="0" dirty="0"/>
               <a:t> multiple http </a:t>
             </a:r>
             <a:r>
-              <a:rPr lang="it-IT" baseline="0" dirty="0" err="1" smtClean="0"/>
+              <a:rPr lang="it-IT" baseline="0" dirty="0" err="1"/>
               <a:t>requests</a:t>
             </a:r>
             <a:r>
-              <a:rPr lang="it-IT" baseline="0" dirty="0" smtClean="0"/>
+              <a:rPr lang="it-IT" baseline="0" dirty="0"/>
               <a:t> </a:t>
             </a:r>
             <a:r>
-              <a:rPr lang="it-IT" baseline="0" dirty="0" err="1" smtClean="0"/>
+              <a:rPr lang="it-IT" baseline="0" dirty="0" err="1"/>
               <a:t>might</a:t>
             </a:r>
             <a:r>
-              <a:rPr lang="it-IT" baseline="0" dirty="0" smtClean="0"/>
+              <a:rPr lang="it-IT" baseline="0" dirty="0"/>
               <a:t> be </a:t>
             </a:r>
             <a:r>
-              <a:rPr lang="it-IT" baseline="0" dirty="0" err="1" smtClean="0"/>
+              <a:rPr lang="it-IT" baseline="0" dirty="0" err="1"/>
               <a:t>active</a:t>
             </a:r>
             <a:r>
-              <a:rPr lang="it-IT" baseline="0" dirty="0" smtClean="0"/>
+              <a:rPr lang="it-IT" baseline="0" dirty="0"/>
               <a:t> </a:t>
             </a:r>
             <a:r>
-              <a:rPr lang="it-IT" baseline="0" dirty="0" err="1" smtClean="0"/>
+              <a:rPr lang="it-IT" baseline="0" dirty="0" err="1"/>
               <a:t>at</a:t>
             </a:r>
             <a:r>
-              <a:rPr lang="it-IT" baseline="0" dirty="0" smtClean="0"/>
+              <a:rPr lang="it-IT" baseline="0" dirty="0"/>
               <a:t> the </a:t>
             </a:r>
             <a:r>
-              <a:rPr lang="it-IT" baseline="0" dirty="0" err="1" smtClean="0"/>
+              <a:rPr lang="it-IT" baseline="0" dirty="0" err="1"/>
               <a:t>same</a:t>
             </a:r>
             <a:r>
-              <a:rPr lang="it-IT" baseline="0" dirty="0" smtClean="0"/>
+              <a:rPr lang="it-IT" baseline="0" dirty="0"/>
               <a:t> time </a:t>
             </a:r>
             <a:r>
-              <a:rPr lang="it-IT" baseline="0" dirty="0" err="1" smtClean="0"/>
+              <a:rPr lang="it-IT" baseline="0" dirty="0" err="1"/>
               <a:t>when</a:t>
             </a:r>
             <a:r>
-              <a:rPr lang="it-IT" baseline="0" dirty="0" smtClean="0"/>
+              <a:rPr lang="it-IT" baseline="0" dirty="0"/>
               <a:t> multiple </a:t>
             </a:r>
             <a:r>
-              <a:rPr lang="it-IT" baseline="0" dirty="0" err="1" smtClean="0"/>
+              <a:rPr lang="it-IT" baseline="0" dirty="0" err="1"/>
               <a:t>messages</a:t>
             </a:r>
             <a:r>
-              <a:rPr lang="it-IT" baseline="0" dirty="0" smtClean="0"/>
+              <a:rPr lang="it-IT" baseline="0" dirty="0"/>
               <a:t> </a:t>
             </a:r>
             <a:r>
-              <a:rPr lang="it-IT" baseline="0" dirty="0" err="1" smtClean="0"/>
+              <a:rPr lang="it-IT" baseline="0" dirty="0" err="1"/>
               <a:t>being</a:t>
             </a:r>
             <a:r>
-              <a:rPr lang="it-IT" baseline="0" dirty="0" smtClean="0"/>
+              <a:rPr lang="it-IT" baseline="0" dirty="0"/>
               <a:t> </a:t>
             </a:r>
             <a:r>
-              <a:rPr lang="it-IT" baseline="0" dirty="0" err="1" smtClean="0"/>
+              <a:rPr lang="it-IT" baseline="0" dirty="0" err="1"/>
               <a:t>dispatched</a:t>
             </a:r>
             <a:r>
-              <a:rPr lang="it-IT" baseline="0" dirty="0" smtClean="0"/>
+              <a:rPr lang="it-IT" baseline="0" dirty="0"/>
               <a:t>: </a:t>
             </a:r>
             <a:r>
-              <a:rPr lang="it-IT" baseline="0" dirty="0" err="1" smtClean="0"/>
+              <a:rPr lang="it-IT" baseline="0" dirty="0" err="1"/>
               <a:t>cancel</a:t>
             </a:r>
             <a:r>
-              <a:rPr lang="it-IT" baseline="0" dirty="0" smtClean="0"/>
+              <a:rPr lang="it-IT" baseline="0" dirty="0"/>
               <a:t> </a:t>
             </a:r>
             <a:r>
-              <a:rPr lang="it-IT" baseline="0" dirty="0" err="1" smtClean="0"/>
+              <a:rPr lang="it-IT" baseline="0" dirty="0" err="1"/>
               <a:t>previous</a:t>
             </a:r>
             <a:r>
-              <a:rPr lang="it-IT" baseline="0" dirty="0" smtClean="0"/>
+              <a:rPr lang="it-IT" baseline="0" dirty="0"/>
               <a:t> </a:t>
             </a:r>
             <a:r>
-              <a:rPr lang="it-IT" baseline="0" dirty="0" err="1" smtClean="0"/>
+              <a:rPr lang="it-IT" baseline="0" dirty="0" err="1"/>
               <a:t>operations</a:t>
             </a:r>
             <a:r>
-              <a:rPr lang="it-IT" baseline="0" dirty="0" smtClean="0"/>
+              <a:rPr lang="it-IT" baseline="0" dirty="0"/>
               <a:t>, </a:t>
             </a:r>
             <a:r>
-              <a:rPr lang="it-IT" baseline="0" dirty="0" err="1" smtClean="0"/>
+              <a:rPr lang="it-IT" baseline="0" dirty="0" err="1"/>
               <a:t>execute</a:t>
             </a:r>
             <a:r>
-              <a:rPr lang="it-IT" baseline="0" dirty="0" smtClean="0"/>
+              <a:rPr lang="it-IT" baseline="0" dirty="0"/>
               <a:t> </a:t>
             </a:r>
             <a:r>
-              <a:rPr lang="it-IT" baseline="0" dirty="0" err="1" smtClean="0"/>
+              <a:rPr lang="it-IT" baseline="0" dirty="0" err="1"/>
               <a:t>them</a:t>
             </a:r>
             <a:r>
-              <a:rPr lang="it-IT" baseline="0" dirty="0" smtClean="0"/>
+              <a:rPr lang="it-IT" baseline="0" dirty="0"/>
               <a:t> in </a:t>
             </a:r>
             <a:r>
-              <a:rPr lang="it-IT" baseline="0" dirty="0" err="1" smtClean="0"/>
+              <a:rPr lang="it-IT" baseline="0" dirty="0" err="1"/>
               <a:t>parallel</a:t>
             </a:r>
             <a:r>
-              <a:rPr lang="it-IT" baseline="0" dirty="0" smtClean="0"/>
+              <a:rPr lang="it-IT" baseline="0" dirty="0"/>
               <a:t> and merge the </a:t>
             </a:r>
             <a:r>
-              <a:rPr lang="it-IT" baseline="0" dirty="0" err="1" smtClean="0"/>
+              <a:rPr lang="it-IT" baseline="0" dirty="0" err="1"/>
               <a:t>results</a:t>
             </a:r>
             <a:r>
-              <a:rPr lang="it-IT" baseline="0" dirty="0" smtClean="0"/>
+              <a:rPr lang="it-IT" baseline="0" dirty="0"/>
               <a:t>, </a:t>
             </a:r>
             <a:r>
-              <a:rPr lang="it-IT" baseline="0" dirty="0" err="1" smtClean="0"/>
+              <a:rPr lang="it-IT" baseline="0" dirty="0" err="1"/>
               <a:t>keep</a:t>
             </a:r>
             <a:r>
-              <a:rPr lang="it-IT" baseline="0" dirty="0" smtClean="0"/>
+              <a:rPr lang="it-IT" baseline="0" dirty="0"/>
               <a:t> </a:t>
             </a:r>
             <a:r>
-              <a:rPr lang="it-IT" baseline="0" dirty="0" err="1" smtClean="0"/>
+              <a:rPr lang="it-IT" baseline="0" dirty="0" err="1"/>
               <a:t>ordering</a:t>
             </a:r>
             <a:r>
-              <a:rPr lang="it-IT" baseline="0" dirty="0" smtClean="0"/>
+              <a:rPr lang="it-IT" baseline="0" dirty="0"/>
               <a:t>, </a:t>
             </a:r>
             <a:r>
-              <a:rPr lang="it-IT" baseline="0" dirty="0" err="1" smtClean="0"/>
+              <a:rPr lang="it-IT" baseline="0" dirty="0" err="1"/>
               <a:t>wait</a:t>
             </a:r>
             <a:r>
-              <a:rPr lang="it-IT" baseline="0" dirty="0" smtClean="0"/>
+              <a:rPr lang="it-IT" baseline="0" dirty="0"/>
               <a:t> for </a:t>
             </a:r>
             <a:r>
-              <a:rPr lang="it-IT" baseline="0" dirty="0" err="1" smtClean="0"/>
+              <a:rPr lang="it-IT" baseline="0" dirty="0" err="1"/>
               <a:t>previous</a:t>
             </a:r>
             <a:r>
-              <a:rPr lang="it-IT" baseline="0" dirty="0" smtClean="0"/>
+              <a:rPr lang="it-IT" baseline="0" dirty="0"/>
               <a:t> </a:t>
             </a:r>
             <a:r>
-              <a:rPr lang="it-IT" baseline="0" dirty="0" err="1" smtClean="0"/>
+              <a:rPr lang="it-IT" baseline="0" dirty="0" err="1"/>
               <a:t>operation</a:t>
             </a:r>
             <a:r>
-              <a:rPr lang="it-IT" baseline="0" dirty="0" smtClean="0"/>
+              <a:rPr lang="it-IT" baseline="0" dirty="0"/>
               <a:t> to complete…</a:t>
             </a:r>
           </a:p>
           <a:p>
             <a:r>
-              <a:rPr lang="it-IT" baseline="0" dirty="0" smtClean="0"/>
+              <a:rPr lang="it-IT" baseline="0" dirty="0"/>
               <a:t>How ‘in-</a:t>
             </a:r>
             <a:r>
-              <a:rPr lang="it-IT" baseline="0" dirty="0" err="1" smtClean="0"/>
+              <a:rPr lang="it-IT" baseline="0" dirty="0" err="1"/>
               <a:t>flight</a:t>
             </a:r>
             <a:r>
-              <a:rPr lang="it-IT" baseline="0" dirty="0" smtClean="0"/>
+              <a:rPr lang="it-IT" baseline="0" dirty="0"/>
               <a:t>’ </a:t>
             </a:r>
             <a:r>
-              <a:rPr lang="it-IT" baseline="0" dirty="0" err="1" smtClean="0"/>
+              <a:rPr lang="it-IT" baseline="0" dirty="0" err="1"/>
               <a:t>requests</a:t>
             </a:r>
             <a:r>
-              <a:rPr lang="it-IT" baseline="0" dirty="0" smtClean="0"/>
+              <a:rPr lang="it-IT" baseline="0" dirty="0"/>
               <a:t> are </a:t>
             </a:r>
             <a:r>
-              <a:rPr lang="it-IT" baseline="0" dirty="0" err="1" smtClean="0"/>
+              <a:rPr lang="it-IT" baseline="0" dirty="0" err="1"/>
               <a:t>handled</a:t>
             </a:r>
             <a:r>
-              <a:rPr lang="it-IT" baseline="0" dirty="0" smtClean="0"/>
+              <a:rPr lang="it-IT" baseline="0" dirty="0"/>
               <a:t> </a:t>
             </a:r>
             <a:r>
-              <a:rPr lang="it-IT" baseline="0" dirty="0" err="1" smtClean="0"/>
+              <a:rPr lang="it-IT" baseline="0" dirty="0" err="1"/>
               <a:t>is</a:t>
             </a:r>
             <a:r>
-              <a:rPr lang="it-IT" baseline="0" dirty="0" smtClean="0"/>
+              <a:rPr lang="it-IT" baseline="0" dirty="0"/>
               <a:t> up to </a:t>
             </a:r>
             <a:r>
-              <a:rPr lang="it-IT" baseline="0" dirty="0" err="1" smtClean="0"/>
+              <a:rPr lang="it-IT" baseline="0" dirty="0" err="1"/>
               <a:t>you</a:t>
             </a:r>
             <a:endParaRPr lang="it-IT" dirty="0"/>
@@ -3677,7 +3767,7 @@
           <a:p>
             <a:fld id="{F1FA7AC5-6045-4418-8E60-F48788734473}" type="datetimeFigureOut">
               <a:rPr lang="en-US" smtClean="0"/>
-              <a:t>8/11/2022</a:t>
+              <a:t>5/16/2023</a:t>
             </a:fld>
             <a:endParaRPr lang="en-US"/>
           </a:p>
@@ -3719,7 +3809,7 @@
           <a:p>
             <a:fld id="{8C71CAF9-4461-454A-B702-D536C3775752}" type="slidenum">
               <a:rPr lang="en-US" smtClean="0"/>
-              <a:t>‹N›</a:t>
+              <a:t>‹#›</a:t>
             </a:fld>
             <a:endParaRPr lang="en-US"/>
           </a:p>
@@ -3773,13 +3863,6 @@
   <p:clrMapOvr>
     <a:masterClrMapping/>
   </p:clrMapOvr>
-  <p:timing>
-    <p:tnLst>
-      <p:par>
-        <p:cTn id="1" dur="indefinite" restart="never" nodeType="tmRoot"/>
-      </p:par>
-    </p:tnLst>
-  </p:timing>
 </p:sldLayout>
 </file>
 
@@ -3890,7 +3973,7 @@
           <a:p>
             <a:fld id="{F1FA7AC5-6045-4418-8E60-F48788734473}" type="datetimeFigureOut">
               <a:rPr lang="en-US" smtClean="0"/>
-              <a:t>8/11/2022</a:t>
+              <a:t>5/16/2023</a:t>
             </a:fld>
             <a:endParaRPr lang="en-US"/>
           </a:p>
@@ -3932,7 +4015,7 @@
           <a:p>
             <a:fld id="{8C71CAF9-4461-454A-B702-D536C3775752}" type="slidenum">
               <a:rPr lang="en-US" smtClean="0"/>
-              <a:t>‹N›</a:t>
+              <a:t>‹#›</a:t>
             </a:fld>
             <a:endParaRPr lang="en-US"/>
           </a:p>
@@ -4144,7 +4227,7 @@
           <a:p>
             <a:fld id="{F1FA7AC5-6045-4418-8E60-F48788734473}" type="datetimeFigureOut">
               <a:rPr lang="en-US" smtClean="0"/>
-              <a:t>8/11/2022</a:t>
+              <a:t>5/16/2023</a:t>
             </a:fld>
             <a:endParaRPr lang="en-US"/>
           </a:p>
@@ -4186,7 +4269,7 @@
           <a:p>
             <a:fld id="{8C71CAF9-4461-454A-B702-D536C3775752}" type="slidenum">
               <a:rPr lang="en-US" smtClean="0"/>
-              <a:t>‹N›</a:t>
+              <a:t>‹#›</a:t>
             </a:fld>
             <a:endParaRPr lang="en-US"/>
           </a:p>
@@ -4312,7 +4395,7 @@
           <a:p>
             <a:fld id="{F1FA7AC5-6045-4418-8E60-F48788734473}" type="datetimeFigureOut">
               <a:rPr lang="en-US" smtClean="0"/>
-              <a:t>8/11/2022</a:t>
+              <a:t>5/16/2023</a:t>
             </a:fld>
             <a:endParaRPr lang="en-US"/>
           </a:p>
@@ -4354,7 +4437,7 @@
           <a:p>
             <a:fld id="{8C71CAF9-4461-454A-B702-D536C3775752}" type="slidenum">
               <a:rPr lang="en-US" smtClean="0"/>
-              <a:t>‹N›</a:t>
+              <a:t>‹#›</a:t>
             </a:fld>
             <a:endParaRPr lang="en-US"/>
           </a:p>
@@ -4654,7 +4737,7 @@
           <a:p>
             <a:fld id="{F1FA7AC5-6045-4418-8E60-F48788734473}" type="datetimeFigureOut">
               <a:rPr lang="en-US" smtClean="0"/>
-              <a:t>8/11/2022</a:t>
+              <a:t>5/16/2023</a:t>
             </a:fld>
             <a:endParaRPr lang="en-US"/>
           </a:p>
@@ -4696,7 +4779,7 @@
           <a:p>
             <a:fld id="{8C71CAF9-4461-454A-B702-D536C3775752}" type="slidenum">
               <a:rPr lang="en-US" smtClean="0"/>
-              <a:t>‹N›</a:t>
+              <a:t>‹#›</a:t>
             </a:fld>
             <a:endParaRPr lang="en-US"/>
           </a:p>
@@ -4926,7 +5009,7 @@
           <a:p>
             <a:fld id="{F1FA7AC5-6045-4418-8E60-F48788734473}" type="datetimeFigureOut">
               <a:rPr lang="en-US" smtClean="0"/>
-              <a:t>8/11/2022</a:t>
+              <a:t>5/16/2023</a:t>
             </a:fld>
             <a:endParaRPr lang="en-US"/>
           </a:p>
@@ -4968,7 +5051,7 @@
           <a:p>
             <a:fld id="{8C71CAF9-4461-454A-B702-D536C3775752}" type="slidenum">
               <a:rPr lang="en-US" smtClean="0"/>
-              <a:t>‹N›</a:t>
+              <a:t>‹#›</a:t>
             </a:fld>
             <a:endParaRPr lang="en-US"/>
           </a:p>
@@ -5302,7 +5385,7 @@
           <a:p>
             <a:fld id="{F1FA7AC5-6045-4418-8E60-F48788734473}" type="datetimeFigureOut">
               <a:rPr lang="en-US" smtClean="0"/>
-              <a:t>8/11/2022</a:t>
+              <a:t>5/16/2023</a:t>
             </a:fld>
             <a:endParaRPr lang="en-US"/>
           </a:p>
@@ -5344,7 +5427,7 @@
           <a:p>
             <a:fld id="{8C71CAF9-4461-454A-B702-D536C3775752}" type="slidenum">
               <a:rPr lang="en-US" smtClean="0"/>
-              <a:t>‹N›</a:t>
+              <a:t>‹#›</a:t>
             </a:fld>
             <a:endParaRPr lang="en-US"/>
           </a:p>
@@ -5419,7 +5502,7 @@
           <a:p>
             <a:fld id="{F1FA7AC5-6045-4418-8E60-F48788734473}" type="datetimeFigureOut">
               <a:rPr lang="en-US" smtClean="0"/>
-              <a:t>8/11/2022</a:t>
+              <a:t>5/16/2023</a:t>
             </a:fld>
             <a:endParaRPr lang="en-US"/>
           </a:p>
@@ -5461,7 +5544,7 @@
           <a:p>
             <a:fld id="{8C71CAF9-4461-454A-B702-D536C3775752}" type="slidenum">
               <a:rPr lang="en-US" smtClean="0"/>
-              <a:t>‹N›</a:t>
+              <a:t>‹#›</a:t>
             </a:fld>
             <a:endParaRPr lang="en-US"/>
           </a:p>
@@ -5590,7 +5673,7 @@
           <a:p>
             <a:fld id="{F1FA7AC5-6045-4418-8E60-F48788734473}" type="datetimeFigureOut">
               <a:rPr lang="en-US" smtClean="0"/>
-              <a:t>8/11/2022</a:t>
+              <a:t>5/16/2023</a:t>
             </a:fld>
             <a:endParaRPr lang="en-US"/>
           </a:p>
@@ -5640,7 +5723,7 @@
           <a:p>
             <a:fld id="{8C71CAF9-4461-454A-B702-D536C3775752}" type="slidenum">
               <a:rPr lang="en-US" smtClean="0"/>
-              <a:t>‹N›</a:t>
+              <a:t>‹#›</a:t>
             </a:fld>
             <a:endParaRPr lang="en-US"/>
           </a:p>
@@ -5942,7 +6025,7 @@
           <a:p>
             <a:fld id="{F1FA7AC5-6045-4418-8E60-F48788734473}" type="datetimeFigureOut">
               <a:rPr lang="en-US" smtClean="0"/>
-              <a:t>8/11/2022</a:t>
+              <a:t>5/16/2023</a:t>
             </a:fld>
             <a:endParaRPr lang="en-US"/>
           </a:p>
@@ -6005,7 +6088,7 @@
           <a:p>
             <a:fld id="{8C71CAF9-4461-454A-B702-D536C3775752}" type="slidenum">
               <a:rPr lang="en-US" smtClean="0"/>
-              <a:t>‹N›</a:t>
+              <a:t>‹#›</a:t>
             </a:fld>
             <a:endParaRPr lang="en-US"/>
           </a:p>
@@ -6317,7 +6400,7 @@
           <a:p>
             <a:fld id="{F1FA7AC5-6045-4418-8E60-F48788734473}" type="datetimeFigureOut">
               <a:rPr lang="en-US" smtClean="0"/>
-              <a:t>8/11/2022</a:t>
+              <a:t>5/16/2023</a:t>
             </a:fld>
             <a:endParaRPr lang="en-US"/>
           </a:p>
@@ -6359,7 +6442,7 @@
           <a:p>
             <a:fld id="{8C71CAF9-4461-454A-B702-D536C3775752}" type="slidenum">
               <a:rPr lang="en-US" smtClean="0"/>
-              <a:t>‹N›</a:t>
+              <a:t>‹#›</a:t>
             </a:fld>
             <a:endParaRPr lang="en-US"/>
           </a:p>
@@ -6602,7 +6685,7 @@
           <a:p>
             <a:fld id="{F1FA7AC5-6045-4418-8E60-F48788734473}" type="datetimeFigureOut">
               <a:rPr lang="en-US" smtClean="0"/>
-              <a:t>8/11/2022</a:t>
+              <a:t>5/16/2023</a:t>
             </a:fld>
             <a:endParaRPr lang="en-US"/>
           </a:p>
@@ -6676,7 +6759,7 @@
           <a:p>
             <a:fld id="{8C71CAF9-4461-454A-B702-D536C3775752}" type="slidenum">
               <a:rPr lang="en-US" smtClean="0"/>
-              <a:t>‹N›</a:t>
+              <a:t>‹#›</a:t>
             </a:fld>
             <a:endParaRPr lang="en-US"/>
           </a:p>
@@ -7142,18 +7225,18 @@
           <a:lstStyle/>
           <a:p>
             <a:r>
-              <a:rPr lang="en-US" dirty="0" smtClean="0"/>
+              <a:rPr lang="en-US" dirty="0"/>
               <a:t>Reactive Programming</a:t>
             </a:r>
             <a:br>
-              <a:rPr lang="en-US" dirty="0" smtClean="0"/>
+              <a:rPr lang="en-US" dirty="0"/>
             </a:br>
             <a:r>
-              <a:rPr lang="en-US" dirty="0" smtClean="0"/>
+              <a:rPr lang="en-US" dirty="0"/>
               <a:t>with </a:t>
             </a:r>
             <a:r>
-              <a:rPr lang="en-US" dirty="0" err="1" smtClean="0"/>
+              <a:rPr lang="en-US" dirty="0" err="1"/>
               <a:t>RxJS</a:t>
             </a:r>
             <a:endParaRPr lang="en-US" dirty="0"/>
@@ -7234,7 +7317,7 @@
           <a:p>
             <a:pPr algn="r"/>
             <a:r>
-              <a:rPr lang="it-IT" sz="1000" dirty="0" smtClean="0">
+              <a:rPr lang="it-IT" sz="1000" dirty="0">
                 <a:solidFill>
                   <a:schemeClr val="bg1"/>
                 </a:solidFill>
@@ -7242,41 +7325,28 @@
               <a:t>Alessandro </a:t>
             </a:r>
             <a:r>
-              <a:rPr lang="it-IT" sz="1000" dirty="0" err="1" smtClean="0">
+              <a:rPr lang="it-IT" sz="1000" dirty="0" err="1">
                 <a:solidFill>
                   <a:schemeClr val="bg1"/>
                 </a:solidFill>
               </a:rPr>
               <a:t>Giorgetti</a:t>
             </a:r>
-            <a:r>
-              <a:rPr lang="it-IT" sz="1000" dirty="0" smtClean="0">
-                <a:solidFill>
-                  <a:schemeClr val="bg1"/>
-                </a:solidFill>
-              </a:rPr>
-              <a:t/>
-            </a:r>
             <a:br>
-              <a:rPr lang="it-IT" sz="1000" dirty="0" smtClean="0">
+              <a:rPr lang="it-IT" sz="1000" dirty="0">
                 <a:solidFill>
                   <a:schemeClr val="bg1"/>
                 </a:solidFill>
               </a:rPr>
             </a:br>
             <a:r>
-              <a:rPr lang="it-IT" sz="1000" dirty="0" smtClean="0">
+              <a:rPr lang="it-IT" sz="1000" dirty="0">
                 <a:solidFill>
                   <a:schemeClr val="bg1"/>
                 </a:solidFill>
               </a:rPr>
               <a:t>www.primordialcode.com</a:t>
             </a:r>
-            <a:endParaRPr lang="it-IT" sz="1000" dirty="0">
-              <a:solidFill>
-                <a:schemeClr val="bg1"/>
-              </a:solidFill>
-            </a:endParaRPr>
           </a:p>
         </p:txBody>
       </p:sp>
@@ -7290,13 +7360,6 @@
   <p:clrMapOvr>
     <a:masterClrMapping/>
   </p:clrMapOvr>
-  <p:timing>
-    <p:tnLst>
-      <p:par>
-        <p:cTn id="1" dur="indefinite" restart="never" nodeType="tmRoot"/>
-      </p:par>
-    </p:tnLst>
-  </p:timing>
 </p:sld>
 </file>
 
@@ -7333,22 +7396,7 @@
           <a:lstStyle/>
           <a:p>
             <a:r>
-              <a:rPr lang="it-IT" sz="4000" dirty="0" err="1" smtClean="0"/>
-              <a:t>Introducing</a:t>
-            </a:r>
-            <a:r>
-              <a:rPr lang="it-IT" sz="4000" dirty="0" smtClean="0"/>
-              <a:t>:</a:t>
-            </a:r>
-            <a:r>
-              <a:rPr lang="it-IT" dirty="0" smtClean="0"/>
-              <a:t/>
-            </a:r>
-            <a:br>
-              <a:rPr lang="it-IT" dirty="0" smtClean="0"/>
-            </a:br>
-            <a:r>
-              <a:rPr lang="it-IT" dirty="0" err="1" smtClean="0"/>
+              <a:rPr lang="it-IT" dirty="0" err="1"/>
               <a:t>RxJS</a:t>
             </a:r>
             <a:endParaRPr lang="it-IT" dirty="0"/>
@@ -7357,12 +7405,12 @@
       </p:sp>
       <p:sp>
         <p:nvSpPr>
-          <p:cNvPr id="5" name="Segnaposto testo 4"/>
-          <p:cNvSpPr>
-            <a:spLocks noGrp="1"/>
-          </p:cNvSpPr>
-          <p:nvPr>
-            <p:ph type="body" idx="1"/>
+          <p:cNvPr id="5" name="Segnaposto contenuto 4"/>
+          <p:cNvSpPr>
+            <a:spLocks noGrp="1"/>
+          </p:cNvSpPr>
+          <p:nvPr>
+            <p:ph idx="1"/>
           </p:nvPr>
         </p:nvSpPr>
         <p:spPr/>
@@ -7370,27 +7418,57 @@
           <a:bodyPr/>
           <a:lstStyle/>
           <a:p>
-            <a:endParaRPr lang="it-IT"/>
+            <a:endParaRPr lang="it-IT" dirty="0"/>
+          </a:p>
+          <a:p>
+            <a:endParaRPr lang="it-IT" dirty="0"/>
+          </a:p>
+          <a:p>
+            <a:pPr algn="ctr"/>
+            <a:r>
+              <a:rPr lang="en-US" sz="4400" dirty="0" err="1">
+                <a:hlinkClick r:id="rId3" tooltip="https://github.com/ReactiveX/rxjs"/>
+              </a:rPr>
+              <a:t>RxJS</a:t>
+            </a:r>
+            <a:r>
+              <a:rPr lang="en-US" sz="4400" dirty="0"/>
+              <a:t> is a library for </a:t>
+            </a:r>
+            <a:r>
+              <a:rPr lang="en-US" sz="4400" dirty="0">
+                <a:hlinkClick r:id="rId4" tooltip="https://www.reactivemanifesto.org/"/>
+              </a:rPr>
+              <a:t>Reactive Programming</a:t>
+            </a:r>
+            <a:r>
+              <a:rPr lang="en-US" sz="4400" dirty="0"/>
+              <a:t> using Observables and the </a:t>
+            </a:r>
+            <a:r>
+              <a:rPr lang="en-US" sz="4400" dirty="0">
+                <a:hlinkClick r:id="rId5" tooltip="https://en.wikipedia.org/wiki/Observer_pattern"/>
+              </a:rPr>
+              <a:t>Observer Pattern</a:t>
+            </a:r>
+            <a:r>
+              <a:rPr lang="en-US" sz="4400" dirty="0"/>
+              <a:t>.</a:t>
+            </a:r>
+            <a:endParaRPr lang="it-IT" sz="4400" dirty="0"/>
           </a:p>
         </p:txBody>
       </p:sp>
     </p:spTree>
     <p:extLst>
       <p:ext uri="{BB962C8B-B14F-4D97-AF65-F5344CB8AC3E}">
-        <p14:creationId xmlns:p14="http://schemas.microsoft.com/office/powerpoint/2010/main" val="1030136324"/>
+        <p14:creationId xmlns:p14="http://schemas.microsoft.com/office/powerpoint/2010/main" val="2437911513"/>
       </p:ext>
     </p:extLst>
   </p:cSld>
   <p:clrMapOvr>
     <a:masterClrMapping/>
   </p:clrMapOvr>
-  <p:timing>
-    <p:tnLst>
-      <p:par>
-        <p:cTn id="1" dur="indefinite" restart="never" nodeType="tmRoot"/>
-      </p:par>
-    </p:tnLst>
-  </p:timing>
 </p:sld>
 </file>
 
@@ -7413,7 +7491,7 @@
       </p:grpSpPr>
       <p:sp>
         <p:nvSpPr>
-          <p:cNvPr id="4" name="Titolo 3"/>
+          <p:cNvPr id="2" name="Titolo 1"/>
           <p:cNvSpPr>
             <a:spLocks noGrp="1"/>
           </p:cNvSpPr>
@@ -7427,16 +7505,32 @@
           <a:lstStyle/>
           <a:p>
             <a:r>
-              <a:rPr lang="it-IT" dirty="0" err="1" smtClean="0"/>
+              <a:rPr lang="it-IT" dirty="0" err="1"/>
               <a:t>RxJS</a:t>
             </a:r>
+            <a:r>
+              <a:rPr lang="it-IT" dirty="0"/>
+              <a:t> </a:t>
+            </a:r>
+            <a:r>
+              <a:rPr lang="it-IT" dirty="0" err="1"/>
+              <a:t>key</a:t>
+            </a:r>
+            <a:r>
+              <a:rPr lang="it-IT" dirty="0"/>
+              <a:t> </a:t>
+            </a:r>
+            <a:r>
+              <a:rPr lang="it-IT" dirty="0" err="1"/>
+              <a:t>concepts</a:t>
+            </a:r>
             <a:endParaRPr lang="it-IT" dirty="0"/>
           </a:p>
         </p:txBody>
       </p:sp>
       <p:sp>
         <p:nvSpPr>
-          <p:cNvPr id="5" name="Segnaposto contenuto 4"/>
+          <p:cNvPr id="3" name="Segnaposto contenuto 2"/>
           <p:cNvSpPr>
             <a:spLocks noGrp="1"/>
           </p:cNvSpPr>
@@ -7446,62 +7540,148 @@
         </p:nvSpPr>
         <p:spPr/>
         <p:txBody>
-          <a:bodyPr/>
-          <a:lstStyle/>
-          <a:p>
-            <a:endParaRPr lang="it-IT" dirty="0" smtClean="0"/>
-          </a:p>
-          <a:p>
-            <a:endParaRPr lang="it-IT" dirty="0" smtClean="0"/>
-          </a:p>
-          <a:p>
-            <a:pPr algn="ctr"/>
-            <a:r>
-              <a:rPr lang="en-US" sz="4400" dirty="0" err="1">
-                <a:hlinkClick r:id="rId3" tooltip="https://github.com/ReactiveX/rxjs"/>
+          <a:bodyPr>
+            <a:normAutofit lnSpcReduction="10000"/>
+          </a:bodyPr>
+          <a:lstStyle/>
+          <a:p>
+            <a:pPr>
+              <a:buFont typeface="Arial" panose="020B0604020202020204" pitchFamily="34" charset="0"/>
+              <a:buChar char="•"/>
+            </a:pPr>
+            <a:r>
+              <a:rPr lang="en-US" sz="2400" b="1" dirty="0">
+                <a:solidFill>
+                  <a:srgbClr val="0070C0"/>
+                </a:solidFill>
               </a:rPr>
-              <a:t>RxJS</a:t>
-            </a:r>
-            <a:r>
-              <a:rPr lang="en-US" sz="4400" dirty="0"/>
-              <a:t> is a library for </a:t>
-            </a:r>
-            <a:r>
-              <a:rPr lang="en-US" sz="4400" dirty="0">
-                <a:hlinkClick r:id="rId4" tooltip="https://www.reactivemanifesto.org/"/>
+              <a:t>Observable</a:t>
+            </a:r>
+            <a:r>
+              <a:rPr lang="en-US" sz="2400" dirty="0"/>
+              <a:t>: represents the idea of an </a:t>
+            </a:r>
+            <a:r>
+              <a:rPr lang="en-US" sz="2400" dirty="0" err="1"/>
+              <a:t>invokable</a:t>
+            </a:r>
+            <a:r>
+              <a:rPr lang="en-US" sz="2400" dirty="0"/>
+              <a:t> </a:t>
+            </a:r>
+            <a:r>
+              <a:rPr lang="en-US" sz="2400" b="1" dirty="0"/>
+              <a:t>collection</a:t>
+            </a:r>
+            <a:r>
+              <a:rPr lang="en-US" sz="2400" dirty="0"/>
+              <a:t> of future values or </a:t>
+            </a:r>
+            <a:r>
+              <a:rPr lang="en-US" sz="2400" b="1" dirty="0"/>
+              <a:t>events</a:t>
+            </a:r>
+            <a:r>
+              <a:rPr lang="en-US" sz="2400" dirty="0"/>
+              <a:t>; we can think of an Observable like </a:t>
+            </a:r>
+            <a:r>
+              <a:rPr lang="en-US" sz="2400" b="1" dirty="0"/>
+              <a:t>a stream of data that keeps coming over time</a:t>
+            </a:r>
+            <a:r>
+              <a:rPr lang="en-US" sz="2400" dirty="0"/>
+              <a:t>.</a:t>
+            </a:r>
+          </a:p>
+          <a:p>
+            <a:pPr>
+              <a:buFont typeface="Arial" panose="020B0604020202020204" pitchFamily="34" charset="0"/>
+              <a:buChar char="•"/>
+            </a:pPr>
+            <a:endParaRPr lang="en-US" sz="2400" dirty="0"/>
+          </a:p>
+          <a:p>
+            <a:pPr>
+              <a:buFont typeface="Arial" panose="020B0604020202020204" pitchFamily="34" charset="0"/>
+              <a:buChar char="•"/>
+            </a:pPr>
+            <a:r>
+              <a:rPr lang="en-US" sz="2400" b="1" dirty="0">
+                <a:solidFill>
+                  <a:srgbClr val="0070C0"/>
+                </a:solidFill>
               </a:rPr>
-              <a:t>Reactive Programming</a:t>
-            </a:r>
-            <a:r>
-              <a:rPr lang="en-US" sz="4400" dirty="0"/>
-              <a:t> using Observables and </a:t>
-            </a:r>
-            <a:r>
-              <a:rPr lang="en-US" sz="4400" dirty="0" smtClean="0"/>
-              <a:t>the</a:t>
-            </a:r>
-            <a:r>
-              <a:rPr lang="en-US" sz="4400" dirty="0"/>
-              <a:t> </a:t>
-            </a:r>
-            <a:r>
-              <a:rPr lang="en-US" sz="4400" dirty="0">
-                <a:hlinkClick r:id="rId5" tooltip="https://en.wikipedia.org/wiki/Observer_pattern"/>
+              <a:t>Observer</a:t>
+            </a:r>
+            <a:r>
+              <a:rPr lang="en-US" sz="2400" dirty="0"/>
+              <a:t>: is a collection of </a:t>
+            </a:r>
+            <a:r>
+              <a:rPr lang="en-US" sz="2400" b="1" dirty="0"/>
+              <a:t>callbacks</a:t>
+            </a:r>
+            <a:r>
+              <a:rPr lang="en-US" sz="2400" dirty="0"/>
+              <a:t> that knows how to </a:t>
+            </a:r>
+            <a:r>
+              <a:rPr lang="en-US" sz="2400" b="1" dirty="0"/>
+              <a:t>listen</a:t>
+            </a:r>
+            <a:r>
+              <a:rPr lang="en-US" sz="2400" dirty="0"/>
+              <a:t> to values delivered by the Observable.</a:t>
+            </a:r>
+          </a:p>
+          <a:p>
+            <a:pPr>
+              <a:buFont typeface="Arial" panose="020B0604020202020204" pitchFamily="34" charset="0"/>
+              <a:buChar char="•"/>
+            </a:pPr>
+            <a:endParaRPr lang="en-US" sz="2400" dirty="0"/>
+          </a:p>
+          <a:p>
+            <a:pPr>
+              <a:buFont typeface="Arial" panose="020B0604020202020204" pitchFamily="34" charset="0"/>
+              <a:buChar char="•"/>
+            </a:pPr>
+            <a:r>
+              <a:rPr lang="en-US" sz="2400" b="1" dirty="0">
+                <a:solidFill>
+                  <a:srgbClr val="0070C0"/>
+                </a:solidFill>
               </a:rPr>
-              <a:t>Observer Pattern</a:t>
-            </a:r>
-            <a:r>
-              <a:rPr lang="en-US" sz="4400" dirty="0"/>
+              <a:t>Subscription</a:t>
+            </a:r>
+            <a:r>
+              <a:rPr lang="en-US" sz="2400" dirty="0"/>
+              <a:t>: represents </a:t>
+            </a:r>
+            <a:r>
+              <a:rPr lang="en-US" sz="2400" b="1" dirty="0"/>
+              <a:t>the execution of an Observable</a:t>
+            </a:r>
+            <a:r>
+              <a:rPr lang="en-US" sz="2400" dirty="0"/>
+              <a:t>, it is primarily used for cancelling the execution itself; </a:t>
+            </a:r>
+            <a:r>
+              <a:rPr lang="en-US" sz="2400" i="1" dirty="0"/>
+              <a:t>the term is also used to indicate the lazy computation that happens for each observer that subscribes</a:t>
+            </a:r>
+            <a:r>
+              <a:rPr lang="en-US" sz="2400" dirty="0"/>
               <a:t>.</a:t>
             </a:r>
-            <a:endParaRPr lang="it-IT" sz="4400" dirty="0"/>
           </a:p>
         </p:txBody>
       </p:sp>
     </p:spTree>
     <p:extLst>
       <p:ext uri="{BB962C8B-B14F-4D97-AF65-F5344CB8AC3E}">
-        <p14:creationId xmlns:p14="http://schemas.microsoft.com/office/powerpoint/2010/main" val="2437911513"/>
+        <p14:creationId xmlns:p14="http://schemas.microsoft.com/office/powerpoint/2010/main" val="515093099"/>
       </p:ext>
     </p:extLst>
   </p:cSld>
@@ -7511,7 +7691,213 @@
   <p:timing>
     <p:tnLst>
       <p:par>
-        <p:cTn id="1" dur="indefinite" restart="never" nodeType="tmRoot"/>
+        <p:cTn id="1" dur="indefinite" restart="never" nodeType="tmRoot">
+          <p:childTnLst>
+            <p:seq concurrent="1" nextAc="seek">
+              <p:cTn id="2" dur="indefinite" nodeType="mainSeq">
+                <p:childTnLst>
+                  <p:par>
+                    <p:cTn id="3" fill="hold">
+                      <p:stCondLst>
+                        <p:cond delay="indefinite"/>
+                      </p:stCondLst>
+                      <p:childTnLst>
+                        <p:par>
+                          <p:cTn id="4" fill="hold">
+                            <p:stCondLst>
+                              <p:cond delay="0"/>
+                            </p:stCondLst>
+                            <p:childTnLst>
+                              <p:par>
+                                <p:cTn id="5" presetID="10" presetClass="entr" presetSubtype="0" fill="hold" nodeType="clickEffect">
+                                  <p:stCondLst>
+                                    <p:cond delay="0"/>
+                                  </p:stCondLst>
+                                  <p:childTnLst>
+                                    <p:set>
+                                      <p:cBhvr>
+                                        <p:cTn id="6" dur="1" fill="hold">
+                                          <p:stCondLst>
+                                            <p:cond delay="0"/>
+                                          </p:stCondLst>
+                                        </p:cTn>
+                                        <p:tgtEl>
+                                          <p:spTgt spid="3">
+                                            <p:txEl>
+                                              <p:pRg st="0" end="0"/>
+                                            </p:txEl>
+                                          </p:spTgt>
+                                        </p:tgtEl>
+                                        <p:attrNameLst>
+                                          <p:attrName>style.visibility</p:attrName>
+                                        </p:attrNameLst>
+                                      </p:cBhvr>
+                                      <p:to>
+                                        <p:strVal val="visible"/>
+                                      </p:to>
+                                    </p:set>
+                                    <p:animEffect transition="in" filter="fade">
+                                      <p:cBhvr>
+                                        <p:cTn id="7" dur="500"/>
+                                        <p:tgtEl>
+                                          <p:spTgt spid="3">
+                                            <p:txEl>
+                                              <p:pRg st="0" end="0"/>
+                                            </p:txEl>
+                                          </p:spTgt>
+                                        </p:tgtEl>
+                                      </p:cBhvr>
+                                    </p:animEffect>
+                                  </p:childTnLst>
+                                </p:cTn>
+                              </p:par>
+                            </p:childTnLst>
+                          </p:cTn>
+                        </p:par>
+                      </p:childTnLst>
+                    </p:cTn>
+                  </p:par>
+                  <p:par>
+                    <p:cTn id="8" fill="hold">
+                      <p:stCondLst>
+                        <p:cond delay="indefinite"/>
+                      </p:stCondLst>
+                      <p:childTnLst>
+                        <p:par>
+                          <p:cTn id="9" fill="hold">
+                            <p:stCondLst>
+                              <p:cond delay="0"/>
+                            </p:stCondLst>
+                            <p:childTnLst>
+                              <p:par>
+                                <p:cTn id="10" presetID="10" presetClass="entr" presetSubtype="0" fill="hold" nodeType="clickEffect">
+                                  <p:stCondLst>
+                                    <p:cond delay="0"/>
+                                  </p:stCondLst>
+                                  <p:childTnLst>
+                                    <p:set>
+                                      <p:cBhvr>
+                                        <p:cTn id="11" dur="1" fill="hold">
+                                          <p:stCondLst>
+                                            <p:cond delay="0"/>
+                                          </p:stCondLst>
+                                        </p:cTn>
+                                        <p:tgtEl>
+                                          <p:spTgt spid="3">
+                                            <p:txEl>
+                                              <p:pRg st="2" end="2"/>
+                                            </p:txEl>
+                                          </p:spTgt>
+                                        </p:tgtEl>
+                                        <p:attrNameLst>
+                                          <p:attrName>style.visibility</p:attrName>
+                                        </p:attrNameLst>
+                                      </p:cBhvr>
+                                      <p:to>
+                                        <p:strVal val="visible"/>
+                                      </p:to>
+                                    </p:set>
+                                    <p:animEffect transition="in" filter="fade">
+                                      <p:cBhvr>
+                                        <p:cTn id="12" dur="500"/>
+                                        <p:tgtEl>
+                                          <p:spTgt spid="3">
+                                            <p:txEl>
+                                              <p:pRg st="2" end="2"/>
+                                            </p:txEl>
+                                          </p:spTgt>
+                                        </p:tgtEl>
+                                      </p:cBhvr>
+                                    </p:animEffect>
+                                  </p:childTnLst>
+                                </p:cTn>
+                              </p:par>
+                            </p:childTnLst>
+                          </p:cTn>
+                        </p:par>
+                      </p:childTnLst>
+                    </p:cTn>
+                  </p:par>
+                  <p:par>
+                    <p:cTn id="13" fill="hold">
+                      <p:stCondLst>
+                        <p:cond delay="indefinite"/>
+                      </p:stCondLst>
+                      <p:childTnLst>
+                        <p:par>
+                          <p:cTn id="14" fill="hold">
+                            <p:stCondLst>
+                              <p:cond delay="0"/>
+                            </p:stCondLst>
+                            <p:childTnLst>
+                              <p:par>
+                                <p:cTn id="15" presetID="10" presetClass="entr" presetSubtype="0" fill="hold" nodeType="clickEffect">
+                                  <p:stCondLst>
+                                    <p:cond delay="0"/>
+                                  </p:stCondLst>
+                                  <p:childTnLst>
+                                    <p:set>
+                                      <p:cBhvr>
+                                        <p:cTn id="16" dur="1" fill="hold">
+                                          <p:stCondLst>
+                                            <p:cond delay="0"/>
+                                          </p:stCondLst>
+                                        </p:cTn>
+                                        <p:tgtEl>
+                                          <p:spTgt spid="3">
+                                            <p:txEl>
+                                              <p:pRg st="4" end="4"/>
+                                            </p:txEl>
+                                          </p:spTgt>
+                                        </p:tgtEl>
+                                        <p:attrNameLst>
+                                          <p:attrName>style.visibility</p:attrName>
+                                        </p:attrNameLst>
+                                      </p:cBhvr>
+                                      <p:to>
+                                        <p:strVal val="visible"/>
+                                      </p:to>
+                                    </p:set>
+                                    <p:animEffect transition="in" filter="fade">
+                                      <p:cBhvr>
+                                        <p:cTn id="17" dur="500"/>
+                                        <p:tgtEl>
+                                          <p:spTgt spid="3">
+                                            <p:txEl>
+                                              <p:pRg st="4" end="4"/>
+                                            </p:txEl>
+                                          </p:spTgt>
+                                        </p:tgtEl>
+                                      </p:cBhvr>
+                                    </p:animEffect>
+                                  </p:childTnLst>
+                                </p:cTn>
+                              </p:par>
+                            </p:childTnLst>
+                          </p:cTn>
+                        </p:par>
+                      </p:childTnLst>
+                    </p:cTn>
+                  </p:par>
+                </p:childTnLst>
+              </p:cTn>
+              <p:prevCondLst>
+                <p:cond evt="onPrev" delay="0">
+                  <p:tgtEl>
+                    <p:sldTgt/>
+                  </p:tgtEl>
+                </p:cond>
+              </p:prevCondLst>
+              <p:nextCondLst>
+                <p:cond evt="onNext" delay="0">
+                  <p:tgtEl>
+                    <p:sldTgt/>
+                  </p:tgtEl>
+                </p:cond>
+              </p:nextCondLst>
+            </p:seq>
+          </p:childTnLst>
+        </p:cTn>
       </p:par>
     </p:tnLst>
   </p:timing>
@@ -7551,23 +7937,23 @@
           <a:lstStyle/>
           <a:p>
             <a:r>
-              <a:rPr lang="it-IT" dirty="0" err="1" smtClean="0"/>
+              <a:rPr lang="it-IT" dirty="0" err="1"/>
               <a:t>RxJS</a:t>
             </a:r>
             <a:r>
-              <a:rPr lang="it-IT" dirty="0" smtClean="0"/>
+              <a:rPr lang="it-IT" dirty="0"/>
               <a:t> </a:t>
             </a:r>
             <a:r>
-              <a:rPr lang="it-IT" dirty="0" err="1" smtClean="0"/>
+              <a:rPr lang="it-IT" dirty="0" err="1"/>
               <a:t>key</a:t>
             </a:r>
             <a:r>
-              <a:rPr lang="it-IT" dirty="0" smtClean="0"/>
+              <a:rPr lang="it-IT" dirty="0"/>
               <a:t> </a:t>
             </a:r>
             <a:r>
-              <a:rPr lang="it-IT" dirty="0" err="1" smtClean="0"/>
+              <a:rPr lang="it-IT" dirty="0" err="1"/>
               <a:t>concepts</a:t>
             </a:r>
             <a:endParaRPr lang="it-IT" dirty="0"/>
@@ -7587,7 +7973,7 @@
         <p:spPr/>
         <p:txBody>
           <a:bodyPr>
-            <a:normAutofit lnSpcReduction="10000"/>
+            <a:normAutofit/>
           </a:bodyPr>
           <a:lstStyle/>
           <a:p>
@@ -7596,56 +7982,32 @@
               <a:buChar char="•"/>
             </a:pPr>
             <a:r>
-              <a:rPr lang="en-US" sz="2400" b="1" dirty="0" smtClean="0">
+              <a:rPr lang="en-US" sz="2400" b="1" dirty="0">
                 <a:solidFill>
                   <a:srgbClr val="0070C0"/>
                 </a:solidFill>
               </a:rPr>
-              <a:t>Observable</a:t>
+              <a:t>Operators</a:t>
             </a:r>
             <a:r>
               <a:rPr lang="en-US" sz="2400" dirty="0"/>
-              <a:t>: represents the idea of an </a:t>
+              <a:t>: </a:t>
+            </a:r>
+            <a:r>
+              <a:rPr lang="en-US" sz="2400" i="1" dirty="0"/>
+              <a:t>pure functions </a:t>
+            </a:r>
+            <a:r>
+              <a:rPr lang="en-US" sz="2400" dirty="0"/>
+              <a:t>that enable a functional programming style of coding (operations like: map, filter, </a:t>
             </a:r>
             <a:r>
               <a:rPr lang="en-US" sz="2400" dirty="0" err="1"/>
-              <a:t>invokable</a:t>
+              <a:t>concat</a:t>
             </a:r>
             <a:r>
               <a:rPr lang="en-US" sz="2400" dirty="0"/>
-              <a:t> </a:t>
-            </a:r>
-            <a:r>
-              <a:rPr lang="en-US" sz="2400" b="1" dirty="0"/>
-              <a:t>collection</a:t>
-            </a:r>
-            <a:r>
-              <a:rPr lang="en-US" sz="2400" dirty="0"/>
-              <a:t> of future values or </a:t>
-            </a:r>
-            <a:r>
-              <a:rPr lang="en-US" sz="2400" b="1" dirty="0"/>
-              <a:t>events</a:t>
-            </a:r>
-            <a:r>
-              <a:rPr lang="en-US" sz="2400" dirty="0"/>
-              <a:t>; we can think of an Observable like </a:t>
-            </a:r>
-            <a:r>
-              <a:rPr lang="en-US" sz="2400" b="1" dirty="0"/>
-              <a:t>a stream of data that </a:t>
-            </a:r>
-            <a:r>
-              <a:rPr lang="en-US" sz="2400" b="1" dirty="0" smtClean="0"/>
-              <a:t>keeps </a:t>
-            </a:r>
-            <a:r>
-              <a:rPr lang="en-US" sz="2400" b="1" dirty="0"/>
-              <a:t>coming over time</a:t>
-            </a:r>
-            <a:r>
-              <a:rPr lang="en-US" sz="2400" dirty="0" smtClean="0"/>
-              <a:t>.</a:t>
+              <a:t>, etc.).</a:t>
             </a:r>
           </a:p>
           <a:p>
@@ -7666,31 +8028,31 @@
                   <a:srgbClr val="0070C0"/>
                 </a:solidFill>
               </a:rPr>
-              <a:t>Observer</a:t>
+              <a:t>Subject</a:t>
             </a:r>
             <a:r>
               <a:rPr lang="en-US" sz="2400" dirty="0"/>
-              <a:t>: is a collection of </a:t>
+              <a:t>: is the </a:t>
             </a:r>
             <a:r>
               <a:rPr lang="en-US" sz="2400" b="1" dirty="0"/>
-              <a:t>callbacks</a:t>
+              <a:t>equivalent to an </a:t>
+            </a:r>
+            <a:r>
+              <a:rPr lang="en-US" sz="2400" b="1" dirty="0" err="1"/>
+              <a:t>EventEmitter</a:t>
             </a:r>
             <a:r>
               <a:rPr lang="en-US" sz="2400" dirty="0"/>
-              <a:t> that knows how to </a:t>
+              <a:t>, and it is </a:t>
             </a:r>
             <a:r>
               <a:rPr lang="en-US" sz="2400" b="1" dirty="0"/>
-              <a:t>listen</a:t>
+              <a:t>the only way of multicasting </a:t>
             </a:r>
             <a:r>
               <a:rPr lang="en-US" sz="2400" dirty="0"/>
-              <a:t> to values delivered by the Observable</a:t>
-            </a:r>
-            <a:r>
-              <a:rPr lang="en-US" sz="2400" dirty="0" smtClean="0"/>
-              <a:t>.</a:t>
+              <a:t>a value (or event) to multiple Observers.</a:t>
             </a:r>
           </a:p>
           <a:p>
@@ -7711,40 +8073,27 @@
                   <a:srgbClr val="0070C0"/>
                 </a:solidFill>
               </a:rPr>
-              <a:t>Subscription</a:t>
+              <a:t>Schedulers</a:t>
             </a:r>
             <a:r>
               <a:rPr lang="en-US" sz="2400" dirty="0"/>
-              <a:t>: represents </a:t>
-            </a:r>
-            <a:r>
-              <a:rPr lang="en-US" sz="2400" b="1" dirty="0"/>
-              <a:t>the execution of an Observable</a:t>
+              <a:t>: are centralized dispatchers to control concurrency, allowing us to coordinate when computation happens on e.g.: </a:t>
+            </a:r>
+            <a:r>
+              <a:rPr lang="en-US" sz="2400" dirty="0" err="1"/>
+              <a:t>setTimeout</a:t>
             </a:r>
             <a:r>
               <a:rPr lang="en-US" sz="2400" dirty="0"/>
-              <a:t>, it is primarily used for cancelling the </a:t>
-            </a:r>
-            <a:r>
-              <a:rPr lang="en-US" sz="2400" dirty="0" smtClean="0"/>
-              <a:t>execution itself; </a:t>
-            </a:r>
-            <a:r>
-              <a:rPr lang="en-US" sz="2400" i="1" dirty="0"/>
-              <a:t>the term is also used to indicate the lazy computation that happens for each observer that subscribes</a:t>
-            </a:r>
-            <a:r>
-              <a:rPr lang="en-US" sz="2400" dirty="0" smtClean="0"/>
-              <a:t>.</a:t>
-            </a:r>
-            <a:endParaRPr lang="en-US" sz="2400" dirty="0"/>
+              <a:t>(), interval(), etc.</a:t>
+            </a:r>
           </a:p>
         </p:txBody>
       </p:sp>
     </p:spTree>
     <p:extLst>
       <p:ext uri="{BB962C8B-B14F-4D97-AF65-F5344CB8AC3E}">
-        <p14:creationId xmlns:p14="http://schemas.microsoft.com/office/powerpoint/2010/main" val="515093099"/>
+        <p14:creationId xmlns:p14="http://schemas.microsoft.com/office/powerpoint/2010/main" val="1728736343"/>
       </p:ext>
     </p:extLst>
   </p:cSld>
@@ -8000,24 +8349,16 @@
           <a:lstStyle/>
           <a:p>
             <a:r>
-              <a:rPr lang="it-IT" dirty="0" err="1" smtClean="0"/>
-              <a:t>RxJS</a:t>
-            </a:r>
-            <a:r>
-              <a:rPr lang="it-IT" dirty="0" smtClean="0"/>
-              <a:t> </a:t>
-            </a:r>
-            <a:r>
-              <a:rPr lang="it-IT" dirty="0" err="1" smtClean="0"/>
-              <a:t>key</a:t>
-            </a:r>
-            <a:r>
-              <a:rPr lang="it-IT" dirty="0" smtClean="0"/>
-              <a:t> </a:t>
-            </a:r>
-            <a:r>
-              <a:rPr lang="it-IT" dirty="0" err="1" smtClean="0"/>
-              <a:t>concepts</a:t>
+              <a:rPr lang="it-IT" dirty="0" err="1"/>
+              <a:t>Learn</a:t>
+            </a:r>
+            <a:r>
+              <a:rPr lang="it-IT" dirty="0"/>
+              <a:t> by </a:t>
+            </a:r>
+            <a:r>
+              <a:rPr lang="it-IT" dirty="0" err="1"/>
+              <a:t>examples</a:t>
             </a:r>
             <a:endParaRPr lang="it-IT" dirty="0"/>
           </a:p>
@@ -8035,392 +8376,54 @@
         </p:nvSpPr>
         <p:spPr/>
         <p:txBody>
-          <a:bodyPr>
-            <a:normAutofit/>
+          <a:bodyPr/>
+          <a:lstStyle/>
+          <a:p>
+            <a:endParaRPr lang="it-IT" dirty="0"/>
+          </a:p>
+          <a:p>
+            <a:endParaRPr lang="it-IT" dirty="0"/>
+          </a:p>
+        </p:txBody>
+      </p:sp>
+      <p:sp>
+        <p:nvSpPr>
+          <p:cNvPr id="4" name="Rettangolo 3"/>
+          <p:cNvSpPr/>
+          <p:nvPr/>
+        </p:nvSpPr>
+        <p:spPr>
+          <a:xfrm>
+            <a:off x="1225693" y="3013502"/>
+            <a:ext cx="9740615" cy="830997"/>
+          </a:xfrm>
+          <a:prstGeom prst="rect">
+            <a:avLst/>
+          </a:prstGeom>
+        </p:spPr>
+        <p:txBody>
+          <a:bodyPr wrap="none">
+            <a:spAutoFit/>
           </a:bodyPr>
           <a:lstStyle/>
           <a:p>
-            <a:pPr>
-              <a:buFont typeface="Arial" panose="020B0604020202020204" pitchFamily="34" charset="0"/>
-              <a:buChar char="•"/>
-            </a:pPr>
-            <a:r>
-              <a:rPr lang="en-US" sz="2400" b="1" dirty="0" smtClean="0">
-                <a:solidFill>
-                  <a:srgbClr val="0070C0"/>
-                </a:solidFill>
-              </a:rPr>
-              <a:t>Operators</a:t>
-            </a:r>
-            <a:r>
-              <a:rPr lang="en-US" sz="2400" dirty="0"/>
-              <a:t>: </a:t>
-            </a:r>
-            <a:r>
-              <a:rPr lang="en-US" sz="2400" i="1" dirty="0"/>
-              <a:t>pure functions </a:t>
-            </a:r>
-            <a:r>
-              <a:rPr lang="en-US" sz="2400" dirty="0"/>
-              <a:t>that enable a functional programming style of coding (operations </a:t>
-            </a:r>
-            <a:r>
-              <a:rPr lang="en-US" sz="2400" dirty="0" smtClean="0"/>
-              <a:t>like: </a:t>
-            </a:r>
-            <a:r>
-              <a:rPr lang="en-US" sz="2400" dirty="0"/>
-              <a:t>map, filter, </a:t>
-            </a:r>
-            <a:r>
-              <a:rPr lang="en-US" sz="2400" dirty="0" err="1"/>
-              <a:t>concat</a:t>
-            </a:r>
-            <a:r>
-              <a:rPr lang="en-US" sz="2400" dirty="0"/>
-              <a:t>, etc</a:t>
-            </a:r>
-            <a:r>
-              <a:rPr lang="en-US" sz="2400" dirty="0" smtClean="0"/>
-              <a:t>.).</a:t>
-            </a:r>
-          </a:p>
-          <a:p>
-            <a:pPr>
-              <a:buFont typeface="Arial" panose="020B0604020202020204" pitchFamily="34" charset="0"/>
-              <a:buChar char="•"/>
-            </a:pPr>
-            <a:endParaRPr lang="en-US" sz="2400" dirty="0"/>
-          </a:p>
-          <a:p>
-            <a:pPr>
-              <a:buFont typeface="Arial" panose="020B0604020202020204" pitchFamily="34" charset="0"/>
-              <a:buChar char="•"/>
-            </a:pPr>
-            <a:r>
-              <a:rPr lang="en-US" sz="2400" b="1" dirty="0">
-                <a:solidFill>
-                  <a:srgbClr val="0070C0"/>
-                </a:solidFill>
-              </a:rPr>
-              <a:t>Subject</a:t>
-            </a:r>
-            <a:r>
-              <a:rPr lang="en-US" sz="2400" dirty="0"/>
-              <a:t>: is the </a:t>
-            </a:r>
-            <a:r>
-              <a:rPr lang="en-US" sz="2400" b="1" dirty="0"/>
-              <a:t>equivalent to an </a:t>
-            </a:r>
-            <a:r>
-              <a:rPr lang="en-US" sz="2400" b="1" dirty="0" err="1"/>
-              <a:t>EventEmitter</a:t>
-            </a:r>
-            <a:r>
-              <a:rPr lang="en-US" sz="2400" dirty="0"/>
-              <a:t>, and </a:t>
-            </a:r>
-            <a:r>
-              <a:rPr lang="en-US" sz="2400" dirty="0" smtClean="0"/>
-              <a:t>it is </a:t>
-            </a:r>
-            <a:r>
-              <a:rPr lang="en-US" sz="2400" b="1" dirty="0" smtClean="0"/>
-              <a:t>the </a:t>
-            </a:r>
-            <a:r>
-              <a:rPr lang="en-US" sz="2400" b="1" dirty="0"/>
-              <a:t>only way of multicasting </a:t>
-            </a:r>
-            <a:r>
-              <a:rPr lang="en-US" sz="2400" dirty="0"/>
-              <a:t>a value </a:t>
-            </a:r>
-            <a:r>
-              <a:rPr lang="en-US" sz="2400" dirty="0" smtClean="0"/>
-              <a:t>(or event) </a:t>
-            </a:r>
-            <a:r>
-              <a:rPr lang="en-US" sz="2400" dirty="0"/>
-              <a:t>to multiple Observers</a:t>
-            </a:r>
-            <a:r>
-              <a:rPr lang="en-US" sz="2400" dirty="0" smtClean="0"/>
-              <a:t>.</a:t>
-            </a:r>
-          </a:p>
-          <a:p>
-            <a:pPr>
-              <a:buFont typeface="Arial" panose="020B0604020202020204" pitchFamily="34" charset="0"/>
-              <a:buChar char="•"/>
-            </a:pPr>
-            <a:endParaRPr lang="en-US" sz="2400" dirty="0"/>
-          </a:p>
-          <a:p>
-            <a:pPr>
-              <a:buFont typeface="Arial" panose="020B0604020202020204" pitchFamily="34" charset="0"/>
-              <a:buChar char="•"/>
-            </a:pPr>
-            <a:r>
-              <a:rPr lang="en-US" sz="2400" b="1" dirty="0">
-                <a:solidFill>
-                  <a:srgbClr val="0070C0"/>
-                </a:solidFill>
-              </a:rPr>
-              <a:t>Schedulers</a:t>
-            </a:r>
-            <a:r>
-              <a:rPr lang="en-US" sz="2400" dirty="0"/>
-              <a:t>: are centralized dispatchers to control concurrency, allowing us to coordinate when computation </a:t>
-            </a:r>
-            <a:r>
-              <a:rPr lang="en-US" sz="2400" dirty="0" smtClean="0"/>
-              <a:t>happens on e.g.: </a:t>
-            </a:r>
-            <a:r>
-              <a:rPr lang="en-US" sz="2400" dirty="0" err="1" smtClean="0"/>
-              <a:t>setTimeout</a:t>
-            </a:r>
-            <a:r>
-              <a:rPr lang="en-US" sz="2400" dirty="0" smtClean="0"/>
-              <a:t>(), interval(), </a:t>
-            </a:r>
-            <a:r>
-              <a:rPr lang="en-US" sz="2400" dirty="0"/>
-              <a:t>etc</a:t>
-            </a:r>
-            <a:r>
-              <a:rPr lang="en-US" sz="2400" dirty="0" smtClean="0"/>
-              <a:t>.</a:t>
-            </a:r>
-            <a:endParaRPr lang="en-US" sz="2400" dirty="0"/>
+            <a:r>
+              <a:rPr lang="it-IT" sz="4800" dirty="0"/>
+              <a:t>https://github.com/AGiorgetti/rxjs101</a:t>
+            </a:r>
           </a:p>
         </p:txBody>
       </p:sp>
     </p:spTree>
     <p:extLst>
       <p:ext uri="{BB962C8B-B14F-4D97-AF65-F5344CB8AC3E}">
-        <p14:creationId xmlns:p14="http://schemas.microsoft.com/office/powerpoint/2010/main" val="1728736343"/>
+        <p14:creationId xmlns:p14="http://schemas.microsoft.com/office/powerpoint/2010/main" val="2183081916"/>
       </p:ext>
     </p:extLst>
   </p:cSld>
   <p:clrMapOvr>
     <a:masterClrMapping/>
   </p:clrMapOvr>
-  <p:timing>
-    <p:tnLst>
-      <p:par>
-        <p:cTn id="1" dur="indefinite" restart="never" nodeType="tmRoot">
-          <p:childTnLst>
-            <p:seq concurrent="1" nextAc="seek">
-              <p:cTn id="2" dur="indefinite" nodeType="mainSeq">
-                <p:childTnLst>
-                  <p:par>
-                    <p:cTn id="3" fill="hold">
-                      <p:stCondLst>
-                        <p:cond delay="indefinite"/>
-                      </p:stCondLst>
-                      <p:childTnLst>
-                        <p:par>
-                          <p:cTn id="4" fill="hold">
-                            <p:stCondLst>
-                              <p:cond delay="0"/>
-                            </p:stCondLst>
-                            <p:childTnLst>
-                              <p:par>
-                                <p:cTn id="5" presetID="10" presetClass="entr" presetSubtype="0" fill="hold" nodeType="clickEffect">
-                                  <p:stCondLst>
-                                    <p:cond delay="0"/>
-                                  </p:stCondLst>
-                                  <p:childTnLst>
-                                    <p:set>
-                                      <p:cBhvr>
-                                        <p:cTn id="6" dur="1" fill="hold">
-                                          <p:stCondLst>
-                                            <p:cond delay="0"/>
-                                          </p:stCondLst>
-                                        </p:cTn>
-                                        <p:tgtEl>
-                                          <p:spTgt spid="3">
-                                            <p:txEl>
-                                              <p:pRg st="0" end="0"/>
-                                            </p:txEl>
-                                          </p:spTgt>
-                                        </p:tgtEl>
-                                        <p:attrNameLst>
-                                          <p:attrName>style.visibility</p:attrName>
-                                        </p:attrNameLst>
-                                      </p:cBhvr>
-                                      <p:to>
-                                        <p:strVal val="visible"/>
-                                      </p:to>
-                                    </p:set>
-                                    <p:animEffect transition="in" filter="fade">
-                                      <p:cBhvr>
-                                        <p:cTn id="7" dur="500"/>
-                                        <p:tgtEl>
-                                          <p:spTgt spid="3">
-                                            <p:txEl>
-                                              <p:pRg st="0" end="0"/>
-                                            </p:txEl>
-                                          </p:spTgt>
-                                        </p:tgtEl>
-                                      </p:cBhvr>
-                                    </p:animEffect>
-                                  </p:childTnLst>
-                                </p:cTn>
-                              </p:par>
-                            </p:childTnLst>
-                          </p:cTn>
-                        </p:par>
-                      </p:childTnLst>
-                    </p:cTn>
-                  </p:par>
-                  <p:par>
-                    <p:cTn id="8" fill="hold">
-                      <p:stCondLst>
-                        <p:cond delay="indefinite"/>
-                      </p:stCondLst>
-                      <p:childTnLst>
-                        <p:par>
-                          <p:cTn id="9" fill="hold">
-                            <p:stCondLst>
-                              <p:cond delay="0"/>
-                            </p:stCondLst>
-                            <p:childTnLst>
-                              <p:par>
-                                <p:cTn id="10" presetID="10" presetClass="entr" presetSubtype="0" fill="hold" nodeType="clickEffect">
-                                  <p:stCondLst>
-                                    <p:cond delay="0"/>
-                                  </p:stCondLst>
-                                  <p:childTnLst>
-                                    <p:set>
-                                      <p:cBhvr>
-                                        <p:cTn id="11" dur="1" fill="hold">
-                                          <p:stCondLst>
-                                            <p:cond delay="0"/>
-                                          </p:stCondLst>
-                                        </p:cTn>
-                                        <p:tgtEl>
-                                          <p:spTgt spid="3">
-                                            <p:txEl>
-                                              <p:pRg st="2" end="2"/>
-                                            </p:txEl>
-                                          </p:spTgt>
-                                        </p:tgtEl>
-                                        <p:attrNameLst>
-                                          <p:attrName>style.visibility</p:attrName>
-                                        </p:attrNameLst>
-                                      </p:cBhvr>
-                                      <p:to>
-                                        <p:strVal val="visible"/>
-                                      </p:to>
-                                    </p:set>
-                                    <p:animEffect transition="in" filter="fade">
-                                      <p:cBhvr>
-                                        <p:cTn id="12" dur="500"/>
-                                        <p:tgtEl>
-                                          <p:spTgt spid="3">
-                                            <p:txEl>
-                                              <p:pRg st="2" end="2"/>
-                                            </p:txEl>
-                                          </p:spTgt>
-                                        </p:tgtEl>
-                                      </p:cBhvr>
-                                    </p:animEffect>
-                                  </p:childTnLst>
-                                </p:cTn>
-                              </p:par>
-                            </p:childTnLst>
-                          </p:cTn>
-                        </p:par>
-                      </p:childTnLst>
-                    </p:cTn>
-                  </p:par>
-                  <p:par>
-                    <p:cTn id="13" fill="hold">
-                      <p:stCondLst>
-                        <p:cond delay="indefinite"/>
-                      </p:stCondLst>
-                      <p:childTnLst>
-                        <p:par>
-                          <p:cTn id="14" fill="hold">
-                            <p:stCondLst>
-                              <p:cond delay="0"/>
-                            </p:stCondLst>
-                            <p:childTnLst>
-                              <p:par>
-                                <p:cTn id="15" presetID="10" presetClass="entr" presetSubtype="0" fill="hold" nodeType="clickEffect">
-                                  <p:stCondLst>
-                                    <p:cond delay="0"/>
-                                  </p:stCondLst>
-                                  <p:childTnLst>
-                                    <p:set>
-                                      <p:cBhvr>
-                                        <p:cTn id="16" dur="1" fill="hold">
-                                          <p:stCondLst>
-                                            <p:cond delay="0"/>
-                                          </p:stCondLst>
-                                        </p:cTn>
-                                        <p:tgtEl>
-                                          <p:spTgt spid="3">
-                                            <p:txEl>
-                                              <p:pRg st="4" end="4"/>
-                                            </p:txEl>
-                                          </p:spTgt>
-                                        </p:tgtEl>
-                                        <p:attrNameLst>
-                                          <p:attrName>style.visibility</p:attrName>
-                                        </p:attrNameLst>
-                                      </p:cBhvr>
-                                      <p:to>
-                                        <p:strVal val="visible"/>
-                                      </p:to>
-                                    </p:set>
-                                    <p:animEffect transition="in" filter="fade">
-                                      <p:cBhvr>
-                                        <p:cTn id="17" dur="500"/>
-                                        <p:tgtEl>
-                                          <p:spTgt spid="3">
-                                            <p:txEl>
-                                              <p:pRg st="4" end="4"/>
-                                            </p:txEl>
-                                          </p:spTgt>
-                                        </p:tgtEl>
-                                      </p:cBhvr>
-                                    </p:animEffect>
-                                  </p:childTnLst>
-                                </p:cTn>
-                              </p:par>
-                            </p:childTnLst>
-                          </p:cTn>
-                        </p:par>
-                      </p:childTnLst>
-                    </p:cTn>
-                  </p:par>
-                </p:childTnLst>
-              </p:cTn>
-              <p:prevCondLst>
-                <p:cond evt="onPrev" delay="0">
-                  <p:tgtEl>
-                    <p:sldTgt/>
-                  </p:tgtEl>
-                </p:cond>
-              </p:prevCondLst>
-              <p:nextCondLst>
-                <p:cond evt="onNext" delay="0">
-                  <p:tgtEl>
-                    <p:sldTgt/>
-                  </p:tgtEl>
-                </p:cond>
-              </p:nextCondLst>
-            </p:seq>
-          </p:childTnLst>
-        </p:cTn>
-      </p:par>
-    </p:tnLst>
-  </p:timing>
 </p:sld>
 </file>
 
@@ -8443,7 +8446,7 @@
       </p:grpSpPr>
       <p:sp>
         <p:nvSpPr>
-          <p:cNvPr id="2" name="Titolo 1"/>
+          <p:cNvPr id="4" name="Titolo 3"/>
           <p:cNvSpPr>
             <a:spLocks noGrp="1"/>
           </p:cNvSpPr>
@@ -8453,20 +8456,32 @@
         </p:nvSpPr>
         <p:spPr/>
         <p:txBody>
-          <a:bodyPr/>
-          <a:lstStyle/>
-          <a:p>
-            <a:r>
-              <a:rPr lang="it-IT" dirty="0" err="1" smtClean="0"/>
-              <a:t>Learn</a:t>
-            </a:r>
-            <a:r>
-              <a:rPr lang="it-IT" dirty="0" smtClean="0"/>
-              <a:t> by </a:t>
-            </a:r>
-            <a:r>
-              <a:rPr lang="it-IT" dirty="0" err="1" smtClean="0"/>
-              <a:t>examples</a:t>
+          <a:bodyPr>
+            <a:normAutofit fontScale="90000"/>
+          </a:bodyPr>
+          <a:lstStyle/>
+          <a:p>
+            <a:r>
+              <a:rPr lang="it-IT" sz="6000" dirty="0"/>
+              <a:t>Demo 01</a:t>
+            </a:r>
+            <a:br>
+              <a:rPr lang="it-IT" sz="6000" dirty="0"/>
+            </a:br>
+            <a:br>
+              <a:rPr lang="it-IT" dirty="0"/>
+            </a:br>
+            <a:r>
+              <a:rPr lang="it-IT" dirty="0" err="1"/>
+              <a:t>Observables</a:t>
+            </a:r>
+            <a:r>
+              <a:rPr lang="it-IT" dirty="0"/>
+              <a:t> and </a:t>
+            </a:r>
+            <a:r>
+              <a:rPr lang="it-IT" dirty="0" err="1"/>
+              <a:t>Subjects</a:t>
             </a:r>
             <a:endParaRPr lang="it-IT" dirty="0"/>
           </a:p>
@@ -8474,50 +8489,102 @@
       </p:sp>
       <p:sp>
         <p:nvSpPr>
-          <p:cNvPr id="3" name="Segnaposto contenuto 2"/>
-          <p:cNvSpPr>
-            <a:spLocks noGrp="1"/>
-          </p:cNvSpPr>
-          <p:nvPr>
-            <p:ph idx="1"/>
-          </p:nvPr>
-        </p:nvSpPr>
-        <p:spPr/>
-        <p:txBody>
-          <a:bodyPr/>
-          <a:lstStyle/>
-          <a:p>
-            <a:endParaRPr lang="it-IT" dirty="0" smtClean="0"/>
-          </a:p>
-          <a:p>
-            <a:endParaRPr lang="it-IT" dirty="0"/>
-          </a:p>
-        </p:txBody>
-      </p:sp>
-      <p:sp>
-        <p:nvSpPr>
-          <p:cNvPr id="4" name="Rettangolo 3"/>
-          <p:cNvSpPr/>
-          <p:nvPr/>
-        </p:nvSpPr>
-        <p:spPr>
-          <a:xfrm>
-            <a:off x="1225693" y="3013502"/>
-            <a:ext cx="9740615" cy="830997"/>
-          </a:xfrm>
-          <a:prstGeom prst="rect">
-            <a:avLst/>
-          </a:prstGeom>
-        </p:spPr>
-        <p:txBody>
-          <a:bodyPr wrap="none">
-            <a:spAutoFit/>
+          <p:cNvPr id="5" name="Segnaposto testo 4"/>
+          <p:cNvSpPr>
+            <a:spLocks noGrp="1"/>
+          </p:cNvSpPr>
+          <p:nvPr>
+            <p:ph type="body" idx="1"/>
+          </p:nvPr>
+        </p:nvSpPr>
+        <p:spPr/>
+        <p:txBody>
+          <a:bodyPr>
+            <a:normAutofit fontScale="92500"/>
           </a:bodyPr>
           <a:lstStyle/>
           <a:p>
             <a:r>
-              <a:rPr lang="it-IT" sz="4800" dirty="0"/>
-              <a:t>https://github.com/AGiorgetti/rxjs101</a:t>
+              <a:rPr lang="it-IT" dirty="0"/>
+              <a:t>Create an </a:t>
+            </a:r>
+            <a:r>
+              <a:rPr lang="it-IT" dirty="0" err="1"/>
+              <a:t>observable</a:t>
+            </a:r>
+            <a:r>
+              <a:rPr lang="it-IT" dirty="0"/>
+              <a:t> and SUBSCRIBE TO </a:t>
+            </a:r>
+            <a:r>
+              <a:rPr lang="it-IT" dirty="0" err="1"/>
+              <a:t>observe</a:t>
+            </a:r>
+            <a:r>
+              <a:rPr lang="it-IT" dirty="0"/>
+              <a:t> </a:t>
+            </a:r>
+            <a:r>
+              <a:rPr lang="it-IT" dirty="0" err="1"/>
+              <a:t>emitted</a:t>
+            </a:r>
+            <a:r>
+              <a:rPr lang="it-IT" dirty="0"/>
+              <a:t> </a:t>
+            </a:r>
+            <a:r>
+              <a:rPr lang="it-IT" dirty="0" err="1"/>
+              <a:t>values</a:t>
+            </a:r>
+            <a:r>
+              <a:rPr lang="it-IT" dirty="0"/>
+              <a:t>.</a:t>
+            </a:r>
+          </a:p>
+          <a:p>
+            <a:r>
+              <a:rPr lang="it-IT" dirty="0"/>
+              <a:t>Create a </a:t>
+            </a:r>
+            <a:r>
+              <a:rPr lang="it-IT" dirty="0" err="1"/>
+              <a:t>subject</a:t>
+            </a:r>
+            <a:r>
+              <a:rPr lang="it-IT" dirty="0"/>
+              <a:t> and </a:t>
+            </a:r>
+            <a:r>
+              <a:rPr lang="it-IT" dirty="0" err="1"/>
+              <a:t>subscribe</a:t>
+            </a:r>
+            <a:r>
+              <a:rPr lang="it-IT" dirty="0"/>
+              <a:t> to </a:t>
+            </a:r>
+            <a:r>
+              <a:rPr lang="it-IT" dirty="0" err="1"/>
+              <a:t>observe</a:t>
+            </a:r>
+            <a:r>
+              <a:rPr lang="it-IT" dirty="0"/>
+              <a:t> </a:t>
+            </a:r>
+            <a:r>
+              <a:rPr lang="it-IT" dirty="0" err="1"/>
+              <a:t>emitted</a:t>
+            </a:r>
+            <a:r>
+              <a:rPr lang="it-IT" dirty="0"/>
+              <a:t> </a:t>
+            </a:r>
+            <a:r>
+              <a:rPr lang="it-IT" dirty="0" err="1"/>
+              <a:t>values</a:t>
+            </a:r>
+            <a:r>
+              <a:rPr lang="it-IT" dirty="0"/>
+              <a:t>.</a:t>
             </a:r>
           </a:p>
         </p:txBody>
@@ -8525,20 +8592,13 @@
     </p:spTree>
     <p:extLst>
       <p:ext uri="{BB962C8B-B14F-4D97-AF65-F5344CB8AC3E}">
-        <p14:creationId xmlns:p14="http://schemas.microsoft.com/office/powerpoint/2010/main" val="2183081916"/>
+        <p14:creationId xmlns:p14="http://schemas.microsoft.com/office/powerpoint/2010/main" val="543870844"/>
       </p:ext>
     </p:extLst>
   </p:cSld>
   <p:clrMapOvr>
     <a:masterClrMapping/>
   </p:clrMapOvr>
-  <p:timing>
-    <p:tnLst>
-      <p:par>
-        <p:cTn id="1" dur="indefinite" restart="never" nodeType="tmRoot"/>
-      </p:par>
-    </p:tnLst>
-  </p:timing>
 </p:sld>
 </file>
 
@@ -8572,37 +8632,36 @@
         <p:spPr/>
         <p:txBody>
           <a:bodyPr>
-            <a:normAutofit fontScale="90000"/>
+            <a:normAutofit/>
           </a:bodyPr>
           <a:lstStyle/>
           <a:p>
             <a:r>
-              <a:rPr lang="it-IT" sz="6000" dirty="0" smtClean="0"/>
-              <a:t>Demo 01</a:t>
+              <a:rPr lang="it-IT" sz="6000" dirty="0"/>
+              <a:t>Demo 02</a:t>
             </a:r>
             <a:br>
-              <a:rPr lang="it-IT" sz="6000" dirty="0" smtClean="0"/>
+              <a:rPr lang="it-IT" sz="6000" dirty="0"/>
             </a:br>
-            <a:r>
-              <a:rPr lang="it-IT" dirty="0" smtClean="0"/>
-              <a:t/>
-            </a:r>
             <a:br>
-              <a:rPr lang="it-IT" dirty="0" smtClean="0"/>
+              <a:rPr lang="it-IT" dirty="0"/>
             </a:br>
             <a:r>
-              <a:rPr lang="it-IT" dirty="0" err="1" smtClean="0"/>
-              <a:t>Observables</a:t>
-            </a:r>
-            <a:r>
-              <a:rPr lang="it-IT" dirty="0" smtClean="0"/>
-              <a:t> and </a:t>
-            </a:r>
-            <a:r>
-              <a:rPr lang="it-IT" dirty="0" err="1" smtClean="0"/>
-              <a:t>Subjects</a:t>
-            </a:r>
-            <a:endParaRPr lang="it-IT" dirty="0"/>
+              <a:rPr lang="it-IT" dirty="0" err="1"/>
+              <a:t>Unicast</a:t>
+            </a:r>
+            <a:r>
+              <a:rPr lang="it-IT" dirty="0"/>
+              <a:t> (or </a:t>
+            </a:r>
+            <a:r>
+              <a:rPr lang="it-IT" dirty="0" err="1"/>
+              <a:t>Cold</a:t>
+            </a:r>
+            <a:r>
+              <a:rPr lang="it-IT" dirty="0"/>
+              <a:t>)</a:t>
+            </a:r>
           </a:p>
         </p:txBody>
       </p:sp>
@@ -8618,96 +8677,48 @@
         </p:nvSpPr>
         <p:spPr/>
         <p:txBody>
-          <a:bodyPr>
-            <a:normAutofit fontScale="92500"/>
-          </a:bodyPr>
-          <a:lstStyle/>
-          <a:p>
-            <a:r>
-              <a:rPr lang="it-IT" dirty="0" smtClean="0"/>
-              <a:t>Create an </a:t>
-            </a:r>
-            <a:r>
-              <a:rPr lang="it-IT" dirty="0" err="1" smtClean="0"/>
+          <a:bodyPr/>
+          <a:lstStyle/>
+          <a:p>
+            <a:r>
+              <a:rPr lang="it-IT" dirty="0"/>
+              <a:t>EACH </a:t>
+            </a:r>
+            <a:r>
+              <a:rPr lang="it-IT" dirty="0" err="1"/>
+              <a:t>observer</a:t>
+            </a:r>
+            <a:r>
+              <a:rPr lang="it-IT" dirty="0"/>
+              <a:t> «</a:t>
+            </a:r>
+            <a:r>
+              <a:rPr lang="it-IT" dirty="0" err="1"/>
+              <a:t>owns</a:t>
+            </a:r>
+            <a:r>
+              <a:rPr lang="it-IT" dirty="0"/>
+              <a:t>» an </a:t>
+            </a:r>
+            <a:r>
+              <a:rPr lang="it-IT" dirty="0" err="1"/>
+              <a:t>independent</a:t>
+            </a:r>
+            <a:r>
+              <a:rPr lang="it-IT" dirty="0"/>
+              <a:t> </a:t>
+            </a:r>
+            <a:r>
+              <a:rPr lang="it-IT" dirty="0" err="1"/>
+              <a:t>execution</a:t>
+            </a:r>
+            <a:r>
+              <a:rPr lang="it-IT" dirty="0"/>
+              <a:t> of the </a:t>
+            </a:r>
+            <a:r>
+              <a:rPr lang="it-IT" dirty="0" err="1"/>
               <a:t>observable</a:t>
-            </a:r>
-            <a:r>
-              <a:rPr lang="it-IT" dirty="0" smtClean="0"/>
-              <a:t> and SUBSCRIBE TO </a:t>
-            </a:r>
-            <a:r>
-              <a:rPr lang="it-IT" dirty="0" err="1" smtClean="0"/>
-              <a:t>observe</a:t>
-            </a:r>
-            <a:r>
-              <a:rPr lang="it-IT" dirty="0" smtClean="0"/>
-              <a:t> </a:t>
-            </a:r>
-            <a:r>
-              <a:rPr lang="it-IT" dirty="0" err="1" smtClean="0"/>
-              <a:t>emitted</a:t>
-            </a:r>
-            <a:r>
-              <a:rPr lang="it-IT" dirty="0" smtClean="0"/>
-              <a:t> </a:t>
-            </a:r>
-            <a:r>
-              <a:rPr lang="it-IT" dirty="0" err="1" smtClean="0"/>
-              <a:t>values</a:t>
-            </a:r>
-            <a:r>
-              <a:rPr lang="it-IT" dirty="0" smtClean="0"/>
-              <a:t>.</a:t>
-            </a:r>
-          </a:p>
-          <a:p>
-            <a:r>
-              <a:rPr lang="it-IT" dirty="0" smtClean="0"/>
-              <a:t>Create a </a:t>
-            </a:r>
-            <a:r>
-              <a:rPr lang="it-IT" dirty="0" err="1" smtClean="0"/>
-              <a:t>subject</a:t>
-            </a:r>
-            <a:r>
-              <a:rPr lang="it-IT" dirty="0"/>
-              <a:t> </a:t>
-            </a:r>
-            <a:r>
-              <a:rPr lang="it-IT" dirty="0" smtClean="0"/>
-              <a:t>and </a:t>
-            </a:r>
-            <a:r>
-              <a:rPr lang="it-IT" dirty="0" err="1" smtClean="0"/>
-              <a:t>subscribe</a:t>
-            </a:r>
-            <a:r>
-              <a:rPr lang="it-IT" dirty="0" smtClean="0"/>
-              <a:t> to </a:t>
-            </a:r>
-            <a:r>
-              <a:rPr lang="it-IT" dirty="0" err="1" smtClean="0"/>
-              <a:t>observe</a:t>
-            </a:r>
-            <a:r>
-              <a:rPr lang="it-IT" dirty="0" smtClean="0"/>
-              <a:t> </a:t>
-            </a:r>
-            <a:r>
-              <a:rPr lang="it-IT" dirty="0" err="1" smtClean="0"/>
-              <a:t>emitted</a:t>
-            </a:r>
-            <a:r>
-              <a:rPr lang="it-IT" dirty="0" smtClean="0"/>
-              <a:t> </a:t>
-            </a:r>
-            <a:r>
-              <a:rPr lang="it-IT" dirty="0" err="1" smtClean="0"/>
-              <a:t>values</a:t>
-            </a:r>
-            <a:r>
-              <a:rPr lang="it-IT" dirty="0" smtClean="0"/>
-              <a:t>.</a:t>
             </a:r>
             <a:endParaRPr lang="it-IT" dirty="0"/>
           </a:p>
@@ -8716,20 +8727,13 @@
     </p:spTree>
     <p:extLst>
       <p:ext uri="{BB962C8B-B14F-4D97-AF65-F5344CB8AC3E}">
-        <p14:creationId xmlns:p14="http://schemas.microsoft.com/office/powerpoint/2010/main" val="543870844"/>
+        <p14:creationId xmlns:p14="http://schemas.microsoft.com/office/powerpoint/2010/main" val="1999590737"/>
       </p:ext>
     </p:extLst>
   </p:cSld>
   <p:clrMapOvr>
     <a:masterClrMapping/>
   </p:clrMapOvr>
-  <p:timing>
-    <p:tnLst>
-      <p:par>
-        <p:cTn id="1" dur="indefinite" restart="never" nodeType="tmRoot"/>
-      </p:par>
-    </p:tnLst>
-  </p:timing>
 </p:sld>
 </file>
 
@@ -8768,36 +8772,19 @@
           <a:lstStyle/>
           <a:p>
             <a:r>
-              <a:rPr lang="it-IT" sz="6000" dirty="0" smtClean="0"/>
-              <a:t>Demo 02</a:t>
+              <a:rPr lang="it-IT" sz="6000" dirty="0"/>
+              <a:t>Demo 03</a:t>
             </a:r>
             <a:br>
-              <a:rPr lang="it-IT" sz="6000" dirty="0" smtClean="0"/>
+              <a:rPr lang="it-IT" sz="6000" dirty="0"/>
             </a:br>
-            <a:r>
-              <a:rPr lang="it-IT" dirty="0" smtClean="0"/>
-              <a:t/>
-            </a:r>
             <a:br>
-              <a:rPr lang="it-IT" dirty="0" smtClean="0"/>
+              <a:rPr lang="it-IT" dirty="0"/>
             </a:br>
             <a:r>
-              <a:rPr lang="it-IT" dirty="0" err="1" smtClean="0"/>
-              <a:t>Unicast</a:t>
-            </a:r>
-            <a:r>
-              <a:rPr lang="it-IT" dirty="0" smtClean="0"/>
-              <a:t> (or </a:t>
-            </a:r>
-            <a:r>
-              <a:rPr lang="it-IT" dirty="0" err="1" smtClean="0"/>
-              <a:t>Cold</a:t>
-            </a:r>
-            <a:r>
-              <a:rPr lang="it-IT" dirty="0" smtClean="0"/>
-              <a:t>)</a:t>
-            </a:r>
-            <a:endParaRPr lang="it-IT" dirty="0"/>
+              <a:rPr lang="it-IT" dirty="0"/>
+              <a:t>Multicast (or Hot)</a:t>
+            </a:r>
           </a:p>
         </p:txBody>
       </p:sp>
@@ -8817,45 +8804,61 @@
           <a:lstStyle/>
           <a:p>
             <a:r>
-              <a:rPr lang="it-IT" dirty="0" smtClean="0"/>
-              <a:t>EACH </a:t>
-            </a:r>
-            <a:r>
-              <a:rPr lang="it-IT" dirty="0" err="1" smtClean="0"/>
-              <a:t>observer</a:t>
-            </a:r>
-            <a:r>
-              <a:rPr lang="it-IT" dirty="0" smtClean="0"/>
-              <a:t> «</a:t>
-            </a:r>
-            <a:r>
-              <a:rPr lang="it-IT" dirty="0" err="1" smtClean="0"/>
-              <a:t>owns</a:t>
-            </a:r>
-            <a:r>
-              <a:rPr lang="it-IT" dirty="0" smtClean="0"/>
-              <a:t>» an </a:t>
-            </a:r>
-            <a:r>
-              <a:rPr lang="it-IT" dirty="0" err="1" smtClean="0"/>
-              <a:t>independent</a:t>
-            </a:r>
-            <a:r>
-              <a:rPr lang="it-IT" dirty="0" smtClean="0"/>
+              <a:rPr lang="it-IT" dirty="0"/>
+              <a:t>‘</a:t>
+            </a:r>
+            <a:r>
+              <a:rPr lang="it-IT" dirty="0" err="1"/>
+              <a:t>Sharing</a:t>
+            </a:r>
+            <a:r>
+              <a:rPr lang="it-IT" dirty="0"/>
               <a:t> </a:t>
             </a:r>
             <a:r>
-              <a:rPr lang="it-IT" dirty="0" err="1" smtClean="0"/>
+              <a:rPr lang="it-IT" dirty="0" err="1"/>
+              <a:t>messages</a:t>
+            </a:r>
+            <a:r>
+              <a:rPr lang="it-IT" dirty="0"/>
+              <a:t> and </a:t>
+            </a:r>
+            <a:r>
+              <a:rPr lang="it-IT" dirty="0" err="1"/>
               <a:t>execution</a:t>
             </a:r>
             <a:r>
-              <a:rPr lang="it-IT" dirty="0" smtClean="0"/>
-              <a:t> of the </a:t>
-            </a:r>
-            <a:r>
-              <a:rPr lang="it-IT" dirty="0" err="1" smtClean="0"/>
-              <a:t>observable</a:t>
-            </a:r>
+              <a:rPr lang="it-IT" dirty="0"/>
+              <a:t>’</a:t>
+            </a:r>
+          </a:p>
+          <a:p>
+            <a:r>
+              <a:rPr lang="it-IT" dirty="0" err="1"/>
+              <a:t>What</a:t>
+            </a:r>
+            <a:r>
+              <a:rPr lang="it-IT" dirty="0"/>
+              <a:t> </a:t>
+            </a:r>
+            <a:r>
+              <a:rPr lang="it-IT" dirty="0" err="1"/>
+              <a:t>is</a:t>
+            </a:r>
+            <a:r>
+              <a:rPr lang="it-IT" dirty="0"/>
+              <a:t> a </a:t>
+            </a:r>
+            <a:r>
+              <a:rPr lang="it-IT" dirty="0" err="1"/>
+              <a:t>Connectable</a:t>
+            </a:r>
+            <a:r>
+              <a:rPr lang="it-IT" dirty="0"/>
+              <a:t> ?</a:t>
+            </a:r>
+          </a:p>
+          <a:p>
             <a:endParaRPr lang="it-IT" dirty="0"/>
           </a:p>
         </p:txBody>
@@ -8863,20 +8866,13 @@
     </p:spTree>
     <p:extLst>
       <p:ext uri="{BB962C8B-B14F-4D97-AF65-F5344CB8AC3E}">
-        <p14:creationId xmlns:p14="http://schemas.microsoft.com/office/powerpoint/2010/main" val="1999590737"/>
+        <p14:creationId xmlns:p14="http://schemas.microsoft.com/office/powerpoint/2010/main" val="431954079"/>
       </p:ext>
     </p:extLst>
   </p:cSld>
   <p:clrMapOvr>
     <a:masterClrMapping/>
   </p:clrMapOvr>
-  <p:timing>
-    <p:tnLst>
-      <p:par>
-        <p:cTn id="1" dur="indefinite" restart="never" nodeType="tmRoot"/>
-      </p:par>
-    </p:tnLst>
-  </p:timing>
 </p:sld>
 </file>
 
@@ -8915,22 +8911,26 @@
           <a:lstStyle/>
           <a:p>
             <a:r>
-              <a:rPr lang="it-IT" sz="6000" dirty="0" smtClean="0"/>
-              <a:t>Demo 03</a:t>
+              <a:rPr lang="it-IT" sz="6000" dirty="0"/>
+              <a:t>Demo 04</a:t>
             </a:r>
             <a:br>
-              <a:rPr lang="it-IT" sz="6000" dirty="0" smtClean="0"/>
+              <a:rPr lang="it-IT" sz="6000" dirty="0"/>
             </a:br>
-            <a:r>
-              <a:rPr lang="it-IT" dirty="0" smtClean="0"/>
-              <a:t/>
-            </a:r>
             <a:br>
-              <a:rPr lang="it-IT" dirty="0" smtClean="0"/>
+              <a:rPr lang="it-IT" dirty="0"/>
             </a:br>
             <a:r>
-              <a:rPr lang="it-IT" dirty="0" smtClean="0"/>
-              <a:t>Multicast (or Hot)</a:t>
+              <a:rPr lang="it-IT" dirty="0" err="1"/>
+              <a:t>Warm</a:t>
+            </a:r>
+            <a:r>
+              <a:rPr lang="it-IT" dirty="0"/>
+              <a:t> </a:t>
+            </a:r>
+            <a:r>
+              <a:rPr lang="it-IT" dirty="0" err="1"/>
+              <a:t>Observables</a:t>
             </a:r>
             <a:endParaRPr lang="it-IT" dirty="0"/>
           </a:p>
@@ -8952,65 +8952,45 @@
           <a:lstStyle/>
           <a:p>
             <a:r>
-              <a:rPr lang="it-IT" dirty="0" smtClean="0"/>
-              <a:t>‘</a:t>
-            </a:r>
-            <a:r>
-              <a:rPr lang="it-IT" dirty="0" err="1" smtClean="0"/>
-              <a:t>Sharing</a:t>
-            </a:r>
-            <a:r>
-              <a:rPr lang="it-IT" dirty="0" smtClean="0"/>
+              <a:rPr lang="it-IT" dirty="0"/>
+              <a:t>Use </a:t>
+            </a:r>
+            <a:r>
+              <a:rPr lang="it-IT" dirty="0" err="1"/>
+              <a:t>operators</a:t>
+            </a:r>
+            <a:r>
+              <a:rPr lang="it-IT" dirty="0"/>
+              <a:t> to </a:t>
+            </a:r>
+            <a:r>
+              <a:rPr lang="it-IT" dirty="0" err="1"/>
+              <a:t>convert</a:t>
+            </a:r>
+            <a:r>
+              <a:rPr lang="it-IT" dirty="0"/>
               <a:t> </a:t>
             </a:r>
             <a:r>
-              <a:rPr lang="it-IT" dirty="0" err="1" smtClean="0"/>
-              <a:t>messages</a:t>
-            </a:r>
-            <a:r>
-              <a:rPr lang="it-IT" dirty="0" smtClean="0"/>
-              <a:t> and </a:t>
-            </a:r>
-            <a:r>
-              <a:rPr lang="it-IT" dirty="0" err="1" smtClean="0"/>
+              <a:rPr lang="it-IT" dirty="0" err="1"/>
+              <a:t>observables</a:t>
+            </a:r>
+            <a:r>
+              <a:rPr lang="it-IT" dirty="0"/>
+              <a:t> from </a:t>
+            </a:r>
+            <a:r>
+              <a:rPr lang="it-IT" dirty="0" err="1"/>
+              <a:t>cold</a:t>
+            </a:r>
+            <a:r>
+              <a:rPr lang="it-IT" dirty="0"/>
+              <a:t> to hot and trigger the </a:t>
+            </a:r>
+            <a:r>
+              <a:rPr lang="it-IT" dirty="0" err="1"/>
               <a:t>execution</a:t>
             </a:r>
-            <a:r>
-              <a:rPr lang="it-IT" dirty="0" smtClean="0"/>
-              <a:t>’</a:t>
-            </a:r>
-          </a:p>
-          <a:p>
-            <a:r>
-              <a:rPr lang="it-IT" dirty="0" err="1"/>
-              <a:t>What</a:t>
-            </a:r>
-            <a:r>
-              <a:rPr lang="it-IT" dirty="0"/>
-              <a:t> </a:t>
-            </a:r>
-            <a:r>
-              <a:rPr lang="it-IT" dirty="0" err="1"/>
-              <a:t>is</a:t>
-            </a:r>
-            <a:r>
-              <a:rPr lang="it-IT" dirty="0"/>
-              <a:t> a </a:t>
-            </a:r>
-            <a:r>
-              <a:rPr lang="it-IT" dirty="0" err="1" smtClean="0"/>
-              <a:t>Connectable</a:t>
-            </a:r>
-            <a:r>
-              <a:rPr lang="it-IT" dirty="0" smtClean="0"/>
-              <a:t> </a:t>
-            </a:r>
-            <a:r>
-              <a:rPr lang="it-IT" dirty="0"/>
-              <a:t>?</a:t>
-            </a:r>
-          </a:p>
-          <a:p>
             <a:endParaRPr lang="it-IT" dirty="0"/>
           </a:p>
         </p:txBody>
@@ -9018,20 +8998,13 @@
     </p:spTree>
     <p:extLst>
       <p:ext uri="{BB962C8B-B14F-4D97-AF65-F5344CB8AC3E}">
-        <p14:creationId xmlns:p14="http://schemas.microsoft.com/office/powerpoint/2010/main" val="431954079"/>
+        <p14:creationId xmlns:p14="http://schemas.microsoft.com/office/powerpoint/2010/main" val="708041521"/>
       </p:ext>
     </p:extLst>
   </p:cSld>
   <p:clrMapOvr>
     <a:masterClrMapping/>
   </p:clrMapOvr>
-  <p:timing>
-    <p:tnLst>
-      <p:par>
-        <p:cTn id="1" dur="indefinite" restart="never" nodeType="tmRoot"/>
-      </p:par>
-    </p:tnLst>
-  </p:timing>
 </p:sld>
 </file>
 
@@ -9070,30 +9043,18 @@
           <a:lstStyle/>
           <a:p>
             <a:r>
-              <a:rPr lang="it-IT" sz="6000" dirty="0" smtClean="0"/>
-              <a:t>Demo 04</a:t>
+              <a:rPr lang="it-IT" sz="6000" dirty="0"/>
+              <a:t>Demo 05</a:t>
             </a:r>
             <a:br>
-              <a:rPr lang="it-IT" sz="6000" dirty="0" smtClean="0"/>
+              <a:rPr lang="it-IT" sz="6000" dirty="0"/>
             </a:br>
-            <a:r>
-              <a:rPr lang="it-IT" dirty="0" smtClean="0"/>
-              <a:t/>
-            </a:r>
             <a:br>
-              <a:rPr lang="it-IT" dirty="0" smtClean="0"/>
+              <a:rPr lang="it-IT" dirty="0"/>
             </a:br>
             <a:r>
-              <a:rPr lang="it-IT" dirty="0" err="1" smtClean="0"/>
-              <a:t>Warm</a:t>
-            </a:r>
-            <a:r>
-              <a:rPr lang="it-IT" dirty="0" smtClean="0"/>
-              <a:t> </a:t>
-            </a:r>
-            <a:r>
-              <a:rPr lang="it-IT" dirty="0" err="1" smtClean="0"/>
-              <a:t>Observables</a:t>
+              <a:rPr lang="it-IT" dirty="0" err="1"/>
+              <a:t>Unsubscribe</a:t>
             </a:r>
             <a:endParaRPr lang="it-IT" dirty="0"/>
           </a:p>
@@ -9115,44 +9076,27 @@
           <a:lstStyle/>
           <a:p>
             <a:r>
-              <a:rPr lang="it-IT" dirty="0" smtClean="0"/>
-              <a:t>Use </a:t>
-            </a:r>
-            <a:r>
-              <a:rPr lang="it-IT" dirty="0" err="1" smtClean="0"/>
-              <a:t>operators</a:t>
-            </a:r>
-            <a:r>
-              <a:rPr lang="it-IT" dirty="0" smtClean="0"/>
-              <a:t> to </a:t>
-            </a:r>
-            <a:r>
-              <a:rPr lang="it-IT" dirty="0" err="1" smtClean="0"/>
-              <a:t>convert</a:t>
-            </a:r>
-            <a:r>
-              <a:rPr lang="it-IT" dirty="0" smtClean="0"/>
-              <a:t> </a:t>
-            </a:r>
-            <a:r>
-              <a:rPr lang="it-IT" dirty="0" err="1" smtClean="0"/>
-              <a:t>observables</a:t>
-            </a:r>
-            <a:r>
-              <a:rPr lang="it-IT" dirty="0" smtClean="0"/>
-              <a:t> from </a:t>
-            </a:r>
-            <a:r>
-              <a:rPr lang="it-IT" dirty="0" err="1" smtClean="0"/>
-              <a:t>cold</a:t>
-            </a:r>
-            <a:r>
-              <a:rPr lang="it-IT" dirty="0" smtClean="0"/>
-              <a:t> to hot and trigger the </a:t>
-            </a:r>
-            <a:r>
-              <a:rPr lang="it-IT" dirty="0" err="1" smtClean="0"/>
-              <a:t>execution</a:t>
+              <a:rPr lang="it-IT" dirty="0"/>
+              <a:t>How to do </a:t>
+            </a:r>
+            <a:r>
+              <a:rPr lang="it-IT" dirty="0" err="1"/>
+              <a:t>it!</a:t>
+            </a:r>
+            <a:endParaRPr lang="it-IT" dirty="0"/>
+          </a:p>
+          <a:p>
+            <a:r>
+              <a:rPr lang="it-IT" dirty="0" err="1"/>
+              <a:t>When</a:t>
+            </a:r>
+            <a:r>
+              <a:rPr lang="it-IT" dirty="0"/>
+              <a:t> to do </a:t>
+            </a:r>
+            <a:r>
+              <a:rPr lang="it-IT" dirty="0" err="1"/>
+              <a:t>it!</a:t>
             </a:r>
             <a:endParaRPr lang="it-IT" dirty="0"/>
           </a:p>
@@ -9161,20 +9105,13 @@
     </p:spTree>
     <p:extLst>
       <p:ext uri="{BB962C8B-B14F-4D97-AF65-F5344CB8AC3E}">
-        <p14:creationId xmlns:p14="http://schemas.microsoft.com/office/powerpoint/2010/main" val="708041521"/>
+        <p14:creationId xmlns:p14="http://schemas.microsoft.com/office/powerpoint/2010/main" val="1383394712"/>
       </p:ext>
     </p:extLst>
   </p:cSld>
   <p:clrMapOvr>
     <a:masterClrMapping/>
   </p:clrMapOvr>
-  <p:timing>
-    <p:tnLst>
-      <p:par>
-        <p:cTn id="1" dur="indefinite" restart="never" nodeType="tmRoot"/>
-      </p:par>
-    </p:tnLst>
-  </p:timing>
 </p:sld>
 </file>
 
@@ -9197,7 +9134,7 @@
       </p:grpSpPr>
       <p:sp>
         <p:nvSpPr>
-          <p:cNvPr id="4" name="Titolo 3"/>
+          <p:cNvPr id="2" name="Titolo 1"/>
           <p:cNvSpPr>
             <a:spLocks noGrp="1"/>
           </p:cNvSpPr>
@@ -9207,36 +9144,27 @@
         </p:nvSpPr>
         <p:spPr/>
         <p:txBody>
-          <a:bodyPr>
-            <a:normAutofit/>
-          </a:bodyPr>
-          <a:lstStyle/>
-          <a:p>
-            <a:r>
-              <a:rPr lang="it-IT" sz="6000" dirty="0" smtClean="0"/>
-              <a:t>Demo 05</a:t>
-            </a:r>
-            <a:br>
-              <a:rPr lang="it-IT" sz="6000" dirty="0" smtClean="0"/>
-            </a:br>
-            <a:r>
-              <a:rPr lang="it-IT" dirty="0" smtClean="0"/>
-              <a:t/>
-            </a:r>
-            <a:br>
-              <a:rPr lang="it-IT" dirty="0" smtClean="0"/>
-            </a:br>
-            <a:r>
-              <a:rPr lang="it-IT" dirty="0" err="1" smtClean="0"/>
-              <a:t>Unsubscribe</a:t>
-            </a:r>
-            <a:endParaRPr lang="it-IT" dirty="0"/>
-          </a:p>
-        </p:txBody>
-      </p:sp>
-      <p:sp>
-        <p:nvSpPr>
-          <p:cNvPr id="5" name="Segnaposto testo 4"/>
+          <a:bodyPr/>
+          <a:lstStyle/>
+          <a:p>
+            <a:r>
+              <a:rPr lang="it-IT" dirty="0" err="1"/>
+              <a:t>Angular</a:t>
+            </a:r>
+            <a:r>
+              <a:rPr lang="it-IT" dirty="0"/>
+              <a:t> and </a:t>
+            </a:r>
+            <a:r>
+              <a:rPr lang="it-IT"/>
+              <a:t>RxJS</a:t>
+            </a:r>
+          </a:p>
+        </p:txBody>
+      </p:sp>
+      <p:sp>
+        <p:nvSpPr>
+          <p:cNvPr id="3" name="Segnaposto testo 2"/>
           <p:cNvSpPr>
             <a:spLocks noGrp="1"/>
           </p:cNvSpPr>
@@ -9249,50 +9177,20 @@
           <a:bodyPr/>
           <a:lstStyle/>
           <a:p>
-            <a:r>
-              <a:rPr lang="it-IT" dirty="0" smtClean="0"/>
-              <a:t>How to do </a:t>
-            </a:r>
-            <a:r>
-              <a:rPr lang="it-IT" dirty="0" err="1" smtClean="0"/>
-              <a:t>it!</a:t>
-            </a:r>
-            <a:endParaRPr lang="it-IT" dirty="0" smtClean="0"/>
-          </a:p>
-          <a:p>
-            <a:r>
-              <a:rPr lang="it-IT" dirty="0" err="1" smtClean="0"/>
-              <a:t>When</a:t>
-            </a:r>
-            <a:r>
-              <a:rPr lang="it-IT" dirty="0" smtClean="0"/>
-              <a:t> to do </a:t>
-            </a:r>
-            <a:r>
-              <a:rPr lang="it-IT" dirty="0" err="1" smtClean="0"/>
-              <a:t>it!</a:t>
-            </a:r>
-            <a:endParaRPr lang="it-IT" dirty="0"/>
+            <a:endParaRPr lang="it-IT"/>
           </a:p>
         </p:txBody>
       </p:sp>
     </p:spTree>
     <p:extLst>
       <p:ext uri="{BB962C8B-B14F-4D97-AF65-F5344CB8AC3E}">
-        <p14:creationId xmlns:p14="http://schemas.microsoft.com/office/powerpoint/2010/main" val="1383394712"/>
+        <p14:creationId xmlns:p14="http://schemas.microsoft.com/office/powerpoint/2010/main" val="2547851865"/>
       </p:ext>
     </p:extLst>
   </p:cSld>
   <p:clrMapOvr>
     <a:masterClrMapping/>
   </p:clrMapOvr>
-  <p:timing>
-    <p:tnLst>
-      <p:par>
-        <p:cTn id="1" dur="indefinite" restart="never" nodeType="tmRoot"/>
-      </p:par>
-    </p:tnLst>
-  </p:timing>
 </p:sld>
 </file>
 
@@ -9329,94 +9227,93 @@
           <a:lstStyle/>
           <a:p>
             <a:r>
-              <a:rPr lang="it-IT" dirty="0" err="1" smtClean="0"/>
+              <a:rPr lang="it-IT" dirty="0" err="1"/>
               <a:t>What</a:t>
             </a:r>
             <a:r>
-              <a:rPr lang="it-IT" dirty="0" smtClean="0"/>
+              <a:rPr lang="it-IT" dirty="0"/>
               <a:t> </a:t>
             </a:r>
             <a:r>
-              <a:rPr lang="it-IT" dirty="0" err="1" smtClean="0"/>
+              <a:rPr lang="it-IT" dirty="0" err="1"/>
               <a:t>is</a:t>
             </a:r>
             <a:r>
-              <a:rPr lang="it-IT" dirty="0" smtClean="0"/>
+              <a:rPr lang="it-IT" dirty="0"/>
               <a:t> </a:t>
             </a:r>
             <a:r>
-              <a:rPr lang="it-IT" dirty="0" err="1" smtClean="0"/>
+              <a:rPr lang="it-IT" dirty="0" err="1"/>
               <a:t>Reactive</a:t>
             </a:r>
             <a:r>
-              <a:rPr lang="it-IT" dirty="0" smtClean="0"/>
+              <a:rPr lang="it-IT" dirty="0"/>
               <a:t> Programming ?</a:t>
             </a:r>
+          </a:p>
+        </p:txBody>
+      </p:sp>
+      <p:sp>
+        <p:nvSpPr>
+          <p:cNvPr id="3" name="Segnaposto contenuto 2"/>
+          <p:cNvSpPr>
+            <a:spLocks noGrp="1"/>
+          </p:cNvSpPr>
+          <p:nvPr>
+            <p:ph idx="1"/>
+          </p:nvPr>
+        </p:nvSpPr>
+        <p:spPr/>
+        <p:txBody>
+          <a:bodyPr/>
+          <a:lstStyle/>
+          <a:p>
             <a:endParaRPr lang="it-IT" dirty="0"/>
           </a:p>
-        </p:txBody>
-      </p:sp>
-      <p:sp>
-        <p:nvSpPr>
-          <p:cNvPr id="3" name="Segnaposto contenuto 2"/>
-          <p:cNvSpPr>
-            <a:spLocks noGrp="1"/>
-          </p:cNvSpPr>
-          <p:nvPr>
-            <p:ph idx="1"/>
-          </p:nvPr>
-        </p:nvSpPr>
-        <p:spPr/>
-        <p:txBody>
-          <a:bodyPr/>
-          <a:lstStyle/>
-          <a:p>
-            <a:endParaRPr lang="it-IT" dirty="0" smtClean="0"/>
-          </a:p>
-          <a:p>
-            <a:r>
-              <a:rPr lang="it-IT" dirty="0" err="1" smtClean="0"/>
+          <a:p>
+            <a:r>
+              <a:rPr lang="it-IT" dirty="0" err="1"/>
               <a:t>Looking</a:t>
             </a:r>
             <a:r>
-              <a:rPr lang="it-IT" dirty="0" smtClean="0"/>
+              <a:rPr lang="it-IT" dirty="0"/>
               <a:t> for </a:t>
             </a:r>
             <a:r>
-              <a:rPr lang="it-IT" dirty="0" err="1" smtClean="0"/>
+              <a:rPr lang="it-IT" dirty="0" err="1"/>
               <a:t>Reactive</a:t>
             </a:r>
             <a:r>
-              <a:rPr lang="it-IT" dirty="0" smtClean="0"/>
+              <a:rPr lang="it-IT" dirty="0"/>
               <a:t> Programming in </a:t>
             </a:r>
             <a:r>
-              <a:rPr lang="it-IT" dirty="0" err="1" smtClean="0"/>
+              <a:rPr lang="it-IT" dirty="0" err="1"/>
               <a:t>your</a:t>
             </a:r>
             <a:r>
-              <a:rPr lang="it-IT" dirty="0" smtClean="0"/>
+              <a:rPr lang="it-IT" dirty="0"/>
               <a:t> favorite </a:t>
             </a:r>
             <a:r>
-              <a:rPr lang="it-IT" dirty="0" err="1" smtClean="0"/>
+              <a:rPr lang="it-IT" dirty="0" err="1"/>
               <a:t>search</a:t>
             </a:r>
             <a:r>
-              <a:rPr lang="it-IT" dirty="0" smtClean="0"/>
+              <a:rPr lang="it-IT" dirty="0"/>
               <a:t> </a:t>
             </a:r>
             <a:r>
-              <a:rPr lang="it-IT" dirty="0" err="1" smtClean="0"/>
+              <a:rPr lang="it-IT" dirty="0" err="1"/>
               <a:t>engine</a:t>
             </a:r>
             <a:r>
-              <a:rPr lang="it-IT" dirty="0" smtClean="0"/>
+              <a:rPr lang="it-IT" dirty="0"/>
               <a:t>:</a:t>
             </a:r>
           </a:p>
           <a:p>
-            <a:endParaRPr lang="it-IT" dirty="0" smtClean="0"/>
+            <a:endParaRPr lang="it-IT" dirty="0"/>
           </a:p>
           <a:p>
             <a:pPr>
@@ -9431,15 +9328,9 @@
               <a:rPr lang="it-IT" dirty="0">
                 <a:hlinkClick r:id="rId3"/>
               </a:rPr>
-              <a:t>https://</a:t>
-            </a:r>
-            <a:r>
-              <a:rPr lang="it-IT" dirty="0" smtClean="0">
-                <a:hlinkClick r:id="rId3"/>
-              </a:rPr>
-              <a:t>en.wikipedia.org/wiki/Reactive_programming</a:t>
-            </a:r>
-            <a:endParaRPr lang="it-IT" dirty="0" smtClean="0"/>
+              <a:t>https://en.wikipedia.org/wiki/Reactive_programming</a:t>
+            </a:r>
+            <a:endParaRPr lang="it-IT" dirty="0"/>
           </a:p>
           <a:p>
             <a:pPr>
@@ -9447,15 +9338,15 @@
               <a:buChar char="•"/>
             </a:pPr>
             <a:r>
-              <a:rPr lang="it-IT" dirty="0" err="1" smtClean="0"/>
+              <a:rPr lang="it-IT" dirty="0" err="1"/>
               <a:t>Stack</a:t>
             </a:r>
             <a:r>
-              <a:rPr lang="it-IT" dirty="0" smtClean="0"/>
+              <a:rPr lang="it-IT" dirty="0"/>
               <a:t> </a:t>
             </a:r>
             <a:r>
-              <a:rPr lang="it-IT" dirty="0" err="1" smtClean="0"/>
+              <a:rPr lang="it-IT" dirty="0" err="1"/>
               <a:t>Overflow</a:t>
             </a:r>
             <a:r>
@@ -9466,15 +9357,9 @@
               <a:rPr lang="it-IT" dirty="0">
                 <a:hlinkClick r:id="rId4"/>
               </a:rPr>
-              <a:t>https://</a:t>
-            </a:r>
-            <a:r>
-              <a:rPr lang="it-IT" dirty="0" smtClean="0">
-                <a:hlinkClick r:id="rId4"/>
-              </a:rPr>
-              <a:t>stackoverflow.com/questions/1028250/what-is-functional-reactive-programming</a:t>
-            </a:r>
-            <a:endParaRPr lang="it-IT" dirty="0" smtClean="0"/>
+              <a:t>https://stackoverflow.com/questions/1028250/what-is-functional-reactive-programming</a:t>
+            </a:r>
+            <a:endParaRPr lang="it-IT" dirty="0"/>
           </a:p>
           <a:p>
             <a:pPr>
@@ -9482,11 +9367,11 @@
               <a:buChar char="•"/>
             </a:pPr>
             <a:r>
-              <a:rPr lang="it-IT" dirty="0" smtClean="0"/>
+              <a:rPr lang="it-IT" dirty="0"/>
               <a:t>The </a:t>
             </a:r>
             <a:r>
-              <a:rPr lang="it-IT" dirty="0" err="1" smtClean="0"/>
+              <a:rPr lang="it-IT" dirty="0" err="1"/>
               <a:t>Reactive</a:t>
             </a:r>
             <a:r>
@@ -9497,21 +9382,15 @@
               <a:rPr lang="it-IT" dirty="0">
                 <a:hlinkClick r:id="rId5"/>
               </a:rPr>
-              <a:t>https://www.reactivemanifesto.org</a:t>
-            </a:r>
-            <a:r>
-              <a:rPr lang="it-IT" dirty="0" smtClean="0">
-                <a:hlinkClick r:id="rId5"/>
-              </a:rPr>
-              <a:t>/</a:t>
-            </a:r>
-            <a:endParaRPr lang="it-IT" dirty="0" smtClean="0"/>
-          </a:p>
-          <a:p>
-            <a:endParaRPr lang="it-IT" dirty="0" smtClean="0"/>
-          </a:p>
-          <a:p>
-            <a:endParaRPr lang="it-IT" dirty="0" smtClean="0"/>
+              <a:t>https://www.reactivemanifesto.org/</a:t>
+            </a:r>
+            <a:endParaRPr lang="it-IT" dirty="0"/>
+          </a:p>
+          <a:p>
+            <a:endParaRPr lang="it-IT" dirty="0"/>
+          </a:p>
+          <a:p>
+            <a:endParaRPr lang="it-IT" dirty="0"/>
           </a:p>
           <a:p>
             <a:endParaRPr lang="it-IT" dirty="0"/>
@@ -9745,7 +9624,7 @@
       </p:grpSpPr>
       <p:sp>
         <p:nvSpPr>
-          <p:cNvPr id="2" name="Titolo 1"/>
+          <p:cNvPr id="4" name="Titolo 3"/>
           <p:cNvSpPr>
             <a:spLocks noGrp="1"/>
           </p:cNvSpPr>
@@ -9759,104 +9638,17 @@
           <a:lstStyle/>
           <a:p>
             <a:r>
-              <a:rPr lang="it-IT" dirty="0" err="1" smtClean="0"/>
+              <a:rPr lang="it-IT" dirty="0" err="1"/>
               <a:t>Angular</a:t>
             </a:r>
             <a:r>
-              <a:rPr lang="it-IT" dirty="0" smtClean="0"/>
-              <a:t> and </a:t>
-            </a:r>
-            <a:r>
-              <a:rPr lang="it-IT" smtClean="0"/>
+              <a:rPr lang="it-IT" dirty="0"/>
+              <a:t> &amp; </a:t>
+            </a:r>
+            <a:r>
+              <a:rPr lang="it-IT" dirty="0" err="1"/>
               <a:t>RxJS</a:t>
             </a:r>
-            <a:endParaRPr lang="it-IT"/>
-          </a:p>
-        </p:txBody>
-      </p:sp>
-      <p:sp>
-        <p:nvSpPr>
-          <p:cNvPr id="3" name="Segnaposto testo 2"/>
-          <p:cNvSpPr>
-            <a:spLocks noGrp="1"/>
-          </p:cNvSpPr>
-          <p:nvPr>
-            <p:ph type="body" idx="1"/>
-          </p:nvPr>
-        </p:nvSpPr>
-        <p:spPr/>
-        <p:txBody>
-          <a:bodyPr/>
-          <a:lstStyle/>
-          <a:p>
-            <a:endParaRPr lang="it-IT"/>
-          </a:p>
-        </p:txBody>
-      </p:sp>
-    </p:spTree>
-    <p:extLst>
-      <p:ext uri="{BB962C8B-B14F-4D97-AF65-F5344CB8AC3E}">
-        <p14:creationId xmlns:p14="http://schemas.microsoft.com/office/powerpoint/2010/main" val="2547851865"/>
-      </p:ext>
-    </p:extLst>
-  </p:cSld>
-  <p:clrMapOvr>
-    <a:masterClrMapping/>
-  </p:clrMapOvr>
-  <p:timing>
-    <p:tnLst>
-      <p:par>
-        <p:cTn id="1" dur="indefinite" restart="never" nodeType="tmRoot"/>
-      </p:par>
-    </p:tnLst>
-  </p:timing>
-</p:sld>
-</file>
-
-<file path=ppt/slides/slide21.xml><?xml version="1.0" encoding="utf-8"?>
-<p:sld xmlns:a="http://schemas.openxmlformats.org/drawingml/2006/main" xmlns:r="http://schemas.openxmlformats.org/officeDocument/2006/relationships" xmlns:p="http://schemas.openxmlformats.org/presentationml/2006/main">
-  <p:cSld>
-    <p:spTree>
-      <p:nvGrpSpPr>
-        <p:cNvPr id="1" name=""/>
-        <p:cNvGrpSpPr/>
-        <p:nvPr/>
-      </p:nvGrpSpPr>
-      <p:grpSpPr>
-        <a:xfrm>
-          <a:off x="0" y="0"/>
-          <a:ext cx="0" cy="0"/>
-          <a:chOff x="0" y="0"/>
-          <a:chExt cx="0" cy="0"/>
-        </a:xfrm>
-      </p:grpSpPr>
-      <p:sp>
-        <p:nvSpPr>
-          <p:cNvPr id="4" name="Titolo 3"/>
-          <p:cNvSpPr>
-            <a:spLocks noGrp="1"/>
-          </p:cNvSpPr>
-          <p:nvPr>
-            <p:ph type="title"/>
-          </p:nvPr>
-        </p:nvSpPr>
-        <p:spPr/>
-        <p:txBody>
-          <a:bodyPr/>
-          <a:lstStyle/>
-          <a:p>
-            <a:r>
-              <a:rPr lang="it-IT" dirty="0" err="1" smtClean="0"/>
-              <a:t>Angular</a:t>
-            </a:r>
-            <a:r>
-              <a:rPr lang="it-IT" dirty="0" smtClean="0"/>
-              <a:t> &amp; </a:t>
-            </a:r>
-            <a:r>
-              <a:rPr lang="it-IT" dirty="0" err="1" smtClean="0"/>
-              <a:t>RxJS</a:t>
-            </a:r>
             <a:endParaRPr lang="it-IT" dirty="0"/>
           </a:p>
         </p:txBody>
@@ -9873,157 +9665,117 @@
         </p:nvSpPr>
         <p:spPr/>
         <p:txBody>
-          <a:bodyPr>
+          <a:bodyPr vert="horz" lIns="0" tIns="45720" rIns="0" bIns="45720" rtlCol="0" anchor="t">
             <a:noAutofit/>
           </a:bodyPr>
           <a:lstStyle/>
           <a:p>
-            <a:endParaRPr lang="it-IT" sz="2800" dirty="0" smtClean="0"/>
-          </a:p>
-          <a:p>
-            <a:r>
-              <a:rPr lang="it-IT" sz="2800" dirty="0" err="1" smtClean="0"/>
+            <a:endParaRPr lang="it-IT" sz="2800" dirty="0"/>
+          </a:p>
+          <a:p>
+            <a:r>
+              <a:rPr lang="it-IT" sz="2800" dirty="0" err="1"/>
               <a:t>Observables</a:t>
             </a:r>
             <a:r>
-              <a:rPr lang="it-IT" sz="2800" dirty="0" smtClean="0"/>
+              <a:rPr lang="it-IT" sz="2800" dirty="0"/>
               <a:t> are </a:t>
             </a:r>
             <a:r>
-              <a:rPr lang="it-IT" sz="2800" dirty="0" err="1" smtClean="0"/>
+              <a:rPr lang="it-IT" sz="2800" dirty="0" err="1"/>
               <a:t>widely</a:t>
             </a:r>
             <a:r>
-              <a:rPr lang="it-IT" sz="2800" dirty="0" smtClean="0"/>
+              <a:rPr lang="it-IT" sz="2800" dirty="0"/>
               <a:t> </a:t>
             </a:r>
             <a:r>
-              <a:rPr lang="it-IT" sz="2800" dirty="0" err="1" smtClean="0"/>
+              <a:rPr lang="it-IT" sz="2800" dirty="0" err="1"/>
               <a:t>used</a:t>
             </a:r>
             <a:r>
-              <a:rPr lang="it-IT" sz="2800" dirty="0" smtClean="0"/>
+              <a:rPr lang="it-IT" sz="2800" dirty="0"/>
               <a:t> in </a:t>
             </a:r>
             <a:r>
-              <a:rPr lang="it-IT" sz="2800" dirty="0" err="1" smtClean="0"/>
+              <a:rPr lang="it-IT" sz="2800" dirty="0" err="1"/>
               <a:t>Angular</a:t>
             </a:r>
             <a:r>
-              <a:rPr lang="it-IT" sz="2800" dirty="0" smtClean="0"/>
-              <a:t> and in state management </a:t>
-            </a:r>
-            <a:r>
-              <a:rPr lang="it-IT" sz="2800" dirty="0" err="1" smtClean="0"/>
-              <a:t>libraries</a:t>
-            </a:r>
-            <a:r>
-              <a:rPr lang="it-IT" sz="2800" dirty="0" smtClean="0"/>
+              <a:rPr lang="it-IT" sz="2800" dirty="0"/>
+              <a:t> and in state management libraries </a:t>
+            </a:r>
+            <a:r>
+              <a:rPr lang="it-IT" sz="2800" dirty="0" err="1"/>
+              <a:t>that</a:t>
+            </a:r>
+            <a:r>
+              <a:rPr lang="it-IT" sz="2800" dirty="0"/>
+              <a:t> follow the </a:t>
+            </a:r>
+            <a:r>
+              <a:rPr lang="it-IT" sz="2800" dirty="0" err="1"/>
+              <a:t>Redux</a:t>
+            </a:r>
+            <a:r>
+              <a:rPr lang="it-IT" sz="2800" dirty="0"/>
+              <a:t> pattern (like </a:t>
+            </a:r>
+            <a:r>
+              <a:rPr lang="it-IT" sz="2800" dirty="0" err="1"/>
+              <a:t>NgRx</a:t>
+            </a:r>
+            <a:r>
+              <a:rPr lang="it-IT" sz="2800" dirty="0"/>
+              <a:t>).</a:t>
+            </a:r>
+          </a:p>
+          <a:p>
+            <a:endParaRPr lang="it-IT" sz="2800" dirty="0"/>
+          </a:p>
+          <a:p>
+            <a:r>
+              <a:rPr lang="it-IT" sz="2800" dirty="0" err="1"/>
+              <a:t>Observables</a:t>
+            </a:r>
+            <a:r>
+              <a:rPr lang="it-IT" sz="2800" dirty="0"/>
+              <a:t> </a:t>
+            </a:r>
+            <a:r>
+              <a:rPr lang="it-IT" sz="2800" dirty="0" err="1"/>
+              <a:t>exposed</a:t>
+            </a:r>
+            <a:r>
+              <a:rPr lang="it-IT" sz="2800" dirty="0"/>
+              <a:t> by </a:t>
+            </a:r>
+            <a:r>
+              <a:rPr lang="it-IT" sz="2800" dirty="0" err="1"/>
+              <a:t>Angular</a:t>
+            </a:r>
+            <a:r>
+              <a:rPr lang="it-IT" sz="2800" dirty="0"/>
               <a:t> </a:t>
             </a:r>
             <a:r>
-              <a:rPr lang="it-IT" sz="2800" dirty="0" err="1" smtClean="0"/>
-              <a:t>that</a:t>
-            </a:r>
-            <a:r>
-              <a:rPr lang="it-IT" sz="2800" dirty="0" smtClean="0"/>
-              <a:t> </a:t>
-            </a:r>
-            <a:r>
-              <a:rPr lang="it-IT" sz="2800" dirty="0" err="1" smtClean="0"/>
-              <a:t>follow</a:t>
-            </a:r>
-            <a:r>
-              <a:rPr lang="it-IT" sz="2800" dirty="0" smtClean="0"/>
-              <a:t> the </a:t>
-            </a:r>
-            <a:r>
-              <a:rPr lang="it-IT" sz="2800" dirty="0" err="1" smtClean="0"/>
-              <a:t>Redux</a:t>
-            </a:r>
-            <a:r>
-              <a:rPr lang="it-IT" sz="2800" dirty="0" smtClean="0"/>
-              <a:t> pattern (</a:t>
-            </a:r>
-            <a:r>
-              <a:rPr lang="it-IT" sz="2800" dirty="0" err="1" smtClean="0"/>
-              <a:t>like</a:t>
-            </a:r>
-            <a:r>
-              <a:rPr lang="it-IT" sz="2800" dirty="0" smtClean="0"/>
-              <a:t> </a:t>
-            </a:r>
-            <a:r>
-              <a:rPr lang="it-IT" sz="2800" dirty="0" err="1" smtClean="0"/>
-              <a:t>NgRx</a:t>
-            </a:r>
-            <a:r>
-              <a:rPr lang="it-IT" sz="2800" dirty="0" smtClean="0"/>
-              <a:t>).</a:t>
-            </a:r>
-          </a:p>
-          <a:p>
-            <a:endParaRPr lang="it-IT" sz="2800" dirty="0" smtClean="0"/>
-          </a:p>
-          <a:p>
-            <a:r>
-              <a:rPr lang="it-IT" sz="2800" dirty="0" err="1" smtClean="0"/>
-              <a:t>Observables</a:t>
-            </a:r>
-            <a:r>
-              <a:rPr lang="it-IT" sz="2800" dirty="0" smtClean="0"/>
-              <a:t> </a:t>
-            </a:r>
-            <a:r>
-              <a:rPr lang="it-IT" sz="2800" dirty="0" err="1" smtClean="0"/>
-              <a:t>exposed</a:t>
-            </a:r>
-            <a:r>
-              <a:rPr lang="it-IT" sz="2800" dirty="0" smtClean="0"/>
-              <a:t> by </a:t>
-            </a:r>
-            <a:r>
-              <a:rPr lang="it-IT" sz="2800" dirty="0" err="1" smtClean="0"/>
-              <a:t>Angular</a:t>
-            </a:r>
-            <a:r>
-              <a:rPr lang="it-IT" sz="2800" dirty="0" smtClean="0"/>
-              <a:t> </a:t>
-            </a:r>
-            <a:r>
-              <a:rPr lang="it-IT" sz="2800" dirty="0" err="1" smtClean="0"/>
+              <a:rPr lang="it-IT" sz="2800" dirty="0" err="1"/>
               <a:t>built</a:t>
             </a:r>
             <a:r>
-              <a:rPr lang="it-IT" sz="2800" dirty="0" smtClean="0"/>
-              <a:t>-in </a:t>
-            </a:r>
-            <a:r>
-              <a:rPr lang="it-IT" sz="2800" dirty="0" err="1" smtClean="0"/>
-              <a:t>services</a:t>
-            </a:r>
-            <a:r>
-              <a:rPr lang="it-IT" sz="2800" dirty="0" smtClean="0"/>
-              <a:t> (</a:t>
-            </a:r>
-            <a:r>
-              <a:rPr lang="it-IT" sz="2800" dirty="0" err="1" smtClean="0"/>
-              <a:t>like</a:t>
-            </a:r>
-            <a:r>
-              <a:rPr lang="it-IT" sz="2800" dirty="0" smtClean="0"/>
-              <a:t> </a:t>
-            </a:r>
-            <a:r>
-              <a:rPr lang="it-IT" sz="2800" dirty="0" err="1" smtClean="0"/>
+              <a:rPr lang="it-IT" sz="2800" dirty="0"/>
+              <a:t>-in services (like </a:t>
+            </a:r>
+            <a:r>
+              <a:rPr lang="it-IT" sz="2800" dirty="0" err="1"/>
               <a:t>HttpModule</a:t>
             </a:r>
             <a:r>
-              <a:rPr lang="it-IT" sz="2800" dirty="0" smtClean="0"/>
+              <a:rPr lang="it-IT" sz="2800" dirty="0"/>
               <a:t>) are </a:t>
             </a:r>
             <a:r>
-              <a:rPr lang="it-IT" sz="2800" b="1" dirty="0" err="1" smtClean="0">
+              <a:rPr lang="it-IT" sz="2800" b="1" dirty="0" err="1">
                 <a:solidFill>
                   <a:srgbClr val="0070C0"/>
                 </a:solidFill>
@@ -10031,47 +9783,47 @@
               <a:t>Unicast</a:t>
             </a:r>
             <a:r>
-              <a:rPr lang="it-IT" sz="2800" dirty="0" smtClean="0"/>
+              <a:rPr lang="it-IT" sz="2800" dirty="0"/>
               <a:t>, so </a:t>
             </a:r>
             <a:r>
-              <a:rPr lang="it-IT" sz="2800" dirty="0" err="1" smtClean="0"/>
+              <a:rPr lang="it-IT" sz="2800" dirty="0" err="1"/>
               <a:t>they</a:t>
             </a:r>
             <a:r>
-              <a:rPr lang="it-IT" sz="2800" dirty="0" smtClean="0"/>
+              <a:rPr lang="it-IT" sz="2800" dirty="0"/>
               <a:t> are </a:t>
             </a:r>
             <a:r>
-              <a:rPr lang="it-IT" sz="2800" dirty="0" err="1" smtClean="0"/>
+              <a:rPr lang="it-IT" sz="2800" dirty="0" err="1"/>
               <a:t>not</a:t>
             </a:r>
             <a:r>
-              <a:rPr lang="it-IT" sz="2800" dirty="0" smtClean="0"/>
+              <a:rPr lang="it-IT" sz="2800" dirty="0"/>
               <a:t> </a:t>
             </a:r>
             <a:r>
-              <a:rPr lang="it-IT" sz="2800" dirty="0" err="1" smtClean="0"/>
+              <a:rPr lang="it-IT" sz="2800" dirty="0" err="1"/>
               <a:t>shared</a:t>
             </a:r>
             <a:r>
-              <a:rPr lang="it-IT" sz="2800" dirty="0" smtClean="0"/>
+              <a:rPr lang="it-IT" sz="2800" dirty="0"/>
               <a:t> </a:t>
             </a:r>
             <a:r>
-              <a:rPr lang="it-IT" sz="2800" dirty="0" err="1" smtClean="0"/>
+              <a:rPr lang="it-IT" sz="2800" dirty="0" err="1"/>
               <a:t>between</a:t>
             </a:r>
             <a:r>
-              <a:rPr lang="it-IT" sz="2800" dirty="0" smtClean="0"/>
+              <a:rPr lang="it-IT" sz="2800" dirty="0"/>
               <a:t> </a:t>
             </a:r>
             <a:r>
-              <a:rPr lang="it-IT" sz="2800" dirty="0" err="1" smtClean="0"/>
+              <a:rPr lang="it-IT" sz="2800" dirty="0" err="1"/>
               <a:t>subscriptions</a:t>
             </a:r>
             <a:r>
-              <a:rPr lang="it-IT" sz="2800" dirty="0" smtClean="0"/>
+              <a:rPr lang="it-IT" sz="2800" dirty="0"/>
               <a:t>.</a:t>
             </a:r>
           </a:p>
@@ -10236,7 +9988,7 @@
 </p:sld>
 </file>
 
-<file path=ppt/slides/slide22.xml><?xml version="1.0" encoding="utf-8"?>
+<file path=ppt/slides/slide21.xml><?xml version="1.0" encoding="utf-8"?>
 <p:sld xmlns:a="http://schemas.openxmlformats.org/drawingml/2006/main" xmlns:r="http://schemas.openxmlformats.org/officeDocument/2006/relationships" xmlns:p="http://schemas.openxmlformats.org/presentationml/2006/main">
   <p:cSld>
     <p:spTree>
@@ -10269,15 +10021,15 @@
           <a:lstStyle/>
           <a:p>
             <a:r>
-              <a:rPr lang="it-IT" dirty="0" err="1" smtClean="0"/>
+              <a:rPr lang="it-IT" dirty="0" err="1"/>
               <a:t>Consuming</a:t>
             </a:r>
             <a:r>
-              <a:rPr lang="it-IT" dirty="0" smtClean="0"/>
+              <a:rPr lang="it-IT" dirty="0"/>
               <a:t> </a:t>
             </a:r>
             <a:r>
-              <a:rPr lang="it-IT" dirty="0" err="1" smtClean="0"/>
+              <a:rPr lang="it-IT" dirty="0" err="1"/>
               <a:t>Observables</a:t>
             </a:r>
             <a:endParaRPr lang="it-IT" dirty="0"/>
@@ -10299,40 +10051,40 @@
           <a:bodyPr/>
           <a:lstStyle/>
           <a:p>
-            <a:endParaRPr lang="it-IT" dirty="0" smtClean="0"/>
-          </a:p>
-          <a:p>
-            <a:r>
-              <a:rPr lang="it-IT" sz="2800" dirty="0" smtClean="0"/>
+            <a:endParaRPr lang="it-IT" dirty="0"/>
+          </a:p>
+          <a:p>
+            <a:r>
+              <a:rPr lang="it-IT" sz="2800" dirty="0"/>
               <a:t>To </a:t>
             </a:r>
             <a:r>
-              <a:rPr lang="it-IT" sz="2800" dirty="0" err="1" smtClean="0"/>
+              <a:rPr lang="it-IT" sz="2800" dirty="0" err="1"/>
               <a:t>consume</a:t>
             </a:r>
             <a:r>
-              <a:rPr lang="it-IT" sz="2800" dirty="0" smtClean="0"/>
+              <a:rPr lang="it-IT" sz="2800" dirty="0"/>
               <a:t> </a:t>
             </a:r>
             <a:r>
-              <a:rPr lang="it-IT" sz="2800" dirty="0" err="1" smtClean="0"/>
+              <a:rPr lang="it-IT" sz="2800" dirty="0" err="1"/>
               <a:t>Observables</a:t>
             </a:r>
             <a:r>
-              <a:rPr lang="it-IT" sz="2800" dirty="0" smtClean="0"/>
+              <a:rPr lang="it-IT" sz="2800" dirty="0"/>
               <a:t> </a:t>
             </a:r>
             <a:r>
-              <a:rPr lang="it-IT" sz="2800" dirty="0" err="1" smtClean="0"/>
+              <a:rPr lang="it-IT" sz="2800" dirty="0" err="1"/>
               <a:t>you</a:t>
             </a:r>
             <a:r>
-              <a:rPr lang="it-IT" sz="2800" dirty="0" smtClean="0"/>
+              <a:rPr lang="it-IT" sz="2800" dirty="0"/>
               <a:t> can:</a:t>
             </a:r>
           </a:p>
           <a:p>
-            <a:endParaRPr lang="it-IT" sz="2800" dirty="0" smtClean="0"/>
+            <a:endParaRPr lang="it-IT" sz="2800" dirty="0"/>
           </a:p>
           <a:p>
             <a:pPr>
@@ -10340,7 +10092,7 @@
               <a:buChar char="•"/>
             </a:pPr>
             <a:r>
-              <a:rPr lang="it-IT" sz="2800" b="1" dirty="0" err="1" smtClean="0">
+              <a:rPr lang="it-IT" sz="2800" b="1" dirty="0" err="1">
                 <a:solidFill>
                   <a:srgbClr val="0070C0"/>
                 </a:solidFill>
@@ -10348,7 +10100,7 @@
               <a:t>Explicitly</a:t>
             </a:r>
             <a:r>
-              <a:rPr lang="it-IT" sz="2800" b="1" dirty="0" smtClean="0">
+              <a:rPr lang="it-IT" sz="2800" b="1" dirty="0">
                 <a:solidFill>
                   <a:srgbClr val="0070C0"/>
                 </a:solidFill>
@@ -10356,7 +10108,7 @@
               <a:t> </a:t>
             </a:r>
             <a:r>
-              <a:rPr lang="it-IT" sz="2800" b="1" dirty="0" err="1" smtClean="0">
+              <a:rPr lang="it-IT" sz="2800" b="1" dirty="0" err="1">
                 <a:solidFill>
                   <a:srgbClr val="0070C0"/>
                 </a:solidFill>
@@ -10364,7 +10116,7 @@
               <a:t>subscribe</a:t>
             </a:r>
             <a:r>
-              <a:rPr lang="it-IT" sz="2800" b="1" dirty="0" smtClean="0">
+              <a:rPr lang="it-IT" sz="2800" b="1" dirty="0">
                 <a:solidFill>
                   <a:srgbClr val="0070C0"/>
                 </a:solidFill>
@@ -10372,31 +10124,31 @@
               <a:t> </a:t>
             </a:r>
             <a:r>
-              <a:rPr lang="it-IT" sz="2800" dirty="0" smtClean="0"/>
+              <a:rPr lang="it-IT" sz="2800" dirty="0"/>
               <a:t>and </a:t>
             </a:r>
             <a:r>
-              <a:rPr lang="it-IT" sz="2800" dirty="0" err="1" smtClean="0"/>
+              <a:rPr lang="it-IT" sz="2800" dirty="0" err="1"/>
               <a:t>assign</a:t>
             </a:r>
             <a:r>
-              <a:rPr lang="it-IT" sz="2800" dirty="0" smtClean="0"/>
+              <a:rPr lang="it-IT" sz="2800" dirty="0"/>
               <a:t> the data to public </a:t>
             </a:r>
             <a:r>
-              <a:rPr lang="it-IT" sz="2800" dirty="0" err="1" smtClean="0"/>
+              <a:rPr lang="it-IT" sz="2800" dirty="0" err="1"/>
               <a:t>properties</a:t>
             </a:r>
             <a:r>
-              <a:rPr lang="it-IT" sz="2800" dirty="0" smtClean="0"/>
+              <a:rPr lang="it-IT" sz="2800" dirty="0"/>
               <a:t> of the </a:t>
             </a:r>
             <a:r>
-              <a:rPr lang="it-IT" sz="2800" dirty="0" err="1" smtClean="0"/>
+              <a:rPr lang="it-IT" sz="2800" dirty="0" err="1"/>
               <a:t>components</a:t>
             </a:r>
             <a:r>
-              <a:rPr lang="it-IT" sz="2800" dirty="0" smtClean="0"/>
+              <a:rPr lang="it-IT" sz="2800" dirty="0"/>
               <a:t>.</a:t>
             </a:r>
           </a:p>
@@ -10413,19 +10165,19 @@
               <a:buChar char="•"/>
             </a:pPr>
             <a:r>
-              <a:rPr lang="it-IT" sz="2800" dirty="0" smtClean="0"/>
+              <a:rPr lang="it-IT" sz="2800" dirty="0"/>
               <a:t>(</a:t>
             </a:r>
             <a:r>
-              <a:rPr lang="it-IT" sz="2800" dirty="0" err="1" smtClean="0"/>
+              <a:rPr lang="it-IT" sz="2800" dirty="0" err="1"/>
               <a:t>Recommended</a:t>
             </a:r>
             <a:r>
-              <a:rPr lang="it-IT" sz="2800" dirty="0" smtClean="0"/>
+              <a:rPr lang="it-IT" sz="2800" dirty="0"/>
               <a:t> way) use </a:t>
             </a:r>
             <a:r>
-              <a:rPr lang="it-IT" sz="2800" b="1" dirty="0" err="1" smtClean="0">
+              <a:rPr lang="it-IT" sz="2800" b="1" dirty="0" err="1">
                 <a:solidFill>
                   <a:srgbClr val="0070C0"/>
                 </a:solidFill>
@@ -10433,7 +10185,7 @@
               <a:t>AsyncPipe</a:t>
             </a:r>
             <a:r>
-              <a:rPr lang="it-IT" sz="2800" dirty="0" smtClean="0">
+              <a:rPr lang="it-IT" sz="2800" dirty="0">
                 <a:solidFill>
                   <a:srgbClr val="0070C0"/>
                 </a:solidFill>
@@ -10441,23 +10193,23 @@
               <a:t> </a:t>
             </a:r>
             <a:r>
-              <a:rPr lang="it-IT" sz="2800" dirty="0" smtClean="0"/>
+              <a:rPr lang="it-IT" sz="2800" dirty="0"/>
               <a:t>to </a:t>
             </a:r>
             <a:r>
-              <a:rPr lang="it-IT" sz="2800" dirty="0" err="1" smtClean="0"/>
+              <a:rPr lang="it-IT" sz="2800" dirty="0" err="1"/>
               <a:t>bind</a:t>
             </a:r>
             <a:r>
-              <a:rPr lang="it-IT" sz="2800" dirty="0" smtClean="0"/>
+              <a:rPr lang="it-IT" sz="2800" dirty="0"/>
               <a:t> an </a:t>
             </a:r>
             <a:r>
-              <a:rPr lang="it-IT" sz="2800" dirty="0" err="1" smtClean="0"/>
+              <a:rPr lang="it-IT" sz="2800" dirty="0" err="1"/>
               <a:t>Observable</a:t>
             </a:r>
             <a:r>
-              <a:rPr lang="it-IT" sz="2800" dirty="0" smtClean="0"/>
+              <a:rPr lang="it-IT" sz="2800" dirty="0"/>
               <a:t> to the UI.</a:t>
             </a:r>
           </a:p>
@@ -10628,6 +10380,134 @@
 </p:sld>
 </file>
 
+<file path=ppt/slides/slide22.xml><?xml version="1.0" encoding="utf-8"?>
+<p:sld xmlns:a="http://schemas.openxmlformats.org/drawingml/2006/main" xmlns:r="http://schemas.openxmlformats.org/officeDocument/2006/relationships" xmlns:p="http://schemas.openxmlformats.org/presentationml/2006/main">
+  <p:cSld>
+    <p:spTree>
+      <p:nvGrpSpPr>
+        <p:cNvPr id="1" name=""/>
+        <p:cNvGrpSpPr/>
+        <p:nvPr/>
+      </p:nvGrpSpPr>
+      <p:grpSpPr>
+        <a:xfrm>
+          <a:off x="0" y="0"/>
+          <a:ext cx="0" cy="0"/>
+          <a:chOff x="0" y="0"/>
+          <a:chExt cx="0" cy="0"/>
+        </a:xfrm>
+      </p:grpSpPr>
+      <p:sp>
+        <p:nvSpPr>
+          <p:cNvPr id="4" name="Titolo 3"/>
+          <p:cNvSpPr>
+            <a:spLocks noGrp="1"/>
+          </p:cNvSpPr>
+          <p:nvPr>
+            <p:ph type="title"/>
+          </p:nvPr>
+        </p:nvSpPr>
+        <p:spPr/>
+        <p:txBody>
+          <a:bodyPr>
+            <a:normAutofit fontScale="90000"/>
+          </a:bodyPr>
+          <a:lstStyle/>
+          <a:p>
+            <a:r>
+              <a:rPr lang="it-IT" sz="6000" dirty="0"/>
+              <a:t>Demo 01</a:t>
+            </a:r>
+            <a:br>
+              <a:rPr lang="it-IT" sz="6000" dirty="0"/>
+            </a:br>
+            <a:br>
+              <a:rPr lang="it-IT" dirty="0"/>
+            </a:br>
+            <a:r>
+              <a:rPr lang="it-IT" dirty="0" err="1"/>
+              <a:t>Unicast</a:t>
+            </a:r>
+            <a:r>
+              <a:rPr lang="it-IT" dirty="0"/>
+              <a:t> / </a:t>
+            </a:r>
+            <a:r>
+              <a:rPr lang="it-IT" dirty="0" err="1"/>
+              <a:t>Cold</a:t>
+            </a:r>
+            <a:r>
+              <a:rPr lang="it-IT" dirty="0"/>
+              <a:t> </a:t>
+            </a:r>
+            <a:r>
+              <a:rPr lang="it-IT" dirty="0" err="1"/>
+              <a:t>Observables</a:t>
+            </a:r>
+            <a:endParaRPr lang="it-IT" dirty="0"/>
+          </a:p>
+        </p:txBody>
+      </p:sp>
+      <p:sp>
+        <p:nvSpPr>
+          <p:cNvPr id="5" name="Segnaposto testo 4"/>
+          <p:cNvSpPr>
+            <a:spLocks noGrp="1"/>
+          </p:cNvSpPr>
+          <p:nvPr>
+            <p:ph type="body" idx="1"/>
+          </p:nvPr>
+        </p:nvSpPr>
+        <p:spPr/>
+        <p:txBody>
+          <a:bodyPr/>
+          <a:lstStyle/>
+          <a:p>
+            <a:r>
+              <a:rPr lang="it-IT" dirty="0" err="1"/>
+              <a:t>Beware</a:t>
+            </a:r>
+            <a:r>
+              <a:rPr lang="it-IT" dirty="0"/>
+              <a:t> of </a:t>
+            </a:r>
+            <a:r>
+              <a:rPr lang="it-IT" dirty="0" err="1"/>
+              <a:t>unicast</a:t>
+            </a:r>
+            <a:r>
+              <a:rPr lang="it-IT" dirty="0"/>
+              <a:t> </a:t>
+            </a:r>
+            <a:r>
+              <a:rPr lang="it-IT" dirty="0" err="1"/>
+              <a:t>observables</a:t>
+            </a:r>
+            <a:r>
+              <a:rPr lang="it-IT" dirty="0"/>
+              <a:t> and multiple </a:t>
+            </a:r>
+            <a:r>
+              <a:rPr lang="it-IT" dirty="0" err="1"/>
+              <a:t>subscriptions</a:t>
+            </a:r>
+            <a:endParaRPr lang="it-IT" dirty="0"/>
+          </a:p>
+        </p:txBody>
+      </p:sp>
+    </p:spTree>
+    <p:extLst>
+      <p:ext uri="{BB962C8B-B14F-4D97-AF65-F5344CB8AC3E}">
+        <p14:creationId xmlns:p14="http://schemas.microsoft.com/office/powerpoint/2010/main" val="2237372139"/>
+      </p:ext>
+    </p:extLst>
+  </p:cSld>
+  <p:clrMapOvr>
+    <a:masterClrMapping/>
+  </p:clrMapOvr>
+</p:sld>
+</file>
+
 <file path=ppt/slides/slide23.xml><?xml version="1.0" encoding="utf-8"?>
 <p:sld xmlns:a="http://schemas.openxmlformats.org/drawingml/2006/main" xmlns:r="http://schemas.openxmlformats.org/officeDocument/2006/relationships" xmlns:p="http://schemas.openxmlformats.org/presentationml/2006/main">
   <p:cSld>
@@ -10658,112 +10538,153 @@
         <p:spPr/>
         <p:txBody>
           <a:bodyPr>
-            <a:normAutofit fontScale="90000"/>
+            <a:normAutofit/>
           </a:bodyPr>
           <a:lstStyle/>
           <a:p>
             <a:r>
-              <a:rPr lang="it-IT" sz="6000" dirty="0" smtClean="0"/>
-              <a:t>Demo 01</a:t>
+              <a:rPr lang="it-IT" sz="6000" dirty="0"/>
+              <a:t>Demo 02</a:t>
             </a:r>
             <a:br>
-              <a:rPr lang="it-IT" sz="6000" dirty="0" smtClean="0"/>
+              <a:rPr lang="it-IT" sz="6000" dirty="0"/>
             </a:br>
-            <a:r>
-              <a:rPr lang="it-IT" dirty="0" smtClean="0"/>
-              <a:t/>
-            </a:r>
             <a:br>
-              <a:rPr lang="it-IT" dirty="0" smtClean="0"/>
+              <a:rPr lang="it-IT" dirty="0"/>
             </a:br>
             <a:r>
-              <a:rPr lang="it-IT" dirty="0" err="1" smtClean="0"/>
-              <a:t>Unicast</a:t>
-            </a:r>
-            <a:r>
-              <a:rPr lang="it-IT" dirty="0" smtClean="0"/>
-              <a:t> / </a:t>
-            </a:r>
-            <a:r>
-              <a:rPr lang="it-IT" dirty="0" err="1" smtClean="0"/>
-              <a:t>Cold</a:t>
-            </a:r>
-            <a:r>
-              <a:rPr lang="it-IT" dirty="0" smtClean="0"/>
+              <a:rPr lang="it-IT" dirty="0"/>
+              <a:t>.</a:t>
+            </a:r>
+            <a:r>
+              <a:rPr lang="it-IT" dirty="0" err="1"/>
+              <a:t>toPromise</a:t>
+            </a:r>
+            <a:r>
+              <a:rPr lang="it-IT" dirty="0"/>
+              <a:t>()</a:t>
+            </a:r>
+          </a:p>
+        </p:txBody>
+      </p:sp>
+      <p:sp>
+        <p:nvSpPr>
+          <p:cNvPr id="5" name="Segnaposto testo 4"/>
+          <p:cNvSpPr>
+            <a:spLocks noGrp="1"/>
+          </p:cNvSpPr>
+          <p:nvPr>
+            <p:ph type="body" idx="1"/>
+          </p:nvPr>
+        </p:nvSpPr>
+        <p:spPr/>
+        <p:txBody>
+          <a:bodyPr>
+            <a:normAutofit fontScale="92500" lnSpcReduction="10000"/>
+          </a:bodyPr>
+          <a:lstStyle/>
+          <a:p>
+            <a:r>
+              <a:rPr lang="it-IT" dirty="0"/>
+              <a:t>Go back to </a:t>
+            </a:r>
+            <a:r>
+              <a:rPr lang="it-IT" dirty="0" err="1"/>
+              <a:t>promises</a:t>
+            </a:r>
+            <a:r>
+              <a:rPr lang="it-IT" dirty="0"/>
+              <a:t> to mitigate the multiple </a:t>
+            </a:r>
+            <a:r>
+              <a:rPr lang="it-IT" dirty="0" err="1"/>
+              <a:t>execution</a:t>
+            </a:r>
+            <a:r>
+              <a:rPr lang="it-IT" dirty="0"/>
               <a:t> </a:t>
             </a:r>
             <a:r>
-              <a:rPr lang="it-IT" dirty="0" err="1" smtClean="0"/>
-              <a:t>Observables</a:t>
-            </a:r>
-            <a:endParaRPr lang="it-IT" dirty="0"/>
-          </a:p>
-        </p:txBody>
-      </p:sp>
-      <p:sp>
-        <p:nvSpPr>
-          <p:cNvPr id="5" name="Segnaposto testo 4"/>
-          <p:cNvSpPr>
-            <a:spLocks noGrp="1"/>
-          </p:cNvSpPr>
-          <p:nvPr>
-            <p:ph type="body" idx="1"/>
-          </p:nvPr>
-        </p:nvSpPr>
-        <p:spPr/>
-        <p:txBody>
-          <a:bodyPr/>
-          <a:lstStyle/>
-          <a:p>
-            <a:r>
-              <a:rPr lang="it-IT" dirty="0" err="1" smtClean="0"/>
-              <a:t>Beware</a:t>
-            </a:r>
-            <a:r>
-              <a:rPr lang="it-IT" dirty="0" smtClean="0"/>
-              <a:t> of </a:t>
-            </a:r>
-            <a:r>
-              <a:rPr lang="it-IT" dirty="0" err="1" smtClean="0"/>
-              <a:t>unicast</a:t>
-            </a:r>
-            <a:r>
-              <a:rPr lang="it-IT" dirty="0" smtClean="0"/>
+              <a:rPr lang="it-IT" dirty="0" err="1"/>
+              <a:t>problem</a:t>
+            </a:r>
+            <a:r>
+              <a:rPr lang="it-IT" dirty="0"/>
+              <a:t> (</a:t>
+            </a:r>
+            <a:r>
+              <a:rPr lang="it-IT" dirty="0" err="1"/>
+              <a:t>also</a:t>
+            </a:r>
+            <a:r>
+              <a:rPr lang="it-IT" dirty="0"/>
               <a:t> </a:t>
             </a:r>
             <a:r>
-              <a:rPr lang="it-IT" dirty="0" err="1" smtClean="0"/>
-              <a:t>observables</a:t>
-            </a:r>
-            <a:r>
-              <a:rPr lang="it-IT" dirty="0" smtClean="0"/>
-              <a:t> and multiple </a:t>
-            </a:r>
-            <a:r>
-              <a:rPr lang="it-IT" dirty="0" err="1" smtClean="0"/>
-              <a:t>subscriptions</a:t>
-            </a:r>
-            <a:endParaRPr lang="it-IT" dirty="0"/>
+              <a:rPr lang="it-IT" dirty="0" err="1"/>
+              <a:t>promises</a:t>
+            </a:r>
+            <a:r>
+              <a:rPr lang="it-IT" dirty="0"/>
+              <a:t> are </a:t>
+            </a:r>
+            <a:r>
+              <a:rPr lang="it-IT" dirty="0" err="1"/>
+              <a:t>awaitable</a:t>
+            </a:r>
+            <a:r>
+              <a:rPr lang="it-IT" dirty="0"/>
+              <a:t> </a:t>
+            </a:r>
+            <a:r>
+              <a:rPr lang="it-IT" dirty="0">
+                <a:sym typeface="Wingdings" panose="05000000000000000000" pitchFamily="2" charset="2"/>
+              </a:rPr>
+              <a:t> )</a:t>
+            </a:r>
+            <a:r>
+              <a:rPr lang="it-IT" dirty="0"/>
+              <a:t>.</a:t>
+            </a:r>
+          </a:p>
+          <a:p>
+            <a:r>
+              <a:rPr lang="it-IT" dirty="0" err="1"/>
+              <a:t>but</a:t>
+            </a:r>
+            <a:r>
+              <a:rPr lang="it-IT" dirty="0"/>
+              <a:t> </a:t>
+            </a:r>
+            <a:r>
+              <a:rPr lang="it-IT" dirty="0" err="1"/>
+              <a:t>there</a:t>
+            </a:r>
+            <a:r>
+              <a:rPr lang="it-IT" dirty="0"/>
+              <a:t> are </a:t>
+            </a:r>
+            <a:r>
+              <a:rPr lang="it-IT" dirty="0" err="1"/>
+              <a:t>drawbacks</a:t>
+            </a:r>
+            <a:r>
+              <a:rPr lang="it-IT" dirty="0"/>
+              <a:t>…</a:t>
+            </a:r>
           </a:p>
         </p:txBody>
       </p:sp>
     </p:spTree>
     <p:extLst>
       <p:ext uri="{BB962C8B-B14F-4D97-AF65-F5344CB8AC3E}">
-        <p14:creationId xmlns:p14="http://schemas.microsoft.com/office/powerpoint/2010/main" val="2237372139"/>
+        <p14:creationId xmlns:p14="http://schemas.microsoft.com/office/powerpoint/2010/main" val="2770691382"/>
       </p:ext>
     </p:extLst>
   </p:cSld>
   <p:clrMapOvr>
     <a:masterClrMapping/>
   </p:clrMapOvr>
-  <p:timing>
-    <p:tnLst>
-      <p:par>
-        <p:cTn id="1" dur="indefinite" restart="never" nodeType="tmRoot"/>
-      </p:par>
-    </p:tnLst>
-  </p:timing>
 </p:sld>
 </file>
 
@@ -10802,161 +10723,90 @@
           <a:lstStyle/>
           <a:p>
             <a:r>
-              <a:rPr lang="it-IT" sz="6000" dirty="0" smtClean="0"/>
-              <a:t>Demo 02</a:t>
+              <a:rPr lang="it-IT" sz="6000" dirty="0"/>
+              <a:t>Demo 03</a:t>
             </a:r>
             <a:br>
-              <a:rPr lang="it-IT" sz="6000" dirty="0" smtClean="0"/>
+              <a:rPr lang="it-IT" sz="6000" dirty="0"/>
             </a:br>
-            <a:r>
-              <a:rPr lang="it-IT" dirty="0" smtClean="0"/>
-              <a:t/>
-            </a:r>
             <a:br>
-              <a:rPr lang="it-IT" dirty="0" smtClean="0"/>
+              <a:rPr lang="it-IT" dirty="0"/>
             </a:br>
             <a:r>
-              <a:rPr lang="it-IT" dirty="0" smtClean="0"/>
-              <a:t>.</a:t>
-            </a:r>
-            <a:r>
-              <a:rPr lang="it-IT" dirty="0" err="1" smtClean="0"/>
-              <a:t>toPromise</a:t>
-            </a:r>
-            <a:r>
-              <a:rPr lang="it-IT" dirty="0" smtClean="0"/>
+              <a:rPr lang="it-IT" dirty="0"/>
+              <a:t>Multicast</a:t>
+            </a:r>
+          </a:p>
+        </p:txBody>
+      </p:sp>
+      <p:sp>
+        <p:nvSpPr>
+          <p:cNvPr id="5" name="Segnaposto testo 4"/>
+          <p:cNvSpPr>
+            <a:spLocks noGrp="1"/>
+          </p:cNvSpPr>
+          <p:nvPr>
+            <p:ph type="body" idx="1"/>
+          </p:nvPr>
+        </p:nvSpPr>
+        <p:spPr/>
+        <p:txBody>
+          <a:bodyPr/>
+          <a:lstStyle/>
+          <a:p>
+            <a:r>
+              <a:rPr lang="it-IT" dirty="0" err="1"/>
+              <a:t>Make</a:t>
+            </a:r>
+            <a:r>
+              <a:rPr lang="it-IT" dirty="0"/>
+              <a:t> </a:t>
+            </a:r>
+            <a:r>
+              <a:rPr lang="it-IT" dirty="0" err="1"/>
+              <a:t>it</a:t>
+            </a:r>
+            <a:r>
+              <a:rPr lang="it-IT" dirty="0"/>
+              <a:t> </a:t>
+            </a:r>
+            <a:r>
+              <a:rPr lang="it-IT" dirty="0" err="1"/>
+              <a:t>multicast</a:t>
+            </a:r>
+            <a:r>
+              <a:rPr lang="it-IT" dirty="0"/>
+              <a:t>: </a:t>
+            </a:r>
+            <a:r>
+              <a:rPr lang="it-IT" dirty="0" err="1"/>
+              <a:t>publish</a:t>
+            </a:r>
+            <a:r>
+              <a:rPr lang="it-IT" dirty="0"/>
+              <a:t>(), share(), </a:t>
+            </a:r>
+            <a:r>
+              <a:rPr lang="it-IT" dirty="0" err="1"/>
+              <a:t>sharereplay</a:t>
+            </a:r>
+            <a:r>
+              <a:rPr lang="it-IT" dirty="0"/>
               <a:t>()</a:t>
             </a:r>
-            <a:endParaRPr lang="it-IT" dirty="0"/>
-          </a:p>
-        </p:txBody>
-      </p:sp>
-      <p:sp>
-        <p:nvSpPr>
-          <p:cNvPr id="5" name="Segnaposto testo 4"/>
-          <p:cNvSpPr>
-            <a:spLocks noGrp="1"/>
-          </p:cNvSpPr>
-          <p:nvPr>
-            <p:ph type="body" idx="1"/>
-          </p:nvPr>
-        </p:nvSpPr>
-        <p:spPr/>
-        <p:txBody>
-          <a:bodyPr>
-            <a:normAutofit fontScale="92500" lnSpcReduction="10000"/>
-          </a:bodyPr>
-          <a:lstStyle/>
-          <a:p>
-            <a:r>
-              <a:rPr lang="it-IT" dirty="0" smtClean="0"/>
-              <a:t>Go back to </a:t>
-            </a:r>
-            <a:r>
-              <a:rPr lang="it-IT" dirty="0" err="1" smtClean="0"/>
-              <a:t>promises</a:t>
-            </a:r>
-            <a:r>
-              <a:rPr lang="it-IT" dirty="0" smtClean="0"/>
-              <a:t> to mitigate the multiple </a:t>
-            </a:r>
-            <a:r>
-              <a:rPr lang="it-IT" dirty="0" err="1" smtClean="0"/>
-              <a:t>execution</a:t>
-            </a:r>
-            <a:r>
-              <a:rPr lang="it-IT" dirty="0" smtClean="0"/>
-              <a:t> </a:t>
-            </a:r>
-            <a:r>
-              <a:rPr lang="it-IT" dirty="0" err="1" smtClean="0"/>
-              <a:t>problem</a:t>
-            </a:r>
-            <a:r>
-              <a:rPr lang="it-IT" dirty="0" smtClean="0"/>
-              <a:t> (</a:t>
-            </a:r>
-            <a:r>
-              <a:rPr lang="it-IT" dirty="0" err="1" smtClean="0"/>
-              <a:t>also</a:t>
-            </a:r>
-            <a:r>
-              <a:rPr lang="it-IT" dirty="0" smtClean="0"/>
-              <a:t> </a:t>
-            </a:r>
-            <a:r>
-              <a:rPr lang="it-IT" dirty="0" err="1" smtClean="0"/>
-              <a:t>promises</a:t>
-            </a:r>
-            <a:r>
-              <a:rPr lang="it-IT" dirty="0" smtClean="0"/>
-              <a:t> are </a:t>
-            </a:r>
-            <a:r>
-              <a:rPr lang="it-IT" dirty="0" err="1" smtClean="0"/>
-              <a:t>awaitable</a:t>
-            </a:r>
-            <a:r>
-              <a:rPr lang="it-IT" dirty="0"/>
-              <a:t> </a:t>
-            </a:r>
-            <a:r>
-              <a:rPr lang="it-IT" dirty="0" smtClean="0">
-                <a:sym typeface="Wingdings" panose="05000000000000000000" pitchFamily="2" charset="2"/>
-              </a:rPr>
-              <a:t> )</a:t>
-            </a:r>
-            <a:r>
-              <a:rPr lang="it-IT" dirty="0" smtClean="0"/>
-              <a:t>.</a:t>
-            </a:r>
-          </a:p>
-          <a:p>
-            <a:r>
-              <a:rPr lang="it-IT" dirty="0" err="1" smtClean="0"/>
-              <a:t>but</a:t>
-            </a:r>
-            <a:r>
-              <a:rPr lang="it-IT" dirty="0" smtClean="0"/>
-              <a:t> </a:t>
-            </a:r>
-            <a:r>
-              <a:rPr lang="it-IT" dirty="0" err="1" smtClean="0"/>
-              <a:t>there</a:t>
-            </a:r>
-            <a:r>
-              <a:rPr lang="it-IT" dirty="0" smtClean="0"/>
-              <a:t> are </a:t>
-            </a:r>
-            <a:r>
-              <a:rPr lang="it-IT" dirty="0" err="1" smtClean="0"/>
-              <a:t>drawbacks</a:t>
-            </a:r>
-            <a:r>
-              <a:rPr lang="it-IT" dirty="0" smtClean="0"/>
-              <a:t>…</a:t>
-            </a:r>
-            <a:endParaRPr lang="it-IT" dirty="0"/>
           </a:p>
         </p:txBody>
       </p:sp>
     </p:spTree>
     <p:extLst>
       <p:ext uri="{BB962C8B-B14F-4D97-AF65-F5344CB8AC3E}">
-        <p14:creationId xmlns:p14="http://schemas.microsoft.com/office/powerpoint/2010/main" val="2770691382"/>
+        <p14:creationId xmlns:p14="http://schemas.microsoft.com/office/powerpoint/2010/main" val="765595901"/>
       </p:ext>
     </p:extLst>
   </p:cSld>
   <p:clrMapOvr>
     <a:masterClrMapping/>
   </p:clrMapOvr>
-  <p:timing>
-    <p:tnLst>
-      <p:par>
-        <p:cTn id="1" dur="indefinite" restart="never" nodeType="tmRoot"/>
-      </p:par>
-    </p:tnLst>
-  </p:timing>
 </p:sld>
 </file>
 
@@ -10995,22 +10845,19 @@
           <a:lstStyle/>
           <a:p>
             <a:r>
-              <a:rPr lang="it-IT" sz="6000" dirty="0" smtClean="0"/>
-              <a:t>Demo 03</a:t>
+              <a:rPr lang="it-IT" sz="6000" dirty="0"/>
+              <a:t>Demo 04</a:t>
             </a:r>
             <a:br>
-              <a:rPr lang="it-IT" sz="6000" dirty="0" smtClean="0"/>
+              <a:rPr lang="it-IT" dirty="0"/>
             </a:br>
             <a:r>
-              <a:rPr lang="it-IT" dirty="0" smtClean="0"/>
-              <a:t/>
-            </a:r>
-            <a:br>
-              <a:rPr lang="it-IT" dirty="0" smtClean="0"/>
-            </a:br>
-            <a:r>
-              <a:rPr lang="it-IT" dirty="0" smtClean="0"/>
-              <a:t>Multicast</a:t>
+              <a:rPr lang="it-IT" dirty="0"/>
+              <a:t>The «right» way to share an </a:t>
+            </a:r>
+            <a:r>
+              <a:rPr lang="it-IT" dirty="0" err="1"/>
+              <a:t>observable</a:t>
             </a:r>
             <a:endParaRPr lang="it-IT" dirty="0"/>
           </a:p>
@@ -11032,44 +10879,36 @@
           <a:lstStyle/>
           <a:p>
             <a:r>
-              <a:rPr lang="it-IT" dirty="0" err="1" smtClean="0"/>
-              <a:t>Make</a:t>
-            </a:r>
-            <a:r>
-              <a:rPr lang="it-IT" dirty="0" smtClean="0"/>
-              <a:t> </a:t>
-            </a:r>
-            <a:r>
-              <a:rPr lang="it-IT" dirty="0" err="1" smtClean="0"/>
-              <a:t>it</a:t>
-            </a:r>
-            <a:r>
-              <a:rPr lang="it-IT" dirty="0" smtClean="0"/>
-              <a:t> </a:t>
-            </a:r>
-            <a:r>
-              <a:rPr lang="it-IT" dirty="0" err="1" smtClean="0"/>
-              <a:t>multicast</a:t>
-            </a:r>
-            <a:r>
-              <a:rPr lang="it-IT" dirty="0" smtClean="0"/>
-              <a:t>: </a:t>
-            </a:r>
-            <a:r>
-              <a:rPr lang="it-IT" dirty="0" err="1" smtClean="0"/>
-              <a:t>publish</a:t>
-            </a:r>
-            <a:r>
-              <a:rPr lang="it-IT" dirty="0" smtClean="0"/>
-              <a:t>(), share(), </a:t>
-            </a:r>
-            <a:r>
-              <a:rPr lang="it-IT" dirty="0" err="1" smtClean="0"/>
-              <a:t>sharereplay</a:t>
-            </a:r>
-            <a:r>
-              <a:rPr lang="it-IT" dirty="0" smtClean="0"/>
-              <a:t>()</a:t>
+              <a:rPr lang="it-IT" dirty="0"/>
+              <a:t>shows the </a:t>
+            </a:r>
+            <a:r>
+              <a:rPr lang="it-IT" dirty="0" err="1"/>
+              <a:t>effect</a:t>
+            </a:r>
+            <a:r>
+              <a:rPr lang="it-IT" dirty="0"/>
+              <a:t> of </a:t>
+            </a:r>
+            <a:r>
+              <a:rPr lang="it-IT" dirty="0" err="1"/>
+              <a:t>using</a:t>
+            </a:r>
+            <a:r>
+              <a:rPr lang="it-IT" dirty="0"/>
+              <a:t> ‘share()’ and ‘</a:t>
+            </a:r>
+            <a:r>
+              <a:rPr lang="it-IT" dirty="0" err="1"/>
+              <a:t>shareReplay</a:t>
+            </a:r>
+            <a:r>
+              <a:rPr lang="it-IT" dirty="0"/>
+              <a:t>()’ with the </a:t>
+            </a:r>
+            <a:r>
+              <a:rPr lang="it-IT" dirty="0" err="1"/>
+              <a:t>AsyncPipe</a:t>
             </a:r>
             <a:endParaRPr lang="it-IT" dirty="0"/>
           </a:p>
@@ -11078,20 +10917,13 @@
     </p:spTree>
     <p:extLst>
       <p:ext uri="{BB962C8B-B14F-4D97-AF65-F5344CB8AC3E}">
-        <p14:creationId xmlns:p14="http://schemas.microsoft.com/office/powerpoint/2010/main" val="765595901"/>
+        <p14:creationId xmlns:p14="http://schemas.microsoft.com/office/powerpoint/2010/main" val="652729121"/>
       </p:ext>
     </p:extLst>
   </p:cSld>
   <p:clrMapOvr>
     <a:masterClrMapping/>
   </p:clrMapOvr>
-  <p:timing>
-    <p:tnLst>
-      <p:par>
-        <p:cTn id="1" dur="indefinite" restart="never" nodeType="tmRoot"/>
-      </p:par>
-    </p:tnLst>
-  </p:timing>
 </p:sld>
 </file>
 
@@ -11125,79 +10957,105 @@
         <p:spPr/>
         <p:txBody>
           <a:bodyPr>
-            <a:normAutofit/>
+            <a:normAutofit fontScale="90000"/>
           </a:bodyPr>
           <a:lstStyle/>
           <a:p>
             <a:r>
-              <a:rPr lang="it-IT" sz="6000" dirty="0" smtClean="0"/>
-              <a:t>Demo 04</a:t>
-            </a:r>
-            <a:r>
-              <a:rPr lang="it-IT" dirty="0" smtClean="0"/>
-              <a:t/>
+              <a:rPr lang="it-IT" sz="6000" dirty="0"/>
+              <a:t>Demo 05</a:t>
             </a:r>
             <a:br>
-              <a:rPr lang="it-IT" dirty="0" smtClean="0"/>
+              <a:rPr lang="it-IT" dirty="0"/>
             </a:br>
-            <a:r>
-              <a:rPr lang="it-IT" dirty="0" smtClean="0"/>
-              <a:t>The «right» way to share an </a:t>
-            </a:r>
-            <a:r>
-              <a:rPr lang="it-IT" dirty="0" err="1" smtClean="0"/>
-              <a:t>observable</a:t>
+            <a:br>
+              <a:rPr lang="it-IT" dirty="0"/>
+            </a:br>
+            <a:r>
+              <a:rPr lang="it-IT" dirty="0" err="1"/>
+              <a:t>Unsubscribe</a:t>
+            </a:r>
+            <a:r>
+              <a:rPr lang="it-IT" dirty="0"/>
+              <a:t> (in </a:t>
+            </a:r>
+            <a:r>
+              <a:rPr lang="it-IT" dirty="0" err="1"/>
+              <a:t>Angular</a:t>
+            </a:r>
+            <a:r>
+              <a:rPr lang="it-IT" dirty="0"/>
+              <a:t>)</a:t>
+            </a:r>
+          </a:p>
+        </p:txBody>
+      </p:sp>
+      <p:sp>
+        <p:nvSpPr>
+          <p:cNvPr id="5" name="Segnaposto testo 4"/>
+          <p:cNvSpPr>
+            <a:spLocks noGrp="1"/>
+          </p:cNvSpPr>
+          <p:nvPr>
+            <p:ph type="body" idx="1"/>
+          </p:nvPr>
+        </p:nvSpPr>
+        <p:spPr/>
+        <p:txBody>
+          <a:bodyPr>
+            <a:normAutofit fontScale="85000" lnSpcReduction="20000"/>
+          </a:bodyPr>
+          <a:lstStyle/>
+          <a:p>
+            <a:r>
+              <a:rPr lang="it-IT" dirty="0"/>
+              <a:t>How to do </a:t>
+            </a:r>
+            <a:r>
+              <a:rPr lang="it-IT" dirty="0" err="1"/>
+              <a:t>it!</a:t>
             </a:r>
             <a:endParaRPr lang="it-IT" dirty="0"/>
           </a:p>
-        </p:txBody>
-      </p:sp>
-      <p:sp>
-        <p:nvSpPr>
-          <p:cNvPr id="5" name="Segnaposto testo 4"/>
-          <p:cNvSpPr>
-            <a:spLocks noGrp="1"/>
-          </p:cNvSpPr>
-          <p:nvPr>
-            <p:ph type="body" idx="1"/>
-          </p:nvPr>
-        </p:nvSpPr>
-        <p:spPr/>
-        <p:txBody>
-          <a:bodyPr/>
-          <a:lstStyle/>
-          <a:p>
-            <a:r>
-              <a:rPr lang="it-IT" dirty="0" smtClean="0"/>
-              <a:t>shows the </a:t>
-            </a:r>
-            <a:r>
-              <a:rPr lang="it-IT" dirty="0" err="1" smtClean="0"/>
-              <a:t>effect</a:t>
-            </a:r>
-            <a:r>
-              <a:rPr lang="it-IT" dirty="0" smtClean="0"/>
-              <a:t> of </a:t>
-            </a:r>
-            <a:r>
-              <a:rPr lang="it-IT" dirty="0" err="1" smtClean="0"/>
-              <a:t>using</a:t>
-            </a:r>
-            <a:r>
-              <a:rPr lang="it-IT" dirty="0" smtClean="0"/>
-              <a:t> ‘share()’ and ‘</a:t>
-            </a:r>
-            <a:r>
-              <a:rPr lang="it-IT" dirty="0" err="1" smtClean="0"/>
-              <a:t>shareReplay</a:t>
-            </a:r>
-            <a:r>
-              <a:rPr lang="it-IT" dirty="0" smtClean="0"/>
-              <a:t>()’ with the </a:t>
-            </a:r>
-            <a:r>
-              <a:rPr lang="it-IT" dirty="0" err="1" smtClean="0"/>
-              <a:t>AsyncPipe</a:t>
+          <a:p>
+            <a:r>
+              <a:rPr lang="it-IT" dirty="0" err="1"/>
+              <a:t>When</a:t>
+            </a:r>
+            <a:r>
+              <a:rPr lang="it-IT" dirty="0"/>
+              <a:t> to do </a:t>
+            </a:r>
+            <a:r>
+              <a:rPr lang="it-IT" dirty="0" err="1"/>
+              <a:t>it!</a:t>
+            </a:r>
+            <a:endParaRPr lang="it-IT" dirty="0"/>
+          </a:p>
+          <a:p>
+            <a:r>
+              <a:rPr lang="it-IT" dirty="0"/>
+              <a:t>(</a:t>
+            </a:r>
+            <a:r>
+              <a:rPr lang="it-IT" dirty="0" err="1"/>
+              <a:t>Angular</a:t>
+            </a:r>
+            <a:r>
+              <a:rPr lang="it-IT" dirty="0"/>
+              <a:t>) Best </a:t>
+            </a:r>
+            <a:r>
+              <a:rPr lang="it-IT" dirty="0" err="1"/>
+              <a:t>practice</a:t>
+            </a:r>
+            <a:r>
+              <a:rPr lang="it-IT" dirty="0"/>
+              <a:t> to do </a:t>
+            </a:r>
+            <a:r>
+              <a:rPr lang="it-IT" dirty="0" err="1"/>
+              <a:t>it!</a:t>
             </a:r>
             <a:endParaRPr lang="it-IT" dirty="0"/>
           </a:p>
@@ -11206,20 +11064,13 @@
     </p:spTree>
     <p:extLst>
       <p:ext uri="{BB962C8B-B14F-4D97-AF65-F5344CB8AC3E}">
-        <p14:creationId xmlns:p14="http://schemas.microsoft.com/office/powerpoint/2010/main" val="652729121"/>
+        <p14:creationId xmlns:p14="http://schemas.microsoft.com/office/powerpoint/2010/main" val="485016218"/>
       </p:ext>
     </p:extLst>
   </p:cSld>
   <p:clrMapOvr>
     <a:masterClrMapping/>
   </p:clrMapOvr>
-  <p:timing>
-    <p:tnLst>
-      <p:par>
-        <p:cTn id="1" dur="indefinite" restart="never" nodeType="tmRoot"/>
-      </p:par>
-    </p:tnLst>
-  </p:timing>
 </p:sld>
 </file>
 
@@ -11242,7 +11093,7 @@
       </p:grpSpPr>
       <p:sp>
         <p:nvSpPr>
-          <p:cNvPr id="4" name="Titolo 3"/>
+          <p:cNvPr id="2" name="Titolo 1"/>
           <p:cNvSpPr>
             <a:spLocks noGrp="1"/>
           </p:cNvSpPr>
@@ -11252,206 +11103,43 @@
         </p:nvSpPr>
         <p:spPr/>
         <p:txBody>
-          <a:bodyPr>
-            <a:normAutofit fontScale="90000"/>
-          </a:bodyPr>
-          <a:lstStyle/>
-          <a:p>
-            <a:r>
-              <a:rPr lang="it-IT" sz="6000" dirty="0" smtClean="0"/>
-              <a:t>Demo 05</a:t>
-            </a:r>
-            <a:r>
-              <a:rPr lang="it-IT" dirty="0" smtClean="0"/>
-              <a:t/>
-            </a:r>
-            <a:br>
-              <a:rPr lang="it-IT" dirty="0" smtClean="0"/>
-            </a:br>
-            <a:r>
-              <a:rPr lang="it-IT" dirty="0"/>
-              <a:t/>
-            </a:r>
-            <a:br>
-              <a:rPr lang="it-IT" dirty="0"/>
-            </a:br>
-            <a:r>
-              <a:rPr lang="it-IT" dirty="0" err="1" smtClean="0"/>
-              <a:t>Unsubscribe</a:t>
-            </a:r>
-            <a:r>
-              <a:rPr lang="it-IT" dirty="0" smtClean="0"/>
-              <a:t> (in </a:t>
-            </a:r>
-            <a:r>
-              <a:rPr lang="it-IT" dirty="0" err="1" smtClean="0"/>
-              <a:t>Angular</a:t>
-            </a:r>
-            <a:r>
-              <a:rPr lang="it-IT" dirty="0"/>
-              <a:t>)</a:t>
-            </a:r>
-            <a:endParaRPr lang="it-IT" dirty="0" smtClean="0"/>
-          </a:p>
-        </p:txBody>
-      </p:sp>
-      <p:sp>
-        <p:nvSpPr>
-          <p:cNvPr id="5" name="Segnaposto testo 4"/>
-          <p:cNvSpPr>
-            <a:spLocks noGrp="1"/>
-          </p:cNvSpPr>
-          <p:nvPr>
-            <p:ph type="body" idx="1"/>
-          </p:nvPr>
-        </p:nvSpPr>
-        <p:spPr/>
-        <p:txBody>
-          <a:bodyPr>
-            <a:normAutofit fontScale="85000" lnSpcReduction="20000"/>
-          </a:bodyPr>
-          <a:lstStyle/>
-          <a:p>
-            <a:r>
-              <a:rPr lang="it-IT" dirty="0"/>
-              <a:t>How to do </a:t>
-            </a:r>
-            <a:r>
-              <a:rPr lang="it-IT" dirty="0" err="1" smtClean="0"/>
-              <a:t>it!</a:t>
-            </a:r>
-            <a:endParaRPr lang="it-IT" dirty="0"/>
-          </a:p>
-          <a:p>
-            <a:r>
-              <a:rPr lang="it-IT" dirty="0" err="1"/>
-              <a:t>When</a:t>
-            </a:r>
-            <a:r>
-              <a:rPr lang="it-IT" dirty="0"/>
-              <a:t> to do </a:t>
-            </a:r>
-            <a:r>
-              <a:rPr lang="it-IT" dirty="0" err="1" smtClean="0"/>
-              <a:t>it!</a:t>
-            </a:r>
-            <a:endParaRPr lang="it-IT" dirty="0" smtClean="0"/>
-          </a:p>
-          <a:p>
-            <a:r>
-              <a:rPr lang="it-IT" dirty="0" smtClean="0"/>
-              <a:t>(</a:t>
-            </a:r>
-            <a:r>
-              <a:rPr lang="it-IT" dirty="0" err="1" smtClean="0"/>
-              <a:t>Angular</a:t>
-            </a:r>
-            <a:r>
-              <a:rPr lang="it-IT" dirty="0" smtClean="0"/>
-              <a:t>) Best </a:t>
-            </a:r>
-            <a:r>
-              <a:rPr lang="it-IT" dirty="0" err="1" smtClean="0"/>
-              <a:t>practice</a:t>
-            </a:r>
-            <a:r>
-              <a:rPr lang="it-IT" dirty="0" smtClean="0"/>
-              <a:t> to do </a:t>
-            </a:r>
-            <a:r>
-              <a:rPr lang="it-IT" dirty="0" err="1" smtClean="0"/>
-              <a:t>it!</a:t>
-            </a:r>
-            <a:endParaRPr lang="it-IT" dirty="0"/>
-          </a:p>
-        </p:txBody>
-      </p:sp>
-    </p:spTree>
-    <p:extLst>
-      <p:ext uri="{BB962C8B-B14F-4D97-AF65-F5344CB8AC3E}">
-        <p14:creationId xmlns:p14="http://schemas.microsoft.com/office/powerpoint/2010/main" val="485016218"/>
-      </p:ext>
-    </p:extLst>
-  </p:cSld>
-  <p:clrMapOvr>
-    <a:masterClrMapping/>
-  </p:clrMapOvr>
-  <p:timing>
-    <p:tnLst>
-      <p:par>
-        <p:cTn id="1" dur="indefinite" restart="never" nodeType="tmRoot"/>
-      </p:par>
-    </p:tnLst>
-  </p:timing>
-</p:sld>
-</file>
-
-<file path=ppt/slides/slide28.xml><?xml version="1.0" encoding="utf-8"?>
-<p:sld xmlns:a="http://schemas.openxmlformats.org/drawingml/2006/main" xmlns:r="http://schemas.openxmlformats.org/officeDocument/2006/relationships" xmlns:p="http://schemas.openxmlformats.org/presentationml/2006/main">
-  <p:cSld>
-    <p:spTree>
-      <p:nvGrpSpPr>
-        <p:cNvPr id="1" name=""/>
-        <p:cNvGrpSpPr/>
-        <p:nvPr/>
-      </p:nvGrpSpPr>
-      <p:grpSpPr>
-        <a:xfrm>
-          <a:off x="0" y="0"/>
-          <a:ext cx="0" cy="0"/>
-          <a:chOff x="0" y="0"/>
-          <a:chExt cx="0" cy="0"/>
-        </a:xfrm>
-      </p:grpSpPr>
-      <p:sp>
-        <p:nvSpPr>
-          <p:cNvPr id="2" name="Titolo 1"/>
-          <p:cNvSpPr>
-            <a:spLocks noGrp="1"/>
-          </p:cNvSpPr>
-          <p:nvPr>
-            <p:ph type="title"/>
-          </p:nvPr>
-        </p:nvSpPr>
-        <p:spPr/>
-        <p:txBody>
           <a:bodyPr/>
           <a:lstStyle/>
           <a:p>
             <a:r>
-              <a:rPr lang="it-IT" dirty="0" err="1" smtClean="0"/>
+              <a:rPr lang="it-IT" dirty="0" err="1"/>
               <a:t>RxJS</a:t>
             </a:r>
             <a:r>
-              <a:rPr lang="it-IT" dirty="0" smtClean="0"/>
+              <a:rPr lang="it-IT" dirty="0"/>
               <a:t>: </a:t>
             </a:r>
             <a:r>
-              <a:rPr lang="it-IT" dirty="0" err="1" smtClean="0"/>
+              <a:rPr lang="it-IT" dirty="0" err="1"/>
               <a:t>chose</a:t>
             </a:r>
             <a:r>
-              <a:rPr lang="it-IT" dirty="0" smtClean="0"/>
+              <a:rPr lang="it-IT" dirty="0"/>
               <a:t> </a:t>
             </a:r>
             <a:r>
-              <a:rPr lang="it-IT" dirty="0" err="1" smtClean="0"/>
+              <a:rPr lang="it-IT" dirty="0" err="1"/>
               <a:t>your</a:t>
             </a:r>
             <a:r>
-              <a:rPr lang="it-IT" dirty="0" smtClean="0"/>
+              <a:rPr lang="it-IT" dirty="0"/>
               <a:t> </a:t>
             </a:r>
             <a:r>
-              <a:rPr lang="it-IT" dirty="0" err="1" smtClean="0"/>
+              <a:rPr lang="it-IT" dirty="0" err="1"/>
               <a:t>operators</a:t>
             </a:r>
             <a:r>
-              <a:rPr lang="it-IT" dirty="0" smtClean="0"/>
+              <a:rPr lang="it-IT" dirty="0"/>
               <a:t> </a:t>
             </a:r>
             <a:r>
-              <a:rPr lang="it-IT" dirty="0" err="1" smtClean="0"/>
+              <a:rPr lang="it-IT" dirty="0" err="1"/>
               <a:t>wisely</a:t>
             </a:r>
             <a:endParaRPr lang="it-IT" dirty="0"/>
@@ -11475,7 +11163,7 @@
           </a:bodyPr>
           <a:lstStyle/>
           <a:p>
-            <a:endParaRPr lang="it-IT" dirty="0" smtClean="0"/>
+            <a:endParaRPr lang="it-IT" dirty="0"/>
           </a:p>
           <a:p>
             <a:pPr>
@@ -11495,11 +11183,11 @@
               <a:t>: </a:t>
             </a:r>
             <a:r>
-              <a:rPr lang="it-IT" dirty="0" err="1" smtClean="0"/>
+              <a:rPr lang="it-IT" dirty="0" err="1"/>
               <a:t>runs</a:t>
             </a:r>
             <a:r>
-              <a:rPr lang="it-IT" dirty="0" smtClean="0"/>
+              <a:rPr lang="it-IT" dirty="0"/>
               <a:t> multiple </a:t>
             </a:r>
             <a:r>
@@ -11527,31 +11215,27 @@
               <a:t> the </a:t>
             </a:r>
             <a:r>
-              <a:rPr lang="it-IT" dirty="0" err="1" smtClean="0"/>
+              <a:rPr lang="it-IT" dirty="0" err="1"/>
               <a:t>previous</a:t>
             </a:r>
             <a:r>
-              <a:rPr lang="it-IT" dirty="0" smtClean="0"/>
+              <a:rPr lang="it-IT" dirty="0"/>
               <a:t> </a:t>
             </a:r>
             <a:r>
-              <a:rPr lang="it-IT" dirty="0" err="1" smtClean="0"/>
+              <a:rPr lang="it-IT" dirty="0" err="1"/>
               <a:t>one</a:t>
             </a:r>
             <a:r>
-              <a:rPr lang="it-IT" dirty="0" smtClean="0"/>
+              <a:rPr lang="it-IT" dirty="0"/>
               <a:t>. </a:t>
             </a:r>
             <a:br>
-              <a:rPr lang="it-IT" dirty="0" smtClean="0"/>
+              <a:rPr lang="it-IT" dirty="0"/>
             </a:br>
             <a:r>
-              <a:rPr lang="it-IT" b="1" dirty="0" smtClean="0"/>
-              <a:t>Can </a:t>
-            </a:r>
-            <a:r>
               <a:rPr lang="it-IT" b="1" dirty="0"/>
-              <a:t>be </a:t>
+              <a:t>Can be </a:t>
             </a:r>
             <a:r>
               <a:rPr lang="it-IT" b="1" dirty="0" err="1"/>
@@ -11599,11 +11283,7 @@
             </a:r>
             <a:r>
               <a:rPr lang="it-IT" b="1" dirty="0"/>
-              <a:t> </a:t>
-            </a:r>
-            <a:r>
-              <a:rPr lang="it-IT" b="1" dirty="0" smtClean="0"/>
-              <a:t>(e.g.: </a:t>
+              <a:t> (e.g.: </a:t>
             </a:r>
             <a:r>
               <a:rPr lang="it-IT" b="1" dirty="0" err="1"/>
@@ -11620,7 +11300,7 @@
               <a:buChar char="•"/>
             </a:pPr>
             <a:r>
-              <a:rPr lang="it-IT" b="1" dirty="0" err="1" smtClean="0">
+              <a:rPr lang="it-IT" b="1" dirty="0" err="1">
                 <a:solidFill>
                   <a:srgbClr val="0070C0"/>
                 </a:solidFill>
@@ -11628,268 +11308,98 @@
               <a:t>mergeMap</a:t>
             </a:r>
             <a:r>
-              <a:rPr lang="it-IT" dirty="0" smtClean="0"/>
+              <a:rPr lang="it-IT" dirty="0"/>
               <a:t>: </a:t>
             </a:r>
             <a:r>
-              <a:rPr lang="it-IT" dirty="0" err="1" smtClean="0"/>
+              <a:rPr lang="it-IT" dirty="0" err="1"/>
               <a:t>runs</a:t>
             </a:r>
             <a:r>
-              <a:rPr lang="it-IT" dirty="0" smtClean="0"/>
+              <a:rPr lang="it-IT" dirty="0"/>
               <a:t> multiple </a:t>
             </a:r>
             <a:r>
-              <a:rPr lang="it-IT" dirty="0" err="1" smtClean="0"/>
+              <a:rPr lang="it-IT" dirty="0" err="1"/>
               <a:t>requests</a:t>
             </a:r>
             <a:r>
-              <a:rPr lang="it-IT" dirty="0" smtClean="0"/>
+              <a:rPr lang="it-IT" dirty="0"/>
               <a:t> in </a:t>
             </a:r>
             <a:r>
-              <a:rPr lang="it-IT" dirty="0" err="1" smtClean="0"/>
+              <a:rPr lang="it-IT" dirty="0" err="1"/>
               <a:t>parallel</a:t>
             </a:r>
             <a:r>
-              <a:rPr lang="it-IT" dirty="0" smtClean="0"/>
+              <a:rPr lang="it-IT" dirty="0"/>
               <a:t> and merge </a:t>
             </a:r>
             <a:r>
-              <a:rPr lang="it-IT" dirty="0" err="1" smtClean="0"/>
+              <a:rPr lang="it-IT" dirty="0" err="1"/>
               <a:t>their</a:t>
             </a:r>
             <a:r>
-              <a:rPr lang="it-IT" dirty="0" smtClean="0"/>
+              <a:rPr lang="it-IT" dirty="0"/>
               <a:t> </a:t>
             </a:r>
             <a:r>
-              <a:rPr lang="it-IT" dirty="0" err="1" smtClean="0"/>
+              <a:rPr lang="it-IT" dirty="0" err="1"/>
               <a:t>results</a:t>
             </a:r>
             <a:r>
-              <a:rPr lang="it-IT" dirty="0" smtClean="0"/>
+              <a:rPr lang="it-IT" dirty="0"/>
               <a:t> in a single </a:t>
             </a:r>
             <a:r>
-              <a:rPr lang="it-IT" dirty="0" err="1" smtClean="0"/>
+              <a:rPr lang="it-IT" dirty="0" err="1"/>
               <a:t>stream</a:t>
             </a:r>
             <a:r>
-              <a:rPr lang="it-IT" dirty="0" smtClean="0"/>
+              <a:rPr lang="it-IT" dirty="0"/>
               <a:t>. </a:t>
             </a:r>
             <a:br>
-              <a:rPr lang="it-IT" dirty="0" smtClean="0"/>
+              <a:rPr lang="it-IT" dirty="0"/>
             </a:br>
             <a:r>
-              <a:rPr lang="it-IT" b="1" dirty="0" err="1" smtClean="0"/>
+              <a:rPr lang="it-IT" b="1" dirty="0" err="1"/>
               <a:t>It</a:t>
             </a:r>
             <a:r>
-              <a:rPr lang="it-IT" b="1" dirty="0" smtClean="0"/>
+              <a:rPr lang="it-IT" b="1" dirty="0"/>
               <a:t> </a:t>
             </a:r>
             <a:r>
-              <a:rPr lang="it-IT" b="1" dirty="0" err="1" smtClean="0"/>
+              <a:rPr lang="it-IT" b="1" dirty="0" err="1"/>
               <a:t>does</a:t>
             </a:r>
             <a:r>
-              <a:rPr lang="it-IT" b="1" dirty="0" smtClean="0"/>
+              <a:rPr lang="it-IT" b="1" dirty="0"/>
               <a:t> </a:t>
             </a:r>
             <a:r>
-              <a:rPr lang="it-IT" b="1" dirty="0" err="1" smtClean="0"/>
+              <a:rPr lang="it-IT" b="1" dirty="0" err="1"/>
               <a:t>not</a:t>
             </a:r>
             <a:r>
-              <a:rPr lang="it-IT" b="1" dirty="0" smtClean="0"/>
+              <a:rPr lang="it-IT" b="1" dirty="0"/>
               <a:t> </a:t>
             </a:r>
             <a:r>
-              <a:rPr lang="it-IT" b="1" dirty="0" err="1" smtClean="0"/>
+              <a:rPr lang="it-IT" b="1" dirty="0" err="1"/>
               <a:t>guarantee</a:t>
             </a:r>
             <a:r>
-              <a:rPr lang="it-IT" b="1" dirty="0" smtClean="0"/>
+              <a:rPr lang="it-IT" b="1" dirty="0"/>
               <a:t> </a:t>
             </a:r>
             <a:r>
-              <a:rPr lang="it-IT" b="1" dirty="0" err="1" smtClean="0"/>
+              <a:rPr lang="it-IT" b="1" dirty="0" err="1"/>
               <a:t>ordering</a:t>
             </a:r>
             <a:r>
-              <a:rPr lang="it-IT" dirty="0" smtClean="0"/>
-              <a:t>. </a:t>
-            </a:r>
-            <a:r>
-              <a:rPr lang="it-IT" b="1" dirty="0" err="1" smtClean="0"/>
-              <a:t>Better</a:t>
-            </a:r>
-            <a:r>
-              <a:rPr lang="it-IT" b="1" dirty="0" smtClean="0"/>
-              <a:t> </a:t>
-            </a:r>
-            <a:r>
-              <a:rPr lang="it-IT" b="1" dirty="0" err="1" smtClean="0"/>
-              <a:t>suited</a:t>
-            </a:r>
-            <a:r>
-              <a:rPr lang="it-IT" b="1" dirty="0" smtClean="0"/>
-              <a:t> for </a:t>
-            </a:r>
-            <a:r>
-              <a:rPr lang="it-IT" b="1" dirty="0" smtClean="0">
-                <a:solidFill>
-                  <a:srgbClr val="0070C0"/>
-                </a:solidFill>
-              </a:rPr>
-              <a:t>put</a:t>
-            </a:r>
-            <a:r>
-              <a:rPr lang="it-IT" b="1" dirty="0" smtClean="0"/>
-              <a:t>, </a:t>
-            </a:r>
-            <a:r>
-              <a:rPr lang="it-IT" b="1" dirty="0" smtClean="0">
-                <a:solidFill>
-                  <a:srgbClr val="0070C0"/>
-                </a:solidFill>
-              </a:rPr>
-              <a:t>post</a:t>
-            </a:r>
-            <a:r>
-              <a:rPr lang="it-IT" b="1" dirty="0" smtClean="0"/>
-              <a:t>, </a:t>
-            </a:r>
-            <a:r>
-              <a:rPr lang="it-IT" b="1" dirty="0" smtClean="0">
-                <a:solidFill>
-                  <a:srgbClr val="0070C0"/>
-                </a:solidFill>
-              </a:rPr>
-              <a:t>delete</a:t>
-            </a:r>
-            <a:r>
-              <a:rPr lang="it-IT" b="1" dirty="0" smtClean="0"/>
-              <a:t> </a:t>
-            </a:r>
-            <a:r>
-              <a:rPr lang="it-IT" b="1" dirty="0" err="1" smtClean="0"/>
-              <a:t>operations</a:t>
-            </a:r>
-            <a:r>
-              <a:rPr lang="it-IT" b="1" dirty="0" smtClean="0"/>
-              <a:t>.</a:t>
-            </a:r>
-          </a:p>
-          <a:p>
-            <a:pPr>
-              <a:buFont typeface="Arial" panose="020B0604020202020204" pitchFamily="34" charset="0"/>
-              <a:buChar char="•"/>
-            </a:pPr>
-            <a:r>
-              <a:rPr lang="it-IT" b="1" dirty="0" err="1" smtClean="0">
-                <a:solidFill>
-                  <a:srgbClr val="0070C0"/>
-                </a:solidFill>
-              </a:rPr>
-              <a:t>concatMap</a:t>
-            </a:r>
-            <a:r>
-              <a:rPr lang="it-IT" dirty="0" smtClean="0"/>
-              <a:t>: </a:t>
-            </a:r>
-            <a:r>
-              <a:rPr lang="it-IT" dirty="0" err="1" smtClean="0"/>
-              <a:t>runs</a:t>
-            </a:r>
-            <a:r>
-              <a:rPr lang="it-IT" dirty="0" smtClean="0"/>
-              <a:t> the </a:t>
-            </a:r>
-            <a:r>
-              <a:rPr lang="it-IT" dirty="0" err="1" smtClean="0"/>
-              <a:t>requests</a:t>
-            </a:r>
-            <a:r>
-              <a:rPr lang="it-IT" dirty="0" smtClean="0"/>
-              <a:t> </a:t>
-            </a:r>
-            <a:r>
-              <a:rPr lang="it-IT" b="1" dirty="0" smtClean="0"/>
-              <a:t>in </a:t>
-            </a:r>
-            <a:r>
-              <a:rPr lang="it-IT" b="1" dirty="0" err="1" smtClean="0"/>
-              <a:t>order</a:t>
-            </a:r>
-            <a:r>
-              <a:rPr lang="it-IT" b="1" dirty="0" smtClean="0"/>
-              <a:t> </a:t>
-            </a:r>
-            <a:r>
-              <a:rPr lang="it-IT" dirty="0" err="1" smtClean="0"/>
-              <a:t>at</a:t>
-            </a:r>
-            <a:r>
-              <a:rPr lang="it-IT" dirty="0" smtClean="0"/>
-              <a:t> the </a:t>
-            </a:r>
-            <a:r>
-              <a:rPr lang="it-IT" dirty="0" err="1" smtClean="0"/>
-              <a:t>expense</a:t>
-            </a:r>
-            <a:r>
-              <a:rPr lang="it-IT" dirty="0" smtClean="0"/>
-              <a:t> of performance. Use </a:t>
-            </a:r>
-            <a:r>
-              <a:rPr lang="it-IT" dirty="0" err="1" smtClean="0"/>
-              <a:t>only</a:t>
-            </a:r>
-            <a:r>
-              <a:rPr lang="it-IT" dirty="0" smtClean="0"/>
-              <a:t> </a:t>
-            </a:r>
-            <a:r>
-              <a:rPr lang="it-IT" dirty="0" err="1" smtClean="0"/>
-              <a:t>when</a:t>
-            </a:r>
-            <a:r>
-              <a:rPr lang="it-IT" dirty="0" smtClean="0"/>
-              <a:t> the </a:t>
-            </a:r>
-            <a:r>
-              <a:rPr lang="it-IT" dirty="0" err="1" smtClean="0"/>
-              <a:t>order</a:t>
-            </a:r>
-            <a:r>
-              <a:rPr lang="it-IT" dirty="0" smtClean="0"/>
-              <a:t> of </a:t>
-            </a:r>
-            <a:r>
-              <a:rPr lang="it-IT" dirty="0" err="1" smtClean="0"/>
-              <a:t>operations</a:t>
-            </a:r>
-            <a:r>
-              <a:rPr lang="it-IT" dirty="0" smtClean="0"/>
-              <a:t> </a:t>
-            </a:r>
-            <a:r>
-              <a:rPr lang="it-IT" dirty="0" err="1" smtClean="0"/>
-              <a:t>is</a:t>
-            </a:r>
-            <a:r>
-              <a:rPr lang="it-IT" dirty="0" smtClean="0"/>
-              <a:t> </a:t>
-            </a:r>
-            <a:r>
-              <a:rPr lang="it-IT" dirty="0" err="1" smtClean="0"/>
-              <a:t>important</a:t>
-            </a:r>
-            <a:r>
-              <a:rPr lang="it-IT" dirty="0" smtClean="0"/>
+              <a:rPr lang="it-IT" dirty="0"/>
               <a:t>. </a:t>
             </a:r>
             <a:r>
@@ -11945,14 +11455,13 @@
               <a:t> </a:t>
             </a:r>
             <a:r>
-              <a:rPr lang="it-IT" b="1" dirty="0" err="1" smtClean="0"/>
+              <a:rPr lang="it-IT" b="1" dirty="0" err="1"/>
               <a:t>operations</a:t>
             </a:r>
             <a:r>
-              <a:rPr lang="it-IT" b="1" smtClean="0"/>
-              <a:t>-</a:t>
-            </a:r>
-            <a:endParaRPr lang="it-IT" dirty="0" smtClean="0"/>
+              <a:rPr lang="it-IT" b="1" dirty="0"/>
+              <a:t>.</a:t>
+            </a:r>
           </a:p>
           <a:p>
             <a:pPr>
@@ -11960,7 +11469,178 @@
               <a:buChar char="•"/>
             </a:pPr>
             <a:r>
-              <a:rPr lang="it-IT" b="1" dirty="0" err="1" smtClean="0">
+              <a:rPr lang="it-IT" b="1" dirty="0" err="1">
+                <a:solidFill>
+                  <a:srgbClr val="0070C0"/>
+                </a:solidFill>
+              </a:rPr>
+              <a:t>concatMap</a:t>
+            </a:r>
+            <a:r>
+              <a:rPr lang="it-IT" dirty="0"/>
+              <a:t>: </a:t>
+            </a:r>
+            <a:r>
+              <a:rPr lang="it-IT" dirty="0" err="1"/>
+              <a:t>runs</a:t>
+            </a:r>
+            <a:r>
+              <a:rPr lang="it-IT" dirty="0"/>
+              <a:t> the </a:t>
+            </a:r>
+            <a:r>
+              <a:rPr lang="it-IT" dirty="0" err="1"/>
+              <a:t>requests</a:t>
+            </a:r>
+            <a:r>
+              <a:rPr lang="it-IT" dirty="0"/>
+              <a:t> </a:t>
+            </a:r>
+            <a:r>
+              <a:rPr lang="it-IT" b="1" dirty="0"/>
+              <a:t>in </a:t>
+            </a:r>
+            <a:r>
+              <a:rPr lang="it-IT" b="1" dirty="0" err="1"/>
+              <a:t>order</a:t>
+            </a:r>
+            <a:r>
+              <a:rPr lang="it-IT" b="1" dirty="0"/>
+              <a:t> </a:t>
+            </a:r>
+            <a:r>
+              <a:rPr lang="it-IT" dirty="0" err="1"/>
+              <a:t>at</a:t>
+            </a:r>
+            <a:r>
+              <a:rPr lang="it-IT" dirty="0"/>
+              <a:t> the </a:t>
+            </a:r>
+            <a:r>
+              <a:rPr lang="it-IT" dirty="0" err="1"/>
+              <a:t>expense</a:t>
+            </a:r>
+            <a:r>
+              <a:rPr lang="it-IT" dirty="0"/>
+              <a:t> of performance. Use </a:t>
+            </a:r>
+            <a:r>
+              <a:rPr lang="it-IT" dirty="0" err="1"/>
+              <a:t>only</a:t>
+            </a:r>
+            <a:r>
+              <a:rPr lang="it-IT" dirty="0"/>
+              <a:t> </a:t>
+            </a:r>
+            <a:r>
+              <a:rPr lang="it-IT" dirty="0" err="1"/>
+              <a:t>when</a:t>
+            </a:r>
+            <a:r>
+              <a:rPr lang="it-IT" dirty="0"/>
+              <a:t> the </a:t>
+            </a:r>
+            <a:r>
+              <a:rPr lang="it-IT" dirty="0" err="1"/>
+              <a:t>order</a:t>
+            </a:r>
+            <a:r>
+              <a:rPr lang="it-IT" dirty="0"/>
+              <a:t> of </a:t>
+            </a:r>
+            <a:r>
+              <a:rPr lang="it-IT" dirty="0" err="1"/>
+              <a:t>operations</a:t>
+            </a:r>
+            <a:r>
+              <a:rPr lang="it-IT" dirty="0"/>
+              <a:t> </a:t>
+            </a:r>
+            <a:r>
+              <a:rPr lang="it-IT" dirty="0" err="1"/>
+              <a:t>is</a:t>
+            </a:r>
+            <a:r>
+              <a:rPr lang="it-IT" dirty="0"/>
+              <a:t> </a:t>
+            </a:r>
+            <a:r>
+              <a:rPr lang="it-IT" dirty="0" err="1"/>
+              <a:t>important</a:t>
+            </a:r>
+            <a:r>
+              <a:rPr lang="it-IT" dirty="0"/>
+              <a:t>. </a:t>
+            </a:r>
+            <a:r>
+              <a:rPr lang="it-IT" b="1" dirty="0" err="1"/>
+              <a:t>Better</a:t>
+            </a:r>
+            <a:r>
+              <a:rPr lang="it-IT" b="1" dirty="0"/>
+              <a:t> </a:t>
+            </a:r>
+            <a:r>
+              <a:rPr lang="it-IT" b="1" dirty="0" err="1"/>
+              <a:t>suited</a:t>
+            </a:r>
+            <a:r>
+              <a:rPr lang="it-IT" b="1" dirty="0"/>
+              <a:t> for </a:t>
+            </a:r>
+            <a:r>
+              <a:rPr lang="it-IT" b="1" dirty="0">
+                <a:solidFill>
+                  <a:srgbClr val="0070C0"/>
+                </a:solidFill>
+              </a:rPr>
+              <a:t>put</a:t>
+            </a:r>
+            <a:r>
+              <a:rPr lang="it-IT" b="1" dirty="0"/>
+              <a:t>, </a:t>
+            </a:r>
+            <a:r>
+              <a:rPr lang="it-IT" b="1" dirty="0">
+                <a:solidFill>
+                  <a:srgbClr val="0070C0"/>
+                </a:solidFill>
+              </a:rPr>
+              <a:t>post</a:t>
+            </a:r>
+            <a:r>
+              <a:rPr lang="it-IT" b="1" dirty="0"/>
+              <a:t>, </a:t>
+            </a:r>
+            <a:r>
+              <a:rPr lang="it-IT" b="1" dirty="0">
+                <a:solidFill>
+                  <a:srgbClr val="0070C0"/>
+                </a:solidFill>
+              </a:rPr>
+              <a:t>delete</a:t>
+            </a:r>
+            <a:r>
+              <a:rPr lang="it-IT" b="1" dirty="0"/>
+              <a:t> </a:t>
+            </a:r>
+            <a:r>
+              <a:rPr lang="it-IT" b="1" dirty="0" err="1"/>
+              <a:t>operations</a:t>
+            </a:r>
+            <a:r>
+              <a:rPr lang="it-IT" b="1"/>
+              <a:t>-</a:t>
+            </a:r>
+            <a:endParaRPr lang="it-IT" dirty="0"/>
+          </a:p>
+          <a:p>
+            <a:pPr>
+              <a:buFont typeface="Arial" panose="020B0604020202020204" pitchFamily="34" charset="0"/>
+              <a:buChar char="•"/>
+            </a:pPr>
+            <a:r>
+              <a:rPr lang="it-IT" b="1" dirty="0" err="1">
                 <a:solidFill>
                   <a:srgbClr val="0070C0"/>
                 </a:solidFill>
@@ -11968,95 +11648,95 @@
               <a:t>exhaustMap</a:t>
             </a:r>
             <a:r>
-              <a:rPr lang="it-IT" dirty="0" smtClean="0"/>
+              <a:rPr lang="it-IT" dirty="0"/>
               <a:t>: </a:t>
             </a:r>
             <a:r>
-              <a:rPr lang="it-IT" b="1" dirty="0" err="1" smtClean="0"/>
+              <a:rPr lang="it-IT" b="1" dirty="0" err="1"/>
               <a:t>ignore</a:t>
             </a:r>
             <a:r>
-              <a:rPr lang="it-IT" b="1" dirty="0" smtClean="0"/>
+              <a:rPr lang="it-IT" b="1" dirty="0"/>
               <a:t> </a:t>
             </a:r>
             <a:r>
-              <a:rPr lang="it-IT" b="1" dirty="0" err="1" smtClean="0"/>
+              <a:rPr lang="it-IT" b="1" dirty="0" err="1"/>
               <a:t>all</a:t>
             </a:r>
             <a:r>
-              <a:rPr lang="it-IT" dirty="0" smtClean="0"/>
+              <a:rPr lang="it-IT" dirty="0"/>
               <a:t> the </a:t>
             </a:r>
             <a:r>
-              <a:rPr lang="it-IT" dirty="0" err="1" smtClean="0"/>
+              <a:rPr lang="it-IT" dirty="0" err="1"/>
               <a:t>next</a:t>
             </a:r>
             <a:r>
-              <a:rPr lang="it-IT" dirty="0" smtClean="0"/>
+              <a:rPr lang="it-IT" dirty="0"/>
               <a:t> </a:t>
             </a:r>
             <a:r>
-              <a:rPr lang="it-IT" dirty="0" err="1" smtClean="0"/>
+              <a:rPr lang="it-IT" dirty="0" err="1"/>
               <a:t>requests</a:t>
             </a:r>
             <a:r>
-              <a:rPr lang="it-IT" dirty="0" smtClean="0"/>
+              <a:rPr lang="it-IT" dirty="0"/>
               <a:t> </a:t>
             </a:r>
             <a:r>
-              <a:rPr lang="it-IT" b="1" dirty="0" err="1" smtClean="0"/>
+              <a:rPr lang="it-IT" b="1" dirty="0" err="1"/>
               <a:t>until</a:t>
             </a:r>
             <a:r>
-              <a:rPr lang="it-IT" b="1" dirty="0" smtClean="0"/>
+              <a:rPr lang="it-IT" b="1" dirty="0"/>
               <a:t> the </a:t>
             </a:r>
             <a:r>
-              <a:rPr lang="it-IT" b="1" dirty="0" err="1" smtClean="0"/>
+              <a:rPr lang="it-IT" b="1" dirty="0" err="1"/>
               <a:t>current</a:t>
             </a:r>
             <a:r>
-              <a:rPr lang="it-IT" b="1" dirty="0" smtClean="0"/>
+              <a:rPr lang="it-IT" b="1" dirty="0"/>
               <a:t> </a:t>
             </a:r>
             <a:r>
-              <a:rPr lang="it-IT" b="1" dirty="0" err="1" smtClean="0"/>
+              <a:rPr lang="it-IT" b="1" dirty="0" err="1"/>
               <a:t>one</a:t>
             </a:r>
             <a:r>
-              <a:rPr lang="it-IT" b="1" dirty="0" smtClean="0"/>
+              <a:rPr lang="it-IT" b="1" dirty="0"/>
               <a:t> </a:t>
             </a:r>
             <a:r>
-              <a:rPr lang="it-IT" b="1" dirty="0" err="1" smtClean="0"/>
+              <a:rPr lang="it-IT" b="1" dirty="0" err="1"/>
               <a:t>completes</a:t>
             </a:r>
             <a:r>
-              <a:rPr lang="it-IT" dirty="0" smtClean="0"/>
+              <a:rPr lang="it-IT" dirty="0"/>
               <a:t>, </a:t>
             </a:r>
             <a:r>
-              <a:rPr lang="it-IT" dirty="0" err="1" smtClean="0"/>
+              <a:rPr lang="it-IT" dirty="0" err="1"/>
               <a:t>then</a:t>
             </a:r>
             <a:r>
-              <a:rPr lang="it-IT" dirty="0" smtClean="0"/>
+              <a:rPr lang="it-IT" dirty="0"/>
               <a:t> a new </a:t>
             </a:r>
             <a:r>
-              <a:rPr lang="it-IT" dirty="0" err="1" smtClean="0"/>
+              <a:rPr lang="it-IT" dirty="0" err="1"/>
               <a:t>request</a:t>
             </a:r>
             <a:r>
-              <a:rPr lang="it-IT" dirty="0" smtClean="0"/>
+              <a:rPr lang="it-IT" dirty="0"/>
               <a:t> can be </a:t>
             </a:r>
             <a:r>
-              <a:rPr lang="it-IT" dirty="0" err="1" smtClean="0"/>
+              <a:rPr lang="it-IT" dirty="0" err="1"/>
               <a:t>started</a:t>
             </a:r>
             <a:r>
-              <a:rPr lang="it-IT" dirty="0" smtClean="0"/>
+              <a:rPr lang="it-IT" dirty="0"/>
               <a:t>.</a:t>
             </a:r>
           </a:p>
@@ -12349,7 +12029,7 @@
 </p:sld>
 </file>
 
-<file path=ppt/slides/slide29.xml><?xml version="1.0" encoding="utf-8"?>
+<file path=ppt/slides/slide28.xml><?xml version="1.0" encoding="utf-8"?>
 <p:sld xmlns:a="http://schemas.openxmlformats.org/drawingml/2006/main" xmlns:r="http://schemas.openxmlformats.org/officeDocument/2006/relationships" xmlns:p="http://schemas.openxmlformats.org/presentationml/2006/main">
   <p:cSld>
     <p:spTree>
@@ -12382,11 +12062,11 @@
           <a:lstStyle/>
           <a:p>
             <a:r>
-              <a:rPr lang="it-IT" dirty="0" smtClean="0"/>
+              <a:rPr lang="it-IT" dirty="0"/>
               <a:t>Benefits and </a:t>
             </a:r>
             <a:r>
-              <a:rPr lang="it-IT" dirty="0" err="1" smtClean="0"/>
+              <a:rPr lang="it-IT" dirty="0" err="1"/>
               <a:t>Drawbacks</a:t>
             </a:r>
             <a:endParaRPr lang="it-IT" dirty="0"/>
@@ -12410,7 +12090,7 @@
           </a:bodyPr>
           <a:lstStyle/>
           <a:p>
-            <a:endParaRPr lang="it-IT" dirty="0" smtClean="0"/>
+            <a:endParaRPr lang="it-IT" dirty="0"/>
           </a:p>
           <a:p>
             <a:pPr>
@@ -12418,71 +12098,71 @@
               <a:buChar char="•"/>
             </a:pPr>
             <a:r>
-              <a:rPr lang="it-IT" dirty="0" smtClean="0"/>
+              <a:rPr lang="it-IT" dirty="0"/>
               <a:t>The wide </a:t>
             </a:r>
             <a:r>
-              <a:rPr lang="it-IT" dirty="0" err="1" smtClean="0"/>
+              <a:rPr lang="it-IT" dirty="0" err="1"/>
               <a:t>range</a:t>
             </a:r>
             <a:r>
-              <a:rPr lang="it-IT" dirty="0" smtClean="0"/>
+              <a:rPr lang="it-IT" dirty="0"/>
               <a:t> of </a:t>
             </a:r>
             <a:r>
-              <a:rPr lang="it-IT" dirty="0" err="1" smtClean="0"/>
+              <a:rPr lang="it-IT" dirty="0" err="1"/>
               <a:t>available</a:t>
             </a:r>
             <a:r>
-              <a:rPr lang="it-IT" dirty="0" smtClean="0"/>
+              <a:rPr lang="it-IT" dirty="0"/>
               <a:t> </a:t>
             </a:r>
             <a:r>
-              <a:rPr lang="it-IT" dirty="0" err="1" smtClean="0"/>
+              <a:rPr lang="it-IT" dirty="0" err="1"/>
               <a:t>operators</a:t>
             </a:r>
             <a:r>
-              <a:rPr lang="it-IT" dirty="0" smtClean="0"/>
+              <a:rPr lang="it-IT" dirty="0"/>
               <a:t> </a:t>
             </a:r>
             <a:r>
-              <a:rPr lang="it-IT" dirty="0" err="1" smtClean="0"/>
+              <a:rPr lang="it-IT" dirty="0" err="1"/>
               <a:t>allows</a:t>
             </a:r>
             <a:r>
-              <a:rPr lang="it-IT" dirty="0" smtClean="0"/>
+              <a:rPr lang="it-IT" dirty="0"/>
               <a:t> to create </a:t>
             </a:r>
             <a:r>
-              <a:rPr lang="it-IT" dirty="0" err="1" smtClean="0"/>
+              <a:rPr lang="it-IT" dirty="0" err="1"/>
               <a:t>very</a:t>
             </a:r>
             <a:r>
-              <a:rPr lang="it-IT" dirty="0" smtClean="0"/>
+              <a:rPr lang="it-IT" dirty="0"/>
               <a:t> </a:t>
             </a:r>
             <a:r>
-              <a:rPr lang="it-IT" dirty="0" err="1" smtClean="0"/>
+              <a:rPr lang="it-IT" dirty="0" err="1"/>
               <a:t>complex</a:t>
             </a:r>
             <a:r>
-              <a:rPr lang="it-IT" dirty="0" smtClean="0"/>
+              <a:rPr lang="it-IT" dirty="0"/>
               <a:t> </a:t>
             </a:r>
             <a:r>
-              <a:rPr lang="it-IT" dirty="0" err="1" smtClean="0"/>
+              <a:rPr lang="it-IT" dirty="0" err="1"/>
               <a:t>workflows</a:t>
             </a:r>
             <a:r>
-              <a:rPr lang="it-IT" dirty="0" smtClean="0"/>
+              <a:rPr lang="it-IT" dirty="0"/>
               <a:t> with </a:t>
             </a:r>
             <a:r>
-              <a:rPr lang="it-IT" dirty="0" err="1" smtClean="0"/>
+              <a:rPr lang="it-IT" dirty="0" err="1"/>
               <a:t>ease</a:t>
             </a:r>
             <a:r>
-              <a:rPr lang="it-IT" dirty="0" smtClean="0"/>
+              <a:rPr lang="it-IT" dirty="0"/>
               <a:t>.</a:t>
             </a:r>
           </a:p>
@@ -12499,75 +12179,75 @@
               <a:buChar char="•"/>
             </a:pPr>
             <a:r>
-              <a:rPr lang="it-IT" dirty="0" err="1" smtClean="0"/>
+              <a:rPr lang="it-IT" dirty="0" err="1"/>
               <a:t>Provide</a:t>
             </a:r>
             <a:r>
-              <a:rPr lang="it-IT" dirty="0" smtClean="0"/>
+              <a:rPr lang="it-IT" dirty="0"/>
               <a:t> </a:t>
             </a:r>
             <a:r>
-              <a:rPr lang="it-IT" dirty="0" err="1" smtClean="0"/>
+              <a:rPr lang="it-IT" dirty="0" err="1"/>
               <a:t>better</a:t>
             </a:r>
             <a:r>
-              <a:rPr lang="it-IT" dirty="0" smtClean="0"/>
+              <a:rPr lang="it-IT" dirty="0"/>
               <a:t> </a:t>
             </a:r>
             <a:r>
-              <a:rPr lang="it-IT" dirty="0" err="1" smtClean="0"/>
+              <a:rPr lang="it-IT" dirty="0" err="1"/>
               <a:t>decoupling</a:t>
             </a:r>
             <a:r>
-              <a:rPr lang="it-IT" dirty="0" smtClean="0"/>
+              <a:rPr lang="it-IT" dirty="0"/>
               <a:t> </a:t>
             </a:r>
             <a:r>
-              <a:rPr lang="it-IT" dirty="0" err="1" smtClean="0"/>
+              <a:rPr lang="it-IT" dirty="0" err="1"/>
               <a:t>between</a:t>
             </a:r>
             <a:r>
-              <a:rPr lang="it-IT" dirty="0" smtClean="0"/>
+              <a:rPr lang="it-IT" dirty="0"/>
               <a:t> </a:t>
             </a:r>
             <a:r>
-              <a:rPr lang="it-IT" dirty="0" err="1" smtClean="0"/>
+              <a:rPr lang="it-IT" dirty="0" err="1"/>
               <a:t>components</a:t>
             </a:r>
             <a:r>
-              <a:rPr lang="it-IT" dirty="0" smtClean="0"/>
+              <a:rPr lang="it-IT" dirty="0"/>
               <a:t>, </a:t>
             </a:r>
             <a:r>
-              <a:rPr lang="it-IT" dirty="0" err="1" smtClean="0"/>
+              <a:rPr lang="it-IT" dirty="0" err="1"/>
               <a:t>they</a:t>
             </a:r>
             <a:r>
-              <a:rPr lang="it-IT" dirty="0" smtClean="0"/>
+              <a:rPr lang="it-IT" dirty="0"/>
               <a:t> can </a:t>
             </a:r>
             <a:r>
-              <a:rPr lang="it-IT" dirty="0" err="1" smtClean="0"/>
+              <a:rPr lang="it-IT" dirty="0" err="1"/>
               <a:t>communicate</a:t>
             </a:r>
             <a:r>
-              <a:rPr lang="it-IT" dirty="0" smtClean="0"/>
+              <a:rPr lang="it-IT" dirty="0"/>
               <a:t> </a:t>
             </a:r>
             <a:r>
-              <a:rPr lang="it-IT" dirty="0" err="1" smtClean="0"/>
+              <a:rPr lang="it-IT" dirty="0" err="1"/>
               <a:t>through</a:t>
             </a:r>
             <a:r>
-              <a:rPr lang="it-IT" dirty="0" smtClean="0"/>
+              <a:rPr lang="it-IT" dirty="0"/>
               <a:t> </a:t>
             </a:r>
             <a:r>
-              <a:rPr lang="it-IT" dirty="0" err="1" smtClean="0"/>
+              <a:rPr lang="it-IT" dirty="0" err="1"/>
               <a:t>messages</a:t>
             </a:r>
             <a:r>
-              <a:rPr lang="it-IT" dirty="0" smtClean="0"/>
+              <a:rPr lang="it-IT" dirty="0"/>
               <a:t>.</a:t>
             </a:r>
           </a:p>
@@ -12584,87 +12264,87 @@
               <a:buChar char="•"/>
             </a:pPr>
             <a:r>
-              <a:rPr lang="it-IT" dirty="0" smtClean="0"/>
+              <a:rPr lang="it-IT" dirty="0"/>
               <a:t>With some state management </a:t>
             </a:r>
             <a:r>
-              <a:rPr lang="it-IT" dirty="0" err="1" smtClean="0"/>
+              <a:rPr lang="it-IT" dirty="0" err="1"/>
               <a:t>strategies</a:t>
             </a:r>
             <a:r>
-              <a:rPr lang="it-IT" dirty="0" smtClean="0"/>
+              <a:rPr lang="it-IT" dirty="0"/>
               <a:t> (</a:t>
             </a:r>
             <a:r>
-              <a:rPr lang="it-IT" dirty="0" err="1" smtClean="0"/>
+              <a:rPr lang="it-IT" dirty="0" err="1"/>
               <a:t>like</a:t>
             </a:r>
             <a:r>
-              <a:rPr lang="it-IT" dirty="0" smtClean="0"/>
+              <a:rPr lang="it-IT" dirty="0"/>
               <a:t> </a:t>
             </a:r>
             <a:r>
-              <a:rPr lang="it-IT" dirty="0" err="1" smtClean="0"/>
+              <a:rPr lang="it-IT" dirty="0" err="1"/>
               <a:t>using</a:t>
             </a:r>
             <a:r>
-              <a:rPr lang="it-IT" dirty="0" smtClean="0"/>
+              <a:rPr lang="it-IT" dirty="0"/>
               <a:t> </a:t>
             </a:r>
             <a:r>
-              <a:rPr lang="it-IT" dirty="0" err="1" smtClean="0"/>
+              <a:rPr lang="it-IT" dirty="0" err="1"/>
               <a:t>immutable</a:t>
             </a:r>
             <a:r>
-              <a:rPr lang="it-IT" dirty="0" smtClean="0"/>
+              <a:rPr lang="it-IT" dirty="0"/>
               <a:t> </a:t>
             </a:r>
             <a:r>
-              <a:rPr lang="it-IT" dirty="0" err="1" smtClean="0"/>
+              <a:rPr lang="it-IT" dirty="0" err="1"/>
               <a:t>objects</a:t>
             </a:r>
             <a:r>
-              <a:rPr lang="it-IT" dirty="0" smtClean="0"/>
+              <a:rPr lang="it-IT" dirty="0"/>
               <a:t>), </a:t>
             </a:r>
             <a:r>
-              <a:rPr lang="it-IT" dirty="0" err="1" smtClean="0"/>
+              <a:rPr lang="it-IT" dirty="0" err="1"/>
               <a:t>Observables</a:t>
             </a:r>
             <a:r>
-              <a:rPr lang="it-IT" dirty="0" smtClean="0"/>
+              <a:rPr lang="it-IT" dirty="0"/>
               <a:t> can be </a:t>
             </a:r>
             <a:r>
-              <a:rPr lang="it-IT" dirty="0" err="1" smtClean="0"/>
+              <a:rPr lang="it-IT" dirty="0" err="1"/>
               <a:t>used</a:t>
             </a:r>
             <a:r>
-              <a:rPr lang="it-IT" dirty="0" smtClean="0"/>
+              <a:rPr lang="it-IT" dirty="0"/>
               <a:t> to </a:t>
             </a:r>
             <a:r>
-              <a:rPr lang="it-IT" dirty="0" err="1" smtClean="0"/>
+              <a:rPr lang="it-IT" dirty="0" err="1"/>
               <a:t>push</a:t>
             </a:r>
             <a:r>
-              <a:rPr lang="it-IT" dirty="0" smtClean="0"/>
+              <a:rPr lang="it-IT" dirty="0"/>
               <a:t> state </a:t>
             </a:r>
             <a:r>
-              <a:rPr lang="it-IT" dirty="0" err="1" smtClean="0"/>
+              <a:rPr lang="it-IT" dirty="0" err="1"/>
               <a:t>change</a:t>
             </a:r>
             <a:r>
-              <a:rPr lang="it-IT" dirty="0" smtClean="0"/>
+              <a:rPr lang="it-IT" dirty="0"/>
               <a:t> </a:t>
             </a:r>
             <a:r>
-              <a:rPr lang="it-IT" dirty="0" err="1" smtClean="0"/>
+              <a:rPr lang="it-IT" dirty="0" err="1"/>
               <a:t>notifications</a:t>
             </a:r>
             <a:r>
-              <a:rPr lang="it-IT" dirty="0" smtClean="0"/>
+              <a:rPr lang="it-IT" dirty="0"/>
               <a:t> to the UI.</a:t>
             </a:r>
           </a:p>
@@ -12674,75 +12354,71 @@
               <a:buChar char="•"/>
             </a:pPr>
             <a:r>
-              <a:rPr lang="it-IT" sz="1500" dirty="0" smtClean="0"/>
+              <a:rPr lang="it-IT" sz="1500" dirty="0"/>
               <a:t>Under some </a:t>
             </a:r>
             <a:r>
-              <a:rPr lang="it-IT" sz="1500" dirty="0" err="1" smtClean="0"/>
+              <a:rPr lang="it-IT" sz="1500" dirty="0" err="1"/>
               <a:t>conditions</a:t>
-            </a:r>
-            <a:r>
-              <a:rPr lang="it-IT" sz="1500" dirty="0" smtClean="0"/>
-              <a:t> </a:t>
-            </a:r>
-            <a:r>
-              <a:rPr lang="it-IT" sz="1500" dirty="0" err="1" smtClean="0"/>
-              <a:t>we</a:t>
-            </a:r>
-            <a:r>
-              <a:rPr lang="it-IT" sz="1500" dirty="0" smtClean="0"/>
-              <a:t> can </a:t>
-            </a:r>
-            <a:r>
-              <a:rPr lang="it-IT" sz="1500" dirty="0" err="1" smtClean="0"/>
-              <a:t>disable</a:t>
-            </a:r>
-            <a:r>
-              <a:rPr lang="it-IT" sz="1500" dirty="0" smtClean="0"/>
-              <a:t> </a:t>
-            </a:r>
-            <a:r>
-              <a:rPr lang="it-IT" sz="1500" dirty="0" err="1" smtClean="0"/>
-              <a:t>Angular</a:t>
-            </a:r>
-            <a:r>
-              <a:rPr lang="it-IT" sz="1500" dirty="0" smtClean="0"/>
-              <a:t> </a:t>
-            </a:r>
-            <a:r>
-              <a:rPr lang="it-IT" sz="1500" dirty="0" err="1" smtClean="0"/>
-              <a:t>dirty</a:t>
-            </a:r>
-            <a:r>
-              <a:rPr lang="it-IT" sz="1500" dirty="0" smtClean="0"/>
-              <a:t> </a:t>
-            </a:r>
-            <a:r>
-              <a:rPr lang="it-IT" sz="1500" dirty="0" err="1" smtClean="0"/>
-              <a:t>checking</a:t>
-            </a:r>
-            <a:r>
-              <a:rPr lang="it-IT" sz="1500" dirty="0" smtClean="0"/>
-              <a:t> </a:t>
-            </a:r>
-            <a:r>
-              <a:rPr lang="it-IT" sz="1500" dirty="0" err="1" smtClean="0"/>
-              <a:t>mechanic</a:t>
             </a:r>
             <a:r>
               <a:rPr lang="it-IT" sz="1500" dirty="0"/>
               <a:t> </a:t>
             </a:r>
             <a:r>
-              <a:rPr lang="it-IT" sz="1500" dirty="0" smtClean="0"/>
-              <a:t>and </a:t>
-            </a:r>
-            <a:r>
-              <a:rPr lang="it-IT" sz="1500" dirty="0" err="1" smtClean="0"/>
+              <a:rPr lang="it-IT" sz="1500" dirty="0" err="1"/>
+              <a:t>we</a:t>
+            </a:r>
+            <a:r>
+              <a:rPr lang="it-IT" sz="1500" dirty="0"/>
+              <a:t> can </a:t>
+            </a:r>
+            <a:r>
+              <a:rPr lang="it-IT" sz="1500" dirty="0" err="1"/>
+              <a:t>disable</a:t>
+            </a:r>
+            <a:r>
+              <a:rPr lang="it-IT" sz="1500" dirty="0"/>
+              <a:t> </a:t>
+            </a:r>
+            <a:r>
+              <a:rPr lang="it-IT" sz="1500" dirty="0" err="1"/>
+              <a:t>Angular</a:t>
+            </a:r>
+            <a:r>
+              <a:rPr lang="it-IT" sz="1500" dirty="0"/>
+              <a:t> </a:t>
+            </a:r>
+            <a:r>
+              <a:rPr lang="it-IT" sz="1500" dirty="0" err="1"/>
+              <a:t>dirty</a:t>
+            </a:r>
+            <a:r>
+              <a:rPr lang="it-IT" sz="1500" dirty="0"/>
+              <a:t> </a:t>
+            </a:r>
+            <a:r>
+              <a:rPr lang="it-IT" sz="1500" dirty="0" err="1"/>
+              <a:t>checking</a:t>
+            </a:r>
+            <a:r>
+              <a:rPr lang="it-IT" sz="1500" dirty="0"/>
+              <a:t> </a:t>
+            </a:r>
+            <a:r>
+              <a:rPr lang="it-IT" sz="1500" dirty="0" err="1"/>
+              <a:t>mechanic</a:t>
+            </a:r>
+            <a:r>
+              <a:rPr lang="it-IT" sz="1500" dirty="0"/>
+              <a:t> and </a:t>
+            </a:r>
+            <a:r>
+              <a:rPr lang="it-IT" sz="1500" dirty="0" err="1"/>
               <a:t>improve</a:t>
             </a:r>
             <a:r>
-              <a:rPr lang="it-IT" sz="1500" dirty="0" smtClean="0"/>
+              <a:rPr lang="it-IT" sz="1500" dirty="0"/>
               <a:t> performance.</a:t>
             </a:r>
           </a:p>
@@ -12759,110 +12435,109 @@
               <a:buChar char="•"/>
             </a:pPr>
             <a:r>
-              <a:rPr lang="it-IT" b="1" dirty="0" err="1" smtClean="0"/>
+              <a:rPr lang="it-IT" b="1" dirty="0" err="1"/>
               <a:t>Keep</a:t>
             </a:r>
             <a:r>
-              <a:rPr lang="it-IT" b="1" dirty="0" smtClean="0"/>
+              <a:rPr lang="it-IT" b="1" dirty="0"/>
               <a:t> in </a:t>
             </a:r>
             <a:r>
-              <a:rPr lang="it-IT" b="1" dirty="0" err="1" smtClean="0"/>
+              <a:rPr lang="it-IT" b="1" dirty="0" err="1"/>
               <a:t>mind</a:t>
             </a:r>
             <a:r>
-              <a:rPr lang="it-IT" b="1" dirty="0" smtClean="0"/>
+              <a:rPr lang="it-IT" b="1" dirty="0"/>
               <a:t> the </a:t>
             </a:r>
             <a:r>
-              <a:rPr lang="it-IT" b="1" dirty="0" err="1" smtClean="0"/>
+              <a:rPr lang="it-IT" b="1" dirty="0" err="1"/>
               <a:t>Unicast</a:t>
             </a:r>
             <a:r>
-              <a:rPr lang="it-IT" b="1" dirty="0" smtClean="0"/>
+              <a:rPr lang="it-IT" b="1" dirty="0"/>
               <a:t> | Multicast </a:t>
             </a:r>
             <a:r>
-              <a:rPr lang="it-IT" b="1" dirty="0" err="1" smtClean="0"/>
+              <a:rPr lang="it-IT" b="1" dirty="0" err="1"/>
               <a:t>behavior</a:t>
             </a:r>
             <a:r>
-              <a:rPr lang="it-IT" b="1" dirty="0" smtClean="0"/>
+              <a:rPr lang="it-IT" b="1" dirty="0"/>
               <a:t> and </a:t>
             </a:r>
             <a:r>
-              <a:rPr lang="it-IT" b="1" dirty="0" err="1" smtClean="0"/>
+              <a:rPr lang="it-IT" b="1" dirty="0" err="1"/>
               <a:t>apply</a:t>
             </a:r>
             <a:r>
-              <a:rPr lang="it-IT" b="1" dirty="0" smtClean="0"/>
+              <a:rPr lang="it-IT" b="1" dirty="0"/>
               <a:t> </a:t>
             </a:r>
             <a:r>
-              <a:rPr lang="it-IT" b="1" dirty="0" err="1" smtClean="0"/>
+              <a:rPr lang="it-IT" b="1" dirty="0" err="1"/>
               <a:t>strategies</a:t>
             </a:r>
             <a:r>
-              <a:rPr lang="it-IT" b="1" dirty="0" smtClean="0"/>
+              <a:rPr lang="it-IT" b="1" dirty="0"/>
               <a:t> to reduce the </a:t>
             </a:r>
             <a:r>
-              <a:rPr lang="it-IT" b="1" dirty="0" err="1" smtClean="0"/>
+              <a:rPr lang="it-IT" b="1" dirty="0" err="1"/>
               <a:t>possible</a:t>
             </a:r>
             <a:r>
-              <a:rPr lang="it-IT" b="1" dirty="0" smtClean="0"/>
+              <a:rPr lang="it-IT" b="1" dirty="0"/>
               <a:t> performance </a:t>
             </a:r>
             <a:r>
-              <a:rPr lang="it-IT" b="1" dirty="0" err="1" smtClean="0"/>
+              <a:rPr lang="it-IT" b="1" dirty="0" err="1"/>
               <a:t>penalties</a:t>
             </a:r>
             <a:r>
-              <a:rPr lang="it-IT" b="1" dirty="0" smtClean="0"/>
+              <a:rPr lang="it-IT" b="1" dirty="0"/>
               <a:t> </a:t>
             </a:r>
             <a:r>
-              <a:rPr lang="it-IT" b="1" dirty="0" err="1" smtClean="0"/>
+              <a:rPr lang="it-IT" b="1" dirty="0" err="1"/>
               <a:t>that</a:t>
             </a:r>
             <a:r>
-              <a:rPr lang="it-IT" b="1" dirty="0" smtClean="0"/>
+              <a:rPr lang="it-IT" b="1" dirty="0"/>
               <a:t> </a:t>
             </a:r>
             <a:r>
-              <a:rPr lang="it-IT" b="1" dirty="0" err="1" smtClean="0"/>
+              <a:rPr lang="it-IT" b="1" dirty="0" err="1"/>
               <a:t>results</a:t>
             </a:r>
             <a:r>
-              <a:rPr lang="it-IT" b="1" dirty="0" smtClean="0"/>
+              <a:rPr lang="it-IT" b="1" dirty="0"/>
               <a:t> in multiple </a:t>
             </a:r>
             <a:r>
-              <a:rPr lang="it-IT" b="1" dirty="0" err="1" smtClean="0"/>
+              <a:rPr lang="it-IT" b="1" dirty="0" err="1"/>
               <a:t>subscriptions</a:t>
             </a:r>
             <a:r>
-              <a:rPr lang="it-IT" b="1" dirty="0" smtClean="0"/>
+              <a:rPr lang="it-IT" b="1" dirty="0"/>
               <a:t> to the </a:t>
             </a:r>
             <a:r>
-              <a:rPr lang="it-IT" b="1" dirty="0" err="1" smtClean="0"/>
+              <a:rPr lang="it-IT" b="1" dirty="0" err="1"/>
               <a:t>same</a:t>
             </a:r>
             <a:r>
-              <a:rPr lang="it-IT" b="1" dirty="0" smtClean="0"/>
+              <a:rPr lang="it-IT" b="1" dirty="0"/>
               <a:t> </a:t>
             </a:r>
             <a:r>
-              <a:rPr lang="it-IT" b="1" dirty="0" err="1" smtClean="0"/>
+              <a:rPr lang="it-IT" b="1" dirty="0" err="1"/>
               <a:t>observable</a:t>
             </a:r>
             <a:r>
-              <a:rPr lang="it-IT" b="1" dirty="0" smtClean="0"/>
+              <a:rPr lang="it-IT" b="1" dirty="0"/>
               <a:t>.</a:t>
             </a:r>
-            <a:endParaRPr lang="it-IT" b="1" dirty="0"/>
           </a:p>
         </p:txBody>
       </p:sp>
@@ -13205,6 +12880,229 @@
 </p:sld>
 </file>
 
+<file path=ppt/slides/slide29.xml><?xml version="1.0" encoding="utf-8"?>
+<p:sld xmlns:a="http://schemas.openxmlformats.org/drawingml/2006/main" xmlns:r="http://schemas.openxmlformats.org/officeDocument/2006/relationships" xmlns:p="http://schemas.openxmlformats.org/presentationml/2006/main">
+  <p:cSld>
+    <p:spTree>
+      <p:nvGrpSpPr>
+        <p:cNvPr id="1" name=""/>
+        <p:cNvGrpSpPr/>
+        <p:nvPr/>
+      </p:nvGrpSpPr>
+      <p:grpSpPr>
+        <a:xfrm>
+          <a:off x="0" y="0"/>
+          <a:ext cx="0" cy="0"/>
+          <a:chOff x="0" y="0"/>
+          <a:chExt cx="0" cy="0"/>
+        </a:xfrm>
+      </p:grpSpPr>
+      <p:sp>
+        <p:nvSpPr>
+          <p:cNvPr id="4" name="Titolo 3"/>
+          <p:cNvSpPr>
+            <a:spLocks noGrp="1"/>
+          </p:cNvSpPr>
+          <p:nvPr>
+            <p:ph type="title"/>
+          </p:nvPr>
+        </p:nvSpPr>
+        <p:spPr/>
+        <p:txBody>
+          <a:bodyPr/>
+          <a:lstStyle/>
+          <a:p>
+            <a:r>
+              <a:rPr lang="it-IT" dirty="0"/>
+              <a:t>Reference</a:t>
+            </a:r>
+          </a:p>
+        </p:txBody>
+      </p:sp>
+      <p:sp>
+        <p:nvSpPr>
+          <p:cNvPr id="5" name="Segnaposto contenuto 4"/>
+          <p:cNvSpPr>
+            <a:spLocks noGrp="1"/>
+          </p:cNvSpPr>
+          <p:nvPr>
+            <p:ph idx="1"/>
+          </p:nvPr>
+        </p:nvSpPr>
+        <p:spPr/>
+        <p:txBody>
+          <a:bodyPr>
+            <a:normAutofit/>
+          </a:bodyPr>
+          <a:lstStyle/>
+          <a:p>
+            <a:endParaRPr lang="it-IT" dirty="0"/>
+          </a:p>
+          <a:p>
+            <a:r>
+              <a:rPr lang="it-IT" dirty="0" err="1"/>
+              <a:t>Reactive</a:t>
+            </a:r>
+            <a:r>
+              <a:rPr lang="it-IT" dirty="0"/>
+              <a:t> Manifesto: </a:t>
+            </a:r>
+            <a:r>
+              <a:rPr lang="it-IT" dirty="0">
+                <a:hlinkClick r:id="rId3"/>
+              </a:rPr>
+              <a:t>https://www.reactivemanifesto.org/</a:t>
+            </a:r>
+            <a:endParaRPr lang="it-IT" dirty="0"/>
+          </a:p>
+          <a:p>
+            <a:r>
+              <a:rPr lang="en-US" dirty="0" err="1"/>
+              <a:t>RxJS</a:t>
+            </a:r>
+            <a:r>
+              <a:rPr lang="en-US" dirty="0"/>
+              <a:t> GitHub: </a:t>
+            </a:r>
+            <a:r>
+              <a:rPr lang="en-US" u="sng" dirty="0">
+                <a:hlinkClick r:id="rId4"/>
+              </a:rPr>
+              <a:t>https://github.com/ReactiveX/rxjs</a:t>
+            </a:r>
+            <a:endParaRPr lang="it-IT" dirty="0"/>
+          </a:p>
+          <a:p>
+            <a:r>
+              <a:rPr lang="it-IT" dirty="0" err="1"/>
+              <a:t>RxJS</a:t>
+            </a:r>
+            <a:r>
+              <a:rPr lang="it-IT" dirty="0"/>
+              <a:t> </a:t>
+            </a:r>
+            <a:r>
+              <a:rPr lang="it-IT" dirty="0" err="1"/>
+              <a:t>documentation</a:t>
+            </a:r>
+            <a:r>
+              <a:rPr lang="it-IT" dirty="0"/>
+              <a:t>: </a:t>
+            </a:r>
+            <a:r>
+              <a:rPr lang="it-IT" dirty="0">
+                <a:hlinkClick r:id="rId5"/>
+              </a:rPr>
+              <a:t>https://rxjs-dev.firebaseapp.com/</a:t>
+            </a:r>
+            <a:r>
+              <a:rPr lang="it-IT" dirty="0"/>
+              <a:t> </a:t>
+            </a:r>
+          </a:p>
+          <a:p>
+            <a:r>
+              <a:rPr lang="it-IT" dirty="0" err="1"/>
+              <a:t>Old</a:t>
+            </a:r>
+            <a:r>
+              <a:rPr lang="it-IT" dirty="0"/>
+              <a:t> </a:t>
+            </a:r>
+            <a:r>
+              <a:rPr lang="it-IT" dirty="0" err="1"/>
+              <a:t>RxJS</a:t>
+            </a:r>
+            <a:r>
+              <a:rPr lang="it-IT" dirty="0"/>
+              <a:t> </a:t>
+            </a:r>
+            <a:r>
+              <a:rPr lang="it-IT" dirty="0" err="1"/>
+              <a:t>documentation</a:t>
+            </a:r>
+            <a:r>
+              <a:rPr lang="it-IT" dirty="0"/>
+              <a:t>: </a:t>
+            </a:r>
+            <a:r>
+              <a:rPr lang="it-IT" dirty="0">
+                <a:hlinkClick r:id="rId6"/>
+              </a:rPr>
+              <a:t>http://reactivex.io/rxjs/manual/index.html</a:t>
+            </a:r>
+            <a:endParaRPr lang="it-IT" dirty="0"/>
+          </a:p>
+          <a:p>
+            <a:r>
+              <a:rPr lang="en-US" dirty="0" err="1"/>
+              <a:t>RxJS</a:t>
+            </a:r>
+            <a:r>
+              <a:rPr lang="en-US" dirty="0"/>
+              <a:t> marbles: </a:t>
+            </a:r>
+            <a:r>
+              <a:rPr lang="en-US" u="sng" dirty="0">
+                <a:hlinkClick r:id="rId7"/>
+              </a:rPr>
+              <a:t>http://rxmarbles.com/</a:t>
+            </a:r>
+            <a:endParaRPr lang="en-US" dirty="0"/>
+          </a:p>
+          <a:p>
+            <a:r>
+              <a:rPr lang="en-US" dirty="0"/>
+              <a:t>Learn </a:t>
+            </a:r>
+            <a:r>
+              <a:rPr lang="en-US" dirty="0" err="1"/>
+              <a:t>RxJS</a:t>
+            </a:r>
+            <a:r>
+              <a:rPr lang="en-US" dirty="0"/>
+              <a:t>: </a:t>
+            </a:r>
+            <a:r>
+              <a:rPr lang="en-US" u="sng" dirty="0">
+                <a:hlinkClick r:id="rId8"/>
+              </a:rPr>
+              <a:t>https://www.learnrxjs.io/</a:t>
+            </a:r>
+            <a:endParaRPr lang="en-US" dirty="0"/>
+          </a:p>
+          <a:p>
+            <a:r>
+              <a:rPr lang="it-IT" dirty="0" err="1"/>
+              <a:t>Angular</a:t>
+            </a:r>
+            <a:r>
+              <a:rPr lang="it-IT" dirty="0"/>
+              <a:t>: </a:t>
+            </a:r>
+            <a:r>
+              <a:rPr lang="it-IT" dirty="0">
+                <a:hlinkClick r:id="rId9"/>
+              </a:rPr>
+              <a:t>https://angular.io/</a:t>
+            </a:r>
+            <a:endParaRPr lang="it-IT" dirty="0"/>
+          </a:p>
+        </p:txBody>
+      </p:sp>
+    </p:spTree>
+    <p:extLst>
+      <p:ext uri="{BB962C8B-B14F-4D97-AF65-F5344CB8AC3E}">
+        <p14:creationId xmlns:p14="http://schemas.microsoft.com/office/powerpoint/2010/main" val="3254142067"/>
+      </p:ext>
+    </p:extLst>
+  </p:cSld>
+  <p:clrMapOvr>
+    <a:masterClrMapping/>
+  </p:clrMapOvr>
+</p:sld>
+</file>
+
 <file path=ppt/slides/slide3.xml><?xml version="1.0" encoding="utf-8"?>
 <p:sld xmlns:a="http://schemas.openxmlformats.org/drawingml/2006/main" xmlns:r="http://schemas.openxmlformats.org/officeDocument/2006/relationships" xmlns:p="http://schemas.openxmlformats.org/presentationml/2006/main">
   <p:cSld>
@@ -13238,49 +13136,44 @@
           <a:lstStyle/>
           <a:p>
             <a:r>
-              <a:rPr lang="it-IT" dirty="0" smtClean="0"/>
+              <a:rPr lang="it-IT" dirty="0"/>
               <a:t>Wikipedia: </a:t>
             </a:r>
             <a:r>
-              <a:rPr lang="it-IT" dirty="0" err="1" smtClean="0"/>
+              <a:rPr lang="it-IT" dirty="0" err="1"/>
               <a:t>Reactive</a:t>
             </a:r>
             <a:r>
-              <a:rPr lang="it-IT" dirty="0" smtClean="0"/>
+              <a:rPr lang="it-IT" dirty="0"/>
               <a:t> Programming</a:t>
             </a:r>
+          </a:p>
+        </p:txBody>
+      </p:sp>
+      <p:sp>
+        <p:nvSpPr>
+          <p:cNvPr id="3" name="Segnaposto contenuto 2"/>
+          <p:cNvSpPr>
+            <a:spLocks noGrp="1"/>
+          </p:cNvSpPr>
+          <p:nvPr>
+            <p:ph idx="1"/>
+          </p:nvPr>
+        </p:nvSpPr>
+        <p:spPr/>
+        <p:txBody>
+          <a:bodyPr/>
+          <a:lstStyle/>
+          <a:p>
             <a:endParaRPr lang="it-IT" dirty="0"/>
           </a:p>
-        </p:txBody>
-      </p:sp>
-      <p:sp>
-        <p:nvSpPr>
-          <p:cNvPr id="3" name="Segnaposto contenuto 2"/>
-          <p:cNvSpPr>
-            <a:spLocks noGrp="1"/>
-          </p:cNvSpPr>
-          <p:nvPr>
-            <p:ph idx="1"/>
-          </p:nvPr>
-        </p:nvSpPr>
-        <p:spPr/>
-        <p:txBody>
-          <a:bodyPr/>
-          <a:lstStyle/>
-          <a:p>
-            <a:endParaRPr lang="it-IT" dirty="0" smtClean="0"/>
-          </a:p>
-          <a:p>
-            <a:endParaRPr lang="it-IT" dirty="0" smtClean="0"/>
-          </a:p>
-          <a:p>
-            <a:r>
-              <a:rPr lang="en-US" dirty="0" smtClean="0"/>
-              <a:t>…</a:t>
-            </a:r>
+          <a:p>
+            <a:endParaRPr lang="it-IT" dirty="0"/>
+          </a:p>
+          <a:p>
             <a:r>
               <a:rPr lang="en-US" dirty="0"/>
-              <a:t> </a:t>
+              <a:t>… </a:t>
             </a:r>
             <a:r>
               <a:rPr lang="en-US" b="1" dirty="0"/>
@@ -13310,16 +13203,11 @@
               <a:rPr lang="en-US" dirty="0"/>
               <a:t> and the propagation of change. </a:t>
             </a:r>
-            <a:endParaRPr lang="en-US" dirty="0" smtClean="0"/>
-          </a:p>
-          <a:p>
-            <a:r>
-              <a:rPr lang="en-US" dirty="0" smtClean="0"/>
-              <a:t>With </a:t>
-            </a:r>
+          </a:p>
+          <a:p>
             <a:r>
               <a:rPr lang="en-US" dirty="0"/>
-              <a:t>this paradigm it is possible to express static (e.g., arrays) or dynamic (e.g., event emitters) </a:t>
+              <a:t>With this paradigm it is possible to express static (e.g., arrays) or dynamic (e.g., event emitters) </a:t>
             </a:r>
             <a:r>
               <a:rPr lang="en-US" i="1" dirty="0"/>
@@ -13335,16 +13223,12 @@
             </a:r>
             <a:r>
               <a:rPr lang="en-US" dirty="0"/>
-              <a:t> exists, which facilitates the automatic propagation of the changed data </a:t>
-            </a:r>
-            <a:r>
-              <a:rPr lang="en-US" dirty="0" smtClean="0"/>
-              <a:t>flow.</a:t>
-            </a:r>
-          </a:p>
-          <a:p>
-            <a:r>
-              <a:rPr lang="en-US" dirty="0" smtClean="0"/>
+              <a:t> exists, which facilitates the automatic propagation of the changed data flow.</a:t>
+            </a:r>
+          </a:p>
+          <a:p>
+            <a:r>
+              <a:rPr lang="en-US" dirty="0"/>
               <a:t>(… more paragraphs explaining the thing follow…)</a:t>
             </a:r>
             <a:endParaRPr lang="it-IT" dirty="0"/>
@@ -13605,7 +13489,7 @@
 </file>
 
 <file path=ppt/slides/slide30.xml><?xml version="1.0" encoding="utf-8"?>
-<p:sld xmlns:a="http://schemas.openxmlformats.org/drawingml/2006/main" xmlns:r="http://schemas.openxmlformats.org/officeDocument/2006/relationships" xmlns:p="http://schemas.openxmlformats.org/presentationml/2006/main">
+<p:sld xmlns:a="http://schemas.openxmlformats.org/drawingml/2006/main" xmlns:r="http://schemas.openxmlformats.org/officeDocument/2006/relationships" xmlns:p="http://schemas.openxmlformats.org/presentationml/2006/main" show="0">
   <p:cSld>
     <p:spTree>
       <p:nvGrpSpPr>
@@ -13623,7 +13507,7 @@
       </p:grpSpPr>
       <p:sp>
         <p:nvSpPr>
-          <p:cNvPr id="4" name="Titolo 3"/>
+          <p:cNvPr id="2" name="Titolo 1"/>
           <p:cNvSpPr>
             <a:spLocks noGrp="1"/>
           </p:cNvSpPr>
@@ -13637,330 +13521,21 @@
           <a:lstStyle/>
           <a:p>
             <a:r>
-              <a:rPr lang="it-IT" dirty="0" smtClean="0"/>
-              <a:t>Reference</a:t>
-            </a:r>
-            <a:endParaRPr lang="it-IT" dirty="0"/>
-          </a:p>
-        </p:txBody>
-      </p:sp>
-      <p:sp>
-        <p:nvSpPr>
-          <p:cNvPr id="5" name="Segnaposto contenuto 4"/>
-          <p:cNvSpPr>
-            <a:spLocks noGrp="1"/>
-          </p:cNvSpPr>
-          <p:nvPr>
-            <p:ph idx="1"/>
-          </p:nvPr>
-        </p:nvSpPr>
-        <p:spPr/>
-        <p:txBody>
-          <a:bodyPr>
-            <a:normAutofit/>
-          </a:bodyPr>
-          <a:lstStyle/>
-          <a:p>
-            <a:endParaRPr lang="it-IT" dirty="0" smtClean="0"/>
-          </a:p>
-          <a:p>
-            <a:r>
-              <a:rPr lang="it-IT" dirty="0" err="1" smtClean="0"/>
-              <a:t>Reactive</a:t>
-            </a:r>
-            <a:r>
-              <a:rPr lang="it-IT" dirty="0" smtClean="0"/>
-              <a:t> Manifesto</a:t>
-            </a:r>
-            <a:r>
-              <a:rPr lang="it-IT" dirty="0"/>
-              <a:t>: </a:t>
-            </a:r>
-            <a:r>
-              <a:rPr lang="it-IT" dirty="0">
-                <a:hlinkClick r:id="rId3"/>
-              </a:rPr>
-              <a:t>https://www.reactivemanifesto.org</a:t>
-            </a:r>
-            <a:r>
-              <a:rPr lang="it-IT" dirty="0" smtClean="0">
-                <a:hlinkClick r:id="rId3"/>
-              </a:rPr>
-              <a:t>/</a:t>
-            </a:r>
-            <a:endParaRPr lang="it-IT" dirty="0" smtClean="0"/>
-          </a:p>
-          <a:p>
-            <a:r>
-              <a:rPr lang="en-US" dirty="0" err="1" smtClean="0"/>
-              <a:t>RxJS</a:t>
-            </a:r>
-            <a:r>
-              <a:rPr lang="en-US" dirty="0" smtClean="0"/>
-              <a:t> GitHub: </a:t>
-            </a:r>
-            <a:r>
-              <a:rPr lang="en-US" u="sng" dirty="0" smtClean="0">
-                <a:hlinkClick r:id="rId4"/>
-              </a:rPr>
-              <a:t>https</a:t>
-            </a:r>
-            <a:r>
-              <a:rPr lang="en-US" u="sng" dirty="0">
-                <a:hlinkClick r:id="rId4"/>
-              </a:rPr>
-              <a:t>://</a:t>
-            </a:r>
-            <a:r>
-              <a:rPr lang="en-US" u="sng" dirty="0" smtClean="0">
-                <a:hlinkClick r:id="rId4"/>
-              </a:rPr>
-              <a:t>github.com/ReactiveX/rxjs</a:t>
-            </a:r>
-            <a:endParaRPr lang="it-IT" dirty="0" smtClean="0"/>
-          </a:p>
-          <a:p>
-            <a:r>
-              <a:rPr lang="it-IT" dirty="0" err="1" smtClean="0"/>
-              <a:t>RxJS</a:t>
-            </a:r>
-            <a:r>
-              <a:rPr lang="it-IT" dirty="0" smtClean="0"/>
+              <a:rPr lang="it-IT" dirty="0" err="1"/>
+              <a:t>Who</a:t>
+            </a:r>
+            <a:r>
+              <a:rPr lang="it-IT" dirty="0"/>
               <a:t> </a:t>
             </a:r>
             <a:r>
               <a:rPr lang="it-IT" dirty="0" err="1"/>
-              <a:t>d</a:t>
-            </a:r>
-            <a:r>
-              <a:rPr lang="it-IT" dirty="0" err="1" smtClean="0"/>
-              <a:t>ocumentation</a:t>
-            </a:r>
-            <a:r>
-              <a:rPr lang="it-IT" dirty="0" smtClean="0"/>
-              <a:t>: </a:t>
-            </a:r>
-            <a:r>
-              <a:rPr lang="it-IT" dirty="0">
-                <a:hlinkClick r:id="rId5"/>
-              </a:rPr>
-              <a:t>https://rxjs-dev.firebaseapp.com</a:t>
-            </a:r>
-            <a:r>
-              <a:rPr lang="it-IT" dirty="0" smtClean="0">
-                <a:hlinkClick r:id="rId5"/>
-              </a:rPr>
-              <a:t>/</a:t>
-            </a:r>
-            <a:r>
-              <a:rPr lang="it-IT" dirty="0"/>
-              <a:t> </a:t>
-            </a:r>
-            <a:endParaRPr lang="it-IT" dirty="0" smtClean="0"/>
-          </a:p>
-          <a:p>
-            <a:r>
-              <a:rPr lang="it-IT" dirty="0" err="1" smtClean="0"/>
-              <a:t>Old</a:t>
-            </a:r>
-            <a:r>
-              <a:rPr lang="it-IT" dirty="0" smtClean="0"/>
-              <a:t> </a:t>
-            </a:r>
-            <a:r>
-              <a:rPr lang="it-IT" dirty="0" err="1" smtClean="0"/>
-              <a:t>RxJS</a:t>
-            </a:r>
-            <a:r>
-              <a:rPr lang="it-IT" dirty="0" smtClean="0"/>
-              <a:t> </a:t>
-            </a:r>
-            <a:r>
-              <a:rPr lang="it-IT" dirty="0" err="1" smtClean="0"/>
-              <a:t>documentation</a:t>
-            </a:r>
-            <a:r>
-              <a:rPr lang="it-IT" dirty="0" smtClean="0"/>
-              <a:t>: </a:t>
-            </a:r>
-            <a:r>
-              <a:rPr lang="it-IT" dirty="0">
-                <a:hlinkClick r:id="rId6"/>
-              </a:rPr>
-              <a:t>http://</a:t>
-            </a:r>
-            <a:r>
-              <a:rPr lang="it-IT" dirty="0" smtClean="0">
-                <a:hlinkClick r:id="rId6"/>
-              </a:rPr>
-              <a:t>reactivex.io/rxjs/manual/index.html</a:t>
-            </a:r>
-            <a:endParaRPr lang="it-IT" dirty="0" smtClean="0"/>
-          </a:p>
-          <a:p>
-            <a:r>
-              <a:rPr lang="en-US" dirty="0" err="1" smtClean="0"/>
-              <a:t>RxJS</a:t>
-            </a:r>
-            <a:r>
-              <a:rPr lang="en-US" dirty="0" smtClean="0"/>
-              <a:t> marbles: </a:t>
-            </a:r>
-            <a:r>
-              <a:rPr lang="en-US" u="sng" dirty="0" smtClean="0">
-                <a:hlinkClick r:id="rId7"/>
-              </a:rPr>
-              <a:t>http</a:t>
-            </a:r>
-            <a:r>
-              <a:rPr lang="en-US" u="sng" dirty="0">
-                <a:hlinkClick r:id="rId7"/>
-              </a:rPr>
-              <a:t>://</a:t>
-            </a:r>
-            <a:r>
-              <a:rPr lang="en-US" u="sng" dirty="0" smtClean="0">
-                <a:hlinkClick r:id="rId7"/>
-              </a:rPr>
-              <a:t>rxmarbles.com/</a:t>
-            </a:r>
-            <a:endParaRPr lang="en-US" dirty="0" smtClean="0"/>
-          </a:p>
-          <a:p>
-            <a:r>
-              <a:rPr lang="en-US" dirty="0" smtClean="0"/>
-              <a:t>Learn </a:t>
-            </a:r>
-            <a:r>
-              <a:rPr lang="en-US" dirty="0" err="1" smtClean="0"/>
-              <a:t>RxJS</a:t>
-            </a:r>
-            <a:r>
-              <a:rPr lang="en-US" dirty="0" smtClean="0"/>
-              <a:t>: </a:t>
-            </a:r>
-            <a:r>
-              <a:rPr lang="en-US" u="sng" dirty="0" smtClean="0">
-                <a:hlinkClick r:id="rId8"/>
-              </a:rPr>
-              <a:t>https</a:t>
-            </a:r>
-            <a:r>
-              <a:rPr lang="en-US" u="sng" dirty="0">
-                <a:hlinkClick r:id="rId8"/>
-              </a:rPr>
-              <a:t>://www.learnrxjs.io</a:t>
-            </a:r>
-            <a:r>
-              <a:rPr lang="en-US" u="sng" dirty="0" smtClean="0">
-                <a:hlinkClick r:id="rId8"/>
-              </a:rPr>
-              <a:t>/</a:t>
-            </a:r>
-            <a:endParaRPr lang="en-US" dirty="0" smtClean="0"/>
-          </a:p>
-          <a:p>
-            <a:r>
-              <a:rPr lang="it-IT" dirty="0" err="1" smtClean="0"/>
-              <a:t>Angular</a:t>
-            </a:r>
-            <a:r>
-              <a:rPr lang="it-IT" dirty="0" smtClean="0"/>
-              <a:t>: </a:t>
-            </a:r>
-            <a:r>
-              <a:rPr lang="it-IT" dirty="0">
-                <a:hlinkClick r:id="rId9"/>
-              </a:rPr>
-              <a:t>https://angular.io</a:t>
-            </a:r>
-            <a:r>
-              <a:rPr lang="it-IT" dirty="0" smtClean="0">
-                <a:hlinkClick r:id="rId9"/>
-              </a:rPr>
-              <a:t>/</a:t>
-            </a:r>
-            <a:endParaRPr lang="it-IT" dirty="0" smtClean="0"/>
-          </a:p>
-        </p:txBody>
-      </p:sp>
-    </p:spTree>
-    <p:extLst>
-      <p:ext uri="{BB962C8B-B14F-4D97-AF65-F5344CB8AC3E}">
-        <p14:creationId xmlns:p14="http://schemas.microsoft.com/office/powerpoint/2010/main" val="3254142067"/>
-      </p:ext>
-    </p:extLst>
-  </p:cSld>
-  <p:clrMapOvr>
-    <a:masterClrMapping/>
-  </p:clrMapOvr>
-  <mc:AlternateContent xmlns:mc="http://schemas.openxmlformats.org/markup-compatibility/2006" xmlns:p14="http://schemas.microsoft.com/office/powerpoint/2010/main">
-    <mc:Choice Requires="p14">
-      <p:transition spd="slow" p14:dur="2000"/>
-    </mc:Choice>
-    <mc:Fallback xmlns="">
-      <p:transition spd="slow"/>
-    </mc:Fallback>
-  </mc:AlternateContent>
-  <p:timing>
-    <p:tnLst>
-      <p:par>
-        <p:cTn id="1" dur="indefinite" restart="never" nodeType="tmRoot"/>
-      </p:par>
-    </p:tnLst>
-  </p:timing>
-</p:sld>
-</file>
-
-<file path=ppt/slides/slide31.xml><?xml version="1.0" encoding="utf-8"?>
-<p:sld xmlns:a="http://schemas.openxmlformats.org/drawingml/2006/main" xmlns:r="http://schemas.openxmlformats.org/officeDocument/2006/relationships" xmlns:p="http://schemas.openxmlformats.org/presentationml/2006/main">
-  <p:cSld>
-    <p:spTree>
-      <p:nvGrpSpPr>
-        <p:cNvPr id="1" name=""/>
-        <p:cNvGrpSpPr/>
-        <p:nvPr/>
-      </p:nvGrpSpPr>
-      <p:grpSpPr>
-        <a:xfrm>
-          <a:off x="0" y="0"/>
-          <a:ext cx="0" cy="0"/>
-          <a:chOff x="0" y="0"/>
-          <a:chExt cx="0" cy="0"/>
-        </a:xfrm>
-      </p:grpSpPr>
-      <p:sp>
-        <p:nvSpPr>
-          <p:cNvPr id="2" name="Titolo 1"/>
-          <p:cNvSpPr>
-            <a:spLocks noGrp="1"/>
-          </p:cNvSpPr>
-          <p:nvPr>
-            <p:ph type="title"/>
-          </p:nvPr>
-        </p:nvSpPr>
-        <p:spPr/>
-        <p:txBody>
-          <a:bodyPr/>
-          <a:lstStyle/>
-          <a:p>
-            <a:r>
-              <a:rPr lang="it-IT" dirty="0" err="1" smtClean="0"/>
-              <a:t>Who</a:t>
-            </a:r>
-            <a:r>
-              <a:rPr lang="it-IT" dirty="0" smtClean="0"/>
-              <a:t> </a:t>
-            </a:r>
-            <a:r>
-              <a:rPr lang="it-IT" dirty="0" err="1" smtClean="0"/>
               <a:t>am</a:t>
             </a:r>
             <a:r>
-              <a:rPr lang="it-IT" dirty="0" smtClean="0"/>
+              <a:rPr lang="it-IT" dirty="0"/>
               <a:t> I ?</a:t>
             </a:r>
-            <a:endParaRPr lang="it-IT" dirty="0"/>
           </a:p>
         </p:txBody>
       </p:sp>
@@ -13984,18 +13559,18 @@
             <a:pPr marL="0" indent="0">
               <a:buNone/>
             </a:pPr>
-            <a:endParaRPr lang="en-US" sz="4400" i="1" dirty="0" smtClean="0"/>
+            <a:endParaRPr lang="en-US" sz="4400" i="1" dirty="0"/>
           </a:p>
           <a:p>
             <a:pPr marL="0" indent="0">
               <a:buNone/>
             </a:pPr>
             <a:r>
-              <a:rPr lang="en-US" sz="4400" i="1" dirty="0" err="1" smtClean="0"/>
+              <a:rPr lang="en-US" sz="4400" i="1" dirty="0" err="1"/>
               <a:t>Dott.ing</a:t>
             </a:r>
             <a:r>
-              <a:rPr lang="en-US" sz="4400" i="1" dirty="0" smtClean="0"/>
+              <a:rPr lang="en-US" sz="4400" i="1" dirty="0"/>
               <a:t>. Alessandro </a:t>
             </a:r>
             <a:r>
@@ -14012,7 +13587,7 @@
             <a:pPr marL="0" indent="0">
               <a:buNone/>
             </a:pPr>
-            <a:endParaRPr lang="en-US" sz="3200" i="1" dirty="0" smtClean="0">
+            <a:endParaRPr lang="en-US" sz="3200" i="1" dirty="0">
               <a:solidFill>
                 <a:srgbClr val="000000"/>
               </a:solidFill>
@@ -14224,7 +13799,7 @@
           <a:p>
             <a:pPr algn="r"/>
             <a:r>
-              <a:rPr lang="it-IT" sz="1000" dirty="0" smtClean="0">
+              <a:rPr lang="it-IT" sz="1000" dirty="0">
                 <a:solidFill>
                   <a:schemeClr val="bg1"/>
                 </a:solidFill>
@@ -14232,41 +13807,28 @@
               <a:t>Alessandro </a:t>
             </a:r>
             <a:r>
-              <a:rPr lang="it-IT" sz="1000" dirty="0" err="1" smtClean="0">
+              <a:rPr lang="it-IT" sz="1000" dirty="0" err="1">
                 <a:solidFill>
                   <a:schemeClr val="bg1"/>
                 </a:solidFill>
               </a:rPr>
               <a:t>Giorgetti</a:t>
             </a:r>
-            <a:r>
-              <a:rPr lang="it-IT" sz="1000" dirty="0" smtClean="0">
-                <a:solidFill>
-                  <a:schemeClr val="bg1"/>
-                </a:solidFill>
-              </a:rPr>
-              <a:t/>
-            </a:r>
             <a:br>
-              <a:rPr lang="it-IT" sz="1000" dirty="0" smtClean="0">
+              <a:rPr lang="it-IT" sz="1000" dirty="0">
                 <a:solidFill>
                   <a:schemeClr val="bg1"/>
                 </a:solidFill>
               </a:rPr>
             </a:br>
             <a:r>
-              <a:rPr lang="it-IT" sz="1000" dirty="0" smtClean="0">
+              <a:rPr lang="it-IT" sz="1000" dirty="0">
                 <a:solidFill>
                   <a:schemeClr val="bg1"/>
                 </a:solidFill>
               </a:rPr>
               <a:t>www.primordialcode.com</a:t>
             </a:r>
-            <a:endParaRPr lang="it-IT" sz="1000" dirty="0">
-              <a:solidFill>
-                <a:schemeClr val="bg1"/>
-              </a:solidFill>
-            </a:endParaRPr>
           </a:p>
         </p:txBody>
       </p:sp>
@@ -14327,13 +13889,6 @@
   <p:clrMapOvr>
     <a:masterClrMapping/>
   </p:clrMapOvr>
-  <p:timing>
-    <p:tnLst>
-      <p:par>
-        <p:cTn id="1" dur="indefinite" restart="never" nodeType="tmRoot"/>
-      </p:par>
-    </p:tnLst>
-  </p:timing>
 </p:sld>
 </file>
 
@@ -14370,30 +13925,29 @@
           <a:lstStyle/>
           <a:p>
             <a:r>
-              <a:rPr lang="it-IT" dirty="0" err="1" smtClean="0"/>
+              <a:rPr lang="it-IT" dirty="0" err="1"/>
               <a:t>Stack</a:t>
             </a:r>
             <a:r>
-              <a:rPr lang="it-IT" dirty="0" smtClean="0"/>
+              <a:rPr lang="it-IT" dirty="0"/>
               <a:t> </a:t>
             </a:r>
             <a:r>
-              <a:rPr lang="it-IT" dirty="0" err="1" smtClean="0"/>
+              <a:rPr lang="it-IT" dirty="0" err="1"/>
               <a:t>Overflow</a:t>
             </a:r>
             <a:r>
-              <a:rPr lang="it-IT" dirty="0" smtClean="0"/>
+              <a:rPr lang="it-IT" dirty="0"/>
               <a:t>: </a:t>
             </a:r>
             <a:r>
-              <a:rPr lang="it-IT" dirty="0" err="1" smtClean="0"/>
+              <a:rPr lang="it-IT" dirty="0" err="1"/>
               <a:t>Reactive</a:t>
             </a:r>
             <a:r>
-              <a:rPr lang="it-IT" dirty="0" smtClean="0"/>
+              <a:rPr lang="it-IT" dirty="0"/>
               <a:t> Programming</a:t>
             </a:r>
-            <a:endParaRPr lang="it-IT" dirty="0"/>
           </a:p>
         </p:txBody>
       </p:sp>
@@ -14414,60 +13968,35 @@
           </a:bodyPr>
           <a:lstStyle/>
           <a:p>
-            <a:endParaRPr lang="it-IT" dirty="0" smtClean="0"/>
-          </a:p>
-          <a:p>
-            <a:endParaRPr lang="en-US" dirty="0" smtClean="0"/>
-          </a:p>
-          <a:p>
-            <a:r>
-              <a:rPr lang="en-US" dirty="0" smtClean="0"/>
+            <a:endParaRPr lang="it-IT" dirty="0"/>
+          </a:p>
+          <a:p>
+            <a:endParaRPr lang="en-US" dirty="0"/>
+          </a:p>
+          <a:p>
+            <a:r>
+              <a:rPr lang="en-US" dirty="0"/>
               <a:t>... </a:t>
             </a:r>
             <a:r>
-              <a:rPr lang="en-US" b="1" dirty="0" smtClean="0"/>
+              <a:rPr lang="en-US" b="1" dirty="0"/>
               <a:t>Functional Reactive Programming</a:t>
             </a:r>
             <a:r>
-              <a:rPr lang="en-US" dirty="0" smtClean="0"/>
-              <a:t> </a:t>
-            </a:r>
-            <a:r>
               <a:rPr lang="en-US" dirty="0"/>
-              <a:t>is about </a:t>
-            </a:r>
-            <a:r>
-              <a:rPr lang="en-US" dirty="0" smtClean="0"/>
-              <a:t>“datatypes </a:t>
-            </a:r>
+              <a:t> is about “datatypes that represent a ‘value over time’ ”. </a:t>
+            </a:r>
+          </a:p>
+          <a:p>
             <a:r>
               <a:rPr lang="en-US" dirty="0"/>
-              <a:t>that represent a </a:t>
-            </a:r>
-            <a:r>
-              <a:rPr lang="en-US" dirty="0" smtClean="0"/>
-              <a:t>‘value over time’ ”. </a:t>
-            </a:r>
-          </a:p>
-          <a:p>
-            <a:r>
-              <a:rPr lang="en-US" dirty="0" smtClean="0"/>
-              <a:t>Conventional </a:t>
-            </a:r>
+              <a:t>Conventional imperative programming captures these dynamic values only indirectly, through state and mutations. </a:t>
+            </a:r>
+          </a:p>
+          <a:p>
             <a:r>
               <a:rPr lang="en-US" dirty="0"/>
-              <a:t>imperative programming captures these dynamic values only indirectly, through state and mutations. </a:t>
-            </a:r>
-            <a:endParaRPr lang="en-US" dirty="0" smtClean="0"/>
-          </a:p>
-          <a:p>
-            <a:r>
-              <a:rPr lang="en-US" dirty="0" smtClean="0"/>
-              <a:t>The </a:t>
-            </a:r>
-            <a:r>
-              <a:rPr lang="en-US" dirty="0"/>
-              <a:t>complete history (past, present, future) has no first class representation. Moreover, only </a:t>
+              <a:t>The complete history (past, present, future) has no first class representation. Moreover, only </a:t>
             </a:r>
             <a:r>
               <a:rPr lang="en-US" i="1" dirty="0"/>
@@ -14478,16 +14007,12 @@
               <a:t> values can be (indirectly) captured, since the imperative paradigm is temporally discrete. In contrast, FRP captures these evolving values </a:t>
             </a:r>
             <a:r>
-              <a:rPr lang="en-US" i="1" dirty="0" smtClean="0"/>
+              <a:rPr lang="en-US" i="1" dirty="0"/>
               <a:t>directly </a:t>
             </a:r>
             <a:r>
-              <a:rPr lang="en-US" dirty="0" smtClean="0"/>
-              <a:t>and </a:t>
-            </a:r>
-            <a:r>
               <a:rPr lang="en-US" dirty="0"/>
-              <a:t>has no difficulty with </a:t>
+              <a:t>and has no difficulty with </a:t>
             </a:r>
             <a:r>
               <a:rPr lang="en-US" i="1" dirty="0"/>
@@ -14495,16 +14020,12 @@
             </a:r>
             <a:r>
               <a:rPr lang="en-US" dirty="0"/>
-              <a:t> evolving values</a:t>
-            </a:r>
-            <a:r>
-              <a:rPr lang="en-US" dirty="0" smtClean="0"/>
-              <a:t>.</a:t>
-            </a:r>
-          </a:p>
-          <a:p>
-            <a:r>
-              <a:rPr lang="en-US" dirty="0" smtClean="0"/>
+              <a:t> evolving values.</a:t>
+            </a:r>
+          </a:p>
+          <a:p>
+            <a:r>
+              <a:rPr lang="en-US" dirty="0"/>
               <a:t>(… more paragraphs explaining the thing follow…)</a:t>
             </a:r>
             <a:endParaRPr lang="it-IT" dirty="0"/>
@@ -14817,136 +14338,6 @@
 </file>
 
 <file path=ppt/slides/slide5.xml><?xml version="1.0" encoding="utf-8"?>
-<p:sld xmlns:a="http://schemas.openxmlformats.org/drawingml/2006/main" xmlns:r="http://schemas.openxmlformats.org/officeDocument/2006/relationships" xmlns:p="http://schemas.openxmlformats.org/presentationml/2006/main" show="0">
-  <p:cSld>
-    <p:spTree>
-      <p:nvGrpSpPr>
-        <p:cNvPr id="1" name=""/>
-        <p:cNvGrpSpPr/>
-        <p:nvPr/>
-      </p:nvGrpSpPr>
-      <p:grpSpPr>
-        <a:xfrm>
-          <a:off x="0" y="0"/>
-          <a:ext cx="0" cy="0"/>
-          <a:chOff x="0" y="0"/>
-          <a:chExt cx="0" cy="0"/>
-        </a:xfrm>
-      </p:grpSpPr>
-      <p:sp>
-        <p:nvSpPr>
-          <p:cNvPr id="2" name="Titolo 1"/>
-          <p:cNvSpPr>
-            <a:spLocks noGrp="1"/>
-          </p:cNvSpPr>
-          <p:nvPr>
-            <p:ph type="title"/>
-          </p:nvPr>
-        </p:nvSpPr>
-        <p:spPr/>
-        <p:txBody>
-          <a:bodyPr/>
-          <a:lstStyle/>
-          <a:p>
-            <a:r>
-              <a:rPr lang="it-IT" dirty="0" smtClean="0"/>
-              <a:t>The </a:t>
-            </a:r>
-            <a:r>
-              <a:rPr lang="it-IT" dirty="0" err="1" smtClean="0"/>
-              <a:t>Reactive</a:t>
-            </a:r>
-            <a:r>
-              <a:rPr lang="it-IT" dirty="0" smtClean="0"/>
-              <a:t> Manifesto</a:t>
-            </a:r>
-            <a:endParaRPr lang="it-IT" dirty="0"/>
-          </a:p>
-        </p:txBody>
-      </p:sp>
-      <p:sp>
-        <p:nvSpPr>
-          <p:cNvPr id="3" name="Segnaposto contenuto 2"/>
-          <p:cNvSpPr>
-            <a:spLocks noGrp="1"/>
-          </p:cNvSpPr>
-          <p:nvPr>
-            <p:ph idx="1"/>
-          </p:nvPr>
-        </p:nvSpPr>
-        <p:spPr/>
-        <p:txBody>
-          <a:bodyPr/>
-          <a:lstStyle/>
-          <a:p>
-            <a:endParaRPr lang="it-IT" dirty="0" smtClean="0"/>
-          </a:p>
-          <a:p>
-            <a:endParaRPr lang="it-IT" dirty="0"/>
-          </a:p>
-          <a:p>
-            <a:endParaRPr lang="it-IT" dirty="0" smtClean="0"/>
-          </a:p>
-          <a:p>
-            <a:pPr algn="ctr"/>
-            <a:r>
-              <a:rPr lang="it-IT" sz="3200" dirty="0" err="1" smtClean="0"/>
-              <a:t>Reactive</a:t>
-            </a:r>
-            <a:r>
-              <a:rPr lang="it-IT" sz="3200" dirty="0" smtClean="0"/>
-              <a:t> Programming a way to «</a:t>
-            </a:r>
-            <a:r>
-              <a:rPr lang="it-IT" sz="3200" dirty="0" err="1" smtClean="0"/>
-              <a:t>describe</a:t>
-            </a:r>
-            <a:r>
-              <a:rPr lang="it-IT" sz="3200" dirty="0" smtClean="0"/>
-              <a:t>» and «</a:t>
-            </a:r>
-            <a:r>
-              <a:rPr lang="it-IT" sz="3200" dirty="0" err="1" smtClean="0"/>
-              <a:t>implement</a:t>
-            </a:r>
-            <a:r>
-              <a:rPr lang="it-IT" sz="3200" dirty="0" smtClean="0"/>
-              <a:t>» a </a:t>
-            </a:r>
-            <a:r>
-              <a:rPr lang="it-IT" sz="3200" dirty="0" err="1" smtClean="0"/>
-              <a:t>Reactive</a:t>
-            </a:r>
-            <a:r>
-              <a:rPr lang="it-IT" sz="3200" dirty="0" smtClean="0"/>
-              <a:t> System.</a:t>
-            </a:r>
-            <a:endParaRPr lang="it-IT" sz="3200" dirty="0"/>
-          </a:p>
-        </p:txBody>
-      </p:sp>
-    </p:spTree>
-    <p:extLst>
-      <p:ext uri="{BB962C8B-B14F-4D97-AF65-F5344CB8AC3E}">
-        <p14:creationId xmlns:p14="http://schemas.microsoft.com/office/powerpoint/2010/main" val="3452491481"/>
-      </p:ext>
-    </p:extLst>
-  </p:cSld>
-  <p:clrMapOvr>
-    <a:masterClrMapping/>
-  </p:clrMapOvr>
-  <mc:AlternateContent xmlns:mc="http://schemas.openxmlformats.org/markup-compatibility/2006" xmlns:p14="http://schemas.microsoft.com/office/powerpoint/2010/main">
-    <mc:Choice Requires="p14">
-      <p:transition spd="slow" p14:dur="2000"/>
-    </mc:Choice>
-    <mc:Fallback xmlns="">
-      <p:transition spd="slow"/>
-    </mc:Fallback>
-  </mc:AlternateContent>
-</p:sld>
-</file>
-
-<file path=ppt/slides/slide6.xml><?xml version="1.0" encoding="utf-8"?>
 <p:sld xmlns:a="http://schemas.openxmlformats.org/drawingml/2006/main" xmlns:r="http://schemas.openxmlformats.org/officeDocument/2006/relationships" xmlns:p="http://schemas.openxmlformats.org/presentationml/2006/main">
   <p:cSld>
     <p:spTree>
@@ -14980,22 +14371,18 @@
           <a:p>
             <a:r>
               <a:rPr lang="it-IT" dirty="0"/>
-              <a:t>A</a:t>
-            </a:r>
-            <a:r>
-              <a:rPr lang="it-IT" dirty="0" smtClean="0"/>
+              <a:t>A </a:t>
+            </a:r>
+            <a:r>
+              <a:rPr lang="it-IT" dirty="0" err="1"/>
+              <a:t>simplified</a:t>
+            </a:r>
+            <a:r>
+              <a:rPr lang="it-IT" dirty="0"/>
               <a:t> </a:t>
             </a:r>
             <a:r>
-              <a:rPr lang="it-IT" dirty="0" err="1" smtClean="0"/>
-              <a:t>simplified</a:t>
-            </a:r>
-            <a:r>
-              <a:rPr lang="it-IT" dirty="0" smtClean="0"/>
-              <a:t> </a:t>
-            </a:r>
-            <a:r>
-              <a:rPr lang="it-IT" dirty="0" err="1" smtClean="0"/>
+              <a:rPr lang="it-IT" dirty="0" err="1"/>
               <a:t>definition</a:t>
             </a:r>
             <a:endParaRPr lang="it-IT" dirty="0"/>
@@ -15017,7 +14404,7 @@
           <a:bodyPr/>
           <a:lstStyle/>
           <a:p>
-            <a:endParaRPr lang="it-IT" dirty="0" smtClean="0"/>
+            <a:endParaRPr lang="it-IT" dirty="0"/>
           </a:p>
           <a:p>
             <a:pPr algn="ctr"/>
@@ -15028,19 +14415,19 @@
               <a:buNone/>
             </a:pPr>
             <a:r>
-              <a:rPr lang="it-IT" sz="4400" dirty="0" err="1" smtClean="0"/>
+              <a:rPr lang="it-IT" sz="4400" dirty="0" err="1"/>
               <a:t>Reactive</a:t>
             </a:r>
             <a:r>
-              <a:rPr lang="it-IT" sz="4400" dirty="0" smtClean="0"/>
+              <a:rPr lang="it-IT" sz="4400" dirty="0"/>
               <a:t> Programming </a:t>
             </a:r>
             <a:r>
-              <a:rPr lang="it-IT" sz="4400" dirty="0" err="1" smtClean="0"/>
+              <a:rPr lang="it-IT" sz="4400" dirty="0" err="1"/>
               <a:t>is</a:t>
             </a:r>
             <a:r>
-              <a:rPr lang="it-IT" sz="4400" dirty="0" smtClean="0"/>
+              <a:rPr lang="it-IT" sz="4400" dirty="0"/>
               <a:t> </a:t>
             </a:r>
           </a:p>
@@ -15049,11 +14436,11 @@
               <a:buNone/>
             </a:pPr>
             <a:r>
-              <a:rPr lang="it-IT" sz="4400" dirty="0" err="1" smtClean="0"/>
+              <a:rPr lang="it-IT" sz="4400" dirty="0" err="1"/>
               <a:t>programming</a:t>
             </a:r>
             <a:r>
-              <a:rPr lang="it-IT" sz="4400" dirty="0" smtClean="0"/>
+              <a:rPr lang="it-IT" sz="4400" dirty="0"/>
               <a:t> with </a:t>
             </a:r>
           </a:p>
@@ -15062,30 +14449,29 @@
               <a:buNone/>
             </a:pPr>
             <a:r>
-              <a:rPr lang="it-IT" sz="4400" dirty="0" err="1" smtClean="0"/>
+              <a:rPr lang="it-IT" sz="4400" dirty="0" err="1"/>
               <a:t>Asynchronous</a:t>
             </a:r>
             <a:r>
-              <a:rPr lang="it-IT" sz="4400" dirty="0" smtClean="0"/>
+              <a:rPr lang="it-IT" sz="4400" dirty="0"/>
               <a:t> (</a:t>
             </a:r>
             <a:r>
-              <a:rPr lang="it-IT" sz="4400" dirty="0" err="1" smtClean="0"/>
+              <a:rPr lang="it-IT" sz="4400" dirty="0" err="1"/>
               <a:t>Observable</a:t>
             </a:r>
             <a:r>
-              <a:rPr lang="it-IT" sz="4400" dirty="0" smtClean="0"/>
+              <a:rPr lang="it-IT" sz="4400" dirty="0"/>
               <a:t>) Data </a:t>
             </a:r>
             <a:r>
-              <a:rPr lang="it-IT" sz="4400" dirty="0" err="1" smtClean="0"/>
+              <a:rPr lang="it-IT" sz="4400" dirty="0" err="1"/>
               <a:t>Streams</a:t>
             </a:r>
             <a:r>
-              <a:rPr lang="it-IT" sz="4400" dirty="0" smtClean="0"/>
+              <a:rPr lang="it-IT" sz="4400" dirty="0"/>
               <a:t>.</a:t>
             </a:r>
-            <a:endParaRPr lang="it-IT" sz="4400" dirty="0"/>
           </a:p>
         </p:txBody>
       </p:sp>
@@ -15306,6 +14692,273 @@
 </p:sld>
 </file>
 
+<file path=ppt/slides/slide6.xml><?xml version="1.0" encoding="utf-8"?>
+<p:sld xmlns:a="http://schemas.openxmlformats.org/drawingml/2006/main" xmlns:r="http://schemas.openxmlformats.org/officeDocument/2006/relationships" xmlns:p="http://schemas.openxmlformats.org/presentationml/2006/main">
+  <p:cSld>
+    <p:spTree>
+      <p:nvGrpSpPr>
+        <p:cNvPr id="1" name=""/>
+        <p:cNvGrpSpPr/>
+        <p:nvPr/>
+      </p:nvGrpSpPr>
+      <p:grpSpPr>
+        <a:xfrm>
+          <a:off x="0" y="0"/>
+          <a:ext cx="0" cy="0"/>
+          <a:chOff x="0" y="0"/>
+          <a:chExt cx="0" cy="0"/>
+        </a:xfrm>
+      </p:grpSpPr>
+      <p:sp>
+        <p:nvSpPr>
+          <p:cNvPr id="2" name="Titolo 1"/>
+          <p:cNvSpPr>
+            <a:spLocks noGrp="1"/>
+          </p:cNvSpPr>
+          <p:nvPr>
+            <p:ph type="title"/>
+          </p:nvPr>
+        </p:nvSpPr>
+        <p:spPr/>
+        <p:txBody>
+          <a:bodyPr>
+            <a:normAutofit/>
+          </a:bodyPr>
+          <a:lstStyle/>
+          <a:p>
+            <a:br>
+              <a:rPr lang="it-IT" dirty="0"/>
+            </a:br>
+            <a:r>
+              <a:rPr lang="it-IT" dirty="0" err="1"/>
+              <a:t>Why</a:t>
+            </a:r>
+            <a:r>
+              <a:rPr lang="it-IT" dirty="0"/>
+              <a:t> </a:t>
+            </a:r>
+            <a:r>
+              <a:rPr lang="it-IT" dirty="0" err="1"/>
+              <a:t>is</a:t>
+            </a:r>
+            <a:r>
+              <a:rPr lang="it-IT" dirty="0"/>
+              <a:t> </a:t>
+            </a:r>
+            <a:r>
+              <a:rPr lang="it-IT" dirty="0" err="1"/>
+              <a:t>this</a:t>
+            </a:r>
+            <a:r>
+              <a:rPr lang="it-IT" dirty="0"/>
+              <a:t> a game </a:t>
+            </a:r>
+            <a:r>
+              <a:rPr lang="it-IT" dirty="0" err="1"/>
+              <a:t>changer</a:t>
+            </a:r>
+            <a:r>
+              <a:rPr lang="it-IT" dirty="0"/>
+              <a:t> ?</a:t>
+            </a:r>
+          </a:p>
+        </p:txBody>
+      </p:sp>
+      <p:sp>
+        <p:nvSpPr>
+          <p:cNvPr id="3" name="Segnaposto contenuto 2"/>
+          <p:cNvSpPr>
+            <a:spLocks noGrp="1"/>
+          </p:cNvSpPr>
+          <p:nvPr>
+            <p:ph idx="1"/>
+          </p:nvPr>
+        </p:nvSpPr>
+        <p:spPr/>
+        <p:txBody>
+          <a:bodyPr vert="horz" lIns="0" tIns="45720" rIns="0" bIns="45720" rtlCol="0" anchor="t">
+            <a:normAutofit/>
+          </a:bodyPr>
+          <a:lstStyle/>
+          <a:p>
+            <a:endParaRPr lang="it-IT" dirty="0"/>
+          </a:p>
+          <a:p>
+            <a:pPr marL="0" indent="0">
+              <a:buNone/>
+            </a:pPr>
+            <a:r>
+              <a:rPr lang="it-IT" sz="3200" dirty="0" err="1"/>
+              <a:t>If</a:t>
+            </a:r>
+            <a:r>
+              <a:rPr lang="it-IT" sz="3200" dirty="0"/>
+              <a:t> </a:t>
+            </a:r>
+            <a:r>
+              <a:rPr lang="it-IT" sz="3200" dirty="0" err="1"/>
+              <a:t>we</a:t>
+            </a:r>
+            <a:r>
+              <a:rPr lang="it-IT" sz="3200" dirty="0"/>
+              <a:t> build </a:t>
+            </a:r>
+            <a:r>
+              <a:rPr lang="it-IT" sz="3200" dirty="0" err="1"/>
+              <a:t>our</a:t>
+            </a:r>
+            <a:r>
+              <a:rPr lang="it-IT" sz="3200" dirty="0"/>
+              <a:t> system / </a:t>
+            </a:r>
+            <a:r>
+              <a:rPr lang="it-IT" sz="3200" dirty="0" err="1"/>
+              <a:t>applications</a:t>
+            </a:r>
+            <a:r>
+              <a:rPr lang="it-IT" sz="3200" dirty="0"/>
+              <a:t> </a:t>
+            </a:r>
+            <a:r>
+              <a:rPr lang="it-IT" sz="3200" dirty="0" err="1"/>
+              <a:t>around</a:t>
+            </a:r>
+            <a:r>
+              <a:rPr lang="it-IT" sz="3200" dirty="0"/>
+              <a:t> the concept of </a:t>
+            </a:r>
+            <a:r>
+              <a:rPr lang="it-IT" sz="3200" dirty="0" err="1"/>
+              <a:t>messages</a:t>
+            </a:r>
+            <a:r>
+              <a:rPr lang="it-IT" sz="3200" dirty="0"/>
+              <a:t> coming over time, </a:t>
+            </a:r>
+            <a:r>
+              <a:rPr lang="it-IT" sz="3200" dirty="0" err="1"/>
+              <a:t>we</a:t>
+            </a:r>
+            <a:r>
+              <a:rPr lang="it-IT" sz="3200" dirty="0"/>
+              <a:t> can </a:t>
+            </a:r>
+            <a:r>
+              <a:rPr lang="it-IT" sz="3200" dirty="0" err="1"/>
+              <a:t>achieve</a:t>
+            </a:r>
+            <a:r>
+              <a:rPr lang="it-IT" sz="3200" dirty="0"/>
+              <a:t> </a:t>
+            </a:r>
+            <a:r>
+              <a:rPr lang="it-IT" sz="3200" dirty="0" err="1"/>
+              <a:t>what</a:t>
+            </a:r>
+            <a:r>
+              <a:rPr lang="it-IT" sz="3200" dirty="0"/>
+              <a:t> </a:t>
+            </a:r>
+            <a:r>
+              <a:rPr lang="it-IT" sz="3200" dirty="0" err="1"/>
+              <a:t>is</a:t>
+            </a:r>
+            <a:r>
+              <a:rPr lang="it-IT" sz="3200" dirty="0"/>
+              <a:t> </a:t>
+            </a:r>
+            <a:r>
+              <a:rPr lang="it-IT" sz="3200" dirty="0" err="1"/>
+              <a:t>summarized</a:t>
+            </a:r>
+            <a:r>
+              <a:rPr lang="it-IT" sz="3200" dirty="0"/>
+              <a:t> by the </a:t>
+            </a:r>
+            <a:r>
+              <a:rPr lang="it-IT" sz="3200" dirty="0" err="1"/>
+              <a:t>Reactive</a:t>
+            </a:r>
+            <a:r>
+              <a:rPr lang="it-IT" sz="3200" dirty="0"/>
+              <a:t> Manifesto!</a:t>
+            </a:r>
+          </a:p>
+          <a:p>
+            <a:endParaRPr lang="it-IT" sz="3200" dirty="0"/>
+          </a:p>
+          <a:p>
+            <a:pPr marL="0" indent="0">
+              <a:buNone/>
+            </a:pPr>
+            <a:r>
+              <a:rPr lang="it-IT" sz="3200" dirty="0"/>
+              <a:t>The </a:t>
+            </a:r>
+            <a:r>
+              <a:rPr lang="it-IT" sz="3200" dirty="0" err="1"/>
+              <a:t>Reactive</a:t>
+            </a:r>
+            <a:r>
+              <a:rPr lang="it-IT" sz="3200" dirty="0"/>
+              <a:t> Manifesto </a:t>
+            </a:r>
+            <a:r>
+              <a:rPr lang="it-IT" sz="3200" dirty="0" err="1"/>
+              <a:t>gives</a:t>
+            </a:r>
+            <a:r>
+              <a:rPr lang="it-IT" sz="3200" dirty="0"/>
+              <a:t> </a:t>
+            </a:r>
+            <a:r>
+              <a:rPr lang="it-IT" sz="3200" dirty="0" err="1"/>
+              <a:t>us</a:t>
+            </a:r>
+            <a:r>
+              <a:rPr lang="it-IT" sz="3200" dirty="0"/>
+              <a:t> a clear picture of the features and the benefits </a:t>
+            </a:r>
+            <a:r>
+              <a:rPr lang="it-IT" sz="3200" dirty="0" err="1"/>
+              <a:t>that</a:t>
+            </a:r>
+            <a:r>
+              <a:rPr lang="it-IT" sz="3200" dirty="0"/>
+              <a:t> </a:t>
+            </a:r>
+            <a:r>
+              <a:rPr lang="it-IT" sz="3200" dirty="0" err="1"/>
+              <a:t>Reactive</a:t>
+            </a:r>
+            <a:r>
+              <a:rPr lang="it-IT" sz="3200" dirty="0"/>
+              <a:t> Systems </a:t>
+            </a:r>
+            <a:r>
+              <a:rPr lang="it-IT" sz="3200" dirty="0" err="1"/>
+              <a:t>have</a:t>
+            </a:r>
+            <a:r>
+              <a:rPr lang="it-IT" sz="3200" dirty="0"/>
+              <a:t>.</a:t>
+            </a:r>
+          </a:p>
+        </p:txBody>
+      </p:sp>
+    </p:spTree>
+    <p:extLst>
+      <p:ext uri="{BB962C8B-B14F-4D97-AF65-F5344CB8AC3E}">
+        <p14:creationId xmlns:p14="http://schemas.microsoft.com/office/powerpoint/2010/main" val="178723699"/>
+      </p:ext>
+    </p:extLst>
+  </p:cSld>
+  <p:clrMapOvr>
+    <a:masterClrMapping/>
+  </p:clrMapOvr>
+</p:sld>
+</file>
+
 <file path=ppt/slides/slide7.xml><?xml version="1.0" encoding="utf-8"?>
 <p:sld xmlns:a="http://schemas.openxmlformats.org/drawingml/2006/main" xmlns:r="http://schemas.openxmlformats.org/officeDocument/2006/relationships" xmlns:p="http://schemas.openxmlformats.org/presentationml/2006/main">
   <p:cSld>
@@ -15336,415 +14989,61 @@
         <p:spPr/>
         <p:txBody>
           <a:bodyPr>
-            <a:normAutofit/>
-          </a:bodyPr>
-          <a:lstStyle/>
-          <a:p>
-            <a:r>
-              <a:rPr lang="it-IT" dirty="0" smtClean="0"/>
-              <a:t/>
-            </a:r>
-            <a:br>
-              <a:rPr lang="it-IT" dirty="0" smtClean="0"/>
-            </a:br>
-            <a:r>
-              <a:rPr lang="it-IT" dirty="0" err="1" smtClean="0"/>
-              <a:t>Why</a:t>
-            </a:r>
-            <a:r>
-              <a:rPr lang="it-IT" dirty="0" smtClean="0"/>
-              <a:t> </a:t>
-            </a:r>
-            <a:r>
-              <a:rPr lang="it-IT" dirty="0" err="1" smtClean="0"/>
-              <a:t>is</a:t>
-            </a:r>
-            <a:r>
-              <a:rPr lang="it-IT" dirty="0" smtClean="0"/>
-              <a:t> </a:t>
-            </a:r>
-            <a:r>
-              <a:rPr lang="it-IT" dirty="0" err="1" smtClean="0"/>
-              <a:t>this</a:t>
-            </a:r>
-            <a:r>
-              <a:rPr lang="it-IT" dirty="0" smtClean="0"/>
-              <a:t> a game </a:t>
-            </a:r>
-            <a:r>
-              <a:rPr lang="it-IT" dirty="0" err="1" smtClean="0"/>
-              <a:t>changer</a:t>
-            </a:r>
-            <a:r>
-              <a:rPr lang="it-IT" dirty="0" smtClean="0"/>
-              <a:t> ?</a:t>
-            </a:r>
-            <a:endParaRPr lang="it-IT" dirty="0"/>
-          </a:p>
-        </p:txBody>
-      </p:sp>
-      <p:sp>
-        <p:nvSpPr>
-          <p:cNvPr id="3" name="Segnaposto contenuto 2"/>
-          <p:cNvSpPr>
-            <a:spLocks noGrp="1"/>
-          </p:cNvSpPr>
-          <p:nvPr>
-            <p:ph idx="1"/>
-          </p:nvPr>
-        </p:nvSpPr>
-        <p:spPr/>
-        <p:txBody>
-          <a:bodyPr/>
-          <a:lstStyle/>
-          <a:p>
-            <a:endParaRPr lang="it-IT" dirty="0" smtClean="0"/>
-          </a:p>
-          <a:p>
-            <a:pPr marL="0" indent="0">
-              <a:buNone/>
-            </a:pPr>
-            <a:r>
-              <a:rPr lang="it-IT" sz="3200" dirty="0" err="1" smtClean="0"/>
-              <a:t>If</a:t>
-            </a:r>
-            <a:r>
-              <a:rPr lang="it-IT" sz="3200" dirty="0" smtClean="0"/>
-              <a:t> </a:t>
-            </a:r>
-            <a:r>
-              <a:rPr lang="it-IT" sz="3200" dirty="0" err="1" smtClean="0"/>
-              <a:t>we</a:t>
-            </a:r>
-            <a:r>
-              <a:rPr lang="it-IT" sz="3200" dirty="0" smtClean="0"/>
-              <a:t> </a:t>
-            </a:r>
-            <a:r>
-              <a:rPr lang="it-IT" sz="3200" dirty="0" err="1" smtClean="0"/>
-              <a:t>build</a:t>
-            </a:r>
-            <a:r>
-              <a:rPr lang="it-IT" sz="3200" dirty="0" smtClean="0"/>
-              <a:t> </a:t>
-            </a:r>
-            <a:r>
-              <a:rPr lang="it-IT" sz="3200" dirty="0" err="1" smtClean="0"/>
-              <a:t>our</a:t>
-            </a:r>
-            <a:r>
-              <a:rPr lang="it-IT" sz="3200" dirty="0" smtClean="0"/>
-              <a:t> </a:t>
-            </a:r>
-            <a:r>
-              <a:rPr lang="it-IT" sz="3200" dirty="0" err="1" smtClean="0"/>
-              <a:t>system</a:t>
-            </a:r>
-            <a:r>
-              <a:rPr lang="it-IT" sz="3200" dirty="0" smtClean="0"/>
-              <a:t> / </a:t>
-            </a:r>
-            <a:r>
-              <a:rPr lang="it-IT" sz="3200" dirty="0" err="1" smtClean="0"/>
-              <a:t>applications</a:t>
-            </a:r>
-            <a:r>
-              <a:rPr lang="it-IT" sz="3200" dirty="0" smtClean="0"/>
-              <a:t> </a:t>
-            </a:r>
-            <a:r>
-              <a:rPr lang="it-IT" sz="3200" dirty="0" err="1" smtClean="0"/>
-              <a:t>around</a:t>
-            </a:r>
-            <a:r>
-              <a:rPr lang="it-IT" sz="3200" dirty="0" smtClean="0"/>
-              <a:t> the </a:t>
-            </a:r>
-            <a:r>
-              <a:rPr lang="it-IT" sz="3200" dirty="0" err="1" smtClean="0"/>
-              <a:t>concept</a:t>
-            </a:r>
-            <a:r>
-              <a:rPr lang="it-IT" sz="3200" dirty="0" smtClean="0"/>
-              <a:t> of </a:t>
-            </a:r>
-            <a:r>
-              <a:rPr lang="it-IT" sz="3200" dirty="0" err="1" smtClean="0"/>
-              <a:t>messages</a:t>
-            </a:r>
-            <a:r>
-              <a:rPr lang="it-IT" sz="3200" dirty="0" smtClean="0"/>
-              <a:t> </a:t>
-            </a:r>
-            <a:r>
-              <a:rPr lang="it-IT" sz="3200" dirty="0" err="1" smtClean="0"/>
-              <a:t>coming</a:t>
-            </a:r>
-            <a:r>
-              <a:rPr lang="it-IT" sz="3200" dirty="0" smtClean="0"/>
-              <a:t> over time, </a:t>
-            </a:r>
-            <a:r>
-              <a:rPr lang="it-IT" sz="3200" dirty="0" err="1" smtClean="0"/>
-              <a:t>we</a:t>
-            </a:r>
-            <a:r>
-              <a:rPr lang="it-IT" sz="3200" dirty="0" smtClean="0"/>
-              <a:t> can </a:t>
-            </a:r>
-            <a:r>
-              <a:rPr lang="it-IT" sz="3200" dirty="0" err="1" smtClean="0"/>
-              <a:t>achieve</a:t>
-            </a:r>
-            <a:r>
-              <a:rPr lang="it-IT" sz="3200" dirty="0" smtClean="0"/>
-              <a:t> </a:t>
-            </a:r>
-            <a:r>
-              <a:rPr lang="it-IT" sz="3200" dirty="0" err="1" smtClean="0"/>
-              <a:t>what</a:t>
-            </a:r>
-            <a:r>
-              <a:rPr lang="it-IT" sz="3200" dirty="0" smtClean="0"/>
-              <a:t> </a:t>
-            </a:r>
-            <a:r>
-              <a:rPr lang="it-IT" sz="3200" dirty="0" err="1" smtClean="0"/>
-              <a:t>is</a:t>
-            </a:r>
-            <a:r>
-              <a:rPr lang="it-IT" sz="3200" dirty="0" smtClean="0"/>
-              <a:t> </a:t>
-            </a:r>
-            <a:r>
-              <a:rPr lang="it-IT" sz="3200" dirty="0" err="1" smtClean="0"/>
-              <a:t>summarized</a:t>
-            </a:r>
-            <a:r>
-              <a:rPr lang="it-IT" sz="3200" dirty="0" smtClean="0"/>
-              <a:t> by the </a:t>
-            </a:r>
-            <a:r>
-              <a:rPr lang="it-IT" sz="3200" dirty="0" err="1"/>
-              <a:t>R</a:t>
-            </a:r>
-            <a:r>
-              <a:rPr lang="it-IT" sz="3200" dirty="0" err="1" smtClean="0"/>
-              <a:t>eactive</a:t>
-            </a:r>
-            <a:r>
-              <a:rPr lang="it-IT" sz="3200" dirty="0" smtClean="0"/>
-              <a:t> Manifesto!</a:t>
-            </a:r>
-          </a:p>
-          <a:p>
-            <a:endParaRPr lang="it-IT" sz="3200" dirty="0" smtClean="0"/>
-          </a:p>
-          <a:p>
-            <a:pPr marL="0" indent="0">
-              <a:buNone/>
-            </a:pPr>
-            <a:r>
-              <a:rPr lang="it-IT" sz="3200" dirty="0" smtClean="0"/>
-              <a:t>The </a:t>
-            </a:r>
-            <a:r>
-              <a:rPr lang="it-IT" sz="3200" dirty="0" err="1" smtClean="0"/>
-              <a:t>Reactive</a:t>
-            </a:r>
-            <a:r>
-              <a:rPr lang="it-IT" sz="3200" dirty="0" smtClean="0"/>
-              <a:t> </a:t>
-            </a:r>
-            <a:r>
-              <a:rPr lang="it-IT" sz="3200" dirty="0"/>
-              <a:t>M</a:t>
-            </a:r>
-            <a:r>
-              <a:rPr lang="it-IT" sz="3200" dirty="0" smtClean="0"/>
-              <a:t>anifesto </a:t>
-            </a:r>
-            <a:r>
-              <a:rPr lang="it-IT" sz="3200" dirty="0" err="1" smtClean="0"/>
-              <a:t>gives</a:t>
-            </a:r>
-            <a:r>
-              <a:rPr lang="it-IT" sz="3200" dirty="0" smtClean="0"/>
-              <a:t> </a:t>
-            </a:r>
-            <a:r>
-              <a:rPr lang="it-IT" sz="3200" dirty="0" err="1" smtClean="0"/>
-              <a:t>us</a:t>
-            </a:r>
-            <a:r>
-              <a:rPr lang="it-IT" sz="3200" dirty="0" smtClean="0"/>
-              <a:t> a </a:t>
-            </a:r>
-            <a:r>
-              <a:rPr lang="it-IT" sz="3200" dirty="0" err="1" smtClean="0"/>
-              <a:t>clear</a:t>
-            </a:r>
-            <a:r>
-              <a:rPr lang="it-IT" sz="3200" dirty="0" smtClean="0"/>
-              <a:t> </a:t>
-            </a:r>
-            <a:r>
-              <a:rPr lang="it-IT" sz="3200" dirty="0" err="1" smtClean="0"/>
-              <a:t>picture</a:t>
-            </a:r>
-            <a:r>
-              <a:rPr lang="it-IT" sz="3200" dirty="0" smtClean="0"/>
-              <a:t> of the </a:t>
-            </a:r>
-            <a:r>
-              <a:rPr lang="it-IT" sz="3200" dirty="0" err="1" smtClean="0"/>
-              <a:t>features</a:t>
-            </a:r>
-            <a:r>
-              <a:rPr lang="it-IT" sz="3200" dirty="0" smtClean="0"/>
-              <a:t> and the benefits </a:t>
-            </a:r>
-            <a:r>
-              <a:rPr lang="it-IT" sz="3200" dirty="0" err="1" smtClean="0"/>
-              <a:t>that</a:t>
-            </a:r>
-            <a:r>
-              <a:rPr lang="it-IT" sz="3200" dirty="0" smtClean="0"/>
-              <a:t> </a:t>
-            </a:r>
-            <a:r>
-              <a:rPr lang="it-IT" sz="3200" dirty="0" err="1" smtClean="0"/>
-              <a:t>reactive</a:t>
-            </a:r>
-            <a:r>
-              <a:rPr lang="it-IT" sz="3200" dirty="0" smtClean="0"/>
-              <a:t> </a:t>
-            </a:r>
-            <a:r>
-              <a:rPr lang="it-IT" sz="3200" dirty="0" err="1" smtClean="0"/>
-              <a:t>systems</a:t>
-            </a:r>
-            <a:r>
-              <a:rPr lang="it-IT" sz="3200" dirty="0" smtClean="0"/>
-              <a:t> </a:t>
-            </a:r>
-            <a:r>
-              <a:rPr lang="it-IT" sz="3200" dirty="0" err="1" smtClean="0"/>
-              <a:t>have</a:t>
-            </a:r>
-            <a:r>
-              <a:rPr lang="it-IT" sz="3200" dirty="0" smtClean="0"/>
-              <a:t>.</a:t>
-            </a:r>
-          </a:p>
-        </p:txBody>
-      </p:sp>
-    </p:spTree>
-    <p:extLst>
-      <p:ext uri="{BB962C8B-B14F-4D97-AF65-F5344CB8AC3E}">
-        <p14:creationId xmlns:p14="http://schemas.microsoft.com/office/powerpoint/2010/main" val="178723699"/>
-      </p:ext>
-    </p:extLst>
-  </p:cSld>
-  <p:clrMapOvr>
-    <a:masterClrMapping/>
-  </p:clrMapOvr>
-  <p:timing>
-    <p:tnLst>
-      <p:par>
-        <p:cTn id="1" dur="indefinite" restart="never" nodeType="tmRoot"/>
-      </p:par>
-    </p:tnLst>
-  </p:timing>
-</p:sld>
-</file>
-
-<file path=ppt/slides/slide8.xml><?xml version="1.0" encoding="utf-8"?>
-<p:sld xmlns:a="http://schemas.openxmlformats.org/drawingml/2006/main" xmlns:r="http://schemas.openxmlformats.org/officeDocument/2006/relationships" xmlns:p="http://schemas.openxmlformats.org/presentationml/2006/main">
-  <p:cSld>
-    <p:spTree>
-      <p:nvGrpSpPr>
-        <p:cNvPr id="1" name=""/>
-        <p:cNvGrpSpPr/>
-        <p:nvPr/>
-      </p:nvGrpSpPr>
-      <p:grpSpPr>
-        <a:xfrm>
-          <a:off x="0" y="0"/>
-          <a:ext cx="0" cy="0"/>
-          <a:chOff x="0" y="0"/>
-          <a:chExt cx="0" cy="0"/>
-        </a:xfrm>
-      </p:grpSpPr>
-      <p:sp>
-        <p:nvSpPr>
-          <p:cNvPr id="2" name="Titolo 1"/>
-          <p:cNvSpPr>
-            <a:spLocks noGrp="1"/>
-          </p:cNvSpPr>
-          <p:nvPr>
-            <p:ph type="title"/>
-          </p:nvPr>
-        </p:nvSpPr>
-        <p:spPr/>
-        <p:txBody>
-          <a:bodyPr>
             <a:normAutofit fontScale="90000"/>
           </a:bodyPr>
           <a:lstStyle/>
           <a:p>
             <a:r>
-              <a:rPr lang="it-IT" dirty="0" smtClean="0"/>
+              <a:rPr lang="it-IT" dirty="0"/>
               <a:t>The </a:t>
             </a:r>
             <a:r>
-              <a:rPr lang="it-IT" dirty="0" err="1" smtClean="0"/>
+              <a:rPr lang="it-IT" dirty="0" err="1"/>
               <a:t>Reactive</a:t>
             </a:r>
             <a:r>
-              <a:rPr lang="it-IT" dirty="0" smtClean="0"/>
+              <a:rPr lang="it-IT" dirty="0"/>
               <a:t> Manifesto:</a:t>
             </a:r>
             <a:br>
-              <a:rPr lang="it-IT" dirty="0" smtClean="0"/>
+              <a:rPr lang="it-IT" dirty="0"/>
             </a:br>
             <a:r>
-              <a:rPr lang="it-IT" dirty="0" smtClean="0"/>
+              <a:rPr lang="it-IT" dirty="0"/>
               <a:t>a </a:t>
             </a:r>
             <a:r>
-              <a:rPr lang="it-IT" dirty="0" err="1" smtClean="0"/>
+              <a:rPr lang="it-IT" dirty="0" err="1"/>
               <a:t>Reactive</a:t>
             </a:r>
             <a:r>
-              <a:rPr lang="it-IT" dirty="0" smtClean="0"/>
+              <a:rPr lang="it-IT" dirty="0"/>
               <a:t> System </a:t>
             </a:r>
             <a:r>
-              <a:rPr lang="it-IT" dirty="0" err="1" smtClean="0"/>
+              <a:rPr lang="it-IT" dirty="0" err="1"/>
               <a:t>architecture</a:t>
             </a:r>
             <a:r>
-              <a:rPr lang="it-IT" dirty="0" smtClean="0"/>
+              <a:rPr lang="it-IT" dirty="0"/>
               <a:t> </a:t>
             </a:r>
             <a:r>
-              <a:rPr lang="it-IT" dirty="0" err="1" smtClean="0"/>
+              <a:rPr lang="it-IT" dirty="0" err="1"/>
               <a:t>is</a:t>
             </a:r>
             <a:r>
-              <a:rPr lang="it-IT" dirty="0" smtClean="0"/>
+              <a:rPr lang="it-IT" dirty="0"/>
               <a:t> </a:t>
             </a:r>
             <a:r>
-              <a:rPr lang="it-IT" dirty="0" err="1" smtClean="0"/>
+              <a:rPr lang="it-IT" dirty="0" err="1"/>
               <a:t>defined</a:t>
             </a:r>
             <a:r>
-              <a:rPr lang="it-IT" dirty="0" smtClean="0"/>
+              <a:rPr lang="it-IT" dirty="0"/>
               <a:t> by</a:t>
             </a:r>
-            <a:endParaRPr lang="it-IT" dirty="0"/>
           </a:p>
         </p:txBody>
       </p:sp>
@@ -15818,11 +15117,11 @@
           <a:p>
             <a:pPr algn="ctr"/>
             <a:r>
-              <a:rPr lang="it-IT" dirty="0" smtClean="0"/>
+              <a:rPr lang="it-IT" dirty="0"/>
               <a:t>Message </a:t>
             </a:r>
             <a:r>
-              <a:rPr lang="it-IT" dirty="0" err="1" smtClean="0"/>
+              <a:rPr lang="it-IT" dirty="0" err="1"/>
               <a:t>Driven</a:t>
             </a:r>
             <a:endParaRPr lang="it-IT" dirty="0"/>
@@ -15853,51 +15152,47 @@
           <a:p>
             <a:pPr algn="ctr"/>
             <a:r>
-              <a:rPr lang="it-IT" dirty="0" err="1" smtClean="0"/>
+              <a:rPr lang="it-IT" dirty="0" err="1"/>
               <a:t>Loose</a:t>
             </a:r>
             <a:r>
-              <a:rPr lang="it-IT" dirty="0" smtClean="0"/>
+              <a:rPr lang="it-IT" dirty="0"/>
               <a:t> </a:t>
             </a:r>
             <a:r>
-              <a:rPr lang="it-IT" dirty="0" err="1" smtClean="0"/>
+              <a:rPr lang="it-IT" dirty="0" err="1"/>
               <a:t>coupling</a:t>
             </a:r>
             <a:r>
-              <a:rPr lang="it-IT" dirty="0" smtClean="0"/>
+              <a:rPr lang="it-IT" dirty="0"/>
               <a:t> </a:t>
             </a:r>
             <a:r>
-              <a:rPr lang="it-IT" dirty="0" err="1" smtClean="0"/>
+              <a:rPr lang="it-IT" dirty="0" err="1"/>
               <a:t>through</a:t>
             </a:r>
-            <a:endParaRPr lang="it-IT" dirty="0" smtClean="0"/>
+            <a:endParaRPr lang="it-IT" dirty="0"/>
           </a:p>
           <a:p>
             <a:pPr algn="ctr"/>
             <a:r>
               <a:rPr lang="it-IT" dirty="0" err="1"/>
-              <a:t>a</a:t>
-            </a:r>
-            <a:r>
-              <a:rPr lang="it-IT" dirty="0" err="1" smtClean="0"/>
-              <a:t>sync</a:t>
-            </a:r>
-            <a:r>
-              <a:rPr lang="it-IT" dirty="0" smtClean="0"/>
+              <a:t>async</a:t>
+            </a:r>
+            <a:r>
+              <a:rPr lang="it-IT" dirty="0"/>
               <a:t> </a:t>
             </a:r>
             <a:r>
-              <a:rPr lang="it-IT" dirty="0" err="1" smtClean="0"/>
+              <a:rPr lang="it-IT" dirty="0" err="1"/>
               <a:t>message</a:t>
             </a:r>
             <a:r>
-              <a:rPr lang="it-IT" dirty="0" smtClean="0"/>
+              <a:rPr lang="it-IT" dirty="0"/>
               <a:t> </a:t>
             </a:r>
             <a:r>
-              <a:rPr lang="it-IT" dirty="0" err="1" smtClean="0"/>
+              <a:rPr lang="it-IT" dirty="0" err="1"/>
               <a:t>passing</a:t>
             </a:r>
             <a:endParaRPr lang="it-IT" dirty="0"/>
@@ -15941,7 +15236,7 @@
           <a:p>
             <a:pPr algn="ctr"/>
             <a:r>
-              <a:rPr lang="it-IT" dirty="0" err="1" smtClean="0"/>
+              <a:rPr lang="it-IT" dirty="0" err="1"/>
               <a:t>Resilient</a:t>
             </a:r>
             <a:endParaRPr lang="it-IT" dirty="0"/>
@@ -15972,45 +15267,45 @@
           <a:p>
             <a:pPr algn="r"/>
             <a:r>
-              <a:rPr lang="it-IT" dirty="0" err="1" smtClean="0"/>
+              <a:rPr lang="it-IT" dirty="0" err="1"/>
               <a:t>Error</a:t>
             </a:r>
             <a:r>
-              <a:rPr lang="it-IT" dirty="0" smtClean="0"/>
+              <a:rPr lang="it-IT" dirty="0"/>
               <a:t> </a:t>
             </a:r>
             <a:r>
-              <a:rPr lang="it-IT" dirty="0" err="1" smtClean="0"/>
+              <a:rPr lang="it-IT" dirty="0" err="1"/>
               <a:t>containment</a:t>
             </a:r>
             <a:r>
-              <a:rPr lang="it-IT" dirty="0" smtClean="0"/>
+              <a:rPr lang="it-IT" dirty="0"/>
               <a:t>,</a:t>
             </a:r>
           </a:p>
           <a:p>
             <a:pPr algn="r"/>
             <a:r>
-              <a:rPr lang="it-IT" dirty="0" smtClean="0"/>
+              <a:rPr lang="it-IT" dirty="0"/>
               <a:t>Replication,</a:t>
             </a:r>
           </a:p>
           <a:p>
             <a:pPr algn="ctr"/>
             <a:r>
-              <a:rPr lang="it-IT" dirty="0" smtClean="0"/>
+              <a:rPr lang="it-IT" dirty="0"/>
               <a:t>Fault </a:t>
             </a:r>
             <a:r>
-              <a:rPr lang="it-IT" dirty="0" err="1" smtClean="0"/>
+              <a:rPr lang="it-IT" dirty="0" err="1"/>
               <a:t>tolerance</a:t>
             </a:r>
             <a:r>
-              <a:rPr lang="it-IT" dirty="0" smtClean="0"/>
+              <a:rPr lang="it-IT" dirty="0"/>
               <a:t> and </a:t>
             </a:r>
             <a:r>
-              <a:rPr lang="it-IT" dirty="0" err="1" smtClean="0"/>
+              <a:rPr lang="it-IT" dirty="0" err="1"/>
               <a:t>recovery</a:t>
             </a:r>
             <a:endParaRPr lang="it-IT" dirty="0"/>
@@ -16054,7 +15349,7 @@
           <a:p>
             <a:pPr algn="ctr"/>
             <a:r>
-              <a:rPr lang="it-IT" dirty="0" err="1" smtClean="0"/>
+              <a:rPr lang="it-IT" dirty="0" err="1"/>
               <a:t>Elastic</a:t>
             </a:r>
             <a:endParaRPr lang="it-IT" dirty="0"/>
@@ -16084,30 +15379,30 @@
           <a:lstStyle/>
           <a:p>
             <a:r>
-              <a:rPr lang="it-IT" dirty="0" err="1" smtClean="0"/>
+              <a:rPr lang="it-IT" dirty="0" err="1"/>
               <a:t>Scalability</a:t>
             </a:r>
-            <a:endParaRPr lang="it-IT" dirty="0" smtClean="0"/>
-          </a:p>
-          <a:p>
-            <a:r>
-              <a:rPr lang="it-IT" dirty="0" err="1" smtClean="0"/>
+            <a:endParaRPr lang="it-IT" dirty="0"/>
+          </a:p>
+          <a:p>
+            <a:r>
+              <a:rPr lang="it-IT" dirty="0" err="1"/>
               <a:t>React</a:t>
             </a:r>
             <a:r>
-              <a:rPr lang="it-IT" dirty="0" smtClean="0"/>
+              <a:rPr lang="it-IT" dirty="0"/>
               <a:t> to </a:t>
             </a:r>
             <a:r>
-              <a:rPr lang="it-IT" dirty="0" err="1" smtClean="0"/>
+              <a:rPr lang="it-IT" dirty="0" err="1"/>
               <a:t>workload</a:t>
             </a:r>
             <a:r>
-              <a:rPr lang="it-IT" dirty="0" smtClean="0"/>
+              <a:rPr lang="it-IT" dirty="0"/>
               <a:t> </a:t>
             </a:r>
             <a:r>
-              <a:rPr lang="it-IT" dirty="0" err="1" smtClean="0"/>
+              <a:rPr lang="it-IT" dirty="0" err="1"/>
               <a:t>change</a:t>
             </a:r>
             <a:endParaRPr lang="it-IT" dirty="0"/>
@@ -16151,10 +15446,9 @@
           <a:p>
             <a:pPr algn="ctr"/>
             <a:r>
-              <a:rPr lang="it-IT" dirty="0" smtClean="0"/>
+              <a:rPr lang="it-IT" dirty="0"/>
               <a:t>Responsive</a:t>
             </a:r>
-            <a:endParaRPr lang="it-IT" dirty="0"/>
           </a:p>
         </p:txBody>
       </p:sp>
@@ -16181,12 +15475,8 @@
           <a:lstStyle/>
           <a:p>
             <a:r>
-              <a:rPr lang="en-US" dirty="0" smtClean="0"/>
-              <a:t>Rapid </a:t>
-            </a:r>
-            <a:r>
               <a:rPr lang="en-US" dirty="0"/>
-              <a:t>and consistent response times</a:t>
+              <a:t>Rapid and consistent response times</a:t>
             </a:r>
             <a:endParaRPr lang="it-IT" dirty="0"/>
           </a:p>
@@ -17102,6 +16392,80 @@
 </p:sld>
 </file>
 
+<file path=ppt/slides/slide8.xml><?xml version="1.0" encoding="utf-8"?>
+<p:sld xmlns:a="http://schemas.openxmlformats.org/drawingml/2006/main" xmlns:r="http://schemas.openxmlformats.org/officeDocument/2006/relationships" xmlns:p="http://schemas.openxmlformats.org/presentationml/2006/main">
+  <p:cSld>
+    <p:spTree>
+      <p:nvGrpSpPr>
+        <p:cNvPr id="1" name=""/>
+        <p:cNvGrpSpPr/>
+        <p:nvPr/>
+      </p:nvGrpSpPr>
+      <p:grpSpPr>
+        <a:xfrm>
+          <a:off x="0" y="0"/>
+          <a:ext cx="0" cy="0"/>
+          <a:chOff x="0" y="0"/>
+          <a:chExt cx="0" cy="0"/>
+        </a:xfrm>
+      </p:grpSpPr>
+      <p:sp>
+        <p:nvSpPr>
+          <p:cNvPr id="2" name="Titolo 1"/>
+          <p:cNvSpPr>
+            <a:spLocks noGrp="1"/>
+          </p:cNvSpPr>
+          <p:nvPr>
+            <p:ph type="title"/>
+          </p:nvPr>
+        </p:nvSpPr>
+        <p:spPr/>
+        <p:txBody>
+          <a:bodyPr>
+            <a:normAutofit/>
+          </a:bodyPr>
+          <a:lstStyle/>
+          <a:p>
+            <a:pPr algn="ctr"/>
+            <a:r>
+              <a:rPr lang="it-IT" sz="6000" dirty="0"/>
+              <a:t>And in the JavaScript world ?</a:t>
+            </a:r>
+          </a:p>
+        </p:txBody>
+      </p:sp>
+      <p:sp>
+        <p:nvSpPr>
+          <p:cNvPr id="4" name="Segnaposto testo 3"/>
+          <p:cNvSpPr>
+            <a:spLocks noGrp="1"/>
+          </p:cNvSpPr>
+          <p:nvPr>
+            <p:ph type="body" idx="1"/>
+          </p:nvPr>
+        </p:nvSpPr>
+        <p:spPr/>
+        <p:txBody>
+          <a:bodyPr/>
+          <a:lstStyle/>
+          <a:p>
+            <a:endParaRPr lang="it-IT"/>
+          </a:p>
+        </p:txBody>
+      </p:sp>
+    </p:spTree>
+    <p:extLst>
+      <p:ext uri="{BB962C8B-B14F-4D97-AF65-F5344CB8AC3E}">
+        <p14:creationId xmlns:p14="http://schemas.microsoft.com/office/powerpoint/2010/main" val="1714973932"/>
+      </p:ext>
+    </p:extLst>
+  </p:cSld>
+  <p:clrMapOvr>
+    <a:masterClrMapping/>
+  </p:clrMapOvr>
+</p:sld>
+</file>
+
 <file path=ppt/slides/slide9.xml><?xml version="1.0" encoding="utf-8"?>
 <p:sld xmlns:a="http://schemas.openxmlformats.org/drawingml/2006/main" xmlns:r="http://schemas.openxmlformats.org/officeDocument/2006/relationships" xmlns:p="http://schemas.openxmlformats.org/presentationml/2006/main">
   <p:cSld>
@@ -17121,7 +16485,7 @@
       </p:grpSpPr>
       <p:sp>
         <p:nvSpPr>
-          <p:cNvPr id="2" name="Titolo 1"/>
+          <p:cNvPr id="4" name="Titolo 3"/>
           <p:cNvSpPr>
             <a:spLocks noGrp="1"/>
           </p:cNvSpPr>
@@ -17131,23 +16495,31 @@
         </p:nvSpPr>
         <p:spPr/>
         <p:txBody>
-          <a:bodyPr>
-            <a:normAutofit/>
-          </a:bodyPr>
-          <a:lstStyle/>
-          <a:p>
-            <a:pPr algn="ctr"/>
-            <a:r>
-              <a:rPr lang="it-IT" sz="6000" dirty="0" smtClean="0"/>
-              <a:t>And in the JavaScript world ?</a:t>
-            </a:r>
-            <a:endParaRPr lang="it-IT" sz="6000" dirty="0"/>
-          </a:p>
-        </p:txBody>
-      </p:sp>
-      <p:sp>
-        <p:nvSpPr>
-          <p:cNvPr id="4" name="Segnaposto testo 3"/>
+          <a:bodyPr/>
+          <a:lstStyle/>
+          <a:p>
+            <a:r>
+              <a:rPr lang="it-IT" sz="4000" dirty="0" err="1"/>
+              <a:t>Introducing</a:t>
+            </a:r>
+            <a:r>
+              <a:rPr lang="it-IT" sz="4000" dirty="0"/>
+              <a:t>:</a:t>
+            </a:r>
+            <a:br>
+              <a:rPr lang="it-IT" dirty="0"/>
+            </a:br>
+            <a:r>
+              <a:rPr lang="it-IT" dirty="0" err="1"/>
+              <a:t>RxJS</a:t>
+            </a:r>
+            <a:endParaRPr lang="it-IT" dirty="0"/>
+          </a:p>
+        </p:txBody>
+      </p:sp>
+      <p:sp>
+        <p:nvSpPr>
+          <p:cNvPr id="5" name="Segnaposto testo 4"/>
           <p:cNvSpPr>
             <a:spLocks noGrp="1"/>
           </p:cNvSpPr>
@@ -17167,20 +16539,13 @@
     </p:spTree>
     <p:extLst>
       <p:ext uri="{BB962C8B-B14F-4D97-AF65-F5344CB8AC3E}">
-        <p14:creationId xmlns:p14="http://schemas.microsoft.com/office/powerpoint/2010/main" val="1714973932"/>
+        <p14:creationId xmlns:p14="http://schemas.microsoft.com/office/powerpoint/2010/main" val="1030136324"/>
       </p:ext>
     </p:extLst>
   </p:cSld>
   <p:clrMapOvr>
     <a:masterClrMapping/>
   </p:clrMapOvr>
-  <p:timing>
-    <p:tnLst>
-      <p:par>
-        <p:cTn id="1" dur="indefinite" restart="never" nodeType="tmRoot"/>
-      </p:par>
-    </p:tnLst>
-  </p:timing>
 </p:sld>
 </file>
 
@@ -17461,7 +16826,7 @@
   <a:extraClrSchemeLst/>
   <a:extLst>
     <a:ext uri="{05A4C25C-085E-4340-85A3-A5531E510DB2}">
-      <thm15:themeFamily xmlns:thm15="http://schemas.microsoft.com/office/thememl/2012/main" xmlns="" name="Retrospect" id="{5F128B03-DCCA-4EEB-AB3B-CF2899314A46}" vid="{9CC26709-368C-4D72-9060-94E5B3FF3CD6}"/>
+      <thm15:themeFamily xmlns:thm15="http://schemas.microsoft.com/office/thememl/2012/main" name="Retrospect" id="{5F128B03-DCCA-4EEB-AB3B-CF2899314A46}" vid="{9CC26709-368C-4D72-9060-94E5B3FF3CD6}"/>
     </a:ext>
   </a:extLst>
 </a:theme>
@@ -17756,7 +17121,7 @@
   <a:extraClrSchemeLst/>
   <a:extLst>
     <a:ext uri="{05A4C25C-085E-4340-85A3-A5531E510DB2}">
-      <thm15:themeFamily xmlns:thm15="http://schemas.microsoft.com/office/thememl/2012/main" xmlns="" name="Office Theme" id="{62F939B6-93AF-4DB8-9C6B-D6C7DFDC589F}" vid="{4A3C46E8-61CC-4603-A589-7422A47A8E4A}"/>
+      <thm15:themeFamily xmlns:thm15="http://schemas.microsoft.com/office/thememl/2012/main" name="Office Theme" id="{62F939B6-93AF-4DB8-9C6B-D6C7DFDC589F}" vid="{4A3C46E8-61CC-4603-A589-7422A47A8E4A}"/>
     </a:ext>
   </a:extLst>
 </a:theme>

--- a/ReactiveProgramming_RxJS.pptx
+++ b/ReactiveProgramming_RxJS.pptx
@@ -175,6 +175,7 @@
 <file path=ppt/revisionInfo.xml><?xml version="1.0" encoding="utf-8"?>
 <p1510:revInfo xmlns:a="http://schemas.openxmlformats.org/drawingml/2006/main" xmlns:r="http://schemas.openxmlformats.org/officeDocument/2006/relationships" xmlns:p1510="http://schemas.microsoft.com/office/powerpoint/2015/10/main">
   <p1510:revLst>
+    <p1510:client id="{23A54F07-80E2-44E9-AC9F-C20D33936091}" v="28" dt="2023-11-28T21:23:17.262"/>
     <p1510:client id="{66574AF1-BD74-4221-907B-632CC101DA1D}" v="14" dt="2023-05-16T17:41:14.246"/>
   </p1510:revLst>
 </p1510:revInfo>
@@ -235,6 +236,75 @@
       </pc:sldChg>
     </pc:docChg>
   </pc:docChgLst>
+  <pc:docChgLst>
+    <pc:chgData name="Alessandro Giorgetti" userId="332e11a8ec89c5cd" providerId="Windows Live" clId="Web-{23A54F07-80E2-44E9-AC9F-C20D33936091}"/>
+    <pc:docChg chg="modSld">
+      <pc:chgData name="Alessandro Giorgetti" userId="332e11a8ec89c5cd" providerId="Windows Live" clId="Web-{23A54F07-80E2-44E9-AC9F-C20D33936091}" dt="2023-11-28T21:23:17.262" v="27" actId="20577"/>
+      <pc:docMkLst>
+        <pc:docMk/>
+      </pc:docMkLst>
+      <pc:sldChg chg="modSp">
+        <pc:chgData name="Alessandro Giorgetti" userId="332e11a8ec89c5cd" providerId="Windows Live" clId="Web-{23A54F07-80E2-44E9-AC9F-C20D33936091}" dt="2023-11-28T21:15:55.581" v="7" actId="20577"/>
+        <pc:sldMkLst>
+          <pc:docMk/>
+          <pc:sldMk cId="3130042911" sldId="420"/>
+        </pc:sldMkLst>
+        <pc:spChg chg="mod">
+          <ac:chgData name="Alessandro Giorgetti" userId="332e11a8ec89c5cd" providerId="Windows Live" clId="Web-{23A54F07-80E2-44E9-AC9F-C20D33936091}" dt="2023-11-28T21:15:55.581" v="7" actId="20577"/>
+          <ac:spMkLst>
+            <pc:docMk/>
+            <pc:sldMk cId="3130042911" sldId="420"/>
+            <ac:spMk id="3" creationId="{00000000-0000-0000-0000-000000000000}"/>
+          </ac:spMkLst>
+        </pc:spChg>
+      </pc:sldChg>
+      <pc:sldChg chg="modSp">
+        <pc:chgData name="Alessandro Giorgetti" userId="332e11a8ec89c5cd" providerId="Windows Live" clId="Web-{23A54F07-80E2-44E9-AC9F-C20D33936091}" dt="2023-11-28T21:20:35.618" v="10" actId="20577"/>
+        <pc:sldMkLst>
+          <pc:docMk/>
+          <pc:sldMk cId="1728736343" sldId="429"/>
+        </pc:sldMkLst>
+        <pc:spChg chg="mod">
+          <ac:chgData name="Alessandro Giorgetti" userId="332e11a8ec89c5cd" providerId="Windows Live" clId="Web-{23A54F07-80E2-44E9-AC9F-C20D33936091}" dt="2023-11-28T21:20:35.618" v="10" actId="20577"/>
+          <ac:spMkLst>
+            <pc:docMk/>
+            <pc:sldMk cId="1728736343" sldId="429"/>
+            <ac:spMk id="3" creationId="{00000000-0000-0000-0000-000000000000}"/>
+          </ac:spMkLst>
+        </pc:spChg>
+      </pc:sldChg>
+      <pc:sldChg chg="modSp">
+        <pc:chgData name="Alessandro Giorgetti" userId="332e11a8ec89c5cd" providerId="Windows Live" clId="Web-{23A54F07-80E2-44E9-AC9F-C20D33936091}" dt="2023-11-28T21:21:56.214" v="25" actId="20577"/>
+        <pc:sldMkLst>
+          <pc:docMk/>
+          <pc:sldMk cId="2770691382" sldId="442"/>
+        </pc:sldMkLst>
+        <pc:spChg chg="mod">
+          <ac:chgData name="Alessandro Giorgetti" userId="332e11a8ec89c5cd" providerId="Windows Live" clId="Web-{23A54F07-80E2-44E9-AC9F-C20D33936091}" dt="2023-11-28T21:21:56.214" v="25" actId="20577"/>
+          <ac:spMkLst>
+            <pc:docMk/>
+            <pc:sldMk cId="2770691382" sldId="442"/>
+            <ac:spMk id="4" creationId="{00000000-0000-0000-0000-000000000000}"/>
+          </ac:spMkLst>
+        </pc:spChg>
+      </pc:sldChg>
+      <pc:sldChg chg="modSp">
+        <pc:chgData name="Alessandro Giorgetti" userId="332e11a8ec89c5cd" providerId="Windows Live" clId="Web-{23A54F07-80E2-44E9-AC9F-C20D33936091}" dt="2023-11-28T21:23:17.262" v="27" actId="20577"/>
+        <pc:sldMkLst>
+          <pc:docMk/>
+          <pc:sldMk cId="3247008050" sldId="447"/>
+        </pc:sldMkLst>
+        <pc:spChg chg="mod">
+          <ac:chgData name="Alessandro Giorgetti" userId="332e11a8ec89c5cd" providerId="Windows Live" clId="Web-{23A54F07-80E2-44E9-AC9F-C20D33936091}" dt="2023-11-28T21:23:17.262" v="27" actId="20577"/>
+          <ac:spMkLst>
+            <pc:docMk/>
+            <pc:sldMk cId="3247008050" sldId="447"/>
+            <ac:spMk id="3" creationId="{00000000-0000-0000-0000-000000000000}"/>
+          </ac:spMkLst>
+        </pc:spChg>
+      </pc:sldChg>
+    </pc:docChg>
+  </pc:docChgLst>
 </pc:chgInfo>
 </file>
 
@@ -320,7 +390,7 @@
           <a:p>
             <a:fld id="{327B5F9E-84DB-4811-8F56-9C65E911095D}" type="datetimeFigureOut">
               <a:rPr lang="it-IT" smtClean="0"/>
-              <a:t>16/05/2023</a:t>
+              <a:t>28/11/2023</a:t>
             </a:fld>
             <a:endParaRPr lang="it-IT"/>
           </a:p>
@@ -485,7 +555,7 @@
           <a:p>
             <a:fld id="{60073984-6E99-4D80-ADB1-BFDA0D866557}" type="datetimeFigureOut">
               <a:rPr lang="en-US"/>
-              <a:t>5/16/2023</a:t>
+              <a:t>11/28/2023</a:t>
             </a:fld>
             <a:endParaRPr lang="en-US"/>
           </a:p>
@@ -906,7 +976,7 @@
           <a:p>
             <a:fld id="{C519897D-FFB3-4111-B327-449DADBE2990}" type="slidenum">
               <a:rPr lang="en-US" smtClean="0"/>
-              <a:t>11</a:t>
+              <a:t>10</a:t>
             </a:fld>
             <a:endParaRPr lang="en-US"/>
           </a:p>
@@ -990,7 +1060,7 @@
           <a:p>
             <a:fld id="{C519897D-FFB3-4111-B327-449DADBE2990}" type="slidenum">
               <a:rPr lang="en-US" smtClean="0"/>
-              <a:t>12</a:t>
+              <a:t>11</a:t>
             </a:fld>
             <a:endParaRPr lang="en-US"/>
           </a:p>
@@ -1074,7 +1144,7 @@
           <a:p>
             <a:fld id="{C519897D-FFB3-4111-B327-449DADBE2990}" type="slidenum">
               <a:rPr lang="en-US" smtClean="0"/>
-              <a:t>13</a:t>
+              <a:t>12</a:t>
             </a:fld>
             <a:endParaRPr lang="en-US"/>
           </a:p>
@@ -1158,7 +1228,7 @@
           <a:p>
             <a:fld id="{C519897D-FFB3-4111-B327-449DADBE2990}" type="slidenum">
               <a:rPr lang="en-US" smtClean="0"/>
-              <a:t>14</a:t>
+              <a:t>13</a:t>
             </a:fld>
             <a:endParaRPr lang="en-US"/>
           </a:p>
@@ -1242,7 +1312,7 @@
           <a:p>
             <a:fld id="{C519897D-FFB3-4111-B327-449DADBE2990}" type="slidenum">
               <a:rPr lang="en-US" smtClean="0"/>
-              <a:t>15</a:t>
+              <a:t>14</a:t>
             </a:fld>
             <a:endParaRPr lang="en-US"/>
           </a:p>
@@ -1326,7 +1396,7 @@
           <a:p>
             <a:fld id="{C519897D-FFB3-4111-B327-449DADBE2990}" type="slidenum">
               <a:rPr lang="en-US" smtClean="0"/>
-              <a:t>16</a:t>
+              <a:t>15</a:t>
             </a:fld>
             <a:endParaRPr lang="en-US"/>
           </a:p>
@@ -1410,7 +1480,7 @@
           <a:p>
             <a:fld id="{C519897D-FFB3-4111-B327-449DADBE2990}" type="slidenum">
               <a:rPr lang="en-US" smtClean="0"/>
-              <a:t>17</a:t>
+              <a:t>16</a:t>
             </a:fld>
             <a:endParaRPr lang="en-US"/>
           </a:p>
@@ -1494,7 +1564,7 @@
           <a:p>
             <a:fld id="{C519897D-FFB3-4111-B327-449DADBE2990}" type="slidenum">
               <a:rPr lang="en-US" smtClean="0"/>
-              <a:t>18</a:t>
+              <a:t>17</a:t>
             </a:fld>
             <a:endParaRPr lang="en-US"/>
           </a:p>
@@ -1578,7 +1648,7 @@
           <a:p>
             <a:fld id="{C519897D-FFB3-4111-B327-449DADBE2990}" type="slidenum">
               <a:rPr lang="en-US" smtClean="0"/>
-              <a:t>19</a:t>
+              <a:t>18</a:t>
             </a:fld>
             <a:endParaRPr lang="en-US"/>
           </a:p>
@@ -1662,7 +1732,7 @@
           <a:p>
             <a:fld id="{C519897D-FFB3-4111-B327-449DADBE2990}" type="slidenum">
               <a:rPr lang="en-US" smtClean="0"/>
-              <a:t>20</a:t>
+              <a:t>19</a:t>
             </a:fld>
             <a:endParaRPr lang="en-US"/>
           </a:p>
@@ -1830,7 +1900,7 @@
           <a:p>
             <a:fld id="{C519897D-FFB3-4111-B327-449DADBE2990}" type="slidenum">
               <a:rPr lang="en-US" smtClean="0"/>
-              <a:t>21</a:t>
+              <a:t>20</a:t>
             </a:fld>
             <a:endParaRPr lang="en-US"/>
           </a:p>
@@ -1914,7 +1984,7 @@
           <a:p>
             <a:fld id="{C519897D-FFB3-4111-B327-449DADBE2990}" type="slidenum">
               <a:rPr lang="en-US" smtClean="0"/>
-              <a:t>22</a:t>
+              <a:t>21</a:t>
             </a:fld>
             <a:endParaRPr lang="en-US"/>
           </a:p>
@@ -1998,7 +2068,7 @@
           <a:p>
             <a:fld id="{C519897D-FFB3-4111-B327-449DADBE2990}" type="slidenum">
               <a:rPr lang="en-US" smtClean="0"/>
-              <a:t>23</a:t>
+              <a:t>22</a:t>
             </a:fld>
             <a:endParaRPr lang="en-US"/>
           </a:p>
@@ -2082,7 +2152,7 @@
           <a:p>
             <a:fld id="{C519897D-FFB3-4111-B327-449DADBE2990}" type="slidenum">
               <a:rPr lang="en-US" smtClean="0"/>
-              <a:t>24</a:t>
+              <a:t>23</a:t>
             </a:fld>
             <a:endParaRPr lang="en-US"/>
           </a:p>
@@ -2166,7 +2236,7 @@
           <a:p>
             <a:fld id="{C519897D-FFB3-4111-B327-449DADBE2990}" type="slidenum">
               <a:rPr lang="en-US" smtClean="0"/>
-              <a:t>25</a:t>
+              <a:t>24</a:t>
             </a:fld>
             <a:endParaRPr lang="en-US"/>
           </a:p>
@@ -2250,7 +2320,7 @@
           <a:p>
             <a:fld id="{C519897D-FFB3-4111-B327-449DADBE2990}" type="slidenum">
               <a:rPr lang="en-US" smtClean="0"/>
-              <a:t>26</a:t>
+              <a:t>25</a:t>
             </a:fld>
             <a:endParaRPr lang="en-US"/>
           </a:p>
@@ -2334,7 +2404,7 @@
           <a:p>
             <a:fld id="{C519897D-FFB3-4111-B327-449DADBE2990}" type="slidenum">
               <a:rPr lang="en-US" smtClean="0"/>
-              <a:t>27</a:t>
+              <a:t>26</a:t>
             </a:fld>
             <a:endParaRPr lang="en-US"/>
           </a:p>
@@ -2684,7 +2754,7 @@
           <a:p>
             <a:fld id="{C519897D-FFB3-4111-B327-449DADBE2990}" type="slidenum">
               <a:rPr lang="en-US" smtClean="0"/>
-              <a:t>28</a:t>
+              <a:t>27</a:t>
             </a:fld>
             <a:endParaRPr lang="en-US"/>
           </a:p>
@@ -2768,7 +2838,7 @@
           <a:p>
             <a:fld id="{C519897D-FFB3-4111-B327-449DADBE2990}" type="slidenum">
               <a:rPr lang="en-US" smtClean="0"/>
-              <a:t>29</a:t>
+              <a:t>28</a:t>
             </a:fld>
             <a:endParaRPr lang="en-US"/>
           </a:p>
@@ -2852,7 +2922,7 @@
           <a:p>
             <a:fld id="{C519897D-FFB3-4111-B327-449DADBE2990}" type="slidenum">
               <a:rPr lang="en-US" smtClean="0"/>
-              <a:t>30</a:t>
+              <a:t>29</a:t>
             </a:fld>
             <a:endParaRPr lang="en-US"/>
           </a:p>
@@ -3020,7 +3090,7 @@
           <a:p>
             <a:fld id="{C519897D-FFB3-4111-B327-449DADBE2990}" type="slidenum">
               <a:rPr lang="en-US" smtClean="0"/>
-              <a:t>31</a:t>
+              <a:t>30</a:t>
             </a:fld>
             <a:endParaRPr lang="en-US"/>
           </a:p>
@@ -3188,7 +3258,7 @@
           <a:p>
             <a:fld id="{C519897D-FFB3-4111-B327-449DADBE2990}" type="slidenum">
               <a:rPr lang="en-US" smtClean="0"/>
-              <a:t>6</a:t>
+              <a:t>5</a:t>
             </a:fld>
             <a:endParaRPr lang="en-US"/>
           </a:p>
@@ -3272,7 +3342,7 @@
           <a:p>
             <a:fld id="{C519897D-FFB3-4111-B327-449DADBE2990}" type="slidenum">
               <a:rPr lang="en-US" smtClean="0"/>
-              <a:t>7</a:t>
+              <a:t>6</a:t>
             </a:fld>
             <a:endParaRPr lang="en-US"/>
           </a:p>
@@ -3356,7 +3426,7 @@
           <a:p>
             <a:fld id="{C519897D-FFB3-4111-B327-449DADBE2990}" type="slidenum">
               <a:rPr lang="en-US" smtClean="0"/>
-              <a:t>8</a:t>
+              <a:t>7</a:t>
             </a:fld>
             <a:endParaRPr lang="en-US"/>
           </a:p>
@@ -3440,7 +3510,7 @@
           <a:p>
             <a:fld id="{C519897D-FFB3-4111-B327-449DADBE2990}" type="slidenum">
               <a:rPr lang="en-US" smtClean="0"/>
-              <a:t>9</a:t>
+              <a:t>8</a:t>
             </a:fld>
             <a:endParaRPr lang="en-US"/>
           </a:p>
@@ -3524,7 +3594,7 @@
           <a:p>
             <a:fld id="{C519897D-FFB3-4111-B327-449DADBE2990}" type="slidenum">
               <a:rPr lang="en-US" smtClean="0"/>
-              <a:t>10</a:t>
+              <a:t>9</a:t>
             </a:fld>
             <a:endParaRPr lang="en-US"/>
           </a:p>
@@ -3767,7 +3837,7 @@
           <a:p>
             <a:fld id="{F1FA7AC5-6045-4418-8E60-F48788734473}" type="datetimeFigureOut">
               <a:rPr lang="en-US" smtClean="0"/>
-              <a:t>5/16/2023</a:t>
+              <a:t>11/28/2023</a:t>
             </a:fld>
             <a:endParaRPr lang="en-US"/>
           </a:p>
@@ -3973,7 +4043,7 @@
           <a:p>
             <a:fld id="{F1FA7AC5-6045-4418-8E60-F48788734473}" type="datetimeFigureOut">
               <a:rPr lang="en-US" smtClean="0"/>
-              <a:t>5/16/2023</a:t>
+              <a:t>11/28/2023</a:t>
             </a:fld>
             <a:endParaRPr lang="en-US"/>
           </a:p>
@@ -4227,7 +4297,7 @@
           <a:p>
             <a:fld id="{F1FA7AC5-6045-4418-8E60-F48788734473}" type="datetimeFigureOut">
               <a:rPr lang="en-US" smtClean="0"/>
-              <a:t>5/16/2023</a:t>
+              <a:t>11/28/2023</a:t>
             </a:fld>
             <a:endParaRPr lang="en-US"/>
           </a:p>
@@ -4395,7 +4465,7 @@
           <a:p>
             <a:fld id="{F1FA7AC5-6045-4418-8E60-F48788734473}" type="datetimeFigureOut">
               <a:rPr lang="en-US" smtClean="0"/>
-              <a:t>5/16/2023</a:t>
+              <a:t>11/28/2023</a:t>
             </a:fld>
             <a:endParaRPr lang="en-US"/>
           </a:p>
@@ -4737,7 +4807,7 @@
           <a:p>
             <a:fld id="{F1FA7AC5-6045-4418-8E60-F48788734473}" type="datetimeFigureOut">
               <a:rPr lang="en-US" smtClean="0"/>
-              <a:t>5/16/2023</a:t>
+              <a:t>11/28/2023</a:t>
             </a:fld>
             <a:endParaRPr lang="en-US"/>
           </a:p>
@@ -5009,7 +5079,7 @@
           <a:p>
             <a:fld id="{F1FA7AC5-6045-4418-8E60-F48788734473}" type="datetimeFigureOut">
               <a:rPr lang="en-US" smtClean="0"/>
-              <a:t>5/16/2023</a:t>
+              <a:t>11/28/2023</a:t>
             </a:fld>
             <a:endParaRPr lang="en-US"/>
           </a:p>
@@ -5385,7 +5455,7 @@
           <a:p>
             <a:fld id="{F1FA7AC5-6045-4418-8E60-F48788734473}" type="datetimeFigureOut">
               <a:rPr lang="en-US" smtClean="0"/>
-              <a:t>5/16/2023</a:t>
+              <a:t>11/28/2023</a:t>
             </a:fld>
             <a:endParaRPr lang="en-US"/>
           </a:p>
@@ -5502,7 +5572,7 @@
           <a:p>
             <a:fld id="{F1FA7AC5-6045-4418-8E60-F48788734473}" type="datetimeFigureOut">
               <a:rPr lang="en-US" smtClean="0"/>
-              <a:t>5/16/2023</a:t>
+              <a:t>11/28/2023</a:t>
             </a:fld>
             <a:endParaRPr lang="en-US"/>
           </a:p>
@@ -5673,7 +5743,7 @@
           <a:p>
             <a:fld id="{F1FA7AC5-6045-4418-8E60-F48788734473}" type="datetimeFigureOut">
               <a:rPr lang="en-US" smtClean="0"/>
-              <a:t>5/16/2023</a:t>
+              <a:t>11/28/2023</a:t>
             </a:fld>
             <a:endParaRPr lang="en-US"/>
           </a:p>
@@ -6025,7 +6095,7 @@
           <a:p>
             <a:fld id="{F1FA7AC5-6045-4418-8E60-F48788734473}" type="datetimeFigureOut">
               <a:rPr lang="en-US" smtClean="0"/>
-              <a:t>5/16/2023</a:t>
+              <a:t>11/28/2023</a:t>
             </a:fld>
             <a:endParaRPr lang="en-US"/>
           </a:p>
@@ -6400,7 +6470,7 @@
           <a:p>
             <a:fld id="{F1FA7AC5-6045-4418-8E60-F48788734473}" type="datetimeFigureOut">
               <a:rPr lang="en-US" smtClean="0"/>
-              <a:t>5/16/2023</a:t>
+              <a:t>11/28/2023</a:t>
             </a:fld>
             <a:endParaRPr lang="en-US"/>
           </a:p>
@@ -6685,7 +6755,7 @@
           <a:p>
             <a:fld id="{F1FA7AC5-6045-4418-8E60-F48788734473}" type="datetimeFigureOut">
               <a:rPr lang="en-US" smtClean="0"/>
-              <a:t>5/16/2023</a:t>
+              <a:t>11/28/2023</a:t>
             </a:fld>
             <a:endParaRPr lang="en-US"/>
           </a:p>
@@ -7972,7 +8042,7 @@
         </p:nvSpPr>
         <p:spPr/>
         <p:txBody>
-          <a:bodyPr>
+          <a:bodyPr vert="horz" lIns="0" tIns="45720" rIns="0" bIns="45720" rtlCol="0" anchor="t">
             <a:normAutofit/>
           </a:bodyPr>
           <a:lstStyle/>
@@ -8077,7 +8147,7 @@
             </a:r>
             <a:r>
               <a:rPr lang="en-US" sz="2400" dirty="0"/>
-              <a:t>: are centralized dispatchers to control concurrency, allowing us to coordinate when computation happens on e.g.: </a:t>
+              <a:t>: are centralized dispatchers that control concurrency, allowing us to coordinate when computation happens on e.g.: </a:t>
             </a:r>
             <a:r>
               <a:rPr lang="en-US" sz="2400" dirty="0" err="1"/>
@@ -9265,52 +9335,12 @@
         </p:nvSpPr>
         <p:spPr/>
         <p:txBody>
-          <a:bodyPr/>
+          <a:bodyPr vert="horz" lIns="0" tIns="45720" rIns="0" bIns="45720" rtlCol="0" anchor="t">
+            <a:normAutofit/>
+          </a:bodyPr>
           <a:lstStyle/>
           <a:p>
             <a:endParaRPr lang="it-IT" dirty="0"/>
-          </a:p>
-          <a:p>
-            <a:r>
-              <a:rPr lang="it-IT" dirty="0" err="1"/>
-              <a:t>Looking</a:t>
-            </a:r>
-            <a:r>
-              <a:rPr lang="it-IT" dirty="0"/>
-              <a:t> for </a:t>
-            </a:r>
-            <a:r>
-              <a:rPr lang="it-IT" dirty="0" err="1"/>
-              <a:t>Reactive</a:t>
-            </a:r>
-            <a:r>
-              <a:rPr lang="it-IT" dirty="0"/>
-              <a:t> Programming in </a:t>
-            </a:r>
-            <a:r>
-              <a:rPr lang="it-IT" dirty="0" err="1"/>
-              <a:t>your</a:t>
-            </a:r>
-            <a:r>
-              <a:rPr lang="it-IT" dirty="0"/>
-              <a:t> favorite </a:t>
-            </a:r>
-            <a:r>
-              <a:rPr lang="it-IT" dirty="0" err="1"/>
-              <a:t>search</a:t>
-            </a:r>
-            <a:r>
-              <a:rPr lang="it-IT" dirty="0"/>
-              <a:t> </a:t>
-            </a:r>
-            <a:r>
-              <a:rPr lang="it-IT" dirty="0" err="1"/>
-              <a:t>engine</a:t>
-            </a:r>
-            <a:r>
-              <a:rPr lang="it-IT" dirty="0"/>
-              <a:t>:</a:t>
-            </a:r>
           </a:p>
           <a:p>
             <a:endParaRPr lang="it-IT" dirty="0"/>
@@ -9337,21 +9367,20 @@
               <a:buFont typeface="Arial" panose="020B0604020202020204" pitchFamily="34" charset="0"/>
               <a:buChar char="•"/>
             </a:pPr>
-            <a:r>
-              <a:rPr lang="it-IT" dirty="0" err="1"/>
+            <a:endParaRPr lang="it-IT" dirty="0"/>
+          </a:p>
+          <a:p>
+            <a:pPr>
+              <a:buFont typeface="Arial" panose="020B0604020202020204" pitchFamily="34" charset="0"/>
+              <a:buChar char="•"/>
+            </a:pPr>
+            <a:r>
+              <a:rPr lang="it-IT" err="1"/>
               <a:t>Stack</a:t>
             </a:r>
             <a:r>
               <a:rPr lang="it-IT" dirty="0"/>
-              <a:t> </a:t>
-            </a:r>
-            <a:r>
-              <a:rPr lang="it-IT" dirty="0" err="1"/>
-              <a:t>Overflow</a:t>
-            </a:r>
-            <a:r>
-              <a:rPr lang="it-IT" dirty="0"/>
-              <a:t>: </a:t>
+              <a:t> Overflow: </a:t>
             </a:r>
             <a:r>
               <a:rPr lang="it-IT" dirty="0">
@@ -9359,6 +9388,13 @@
               </a:rPr>
               <a:t>https://stackoverflow.com/questions/1028250/what-is-functional-reactive-programming</a:t>
             </a:r>
+            <a:endParaRPr lang="it-IT" dirty="0"/>
+          </a:p>
+          <a:p>
+            <a:pPr>
+              <a:buFont typeface="Arial" panose="020B0604020202020204" pitchFamily="34" charset="0"/>
+              <a:buChar char="•"/>
+            </a:pPr>
             <a:endParaRPr lang="it-IT" dirty="0"/>
           </a:p>
           <a:p>
@@ -9443,7 +9479,7 @@
                                         <p:tgtEl>
                                           <p:spTgt spid="3">
                                             <p:txEl>
-                                              <p:pRg st="3" end="3"/>
+                                              <p:pRg st="2" end="2"/>
                                             </p:txEl>
                                           </p:spTgt>
                                         </p:tgtEl>
@@ -9461,7 +9497,7 @@
                                         <p:tgtEl>
                                           <p:spTgt spid="3">
                                             <p:txEl>
-                                              <p:pRg st="3" end="3"/>
+                                              <p:pRg st="2" end="2"/>
                                             </p:txEl>
                                           </p:spTgt>
                                         </p:tgtEl>
@@ -9547,7 +9583,7 @@
                                         <p:tgtEl>
                                           <p:spTgt spid="3">
                                             <p:txEl>
-                                              <p:pRg st="5" end="5"/>
+                                              <p:pRg st="6" end="6"/>
                                             </p:txEl>
                                           </p:spTgt>
                                         </p:tgtEl>
@@ -9565,7 +9601,7 @@
                                         <p:tgtEl>
                                           <p:spTgt spid="3">
                                             <p:txEl>
-                                              <p:pRg st="5" end="5"/>
+                                              <p:pRg st="6" end="6"/>
                                             </p:txEl>
                                           </p:spTgt>
                                         </p:tgtEl>
@@ -10538,7 +10574,7 @@
         <p:spPr/>
         <p:txBody>
           <a:bodyPr>
-            <a:normAutofit/>
+            <a:normAutofit fontScale="90000"/>
           </a:bodyPr>
           <a:lstStyle/>
           <a:p>
@@ -10553,15 +10589,28 @@
               <a:rPr lang="it-IT" dirty="0"/>
             </a:br>
             <a:r>
-              <a:rPr lang="it-IT" dirty="0"/>
+              <a:rPr lang="it-IT" err="1"/>
+              <a:t>firstValueFrom</a:t>
+            </a:r>
+            <a:r>
+              <a:rPr lang="it-IT" dirty="0"/>
+              <a:t>()</a:t>
+            </a:r>
+            <a:br>
+              <a:rPr lang="it-IT" dirty="0">
+                <a:cs typeface="Calibri Light"/>
+              </a:rPr>
+            </a:br>
+            <a:r>
+              <a:rPr lang="it-IT" strike="sngStrike" dirty="0"/>
               <a:t>.</a:t>
             </a:r>
             <a:r>
-              <a:rPr lang="it-IT" dirty="0" err="1"/>
+              <a:rPr lang="it-IT" strike="sngStrike" err="1"/>
               <a:t>toPromise</a:t>
             </a:r>
             <a:r>
-              <a:rPr lang="it-IT" dirty="0"/>
+              <a:rPr lang="it-IT" strike="sngStrike" dirty="0"/>
               <a:t>()</a:t>
             </a:r>
           </a:p>
@@ -11158,7 +11207,7 @@
         </p:nvSpPr>
         <p:spPr/>
         <p:txBody>
-          <a:bodyPr>
+          <a:bodyPr vert="horz" lIns="0" tIns="45720" rIns="0" bIns="45720" rtlCol="0" anchor="t">
             <a:normAutofit/>
           </a:bodyPr>
           <a:lstStyle/>
@@ -11220,15 +11269,7 @@
             </a:r>
             <a:r>
               <a:rPr lang="it-IT" dirty="0"/>
-              <a:t> </a:t>
-            </a:r>
-            <a:r>
-              <a:rPr lang="it-IT" dirty="0" err="1"/>
-              <a:t>one</a:t>
-            </a:r>
-            <a:r>
-              <a:rPr lang="it-IT" dirty="0"/>
-              <a:t>. </a:t>
+              <a:t> one. </a:t>
             </a:r>
             <a:br>
               <a:rPr lang="it-IT" dirty="0"/>
@@ -11349,15 +11390,7 @@
             </a:r>
             <a:r>
               <a:rPr lang="it-IT" dirty="0"/>
-              <a:t> in a single </a:t>
-            </a:r>
-            <a:r>
-              <a:rPr lang="it-IT" dirty="0" err="1"/>
-              <a:t>stream</a:t>
-            </a:r>
-            <a:r>
-              <a:rPr lang="it-IT" dirty="0"/>
-              <a:t>. </a:t>
+              <a:t> in a single stream. </a:t>
             </a:r>
             <a:br>
               <a:rPr lang="it-IT" dirty="0"/>
@@ -11403,12 +11436,8 @@
               <a:t>. </a:t>
             </a:r>
             <a:r>
-              <a:rPr lang="it-IT" b="1" dirty="0" err="1"/>
-              <a:t>Better</a:t>
-            </a:r>
-            <a:r>
               <a:rPr lang="it-IT" b="1" dirty="0"/>
-              <a:t> </a:t>
+              <a:t>Better </a:t>
             </a:r>
             <a:r>
               <a:rPr lang="it-IT" b="1" dirty="0" err="1"/>
@@ -11573,12 +11602,8 @@
               <a:t>. </a:t>
             </a:r>
             <a:r>
-              <a:rPr lang="it-IT" b="1" dirty="0" err="1"/>
-              <a:t>Better</a:t>
-            </a:r>
-            <a:r>
               <a:rPr lang="it-IT" b="1" dirty="0"/>
-              <a:t> </a:t>
+              <a:t>Better </a:t>
             </a:r>
             <a:r>
               <a:rPr lang="it-IT" b="1" dirty="0" err="1"/>
@@ -11629,10 +11654,12 @@
               <a:t>operations</a:t>
             </a:r>
             <a:r>
-              <a:rPr lang="it-IT" b="1"/>
-              <a:t>-</a:t>
-            </a:r>
-            <a:endParaRPr lang="it-IT" dirty="0"/>
+              <a:rPr lang="it-IT" b="1" dirty="0"/>
+              <a:t>.</a:t>
+            </a:r>
+            <a:endParaRPr lang="it-IT" b="1" dirty="0">
+              <a:cs typeface="Calibri"/>
+            </a:endParaRPr>
           </a:p>
           <a:p>
             <a:pPr>
@@ -11697,15 +11724,7 @@
             </a:r>
             <a:r>
               <a:rPr lang="it-IT" b="1" dirty="0"/>
-              <a:t> </a:t>
-            </a:r>
-            <a:r>
-              <a:rPr lang="it-IT" b="1" dirty="0" err="1"/>
-              <a:t>one</a:t>
-            </a:r>
-            <a:r>
-              <a:rPr lang="it-IT" b="1" dirty="0"/>
-              <a:t> </a:t>
+              <a:t> one </a:t>
             </a:r>
             <a:r>
               <a:rPr lang="it-IT" b="1" dirty="0" err="1"/>
